--- a/annexes/Word_recognition.pptx
+++ b/annexes/Word_recognition.pptx
@@ -5,7 +5,7 @@
     <p:sldMasterId id="2147483684" r:id="rId1"/>
   </p:sldMasterIdLst>
   <p:notesMasterIdLst>
-    <p:notesMasterId r:id="rId22"/>
+    <p:notesMasterId r:id="rId27"/>
   </p:notesMasterIdLst>
   <p:sldIdLst>
     <p:sldId id="256" r:id="rId2"/>
@@ -26,8 +26,13 @@
     <p:sldId id="275" r:id="rId17"/>
     <p:sldId id="273" r:id="rId18"/>
     <p:sldId id="272" r:id="rId19"/>
-    <p:sldId id="260" r:id="rId20"/>
-    <p:sldId id="274" r:id="rId21"/>
+    <p:sldId id="278" r:id="rId20"/>
+    <p:sldId id="279" r:id="rId21"/>
+    <p:sldId id="280" r:id="rId22"/>
+    <p:sldId id="260" r:id="rId23"/>
+    <p:sldId id="277" r:id="rId24"/>
+    <p:sldId id="274" r:id="rId25"/>
+    <p:sldId id="276" r:id="rId26"/>
   </p:sldIdLst>
   <p:sldSz cx="9144000" cy="6858000" type="screen4x3"/>
   <p:notesSz cx="6858000" cy="9144000"/>
@@ -144,9 +149,14 @@
               <a:defRPr/>
             </a:pPr>
             <a:r>
-              <a:rPr lang="fr-FR"/>
-              <a:t>Mel scale</a:t>
-            </a:r>
+              <a:rPr lang="fr-FR" dirty="0"/>
+              <a:t>Mel </a:t>
+            </a:r>
+            <a:r>
+              <a:rPr lang="fr-FR" dirty="0" err="1"/>
+              <a:t>scale</a:t>
+            </a:r>
+            <a:endParaRPr lang="fr-FR"/>
           </a:p>
         </c:rich>
       </c:tx>
@@ -172,13 +182,13 @@
                 <c:formatCode>General</c:formatCode>
                 <c:ptCount val="19"/>
                 <c:pt idx="0">
-                  <c:v>275.63444261342869</c:v>
+                  <c:v>275.63444261342909</c:v>
                 </c:pt>
                 <c:pt idx="1">
                   <c:v>506.95998871988297</c:v>
                 </c:pt>
                 <c:pt idx="2">
-                  <c:v>706.26879694329102</c:v>
+                  <c:v>706.26879694329136</c:v>
                 </c:pt>
                 <c:pt idx="3">
                   <c:v>881.35550350138089</c:v>
@@ -187,10 +197,10 @@
                   <c:v>1037.474705418663</c:v>
                 </c:pt>
                 <c:pt idx="5">
-                  <c:v>1178.3372412585093</c:v>
+                  <c:v>1178.3372412585086</c:v>
                 </c:pt>
                 <c:pt idx="6">
-                  <c:v>1306.6613382340458</c:v>
+                  <c:v>1306.6613382340445</c:v>
                 </c:pt>
                 <c:pt idx="7">
                   <c:v>1424.4978285279099</c:v>
@@ -202,7 +212,7 @@
                   <c:v>1634.7155359182561</c:v>
                 </c:pt>
                 <c:pt idx="10">
-                  <c:v>1729.3524100563254</c:v>
+                  <c:v>1729.3524100563241</c:v>
                 </c:pt>
                 <c:pt idx="11">
                   <c:v>1818.1616770141868</c:v>
@@ -214,10 +224,10 @@
                   <c:v>1980.8911770522955</c:v>
                 </c:pt>
                 <c:pt idx="14">
-                  <c:v>2055.8532347335267</c:v>
+                  <c:v>2055.853234733529</c:v>
                 </c:pt>
                 <c:pt idx="15">
-                  <c:v>2127.111917903349</c:v>
+                  <c:v>2127.1119179033517</c:v>
                 </c:pt>
                 <c:pt idx="16">
                   <c:v>2195.0159824051429</c:v>
@@ -244,7 +254,7 @@
                   <c:v>421.05263157894734</c:v>
                 </c:pt>
                 <c:pt idx="2">
-                  <c:v>631.57894736842275</c:v>
+                  <c:v>631.5789473684232</c:v>
                 </c:pt>
                 <c:pt idx="3">
                   <c:v>842.10526315789468</c:v>
@@ -256,7 +266,7 @@
                   <c:v>1263.1578947368398</c:v>
                 </c:pt>
                 <c:pt idx="6">
-                  <c:v>1473.6842105263099</c:v>
+                  <c:v>1473.6842105263086</c:v>
                 </c:pt>
                 <c:pt idx="7">
                   <c:v>1684.21052631579</c:v>
@@ -277,13 +287,13 @@
                   <c:v>2736.8421052631579</c:v>
                 </c:pt>
                 <c:pt idx="13">
-                  <c:v>2947.3684210526249</c:v>
+                  <c:v>2947.3684210526235</c:v>
                 </c:pt>
                 <c:pt idx="14">
-                  <c:v>3157.8947368421159</c:v>
+                  <c:v>3157.8947368421186</c:v>
                 </c:pt>
                 <c:pt idx="15">
-                  <c:v>3368.421052631591</c:v>
+                  <c:v>3368.4210526315937</c:v>
                 </c:pt>
                 <c:pt idx="16">
                   <c:v>3578.9473684210507</c:v>
@@ -327,13 +337,13 @@
                 <c:formatCode>General</c:formatCode>
                 <c:ptCount val="4"/>
                 <c:pt idx="0">
-                  <c:v>275.63444261342869</c:v>
+                  <c:v>275.63444261342909</c:v>
                 </c:pt>
                 <c:pt idx="1">
                   <c:v>506.95998871988297</c:v>
                 </c:pt>
                 <c:pt idx="2">
-                  <c:v>706.26879694329102</c:v>
+                  <c:v>706.26879694329136</c:v>
                 </c:pt>
                 <c:pt idx="3">
                   <c:v>881.35550350138089</c:v>
@@ -354,7 +364,7 @@
                   <c:v>421.05263157894734</c:v>
                 </c:pt>
                 <c:pt idx="2">
-                  <c:v>631.57894736842275</c:v>
+                  <c:v>631.5789473684232</c:v>
                 </c:pt>
                 <c:pt idx="3">
                   <c:v>842.10526315789468</c:v>
@@ -366,7 +376,7 @@
                   <c:v>1263.1578947368398</c:v>
                 </c:pt>
                 <c:pt idx="6">
-                  <c:v>1473.6842105263099</c:v>
+                  <c:v>1473.6842105263086</c:v>
                 </c:pt>
                 <c:pt idx="7">
                   <c:v>1684.21052631579</c:v>
@@ -387,13 +397,13 @@
                   <c:v>2736.8421052631579</c:v>
                 </c:pt>
                 <c:pt idx="13">
-                  <c:v>2947.3684210526249</c:v>
+                  <c:v>2947.3684210526235</c:v>
                 </c:pt>
                 <c:pt idx="14">
-                  <c:v>3157.8947368421159</c:v>
+                  <c:v>3157.8947368421186</c:v>
                 </c:pt>
                 <c:pt idx="15">
-                  <c:v>3368.421052631591</c:v>
+                  <c:v>3368.4210526315937</c:v>
                 </c:pt>
                 <c:pt idx="16">
                   <c:v>3578.9473684210507</c:v>
@@ -409,11 +419,11 @@
           </c:yVal>
           <c:smooth val="1"/>
         </c:ser>
-        <c:axId val="41314176"/>
-        <c:axId val="41332736"/>
+        <c:axId val="53462528"/>
+        <c:axId val="53464448"/>
       </c:scatterChart>
       <c:valAx>
-        <c:axId val="41314176"/>
+        <c:axId val="53462528"/>
         <c:scaling>
           <c:orientation val="minMax"/>
         </c:scaling>
@@ -455,12 +465,12 @@
         </c:title>
         <c:numFmt formatCode="General" sourceLinked="1"/>
         <c:tickLblPos val="nextTo"/>
-        <c:crossAx val="41332736"/>
+        <c:crossAx val="53464448"/>
         <c:crosses val="autoZero"/>
         <c:crossBetween val="midCat"/>
       </c:valAx>
       <c:valAx>
-        <c:axId val="41332736"/>
+        <c:axId val="53464448"/>
         <c:scaling>
           <c:orientation val="minMax"/>
         </c:scaling>
@@ -486,7 +496,7 @@
         </c:title>
         <c:numFmt formatCode="General" sourceLinked="1"/>
         <c:tickLblPos val="nextTo"/>
-        <c:crossAx val="41314176"/>
+        <c:crossAx val="53462528"/>
         <c:crosses val="autoZero"/>
         <c:crossBetween val="midCat"/>
       </c:valAx>
@@ -580,7 +590,7 @@
             <a:fld id="{0858D340-178C-4486-9D28-94A06075759D}" type="datetimeFigureOut">
               <a:rPr lang="fr-FR" smtClean="0"/>
               <a:pPr/>
-              <a:t>11/01/2013</a:t>
+              <a:t>18/01/2013</a:t>
             </a:fld>
             <a:endParaRPr lang="fr-FR"/>
           </a:p>
@@ -892,7 +902,7 @@
           </a:bodyPr>
           <a:lstStyle/>
           <a:p>
-            <a:endParaRPr lang="fr-FR"/>
+            <a:endParaRPr lang="fr-FR" dirty="0"/>
           </a:p>
         </p:txBody>
       </p:sp>
@@ -916,7 +926,7 @@
               <a:pPr/>
               <a:t>1</a:t>
             </a:fld>
-            <a:endParaRPr lang="fr-FR"/>
+            <a:endParaRPr lang="fr-FR" dirty="0"/>
           </a:p>
         </p:txBody>
       </p:sp>
@@ -1642,6 +1652,153 @@
               <a:rPr lang="fr-FR" smtClean="0"/>
               <a:pPr/>
               <a:t>12</a:t>
+            </a:fld>
+            <a:endParaRPr lang="fr-FR"/>
+          </a:p>
+        </p:txBody>
+      </p:sp>
+    </p:spTree>
+  </p:cSld>
+  <p:clrMapOvr>
+    <a:masterClrMapping/>
+  </p:clrMapOvr>
+</p:notes>
+</file>
+
+<file path=ppt/notesSlides/notesSlide4.xml><?xml version="1.0" encoding="utf-8"?>
+<p:notes xmlns:a="http://schemas.openxmlformats.org/drawingml/2006/main" xmlns:r="http://schemas.openxmlformats.org/officeDocument/2006/relationships" xmlns:p="http://schemas.openxmlformats.org/presentationml/2006/main">
+  <p:cSld>
+    <p:spTree>
+      <p:nvGrpSpPr>
+        <p:cNvPr id="1" name=""/>
+        <p:cNvGrpSpPr/>
+        <p:nvPr/>
+      </p:nvGrpSpPr>
+      <p:grpSpPr>
+        <a:xfrm>
+          <a:off x="0" y="0"/>
+          <a:ext cx="0" cy="0"/>
+          <a:chOff x="0" y="0"/>
+          <a:chExt cx="0" cy="0"/>
+        </a:xfrm>
+      </p:grpSpPr>
+      <p:sp>
+        <p:nvSpPr>
+          <p:cNvPr id="2" name="Slide Image Placeholder 1"/>
+          <p:cNvSpPr>
+            <a:spLocks noGrp="1" noRot="1" noChangeAspect="1"/>
+          </p:cNvSpPr>
+          <p:nvPr>
+            <p:ph type="sldImg"/>
+          </p:nvPr>
+        </p:nvSpPr>
+        <p:spPr/>
+      </p:sp>
+      <p:sp>
+        <p:nvSpPr>
+          <p:cNvPr id="3" name="Notes Placeholder 2"/>
+          <p:cNvSpPr>
+            <a:spLocks noGrp="1"/>
+          </p:cNvSpPr>
+          <p:nvPr>
+            <p:ph type="body" idx="1"/>
+          </p:nvPr>
+        </p:nvSpPr>
+        <p:spPr/>
+        <p:txBody>
+          <a:bodyPr>
+            <a:normAutofit/>
+          </a:bodyPr>
+          <a:lstStyle/>
+          <a:p>
+            <a:r>
+              <a:rPr lang="en-US" sz="1200" kern="1200" dirty="0" smtClean="0">
+                <a:solidFill>
+                  <a:schemeClr val="tx1"/>
+                </a:solidFill>
+                <a:latin typeface="+mn-lt"/>
+                <a:ea typeface="+mn-ea"/>
+                <a:cs typeface="+mn-cs"/>
+              </a:rPr>
+              <a:t>The difference between /a/ and /</a:t>
+            </a:r>
+            <a:r>
+              <a:rPr lang="en-US" sz="1200" kern="1200" dirty="0" err="1" smtClean="0">
+                <a:solidFill>
+                  <a:schemeClr val="tx1"/>
+                </a:solidFill>
+                <a:latin typeface="+mn-lt"/>
+                <a:ea typeface="+mn-ea"/>
+                <a:cs typeface="+mn-cs"/>
+              </a:rPr>
+              <a:t>wa</a:t>
+            </a:r>
+            <a:r>
+              <a:rPr lang="en-US" sz="1200" kern="1200" dirty="0" smtClean="0">
+                <a:solidFill>
+                  <a:schemeClr val="tx1"/>
+                </a:solidFill>
+                <a:latin typeface="+mn-lt"/>
+                <a:ea typeface="+mn-ea"/>
+                <a:cs typeface="+mn-cs"/>
+              </a:rPr>
+              <a:t>/ from “bas” and “</a:t>
+            </a:r>
+            <a:r>
+              <a:rPr lang="en-US" sz="1200" kern="1200" dirty="0" err="1" smtClean="0">
+                <a:solidFill>
+                  <a:schemeClr val="tx1"/>
+                </a:solidFill>
+                <a:latin typeface="+mn-lt"/>
+                <a:ea typeface="+mn-ea"/>
+                <a:cs typeface="+mn-cs"/>
+              </a:rPr>
+              <a:t>droite</a:t>
+            </a:r>
+            <a:r>
+              <a:rPr lang="en-US" sz="1200" kern="1200" dirty="0" smtClean="0">
+                <a:solidFill>
+                  <a:schemeClr val="tx1"/>
+                </a:solidFill>
+                <a:latin typeface="+mn-lt"/>
+                <a:ea typeface="+mn-ea"/>
+                <a:cs typeface="+mn-cs"/>
+              </a:rPr>
+              <a:t>” </a:t>
+            </a:r>
+          </a:p>
+          <a:p>
+            <a:r>
+              <a:rPr lang="fr-FR" dirty="0" err="1" smtClean="0"/>
+              <a:t>Mahalanobis</a:t>
+            </a:r>
+            <a:r>
+              <a:rPr lang="fr-FR" baseline="0" dirty="0" smtClean="0"/>
+              <a:t> distance</a:t>
+            </a:r>
+            <a:endParaRPr lang="fr-FR" dirty="0"/>
+          </a:p>
+        </p:txBody>
+      </p:sp>
+      <p:sp>
+        <p:nvSpPr>
+          <p:cNvPr id="4" name="Slide Number Placeholder 3"/>
+          <p:cNvSpPr>
+            <a:spLocks noGrp="1"/>
+          </p:cNvSpPr>
+          <p:nvPr>
+            <p:ph type="sldNum" sz="quarter" idx="10"/>
+          </p:nvPr>
+        </p:nvSpPr>
+        <p:spPr/>
+        <p:txBody>
+          <a:bodyPr/>
+          <a:lstStyle/>
+          <a:p>
+            <a:fld id="{69769F4E-9586-492C-B8A6-A22159A02A15}" type="slidenum">
+              <a:rPr lang="fr-FR" smtClean="0"/>
+              <a:pPr/>
+              <a:t>16</a:t>
             </a:fld>
             <a:endParaRPr lang="fr-FR"/>
           </a:p>
@@ -1824,7 +1981,7 @@
             <a:fld id="{4BEE22D1-9E3B-4EEC-9E1E-AB0B34D40883}" type="datetime1">
               <a:rPr lang="fr-FR" smtClean="0"/>
               <a:pPr/>
-              <a:t>11/01/2013</a:t>
+              <a:t>18/01/2013</a:t>
             </a:fld>
             <a:endParaRPr lang="fr-FR"/>
           </a:p>
@@ -1995,7 +2152,7 @@
             <a:fld id="{0BC67C51-3D9A-48F3-B15E-73633CA06EB2}" type="datetime1">
               <a:rPr lang="fr-FR" smtClean="0"/>
               <a:pPr/>
-              <a:t>11/01/2013</a:t>
+              <a:t>18/01/2013</a:t>
             </a:fld>
             <a:endParaRPr lang="fr-FR"/>
           </a:p>
@@ -2176,7 +2333,7 @@
             <a:fld id="{90655434-AD1B-487B-BA7D-93325835C149}" type="datetime1">
               <a:rPr lang="fr-FR" smtClean="0"/>
               <a:pPr/>
-              <a:t>11/01/2013</a:t>
+              <a:t>18/01/2013</a:t>
             </a:fld>
             <a:endParaRPr lang="fr-FR"/>
           </a:p>
@@ -2347,7 +2504,7 @@
             <a:fld id="{9E1653A4-DF21-48A8-BD96-675A6C7A2DE4}" type="datetime1">
               <a:rPr lang="fr-FR" smtClean="0"/>
               <a:pPr/>
-              <a:t>11/01/2013</a:t>
+              <a:t>18/01/2013</a:t>
             </a:fld>
             <a:endParaRPr lang="fr-FR"/>
           </a:p>
@@ -2590,7 +2747,7 @@
             <a:fld id="{FD495858-B3DA-4EBD-AD7C-5368780FE0A3}" type="datetime1">
               <a:rPr lang="fr-FR" smtClean="0"/>
               <a:pPr/>
-              <a:t>11/01/2013</a:t>
+              <a:t>18/01/2013</a:t>
             </a:fld>
             <a:endParaRPr lang="fr-FR"/>
           </a:p>
@@ -3248,7 +3405,7 @@
             <a:fld id="{19BF99BF-E0DF-47C8-BE3B-4CEE879D88AB}" type="datetime1">
               <a:rPr lang="fr-FR" smtClean="0"/>
               <a:pPr/>
-              <a:t>11/01/2013</a:t>
+              <a:t>18/01/2013</a:t>
             </a:fld>
             <a:endParaRPr lang="fr-FR"/>
           </a:p>
@@ -3404,7 +3561,7 @@
             <a:fld id="{FD4C236D-F663-4935-B0AE-BA737B5531D3}" type="datetime1">
               <a:rPr lang="fr-FR" smtClean="0"/>
               <a:pPr/>
-              <a:t>11/01/2013</a:t>
+              <a:t>18/01/2013</a:t>
             </a:fld>
             <a:endParaRPr lang="fr-FR"/>
           </a:p>
@@ -3500,7 +3657,7 @@
             <a:fld id="{3B334D03-397E-468A-948A-EEA84CF3E107}" type="datetime1">
               <a:rPr lang="fr-FR" smtClean="0"/>
               <a:pPr/>
-              <a:t>11/01/2013</a:t>
+              <a:t>18/01/2013</a:t>
             </a:fld>
             <a:endParaRPr lang="fr-FR"/>
           </a:p>
@@ -3767,7 +3924,7 @@
             <a:fld id="{31DDC124-969E-453A-9CD4-243B0F968873}" type="datetime1">
               <a:rPr lang="fr-FR" smtClean="0"/>
               <a:pPr/>
-              <a:t>11/01/2013</a:t>
+              <a:t>18/01/2013</a:t>
             </a:fld>
             <a:endParaRPr lang="fr-FR"/>
           </a:p>
@@ -4061,7 +4218,7 @@
             <a:fld id="{AD69F38F-900F-4A84-B92B-56F430E125F5}" type="datetime1">
               <a:rPr lang="fr-FR" smtClean="0"/>
               <a:pPr/>
-              <a:t>11/01/2013</a:t>
+              <a:t>18/01/2013</a:t>
             </a:fld>
             <a:endParaRPr lang="fr-FR"/>
           </a:p>
@@ -4838,7 +4995,7 @@
             <a:fld id="{354388CE-C0E2-4112-9B20-DB6580EA0AA4}" type="datetime1">
               <a:rPr lang="fr-FR" smtClean="0"/>
               <a:pPr/>
-              <a:t>11/01/2013</a:t>
+              <a:t>18/01/2013</a:t>
             </a:fld>
             <a:endParaRPr lang="fr-FR"/>
           </a:p>
@@ -5535,7 +5692,7 @@
               <a:pPr/>
               <a:t>1</a:t>
             </a:fld>
-            <a:endParaRPr lang="fr-FR"/>
+            <a:endParaRPr lang="fr-FR" dirty="0"/>
           </a:p>
         </p:txBody>
       </p:sp>
@@ -5733,65 +5890,28 @@
                   </a:schemeClr>
                 </a:solidFill>
               </a:rPr>
-              <a:t>II</a:t>
-            </a:r>
-            <a:r>
-              <a:rPr lang="en-US" dirty="0" smtClean="0">
-                <a:solidFill>
-                  <a:schemeClr val="bg2">
-                    <a:lumMod val="50000"/>
-                  </a:schemeClr>
-                </a:solidFill>
-              </a:rPr>
-              <a:t>. </a:t>
-            </a:r>
-            <a:r>
-              <a:rPr lang="en-US" dirty="0" smtClean="0">
-                <a:solidFill>
-                  <a:schemeClr val="bg2">
-                    <a:lumMod val="50000"/>
-                  </a:schemeClr>
-                </a:solidFill>
-              </a:rPr>
-              <a:t>Comparison</a:t>
+              <a:t>II. Comparison</a:t>
             </a:r>
           </a:p>
           <a:p>
             <a:pPr marL="937260" lvl="1" indent="-571500"/>
             <a:r>
               <a:rPr lang="en-US" dirty="0" smtClean="0"/>
-              <a:t>a. Existent </a:t>
-            </a:r>
+              <a:t>a. Existent methods</a:t>
+            </a:r>
+          </a:p>
+          <a:p>
+            <a:pPr marL="937260" lvl="1" indent="-571500"/>
             <a:r>
               <a:rPr lang="en-US" dirty="0" smtClean="0"/>
-              <a:t>methods</a:t>
+              <a:t>b. Dynamic Time Warping</a:t>
             </a:r>
           </a:p>
           <a:p>
             <a:pPr marL="937260" lvl="1" indent="-571500"/>
             <a:r>
               <a:rPr lang="en-US" dirty="0" smtClean="0"/>
-              <a:t>b. Dynamic </a:t>
-            </a:r>
-            <a:r>
-              <a:rPr lang="en-US" dirty="0" smtClean="0"/>
-              <a:t>Time </a:t>
-            </a:r>
-            <a:r>
-              <a:rPr lang="en-US" dirty="0" smtClean="0"/>
-              <a:t>Warping</a:t>
-            </a:r>
-            <a:endParaRPr lang="en-US" dirty="0" smtClean="0"/>
-          </a:p>
-          <a:p>
-            <a:pPr marL="937260" lvl="1" indent="-571500"/>
-            <a:r>
-              <a:rPr lang="en-US" dirty="0" smtClean="0"/>
-              <a:t>c. Method </a:t>
-            </a:r>
-            <a:r>
-              <a:rPr lang="en-US" dirty="0" smtClean="0"/>
-              <a:t>amelioration</a:t>
+              <a:t>c. Method amelioration</a:t>
             </a:r>
           </a:p>
           <a:p>
@@ -5800,7 +5920,6 @@
               <a:rPr lang="en-US" dirty="0" smtClean="0"/>
               <a:t>d. Results</a:t>
             </a:r>
-            <a:endParaRPr lang="en-US" dirty="0" smtClean="0"/>
           </a:p>
           <a:p>
             <a:pPr marL="571500" indent="-571500"/>
@@ -5875,7 +5994,6 @@
               <a:rPr lang="en-US" dirty="0" smtClean="0"/>
               <a:t>”</a:t>
             </a:r>
-            <a:endParaRPr lang="en-US" dirty="0" smtClean="0"/>
           </a:p>
         </p:txBody>
       </p:sp>
@@ -6617,6 +6735,36 @@
           <a:effectLst/>
         </p:spPr>
       </p:pic>
+      <p:sp>
+        <p:nvSpPr>
+          <p:cNvPr id="23" name="TextBox 22"/>
+          <p:cNvSpPr txBox="1"/>
+          <p:nvPr/>
+        </p:nvSpPr>
+        <p:spPr>
+          <a:xfrm>
+            <a:off x="3707904" y="6309320"/>
+            <a:ext cx="1008112" cy="369332"/>
+          </a:xfrm>
+          <a:prstGeom prst="rect">
+            <a:avLst/>
+          </a:prstGeom>
+          <a:noFill/>
+        </p:spPr>
+        <p:txBody>
+          <a:bodyPr wrap="square" rtlCol="0">
+            <a:spAutoFit/>
+          </a:bodyPr>
+          <a:lstStyle/>
+          <a:p>
+            <a:r>
+              <a:rPr lang="fr-FR" dirty="0" smtClean="0"/>
+              <a:t>MAM4</a:t>
+            </a:r>
+            <a:endParaRPr lang="fr-FR" dirty="0"/>
+          </a:p>
+        </p:txBody>
+      </p:sp>
     </p:spTree>
   </p:cSld>
   <p:clrMapOvr>
@@ -6699,15 +6847,7 @@
             <a:pPr marL="571500" indent="-571500"/>
             <a:r>
               <a:rPr lang="en-US" dirty="0" smtClean="0"/>
-              <a:t>II</a:t>
-            </a:r>
-            <a:r>
-              <a:rPr lang="en-US" dirty="0" smtClean="0"/>
-              <a:t>. </a:t>
-            </a:r>
-            <a:r>
-              <a:rPr lang="en-US" dirty="0" smtClean="0"/>
-              <a:t>Comparison</a:t>
+              <a:t>II. Comparison</a:t>
             </a:r>
           </a:p>
           <a:p>
@@ -6720,34 +6860,15 @@
                   </a:schemeClr>
                 </a:solidFill>
               </a:rPr>
-              <a:t>a. Existent </a:t>
-            </a:r>
-            <a:r>
-              <a:rPr lang="en-US" dirty="0" smtClean="0">
-                <a:solidFill>
-                  <a:schemeClr val="bg2">
-                    <a:lumMod val="50000"/>
-                  </a:schemeClr>
-                </a:solidFill>
-              </a:rPr>
-              <a:t>methods</a:t>
+              <a:t>a. Existent methods</a:t>
             </a:r>
           </a:p>
           <a:p>
             <a:pPr marL="937260" lvl="1" indent="-571500"/>
             <a:r>
               <a:rPr lang="en-US" dirty="0" smtClean="0"/>
-              <a:t>b. Dynamic </a:t>
-            </a:r>
-            <a:r>
-              <a:rPr lang="en-US" dirty="0" smtClean="0"/>
-              <a:t>Time </a:t>
-            </a:r>
-            <a:r>
-              <a:rPr lang="en-US" dirty="0" smtClean="0"/>
-              <a:t>Warping</a:t>
-            </a:r>
-            <a:endParaRPr lang="en-US" dirty="0" smtClean="0"/>
+              <a:t>b. Dynamic Time Warping</a:t>
+            </a:r>
           </a:p>
           <a:p>
             <a:pPr marL="937260" lvl="1" indent="-571500"/>
@@ -6760,13 +6881,8 @@
             <a:pPr marL="937260" lvl="1" indent="-571500"/>
             <a:r>
               <a:rPr lang="en-US" dirty="0" smtClean="0"/>
-              <a:t>d. </a:t>
-            </a:r>
-            <a:r>
-              <a:rPr lang="en-US" dirty="0" smtClean="0"/>
-              <a:t>Results</a:t>
-            </a:r>
-            <a:endParaRPr lang="en-US" dirty="0" smtClean="0"/>
+              <a:t>d. Results</a:t>
+            </a:r>
           </a:p>
           <a:p>
             <a:pPr marL="571500" indent="-571500"/>
@@ -6804,13 +6920,8 @@
           <a:p>
             <a:r>
               <a:rPr lang="en-US" dirty="0" smtClean="0"/>
-              <a:t>Artificial neuronal </a:t>
-            </a:r>
-            <a:r>
-              <a:rPr lang="en-US" dirty="0" smtClean="0"/>
-              <a:t>networks:</a:t>
-            </a:r>
-            <a:endParaRPr lang="en-US" dirty="0" smtClean="0"/>
+              <a:t>Artificial neuronal networks:</a:t>
+            </a:r>
           </a:p>
         </p:txBody>
       </p:sp>
@@ -7318,6 +7429,36 @@
           </a:ln>
         </p:spPr>
       </p:pic>
+      <p:sp>
+        <p:nvSpPr>
+          <p:cNvPr id="17" name="TextBox 16"/>
+          <p:cNvSpPr txBox="1"/>
+          <p:nvPr/>
+        </p:nvSpPr>
+        <p:spPr>
+          <a:xfrm>
+            <a:off x="3707904" y="6309320"/>
+            <a:ext cx="1008112" cy="369332"/>
+          </a:xfrm>
+          <a:prstGeom prst="rect">
+            <a:avLst/>
+          </a:prstGeom>
+          <a:noFill/>
+        </p:spPr>
+        <p:txBody>
+          <a:bodyPr wrap="square" rtlCol="0">
+            <a:spAutoFit/>
+          </a:bodyPr>
+          <a:lstStyle/>
+          <a:p>
+            <a:r>
+              <a:rPr lang="fr-FR" dirty="0" smtClean="0"/>
+              <a:t>MAM4</a:t>
+            </a:r>
+            <a:endParaRPr lang="fr-FR" dirty="0"/>
+          </a:p>
+        </p:txBody>
+      </p:sp>
     </p:spTree>
   </p:cSld>
   <p:clrMapOvr>
@@ -7400,15 +7541,7 @@
             <a:pPr marL="571500" indent="-571500"/>
             <a:r>
               <a:rPr lang="en-US" dirty="0" smtClean="0"/>
-              <a:t>II</a:t>
-            </a:r>
-            <a:r>
-              <a:rPr lang="en-US" dirty="0" smtClean="0"/>
-              <a:t>. </a:t>
-            </a:r>
-            <a:r>
-              <a:rPr lang="en-US" dirty="0" smtClean="0"/>
-              <a:t>Comparison</a:t>
+              <a:t>II. Comparison</a:t>
             </a:r>
           </a:p>
           <a:p>
@@ -7421,34 +7554,15 @@
                   </a:schemeClr>
                 </a:solidFill>
               </a:rPr>
-              <a:t>a. Existent </a:t>
-            </a:r>
-            <a:r>
-              <a:rPr lang="en-US" dirty="0" smtClean="0">
-                <a:solidFill>
-                  <a:schemeClr val="bg2">
-                    <a:lumMod val="50000"/>
-                  </a:schemeClr>
-                </a:solidFill>
-              </a:rPr>
-              <a:t>methods</a:t>
+              <a:t>a. Existent methods</a:t>
             </a:r>
           </a:p>
           <a:p>
             <a:pPr marL="937260" lvl="1" indent="-571500"/>
             <a:r>
               <a:rPr lang="en-US" dirty="0" smtClean="0"/>
-              <a:t>b. Dynamic </a:t>
-            </a:r>
-            <a:r>
-              <a:rPr lang="en-US" dirty="0" smtClean="0"/>
-              <a:t>Time </a:t>
-            </a:r>
-            <a:r>
-              <a:rPr lang="en-US" dirty="0" smtClean="0"/>
-              <a:t>Warping</a:t>
-            </a:r>
-            <a:endParaRPr lang="en-US" dirty="0" smtClean="0"/>
+              <a:t>b. Dynamic Time Warping</a:t>
+            </a:r>
           </a:p>
           <a:p>
             <a:pPr marL="937260" lvl="1" indent="-571500"/>
@@ -7461,13 +7575,8 @@
             <a:pPr marL="937260" lvl="1" indent="-571500"/>
             <a:r>
               <a:rPr lang="en-US" dirty="0" smtClean="0"/>
-              <a:t>d. </a:t>
-            </a:r>
-            <a:r>
-              <a:rPr lang="en-US" dirty="0" smtClean="0"/>
-              <a:t>Results</a:t>
-            </a:r>
-            <a:endParaRPr lang="en-US" dirty="0" smtClean="0"/>
+              <a:t>d. Results</a:t>
+            </a:r>
           </a:p>
           <a:p>
             <a:pPr marL="571500" indent="-571500"/>
@@ -7507,7 +7616,6 @@
               <a:rPr lang="en-US" dirty="0" smtClean="0"/>
               <a:t>Hidden Markov model</a:t>
             </a:r>
-            <a:endParaRPr lang="en-US" dirty="0" smtClean="0"/>
           </a:p>
         </p:txBody>
       </p:sp>
@@ -8015,6 +8123,36 @@
           </a:ln>
         </p:spPr>
       </p:pic>
+      <p:sp>
+        <p:nvSpPr>
+          <p:cNvPr id="17" name="TextBox 16"/>
+          <p:cNvSpPr txBox="1"/>
+          <p:nvPr/>
+        </p:nvSpPr>
+        <p:spPr>
+          <a:xfrm>
+            <a:off x="3707904" y="6309320"/>
+            <a:ext cx="1008112" cy="369332"/>
+          </a:xfrm>
+          <a:prstGeom prst="rect">
+            <a:avLst/>
+          </a:prstGeom>
+          <a:noFill/>
+        </p:spPr>
+        <p:txBody>
+          <a:bodyPr wrap="square" rtlCol="0">
+            <a:spAutoFit/>
+          </a:bodyPr>
+          <a:lstStyle/>
+          <a:p>
+            <a:r>
+              <a:rPr lang="fr-FR" dirty="0" smtClean="0"/>
+              <a:t>MAM4</a:t>
+            </a:r>
+            <a:endParaRPr lang="fr-FR" dirty="0"/>
+          </a:p>
+        </p:txBody>
+      </p:sp>
     </p:spTree>
   </p:cSld>
   <p:clrMapOvr>
@@ -8096,15 +8234,7 @@
             <a:pPr marL="571500" indent="-571500"/>
             <a:r>
               <a:rPr lang="en-US" dirty="0" smtClean="0"/>
-              <a:t>II</a:t>
-            </a:r>
-            <a:r>
-              <a:rPr lang="en-US" dirty="0" smtClean="0"/>
-              <a:t>. </a:t>
-            </a:r>
-            <a:r>
-              <a:rPr lang="en-US" dirty="0" smtClean="0"/>
-              <a:t>Comparison</a:t>
+              <a:t>II. Comparison</a:t>
             </a:r>
           </a:p>
           <a:p>
@@ -8124,27 +8254,7 @@
                   </a:schemeClr>
                 </a:solidFill>
               </a:rPr>
-              <a:t>b. </a:t>
-            </a:r>
-            <a:r>
-              <a:rPr lang="en-US" dirty="0" smtClean="0">
-                <a:solidFill>
-                  <a:schemeClr val="bg2">
-                    <a:lumMod val="50000"/>
-                  </a:schemeClr>
-                </a:solidFill>
-              </a:rPr>
-              <a:t>Dynamic </a:t>
-            </a:r>
-            <a:r>
-              <a:rPr lang="en-US" dirty="0" smtClean="0">
-                <a:solidFill>
-                  <a:schemeClr val="bg2">
-                    <a:lumMod val="50000"/>
-                  </a:schemeClr>
-                </a:solidFill>
-              </a:rPr>
-              <a:t>Time Warping</a:t>
+              <a:t>b. Dynamic Time Warping</a:t>
             </a:r>
             <a:endParaRPr lang="en-US" dirty="0" smtClean="0"/>
           </a:p>
@@ -8159,11 +8269,7 @@
             <a:pPr marL="937260" lvl="1" indent="-571500"/>
             <a:r>
               <a:rPr lang="en-US" dirty="0" smtClean="0"/>
-              <a:t>d. </a:t>
-            </a:r>
-            <a:r>
-              <a:rPr lang="en-US" dirty="0" smtClean="0"/>
-              <a:t>Results</a:t>
+              <a:t>d. Results</a:t>
             </a:r>
             <a:endParaRPr lang="en-US" dirty="0" smtClean="0">
               <a:solidFill>
@@ -8177,19 +8283,7 @@
             <a:pPr marL="571500" indent="-571500"/>
             <a:r>
               <a:rPr lang="en-US" dirty="0" smtClean="0"/>
-              <a:t>III</a:t>
-            </a:r>
-            <a:r>
-              <a:rPr lang="en-US" dirty="0" smtClean="0"/>
-              <a:t>. </a:t>
-            </a:r>
-            <a:r>
-              <a:rPr lang="en-US" dirty="0" smtClean="0"/>
-              <a:t>Human </a:t>
-            </a:r>
-            <a:r>
-              <a:rPr lang="en-US" dirty="0" smtClean="0"/>
-              <a:t>Machine</a:t>
+              <a:t>III. Human Machine</a:t>
             </a:r>
           </a:p>
           <a:p>
@@ -8729,6 +8823,36 @@
           </a:ln>
         </p:spPr>
       </p:pic>
+      <p:sp>
+        <p:nvSpPr>
+          <p:cNvPr id="17" name="TextBox 16"/>
+          <p:cNvSpPr txBox="1"/>
+          <p:nvPr/>
+        </p:nvSpPr>
+        <p:spPr>
+          <a:xfrm>
+            <a:off x="3707904" y="6309320"/>
+            <a:ext cx="1008112" cy="369332"/>
+          </a:xfrm>
+          <a:prstGeom prst="rect">
+            <a:avLst/>
+          </a:prstGeom>
+          <a:noFill/>
+        </p:spPr>
+        <p:txBody>
+          <a:bodyPr wrap="square" rtlCol="0">
+            <a:spAutoFit/>
+          </a:bodyPr>
+          <a:lstStyle/>
+          <a:p>
+            <a:r>
+              <a:rPr lang="fr-FR" dirty="0" smtClean="0"/>
+              <a:t>MAM4</a:t>
+            </a:r>
+            <a:endParaRPr lang="fr-FR" dirty="0"/>
+          </a:p>
+        </p:txBody>
+      </p:sp>
     </p:spTree>
   </p:cSld>
   <p:clrMapOvr>
@@ -8811,15 +8935,7 @@
             <a:pPr marL="571500" indent="-571500"/>
             <a:r>
               <a:rPr lang="en-US" dirty="0" smtClean="0"/>
-              <a:t>II</a:t>
-            </a:r>
-            <a:r>
-              <a:rPr lang="en-US" dirty="0" smtClean="0"/>
-              <a:t>. </a:t>
-            </a:r>
-            <a:r>
-              <a:rPr lang="en-US" dirty="0" smtClean="0"/>
-              <a:t>Comparison</a:t>
+              <a:t>II. Comparison</a:t>
             </a:r>
           </a:p>
           <a:p>
@@ -8839,17 +8955,7 @@
                   </a:schemeClr>
                 </a:solidFill>
               </a:rPr>
-              <a:t>b. Dynamic Time </a:t>
-            </a:r>
-            <a:r>
-              <a:rPr lang="en-US" dirty="0" smtClean="0">
-                <a:solidFill>
-                  <a:schemeClr val="bg2">
-                    <a:lumMod val="50000"/>
-                  </a:schemeClr>
-                </a:solidFill>
-              </a:rPr>
-              <a:t>Warping</a:t>
+              <a:t>b. Dynamic Time Warping</a:t>
             </a:r>
             <a:endParaRPr lang="en-US" dirty="0" smtClean="0"/>
           </a:p>
@@ -8871,11 +8977,7 @@
             <a:pPr marL="571500" indent="-571500"/>
             <a:r>
               <a:rPr lang="en-US" dirty="0" smtClean="0"/>
-              <a:t>III</a:t>
-            </a:r>
-            <a:r>
-              <a:rPr lang="en-US" dirty="0" smtClean="0"/>
-              <a:t>. Human Machine</a:t>
+              <a:t>III. Human Machine</a:t>
             </a:r>
           </a:p>
           <a:p>
@@ -9409,6 +9511,36 @@
           <a:noFill/>
         </p:spPr>
       </p:pic>
+      <p:sp>
+        <p:nvSpPr>
+          <p:cNvPr id="16" name="TextBox 15"/>
+          <p:cNvSpPr txBox="1"/>
+          <p:nvPr/>
+        </p:nvSpPr>
+        <p:spPr>
+          <a:xfrm>
+            <a:off x="3707904" y="6309320"/>
+            <a:ext cx="1008112" cy="369332"/>
+          </a:xfrm>
+          <a:prstGeom prst="rect">
+            <a:avLst/>
+          </a:prstGeom>
+          <a:noFill/>
+        </p:spPr>
+        <p:txBody>
+          <a:bodyPr wrap="square" rtlCol="0">
+            <a:spAutoFit/>
+          </a:bodyPr>
+          <a:lstStyle/>
+          <a:p>
+            <a:r>
+              <a:rPr lang="fr-FR" dirty="0" smtClean="0"/>
+              <a:t>MAM4</a:t>
+            </a:r>
+            <a:endParaRPr lang="fr-FR" dirty="0"/>
+          </a:p>
+        </p:txBody>
+      </p:sp>
     </p:spTree>
   </p:cSld>
   <p:clrMapOvr>
@@ -9491,15 +9623,7 @@
             <a:pPr marL="571500" indent="-571500"/>
             <a:r>
               <a:rPr lang="en-US" dirty="0" smtClean="0"/>
-              <a:t>II</a:t>
-            </a:r>
-            <a:r>
-              <a:rPr lang="en-US" dirty="0" smtClean="0"/>
-              <a:t>. </a:t>
-            </a:r>
-            <a:r>
-              <a:rPr lang="en-US" dirty="0" smtClean="0"/>
-              <a:t>Comparison</a:t>
+              <a:t>II. Comparison</a:t>
             </a:r>
           </a:p>
           <a:p>
@@ -9519,17 +9643,7 @@
                   </a:schemeClr>
                 </a:solidFill>
               </a:rPr>
-              <a:t>b. Dynamic Time </a:t>
-            </a:r>
-            <a:r>
-              <a:rPr lang="en-US" dirty="0" smtClean="0">
-                <a:solidFill>
-                  <a:schemeClr val="bg2">
-                    <a:lumMod val="50000"/>
-                  </a:schemeClr>
-                </a:solidFill>
-              </a:rPr>
-              <a:t>Warping</a:t>
+              <a:t>b. Dynamic Time Warping</a:t>
             </a:r>
             <a:endParaRPr lang="en-US" dirty="0" smtClean="0"/>
           </a:p>
@@ -9544,11 +9658,7 @@
             <a:pPr marL="937260" lvl="1" indent="-571500"/>
             <a:r>
               <a:rPr lang="en-US" dirty="0" smtClean="0"/>
-              <a:t>d. </a:t>
-            </a:r>
-            <a:r>
-              <a:rPr lang="en-US" dirty="0" smtClean="0"/>
-              <a:t>Results</a:t>
+              <a:t>d. Results</a:t>
             </a:r>
             <a:endParaRPr lang="en-US" dirty="0" smtClean="0">
               <a:solidFill>
@@ -9562,11 +9672,7 @@
             <a:pPr marL="571500" indent="-571500"/>
             <a:r>
               <a:rPr lang="en-US" dirty="0" smtClean="0"/>
-              <a:t>III</a:t>
-            </a:r>
-            <a:r>
-              <a:rPr lang="en-US" dirty="0" smtClean="0"/>
-              <a:t>. Human Machine</a:t>
+              <a:t>III. Human Machine</a:t>
             </a:r>
           </a:p>
           <a:p>
@@ -9596,20 +9702,13 @@
           <a:bodyPr/>
           <a:lstStyle/>
           <a:p>
-            <a:endParaRPr lang="en-US" dirty="0" smtClean="0"/>
-          </a:p>
-          <a:p>
-            <a:endParaRPr lang="en-US" dirty="0" smtClean="0"/>
-          </a:p>
-          <a:p>
-            <a:r>
-              <a:rPr lang="en-US" dirty="0" smtClean="0">
-                <a:solidFill>
-                  <a:srgbClr val="FF0000"/>
-                </a:solidFill>
-              </a:rPr>
-              <a:t>CODE !!!!</a:t>
-            </a:r>
+            <a:endParaRPr lang="en-US" dirty="0" smtClean="0">
+              <a:solidFill>
+                <a:srgbClr val="FF0000"/>
+              </a:solidFill>
+            </a:endParaRPr>
+          </a:p>
+          <a:p>
             <a:endParaRPr lang="en-US" dirty="0" smtClean="0">
               <a:solidFill>
                 <a:srgbClr val="FF0000"/>
@@ -10089,6 +10188,68 @@
               <a:latin typeface="Arial" pitchFamily="34" charset="0"/>
               <a:cs typeface="Arial" pitchFamily="34" charset="0"/>
             </a:endParaRPr>
+          </a:p>
+        </p:txBody>
+      </p:sp>
+      <p:pic>
+        <p:nvPicPr>
+          <p:cNvPr id="3073" name="Picture 1"/>
+          <p:cNvPicPr>
+            <a:picLocks noChangeAspect="1" noChangeArrowheads="1"/>
+          </p:cNvPicPr>
+          <p:nvPr/>
+        </p:nvPicPr>
+        <p:blipFill>
+          <a:blip r:embed="rId2" cstate="print"/>
+          <a:srcRect l="4958" t="13120" r="51534" b="32477"/>
+          <a:stretch>
+            <a:fillRect/>
+          </a:stretch>
+        </p:blipFill>
+        <p:spPr bwMode="auto">
+          <a:xfrm>
+            <a:off x="2954507" y="1916832"/>
+            <a:ext cx="5937973" cy="4176464"/>
+          </a:xfrm>
+          <a:prstGeom prst="rect">
+            <a:avLst/>
+          </a:prstGeom>
+          <a:noFill/>
+          <a:ln w="9525">
+            <a:noFill/>
+            <a:miter lim="800000"/>
+            <a:headEnd/>
+            <a:tailEnd/>
+          </a:ln>
+        </p:spPr>
+      </p:pic>
+      <p:sp>
+        <p:nvSpPr>
+          <p:cNvPr id="16" name="TextBox 15"/>
+          <p:cNvSpPr txBox="1"/>
+          <p:nvPr/>
+        </p:nvSpPr>
+        <p:spPr>
+          <a:xfrm>
+            <a:off x="3707904" y="6309320"/>
+            <a:ext cx="1008112" cy="369332"/>
+          </a:xfrm>
+          <a:prstGeom prst="rect">
+            <a:avLst/>
+          </a:prstGeom>
+          <a:noFill/>
+        </p:spPr>
+        <p:txBody>
+          <a:bodyPr wrap="square" rtlCol="0">
+            <a:spAutoFit/>
+          </a:bodyPr>
+          <a:lstStyle/>
+          <a:p>
+            <a:r>
+              <a:rPr lang="fr-FR" dirty="0" smtClean="0"/>
+              <a:t>MAM4</a:t>
+            </a:r>
+            <a:endParaRPr lang="fr-FR" dirty="0"/>
           </a:p>
         </p:txBody>
       </p:sp>
@@ -10174,15 +10335,7 @@
             <a:pPr marL="571500" indent="-571500"/>
             <a:r>
               <a:rPr lang="en-US" dirty="0" smtClean="0"/>
-              <a:t>II</a:t>
-            </a:r>
-            <a:r>
-              <a:rPr lang="en-US" dirty="0" smtClean="0"/>
-              <a:t>. </a:t>
-            </a:r>
-            <a:r>
-              <a:rPr lang="en-US" dirty="0" smtClean="0"/>
-              <a:t>Comparison</a:t>
+              <a:t>II. Comparison</a:t>
             </a:r>
           </a:p>
           <a:p>
@@ -10202,17 +10355,7 @@
                   </a:schemeClr>
                 </a:solidFill>
               </a:rPr>
-              <a:t>b. Dynamic Time </a:t>
-            </a:r>
-            <a:r>
-              <a:rPr lang="en-US" dirty="0" smtClean="0">
-                <a:solidFill>
-                  <a:schemeClr val="bg2">
-                    <a:lumMod val="50000"/>
-                  </a:schemeClr>
-                </a:solidFill>
-              </a:rPr>
-              <a:t>Warping</a:t>
+              <a:t>b. Dynamic Time Warping</a:t>
             </a:r>
             <a:endParaRPr lang="en-US" dirty="0" smtClean="0"/>
           </a:p>
@@ -10227,11 +10370,7 @@
             <a:pPr marL="937260" lvl="1" indent="-571500"/>
             <a:r>
               <a:rPr lang="en-US" dirty="0" smtClean="0"/>
-              <a:t>d. </a:t>
-            </a:r>
-            <a:r>
-              <a:rPr lang="en-US" dirty="0" smtClean="0"/>
-              <a:t>Results</a:t>
+              <a:t>d. Results</a:t>
             </a:r>
             <a:endParaRPr lang="en-US" dirty="0" smtClean="0">
               <a:solidFill>
@@ -10245,11 +10384,7 @@
             <a:pPr marL="571500" indent="-571500"/>
             <a:r>
               <a:rPr lang="en-US" dirty="0" smtClean="0"/>
-              <a:t>III</a:t>
-            </a:r>
-            <a:r>
-              <a:rPr lang="en-US" dirty="0" smtClean="0"/>
-              <a:t>. Human Machine</a:t>
+              <a:t>III. Human Machine</a:t>
             </a:r>
           </a:p>
           <a:p>
@@ -10281,9 +10416,33 @@
           <a:p>
             <a:r>
               <a:rPr lang="en-US" dirty="0" smtClean="0"/>
-              <a:t>Limits</a:t>
-            </a:r>
+              <a:t>Limits:</a:t>
+            </a:r>
+            <a:br>
+              <a:rPr lang="en-US" dirty="0" smtClean="0"/>
+            </a:br>
             <a:endParaRPr lang="en-US" dirty="0" smtClean="0"/>
+          </a:p>
+          <a:p>
+            <a:pPr lvl="1"/>
+            <a:r>
+              <a:rPr lang="en-US" dirty="0" smtClean="0"/>
+              <a:t>Euclidean distance</a:t>
+            </a:r>
+          </a:p>
+          <a:p>
+            <a:pPr lvl="1"/>
+            <a:r>
+              <a:rPr lang="en-US" dirty="0" smtClean="0"/>
+              <a:t>Slower for big vocabularies</a:t>
+            </a:r>
+          </a:p>
+          <a:p>
+            <a:pPr lvl="1"/>
+            <a:r>
+              <a:rPr lang="en-US" dirty="0" smtClean="0"/>
+              <a:t>Word width</a:t>
+            </a:r>
           </a:p>
         </p:txBody>
       </p:sp>
@@ -10758,6 +10917,36 @@
               <a:latin typeface="Arial" pitchFamily="34" charset="0"/>
               <a:cs typeface="Arial" pitchFamily="34" charset="0"/>
             </a:endParaRPr>
+          </a:p>
+        </p:txBody>
+      </p:sp>
+      <p:sp>
+        <p:nvSpPr>
+          <p:cNvPr id="16" name="TextBox 15"/>
+          <p:cNvSpPr txBox="1"/>
+          <p:nvPr/>
+        </p:nvSpPr>
+        <p:spPr>
+          <a:xfrm>
+            <a:off x="3707904" y="6309320"/>
+            <a:ext cx="1008112" cy="369332"/>
+          </a:xfrm>
+          <a:prstGeom prst="rect">
+            <a:avLst/>
+          </a:prstGeom>
+          <a:noFill/>
+        </p:spPr>
+        <p:txBody>
+          <a:bodyPr wrap="square" rtlCol="0">
+            <a:spAutoFit/>
+          </a:bodyPr>
+          <a:lstStyle/>
+          <a:p>
+            <a:r>
+              <a:rPr lang="fr-FR" dirty="0" smtClean="0"/>
+              <a:t>MAM4</a:t>
+            </a:r>
+            <a:endParaRPr lang="fr-FR" dirty="0"/>
           </a:p>
         </p:txBody>
       </p:sp>
@@ -10843,15 +11032,7 @@
             <a:pPr marL="571500" indent="-571500"/>
             <a:r>
               <a:rPr lang="en-US" dirty="0" smtClean="0"/>
-              <a:t>II</a:t>
-            </a:r>
-            <a:r>
-              <a:rPr lang="en-US" dirty="0" smtClean="0"/>
-              <a:t>. </a:t>
-            </a:r>
-            <a:r>
-              <a:rPr lang="en-US" dirty="0" smtClean="0"/>
-              <a:t>Comparison</a:t>
+              <a:t>II. Comparison</a:t>
             </a:r>
           </a:p>
           <a:p>
@@ -10865,13 +11046,8 @@
             <a:pPr marL="937260" lvl="1" indent="-571500"/>
             <a:r>
               <a:rPr lang="en-US" dirty="0" smtClean="0"/>
-              <a:t>b. Dynamic Time </a:t>
-            </a:r>
-            <a:r>
-              <a:rPr lang="en-US" dirty="0" smtClean="0"/>
-              <a:t>Warping</a:t>
-            </a:r>
-            <a:endParaRPr lang="en-US" dirty="0" smtClean="0"/>
+              <a:t>b. Dynamic Time Warping</a:t>
+            </a:r>
           </a:p>
           <a:p>
             <a:pPr marL="937260" lvl="1" indent="-571500"/>
@@ -10890,11 +11066,7 @@
             <a:pPr marL="937260" lvl="1" indent="-571500"/>
             <a:r>
               <a:rPr lang="en-US" dirty="0" smtClean="0"/>
-              <a:t>d. </a:t>
-            </a:r>
-            <a:r>
-              <a:rPr lang="en-US" dirty="0" smtClean="0"/>
-              <a:t>Results</a:t>
+              <a:t>d. Results</a:t>
             </a:r>
             <a:endParaRPr lang="en-US" dirty="0" smtClean="0">
               <a:solidFill>
@@ -10908,17 +11080,8 @@
             <a:pPr marL="571500" indent="-571500"/>
             <a:r>
               <a:rPr lang="en-US" dirty="0" smtClean="0"/>
-              <a:t>III</a:t>
-            </a:r>
-            <a:r>
-              <a:rPr lang="en-US" dirty="0" smtClean="0"/>
-              <a:t>. Human </a:t>
-            </a:r>
-            <a:r>
-              <a:rPr lang="en-US" dirty="0" smtClean="0"/>
-              <a:t>Machine</a:t>
-            </a:r>
-            <a:endParaRPr lang="en-US" dirty="0" smtClean="0"/>
+              <a:t>III. Human Machine</a:t>
+            </a:r>
           </a:p>
           <a:p>
             <a:pPr marL="571500" indent="-571500"/>
@@ -10947,6 +11110,20 @@
           <a:bodyPr/>
           <a:lstStyle/>
           <a:p>
+            <a:r>
+              <a:rPr lang="en-US" dirty="0" smtClean="0"/>
+              <a:t>DTW p</a:t>
+            </a:r>
+            <a:r>
+              <a:rPr lang="en-US" dirty="0" smtClean="0"/>
+              <a:t>arameters modifications</a:t>
+            </a:r>
+          </a:p>
+          <a:p>
+            <a:r>
+              <a:rPr lang="en-US" dirty="0" smtClean="0"/>
+              <a:t>Word beginning detection</a:t>
+            </a:r>
             <a:endParaRPr lang="en-US" dirty="0" smtClean="0"/>
           </a:p>
         </p:txBody>
@@ -11425,6 +11602,62 @@
           </a:p>
         </p:txBody>
       </p:sp>
+      <p:sp>
+        <p:nvSpPr>
+          <p:cNvPr id="16" name="TextBox 15"/>
+          <p:cNvSpPr txBox="1"/>
+          <p:nvPr/>
+        </p:nvSpPr>
+        <p:spPr>
+          <a:xfrm>
+            <a:off x="3707904" y="6309320"/>
+            <a:ext cx="1008112" cy="369332"/>
+          </a:xfrm>
+          <a:prstGeom prst="rect">
+            <a:avLst/>
+          </a:prstGeom>
+          <a:noFill/>
+        </p:spPr>
+        <p:txBody>
+          <a:bodyPr wrap="square" rtlCol="0">
+            <a:spAutoFit/>
+          </a:bodyPr>
+          <a:lstStyle/>
+          <a:p>
+            <a:r>
+              <a:rPr lang="fr-FR" dirty="0" smtClean="0"/>
+              <a:t>MAM4</a:t>
+            </a:r>
+            <a:endParaRPr lang="fr-FR" dirty="0"/>
+          </a:p>
+        </p:txBody>
+      </p:sp>
+      <p:pic>
+        <p:nvPicPr>
+          <p:cNvPr id="2050" name="Picture 2" descr="C:\Users\A\AppData\Local\Temp\test_detect_debut.bmp"/>
+          <p:cNvPicPr>
+            <a:picLocks noChangeAspect="1" noChangeArrowheads="1"/>
+          </p:cNvPicPr>
+          <p:nvPr/>
+        </p:nvPicPr>
+        <p:blipFill>
+          <a:blip r:embed="rId2" cstate="print"/>
+          <a:srcRect/>
+          <a:stretch>
+            <a:fillRect/>
+          </a:stretch>
+        </p:blipFill>
+        <p:spPr bwMode="auto">
+          <a:xfrm>
+            <a:off x="4139952" y="2924944"/>
+            <a:ext cx="2952328" cy="2857091"/>
+          </a:xfrm>
+          <a:prstGeom prst="rect">
+            <a:avLst/>
+          </a:prstGeom>
+          <a:noFill/>
+        </p:spPr>
+      </p:pic>
     </p:spTree>
   </p:cSld>
   <p:clrMapOvr>
@@ -11507,15 +11740,7 @@
             <a:pPr marL="571500" indent="-571500"/>
             <a:r>
               <a:rPr lang="en-US" dirty="0" smtClean="0"/>
-              <a:t>II</a:t>
-            </a:r>
-            <a:r>
-              <a:rPr lang="en-US" dirty="0" smtClean="0"/>
-              <a:t>. </a:t>
-            </a:r>
-            <a:r>
-              <a:rPr lang="en-US" dirty="0" smtClean="0"/>
-              <a:t>Comparison</a:t>
+              <a:t>II. Comparison</a:t>
             </a:r>
           </a:p>
           <a:p>
@@ -11529,13 +11754,8 @@
             <a:pPr marL="937260" lvl="1" indent="-571500"/>
             <a:r>
               <a:rPr lang="en-US" dirty="0" smtClean="0"/>
-              <a:t>b. Dynamic Time </a:t>
-            </a:r>
-            <a:r>
-              <a:rPr lang="en-US" dirty="0" smtClean="0"/>
-              <a:t>Warping</a:t>
-            </a:r>
-            <a:endParaRPr lang="en-US" dirty="0" smtClean="0"/>
+              <a:t>b. Dynamic Time Warping</a:t>
+            </a:r>
           </a:p>
           <a:p>
             <a:pPr marL="937260" lvl="1" indent="-571500"/>
@@ -11554,35 +11774,14 @@
                   </a:schemeClr>
                 </a:solidFill>
               </a:rPr>
-              <a:t>d. </a:t>
-            </a:r>
-            <a:r>
-              <a:rPr lang="en-US" dirty="0" smtClean="0">
-                <a:solidFill>
-                  <a:schemeClr val="bg2">
-                    <a:lumMod val="50000"/>
-                  </a:schemeClr>
-                </a:solidFill>
-              </a:rPr>
-              <a:t>Results</a:t>
-            </a:r>
-            <a:endParaRPr lang="en-US" dirty="0" smtClean="0">
-              <a:solidFill>
-                <a:schemeClr val="bg2">
-                  <a:lumMod val="50000"/>
-                </a:schemeClr>
-              </a:solidFill>
-            </a:endParaRPr>
+              <a:t>d. Results</a:t>
+            </a:r>
           </a:p>
           <a:p>
             <a:pPr marL="571500" indent="-571500"/>
             <a:r>
               <a:rPr lang="en-US" dirty="0" smtClean="0"/>
-              <a:t>III</a:t>
-            </a:r>
-            <a:r>
-              <a:rPr lang="en-US" dirty="0" smtClean="0"/>
-              <a:t>. Human Machine</a:t>
+              <a:t>III. Human Machine</a:t>
             </a:r>
           </a:p>
           <a:p>
@@ -12087,6 +12286,36 @@
               <a:latin typeface="Arial" pitchFamily="34" charset="0"/>
               <a:cs typeface="Arial" pitchFamily="34" charset="0"/>
             </a:endParaRPr>
+          </a:p>
+        </p:txBody>
+      </p:sp>
+      <p:sp>
+        <p:nvSpPr>
+          <p:cNvPr id="16" name="TextBox 15"/>
+          <p:cNvSpPr txBox="1"/>
+          <p:nvPr/>
+        </p:nvSpPr>
+        <p:spPr>
+          <a:xfrm>
+            <a:off x="3707904" y="6309320"/>
+            <a:ext cx="1008112" cy="369332"/>
+          </a:xfrm>
+          <a:prstGeom prst="rect">
+            <a:avLst/>
+          </a:prstGeom>
+          <a:noFill/>
+        </p:spPr>
+        <p:txBody>
+          <a:bodyPr wrap="square" rtlCol="0">
+            <a:spAutoFit/>
+          </a:bodyPr>
+          <a:lstStyle/>
+          <a:p>
+            <a:r>
+              <a:rPr lang="fr-FR" dirty="0" smtClean="0"/>
+              <a:t>MAM4</a:t>
+            </a:r>
+            <a:endParaRPr lang="fr-FR" dirty="0"/>
           </a:p>
         </p:txBody>
       </p:sp>
@@ -12124,7 +12353,7 @@
       </p:grpSpPr>
       <p:sp>
         <p:nvSpPr>
-          <p:cNvPr id="3" name="Title 2"/>
+          <p:cNvPr id="13" name="Title 12"/>
           <p:cNvSpPr>
             <a:spLocks noGrp="1"/>
           </p:cNvSpPr>
@@ -12134,38 +12363,128 @@
         </p:nvSpPr>
         <p:spPr/>
         <p:txBody>
+          <a:bodyPr>
+            <a:normAutofit/>
+          </a:bodyPr>
+          <a:lstStyle/>
+          <a:p>
+            <a:pPr marL="571500" indent="-571500"/>
+            <a:r>
+              <a:rPr lang="en-US" sz="5400" dirty="0" smtClean="0"/>
+              <a:t>Human Machine Interface</a:t>
+            </a:r>
+            <a:endParaRPr lang="en-US" sz="5400" dirty="0" smtClean="0"/>
+          </a:p>
+        </p:txBody>
+      </p:sp>
+      <p:sp>
+        <p:nvSpPr>
+          <p:cNvPr id="14" name="Content Placeholder 13"/>
+          <p:cNvSpPr>
+            <a:spLocks noGrp="1"/>
+          </p:cNvSpPr>
+          <p:nvPr>
+            <p:ph sz="half" idx="1"/>
+          </p:nvPr>
+        </p:nvSpPr>
+        <p:spPr/>
+        <p:txBody>
           <a:bodyPr/>
           <a:lstStyle/>
           <a:p>
-            <a:r>
-              <a:rPr lang="fr-FR" dirty="0" smtClean="0"/>
-              <a:t>Conclusion</a:t>
-            </a:r>
+            <a:pPr marL="571500" indent="-571500"/>
+            <a:r>
+              <a:rPr lang="en-US" dirty="0" smtClean="0"/>
+              <a:t>I. Sound treatment</a:t>
+            </a:r>
+          </a:p>
+          <a:p>
+            <a:pPr marL="571500" indent="-571500"/>
+            <a:r>
+              <a:rPr lang="en-US" dirty="0" smtClean="0"/>
+              <a:t>II. Comparison</a:t>
+            </a:r>
+          </a:p>
+          <a:p>
+            <a:pPr marL="571500" indent="-571500"/>
+            <a:r>
+              <a:rPr lang="en-US" dirty="0" smtClean="0">
+                <a:solidFill>
+                  <a:schemeClr val="bg2">
+                    <a:lumMod val="50000"/>
+                  </a:schemeClr>
+                </a:solidFill>
+              </a:rPr>
+              <a:t>III</a:t>
+            </a:r>
+            <a:r>
+              <a:rPr lang="en-US" dirty="0" smtClean="0">
+                <a:solidFill>
+                  <a:schemeClr val="bg2">
+                    <a:lumMod val="50000"/>
+                  </a:schemeClr>
+                </a:solidFill>
+              </a:rPr>
+              <a:t>. Human Machine</a:t>
+            </a:r>
+          </a:p>
+          <a:p>
+            <a:pPr marL="571500" indent="-571500"/>
+            <a:r>
+              <a:rPr lang="en-US" dirty="0" smtClean="0">
+                <a:solidFill>
+                  <a:schemeClr val="bg2">
+                    <a:lumMod val="50000"/>
+                  </a:schemeClr>
+                </a:solidFill>
+              </a:rPr>
+              <a:t>Interface</a:t>
+            </a:r>
+          </a:p>
+          <a:p>
+            <a:pPr marL="937260" lvl="1" indent="-571500"/>
+            <a:r>
+              <a:rPr lang="en-US" dirty="0" smtClean="0"/>
+              <a:t>a. Menu</a:t>
+            </a:r>
+            <a:endParaRPr lang="en-US" dirty="0" smtClean="0"/>
+          </a:p>
+          <a:p>
+            <a:pPr marL="937260" lvl="1" indent="-571500"/>
+            <a:r>
+              <a:rPr lang="en-US" dirty="0" smtClean="0"/>
+              <a:t>b. How </a:t>
+            </a:r>
+            <a:r>
+              <a:rPr lang="en-US" dirty="0" smtClean="0"/>
+              <a:t>to play</a:t>
+            </a:r>
+          </a:p>
+          <a:p>
+            <a:pPr marL="571500" indent="-571500"/>
+            <a:endParaRPr lang="en-US" dirty="0" smtClean="0"/>
+          </a:p>
+          <a:p>
             <a:endParaRPr lang="fr-FR" dirty="0"/>
           </a:p>
         </p:txBody>
       </p:sp>
       <p:sp>
         <p:nvSpPr>
-          <p:cNvPr id="2" name="Content Placeholder 1"/>
+          <p:cNvPr id="15" name="Content Placeholder 14"/>
           <p:cNvSpPr>
             <a:spLocks noGrp="1"/>
           </p:cNvSpPr>
           <p:nvPr>
-            <p:ph idx="1"/>
+            <p:ph sz="half" idx="2"/>
           </p:nvPr>
         </p:nvSpPr>
-        <p:spPr>
-          <a:xfrm>
-            <a:off x="457200" y="1935480"/>
-            <a:ext cx="8229600" cy="4013800"/>
-          </a:xfrm>
-        </p:spPr>
+        <p:spPr/>
         <p:txBody>
           <a:bodyPr/>
           <a:lstStyle/>
           <a:p>
-            <a:endParaRPr lang="fr-FR" dirty="0"/>
+            <a:endParaRPr lang="en-US" dirty="0" smtClean="0"/>
           </a:p>
         </p:txBody>
       </p:sp>
@@ -12189,7 +12508,7 @@
               <a:pPr/>
               <a:t>19</a:t>
             </a:fld>
-            <a:endParaRPr lang="fr-FR"/>
+            <a:endParaRPr lang="fr-FR" dirty="0"/>
           </a:p>
         </p:txBody>
       </p:sp>
@@ -12235,9 +12554,447 @@
           </a:p>
         </p:txBody>
       </p:sp>
+      <p:sp>
+        <p:nvSpPr>
+          <p:cNvPr id="30725" name="Rectangle 5"/>
+          <p:cNvSpPr>
+            <a:spLocks noChangeArrowheads="1"/>
+          </p:cNvSpPr>
+          <p:nvPr/>
+        </p:nvSpPr>
+        <p:spPr bwMode="auto">
+          <a:xfrm>
+            <a:off x="0" y="0"/>
+            <a:ext cx="9144000" cy="457200"/>
+          </a:xfrm>
+          <a:prstGeom prst="rect">
+            <a:avLst/>
+          </a:prstGeom>
+          <a:noFill/>
+          <a:ln w="9525">
+            <a:noFill/>
+            <a:miter lim="800000"/>
+            <a:headEnd/>
+            <a:tailEnd/>
+          </a:ln>
+          <a:effectLst/>
+        </p:spPr>
+        <p:txBody>
+          <a:bodyPr vert="horz" wrap="none" lIns="91440" tIns="45720" rIns="91440" bIns="45720" numCol="1" anchor="ctr" anchorCtr="0" compatLnSpc="1">
+            <a:prstTxWarp prst="textNoShape">
+              <a:avLst/>
+            </a:prstTxWarp>
+            <a:spAutoFit/>
+          </a:bodyPr>
+          <a:lstStyle/>
+          <a:p>
+            <a:endParaRPr lang="fr-FR" dirty="0"/>
+          </a:p>
+        </p:txBody>
+      </p:sp>
+      <p:sp>
+        <p:nvSpPr>
+          <p:cNvPr id="30726" name="Rectangle 6"/>
+          <p:cNvSpPr>
+            <a:spLocks noChangeArrowheads="1"/>
+          </p:cNvSpPr>
+          <p:nvPr/>
+        </p:nvSpPr>
+        <p:spPr bwMode="auto">
+          <a:xfrm>
+            <a:off x="0" y="942975"/>
+            <a:ext cx="9144000" cy="0"/>
+          </a:xfrm>
+          <a:prstGeom prst="rect">
+            <a:avLst/>
+          </a:prstGeom>
+          <a:noFill/>
+          <a:ln w="9525">
+            <a:noFill/>
+            <a:miter lim="800000"/>
+            <a:headEnd/>
+            <a:tailEnd/>
+          </a:ln>
+          <a:effectLst/>
+        </p:spPr>
+        <p:txBody>
+          <a:bodyPr vert="horz" wrap="none" lIns="91440" tIns="45720" rIns="91440" bIns="45720" numCol="1" anchor="ctr" anchorCtr="0" compatLnSpc="1">
+            <a:prstTxWarp prst="textNoShape">
+              <a:avLst/>
+            </a:prstTxWarp>
+            <a:spAutoFit/>
+          </a:bodyPr>
+          <a:lstStyle/>
+          <a:p>
+            <a:pPr marL="0" marR="0" lvl="0" indent="0" algn="l" defTabSz="914400" rtl="0" eaLnBrk="1" fontAlgn="base" latinLnBrk="0" hangingPunct="1">
+              <a:lnSpc>
+                <a:spcPct val="100000"/>
+              </a:lnSpc>
+              <a:spcBef>
+                <a:spcPct val="0"/>
+              </a:spcBef>
+              <a:spcAft>
+                <a:spcPct val="0"/>
+              </a:spcAft>
+              <a:buClrTx/>
+              <a:buSzTx/>
+              <a:buFontTx/>
+              <a:buNone/>
+              <a:tabLst/>
+            </a:pPr>
+            <a:endParaRPr kumimoji="0" lang="fr-FR" sz="1800" b="0" i="0" u="none" strike="noStrike" cap="none" normalizeH="0" baseline="0" dirty="0" smtClean="0">
+              <a:ln>
+                <a:noFill/>
+              </a:ln>
+              <a:solidFill>
+                <a:schemeClr val="tx1"/>
+              </a:solidFill>
+              <a:effectLst/>
+              <a:latin typeface="Arial" pitchFamily="34" charset="0"/>
+              <a:cs typeface="Arial" pitchFamily="34" charset="0"/>
+            </a:endParaRPr>
+          </a:p>
+        </p:txBody>
+      </p:sp>
+      <p:sp>
+        <p:nvSpPr>
+          <p:cNvPr id="47108" name="Rectangle 4"/>
+          <p:cNvSpPr>
+            <a:spLocks noChangeArrowheads="1"/>
+          </p:cNvSpPr>
+          <p:nvPr/>
+        </p:nvSpPr>
+        <p:spPr bwMode="auto">
+          <a:xfrm>
+            <a:off x="0" y="0"/>
+            <a:ext cx="9144000" cy="457200"/>
+          </a:xfrm>
+          <a:prstGeom prst="rect">
+            <a:avLst/>
+          </a:prstGeom>
+          <a:noFill/>
+          <a:ln w="9525">
+            <a:noFill/>
+            <a:miter lim="800000"/>
+            <a:headEnd/>
+            <a:tailEnd/>
+          </a:ln>
+          <a:effectLst/>
+        </p:spPr>
+        <p:txBody>
+          <a:bodyPr vert="horz" wrap="none" lIns="91440" tIns="45720" rIns="91440" bIns="45720" numCol="1" anchor="ctr" anchorCtr="0" compatLnSpc="1">
+            <a:prstTxWarp prst="textNoShape">
+              <a:avLst/>
+            </a:prstTxWarp>
+            <a:spAutoFit/>
+          </a:bodyPr>
+          <a:lstStyle/>
+          <a:p>
+            <a:endParaRPr lang="fr-FR" dirty="0"/>
+          </a:p>
+        </p:txBody>
+      </p:sp>
+      <p:sp>
+        <p:nvSpPr>
+          <p:cNvPr id="47109" name="Rectangle 5"/>
+          <p:cNvSpPr>
+            <a:spLocks noChangeArrowheads="1"/>
+          </p:cNvSpPr>
+          <p:nvPr/>
+        </p:nvSpPr>
+        <p:spPr bwMode="auto">
+          <a:xfrm>
+            <a:off x="0" y="723900"/>
+            <a:ext cx="9144000" cy="0"/>
+          </a:xfrm>
+          <a:prstGeom prst="rect">
+            <a:avLst/>
+          </a:prstGeom>
+          <a:noFill/>
+          <a:ln w="9525">
+            <a:noFill/>
+            <a:miter lim="800000"/>
+            <a:headEnd/>
+            <a:tailEnd/>
+          </a:ln>
+          <a:effectLst/>
+        </p:spPr>
+        <p:txBody>
+          <a:bodyPr vert="horz" wrap="none" lIns="91440" tIns="45720" rIns="91440" bIns="45720" numCol="1" anchor="ctr" anchorCtr="0" compatLnSpc="1">
+            <a:prstTxWarp prst="textNoShape">
+              <a:avLst/>
+            </a:prstTxWarp>
+            <a:spAutoFit/>
+          </a:bodyPr>
+          <a:lstStyle/>
+          <a:p>
+            <a:pPr marL="0" marR="0" lvl="0" indent="0" algn="l" defTabSz="914400" rtl="0" eaLnBrk="1" fontAlgn="base" latinLnBrk="0" hangingPunct="1">
+              <a:lnSpc>
+                <a:spcPct val="100000"/>
+              </a:lnSpc>
+              <a:spcBef>
+                <a:spcPct val="0"/>
+              </a:spcBef>
+              <a:spcAft>
+                <a:spcPct val="0"/>
+              </a:spcAft>
+              <a:buClrTx/>
+              <a:buSzTx/>
+              <a:buFontTx/>
+              <a:buNone/>
+              <a:tabLst/>
+            </a:pPr>
+            <a:endParaRPr kumimoji="0" lang="fr-FR" sz="1800" b="0" i="0" u="none" strike="noStrike" cap="none" normalizeH="0" baseline="0" dirty="0" smtClean="0">
+              <a:ln>
+                <a:noFill/>
+              </a:ln>
+              <a:solidFill>
+                <a:schemeClr val="tx1"/>
+              </a:solidFill>
+              <a:effectLst/>
+              <a:latin typeface="Arial" pitchFamily="34" charset="0"/>
+              <a:cs typeface="Arial" pitchFamily="34" charset="0"/>
+            </a:endParaRPr>
+          </a:p>
+        </p:txBody>
+      </p:sp>
+      <p:sp>
+        <p:nvSpPr>
+          <p:cNvPr id="47111" name="Rectangle 7"/>
+          <p:cNvSpPr>
+            <a:spLocks noChangeArrowheads="1"/>
+          </p:cNvSpPr>
+          <p:nvPr/>
+        </p:nvSpPr>
+        <p:spPr bwMode="auto">
+          <a:xfrm>
+            <a:off x="0" y="0"/>
+            <a:ext cx="9144000" cy="457200"/>
+          </a:xfrm>
+          <a:prstGeom prst="rect">
+            <a:avLst/>
+          </a:prstGeom>
+          <a:noFill/>
+          <a:ln w="9525">
+            <a:noFill/>
+            <a:miter lim="800000"/>
+            <a:headEnd/>
+            <a:tailEnd/>
+          </a:ln>
+          <a:effectLst/>
+        </p:spPr>
+        <p:txBody>
+          <a:bodyPr vert="horz" wrap="none" lIns="91440" tIns="45720" rIns="91440" bIns="45720" numCol="1" anchor="ctr" anchorCtr="0" compatLnSpc="1">
+            <a:prstTxWarp prst="textNoShape">
+              <a:avLst/>
+            </a:prstTxWarp>
+            <a:spAutoFit/>
+          </a:bodyPr>
+          <a:lstStyle/>
+          <a:p>
+            <a:endParaRPr lang="fr-FR" dirty="0"/>
+          </a:p>
+        </p:txBody>
+      </p:sp>
+      <p:sp>
+        <p:nvSpPr>
+          <p:cNvPr id="47112" name="Rectangle 8"/>
+          <p:cNvSpPr>
+            <a:spLocks noChangeArrowheads="1"/>
+          </p:cNvSpPr>
+          <p:nvPr/>
+        </p:nvSpPr>
+        <p:spPr bwMode="auto">
+          <a:xfrm>
+            <a:off x="0" y="723900"/>
+            <a:ext cx="9144000" cy="0"/>
+          </a:xfrm>
+          <a:prstGeom prst="rect">
+            <a:avLst/>
+          </a:prstGeom>
+          <a:noFill/>
+          <a:ln w="9525">
+            <a:noFill/>
+            <a:miter lim="800000"/>
+            <a:headEnd/>
+            <a:tailEnd/>
+          </a:ln>
+          <a:effectLst/>
+        </p:spPr>
+        <p:txBody>
+          <a:bodyPr vert="horz" wrap="none" lIns="91440" tIns="45720" rIns="91440" bIns="45720" numCol="1" anchor="ctr" anchorCtr="0" compatLnSpc="1">
+            <a:prstTxWarp prst="textNoShape">
+              <a:avLst/>
+            </a:prstTxWarp>
+            <a:spAutoFit/>
+          </a:bodyPr>
+          <a:lstStyle/>
+          <a:p>
+            <a:pPr marL="0" marR="0" lvl="0" indent="0" algn="l" defTabSz="914400" rtl="0" eaLnBrk="1" fontAlgn="base" latinLnBrk="0" hangingPunct="1">
+              <a:lnSpc>
+                <a:spcPct val="100000"/>
+              </a:lnSpc>
+              <a:spcBef>
+                <a:spcPct val="0"/>
+              </a:spcBef>
+              <a:spcAft>
+                <a:spcPct val="0"/>
+              </a:spcAft>
+              <a:buClrTx/>
+              <a:buSzTx/>
+              <a:buFontTx/>
+              <a:buNone/>
+              <a:tabLst/>
+            </a:pPr>
+            <a:endParaRPr kumimoji="0" lang="fr-FR" sz="1800" b="0" i="0" u="none" strike="noStrike" cap="none" normalizeH="0" baseline="0" dirty="0" smtClean="0">
+              <a:ln>
+                <a:noFill/>
+              </a:ln>
+              <a:solidFill>
+                <a:schemeClr val="tx1"/>
+              </a:solidFill>
+              <a:effectLst/>
+              <a:latin typeface="Arial" pitchFamily="34" charset="0"/>
+              <a:cs typeface="Arial" pitchFamily="34" charset="0"/>
+            </a:endParaRPr>
+          </a:p>
+        </p:txBody>
+      </p:sp>
+      <p:sp>
+        <p:nvSpPr>
+          <p:cNvPr id="48130" name="Rectangle 2"/>
+          <p:cNvSpPr>
+            <a:spLocks noChangeArrowheads="1"/>
+          </p:cNvSpPr>
+          <p:nvPr/>
+        </p:nvSpPr>
+        <p:spPr bwMode="auto">
+          <a:xfrm>
+            <a:off x="0" y="0"/>
+            <a:ext cx="9144000" cy="457200"/>
+          </a:xfrm>
+          <a:prstGeom prst="rect">
+            <a:avLst/>
+          </a:prstGeom>
+          <a:noFill/>
+          <a:ln w="9525">
+            <a:noFill/>
+            <a:miter lim="800000"/>
+            <a:headEnd/>
+            <a:tailEnd/>
+          </a:ln>
+          <a:effectLst/>
+        </p:spPr>
+        <p:txBody>
+          <a:bodyPr vert="horz" wrap="none" lIns="91440" tIns="45720" rIns="91440" bIns="45720" numCol="1" anchor="ctr" anchorCtr="0" compatLnSpc="1">
+            <a:prstTxWarp prst="textNoShape">
+              <a:avLst/>
+            </a:prstTxWarp>
+            <a:spAutoFit/>
+          </a:bodyPr>
+          <a:lstStyle/>
+          <a:p>
+            <a:endParaRPr lang="fr-FR" dirty="0"/>
+          </a:p>
+        </p:txBody>
+      </p:sp>
+      <p:sp>
+        <p:nvSpPr>
+          <p:cNvPr id="48131" name="Rectangle 3"/>
+          <p:cNvSpPr>
+            <a:spLocks noChangeArrowheads="1"/>
+          </p:cNvSpPr>
+          <p:nvPr/>
+        </p:nvSpPr>
+        <p:spPr bwMode="auto">
+          <a:xfrm>
+            <a:off x="0" y="828675"/>
+            <a:ext cx="9144000" cy="0"/>
+          </a:xfrm>
+          <a:prstGeom prst="rect">
+            <a:avLst/>
+          </a:prstGeom>
+          <a:noFill/>
+          <a:ln w="9525">
+            <a:noFill/>
+            <a:miter lim="800000"/>
+            <a:headEnd/>
+            <a:tailEnd/>
+          </a:ln>
+          <a:effectLst/>
+        </p:spPr>
+        <p:txBody>
+          <a:bodyPr vert="horz" wrap="none" lIns="91440" tIns="45720" rIns="91440" bIns="45720" numCol="1" anchor="ctr" anchorCtr="0" compatLnSpc="1">
+            <a:prstTxWarp prst="textNoShape">
+              <a:avLst/>
+            </a:prstTxWarp>
+            <a:spAutoFit/>
+          </a:bodyPr>
+          <a:lstStyle/>
+          <a:p>
+            <a:pPr marL="0" marR="0" lvl="0" indent="0" algn="l" defTabSz="914400" rtl="0" eaLnBrk="1" fontAlgn="base" latinLnBrk="0" hangingPunct="1">
+              <a:lnSpc>
+                <a:spcPct val="100000"/>
+              </a:lnSpc>
+              <a:spcBef>
+                <a:spcPct val="0"/>
+              </a:spcBef>
+              <a:spcAft>
+                <a:spcPct val="0"/>
+              </a:spcAft>
+              <a:buClrTx/>
+              <a:buSzTx/>
+              <a:buFontTx/>
+              <a:buNone/>
+              <a:tabLst/>
+            </a:pPr>
+            <a:endParaRPr kumimoji="0" lang="fr-FR" sz="1800" b="0" i="0" u="none" strike="noStrike" cap="none" normalizeH="0" baseline="0" dirty="0" smtClean="0">
+              <a:ln>
+                <a:noFill/>
+              </a:ln>
+              <a:solidFill>
+                <a:schemeClr val="tx1"/>
+              </a:solidFill>
+              <a:effectLst/>
+              <a:latin typeface="Arial" pitchFamily="34" charset="0"/>
+              <a:cs typeface="Arial" pitchFamily="34" charset="0"/>
+            </a:endParaRPr>
+          </a:p>
+        </p:txBody>
+      </p:sp>
+      <p:sp>
+        <p:nvSpPr>
+          <p:cNvPr id="16" name="TextBox 15"/>
+          <p:cNvSpPr txBox="1"/>
+          <p:nvPr/>
+        </p:nvSpPr>
+        <p:spPr>
+          <a:xfrm>
+            <a:off x="3707904" y="6309320"/>
+            <a:ext cx="1008112" cy="369332"/>
+          </a:xfrm>
+          <a:prstGeom prst="rect">
+            <a:avLst/>
+          </a:prstGeom>
+          <a:noFill/>
+        </p:spPr>
+        <p:txBody>
+          <a:bodyPr wrap="square" rtlCol="0">
+            <a:spAutoFit/>
+          </a:bodyPr>
+          <a:lstStyle/>
+          <a:p>
+            <a:r>
+              <a:rPr lang="fr-FR" dirty="0" smtClean="0"/>
+              <a:t>MAM4</a:t>
+            </a:r>
+            <a:endParaRPr lang="fr-FR" dirty="0"/>
+          </a:p>
+        </p:txBody>
+      </p:sp>
       <p:pic>
         <p:nvPicPr>
-          <p:cNvPr id="16386" name="Picture 2" descr="http://alumni.polytech.unice.fr/wp-content/uploads/2009/12/logoPolytechNice.png"/>
+          <p:cNvPr id="3074" name="Picture 2" descr="G:\Capture du 2013-01-18 11_44_55.png"/>
           <p:cNvPicPr>
             <a:picLocks noChangeAspect="1" noChangeArrowheads="1"/>
           </p:cNvPicPr>
@@ -12245,15 +13002,41 @@
         </p:nvPicPr>
         <p:blipFill>
           <a:blip r:embed="rId2" cstate="print"/>
-          <a:srcRect/>
+          <a:srcRect l="4326" t="13601" r="5113"/>
           <a:stretch>
             <a:fillRect/>
           </a:stretch>
         </p:blipFill>
         <p:spPr bwMode="auto">
           <a:xfrm>
-            <a:off x="5724128" y="6191249"/>
-            <a:ext cx="2114550" cy="666751"/>
+            <a:off x="2699792" y="1916832"/>
+            <a:ext cx="4320480" cy="2318587"/>
+          </a:xfrm>
+          <a:prstGeom prst="rect">
+            <a:avLst/>
+          </a:prstGeom>
+          <a:noFill/>
+        </p:spPr>
+      </p:pic>
+      <p:pic>
+        <p:nvPicPr>
+          <p:cNvPr id="3075" name="Picture 3" descr="G:\Capture du 2013-01-18 11_43_58.png"/>
+          <p:cNvPicPr>
+            <a:picLocks noChangeAspect="1" noChangeArrowheads="1"/>
+          </p:cNvPicPr>
+          <p:nvPr/>
+        </p:nvPicPr>
+        <p:blipFill>
+          <a:blip r:embed="rId3" cstate="print"/>
+          <a:srcRect l="4117" t="13601" r="5901"/>
+          <a:stretch>
+            <a:fillRect/>
+          </a:stretch>
+        </p:blipFill>
+        <p:spPr bwMode="auto">
+          <a:xfrm>
+            <a:off x="4856496" y="3933056"/>
+            <a:ext cx="4035984" cy="2179849"/>
           </a:xfrm>
           <a:prstGeom prst="rect">
             <a:avLst/>
@@ -12360,7 +13143,7 @@
               <a:pPr/>
               <a:t>2</a:t>
             </a:fld>
-            <a:endParaRPr lang="fr-FR"/>
+            <a:endParaRPr lang="fr-FR" dirty="0"/>
           </a:p>
         </p:txBody>
       </p:sp>
@@ -12432,6 +13215,36 @@
           <a:noFill/>
         </p:spPr>
       </p:pic>
+      <p:sp>
+        <p:nvSpPr>
+          <p:cNvPr id="7" name="TextBox 6"/>
+          <p:cNvSpPr txBox="1"/>
+          <p:nvPr/>
+        </p:nvSpPr>
+        <p:spPr>
+          <a:xfrm>
+            <a:off x="3707904" y="6309320"/>
+            <a:ext cx="1008112" cy="369332"/>
+          </a:xfrm>
+          <a:prstGeom prst="rect">
+            <a:avLst/>
+          </a:prstGeom>
+          <a:noFill/>
+        </p:spPr>
+        <p:txBody>
+          <a:bodyPr wrap="square" rtlCol="0">
+            <a:spAutoFit/>
+          </a:bodyPr>
+          <a:lstStyle/>
+          <a:p>
+            <a:r>
+              <a:rPr lang="fr-FR" dirty="0" smtClean="0"/>
+              <a:t>MAM4</a:t>
+            </a:r>
+            <a:endParaRPr lang="fr-FR" dirty="0"/>
+          </a:p>
+        </p:txBody>
+      </p:sp>
     </p:spTree>
   </p:cSld>
   <p:clrMapOvr>
@@ -12466,7 +13279,7 @@
       </p:grpSpPr>
       <p:sp>
         <p:nvSpPr>
-          <p:cNvPr id="2" name="Title 1"/>
+          <p:cNvPr id="13" name="Title 12"/>
           <p:cNvSpPr>
             <a:spLocks noGrp="1"/>
           </p:cNvSpPr>
@@ -12476,26 +13289,114 @@
         </p:nvSpPr>
         <p:spPr/>
         <p:txBody>
+          <a:bodyPr>
+            <a:normAutofit/>
+          </a:bodyPr>
+          <a:lstStyle/>
+          <a:p>
+            <a:pPr marL="571500" indent="-571500"/>
+            <a:r>
+              <a:rPr lang="en-US" sz="5400" smtClean="0"/>
+              <a:t>Menu</a:t>
+            </a:r>
+            <a:endParaRPr lang="en-US" sz="5400" dirty="0" smtClean="0"/>
+          </a:p>
+        </p:txBody>
+      </p:sp>
+      <p:sp>
+        <p:nvSpPr>
+          <p:cNvPr id="14" name="Content Placeholder 13"/>
+          <p:cNvSpPr>
+            <a:spLocks noGrp="1"/>
+          </p:cNvSpPr>
+          <p:nvPr>
+            <p:ph sz="half" idx="1"/>
+          </p:nvPr>
+        </p:nvSpPr>
+        <p:spPr/>
+        <p:txBody>
           <a:bodyPr/>
           <a:lstStyle/>
           <a:p>
-            <a:pPr algn="ctr"/>
+            <a:pPr marL="571500" indent="-571500"/>
             <a:r>
               <a:rPr lang="en-US" dirty="0" smtClean="0"/>
-              <a:t>Do you have any question?</a:t>
-            </a:r>
-            <a:endParaRPr lang="en-US" dirty="0"/>
-          </a:p>
-        </p:txBody>
-      </p:sp>
-      <p:sp>
-        <p:nvSpPr>
-          <p:cNvPr id="3" name="Content Placeholder 2"/>
+              <a:t>I. Sound treatment</a:t>
+            </a:r>
+          </a:p>
+          <a:p>
+            <a:pPr marL="571500" indent="-571500"/>
+            <a:r>
+              <a:rPr lang="en-US" dirty="0" smtClean="0"/>
+              <a:t>II. Comparison</a:t>
+            </a:r>
+          </a:p>
+          <a:p>
+            <a:pPr marL="571500" indent="-571500"/>
+            <a:r>
+              <a:rPr lang="en-US" dirty="0" smtClean="0"/>
+              <a:t>III</a:t>
+            </a:r>
+            <a:r>
+              <a:rPr lang="en-US" dirty="0" smtClean="0"/>
+              <a:t>. Human Machine</a:t>
+            </a:r>
+          </a:p>
+          <a:p>
+            <a:pPr marL="571500" indent="-571500"/>
+            <a:r>
+              <a:rPr lang="en-US" dirty="0" smtClean="0"/>
+              <a:t>Interface</a:t>
+            </a:r>
+          </a:p>
+          <a:p>
+            <a:pPr marL="937260" lvl="1" indent="-571500"/>
+            <a:r>
+              <a:rPr lang="en-US" dirty="0" smtClean="0">
+                <a:solidFill>
+                  <a:schemeClr val="bg2">
+                    <a:lumMod val="50000"/>
+                  </a:schemeClr>
+                </a:solidFill>
+              </a:rPr>
+              <a:t>a. Menu</a:t>
+            </a:r>
+            <a:endParaRPr lang="en-US" dirty="0" smtClean="0">
+              <a:solidFill>
+                <a:schemeClr val="bg2">
+                  <a:lumMod val="50000"/>
+                </a:schemeClr>
+              </a:solidFill>
+            </a:endParaRPr>
+          </a:p>
+          <a:p>
+            <a:pPr marL="937260" lvl="1" indent="-571500"/>
+            <a:r>
+              <a:rPr lang="en-US" dirty="0" smtClean="0"/>
+              <a:t>b. How </a:t>
+            </a:r>
+            <a:r>
+              <a:rPr lang="en-US" dirty="0" smtClean="0"/>
+              <a:t>to play</a:t>
+            </a:r>
+          </a:p>
+          <a:p>
+            <a:pPr marL="571500" indent="-571500"/>
+            <a:endParaRPr lang="en-US" dirty="0" smtClean="0"/>
+          </a:p>
+          <a:p>
+            <a:endParaRPr lang="fr-FR" dirty="0"/>
+          </a:p>
+        </p:txBody>
+      </p:sp>
+      <p:sp>
+        <p:nvSpPr>
+          <p:cNvPr id="15" name="Content Placeholder 14"/>
           <p:cNvSpPr>
             <a:spLocks noGrp="1"/>
           </p:cNvSpPr>
           <p:nvPr>
-            <p:ph idx="1"/>
+            <p:ph sz="half" idx="2"/>
           </p:nvPr>
         </p:nvSpPr>
         <p:spPr/>
@@ -12503,13 +13404,13 @@
           <a:bodyPr/>
           <a:lstStyle/>
           <a:p>
-            <a:endParaRPr lang="fr-FR"/>
-          </a:p>
-        </p:txBody>
-      </p:sp>
-      <p:sp>
-        <p:nvSpPr>
-          <p:cNvPr id="4" name="Slide Number Placeholder 3"/>
+            <a:endParaRPr lang="en-US" dirty="0" smtClean="0"/>
+          </a:p>
+        </p:txBody>
+      </p:sp>
+      <p:sp>
+        <p:nvSpPr>
+          <p:cNvPr id="5" name="Slide Number Placeholder 4"/>
           <p:cNvSpPr>
             <a:spLocks noGrp="1"/>
           </p:cNvSpPr>
@@ -12527,13 +13428,1305 @@
               <a:pPr/>
               <a:t>20</a:t>
             </a:fld>
-            <a:endParaRPr lang="fr-FR"/>
+            <a:endParaRPr lang="fr-FR" dirty="0"/>
+          </a:p>
+        </p:txBody>
+      </p:sp>
+      <p:sp>
+        <p:nvSpPr>
+          <p:cNvPr id="6" name="TextBox 5"/>
+          <p:cNvSpPr txBox="1"/>
+          <p:nvPr/>
+        </p:nvSpPr>
+        <p:spPr>
+          <a:xfrm>
+            <a:off x="179512" y="5934670"/>
+            <a:ext cx="2736304" cy="923330"/>
+          </a:xfrm>
+          <a:prstGeom prst="rect">
+            <a:avLst/>
+          </a:prstGeom>
+          <a:noFill/>
+        </p:spPr>
+        <p:txBody>
+          <a:bodyPr wrap="square" rtlCol="0">
+            <a:spAutoFit/>
+          </a:bodyPr>
+          <a:lstStyle/>
+          <a:p>
+            <a:r>
+              <a:rPr lang="fr-FR" dirty="0" smtClean="0"/>
+              <a:t>Guénon Marie</a:t>
+            </a:r>
+          </a:p>
+          <a:p>
+            <a:r>
+              <a:rPr lang="fr-FR" dirty="0" smtClean="0"/>
+              <a:t>Achard Jean-Paul</a:t>
+            </a:r>
+          </a:p>
+          <a:p>
+            <a:r>
+              <a:rPr lang="fr-FR" dirty="0" smtClean="0"/>
+              <a:t>Favreau Jean-Dominique</a:t>
+            </a:r>
+            <a:endParaRPr lang="fr-FR" dirty="0"/>
+          </a:p>
+        </p:txBody>
+      </p:sp>
+      <p:sp>
+        <p:nvSpPr>
+          <p:cNvPr id="30725" name="Rectangle 5"/>
+          <p:cNvSpPr>
+            <a:spLocks noChangeArrowheads="1"/>
+          </p:cNvSpPr>
+          <p:nvPr/>
+        </p:nvSpPr>
+        <p:spPr bwMode="auto">
+          <a:xfrm>
+            <a:off x="0" y="0"/>
+            <a:ext cx="9144000" cy="457200"/>
+          </a:xfrm>
+          <a:prstGeom prst="rect">
+            <a:avLst/>
+          </a:prstGeom>
+          <a:noFill/>
+          <a:ln w="9525">
+            <a:noFill/>
+            <a:miter lim="800000"/>
+            <a:headEnd/>
+            <a:tailEnd/>
+          </a:ln>
+          <a:effectLst/>
+        </p:spPr>
+        <p:txBody>
+          <a:bodyPr vert="horz" wrap="none" lIns="91440" tIns="45720" rIns="91440" bIns="45720" numCol="1" anchor="ctr" anchorCtr="0" compatLnSpc="1">
+            <a:prstTxWarp prst="textNoShape">
+              <a:avLst/>
+            </a:prstTxWarp>
+            <a:spAutoFit/>
+          </a:bodyPr>
+          <a:lstStyle/>
+          <a:p>
+            <a:endParaRPr lang="fr-FR" dirty="0"/>
+          </a:p>
+        </p:txBody>
+      </p:sp>
+      <p:sp>
+        <p:nvSpPr>
+          <p:cNvPr id="30726" name="Rectangle 6"/>
+          <p:cNvSpPr>
+            <a:spLocks noChangeArrowheads="1"/>
+          </p:cNvSpPr>
+          <p:nvPr/>
+        </p:nvSpPr>
+        <p:spPr bwMode="auto">
+          <a:xfrm>
+            <a:off x="0" y="942975"/>
+            <a:ext cx="9144000" cy="0"/>
+          </a:xfrm>
+          <a:prstGeom prst="rect">
+            <a:avLst/>
+          </a:prstGeom>
+          <a:noFill/>
+          <a:ln w="9525">
+            <a:noFill/>
+            <a:miter lim="800000"/>
+            <a:headEnd/>
+            <a:tailEnd/>
+          </a:ln>
+          <a:effectLst/>
+        </p:spPr>
+        <p:txBody>
+          <a:bodyPr vert="horz" wrap="none" lIns="91440" tIns="45720" rIns="91440" bIns="45720" numCol="1" anchor="ctr" anchorCtr="0" compatLnSpc="1">
+            <a:prstTxWarp prst="textNoShape">
+              <a:avLst/>
+            </a:prstTxWarp>
+            <a:spAutoFit/>
+          </a:bodyPr>
+          <a:lstStyle/>
+          <a:p>
+            <a:pPr marL="0" marR="0" lvl="0" indent="0" algn="l" defTabSz="914400" rtl="0" eaLnBrk="1" fontAlgn="base" latinLnBrk="0" hangingPunct="1">
+              <a:lnSpc>
+                <a:spcPct val="100000"/>
+              </a:lnSpc>
+              <a:spcBef>
+                <a:spcPct val="0"/>
+              </a:spcBef>
+              <a:spcAft>
+                <a:spcPct val="0"/>
+              </a:spcAft>
+              <a:buClrTx/>
+              <a:buSzTx/>
+              <a:buFontTx/>
+              <a:buNone/>
+              <a:tabLst/>
+            </a:pPr>
+            <a:endParaRPr kumimoji="0" lang="fr-FR" sz="1800" b="0" i="0" u="none" strike="noStrike" cap="none" normalizeH="0" baseline="0" dirty="0" smtClean="0">
+              <a:ln>
+                <a:noFill/>
+              </a:ln>
+              <a:solidFill>
+                <a:schemeClr val="tx1"/>
+              </a:solidFill>
+              <a:effectLst/>
+              <a:latin typeface="Arial" pitchFamily="34" charset="0"/>
+              <a:cs typeface="Arial" pitchFamily="34" charset="0"/>
+            </a:endParaRPr>
+          </a:p>
+        </p:txBody>
+      </p:sp>
+      <p:sp>
+        <p:nvSpPr>
+          <p:cNvPr id="47108" name="Rectangle 4"/>
+          <p:cNvSpPr>
+            <a:spLocks noChangeArrowheads="1"/>
+          </p:cNvSpPr>
+          <p:nvPr/>
+        </p:nvSpPr>
+        <p:spPr bwMode="auto">
+          <a:xfrm>
+            <a:off x="0" y="0"/>
+            <a:ext cx="9144000" cy="457200"/>
+          </a:xfrm>
+          <a:prstGeom prst="rect">
+            <a:avLst/>
+          </a:prstGeom>
+          <a:noFill/>
+          <a:ln w="9525">
+            <a:noFill/>
+            <a:miter lim="800000"/>
+            <a:headEnd/>
+            <a:tailEnd/>
+          </a:ln>
+          <a:effectLst/>
+        </p:spPr>
+        <p:txBody>
+          <a:bodyPr vert="horz" wrap="none" lIns="91440" tIns="45720" rIns="91440" bIns="45720" numCol="1" anchor="ctr" anchorCtr="0" compatLnSpc="1">
+            <a:prstTxWarp prst="textNoShape">
+              <a:avLst/>
+            </a:prstTxWarp>
+            <a:spAutoFit/>
+          </a:bodyPr>
+          <a:lstStyle/>
+          <a:p>
+            <a:endParaRPr lang="fr-FR" dirty="0"/>
+          </a:p>
+        </p:txBody>
+      </p:sp>
+      <p:sp>
+        <p:nvSpPr>
+          <p:cNvPr id="47109" name="Rectangle 5"/>
+          <p:cNvSpPr>
+            <a:spLocks noChangeArrowheads="1"/>
+          </p:cNvSpPr>
+          <p:nvPr/>
+        </p:nvSpPr>
+        <p:spPr bwMode="auto">
+          <a:xfrm>
+            <a:off x="0" y="723900"/>
+            <a:ext cx="9144000" cy="0"/>
+          </a:xfrm>
+          <a:prstGeom prst="rect">
+            <a:avLst/>
+          </a:prstGeom>
+          <a:noFill/>
+          <a:ln w="9525">
+            <a:noFill/>
+            <a:miter lim="800000"/>
+            <a:headEnd/>
+            <a:tailEnd/>
+          </a:ln>
+          <a:effectLst/>
+        </p:spPr>
+        <p:txBody>
+          <a:bodyPr vert="horz" wrap="none" lIns="91440" tIns="45720" rIns="91440" bIns="45720" numCol="1" anchor="ctr" anchorCtr="0" compatLnSpc="1">
+            <a:prstTxWarp prst="textNoShape">
+              <a:avLst/>
+            </a:prstTxWarp>
+            <a:spAutoFit/>
+          </a:bodyPr>
+          <a:lstStyle/>
+          <a:p>
+            <a:pPr marL="0" marR="0" lvl="0" indent="0" algn="l" defTabSz="914400" rtl="0" eaLnBrk="1" fontAlgn="base" latinLnBrk="0" hangingPunct="1">
+              <a:lnSpc>
+                <a:spcPct val="100000"/>
+              </a:lnSpc>
+              <a:spcBef>
+                <a:spcPct val="0"/>
+              </a:spcBef>
+              <a:spcAft>
+                <a:spcPct val="0"/>
+              </a:spcAft>
+              <a:buClrTx/>
+              <a:buSzTx/>
+              <a:buFontTx/>
+              <a:buNone/>
+              <a:tabLst/>
+            </a:pPr>
+            <a:endParaRPr kumimoji="0" lang="fr-FR" sz="1800" b="0" i="0" u="none" strike="noStrike" cap="none" normalizeH="0" baseline="0" dirty="0" smtClean="0">
+              <a:ln>
+                <a:noFill/>
+              </a:ln>
+              <a:solidFill>
+                <a:schemeClr val="tx1"/>
+              </a:solidFill>
+              <a:effectLst/>
+              <a:latin typeface="Arial" pitchFamily="34" charset="0"/>
+              <a:cs typeface="Arial" pitchFamily="34" charset="0"/>
+            </a:endParaRPr>
+          </a:p>
+        </p:txBody>
+      </p:sp>
+      <p:sp>
+        <p:nvSpPr>
+          <p:cNvPr id="47111" name="Rectangle 7"/>
+          <p:cNvSpPr>
+            <a:spLocks noChangeArrowheads="1"/>
+          </p:cNvSpPr>
+          <p:nvPr/>
+        </p:nvSpPr>
+        <p:spPr bwMode="auto">
+          <a:xfrm>
+            <a:off x="0" y="0"/>
+            <a:ext cx="9144000" cy="457200"/>
+          </a:xfrm>
+          <a:prstGeom prst="rect">
+            <a:avLst/>
+          </a:prstGeom>
+          <a:noFill/>
+          <a:ln w="9525">
+            <a:noFill/>
+            <a:miter lim="800000"/>
+            <a:headEnd/>
+            <a:tailEnd/>
+          </a:ln>
+          <a:effectLst/>
+        </p:spPr>
+        <p:txBody>
+          <a:bodyPr vert="horz" wrap="none" lIns="91440" tIns="45720" rIns="91440" bIns="45720" numCol="1" anchor="ctr" anchorCtr="0" compatLnSpc="1">
+            <a:prstTxWarp prst="textNoShape">
+              <a:avLst/>
+            </a:prstTxWarp>
+            <a:spAutoFit/>
+          </a:bodyPr>
+          <a:lstStyle/>
+          <a:p>
+            <a:endParaRPr lang="fr-FR" dirty="0"/>
+          </a:p>
+        </p:txBody>
+      </p:sp>
+      <p:sp>
+        <p:nvSpPr>
+          <p:cNvPr id="47112" name="Rectangle 8"/>
+          <p:cNvSpPr>
+            <a:spLocks noChangeArrowheads="1"/>
+          </p:cNvSpPr>
+          <p:nvPr/>
+        </p:nvSpPr>
+        <p:spPr bwMode="auto">
+          <a:xfrm>
+            <a:off x="0" y="723900"/>
+            <a:ext cx="9144000" cy="0"/>
+          </a:xfrm>
+          <a:prstGeom prst="rect">
+            <a:avLst/>
+          </a:prstGeom>
+          <a:noFill/>
+          <a:ln w="9525">
+            <a:noFill/>
+            <a:miter lim="800000"/>
+            <a:headEnd/>
+            <a:tailEnd/>
+          </a:ln>
+          <a:effectLst/>
+        </p:spPr>
+        <p:txBody>
+          <a:bodyPr vert="horz" wrap="none" lIns="91440" tIns="45720" rIns="91440" bIns="45720" numCol="1" anchor="ctr" anchorCtr="0" compatLnSpc="1">
+            <a:prstTxWarp prst="textNoShape">
+              <a:avLst/>
+            </a:prstTxWarp>
+            <a:spAutoFit/>
+          </a:bodyPr>
+          <a:lstStyle/>
+          <a:p>
+            <a:pPr marL="0" marR="0" lvl="0" indent="0" algn="l" defTabSz="914400" rtl="0" eaLnBrk="1" fontAlgn="base" latinLnBrk="0" hangingPunct="1">
+              <a:lnSpc>
+                <a:spcPct val="100000"/>
+              </a:lnSpc>
+              <a:spcBef>
+                <a:spcPct val="0"/>
+              </a:spcBef>
+              <a:spcAft>
+                <a:spcPct val="0"/>
+              </a:spcAft>
+              <a:buClrTx/>
+              <a:buSzTx/>
+              <a:buFontTx/>
+              <a:buNone/>
+              <a:tabLst/>
+            </a:pPr>
+            <a:endParaRPr kumimoji="0" lang="fr-FR" sz="1800" b="0" i="0" u="none" strike="noStrike" cap="none" normalizeH="0" baseline="0" dirty="0" smtClean="0">
+              <a:ln>
+                <a:noFill/>
+              </a:ln>
+              <a:solidFill>
+                <a:schemeClr val="tx1"/>
+              </a:solidFill>
+              <a:effectLst/>
+              <a:latin typeface="Arial" pitchFamily="34" charset="0"/>
+              <a:cs typeface="Arial" pitchFamily="34" charset="0"/>
+            </a:endParaRPr>
+          </a:p>
+        </p:txBody>
+      </p:sp>
+      <p:sp>
+        <p:nvSpPr>
+          <p:cNvPr id="48130" name="Rectangle 2"/>
+          <p:cNvSpPr>
+            <a:spLocks noChangeArrowheads="1"/>
+          </p:cNvSpPr>
+          <p:nvPr/>
+        </p:nvSpPr>
+        <p:spPr bwMode="auto">
+          <a:xfrm>
+            <a:off x="0" y="0"/>
+            <a:ext cx="9144000" cy="457200"/>
+          </a:xfrm>
+          <a:prstGeom prst="rect">
+            <a:avLst/>
+          </a:prstGeom>
+          <a:noFill/>
+          <a:ln w="9525">
+            <a:noFill/>
+            <a:miter lim="800000"/>
+            <a:headEnd/>
+            <a:tailEnd/>
+          </a:ln>
+          <a:effectLst/>
+        </p:spPr>
+        <p:txBody>
+          <a:bodyPr vert="horz" wrap="none" lIns="91440" tIns="45720" rIns="91440" bIns="45720" numCol="1" anchor="ctr" anchorCtr="0" compatLnSpc="1">
+            <a:prstTxWarp prst="textNoShape">
+              <a:avLst/>
+            </a:prstTxWarp>
+            <a:spAutoFit/>
+          </a:bodyPr>
+          <a:lstStyle/>
+          <a:p>
+            <a:endParaRPr lang="fr-FR" dirty="0"/>
+          </a:p>
+        </p:txBody>
+      </p:sp>
+      <p:sp>
+        <p:nvSpPr>
+          <p:cNvPr id="48131" name="Rectangle 3"/>
+          <p:cNvSpPr>
+            <a:spLocks noChangeArrowheads="1"/>
+          </p:cNvSpPr>
+          <p:nvPr/>
+        </p:nvSpPr>
+        <p:spPr bwMode="auto">
+          <a:xfrm>
+            <a:off x="0" y="828675"/>
+            <a:ext cx="9144000" cy="0"/>
+          </a:xfrm>
+          <a:prstGeom prst="rect">
+            <a:avLst/>
+          </a:prstGeom>
+          <a:noFill/>
+          <a:ln w="9525">
+            <a:noFill/>
+            <a:miter lim="800000"/>
+            <a:headEnd/>
+            <a:tailEnd/>
+          </a:ln>
+          <a:effectLst/>
+        </p:spPr>
+        <p:txBody>
+          <a:bodyPr vert="horz" wrap="none" lIns="91440" tIns="45720" rIns="91440" bIns="45720" numCol="1" anchor="ctr" anchorCtr="0" compatLnSpc="1">
+            <a:prstTxWarp prst="textNoShape">
+              <a:avLst/>
+            </a:prstTxWarp>
+            <a:spAutoFit/>
+          </a:bodyPr>
+          <a:lstStyle/>
+          <a:p>
+            <a:pPr marL="0" marR="0" lvl="0" indent="0" algn="l" defTabSz="914400" rtl="0" eaLnBrk="1" fontAlgn="base" latinLnBrk="0" hangingPunct="1">
+              <a:lnSpc>
+                <a:spcPct val="100000"/>
+              </a:lnSpc>
+              <a:spcBef>
+                <a:spcPct val="0"/>
+              </a:spcBef>
+              <a:spcAft>
+                <a:spcPct val="0"/>
+              </a:spcAft>
+              <a:buClrTx/>
+              <a:buSzTx/>
+              <a:buFontTx/>
+              <a:buNone/>
+              <a:tabLst/>
+            </a:pPr>
+            <a:endParaRPr kumimoji="0" lang="fr-FR" sz="1800" b="0" i="0" u="none" strike="noStrike" cap="none" normalizeH="0" baseline="0" dirty="0" smtClean="0">
+              <a:ln>
+                <a:noFill/>
+              </a:ln>
+              <a:solidFill>
+                <a:schemeClr val="tx1"/>
+              </a:solidFill>
+              <a:effectLst/>
+              <a:latin typeface="Arial" pitchFamily="34" charset="0"/>
+              <a:cs typeface="Arial" pitchFamily="34" charset="0"/>
+            </a:endParaRPr>
+          </a:p>
+        </p:txBody>
+      </p:sp>
+      <p:sp>
+        <p:nvSpPr>
+          <p:cNvPr id="16" name="TextBox 15"/>
+          <p:cNvSpPr txBox="1"/>
+          <p:nvPr/>
+        </p:nvSpPr>
+        <p:spPr>
+          <a:xfrm>
+            <a:off x="3707904" y="6309320"/>
+            <a:ext cx="1008112" cy="369332"/>
+          </a:xfrm>
+          <a:prstGeom prst="rect">
+            <a:avLst/>
+          </a:prstGeom>
+          <a:noFill/>
+        </p:spPr>
+        <p:txBody>
+          <a:bodyPr wrap="square" rtlCol="0">
+            <a:spAutoFit/>
+          </a:bodyPr>
+          <a:lstStyle/>
+          <a:p>
+            <a:r>
+              <a:rPr lang="fr-FR" dirty="0" smtClean="0"/>
+              <a:t>MAM4</a:t>
+            </a:r>
+            <a:endParaRPr lang="fr-FR" dirty="0"/>
+          </a:p>
+        </p:txBody>
+      </p:sp>
+    </p:spTree>
+  </p:cSld>
+  <p:clrMapOvr>
+    <a:masterClrMapping/>
+  </p:clrMapOvr>
+  <p:timing>
+    <p:tnLst>
+      <p:par>
+        <p:cTn id="1" dur="indefinite" restart="never" nodeType="tmRoot"/>
+      </p:par>
+    </p:tnLst>
+  </p:timing>
+</p:sld>
+</file>
+
+<file path=ppt/slides/slide21.xml><?xml version="1.0" encoding="utf-8"?>
+<p:sld xmlns:a="http://schemas.openxmlformats.org/drawingml/2006/main" xmlns:r="http://schemas.openxmlformats.org/officeDocument/2006/relationships" xmlns:p="http://schemas.openxmlformats.org/presentationml/2006/main">
+  <p:cSld>
+    <p:spTree>
+      <p:nvGrpSpPr>
+        <p:cNvPr id="1" name=""/>
+        <p:cNvGrpSpPr/>
+        <p:nvPr/>
+      </p:nvGrpSpPr>
+      <p:grpSpPr>
+        <a:xfrm>
+          <a:off x="0" y="0"/>
+          <a:ext cx="0" cy="0"/>
+          <a:chOff x="0" y="0"/>
+          <a:chExt cx="0" cy="0"/>
+        </a:xfrm>
+      </p:grpSpPr>
+      <p:sp>
+        <p:nvSpPr>
+          <p:cNvPr id="13" name="Title 12"/>
+          <p:cNvSpPr>
+            <a:spLocks noGrp="1"/>
+          </p:cNvSpPr>
+          <p:nvPr>
+            <p:ph type="title"/>
+          </p:nvPr>
+        </p:nvSpPr>
+        <p:spPr/>
+        <p:txBody>
+          <a:bodyPr>
+            <a:normAutofit/>
+          </a:bodyPr>
+          <a:lstStyle/>
+          <a:p>
+            <a:pPr marL="571500" indent="-571500"/>
+            <a:r>
+              <a:rPr lang="en-US" sz="5400" dirty="0" smtClean="0"/>
+              <a:t>Human Machine Interface</a:t>
+            </a:r>
+            <a:endParaRPr lang="en-US" sz="5400" dirty="0" smtClean="0"/>
+          </a:p>
+        </p:txBody>
+      </p:sp>
+      <p:sp>
+        <p:nvSpPr>
+          <p:cNvPr id="14" name="Content Placeholder 13"/>
+          <p:cNvSpPr>
+            <a:spLocks noGrp="1"/>
+          </p:cNvSpPr>
+          <p:nvPr>
+            <p:ph sz="half" idx="1"/>
+          </p:nvPr>
+        </p:nvSpPr>
+        <p:spPr/>
+        <p:txBody>
+          <a:bodyPr/>
+          <a:lstStyle/>
+          <a:p>
+            <a:pPr marL="571500" indent="-571500"/>
+            <a:r>
+              <a:rPr lang="en-US" dirty="0" smtClean="0"/>
+              <a:t>I. Sound treatment</a:t>
+            </a:r>
+          </a:p>
+          <a:p>
+            <a:pPr marL="571500" indent="-571500"/>
+            <a:r>
+              <a:rPr lang="en-US" dirty="0" smtClean="0"/>
+              <a:t>II. Comparison</a:t>
+            </a:r>
+          </a:p>
+          <a:p>
+            <a:pPr marL="571500" indent="-571500"/>
+            <a:r>
+              <a:rPr lang="en-US" dirty="0" smtClean="0"/>
+              <a:t>III</a:t>
+            </a:r>
+            <a:r>
+              <a:rPr lang="en-US" dirty="0" smtClean="0"/>
+              <a:t>. Human Machine</a:t>
+            </a:r>
+          </a:p>
+          <a:p>
+            <a:pPr marL="571500" indent="-571500"/>
+            <a:r>
+              <a:rPr lang="en-US" dirty="0" smtClean="0"/>
+              <a:t>Interface</a:t>
+            </a:r>
+          </a:p>
+          <a:p>
+            <a:pPr marL="937260" lvl="1" indent="-571500"/>
+            <a:r>
+              <a:rPr lang="en-US" dirty="0" smtClean="0"/>
+              <a:t>a. Menu</a:t>
+            </a:r>
+            <a:endParaRPr lang="en-US" dirty="0" smtClean="0"/>
+          </a:p>
+          <a:p>
+            <a:pPr marL="937260" lvl="1" indent="-571500"/>
+            <a:r>
+              <a:rPr lang="en-US" dirty="0" smtClean="0">
+                <a:solidFill>
+                  <a:schemeClr val="bg2">
+                    <a:lumMod val="50000"/>
+                  </a:schemeClr>
+                </a:solidFill>
+              </a:rPr>
+              <a:t>b. How </a:t>
+            </a:r>
+            <a:r>
+              <a:rPr lang="en-US" dirty="0" smtClean="0">
+                <a:solidFill>
+                  <a:schemeClr val="bg2">
+                    <a:lumMod val="50000"/>
+                  </a:schemeClr>
+                </a:solidFill>
+              </a:rPr>
+              <a:t>to play</a:t>
+            </a:r>
+          </a:p>
+          <a:p>
+            <a:pPr marL="571500" indent="-571500"/>
+            <a:endParaRPr lang="en-US" dirty="0" smtClean="0"/>
+          </a:p>
+          <a:p>
+            <a:endParaRPr lang="fr-FR" dirty="0"/>
+          </a:p>
+        </p:txBody>
+      </p:sp>
+      <p:sp>
+        <p:nvSpPr>
+          <p:cNvPr id="15" name="Content Placeholder 14"/>
+          <p:cNvSpPr>
+            <a:spLocks noGrp="1"/>
+          </p:cNvSpPr>
+          <p:nvPr>
+            <p:ph sz="half" idx="2"/>
+          </p:nvPr>
+        </p:nvSpPr>
+        <p:spPr/>
+        <p:txBody>
+          <a:bodyPr/>
+          <a:lstStyle/>
+          <a:p>
+            <a:endParaRPr lang="en-US" dirty="0" smtClean="0"/>
+          </a:p>
+        </p:txBody>
+      </p:sp>
+      <p:sp>
+        <p:nvSpPr>
+          <p:cNvPr id="5" name="Slide Number Placeholder 4"/>
+          <p:cNvSpPr>
+            <a:spLocks noGrp="1"/>
+          </p:cNvSpPr>
+          <p:nvPr>
+            <p:ph type="sldNum" sz="quarter" idx="12"/>
+          </p:nvPr>
+        </p:nvSpPr>
+        <p:spPr/>
+        <p:txBody>
+          <a:bodyPr/>
+          <a:lstStyle/>
+          <a:p>
+            <a:fld id="{2DF02132-0EFC-4140-B7E5-E20918FBBD76}" type="slidenum">
+              <a:rPr lang="fr-FR" smtClean="0"/>
+              <a:pPr/>
+              <a:t>21</a:t>
+            </a:fld>
+            <a:endParaRPr lang="fr-FR" dirty="0"/>
+          </a:p>
+        </p:txBody>
+      </p:sp>
+      <p:sp>
+        <p:nvSpPr>
+          <p:cNvPr id="6" name="TextBox 5"/>
+          <p:cNvSpPr txBox="1"/>
+          <p:nvPr/>
+        </p:nvSpPr>
+        <p:spPr>
+          <a:xfrm>
+            <a:off x="179512" y="5934670"/>
+            <a:ext cx="2736304" cy="923330"/>
+          </a:xfrm>
+          <a:prstGeom prst="rect">
+            <a:avLst/>
+          </a:prstGeom>
+          <a:noFill/>
+        </p:spPr>
+        <p:txBody>
+          <a:bodyPr wrap="square" rtlCol="0">
+            <a:spAutoFit/>
+          </a:bodyPr>
+          <a:lstStyle/>
+          <a:p>
+            <a:r>
+              <a:rPr lang="fr-FR" dirty="0" smtClean="0"/>
+              <a:t>Guénon Marie</a:t>
+            </a:r>
+          </a:p>
+          <a:p>
+            <a:r>
+              <a:rPr lang="fr-FR" dirty="0" smtClean="0"/>
+              <a:t>Achard Jean-Paul</a:t>
+            </a:r>
+          </a:p>
+          <a:p>
+            <a:r>
+              <a:rPr lang="fr-FR" dirty="0" smtClean="0"/>
+              <a:t>Favreau Jean-Dominique</a:t>
+            </a:r>
+            <a:endParaRPr lang="fr-FR" dirty="0"/>
+          </a:p>
+        </p:txBody>
+      </p:sp>
+      <p:sp>
+        <p:nvSpPr>
+          <p:cNvPr id="30725" name="Rectangle 5"/>
+          <p:cNvSpPr>
+            <a:spLocks noChangeArrowheads="1"/>
+          </p:cNvSpPr>
+          <p:nvPr/>
+        </p:nvSpPr>
+        <p:spPr bwMode="auto">
+          <a:xfrm>
+            <a:off x="0" y="0"/>
+            <a:ext cx="9144000" cy="457200"/>
+          </a:xfrm>
+          <a:prstGeom prst="rect">
+            <a:avLst/>
+          </a:prstGeom>
+          <a:noFill/>
+          <a:ln w="9525">
+            <a:noFill/>
+            <a:miter lim="800000"/>
+            <a:headEnd/>
+            <a:tailEnd/>
+          </a:ln>
+          <a:effectLst/>
+        </p:spPr>
+        <p:txBody>
+          <a:bodyPr vert="horz" wrap="none" lIns="91440" tIns="45720" rIns="91440" bIns="45720" numCol="1" anchor="ctr" anchorCtr="0" compatLnSpc="1">
+            <a:prstTxWarp prst="textNoShape">
+              <a:avLst/>
+            </a:prstTxWarp>
+            <a:spAutoFit/>
+          </a:bodyPr>
+          <a:lstStyle/>
+          <a:p>
+            <a:endParaRPr lang="fr-FR" dirty="0"/>
+          </a:p>
+        </p:txBody>
+      </p:sp>
+      <p:sp>
+        <p:nvSpPr>
+          <p:cNvPr id="30726" name="Rectangle 6"/>
+          <p:cNvSpPr>
+            <a:spLocks noChangeArrowheads="1"/>
+          </p:cNvSpPr>
+          <p:nvPr/>
+        </p:nvSpPr>
+        <p:spPr bwMode="auto">
+          <a:xfrm>
+            <a:off x="0" y="942975"/>
+            <a:ext cx="9144000" cy="0"/>
+          </a:xfrm>
+          <a:prstGeom prst="rect">
+            <a:avLst/>
+          </a:prstGeom>
+          <a:noFill/>
+          <a:ln w="9525">
+            <a:noFill/>
+            <a:miter lim="800000"/>
+            <a:headEnd/>
+            <a:tailEnd/>
+          </a:ln>
+          <a:effectLst/>
+        </p:spPr>
+        <p:txBody>
+          <a:bodyPr vert="horz" wrap="none" lIns="91440" tIns="45720" rIns="91440" bIns="45720" numCol="1" anchor="ctr" anchorCtr="0" compatLnSpc="1">
+            <a:prstTxWarp prst="textNoShape">
+              <a:avLst/>
+            </a:prstTxWarp>
+            <a:spAutoFit/>
+          </a:bodyPr>
+          <a:lstStyle/>
+          <a:p>
+            <a:pPr marL="0" marR="0" lvl="0" indent="0" algn="l" defTabSz="914400" rtl="0" eaLnBrk="1" fontAlgn="base" latinLnBrk="0" hangingPunct="1">
+              <a:lnSpc>
+                <a:spcPct val="100000"/>
+              </a:lnSpc>
+              <a:spcBef>
+                <a:spcPct val="0"/>
+              </a:spcBef>
+              <a:spcAft>
+                <a:spcPct val="0"/>
+              </a:spcAft>
+              <a:buClrTx/>
+              <a:buSzTx/>
+              <a:buFontTx/>
+              <a:buNone/>
+              <a:tabLst/>
+            </a:pPr>
+            <a:endParaRPr kumimoji="0" lang="fr-FR" sz="1800" b="0" i="0" u="none" strike="noStrike" cap="none" normalizeH="0" baseline="0" dirty="0" smtClean="0">
+              <a:ln>
+                <a:noFill/>
+              </a:ln>
+              <a:solidFill>
+                <a:schemeClr val="tx1"/>
+              </a:solidFill>
+              <a:effectLst/>
+              <a:latin typeface="Arial" pitchFamily="34" charset="0"/>
+              <a:cs typeface="Arial" pitchFamily="34" charset="0"/>
+            </a:endParaRPr>
+          </a:p>
+        </p:txBody>
+      </p:sp>
+      <p:sp>
+        <p:nvSpPr>
+          <p:cNvPr id="47108" name="Rectangle 4"/>
+          <p:cNvSpPr>
+            <a:spLocks noChangeArrowheads="1"/>
+          </p:cNvSpPr>
+          <p:nvPr/>
+        </p:nvSpPr>
+        <p:spPr bwMode="auto">
+          <a:xfrm>
+            <a:off x="0" y="0"/>
+            <a:ext cx="9144000" cy="457200"/>
+          </a:xfrm>
+          <a:prstGeom prst="rect">
+            <a:avLst/>
+          </a:prstGeom>
+          <a:noFill/>
+          <a:ln w="9525">
+            <a:noFill/>
+            <a:miter lim="800000"/>
+            <a:headEnd/>
+            <a:tailEnd/>
+          </a:ln>
+          <a:effectLst/>
+        </p:spPr>
+        <p:txBody>
+          <a:bodyPr vert="horz" wrap="none" lIns="91440" tIns="45720" rIns="91440" bIns="45720" numCol="1" anchor="ctr" anchorCtr="0" compatLnSpc="1">
+            <a:prstTxWarp prst="textNoShape">
+              <a:avLst/>
+            </a:prstTxWarp>
+            <a:spAutoFit/>
+          </a:bodyPr>
+          <a:lstStyle/>
+          <a:p>
+            <a:endParaRPr lang="fr-FR" dirty="0"/>
+          </a:p>
+        </p:txBody>
+      </p:sp>
+      <p:sp>
+        <p:nvSpPr>
+          <p:cNvPr id="47109" name="Rectangle 5"/>
+          <p:cNvSpPr>
+            <a:spLocks noChangeArrowheads="1"/>
+          </p:cNvSpPr>
+          <p:nvPr/>
+        </p:nvSpPr>
+        <p:spPr bwMode="auto">
+          <a:xfrm>
+            <a:off x="0" y="723900"/>
+            <a:ext cx="9144000" cy="0"/>
+          </a:xfrm>
+          <a:prstGeom prst="rect">
+            <a:avLst/>
+          </a:prstGeom>
+          <a:noFill/>
+          <a:ln w="9525">
+            <a:noFill/>
+            <a:miter lim="800000"/>
+            <a:headEnd/>
+            <a:tailEnd/>
+          </a:ln>
+          <a:effectLst/>
+        </p:spPr>
+        <p:txBody>
+          <a:bodyPr vert="horz" wrap="none" lIns="91440" tIns="45720" rIns="91440" bIns="45720" numCol="1" anchor="ctr" anchorCtr="0" compatLnSpc="1">
+            <a:prstTxWarp prst="textNoShape">
+              <a:avLst/>
+            </a:prstTxWarp>
+            <a:spAutoFit/>
+          </a:bodyPr>
+          <a:lstStyle/>
+          <a:p>
+            <a:pPr marL="0" marR="0" lvl="0" indent="0" algn="l" defTabSz="914400" rtl="0" eaLnBrk="1" fontAlgn="base" latinLnBrk="0" hangingPunct="1">
+              <a:lnSpc>
+                <a:spcPct val="100000"/>
+              </a:lnSpc>
+              <a:spcBef>
+                <a:spcPct val="0"/>
+              </a:spcBef>
+              <a:spcAft>
+                <a:spcPct val="0"/>
+              </a:spcAft>
+              <a:buClrTx/>
+              <a:buSzTx/>
+              <a:buFontTx/>
+              <a:buNone/>
+              <a:tabLst/>
+            </a:pPr>
+            <a:endParaRPr kumimoji="0" lang="fr-FR" sz="1800" b="0" i="0" u="none" strike="noStrike" cap="none" normalizeH="0" baseline="0" dirty="0" smtClean="0">
+              <a:ln>
+                <a:noFill/>
+              </a:ln>
+              <a:solidFill>
+                <a:schemeClr val="tx1"/>
+              </a:solidFill>
+              <a:effectLst/>
+              <a:latin typeface="Arial" pitchFamily="34" charset="0"/>
+              <a:cs typeface="Arial" pitchFamily="34" charset="0"/>
+            </a:endParaRPr>
+          </a:p>
+        </p:txBody>
+      </p:sp>
+      <p:sp>
+        <p:nvSpPr>
+          <p:cNvPr id="47111" name="Rectangle 7"/>
+          <p:cNvSpPr>
+            <a:spLocks noChangeArrowheads="1"/>
+          </p:cNvSpPr>
+          <p:nvPr/>
+        </p:nvSpPr>
+        <p:spPr bwMode="auto">
+          <a:xfrm>
+            <a:off x="0" y="0"/>
+            <a:ext cx="9144000" cy="457200"/>
+          </a:xfrm>
+          <a:prstGeom prst="rect">
+            <a:avLst/>
+          </a:prstGeom>
+          <a:noFill/>
+          <a:ln w="9525">
+            <a:noFill/>
+            <a:miter lim="800000"/>
+            <a:headEnd/>
+            <a:tailEnd/>
+          </a:ln>
+          <a:effectLst/>
+        </p:spPr>
+        <p:txBody>
+          <a:bodyPr vert="horz" wrap="none" lIns="91440" tIns="45720" rIns="91440" bIns="45720" numCol="1" anchor="ctr" anchorCtr="0" compatLnSpc="1">
+            <a:prstTxWarp prst="textNoShape">
+              <a:avLst/>
+            </a:prstTxWarp>
+            <a:spAutoFit/>
+          </a:bodyPr>
+          <a:lstStyle/>
+          <a:p>
+            <a:endParaRPr lang="fr-FR" dirty="0"/>
+          </a:p>
+        </p:txBody>
+      </p:sp>
+      <p:sp>
+        <p:nvSpPr>
+          <p:cNvPr id="47112" name="Rectangle 8"/>
+          <p:cNvSpPr>
+            <a:spLocks noChangeArrowheads="1"/>
+          </p:cNvSpPr>
+          <p:nvPr/>
+        </p:nvSpPr>
+        <p:spPr bwMode="auto">
+          <a:xfrm>
+            <a:off x="0" y="723900"/>
+            <a:ext cx="9144000" cy="0"/>
+          </a:xfrm>
+          <a:prstGeom prst="rect">
+            <a:avLst/>
+          </a:prstGeom>
+          <a:noFill/>
+          <a:ln w="9525">
+            <a:noFill/>
+            <a:miter lim="800000"/>
+            <a:headEnd/>
+            <a:tailEnd/>
+          </a:ln>
+          <a:effectLst/>
+        </p:spPr>
+        <p:txBody>
+          <a:bodyPr vert="horz" wrap="none" lIns="91440" tIns="45720" rIns="91440" bIns="45720" numCol="1" anchor="ctr" anchorCtr="0" compatLnSpc="1">
+            <a:prstTxWarp prst="textNoShape">
+              <a:avLst/>
+            </a:prstTxWarp>
+            <a:spAutoFit/>
+          </a:bodyPr>
+          <a:lstStyle/>
+          <a:p>
+            <a:pPr marL="0" marR="0" lvl="0" indent="0" algn="l" defTabSz="914400" rtl="0" eaLnBrk="1" fontAlgn="base" latinLnBrk="0" hangingPunct="1">
+              <a:lnSpc>
+                <a:spcPct val="100000"/>
+              </a:lnSpc>
+              <a:spcBef>
+                <a:spcPct val="0"/>
+              </a:spcBef>
+              <a:spcAft>
+                <a:spcPct val="0"/>
+              </a:spcAft>
+              <a:buClrTx/>
+              <a:buSzTx/>
+              <a:buFontTx/>
+              <a:buNone/>
+              <a:tabLst/>
+            </a:pPr>
+            <a:endParaRPr kumimoji="0" lang="fr-FR" sz="1800" b="0" i="0" u="none" strike="noStrike" cap="none" normalizeH="0" baseline="0" dirty="0" smtClean="0">
+              <a:ln>
+                <a:noFill/>
+              </a:ln>
+              <a:solidFill>
+                <a:schemeClr val="tx1"/>
+              </a:solidFill>
+              <a:effectLst/>
+              <a:latin typeface="Arial" pitchFamily="34" charset="0"/>
+              <a:cs typeface="Arial" pitchFamily="34" charset="0"/>
+            </a:endParaRPr>
+          </a:p>
+        </p:txBody>
+      </p:sp>
+      <p:sp>
+        <p:nvSpPr>
+          <p:cNvPr id="48130" name="Rectangle 2"/>
+          <p:cNvSpPr>
+            <a:spLocks noChangeArrowheads="1"/>
+          </p:cNvSpPr>
+          <p:nvPr/>
+        </p:nvSpPr>
+        <p:spPr bwMode="auto">
+          <a:xfrm>
+            <a:off x="0" y="0"/>
+            <a:ext cx="9144000" cy="457200"/>
+          </a:xfrm>
+          <a:prstGeom prst="rect">
+            <a:avLst/>
+          </a:prstGeom>
+          <a:noFill/>
+          <a:ln w="9525">
+            <a:noFill/>
+            <a:miter lim="800000"/>
+            <a:headEnd/>
+            <a:tailEnd/>
+          </a:ln>
+          <a:effectLst/>
+        </p:spPr>
+        <p:txBody>
+          <a:bodyPr vert="horz" wrap="none" lIns="91440" tIns="45720" rIns="91440" bIns="45720" numCol="1" anchor="ctr" anchorCtr="0" compatLnSpc="1">
+            <a:prstTxWarp prst="textNoShape">
+              <a:avLst/>
+            </a:prstTxWarp>
+            <a:spAutoFit/>
+          </a:bodyPr>
+          <a:lstStyle/>
+          <a:p>
+            <a:endParaRPr lang="fr-FR" dirty="0"/>
+          </a:p>
+        </p:txBody>
+      </p:sp>
+      <p:sp>
+        <p:nvSpPr>
+          <p:cNvPr id="48131" name="Rectangle 3"/>
+          <p:cNvSpPr>
+            <a:spLocks noChangeArrowheads="1"/>
+          </p:cNvSpPr>
+          <p:nvPr/>
+        </p:nvSpPr>
+        <p:spPr bwMode="auto">
+          <a:xfrm>
+            <a:off x="0" y="828675"/>
+            <a:ext cx="9144000" cy="0"/>
+          </a:xfrm>
+          <a:prstGeom prst="rect">
+            <a:avLst/>
+          </a:prstGeom>
+          <a:noFill/>
+          <a:ln w="9525">
+            <a:noFill/>
+            <a:miter lim="800000"/>
+            <a:headEnd/>
+            <a:tailEnd/>
+          </a:ln>
+          <a:effectLst/>
+        </p:spPr>
+        <p:txBody>
+          <a:bodyPr vert="horz" wrap="none" lIns="91440" tIns="45720" rIns="91440" bIns="45720" numCol="1" anchor="ctr" anchorCtr="0" compatLnSpc="1">
+            <a:prstTxWarp prst="textNoShape">
+              <a:avLst/>
+            </a:prstTxWarp>
+            <a:spAutoFit/>
+          </a:bodyPr>
+          <a:lstStyle/>
+          <a:p>
+            <a:pPr marL="0" marR="0" lvl="0" indent="0" algn="l" defTabSz="914400" rtl="0" eaLnBrk="1" fontAlgn="base" latinLnBrk="0" hangingPunct="1">
+              <a:lnSpc>
+                <a:spcPct val="100000"/>
+              </a:lnSpc>
+              <a:spcBef>
+                <a:spcPct val="0"/>
+              </a:spcBef>
+              <a:spcAft>
+                <a:spcPct val="0"/>
+              </a:spcAft>
+              <a:buClrTx/>
+              <a:buSzTx/>
+              <a:buFontTx/>
+              <a:buNone/>
+              <a:tabLst/>
+            </a:pPr>
+            <a:endParaRPr kumimoji="0" lang="fr-FR" sz="1800" b="0" i="0" u="none" strike="noStrike" cap="none" normalizeH="0" baseline="0" dirty="0" smtClean="0">
+              <a:ln>
+                <a:noFill/>
+              </a:ln>
+              <a:solidFill>
+                <a:schemeClr val="tx1"/>
+              </a:solidFill>
+              <a:effectLst/>
+              <a:latin typeface="Arial" pitchFamily="34" charset="0"/>
+              <a:cs typeface="Arial" pitchFamily="34" charset="0"/>
+            </a:endParaRPr>
+          </a:p>
+        </p:txBody>
+      </p:sp>
+      <p:sp>
+        <p:nvSpPr>
+          <p:cNvPr id="16" name="TextBox 15"/>
+          <p:cNvSpPr txBox="1"/>
+          <p:nvPr/>
+        </p:nvSpPr>
+        <p:spPr>
+          <a:xfrm>
+            <a:off x="3707904" y="6309320"/>
+            <a:ext cx="1008112" cy="369332"/>
+          </a:xfrm>
+          <a:prstGeom prst="rect">
+            <a:avLst/>
+          </a:prstGeom>
+          <a:noFill/>
+        </p:spPr>
+        <p:txBody>
+          <a:bodyPr wrap="square" rtlCol="0">
+            <a:spAutoFit/>
+          </a:bodyPr>
+          <a:lstStyle/>
+          <a:p>
+            <a:r>
+              <a:rPr lang="fr-FR" dirty="0" smtClean="0"/>
+              <a:t>MAM4</a:t>
+            </a:r>
+            <a:endParaRPr lang="fr-FR" dirty="0"/>
+          </a:p>
+        </p:txBody>
+      </p:sp>
+    </p:spTree>
+  </p:cSld>
+  <p:clrMapOvr>
+    <a:masterClrMapping/>
+  </p:clrMapOvr>
+  <p:timing>
+    <p:tnLst>
+      <p:par>
+        <p:cTn id="1" dur="indefinite" restart="never" nodeType="tmRoot"/>
+      </p:par>
+    </p:tnLst>
+  </p:timing>
+</p:sld>
+</file>
+
+<file path=ppt/slides/slide22.xml><?xml version="1.0" encoding="utf-8"?>
+<p:sld xmlns:a="http://schemas.openxmlformats.org/drawingml/2006/main" xmlns:r="http://schemas.openxmlformats.org/officeDocument/2006/relationships" xmlns:p="http://schemas.openxmlformats.org/presentationml/2006/main">
+  <p:cSld>
+    <p:spTree>
+      <p:nvGrpSpPr>
+        <p:cNvPr id="1" name=""/>
+        <p:cNvGrpSpPr/>
+        <p:nvPr/>
+      </p:nvGrpSpPr>
+      <p:grpSpPr>
+        <a:xfrm>
+          <a:off x="0" y="0"/>
+          <a:ext cx="0" cy="0"/>
+          <a:chOff x="0" y="0"/>
+          <a:chExt cx="0" cy="0"/>
+        </a:xfrm>
+      </p:grpSpPr>
+      <p:sp>
+        <p:nvSpPr>
+          <p:cNvPr id="3" name="Title 2"/>
+          <p:cNvSpPr>
+            <a:spLocks noGrp="1"/>
+          </p:cNvSpPr>
+          <p:nvPr>
+            <p:ph type="title"/>
+          </p:nvPr>
+        </p:nvSpPr>
+        <p:spPr/>
+        <p:txBody>
+          <a:bodyPr/>
+          <a:lstStyle/>
+          <a:p>
+            <a:r>
+              <a:rPr lang="fr-FR" dirty="0" smtClean="0"/>
+              <a:t>Conclusion</a:t>
+            </a:r>
+            <a:endParaRPr lang="fr-FR" dirty="0"/>
+          </a:p>
+        </p:txBody>
+      </p:sp>
+      <p:sp>
+        <p:nvSpPr>
+          <p:cNvPr id="2" name="Content Placeholder 1"/>
+          <p:cNvSpPr>
+            <a:spLocks noGrp="1"/>
+          </p:cNvSpPr>
+          <p:nvPr>
+            <p:ph idx="1"/>
+          </p:nvPr>
+        </p:nvSpPr>
+        <p:spPr>
+          <a:xfrm>
+            <a:off x="457200" y="1935480"/>
+            <a:ext cx="8229600" cy="4013800"/>
+          </a:xfrm>
+        </p:spPr>
+        <p:txBody>
+          <a:bodyPr/>
+          <a:lstStyle/>
+          <a:p>
+            <a:endParaRPr lang="fr-FR" dirty="0"/>
+          </a:p>
+        </p:txBody>
+      </p:sp>
+      <p:sp>
+        <p:nvSpPr>
+          <p:cNvPr id="5" name="Slide Number Placeholder 4"/>
+          <p:cNvSpPr>
+            <a:spLocks noGrp="1"/>
+          </p:cNvSpPr>
+          <p:nvPr>
+            <p:ph type="sldNum" sz="quarter" idx="12"/>
+          </p:nvPr>
+        </p:nvSpPr>
+        <p:spPr/>
+        <p:txBody>
+          <a:bodyPr/>
+          <a:lstStyle/>
+          <a:p>
+            <a:fld id="{2DF02132-0EFC-4140-B7E5-E20918FBBD76}" type="slidenum">
+              <a:rPr lang="fr-FR" smtClean="0"/>
+              <a:pPr/>
+              <a:t>22</a:t>
+            </a:fld>
+            <a:endParaRPr lang="fr-FR" dirty="0"/>
+          </a:p>
+        </p:txBody>
+      </p:sp>
+      <p:sp>
+        <p:nvSpPr>
+          <p:cNvPr id="6" name="TextBox 5"/>
+          <p:cNvSpPr txBox="1"/>
+          <p:nvPr/>
+        </p:nvSpPr>
+        <p:spPr>
+          <a:xfrm>
+            <a:off x="179512" y="5934670"/>
+            <a:ext cx="2736304" cy="923330"/>
+          </a:xfrm>
+          <a:prstGeom prst="rect">
+            <a:avLst/>
+          </a:prstGeom>
+          <a:noFill/>
+        </p:spPr>
+        <p:txBody>
+          <a:bodyPr wrap="square" rtlCol="0">
+            <a:spAutoFit/>
+          </a:bodyPr>
+          <a:lstStyle/>
+          <a:p>
+            <a:r>
+              <a:rPr lang="fr-FR" dirty="0" smtClean="0"/>
+              <a:t>Guénon Marie</a:t>
+            </a:r>
+          </a:p>
+          <a:p>
+            <a:r>
+              <a:rPr lang="fr-FR" dirty="0" smtClean="0"/>
+              <a:t>Achard Jean-Paul</a:t>
+            </a:r>
+          </a:p>
+          <a:p>
+            <a:r>
+              <a:rPr lang="fr-FR" dirty="0" smtClean="0"/>
+              <a:t>Favreau Jean-Dominique</a:t>
+            </a:r>
+            <a:endParaRPr lang="fr-FR" dirty="0"/>
           </a:p>
         </p:txBody>
       </p:sp>
       <p:pic>
         <p:nvPicPr>
-          <p:cNvPr id="5" name="Picture 2" descr="http://jaiunproblemeavecmonpc.files.wordpress.com/2012/06/pc-question.jpg"/>
+          <p:cNvPr id="16386" name="Picture 2" descr="http://alumni.polytech.unice.fr/wp-content/uploads/2009/12/logoPolytechNice.png"/>
           <p:cNvPicPr>
             <a:picLocks noChangeAspect="1" noChangeArrowheads="1"/>
           </p:cNvPicPr>
@@ -12548,6 +14741,418 @@
         </p:blipFill>
         <p:spPr bwMode="auto">
           <a:xfrm>
+            <a:off x="5724128" y="6191249"/>
+            <a:ext cx="2114550" cy="666751"/>
+          </a:xfrm>
+          <a:prstGeom prst="rect">
+            <a:avLst/>
+          </a:prstGeom>
+          <a:noFill/>
+        </p:spPr>
+      </p:pic>
+      <p:sp>
+        <p:nvSpPr>
+          <p:cNvPr id="7" name="TextBox 6"/>
+          <p:cNvSpPr txBox="1"/>
+          <p:nvPr/>
+        </p:nvSpPr>
+        <p:spPr>
+          <a:xfrm>
+            <a:off x="3707904" y="6309320"/>
+            <a:ext cx="1008112" cy="369332"/>
+          </a:xfrm>
+          <a:prstGeom prst="rect">
+            <a:avLst/>
+          </a:prstGeom>
+          <a:noFill/>
+        </p:spPr>
+        <p:txBody>
+          <a:bodyPr wrap="square" rtlCol="0">
+            <a:spAutoFit/>
+          </a:bodyPr>
+          <a:lstStyle/>
+          <a:p>
+            <a:r>
+              <a:rPr lang="fr-FR" dirty="0" smtClean="0"/>
+              <a:t>MAM4</a:t>
+            </a:r>
+            <a:endParaRPr lang="fr-FR" dirty="0"/>
+          </a:p>
+        </p:txBody>
+      </p:sp>
+    </p:spTree>
+  </p:cSld>
+  <p:clrMapOvr>
+    <a:masterClrMapping/>
+  </p:clrMapOvr>
+  <p:timing>
+    <p:tnLst>
+      <p:par>
+        <p:cTn id="1" dur="indefinite" restart="never" nodeType="tmRoot"/>
+      </p:par>
+    </p:tnLst>
+  </p:timing>
+</p:sld>
+</file>
+
+<file path=ppt/slides/slide23.xml><?xml version="1.0" encoding="utf-8"?>
+<p:sld xmlns:a="http://schemas.openxmlformats.org/drawingml/2006/main" xmlns:r="http://schemas.openxmlformats.org/officeDocument/2006/relationships" xmlns:p="http://schemas.openxmlformats.org/presentationml/2006/main">
+  <p:cSld>
+    <p:spTree>
+      <p:nvGrpSpPr>
+        <p:cNvPr id="1" name=""/>
+        <p:cNvGrpSpPr/>
+        <p:nvPr/>
+      </p:nvGrpSpPr>
+      <p:grpSpPr>
+        <a:xfrm>
+          <a:off x="0" y="0"/>
+          <a:ext cx="0" cy="0"/>
+          <a:chOff x="0" y="0"/>
+          <a:chExt cx="0" cy="0"/>
+        </a:xfrm>
+      </p:grpSpPr>
+      <p:sp>
+        <p:nvSpPr>
+          <p:cNvPr id="3" name="Title 2"/>
+          <p:cNvSpPr>
+            <a:spLocks noGrp="1"/>
+          </p:cNvSpPr>
+          <p:nvPr>
+            <p:ph type="title"/>
+          </p:nvPr>
+        </p:nvSpPr>
+        <p:spPr/>
+        <p:txBody>
+          <a:bodyPr/>
+          <a:lstStyle/>
+          <a:p>
+            <a:r>
+              <a:rPr lang="fr-FR" dirty="0" smtClean="0"/>
+              <a:t>Sources</a:t>
+            </a:r>
+            <a:endParaRPr lang="fr-FR" dirty="0"/>
+          </a:p>
+        </p:txBody>
+      </p:sp>
+      <p:sp>
+        <p:nvSpPr>
+          <p:cNvPr id="2" name="Content Placeholder 1"/>
+          <p:cNvSpPr>
+            <a:spLocks noGrp="1"/>
+          </p:cNvSpPr>
+          <p:nvPr>
+            <p:ph idx="1"/>
+          </p:nvPr>
+        </p:nvSpPr>
+        <p:spPr>
+          <a:xfrm>
+            <a:off x="457200" y="1935480"/>
+            <a:ext cx="8229600" cy="4013800"/>
+          </a:xfrm>
+        </p:spPr>
+        <p:txBody>
+          <a:bodyPr/>
+          <a:lstStyle/>
+          <a:p>
+            <a:r>
+              <a:rPr lang="fr-FR" dirty="0" smtClean="0"/>
+              <a:t>J</a:t>
+            </a:r>
+            <a:r>
+              <a:rPr lang="fr-FR" dirty="0" smtClean="0"/>
+              <a:t>. </a:t>
+            </a:r>
+            <a:r>
+              <a:rPr lang="fr-FR" dirty="0" smtClean="0"/>
+              <a:t>Leroux </a:t>
+            </a:r>
+            <a:r>
+              <a:rPr lang="fr-FR" sz="1800" dirty="0" smtClean="0"/>
+              <a:t>« </a:t>
+            </a:r>
+            <a:r>
+              <a:rPr lang="fr-FR" sz="1800" dirty="0" err="1" smtClean="0"/>
+              <a:t>Dynamic</a:t>
+            </a:r>
+            <a:r>
+              <a:rPr lang="fr-FR" sz="1800" dirty="0" smtClean="0"/>
+              <a:t> time </a:t>
+            </a:r>
+            <a:r>
+              <a:rPr lang="fr-FR" sz="1800" dirty="0" err="1" smtClean="0"/>
+              <a:t>warping</a:t>
+            </a:r>
+            <a:r>
+              <a:rPr lang="fr-FR" sz="1800" dirty="0" smtClean="0"/>
+              <a:t> », « HMI », TNS</a:t>
+            </a:r>
+            <a:endParaRPr lang="fr-FR" dirty="0" smtClean="0"/>
+          </a:p>
+          <a:p>
+            <a:r>
+              <a:rPr lang="fr-FR" dirty="0" err="1" smtClean="0"/>
+              <a:t>Wikipedia</a:t>
+            </a:r>
+            <a:endParaRPr lang="fr-FR" dirty="0" smtClean="0"/>
+          </a:p>
+          <a:p>
+            <a:r>
+              <a:rPr lang="fr-FR" dirty="0" smtClean="0"/>
+              <a:t>J. Mariani </a:t>
+            </a:r>
+            <a:r>
+              <a:rPr lang="fr-FR" sz="1800" dirty="0" smtClean="0"/>
+              <a:t>« Reconnaissance de la parole, progrès et tendances », 1990</a:t>
+            </a:r>
+          </a:p>
+          <a:p>
+            <a:r>
+              <a:rPr lang="fr-FR" dirty="0" smtClean="0"/>
+              <a:t>…</a:t>
+            </a:r>
+            <a:endParaRPr lang="fr-FR" dirty="0"/>
+          </a:p>
+        </p:txBody>
+      </p:sp>
+      <p:sp>
+        <p:nvSpPr>
+          <p:cNvPr id="5" name="Slide Number Placeholder 4"/>
+          <p:cNvSpPr>
+            <a:spLocks noGrp="1"/>
+          </p:cNvSpPr>
+          <p:nvPr>
+            <p:ph type="sldNum" sz="quarter" idx="12"/>
+          </p:nvPr>
+        </p:nvSpPr>
+        <p:spPr/>
+        <p:txBody>
+          <a:bodyPr/>
+          <a:lstStyle/>
+          <a:p>
+            <a:fld id="{2DF02132-0EFC-4140-B7E5-E20918FBBD76}" type="slidenum">
+              <a:rPr lang="fr-FR" smtClean="0"/>
+              <a:pPr/>
+              <a:t>23</a:t>
+            </a:fld>
+            <a:endParaRPr lang="fr-FR"/>
+          </a:p>
+        </p:txBody>
+      </p:sp>
+      <p:sp>
+        <p:nvSpPr>
+          <p:cNvPr id="6" name="TextBox 5"/>
+          <p:cNvSpPr txBox="1"/>
+          <p:nvPr/>
+        </p:nvSpPr>
+        <p:spPr>
+          <a:xfrm>
+            <a:off x="179512" y="5934670"/>
+            <a:ext cx="2736304" cy="923330"/>
+          </a:xfrm>
+          <a:prstGeom prst="rect">
+            <a:avLst/>
+          </a:prstGeom>
+          <a:noFill/>
+        </p:spPr>
+        <p:txBody>
+          <a:bodyPr wrap="square" rtlCol="0">
+            <a:spAutoFit/>
+          </a:bodyPr>
+          <a:lstStyle/>
+          <a:p>
+            <a:r>
+              <a:rPr lang="fr-FR" dirty="0" smtClean="0"/>
+              <a:t>Guénon Marie</a:t>
+            </a:r>
+          </a:p>
+          <a:p>
+            <a:r>
+              <a:rPr lang="fr-FR" dirty="0" smtClean="0"/>
+              <a:t>Achard Jean-Paul</a:t>
+            </a:r>
+          </a:p>
+          <a:p>
+            <a:r>
+              <a:rPr lang="fr-FR" dirty="0" smtClean="0"/>
+              <a:t>Favreau Jean-Dominique</a:t>
+            </a:r>
+            <a:endParaRPr lang="fr-FR" dirty="0"/>
+          </a:p>
+        </p:txBody>
+      </p:sp>
+      <p:pic>
+        <p:nvPicPr>
+          <p:cNvPr id="16386" name="Picture 2" descr="http://alumni.polytech.unice.fr/wp-content/uploads/2009/12/logoPolytechNice.png"/>
+          <p:cNvPicPr>
+            <a:picLocks noChangeAspect="1" noChangeArrowheads="1"/>
+          </p:cNvPicPr>
+          <p:nvPr/>
+        </p:nvPicPr>
+        <p:blipFill>
+          <a:blip r:embed="rId2" cstate="print"/>
+          <a:srcRect/>
+          <a:stretch>
+            <a:fillRect/>
+          </a:stretch>
+        </p:blipFill>
+        <p:spPr bwMode="auto">
+          <a:xfrm>
+            <a:off x="5724128" y="6191249"/>
+            <a:ext cx="2114550" cy="666751"/>
+          </a:xfrm>
+          <a:prstGeom prst="rect">
+            <a:avLst/>
+          </a:prstGeom>
+          <a:noFill/>
+        </p:spPr>
+      </p:pic>
+      <p:sp>
+        <p:nvSpPr>
+          <p:cNvPr id="7" name="TextBox 6"/>
+          <p:cNvSpPr txBox="1"/>
+          <p:nvPr/>
+        </p:nvSpPr>
+        <p:spPr>
+          <a:xfrm>
+            <a:off x="3707904" y="6309320"/>
+            <a:ext cx="1008112" cy="369332"/>
+          </a:xfrm>
+          <a:prstGeom prst="rect">
+            <a:avLst/>
+          </a:prstGeom>
+          <a:noFill/>
+        </p:spPr>
+        <p:txBody>
+          <a:bodyPr wrap="square" rtlCol="0">
+            <a:spAutoFit/>
+          </a:bodyPr>
+          <a:lstStyle/>
+          <a:p>
+            <a:r>
+              <a:rPr lang="fr-FR" dirty="0" smtClean="0"/>
+              <a:t>MAM4</a:t>
+            </a:r>
+            <a:endParaRPr lang="fr-FR" dirty="0"/>
+          </a:p>
+        </p:txBody>
+      </p:sp>
+    </p:spTree>
+  </p:cSld>
+  <p:clrMapOvr>
+    <a:masterClrMapping/>
+  </p:clrMapOvr>
+  <p:timing>
+    <p:tnLst>
+      <p:par>
+        <p:cTn id="1" dur="indefinite" restart="never" nodeType="tmRoot"/>
+      </p:par>
+    </p:tnLst>
+  </p:timing>
+</p:sld>
+</file>
+
+<file path=ppt/slides/slide24.xml><?xml version="1.0" encoding="utf-8"?>
+<p:sld xmlns:a="http://schemas.openxmlformats.org/drawingml/2006/main" xmlns:r="http://schemas.openxmlformats.org/officeDocument/2006/relationships" xmlns:p="http://schemas.openxmlformats.org/presentationml/2006/main">
+  <p:cSld>
+    <p:spTree>
+      <p:nvGrpSpPr>
+        <p:cNvPr id="1" name=""/>
+        <p:cNvGrpSpPr/>
+        <p:nvPr/>
+      </p:nvGrpSpPr>
+      <p:grpSpPr>
+        <a:xfrm>
+          <a:off x="0" y="0"/>
+          <a:ext cx="0" cy="0"/>
+          <a:chOff x="0" y="0"/>
+          <a:chExt cx="0" cy="0"/>
+        </a:xfrm>
+      </p:grpSpPr>
+      <p:sp>
+        <p:nvSpPr>
+          <p:cNvPr id="2" name="Title 1"/>
+          <p:cNvSpPr>
+            <a:spLocks noGrp="1"/>
+          </p:cNvSpPr>
+          <p:nvPr>
+            <p:ph type="title"/>
+          </p:nvPr>
+        </p:nvSpPr>
+        <p:spPr/>
+        <p:txBody>
+          <a:bodyPr/>
+          <a:lstStyle/>
+          <a:p>
+            <a:pPr algn="ctr"/>
+            <a:r>
+              <a:rPr lang="en-US" dirty="0" smtClean="0"/>
+              <a:t>Do you have any question?</a:t>
+            </a:r>
+            <a:endParaRPr lang="en-US" dirty="0"/>
+          </a:p>
+        </p:txBody>
+      </p:sp>
+      <p:sp>
+        <p:nvSpPr>
+          <p:cNvPr id="3" name="Content Placeholder 2"/>
+          <p:cNvSpPr>
+            <a:spLocks noGrp="1"/>
+          </p:cNvSpPr>
+          <p:nvPr>
+            <p:ph idx="1"/>
+          </p:nvPr>
+        </p:nvSpPr>
+        <p:spPr/>
+        <p:txBody>
+          <a:bodyPr/>
+          <a:lstStyle/>
+          <a:p>
+            <a:endParaRPr lang="fr-FR" dirty="0"/>
+          </a:p>
+        </p:txBody>
+      </p:sp>
+      <p:sp>
+        <p:nvSpPr>
+          <p:cNvPr id="4" name="Slide Number Placeholder 3"/>
+          <p:cNvSpPr>
+            <a:spLocks noGrp="1"/>
+          </p:cNvSpPr>
+          <p:nvPr>
+            <p:ph type="sldNum" sz="quarter" idx="12"/>
+          </p:nvPr>
+        </p:nvSpPr>
+        <p:spPr/>
+        <p:txBody>
+          <a:bodyPr/>
+          <a:lstStyle/>
+          <a:p>
+            <a:fld id="{2DF02132-0EFC-4140-B7E5-E20918FBBD76}" type="slidenum">
+              <a:rPr lang="fr-FR" smtClean="0"/>
+              <a:pPr/>
+              <a:t>24</a:t>
+            </a:fld>
+            <a:endParaRPr lang="fr-FR"/>
+          </a:p>
+        </p:txBody>
+      </p:sp>
+      <p:pic>
+        <p:nvPicPr>
+          <p:cNvPr id="5" name="Picture 2" descr="http://jaiunproblemeavecmonpc.files.wordpress.com/2012/06/pc-question.jpg"/>
+          <p:cNvPicPr>
+            <a:picLocks noChangeAspect="1" noChangeArrowheads="1"/>
+          </p:cNvPicPr>
+          <p:nvPr/>
+        </p:nvPicPr>
+        <p:blipFill>
+          <a:blip r:embed="rId2" cstate="print"/>
+          <a:srcRect/>
+          <a:stretch>
+            <a:fillRect/>
+          </a:stretch>
+        </p:blipFill>
+        <p:spPr bwMode="auto">
+          <a:xfrm>
             <a:off x="2123728" y="1916832"/>
             <a:ext cx="4941168" cy="4941168"/>
           </a:xfrm>
@@ -12555,6 +15160,219 @@
             <a:avLst/>
           </a:prstGeom>
           <a:noFill/>
+        </p:spPr>
+      </p:pic>
+      <p:sp>
+        <p:nvSpPr>
+          <p:cNvPr id="7" name="TextBox 6"/>
+          <p:cNvSpPr txBox="1"/>
+          <p:nvPr/>
+        </p:nvSpPr>
+        <p:spPr>
+          <a:xfrm>
+            <a:off x="179512" y="5934670"/>
+            <a:ext cx="2736304" cy="923330"/>
+          </a:xfrm>
+          <a:prstGeom prst="rect">
+            <a:avLst/>
+          </a:prstGeom>
+          <a:noFill/>
+        </p:spPr>
+        <p:txBody>
+          <a:bodyPr wrap="square" rtlCol="0">
+            <a:spAutoFit/>
+          </a:bodyPr>
+          <a:lstStyle/>
+          <a:p>
+            <a:r>
+              <a:rPr lang="fr-FR" dirty="0" smtClean="0"/>
+              <a:t>Guénon Marie</a:t>
+            </a:r>
+          </a:p>
+          <a:p>
+            <a:r>
+              <a:rPr lang="fr-FR" dirty="0" smtClean="0"/>
+              <a:t>Achard Jean-Paul</a:t>
+            </a:r>
+          </a:p>
+          <a:p>
+            <a:r>
+              <a:rPr lang="fr-FR" dirty="0" smtClean="0"/>
+              <a:t>Favreau Jean-Dominique</a:t>
+            </a:r>
+            <a:endParaRPr lang="fr-FR" dirty="0"/>
+          </a:p>
+        </p:txBody>
+      </p:sp>
+      <p:pic>
+        <p:nvPicPr>
+          <p:cNvPr id="8" name="Picture 2" descr="http://alumni.polytech.unice.fr/wp-content/uploads/2009/12/logoPolytechNice.png"/>
+          <p:cNvPicPr>
+            <a:picLocks noChangeAspect="1" noChangeArrowheads="1"/>
+          </p:cNvPicPr>
+          <p:nvPr/>
+        </p:nvPicPr>
+        <p:blipFill>
+          <a:blip r:embed="rId3" cstate="print"/>
+          <a:srcRect/>
+          <a:stretch>
+            <a:fillRect/>
+          </a:stretch>
+        </p:blipFill>
+        <p:spPr bwMode="auto">
+          <a:xfrm>
+            <a:off x="5724128" y="6191249"/>
+            <a:ext cx="2114550" cy="666751"/>
+          </a:xfrm>
+          <a:prstGeom prst="rect">
+            <a:avLst/>
+          </a:prstGeom>
+          <a:noFill/>
+        </p:spPr>
+      </p:pic>
+      <p:sp>
+        <p:nvSpPr>
+          <p:cNvPr id="9" name="TextBox 8"/>
+          <p:cNvSpPr txBox="1"/>
+          <p:nvPr/>
+        </p:nvSpPr>
+        <p:spPr>
+          <a:xfrm>
+            <a:off x="3707904" y="6309320"/>
+            <a:ext cx="1008112" cy="369332"/>
+          </a:xfrm>
+          <a:prstGeom prst="rect">
+            <a:avLst/>
+          </a:prstGeom>
+          <a:noFill/>
+        </p:spPr>
+        <p:txBody>
+          <a:bodyPr wrap="square" rtlCol="0">
+            <a:spAutoFit/>
+          </a:bodyPr>
+          <a:lstStyle/>
+          <a:p>
+            <a:r>
+              <a:rPr lang="fr-FR" dirty="0" smtClean="0"/>
+              <a:t>MAM4</a:t>
+            </a:r>
+            <a:endParaRPr lang="fr-FR" dirty="0"/>
+          </a:p>
+        </p:txBody>
+      </p:sp>
+    </p:spTree>
+  </p:cSld>
+  <p:clrMapOvr>
+    <a:masterClrMapping/>
+  </p:clrMapOvr>
+  <p:timing>
+    <p:tnLst>
+      <p:par>
+        <p:cTn id="1" dur="indefinite" restart="never" nodeType="tmRoot"/>
+      </p:par>
+    </p:tnLst>
+  </p:timing>
+</p:sld>
+</file>
+
+<file path=ppt/slides/slide25.xml><?xml version="1.0" encoding="utf-8"?>
+<p:sld xmlns:a="http://schemas.openxmlformats.org/drawingml/2006/main" xmlns:r="http://schemas.openxmlformats.org/officeDocument/2006/relationships" xmlns:p="http://schemas.openxmlformats.org/presentationml/2006/main">
+  <p:cSld>
+    <p:spTree>
+      <p:nvGrpSpPr>
+        <p:cNvPr id="1" name=""/>
+        <p:cNvGrpSpPr/>
+        <p:nvPr/>
+      </p:nvGrpSpPr>
+      <p:grpSpPr>
+        <a:xfrm>
+          <a:off x="0" y="0"/>
+          <a:ext cx="0" cy="0"/>
+          <a:chOff x="0" y="0"/>
+          <a:chExt cx="0" cy="0"/>
+        </a:xfrm>
+      </p:grpSpPr>
+      <p:sp>
+        <p:nvSpPr>
+          <p:cNvPr id="2" name="Title 1"/>
+          <p:cNvSpPr>
+            <a:spLocks noGrp="1"/>
+          </p:cNvSpPr>
+          <p:nvPr>
+            <p:ph type="title"/>
+          </p:nvPr>
+        </p:nvSpPr>
+        <p:spPr/>
+        <p:txBody>
+          <a:bodyPr/>
+          <a:lstStyle/>
+          <a:p>
+            <a:pPr algn="ctr"/>
+            <a:r>
+              <a:rPr lang="en-US" dirty="0" smtClean="0"/>
+              <a:t>Practice !</a:t>
+            </a:r>
+            <a:endParaRPr lang="en-US" dirty="0"/>
+          </a:p>
+        </p:txBody>
+      </p:sp>
+      <p:sp>
+        <p:nvSpPr>
+          <p:cNvPr id="4" name="Slide Number Placeholder 3"/>
+          <p:cNvSpPr>
+            <a:spLocks noGrp="1"/>
+          </p:cNvSpPr>
+          <p:nvPr>
+            <p:ph type="sldNum" sz="quarter" idx="12"/>
+          </p:nvPr>
+        </p:nvSpPr>
+        <p:spPr/>
+        <p:txBody>
+          <a:bodyPr/>
+          <a:lstStyle/>
+          <a:p>
+            <a:fld id="{2DF02132-0EFC-4140-B7E5-E20918FBBD76}" type="slidenum">
+              <a:rPr lang="fr-FR" smtClean="0"/>
+              <a:pPr/>
+              <a:t>25</a:t>
+            </a:fld>
+            <a:endParaRPr lang="fr-FR"/>
+          </a:p>
+        </p:txBody>
+      </p:sp>
+      <p:pic>
+        <p:nvPicPr>
+          <p:cNvPr id="1029" name="Picture 5"/>
+          <p:cNvPicPr>
+            <a:picLocks noGrp="1" noChangeAspect="1" noChangeArrowheads="1"/>
+          </p:cNvPicPr>
+          <p:nvPr>
+            <p:ph idx="1"/>
+          </p:nvPr>
+        </p:nvPicPr>
+        <p:blipFill>
+          <a:blip r:embed="rId2" cstate="print"/>
+          <a:srcRect/>
+          <a:stretch>
+            <a:fillRect/>
+          </a:stretch>
+        </p:blipFill>
+        <p:spPr bwMode="auto">
+          <a:xfrm>
+            <a:off x="395536" y="3284984"/>
+            <a:ext cx="8483326" cy="1249710"/>
+          </a:xfrm>
+          <a:prstGeom prst="rect">
+            <a:avLst/>
+          </a:prstGeom>
+          <a:noFill/>
+          <a:ln w="9525">
+            <a:noFill/>
+            <a:miter lim="800000"/>
+            <a:headEnd/>
+            <a:tailEnd/>
+          </a:ln>
+          <a:effectLst/>
         </p:spPr>
       </p:pic>
     </p:spTree>
@@ -12630,7 +15448,7 @@
         </p:spPr>
         <p:txBody>
           <a:bodyPr>
-            <a:normAutofit fontScale="92500" lnSpcReduction="10000"/>
+            <a:normAutofit fontScale="85000" lnSpcReduction="20000"/>
           </a:bodyPr>
           <a:lstStyle/>
           <a:p>
@@ -12722,7 +15540,6 @@
               <a:rPr lang="en-US" dirty="0" smtClean="0"/>
               <a:t>Results</a:t>
             </a:r>
-            <a:endParaRPr lang="en-US" dirty="0" smtClean="0"/>
           </a:p>
           <a:p>
             <a:pPr marL="571500" indent="-571500">
@@ -12731,7 +15548,31 @@
             </a:pPr>
             <a:r>
               <a:rPr lang="en-US" dirty="0" smtClean="0"/>
-              <a:t>Human Machine Interface</a:t>
+              <a:t>Human Machine </a:t>
+            </a:r>
+            <a:r>
+              <a:rPr lang="en-US" dirty="0" smtClean="0"/>
+              <a:t>Interface</a:t>
+            </a:r>
+          </a:p>
+          <a:p>
+            <a:pPr marL="937260" lvl="1" indent="-571500">
+              <a:buFont typeface="+mj-lt"/>
+              <a:buAutoNum type="alphaLcPeriod"/>
+            </a:pPr>
+            <a:r>
+              <a:rPr lang="en-US" dirty="0" smtClean="0"/>
+              <a:t>Menu</a:t>
+            </a:r>
+          </a:p>
+          <a:p>
+            <a:pPr marL="937260" lvl="1" indent="-571500">
+              <a:buFont typeface="+mj-lt"/>
+              <a:buAutoNum type="alphaLcPeriod"/>
+            </a:pPr>
+            <a:r>
+              <a:rPr lang="en-US" dirty="0" smtClean="0"/>
+              <a:t>How to play</a:t>
             </a:r>
             <a:endParaRPr lang="en-US" dirty="0"/>
           </a:p>
@@ -12757,7 +15598,7 @@
               <a:pPr/>
               <a:t>3</a:t>
             </a:fld>
-            <a:endParaRPr lang="fr-FR"/>
+            <a:endParaRPr lang="fr-FR" dirty="0"/>
           </a:p>
         </p:txBody>
       </p:sp>
@@ -12829,6 +15670,36 @@
           <a:noFill/>
         </p:spPr>
       </p:pic>
+      <p:sp>
+        <p:nvSpPr>
+          <p:cNvPr id="7" name="TextBox 6"/>
+          <p:cNvSpPr txBox="1"/>
+          <p:nvPr/>
+        </p:nvSpPr>
+        <p:spPr>
+          <a:xfrm>
+            <a:off x="3707904" y="6309320"/>
+            <a:ext cx="1008112" cy="369332"/>
+          </a:xfrm>
+          <a:prstGeom prst="rect">
+            <a:avLst/>
+          </a:prstGeom>
+          <a:noFill/>
+        </p:spPr>
+        <p:txBody>
+          <a:bodyPr wrap="square" rtlCol="0">
+            <a:spAutoFit/>
+          </a:bodyPr>
+          <a:lstStyle/>
+          <a:p>
+            <a:r>
+              <a:rPr lang="fr-FR" dirty="0" smtClean="0"/>
+              <a:t>MAM4</a:t>
+            </a:r>
+            <a:endParaRPr lang="fr-FR" dirty="0"/>
+          </a:p>
+        </p:txBody>
+      </p:sp>
     </p:spTree>
   </p:cSld>
   <p:clrMapOvr>
@@ -12936,13 +15807,8 @@
             <a:pPr marL="571500" indent="-571500"/>
             <a:r>
               <a:rPr lang="en-US" dirty="0" smtClean="0"/>
-              <a:t>II. </a:t>
-            </a:r>
-            <a:r>
-              <a:rPr lang="en-US" dirty="0" smtClean="0"/>
-              <a:t>Comparison</a:t>
-            </a:r>
-            <a:endParaRPr lang="en-US" dirty="0" smtClean="0"/>
+              <a:t>II. Comparison</a:t>
+            </a:r>
           </a:p>
           <a:p>
             <a:pPr marL="571500" indent="-571500"/>
@@ -13029,7 +15895,7 @@
               <a:pPr/>
               <a:t>4</a:t>
             </a:fld>
-            <a:endParaRPr lang="fr-FR"/>
+            <a:endParaRPr lang="fr-FR" dirty="0"/>
           </a:p>
         </p:txBody>
       </p:sp>
@@ -13070,6 +15936,36 @@
             <a:r>
               <a:rPr lang="fr-FR" dirty="0" smtClean="0"/>
               <a:t>Favreau Jean-Dominique</a:t>
+            </a:r>
+            <a:endParaRPr lang="fr-FR" dirty="0"/>
+          </a:p>
+        </p:txBody>
+      </p:sp>
+      <p:sp>
+        <p:nvSpPr>
+          <p:cNvPr id="7" name="TextBox 6"/>
+          <p:cNvSpPr txBox="1"/>
+          <p:nvPr/>
+        </p:nvSpPr>
+        <p:spPr>
+          <a:xfrm>
+            <a:off x="3707904" y="6309320"/>
+            <a:ext cx="1008112" cy="369332"/>
+          </a:xfrm>
+          <a:prstGeom prst="rect">
+            <a:avLst/>
+          </a:prstGeom>
+          <a:noFill/>
+        </p:spPr>
+        <p:txBody>
+          <a:bodyPr wrap="square" rtlCol="0">
+            <a:spAutoFit/>
+          </a:bodyPr>
+          <a:lstStyle/>
+          <a:p>
+            <a:r>
+              <a:rPr lang="fr-FR" dirty="0" smtClean="0"/>
+              <a:t>MAM4</a:t>
             </a:r>
             <a:endParaRPr lang="fr-FR" dirty="0"/>
           </a:p>
@@ -13182,13 +16078,8 @@
             <a:pPr marL="571500" indent="-571500"/>
             <a:r>
               <a:rPr lang="en-US" dirty="0" smtClean="0"/>
-              <a:t>II. </a:t>
-            </a:r>
-            <a:r>
-              <a:rPr lang="en-US" dirty="0" smtClean="0"/>
-              <a:t>Comparison</a:t>
-            </a:r>
-            <a:endParaRPr lang="en-US" dirty="0" smtClean="0"/>
+              <a:t>II. Comparison</a:t>
+            </a:r>
           </a:p>
           <a:p>
             <a:pPr marL="571500" indent="-571500"/>
@@ -13260,7 +16151,7 @@
               <a:pPr/>
               <a:t>5</a:t>
             </a:fld>
-            <a:endParaRPr lang="fr-FR"/>
+            <a:endParaRPr lang="fr-FR" dirty="0"/>
           </a:p>
         </p:txBody>
       </p:sp>
@@ -13364,7 +16255,7 @@
           </a:bodyPr>
           <a:lstStyle/>
           <a:p>
-            <a:endParaRPr lang="fr-FR"/>
+            <a:endParaRPr lang="fr-FR" dirty="0"/>
           </a:p>
         </p:txBody>
       </p:sp>
@@ -13455,7 +16346,7 @@
               <a:buNone/>
               <a:tabLst/>
             </a:pPr>
-            <a:endParaRPr kumimoji="0" lang="fr-FR" sz="1800" b="0" i="0" u="none" strike="noStrike" cap="none" normalizeH="0" baseline="0" smtClean="0">
+            <a:endParaRPr kumimoji="0" lang="fr-FR" sz="1800" b="0" i="0" u="none" strike="noStrike" cap="none" normalizeH="0" baseline="0" dirty="0" smtClean="0">
               <a:ln>
                 <a:noFill/>
               </a:ln>
@@ -13502,6 +16393,36 @@
           <a:effectLst/>
         </p:spPr>
       </p:pic>
+      <p:sp>
+        <p:nvSpPr>
+          <p:cNvPr id="12" name="TextBox 11"/>
+          <p:cNvSpPr txBox="1"/>
+          <p:nvPr/>
+        </p:nvSpPr>
+        <p:spPr>
+          <a:xfrm>
+            <a:off x="3707904" y="6309320"/>
+            <a:ext cx="1008112" cy="369332"/>
+          </a:xfrm>
+          <a:prstGeom prst="rect">
+            <a:avLst/>
+          </a:prstGeom>
+          <a:noFill/>
+        </p:spPr>
+        <p:txBody>
+          <a:bodyPr wrap="square" rtlCol="0">
+            <a:spAutoFit/>
+          </a:bodyPr>
+          <a:lstStyle/>
+          <a:p>
+            <a:r>
+              <a:rPr lang="fr-FR" dirty="0" smtClean="0"/>
+              <a:t>MAM4</a:t>
+            </a:r>
+            <a:endParaRPr lang="fr-FR" dirty="0"/>
+          </a:p>
+        </p:txBody>
+      </p:sp>
     </p:spTree>
   </p:cSld>
   <p:clrMapOvr>
@@ -13610,13 +16531,8 @@
             <a:pPr marL="571500" indent="-571500"/>
             <a:r>
               <a:rPr lang="en-US" dirty="0" smtClean="0"/>
-              <a:t>II. </a:t>
-            </a:r>
-            <a:r>
-              <a:rPr lang="en-US" dirty="0" smtClean="0"/>
-              <a:t>Comparison</a:t>
-            </a:r>
-            <a:endParaRPr lang="en-US" dirty="0" smtClean="0"/>
+              <a:t>II. Comparison</a:t>
+            </a:r>
           </a:p>
           <a:p>
             <a:pPr marL="571500" indent="-571500"/>
@@ -13685,7 +16601,7 @@
               <a:pPr/>
               <a:t>6</a:t>
             </a:fld>
-            <a:endParaRPr lang="fr-FR"/>
+            <a:endParaRPr lang="fr-FR" dirty="0"/>
           </a:p>
         </p:txBody>
       </p:sp>
@@ -13765,7 +16681,7 @@
           </a:bodyPr>
           <a:lstStyle/>
           <a:p>
-            <a:endParaRPr lang="fr-FR"/>
+            <a:endParaRPr lang="fr-FR" dirty="0"/>
           </a:p>
         </p:txBody>
       </p:sp>
@@ -13819,7 +16735,7 @@
               <a:buNone/>
               <a:tabLst/>
             </a:pPr>
-            <a:endParaRPr kumimoji="0" lang="fr-FR" sz="1800" b="0" i="0" u="none" strike="noStrike" cap="none" normalizeH="0" baseline="0" smtClean="0">
+            <a:endParaRPr kumimoji="0" lang="fr-FR" sz="1800" b="0" i="0" u="none" strike="noStrike" cap="none" normalizeH="0" baseline="0" dirty="0" smtClean="0">
               <a:ln>
                 <a:noFill/>
               </a:ln>
@@ -13900,7 +16816,7 @@
           </a:bodyPr>
           <a:lstStyle/>
           <a:p>
-            <a:endParaRPr lang="fr-FR"/>
+            <a:endParaRPr lang="fr-FR" dirty="0"/>
           </a:p>
         </p:txBody>
       </p:sp>
@@ -13991,7 +16907,7 @@
               <a:buNone/>
               <a:tabLst/>
             </a:pPr>
-            <a:endParaRPr kumimoji="0" lang="fr-FR" sz="1800" b="0" i="0" u="none" strike="noStrike" cap="none" normalizeH="0" baseline="0" smtClean="0">
+            <a:endParaRPr kumimoji="0" lang="fr-FR" sz="1800" b="0" i="0" u="none" strike="noStrike" cap="none" normalizeH="0" baseline="0" dirty="0" smtClean="0">
               <a:ln>
                 <a:noFill/>
               </a:ln>
@@ -14039,7 +16955,7 @@
           </a:bodyPr>
           <a:lstStyle/>
           <a:p>
-            <a:endParaRPr lang="fr-FR"/>
+            <a:endParaRPr lang="fr-FR" dirty="0"/>
           </a:p>
         </p:txBody>
       </p:sp>
@@ -14130,7 +17046,7 @@
               <a:buNone/>
               <a:tabLst/>
             </a:pPr>
-            <a:endParaRPr kumimoji="0" lang="fr-FR" sz="1800" b="0" i="0" u="none" strike="noStrike" cap="none" normalizeH="0" baseline="0" smtClean="0">
+            <a:endParaRPr kumimoji="0" lang="fr-FR" sz="1800" b="0" i="0" u="none" strike="noStrike" cap="none" normalizeH="0" baseline="0" dirty="0" smtClean="0">
               <a:ln>
                 <a:noFill/>
               </a:ln>
@@ -14141,6 +17057,36 @@
               <a:latin typeface="Arial" pitchFamily="34" charset="0"/>
               <a:cs typeface="Arial" pitchFamily="34" charset="0"/>
             </a:endParaRPr>
+          </a:p>
+        </p:txBody>
+      </p:sp>
+      <p:sp>
+        <p:nvSpPr>
+          <p:cNvPr id="16" name="TextBox 15"/>
+          <p:cNvSpPr txBox="1"/>
+          <p:nvPr/>
+        </p:nvSpPr>
+        <p:spPr>
+          <a:xfrm>
+            <a:off x="3707904" y="6309320"/>
+            <a:ext cx="1008112" cy="369332"/>
+          </a:xfrm>
+          <a:prstGeom prst="rect">
+            <a:avLst/>
+          </a:prstGeom>
+          <a:noFill/>
+        </p:spPr>
+        <p:txBody>
+          <a:bodyPr wrap="square" rtlCol="0">
+            <a:spAutoFit/>
+          </a:bodyPr>
+          <a:lstStyle/>
+          <a:p>
+            <a:r>
+              <a:rPr lang="fr-FR" dirty="0" smtClean="0"/>
+              <a:t>MAM4</a:t>
+            </a:r>
+            <a:endParaRPr lang="fr-FR" dirty="0"/>
           </a:p>
         </p:txBody>
       </p:sp>
@@ -14253,13 +17199,8 @@
             <a:pPr marL="571500" indent="-571500"/>
             <a:r>
               <a:rPr lang="en-US" dirty="0" smtClean="0"/>
-              <a:t>II. </a:t>
-            </a:r>
-            <a:r>
-              <a:rPr lang="en-US" dirty="0" smtClean="0"/>
-              <a:t>Comparison</a:t>
-            </a:r>
-            <a:endParaRPr lang="en-US" dirty="0" smtClean="0"/>
+              <a:t>II. Comparison</a:t>
+            </a:r>
           </a:p>
           <a:p>
             <a:pPr marL="571500" indent="-571500"/>
@@ -14336,7 +17277,7 @@
               <a:pPr/>
               <a:t>7</a:t>
             </a:fld>
-            <a:endParaRPr lang="fr-FR"/>
+            <a:endParaRPr lang="fr-FR" dirty="0"/>
           </a:p>
         </p:txBody>
       </p:sp>
@@ -14416,7 +17357,7 @@
           </a:bodyPr>
           <a:lstStyle/>
           <a:p>
-            <a:endParaRPr lang="fr-FR"/>
+            <a:endParaRPr lang="fr-FR" dirty="0"/>
           </a:p>
         </p:txBody>
       </p:sp>
@@ -14470,7 +17411,7 @@
               <a:buNone/>
               <a:tabLst/>
             </a:pPr>
-            <a:endParaRPr kumimoji="0" lang="fr-FR" sz="1800" b="0" i="0" u="none" strike="noStrike" cap="none" normalizeH="0" baseline="0" smtClean="0">
+            <a:endParaRPr kumimoji="0" lang="fr-FR" sz="1800" b="0" i="0" u="none" strike="noStrike" cap="none" normalizeH="0" baseline="0" dirty="0" smtClean="0">
               <a:ln>
                 <a:noFill/>
               </a:ln>
@@ -14518,7 +17459,7 @@
           </a:bodyPr>
           <a:lstStyle/>
           <a:p>
-            <a:endParaRPr lang="fr-FR"/>
+            <a:endParaRPr lang="fr-FR" dirty="0"/>
           </a:p>
         </p:txBody>
       </p:sp>
@@ -14572,7 +17513,7 @@
               <a:buNone/>
               <a:tabLst/>
             </a:pPr>
-            <a:endParaRPr kumimoji="0" lang="fr-FR" sz="1800" b="0" i="0" u="none" strike="noStrike" cap="none" normalizeH="0" baseline="0" smtClean="0">
+            <a:endParaRPr kumimoji="0" lang="fr-FR" sz="1800" b="0" i="0" u="none" strike="noStrike" cap="none" normalizeH="0" baseline="0" dirty="0" smtClean="0">
               <a:ln>
                 <a:noFill/>
               </a:ln>
@@ -14620,7 +17561,7 @@
           </a:bodyPr>
           <a:lstStyle/>
           <a:p>
-            <a:endParaRPr lang="fr-FR"/>
+            <a:endParaRPr lang="fr-FR" dirty="0"/>
           </a:p>
         </p:txBody>
       </p:sp>
@@ -14674,7 +17615,7 @@
               <a:buNone/>
               <a:tabLst/>
             </a:pPr>
-            <a:endParaRPr kumimoji="0" lang="fr-FR" sz="1800" b="0" i="0" u="none" strike="noStrike" cap="none" normalizeH="0" baseline="0" smtClean="0">
+            <a:endParaRPr kumimoji="0" lang="fr-FR" sz="1800" b="0" i="0" u="none" strike="noStrike" cap="none" normalizeH="0" baseline="0" dirty="0" smtClean="0">
               <a:ln>
                 <a:noFill/>
               </a:ln>
@@ -14722,7 +17663,7 @@
           </a:bodyPr>
           <a:lstStyle/>
           <a:p>
-            <a:endParaRPr lang="fr-FR"/>
+            <a:endParaRPr lang="fr-FR" dirty="0"/>
           </a:p>
         </p:txBody>
       </p:sp>
@@ -14813,7 +17754,7 @@
               <a:buNone/>
               <a:tabLst/>
             </a:pPr>
-            <a:endParaRPr kumimoji="0" lang="fr-FR" sz="1800" b="0" i="0" u="none" strike="noStrike" cap="none" normalizeH="0" baseline="0" smtClean="0">
+            <a:endParaRPr kumimoji="0" lang="fr-FR" sz="1800" b="0" i="0" u="none" strike="noStrike" cap="none" normalizeH="0" baseline="0" dirty="0" smtClean="0">
               <a:ln>
                 <a:noFill/>
               </a:ln>
@@ -14843,6 +17784,36 @@
           </a:graphicData>
         </a:graphic>
       </p:graphicFrame>
+      <p:sp>
+        <p:nvSpPr>
+          <p:cNvPr id="17" name="TextBox 16"/>
+          <p:cNvSpPr txBox="1"/>
+          <p:nvPr/>
+        </p:nvSpPr>
+        <p:spPr>
+          <a:xfrm>
+            <a:off x="3707904" y="6309320"/>
+            <a:ext cx="1008112" cy="369332"/>
+          </a:xfrm>
+          <a:prstGeom prst="rect">
+            <a:avLst/>
+          </a:prstGeom>
+          <a:noFill/>
+        </p:spPr>
+        <p:txBody>
+          <a:bodyPr wrap="square" rtlCol="0">
+            <a:spAutoFit/>
+          </a:bodyPr>
+          <a:lstStyle/>
+          <a:p>
+            <a:r>
+              <a:rPr lang="fr-FR" dirty="0" smtClean="0"/>
+              <a:t>MAM4</a:t>
+            </a:r>
+            <a:endParaRPr lang="fr-FR" dirty="0"/>
+          </a:p>
+        </p:txBody>
+      </p:sp>
     </p:spTree>
   </p:cSld>
   <p:clrMapOvr>
@@ -14952,13 +17923,8 @@
             <a:pPr marL="571500" indent="-571500"/>
             <a:r>
               <a:rPr lang="en-US" dirty="0" smtClean="0"/>
-              <a:t>II. </a:t>
-            </a:r>
-            <a:r>
-              <a:rPr lang="en-US" dirty="0" smtClean="0"/>
-              <a:t>Comparison</a:t>
-            </a:r>
-            <a:endParaRPr lang="en-US" dirty="0" smtClean="0"/>
+              <a:t>II. Comparison</a:t>
+            </a:r>
           </a:p>
           <a:p>
             <a:pPr marL="571500" indent="-571500"/>
@@ -15517,6 +18483,36 @@
           <a:noFill/>
         </p:spPr>
       </p:pic>
+      <p:sp>
+        <p:nvSpPr>
+          <p:cNvPr id="17" name="TextBox 16"/>
+          <p:cNvSpPr txBox="1"/>
+          <p:nvPr/>
+        </p:nvSpPr>
+        <p:spPr>
+          <a:xfrm>
+            <a:off x="3707904" y="6309320"/>
+            <a:ext cx="1008112" cy="369332"/>
+          </a:xfrm>
+          <a:prstGeom prst="rect">
+            <a:avLst/>
+          </a:prstGeom>
+          <a:noFill/>
+        </p:spPr>
+        <p:txBody>
+          <a:bodyPr wrap="square" rtlCol="0">
+            <a:spAutoFit/>
+          </a:bodyPr>
+          <a:lstStyle/>
+          <a:p>
+            <a:r>
+              <a:rPr lang="fr-FR" dirty="0" smtClean="0"/>
+              <a:t>MAM4</a:t>
+            </a:r>
+            <a:endParaRPr lang="fr-FR" dirty="0"/>
+          </a:p>
+        </p:txBody>
+      </p:sp>
     </p:spTree>
   </p:cSld>
   <p:clrMapOvr>
@@ -15626,13 +18622,8 @@
             <a:pPr marL="571500" indent="-571500"/>
             <a:r>
               <a:rPr lang="en-US" dirty="0" smtClean="0"/>
-              <a:t>II. </a:t>
-            </a:r>
-            <a:r>
-              <a:rPr lang="en-US" dirty="0" smtClean="0"/>
-              <a:t>Comparison</a:t>
-            </a:r>
-            <a:endParaRPr lang="en-US" dirty="0" smtClean="0"/>
+              <a:t>II. Comparison</a:t>
+            </a:r>
           </a:p>
           <a:p>
             <a:pPr marL="571500" indent="-571500"/>
@@ -16210,6 +19201,36 @@
           </a:ln>
         </p:spPr>
       </p:pic>
+      <p:sp>
+        <p:nvSpPr>
+          <p:cNvPr id="19" name="TextBox 18"/>
+          <p:cNvSpPr txBox="1"/>
+          <p:nvPr/>
+        </p:nvSpPr>
+        <p:spPr>
+          <a:xfrm>
+            <a:off x="3707904" y="6309320"/>
+            <a:ext cx="1008112" cy="369332"/>
+          </a:xfrm>
+          <a:prstGeom prst="rect">
+            <a:avLst/>
+          </a:prstGeom>
+          <a:noFill/>
+        </p:spPr>
+        <p:txBody>
+          <a:bodyPr wrap="square" rtlCol="0">
+            <a:spAutoFit/>
+          </a:bodyPr>
+          <a:lstStyle/>
+          <a:p>
+            <a:r>
+              <a:rPr lang="fr-FR" dirty="0" smtClean="0"/>
+              <a:t>MAM4</a:t>
+            </a:r>
+            <a:endParaRPr lang="fr-FR" dirty="0"/>
+          </a:p>
+        </p:txBody>
+      </p:sp>
     </p:spTree>
   </p:cSld>
   <p:clrMapOvr>

--- a/annexes/Word_recognition.pptx
+++ b/annexes/Word_recognition.pptx
@@ -5,7 +5,7 @@
     <p:sldMasterId id="2147483684" r:id="rId1"/>
   </p:sldMasterIdLst>
   <p:notesMasterIdLst>
-    <p:notesMasterId r:id="rId27"/>
+    <p:notesMasterId r:id="rId28"/>
   </p:notesMasterIdLst>
   <p:sldIdLst>
     <p:sldId id="256" r:id="rId2"/>
@@ -29,10 +29,11 @@
     <p:sldId id="278" r:id="rId20"/>
     <p:sldId id="279" r:id="rId21"/>
     <p:sldId id="280" r:id="rId22"/>
-    <p:sldId id="260" r:id="rId23"/>
-    <p:sldId id="277" r:id="rId24"/>
-    <p:sldId id="274" r:id="rId25"/>
+    <p:sldId id="281" r:id="rId23"/>
+    <p:sldId id="260" r:id="rId24"/>
+    <p:sldId id="277" r:id="rId25"/>
     <p:sldId id="276" r:id="rId26"/>
+    <p:sldId id="274" r:id="rId27"/>
   </p:sldIdLst>
   <p:sldSz cx="9144000" cy="6858000" type="screen4x3"/>
   <p:notesSz cx="6858000" cy="9144000"/>
@@ -182,13 +183,13 @@
                 <c:formatCode>General</c:formatCode>
                 <c:ptCount val="19"/>
                 <c:pt idx="0">
-                  <c:v>275.63444261342909</c:v>
+                  <c:v>275.63444261342931</c:v>
                 </c:pt>
                 <c:pt idx="1">
                   <c:v>506.95998871988297</c:v>
                 </c:pt>
                 <c:pt idx="2">
-                  <c:v>706.26879694329136</c:v>
+                  <c:v>706.2687969432917</c:v>
                 </c:pt>
                 <c:pt idx="3">
                   <c:v>881.35550350138089</c:v>
@@ -197,10 +198,10 @@
                   <c:v>1037.474705418663</c:v>
                 </c:pt>
                 <c:pt idx="5">
-                  <c:v>1178.3372412585086</c:v>
+                  <c:v>1178.3372412585081</c:v>
                 </c:pt>
                 <c:pt idx="6">
-                  <c:v>1306.6613382340445</c:v>
+                  <c:v>1306.6613382340436</c:v>
                 </c:pt>
                 <c:pt idx="7">
                   <c:v>1424.4978285279099</c:v>
@@ -212,7 +213,7 @@
                   <c:v>1634.7155359182561</c:v>
                 </c:pt>
                 <c:pt idx="10">
-                  <c:v>1729.3524100563241</c:v>
+                  <c:v>1729.3524100563232</c:v>
                 </c:pt>
                 <c:pt idx="11">
                   <c:v>1818.1616770141868</c:v>
@@ -224,10 +225,10 @@
                   <c:v>1980.8911770522955</c:v>
                 </c:pt>
                 <c:pt idx="14">
-                  <c:v>2055.853234733529</c:v>
+                  <c:v>2055.8532347335308</c:v>
                 </c:pt>
                 <c:pt idx="15">
-                  <c:v>2127.1119179033517</c:v>
+                  <c:v>2127.1119179033531</c:v>
                 </c:pt>
                 <c:pt idx="16">
                   <c:v>2195.0159824051429</c:v>
@@ -254,7 +255,7 @@
                   <c:v>421.05263157894734</c:v>
                 </c:pt>
                 <c:pt idx="2">
-                  <c:v>631.5789473684232</c:v>
+                  <c:v>631.57894736842343</c:v>
                 </c:pt>
                 <c:pt idx="3">
                   <c:v>842.10526315789468</c:v>
@@ -266,7 +267,7 @@
                   <c:v>1263.1578947368398</c:v>
                 </c:pt>
                 <c:pt idx="6">
-                  <c:v>1473.6842105263086</c:v>
+                  <c:v>1473.6842105263074</c:v>
                 </c:pt>
                 <c:pt idx="7">
                   <c:v>1684.21052631579</c:v>
@@ -287,13 +288,13 @@
                   <c:v>2736.8421052631579</c:v>
                 </c:pt>
                 <c:pt idx="13">
-                  <c:v>2947.3684210526235</c:v>
+                  <c:v>2947.3684210526226</c:v>
                 </c:pt>
                 <c:pt idx="14">
-                  <c:v>3157.8947368421186</c:v>
+                  <c:v>3157.8947368421204</c:v>
                 </c:pt>
                 <c:pt idx="15">
-                  <c:v>3368.4210526315937</c:v>
+                  <c:v>3368.421052631596</c:v>
                 </c:pt>
                 <c:pt idx="16">
                   <c:v>3578.9473684210507</c:v>
@@ -337,13 +338,13 @@
                 <c:formatCode>General</c:formatCode>
                 <c:ptCount val="4"/>
                 <c:pt idx="0">
-                  <c:v>275.63444261342909</c:v>
+                  <c:v>275.63444261342931</c:v>
                 </c:pt>
                 <c:pt idx="1">
                   <c:v>506.95998871988297</c:v>
                 </c:pt>
                 <c:pt idx="2">
-                  <c:v>706.26879694329136</c:v>
+                  <c:v>706.2687969432917</c:v>
                 </c:pt>
                 <c:pt idx="3">
                   <c:v>881.35550350138089</c:v>
@@ -364,7 +365,7 @@
                   <c:v>421.05263157894734</c:v>
                 </c:pt>
                 <c:pt idx="2">
-                  <c:v>631.5789473684232</c:v>
+                  <c:v>631.57894736842343</c:v>
                 </c:pt>
                 <c:pt idx="3">
                   <c:v>842.10526315789468</c:v>
@@ -376,7 +377,7 @@
                   <c:v>1263.1578947368398</c:v>
                 </c:pt>
                 <c:pt idx="6">
-                  <c:v>1473.6842105263086</c:v>
+                  <c:v>1473.6842105263074</c:v>
                 </c:pt>
                 <c:pt idx="7">
                   <c:v>1684.21052631579</c:v>
@@ -397,13 +398,13 @@
                   <c:v>2736.8421052631579</c:v>
                 </c:pt>
                 <c:pt idx="13">
-                  <c:v>2947.3684210526235</c:v>
+                  <c:v>2947.3684210526226</c:v>
                 </c:pt>
                 <c:pt idx="14">
-                  <c:v>3157.8947368421186</c:v>
+                  <c:v>3157.8947368421204</c:v>
                 </c:pt>
                 <c:pt idx="15">
-                  <c:v>3368.4210526315937</c:v>
+                  <c:v>3368.421052631596</c:v>
                 </c:pt>
                 <c:pt idx="16">
                   <c:v>3578.9473684210507</c:v>
@@ -419,11 +420,11 @@
           </c:yVal>
           <c:smooth val="1"/>
         </c:ser>
-        <c:axId val="53462528"/>
-        <c:axId val="53464448"/>
+        <c:axId val="79885824"/>
+        <c:axId val="79887744"/>
       </c:scatterChart>
       <c:valAx>
-        <c:axId val="53462528"/>
+        <c:axId val="79885824"/>
         <c:scaling>
           <c:orientation val="minMax"/>
         </c:scaling>
@@ -465,12 +466,12 @@
         </c:title>
         <c:numFmt formatCode="General" sourceLinked="1"/>
         <c:tickLblPos val="nextTo"/>
-        <c:crossAx val="53464448"/>
+        <c:crossAx val="79887744"/>
         <c:crosses val="autoZero"/>
         <c:crossBetween val="midCat"/>
       </c:valAx>
       <c:valAx>
-        <c:axId val="53464448"/>
+        <c:axId val="79887744"/>
         <c:scaling>
           <c:orientation val="minMax"/>
         </c:scaling>
@@ -496,7 +497,7 @@
         </c:title>
         <c:numFmt formatCode="General" sourceLinked="1"/>
         <c:tickLblPos val="nextTo"/>
-        <c:crossAx val="53462528"/>
+        <c:crossAx val="79885824"/>
         <c:crosses val="autoZero"/>
         <c:crossBetween val="midCat"/>
       </c:valAx>
@@ -590,7 +591,7 @@
             <a:fld id="{0858D340-178C-4486-9D28-94A06075759D}" type="datetimeFigureOut">
               <a:rPr lang="fr-FR" smtClean="0"/>
               <a:pPr/>
-              <a:t>18/01/2013</a:t>
+              <a:t>21/01/2013</a:t>
             </a:fld>
             <a:endParaRPr lang="fr-FR"/>
           </a:p>
@@ -984,44 +985,10 @@
           </a:bodyPr>
           <a:lstStyle/>
           <a:p>
-            <a:pPr marL="0" marR="0" indent="0" algn="l" defTabSz="914400" rtl="0" eaLnBrk="1" fontAlgn="auto" latinLnBrk="0" hangingPunct="1">
-              <a:lnSpc>
-                <a:spcPct val="100000"/>
-              </a:lnSpc>
-              <a:spcBef>
-                <a:spcPts val="0"/>
-              </a:spcBef>
-              <a:spcAft>
-                <a:spcPts val="0"/>
-              </a:spcAft>
-              <a:buClrTx/>
-              <a:buSzTx/>
-              <a:buFontTx/>
-              <a:buNone/>
-              <a:tabLst/>
-              <a:defRPr/>
-            </a:pPr>
-            <a:r>
-              <a:rPr lang="en-US" sz="1200" kern="1200" dirty="0" smtClean="0">
-                <a:solidFill>
-                  <a:schemeClr val="tx1"/>
-                </a:solidFill>
-                <a:latin typeface="+mn-lt"/>
-                <a:ea typeface="+mn-ea"/>
-                <a:cs typeface="+mn-cs"/>
-              </a:rPr>
-              <a:t>In our case, we have a small vocabulary (about twenty words) based on a single-speaker (considering that during a phase of recording a single person has to speak). That’s why it is not necessary here to use a neural network that is heavier to implement (on a computational point) and it suffices to change the comparison database for each new user.</a:t>
-            </a:r>
-            <a:endParaRPr lang="fr-FR" sz="1200" kern="1200" dirty="0" smtClean="0">
-              <a:solidFill>
-                <a:schemeClr val="tx1"/>
-              </a:solidFill>
-              <a:latin typeface="+mn-lt"/>
-              <a:ea typeface="+mn-ea"/>
-              <a:cs typeface="+mn-cs"/>
-            </a:endParaRPr>
-          </a:p>
-          <a:p>
+            <a:r>
+              <a:rPr lang="fr-FR" dirty="0" smtClean="0"/>
+              <a:t>TNS</a:t>
+            </a:r>
             <a:endParaRPr lang="fr-FR" dirty="0"/>
           </a:p>
         </p:txBody>
@@ -1044,7 +1011,7 @@
             <a:fld id="{69769F4E-9586-492C-B8A6-A22159A02A15}" type="slidenum">
               <a:rPr lang="fr-FR" smtClean="0"/>
               <a:pPr/>
-              <a:t>11</a:t>
+              <a:t>6</a:t>
             </a:fld>
             <a:endParaRPr lang="fr-FR"/>
           </a:p>
@@ -1122,7 +1089,7 @@
               <a:defRPr/>
             </a:pPr>
             <a:r>
-              <a:rPr lang="fr-FR" sz="1200" kern="1200" dirty="0" err="1" smtClean="0">
+              <a:rPr lang="en-US" sz="1200" kern="1200" dirty="0" err="1" smtClean="0">
                 <a:solidFill>
                   <a:schemeClr val="tx1"/>
                 </a:solidFill>
@@ -1130,10 +1097,64 @@
                 <a:ea typeface="+mn-ea"/>
                 <a:cs typeface="+mn-cs"/>
               </a:rPr>
-              <a:t>However</a:t>
-            </a:r>
-            <a:r>
-              <a:rPr lang="fr-FR" sz="1200" kern="1200" dirty="0" smtClean="0">
+              <a:t>Infographie</a:t>
+            </a:r>
+            <a:endParaRPr lang="en-US" sz="1200" kern="1200" dirty="0" smtClean="0">
+              <a:solidFill>
+                <a:schemeClr val="tx1"/>
+              </a:solidFill>
+              <a:latin typeface="+mn-lt"/>
+              <a:ea typeface="+mn-ea"/>
+              <a:cs typeface="+mn-cs"/>
+            </a:endParaRPr>
+          </a:p>
+          <a:p>
+            <a:pPr marL="0" marR="0" indent="0" algn="l" defTabSz="914400" rtl="0" eaLnBrk="1" fontAlgn="auto" latinLnBrk="0" hangingPunct="1">
+              <a:lnSpc>
+                <a:spcPct val="100000"/>
+              </a:lnSpc>
+              <a:spcBef>
+                <a:spcPts val="0"/>
+              </a:spcBef>
+              <a:spcAft>
+                <a:spcPts val="0"/>
+              </a:spcAft>
+              <a:buClrTx/>
+              <a:buSzTx/>
+              <a:buFontTx/>
+              <a:buNone/>
+              <a:tabLst/>
+              <a:defRPr/>
+            </a:pPr>
+            <a:endParaRPr lang="en-US" sz="1200" kern="1200" dirty="0" smtClean="0">
+              <a:solidFill>
+                <a:schemeClr val="tx1"/>
+              </a:solidFill>
+              <a:latin typeface="+mn-lt"/>
+              <a:ea typeface="+mn-ea"/>
+              <a:cs typeface="+mn-cs"/>
+            </a:endParaRPr>
+          </a:p>
+          <a:p>
+            <a:pPr marL="0" marR="0" indent="0" algn="l" defTabSz="914400" rtl="0" eaLnBrk="1" fontAlgn="auto" latinLnBrk="0" hangingPunct="1">
+              <a:lnSpc>
+                <a:spcPct val="100000"/>
+              </a:lnSpc>
+              <a:spcBef>
+                <a:spcPts val="0"/>
+              </a:spcBef>
+              <a:spcAft>
+                <a:spcPts val="0"/>
+              </a:spcAft>
+              <a:buClrTx/>
+              <a:buSzTx/>
+              <a:buFontTx/>
+              <a:buNone/>
+              <a:tabLst/>
+              <a:defRPr/>
+            </a:pPr>
+            <a:r>
+              <a:rPr lang="en-US" sz="1200" kern="1200" dirty="0" smtClean="0">
                 <a:solidFill>
                   <a:schemeClr val="tx1"/>
                 </a:solidFill>
@@ -1141,10 +1162,10 @@
                 <a:ea typeface="+mn-ea"/>
                 <a:cs typeface="+mn-cs"/>
               </a:rPr>
-              <a:t>, </a:t>
-            </a:r>
-            <a:r>
-              <a:rPr lang="fr-FR" sz="1200" kern="1200" dirty="0" err="1" smtClean="0">
+              <a:t>In </a:t>
+            </a:r>
+            <a:r>
+              <a:rPr lang="en-US" sz="1200" kern="1200" dirty="0" smtClean="0">
                 <a:solidFill>
                   <a:schemeClr val="tx1"/>
                 </a:solidFill>
@@ -1152,481 +1173,16 @@
                 <a:ea typeface="+mn-ea"/>
                 <a:cs typeface="+mn-cs"/>
               </a:rPr>
-              <a:t>it</a:t>
-            </a:r>
-            <a:r>
-              <a:rPr lang="fr-FR" sz="1200" kern="1200" dirty="0" smtClean="0">
-                <a:solidFill>
-                  <a:schemeClr val="tx1"/>
-                </a:solidFill>
-                <a:latin typeface="+mn-lt"/>
-                <a:ea typeface="+mn-ea"/>
-                <a:cs typeface="+mn-cs"/>
-              </a:rPr>
-              <a:t> </a:t>
-            </a:r>
-            <a:r>
-              <a:rPr lang="fr-FR" sz="1200" kern="1200" dirty="0" err="1" smtClean="0">
-                <a:solidFill>
-                  <a:schemeClr val="tx1"/>
-                </a:solidFill>
-                <a:latin typeface="+mn-lt"/>
-                <a:ea typeface="+mn-ea"/>
-                <a:cs typeface="+mn-cs"/>
-              </a:rPr>
-              <a:t>is</a:t>
-            </a:r>
-            <a:r>
-              <a:rPr lang="fr-FR" sz="1200" kern="1200" dirty="0" smtClean="0">
-                <a:solidFill>
-                  <a:schemeClr val="tx1"/>
-                </a:solidFill>
-                <a:latin typeface="+mn-lt"/>
-                <a:ea typeface="+mn-ea"/>
-                <a:cs typeface="+mn-cs"/>
-              </a:rPr>
-              <a:t> not </a:t>
-            </a:r>
-            <a:r>
-              <a:rPr lang="fr-FR" sz="1200" kern="1200" dirty="0" err="1" smtClean="0">
-                <a:solidFill>
-                  <a:schemeClr val="tx1"/>
-                </a:solidFill>
-                <a:latin typeface="+mn-lt"/>
-                <a:ea typeface="+mn-ea"/>
-                <a:cs typeface="+mn-cs"/>
-              </a:rPr>
-              <a:t>interesting</a:t>
-            </a:r>
-            <a:r>
-              <a:rPr lang="fr-FR" sz="1200" kern="1200" dirty="0" smtClean="0">
-                <a:solidFill>
-                  <a:schemeClr val="tx1"/>
-                </a:solidFill>
-                <a:latin typeface="+mn-lt"/>
-                <a:ea typeface="+mn-ea"/>
-                <a:cs typeface="+mn-cs"/>
-              </a:rPr>
-              <a:t> in </a:t>
-            </a:r>
-            <a:r>
-              <a:rPr lang="fr-FR" sz="1200" kern="1200" dirty="0" err="1" smtClean="0">
-                <a:solidFill>
-                  <a:schemeClr val="tx1"/>
-                </a:solidFill>
-                <a:latin typeface="+mn-lt"/>
-                <a:ea typeface="+mn-ea"/>
-                <a:cs typeface="+mn-cs"/>
-              </a:rPr>
-              <a:t>this</a:t>
-            </a:r>
-            <a:r>
-              <a:rPr lang="fr-FR" sz="1200" kern="1200" dirty="0" smtClean="0">
-                <a:solidFill>
-                  <a:schemeClr val="tx1"/>
-                </a:solidFill>
-                <a:latin typeface="+mn-lt"/>
-                <a:ea typeface="+mn-ea"/>
-                <a:cs typeface="+mn-cs"/>
-              </a:rPr>
-              <a:t> case to use the </a:t>
-            </a:r>
-            <a:r>
-              <a:rPr lang="fr-FR" sz="1200" kern="1200" dirty="0" err="1" smtClean="0">
-                <a:solidFill>
-                  <a:schemeClr val="tx1"/>
-                </a:solidFill>
-                <a:latin typeface="+mn-lt"/>
-                <a:ea typeface="+mn-ea"/>
-                <a:cs typeface="+mn-cs"/>
-              </a:rPr>
-              <a:t>hidden</a:t>
-            </a:r>
-            <a:r>
-              <a:rPr lang="fr-FR" sz="1200" kern="1200" dirty="0" smtClean="0">
-                <a:solidFill>
-                  <a:schemeClr val="tx1"/>
-                </a:solidFill>
-                <a:latin typeface="+mn-lt"/>
-                <a:ea typeface="+mn-ea"/>
-                <a:cs typeface="+mn-cs"/>
-              </a:rPr>
-              <a:t> Markov model, </a:t>
-            </a:r>
-            <a:r>
-              <a:rPr lang="fr-FR" sz="1200" kern="1200" dirty="0" err="1" smtClean="0">
-                <a:solidFill>
-                  <a:schemeClr val="tx1"/>
-                </a:solidFill>
-                <a:latin typeface="+mn-lt"/>
-                <a:ea typeface="+mn-ea"/>
-                <a:cs typeface="+mn-cs"/>
-              </a:rPr>
-              <a:t>because</a:t>
-            </a:r>
-            <a:r>
-              <a:rPr lang="fr-FR" sz="1200" kern="1200" dirty="0" smtClean="0">
-                <a:solidFill>
-                  <a:schemeClr val="tx1"/>
-                </a:solidFill>
-                <a:latin typeface="+mn-lt"/>
-                <a:ea typeface="+mn-ea"/>
-                <a:cs typeface="+mn-cs"/>
-              </a:rPr>
-              <a:t> </a:t>
-            </a:r>
-            <a:r>
-              <a:rPr lang="fr-FR" sz="1200" kern="1200" dirty="0" err="1" smtClean="0">
-                <a:solidFill>
-                  <a:schemeClr val="tx1"/>
-                </a:solidFill>
-                <a:latin typeface="+mn-lt"/>
-                <a:ea typeface="+mn-ea"/>
-                <a:cs typeface="+mn-cs"/>
-              </a:rPr>
-              <a:t>it</a:t>
-            </a:r>
-            <a:r>
-              <a:rPr lang="fr-FR" sz="1200" kern="1200" dirty="0" smtClean="0">
-                <a:solidFill>
-                  <a:schemeClr val="tx1"/>
-                </a:solidFill>
-                <a:latin typeface="+mn-lt"/>
-                <a:ea typeface="+mn-ea"/>
-                <a:cs typeface="+mn-cs"/>
-              </a:rPr>
-              <a:t> </a:t>
-            </a:r>
-            <a:r>
-              <a:rPr lang="fr-FR" sz="1200" kern="1200" dirty="0" err="1" smtClean="0">
-                <a:solidFill>
-                  <a:schemeClr val="tx1"/>
-                </a:solidFill>
-                <a:latin typeface="+mn-lt"/>
-                <a:ea typeface="+mn-ea"/>
-                <a:cs typeface="+mn-cs"/>
-              </a:rPr>
-              <a:t>is</a:t>
-            </a:r>
-            <a:r>
-              <a:rPr lang="fr-FR" sz="1200" kern="1200" dirty="0" smtClean="0">
-                <a:solidFill>
-                  <a:schemeClr val="tx1"/>
-                </a:solidFill>
-                <a:latin typeface="+mn-lt"/>
-                <a:ea typeface="+mn-ea"/>
-                <a:cs typeface="+mn-cs"/>
-              </a:rPr>
-              <a:t> </a:t>
-            </a:r>
-            <a:r>
-              <a:rPr lang="fr-FR" sz="1200" kern="1200" dirty="0" err="1" smtClean="0">
-                <a:solidFill>
-                  <a:schemeClr val="tx1"/>
-                </a:solidFill>
-                <a:latin typeface="+mn-lt"/>
-                <a:ea typeface="+mn-ea"/>
-                <a:cs typeface="+mn-cs"/>
-              </a:rPr>
-              <a:t>too</a:t>
-            </a:r>
-            <a:r>
-              <a:rPr lang="fr-FR" sz="1200" kern="1200" dirty="0" smtClean="0">
-                <a:solidFill>
-                  <a:schemeClr val="tx1"/>
-                </a:solidFill>
-                <a:latin typeface="+mn-lt"/>
-                <a:ea typeface="+mn-ea"/>
-                <a:cs typeface="+mn-cs"/>
-              </a:rPr>
-              <a:t> </a:t>
-            </a:r>
-            <a:r>
-              <a:rPr lang="fr-FR" sz="1200" kern="1200" dirty="0" err="1" smtClean="0">
-                <a:solidFill>
-                  <a:schemeClr val="tx1"/>
-                </a:solidFill>
-                <a:latin typeface="+mn-lt"/>
-                <a:ea typeface="+mn-ea"/>
-                <a:cs typeface="+mn-cs"/>
-              </a:rPr>
-              <a:t>complex</a:t>
-            </a:r>
-            <a:r>
-              <a:rPr lang="fr-FR" sz="1200" kern="1200" dirty="0" smtClean="0">
-                <a:solidFill>
-                  <a:schemeClr val="tx1"/>
-                </a:solidFill>
-                <a:latin typeface="+mn-lt"/>
-                <a:ea typeface="+mn-ea"/>
-                <a:cs typeface="+mn-cs"/>
-              </a:rPr>
-              <a:t> for the </a:t>
-            </a:r>
-            <a:r>
-              <a:rPr lang="fr-FR" sz="1200" kern="1200" dirty="0" err="1" smtClean="0">
-                <a:solidFill>
-                  <a:schemeClr val="tx1"/>
-                </a:solidFill>
-                <a:latin typeface="+mn-lt"/>
-                <a:ea typeface="+mn-ea"/>
-                <a:cs typeface="+mn-cs"/>
-              </a:rPr>
-              <a:t>small</a:t>
-            </a:r>
-            <a:r>
-              <a:rPr lang="fr-FR" sz="1200" kern="1200" dirty="0" smtClean="0">
-                <a:solidFill>
-                  <a:schemeClr val="tx1"/>
-                </a:solidFill>
-                <a:latin typeface="+mn-lt"/>
-                <a:ea typeface="+mn-ea"/>
-                <a:cs typeface="+mn-cs"/>
-              </a:rPr>
-              <a:t> </a:t>
-            </a:r>
-            <a:r>
-              <a:rPr lang="fr-FR" sz="1200" kern="1200" dirty="0" err="1" smtClean="0">
-                <a:solidFill>
-                  <a:schemeClr val="tx1"/>
-                </a:solidFill>
-                <a:latin typeface="+mn-lt"/>
-                <a:ea typeface="+mn-ea"/>
-                <a:cs typeface="+mn-cs"/>
-              </a:rPr>
-              <a:t>vocabulary</a:t>
-            </a:r>
-            <a:r>
-              <a:rPr lang="fr-FR" sz="1200" kern="1200" dirty="0" smtClean="0">
-                <a:solidFill>
-                  <a:schemeClr val="tx1"/>
-                </a:solidFill>
-                <a:latin typeface="+mn-lt"/>
-                <a:ea typeface="+mn-ea"/>
-                <a:cs typeface="+mn-cs"/>
-              </a:rPr>
-              <a:t> </a:t>
-            </a:r>
-            <a:r>
-              <a:rPr lang="fr-FR" sz="1200" kern="1200" dirty="0" err="1" smtClean="0">
-                <a:solidFill>
-                  <a:schemeClr val="tx1"/>
-                </a:solidFill>
-                <a:latin typeface="+mn-lt"/>
-                <a:ea typeface="+mn-ea"/>
-                <a:cs typeface="+mn-cs"/>
-              </a:rPr>
-              <a:t>we</a:t>
-            </a:r>
-            <a:r>
-              <a:rPr lang="fr-FR" sz="1200" kern="1200" dirty="0" smtClean="0">
-                <a:solidFill>
-                  <a:schemeClr val="tx1"/>
-                </a:solidFill>
-                <a:latin typeface="+mn-lt"/>
-                <a:ea typeface="+mn-ea"/>
-                <a:cs typeface="+mn-cs"/>
-              </a:rPr>
-              <a:t> are </a:t>
-            </a:r>
-            <a:r>
-              <a:rPr lang="fr-FR" sz="1200" kern="1200" dirty="0" err="1" smtClean="0">
-                <a:solidFill>
-                  <a:schemeClr val="tx1"/>
-                </a:solidFill>
-                <a:latin typeface="+mn-lt"/>
-                <a:ea typeface="+mn-ea"/>
-                <a:cs typeface="+mn-cs"/>
-              </a:rPr>
-              <a:t>using</a:t>
-            </a:r>
-            <a:r>
-              <a:rPr lang="fr-FR" sz="1200" kern="1200" dirty="0" smtClean="0">
-                <a:solidFill>
-                  <a:schemeClr val="tx1"/>
-                </a:solidFill>
-                <a:latin typeface="+mn-lt"/>
-                <a:ea typeface="+mn-ea"/>
-                <a:cs typeface="+mn-cs"/>
-              </a:rPr>
-              <a:t>. So </a:t>
-            </a:r>
-            <a:r>
-              <a:rPr lang="fr-FR" sz="1200" kern="1200" dirty="0" err="1" smtClean="0">
-                <a:solidFill>
-                  <a:schemeClr val="tx1"/>
-                </a:solidFill>
-                <a:latin typeface="+mn-lt"/>
-                <a:ea typeface="+mn-ea"/>
-                <a:cs typeface="+mn-cs"/>
-              </a:rPr>
-              <a:t>it</a:t>
-            </a:r>
-            <a:r>
-              <a:rPr lang="fr-FR" sz="1200" kern="1200" dirty="0" smtClean="0">
-                <a:solidFill>
-                  <a:schemeClr val="tx1"/>
-                </a:solidFill>
-                <a:latin typeface="+mn-lt"/>
-                <a:ea typeface="+mn-ea"/>
-                <a:cs typeface="+mn-cs"/>
-              </a:rPr>
-              <a:t> </a:t>
-            </a:r>
-            <a:r>
-              <a:rPr lang="fr-FR" sz="1200" kern="1200" dirty="0" err="1" smtClean="0">
-                <a:solidFill>
-                  <a:schemeClr val="tx1"/>
-                </a:solidFill>
-                <a:latin typeface="+mn-lt"/>
-                <a:ea typeface="+mn-ea"/>
-                <a:cs typeface="+mn-cs"/>
-              </a:rPr>
-              <a:t>is</a:t>
-            </a:r>
-            <a:r>
-              <a:rPr lang="fr-FR" sz="1200" kern="1200" dirty="0" smtClean="0">
-                <a:solidFill>
-                  <a:schemeClr val="tx1"/>
-                </a:solidFill>
-                <a:latin typeface="+mn-lt"/>
-                <a:ea typeface="+mn-ea"/>
-                <a:cs typeface="+mn-cs"/>
-              </a:rPr>
-              <a:t> </a:t>
-            </a:r>
-            <a:r>
-              <a:rPr lang="fr-FR" sz="1200" kern="1200" dirty="0" err="1" smtClean="0">
-                <a:solidFill>
-                  <a:schemeClr val="tx1"/>
-                </a:solidFill>
-                <a:latin typeface="+mn-lt"/>
-                <a:ea typeface="+mn-ea"/>
-                <a:cs typeface="+mn-cs"/>
-              </a:rPr>
-              <a:t>sufficient</a:t>
-            </a:r>
-            <a:r>
-              <a:rPr lang="fr-FR" sz="1200" kern="1200" dirty="0" smtClean="0">
-                <a:solidFill>
-                  <a:schemeClr val="tx1"/>
-                </a:solidFill>
-                <a:latin typeface="+mn-lt"/>
-                <a:ea typeface="+mn-ea"/>
-                <a:cs typeface="+mn-cs"/>
-              </a:rPr>
-              <a:t> for us to use the </a:t>
-            </a:r>
-            <a:r>
-              <a:rPr lang="fr-FR" sz="1200" kern="1200" dirty="0" err="1" smtClean="0">
-                <a:solidFill>
-                  <a:schemeClr val="tx1"/>
-                </a:solidFill>
-                <a:latin typeface="+mn-lt"/>
-                <a:ea typeface="+mn-ea"/>
-                <a:cs typeface="+mn-cs"/>
-              </a:rPr>
-              <a:t>Dynamic</a:t>
-            </a:r>
-            <a:r>
-              <a:rPr lang="fr-FR" sz="1200" kern="1200" dirty="0" smtClean="0">
-                <a:solidFill>
-                  <a:schemeClr val="tx1"/>
-                </a:solidFill>
-                <a:latin typeface="+mn-lt"/>
-                <a:ea typeface="+mn-ea"/>
-                <a:cs typeface="+mn-cs"/>
-              </a:rPr>
-              <a:t> Time </a:t>
-            </a:r>
-            <a:r>
-              <a:rPr lang="fr-FR" sz="1200" kern="1200" dirty="0" err="1" smtClean="0">
-                <a:solidFill>
-                  <a:schemeClr val="tx1"/>
-                </a:solidFill>
-                <a:latin typeface="+mn-lt"/>
-                <a:ea typeface="+mn-ea"/>
-                <a:cs typeface="+mn-cs"/>
-              </a:rPr>
-              <a:t>Warping</a:t>
-            </a:r>
-            <a:r>
-              <a:rPr lang="fr-FR" sz="1200" kern="1200" dirty="0" smtClean="0">
-                <a:solidFill>
-                  <a:schemeClr val="tx1"/>
-                </a:solidFill>
-                <a:latin typeface="+mn-lt"/>
-                <a:ea typeface="+mn-ea"/>
-                <a:cs typeface="+mn-cs"/>
-              </a:rPr>
-              <a:t> </a:t>
-            </a:r>
-            <a:r>
-              <a:rPr lang="fr-FR" sz="1200" kern="1200" dirty="0" err="1" smtClean="0">
-                <a:solidFill>
-                  <a:schemeClr val="tx1"/>
-                </a:solidFill>
-                <a:latin typeface="+mn-lt"/>
-                <a:ea typeface="+mn-ea"/>
-                <a:cs typeface="+mn-cs"/>
-              </a:rPr>
-              <a:t>which</a:t>
-            </a:r>
-            <a:r>
-              <a:rPr lang="fr-FR" sz="1200" kern="1200" dirty="0" smtClean="0">
-                <a:solidFill>
-                  <a:schemeClr val="tx1"/>
-                </a:solidFill>
-                <a:latin typeface="+mn-lt"/>
-                <a:ea typeface="+mn-ea"/>
-                <a:cs typeface="+mn-cs"/>
-              </a:rPr>
-              <a:t> </a:t>
-            </a:r>
-            <a:r>
-              <a:rPr lang="fr-FR" sz="1200" kern="1200" dirty="0" err="1" smtClean="0">
-                <a:solidFill>
-                  <a:schemeClr val="tx1"/>
-                </a:solidFill>
-                <a:latin typeface="+mn-lt"/>
-                <a:ea typeface="+mn-ea"/>
-                <a:cs typeface="+mn-cs"/>
-              </a:rPr>
-              <a:t>is</a:t>
-            </a:r>
-            <a:r>
-              <a:rPr lang="fr-FR" sz="1200" kern="1200" dirty="0" smtClean="0">
-                <a:solidFill>
-                  <a:schemeClr val="tx1"/>
-                </a:solidFill>
-                <a:latin typeface="+mn-lt"/>
-                <a:ea typeface="+mn-ea"/>
-                <a:cs typeface="+mn-cs"/>
-              </a:rPr>
-              <a:t> a simplification of the </a:t>
-            </a:r>
-            <a:r>
-              <a:rPr lang="fr-FR" sz="1200" kern="1200" dirty="0" err="1" smtClean="0">
-                <a:solidFill>
-                  <a:schemeClr val="tx1"/>
-                </a:solidFill>
-                <a:latin typeface="+mn-lt"/>
-                <a:ea typeface="+mn-ea"/>
-                <a:cs typeface="+mn-cs"/>
-              </a:rPr>
-              <a:t>hidden</a:t>
-            </a:r>
-            <a:r>
-              <a:rPr lang="fr-FR" sz="1200" kern="1200" dirty="0" smtClean="0">
-                <a:solidFill>
-                  <a:schemeClr val="tx1"/>
-                </a:solidFill>
-                <a:latin typeface="+mn-lt"/>
-                <a:ea typeface="+mn-ea"/>
-                <a:cs typeface="+mn-cs"/>
-              </a:rPr>
-              <a:t> Markov model.</a:t>
-            </a:r>
+              <a:t>our case, we have a small vocabulary (about twenty words) based on a single-speaker (considering that during a phase of recording a single person has to speak). That’s why it is not necessary here to use a neural network that is heavier to implement (on a computational point) and it suffices to change the comparison database for each new user.</a:t>
+            </a:r>
+            <a:endParaRPr lang="fr-FR" sz="1200" kern="1200" dirty="0" smtClean="0">
+              <a:solidFill>
+                <a:schemeClr val="tx1"/>
+              </a:solidFill>
+              <a:latin typeface="+mn-lt"/>
+              <a:ea typeface="+mn-ea"/>
+              <a:cs typeface="+mn-cs"/>
+            </a:endParaRPr>
           </a:p>
           <a:p>
             <a:endParaRPr lang="fr-FR" dirty="0"/>
@@ -1651,7 +1207,7 @@
             <a:fld id="{69769F4E-9586-492C-B8A6-A22159A02A15}" type="slidenum">
               <a:rPr lang="fr-FR" smtClean="0"/>
               <a:pPr/>
-              <a:t>12</a:t>
+              <a:t>11</a:t>
             </a:fld>
             <a:endParaRPr lang="fr-FR"/>
           </a:p>
@@ -1711,6 +1267,613 @@
           </a:bodyPr>
           <a:lstStyle/>
           <a:p>
+            <a:pPr marL="0" marR="0" indent="0" algn="l" defTabSz="914400" rtl="0" eaLnBrk="1" fontAlgn="auto" latinLnBrk="0" hangingPunct="1">
+              <a:lnSpc>
+                <a:spcPct val="100000"/>
+              </a:lnSpc>
+              <a:spcBef>
+                <a:spcPts val="0"/>
+              </a:spcBef>
+              <a:spcAft>
+                <a:spcPts val="0"/>
+              </a:spcAft>
+              <a:buClrTx/>
+              <a:buSzTx/>
+              <a:buFontTx/>
+              <a:buNone/>
+              <a:tabLst/>
+              <a:defRPr/>
+            </a:pPr>
+            <a:r>
+              <a:rPr lang="fr-FR" sz="1200" kern="1200" dirty="0" err="1" smtClean="0">
+                <a:solidFill>
+                  <a:schemeClr val="tx1"/>
+                </a:solidFill>
+                <a:latin typeface="+mn-lt"/>
+                <a:ea typeface="+mn-ea"/>
+                <a:cs typeface="+mn-cs"/>
+              </a:rPr>
+              <a:t>However</a:t>
+            </a:r>
+            <a:r>
+              <a:rPr lang="fr-FR" sz="1200" kern="1200" dirty="0" smtClean="0">
+                <a:solidFill>
+                  <a:schemeClr val="tx1"/>
+                </a:solidFill>
+                <a:latin typeface="+mn-lt"/>
+                <a:ea typeface="+mn-ea"/>
+                <a:cs typeface="+mn-cs"/>
+              </a:rPr>
+              <a:t>, </a:t>
+            </a:r>
+            <a:r>
+              <a:rPr lang="fr-FR" sz="1200" kern="1200" dirty="0" err="1" smtClean="0">
+                <a:solidFill>
+                  <a:schemeClr val="tx1"/>
+                </a:solidFill>
+                <a:latin typeface="+mn-lt"/>
+                <a:ea typeface="+mn-ea"/>
+                <a:cs typeface="+mn-cs"/>
+              </a:rPr>
+              <a:t>it</a:t>
+            </a:r>
+            <a:r>
+              <a:rPr lang="fr-FR" sz="1200" kern="1200" dirty="0" smtClean="0">
+                <a:solidFill>
+                  <a:schemeClr val="tx1"/>
+                </a:solidFill>
+                <a:latin typeface="+mn-lt"/>
+                <a:ea typeface="+mn-ea"/>
+                <a:cs typeface="+mn-cs"/>
+              </a:rPr>
+              <a:t> </a:t>
+            </a:r>
+            <a:r>
+              <a:rPr lang="fr-FR" sz="1200" kern="1200" dirty="0" err="1" smtClean="0">
+                <a:solidFill>
+                  <a:schemeClr val="tx1"/>
+                </a:solidFill>
+                <a:latin typeface="+mn-lt"/>
+                <a:ea typeface="+mn-ea"/>
+                <a:cs typeface="+mn-cs"/>
+              </a:rPr>
+              <a:t>is</a:t>
+            </a:r>
+            <a:r>
+              <a:rPr lang="fr-FR" sz="1200" kern="1200" dirty="0" smtClean="0">
+                <a:solidFill>
+                  <a:schemeClr val="tx1"/>
+                </a:solidFill>
+                <a:latin typeface="+mn-lt"/>
+                <a:ea typeface="+mn-ea"/>
+                <a:cs typeface="+mn-cs"/>
+              </a:rPr>
+              <a:t> not </a:t>
+            </a:r>
+            <a:r>
+              <a:rPr lang="fr-FR" sz="1200" kern="1200" dirty="0" err="1" smtClean="0">
+                <a:solidFill>
+                  <a:schemeClr val="tx1"/>
+                </a:solidFill>
+                <a:latin typeface="+mn-lt"/>
+                <a:ea typeface="+mn-ea"/>
+                <a:cs typeface="+mn-cs"/>
+              </a:rPr>
+              <a:t>interesting</a:t>
+            </a:r>
+            <a:r>
+              <a:rPr lang="fr-FR" sz="1200" kern="1200" dirty="0" smtClean="0">
+                <a:solidFill>
+                  <a:schemeClr val="tx1"/>
+                </a:solidFill>
+                <a:latin typeface="+mn-lt"/>
+                <a:ea typeface="+mn-ea"/>
+                <a:cs typeface="+mn-cs"/>
+              </a:rPr>
+              <a:t> in </a:t>
+            </a:r>
+            <a:r>
+              <a:rPr lang="fr-FR" sz="1200" kern="1200" dirty="0" err="1" smtClean="0">
+                <a:solidFill>
+                  <a:schemeClr val="tx1"/>
+                </a:solidFill>
+                <a:latin typeface="+mn-lt"/>
+                <a:ea typeface="+mn-ea"/>
+                <a:cs typeface="+mn-cs"/>
+              </a:rPr>
+              <a:t>this</a:t>
+            </a:r>
+            <a:r>
+              <a:rPr lang="fr-FR" sz="1200" kern="1200" dirty="0" smtClean="0">
+                <a:solidFill>
+                  <a:schemeClr val="tx1"/>
+                </a:solidFill>
+                <a:latin typeface="+mn-lt"/>
+                <a:ea typeface="+mn-ea"/>
+                <a:cs typeface="+mn-cs"/>
+              </a:rPr>
+              <a:t> case to use the </a:t>
+            </a:r>
+            <a:r>
+              <a:rPr lang="fr-FR" sz="1200" kern="1200" dirty="0" err="1" smtClean="0">
+                <a:solidFill>
+                  <a:schemeClr val="tx1"/>
+                </a:solidFill>
+                <a:latin typeface="+mn-lt"/>
+                <a:ea typeface="+mn-ea"/>
+                <a:cs typeface="+mn-cs"/>
+              </a:rPr>
+              <a:t>hidden</a:t>
+            </a:r>
+            <a:r>
+              <a:rPr lang="fr-FR" sz="1200" kern="1200" dirty="0" smtClean="0">
+                <a:solidFill>
+                  <a:schemeClr val="tx1"/>
+                </a:solidFill>
+                <a:latin typeface="+mn-lt"/>
+                <a:ea typeface="+mn-ea"/>
+                <a:cs typeface="+mn-cs"/>
+              </a:rPr>
+              <a:t> Markov model, </a:t>
+            </a:r>
+            <a:r>
+              <a:rPr lang="fr-FR" sz="1200" kern="1200" dirty="0" err="1" smtClean="0">
+                <a:solidFill>
+                  <a:schemeClr val="tx1"/>
+                </a:solidFill>
+                <a:latin typeface="+mn-lt"/>
+                <a:ea typeface="+mn-ea"/>
+                <a:cs typeface="+mn-cs"/>
+              </a:rPr>
+              <a:t>because</a:t>
+            </a:r>
+            <a:r>
+              <a:rPr lang="fr-FR" sz="1200" kern="1200" dirty="0" smtClean="0">
+                <a:solidFill>
+                  <a:schemeClr val="tx1"/>
+                </a:solidFill>
+                <a:latin typeface="+mn-lt"/>
+                <a:ea typeface="+mn-ea"/>
+                <a:cs typeface="+mn-cs"/>
+              </a:rPr>
+              <a:t> </a:t>
+            </a:r>
+            <a:r>
+              <a:rPr lang="fr-FR" sz="1200" kern="1200" dirty="0" err="1" smtClean="0">
+                <a:solidFill>
+                  <a:schemeClr val="tx1"/>
+                </a:solidFill>
+                <a:latin typeface="+mn-lt"/>
+                <a:ea typeface="+mn-ea"/>
+                <a:cs typeface="+mn-cs"/>
+              </a:rPr>
+              <a:t>it</a:t>
+            </a:r>
+            <a:r>
+              <a:rPr lang="fr-FR" sz="1200" kern="1200" dirty="0" smtClean="0">
+                <a:solidFill>
+                  <a:schemeClr val="tx1"/>
+                </a:solidFill>
+                <a:latin typeface="+mn-lt"/>
+                <a:ea typeface="+mn-ea"/>
+                <a:cs typeface="+mn-cs"/>
+              </a:rPr>
+              <a:t> </a:t>
+            </a:r>
+            <a:r>
+              <a:rPr lang="fr-FR" sz="1200" kern="1200" dirty="0" err="1" smtClean="0">
+                <a:solidFill>
+                  <a:schemeClr val="tx1"/>
+                </a:solidFill>
+                <a:latin typeface="+mn-lt"/>
+                <a:ea typeface="+mn-ea"/>
+                <a:cs typeface="+mn-cs"/>
+              </a:rPr>
+              <a:t>is</a:t>
+            </a:r>
+            <a:r>
+              <a:rPr lang="fr-FR" sz="1200" kern="1200" dirty="0" smtClean="0">
+                <a:solidFill>
+                  <a:schemeClr val="tx1"/>
+                </a:solidFill>
+                <a:latin typeface="+mn-lt"/>
+                <a:ea typeface="+mn-ea"/>
+                <a:cs typeface="+mn-cs"/>
+              </a:rPr>
+              <a:t> </a:t>
+            </a:r>
+            <a:r>
+              <a:rPr lang="fr-FR" sz="1200" kern="1200" dirty="0" err="1" smtClean="0">
+                <a:solidFill>
+                  <a:schemeClr val="tx1"/>
+                </a:solidFill>
+                <a:latin typeface="+mn-lt"/>
+                <a:ea typeface="+mn-ea"/>
+                <a:cs typeface="+mn-cs"/>
+              </a:rPr>
+              <a:t>too</a:t>
+            </a:r>
+            <a:r>
+              <a:rPr lang="fr-FR" sz="1200" kern="1200" dirty="0" smtClean="0">
+                <a:solidFill>
+                  <a:schemeClr val="tx1"/>
+                </a:solidFill>
+                <a:latin typeface="+mn-lt"/>
+                <a:ea typeface="+mn-ea"/>
+                <a:cs typeface="+mn-cs"/>
+              </a:rPr>
+              <a:t> </a:t>
+            </a:r>
+            <a:r>
+              <a:rPr lang="fr-FR" sz="1200" kern="1200" dirty="0" err="1" smtClean="0">
+                <a:solidFill>
+                  <a:schemeClr val="tx1"/>
+                </a:solidFill>
+                <a:latin typeface="+mn-lt"/>
+                <a:ea typeface="+mn-ea"/>
+                <a:cs typeface="+mn-cs"/>
+              </a:rPr>
+              <a:t>complex</a:t>
+            </a:r>
+            <a:r>
+              <a:rPr lang="fr-FR" sz="1200" kern="1200" dirty="0" smtClean="0">
+                <a:solidFill>
+                  <a:schemeClr val="tx1"/>
+                </a:solidFill>
+                <a:latin typeface="+mn-lt"/>
+                <a:ea typeface="+mn-ea"/>
+                <a:cs typeface="+mn-cs"/>
+              </a:rPr>
+              <a:t> for the </a:t>
+            </a:r>
+            <a:r>
+              <a:rPr lang="fr-FR" sz="1200" kern="1200" dirty="0" err="1" smtClean="0">
+                <a:solidFill>
+                  <a:schemeClr val="tx1"/>
+                </a:solidFill>
+                <a:latin typeface="+mn-lt"/>
+                <a:ea typeface="+mn-ea"/>
+                <a:cs typeface="+mn-cs"/>
+              </a:rPr>
+              <a:t>small</a:t>
+            </a:r>
+            <a:r>
+              <a:rPr lang="fr-FR" sz="1200" kern="1200" dirty="0" smtClean="0">
+                <a:solidFill>
+                  <a:schemeClr val="tx1"/>
+                </a:solidFill>
+                <a:latin typeface="+mn-lt"/>
+                <a:ea typeface="+mn-ea"/>
+                <a:cs typeface="+mn-cs"/>
+              </a:rPr>
+              <a:t> </a:t>
+            </a:r>
+            <a:r>
+              <a:rPr lang="fr-FR" sz="1200" kern="1200" dirty="0" err="1" smtClean="0">
+                <a:solidFill>
+                  <a:schemeClr val="tx1"/>
+                </a:solidFill>
+                <a:latin typeface="+mn-lt"/>
+                <a:ea typeface="+mn-ea"/>
+                <a:cs typeface="+mn-cs"/>
+              </a:rPr>
+              <a:t>vocabulary</a:t>
+            </a:r>
+            <a:r>
+              <a:rPr lang="fr-FR" sz="1200" kern="1200" dirty="0" smtClean="0">
+                <a:solidFill>
+                  <a:schemeClr val="tx1"/>
+                </a:solidFill>
+                <a:latin typeface="+mn-lt"/>
+                <a:ea typeface="+mn-ea"/>
+                <a:cs typeface="+mn-cs"/>
+              </a:rPr>
+              <a:t> </a:t>
+            </a:r>
+            <a:r>
+              <a:rPr lang="fr-FR" sz="1200" kern="1200" dirty="0" err="1" smtClean="0">
+                <a:solidFill>
+                  <a:schemeClr val="tx1"/>
+                </a:solidFill>
+                <a:latin typeface="+mn-lt"/>
+                <a:ea typeface="+mn-ea"/>
+                <a:cs typeface="+mn-cs"/>
+              </a:rPr>
+              <a:t>we</a:t>
+            </a:r>
+            <a:r>
+              <a:rPr lang="fr-FR" sz="1200" kern="1200" dirty="0" smtClean="0">
+                <a:solidFill>
+                  <a:schemeClr val="tx1"/>
+                </a:solidFill>
+                <a:latin typeface="+mn-lt"/>
+                <a:ea typeface="+mn-ea"/>
+                <a:cs typeface="+mn-cs"/>
+              </a:rPr>
+              <a:t> are </a:t>
+            </a:r>
+            <a:r>
+              <a:rPr lang="fr-FR" sz="1200" kern="1200" dirty="0" err="1" smtClean="0">
+                <a:solidFill>
+                  <a:schemeClr val="tx1"/>
+                </a:solidFill>
+                <a:latin typeface="+mn-lt"/>
+                <a:ea typeface="+mn-ea"/>
+                <a:cs typeface="+mn-cs"/>
+              </a:rPr>
+              <a:t>using</a:t>
+            </a:r>
+            <a:r>
+              <a:rPr lang="fr-FR" sz="1200" kern="1200" dirty="0" smtClean="0">
+                <a:solidFill>
+                  <a:schemeClr val="tx1"/>
+                </a:solidFill>
+                <a:latin typeface="+mn-lt"/>
+                <a:ea typeface="+mn-ea"/>
+                <a:cs typeface="+mn-cs"/>
+              </a:rPr>
+              <a:t>. So </a:t>
+            </a:r>
+            <a:r>
+              <a:rPr lang="fr-FR" sz="1200" kern="1200" dirty="0" err="1" smtClean="0">
+                <a:solidFill>
+                  <a:schemeClr val="tx1"/>
+                </a:solidFill>
+                <a:latin typeface="+mn-lt"/>
+                <a:ea typeface="+mn-ea"/>
+                <a:cs typeface="+mn-cs"/>
+              </a:rPr>
+              <a:t>it</a:t>
+            </a:r>
+            <a:r>
+              <a:rPr lang="fr-FR" sz="1200" kern="1200" dirty="0" smtClean="0">
+                <a:solidFill>
+                  <a:schemeClr val="tx1"/>
+                </a:solidFill>
+                <a:latin typeface="+mn-lt"/>
+                <a:ea typeface="+mn-ea"/>
+                <a:cs typeface="+mn-cs"/>
+              </a:rPr>
+              <a:t> </a:t>
+            </a:r>
+            <a:r>
+              <a:rPr lang="fr-FR" sz="1200" kern="1200" dirty="0" err="1" smtClean="0">
+                <a:solidFill>
+                  <a:schemeClr val="tx1"/>
+                </a:solidFill>
+                <a:latin typeface="+mn-lt"/>
+                <a:ea typeface="+mn-ea"/>
+                <a:cs typeface="+mn-cs"/>
+              </a:rPr>
+              <a:t>is</a:t>
+            </a:r>
+            <a:r>
+              <a:rPr lang="fr-FR" sz="1200" kern="1200" dirty="0" smtClean="0">
+                <a:solidFill>
+                  <a:schemeClr val="tx1"/>
+                </a:solidFill>
+                <a:latin typeface="+mn-lt"/>
+                <a:ea typeface="+mn-ea"/>
+                <a:cs typeface="+mn-cs"/>
+              </a:rPr>
+              <a:t> </a:t>
+            </a:r>
+            <a:r>
+              <a:rPr lang="fr-FR" sz="1200" kern="1200" dirty="0" err="1" smtClean="0">
+                <a:solidFill>
+                  <a:schemeClr val="tx1"/>
+                </a:solidFill>
+                <a:latin typeface="+mn-lt"/>
+                <a:ea typeface="+mn-ea"/>
+                <a:cs typeface="+mn-cs"/>
+              </a:rPr>
+              <a:t>sufficient</a:t>
+            </a:r>
+            <a:r>
+              <a:rPr lang="fr-FR" sz="1200" kern="1200" dirty="0" smtClean="0">
+                <a:solidFill>
+                  <a:schemeClr val="tx1"/>
+                </a:solidFill>
+                <a:latin typeface="+mn-lt"/>
+                <a:ea typeface="+mn-ea"/>
+                <a:cs typeface="+mn-cs"/>
+              </a:rPr>
+              <a:t> for us to use the </a:t>
+            </a:r>
+            <a:r>
+              <a:rPr lang="fr-FR" sz="1200" kern="1200" dirty="0" err="1" smtClean="0">
+                <a:solidFill>
+                  <a:schemeClr val="tx1"/>
+                </a:solidFill>
+                <a:latin typeface="+mn-lt"/>
+                <a:ea typeface="+mn-ea"/>
+                <a:cs typeface="+mn-cs"/>
+              </a:rPr>
+              <a:t>Dynamic</a:t>
+            </a:r>
+            <a:r>
+              <a:rPr lang="fr-FR" sz="1200" kern="1200" dirty="0" smtClean="0">
+                <a:solidFill>
+                  <a:schemeClr val="tx1"/>
+                </a:solidFill>
+                <a:latin typeface="+mn-lt"/>
+                <a:ea typeface="+mn-ea"/>
+                <a:cs typeface="+mn-cs"/>
+              </a:rPr>
+              <a:t> Time </a:t>
+            </a:r>
+            <a:r>
+              <a:rPr lang="fr-FR" sz="1200" kern="1200" dirty="0" err="1" smtClean="0">
+                <a:solidFill>
+                  <a:schemeClr val="tx1"/>
+                </a:solidFill>
+                <a:latin typeface="+mn-lt"/>
+                <a:ea typeface="+mn-ea"/>
+                <a:cs typeface="+mn-cs"/>
+              </a:rPr>
+              <a:t>Warping</a:t>
+            </a:r>
+            <a:r>
+              <a:rPr lang="fr-FR" sz="1200" kern="1200" dirty="0" smtClean="0">
+                <a:solidFill>
+                  <a:schemeClr val="tx1"/>
+                </a:solidFill>
+                <a:latin typeface="+mn-lt"/>
+                <a:ea typeface="+mn-ea"/>
+                <a:cs typeface="+mn-cs"/>
+              </a:rPr>
+              <a:t> </a:t>
+            </a:r>
+            <a:r>
+              <a:rPr lang="fr-FR" sz="1200" kern="1200" dirty="0" err="1" smtClean="0">
+                <a:solidFill>
+                  <a:schemeClr val="tx1"/>
+                </a:solidFill>
+                <a:latin typeface="+mn-lt"/>
+                <a:ea typeface="+mn-ea"/>
+                <a:cs typeface="+mn-cs"/>
+              </a:rPr>
+              <a:t>which</a:t>
+            </a:r>
+            <a:r>
+              <a:rPr lang="fr-FR" sz="1200" kern="1200" dirty="0" smtClean="0">
+                <a:solidFill>
+                  <a:schemeClr val="tx1"/>
+                </a:solidFill>
+                <a:latin typeface="+mn-lt"/>
+                <a:ea typeface="+mn-ea"/>
+                <a:cs typeface="+mn-cs"/>
+              </a:rPr>
+              <a:t> </a:t>
+            </a:r>
+            <a:r>
+              <a:rPr lang="fr-FR" sz="1200" kern="1200" dirty="0" err="1" smtClean="0">
+                <a:solidFill>
+                  <a:schemeClr val="tx1"/>
+                </a:solidFill>
+                <a:latin typeface="+mn-lt"/>
+                <a:ea typeface="+mn-ea"/>
+                <a:cs typeface="+mn-cs"/>
+              </a:rPr>
+              <a:t>is</a:t>
+            </a:r>
+            <a:r>
+              <a:rPr lang="fr-FR" sz="1200" kern="1200" dirty="0" smtClean="0">
+                <a:solidFill>
+                  <a:schemeClr val="tx1"/>
+                </a:solidFill>
+                <a:latin typeface="+mn-lt"/>
+                <a:ea typeface="+mn-ea"/>
+                <a:cs typeface="+mn-cs"/>
+              </a:rPr>
+              <a:t> a simplification of the </a:t>
+            </a:r>
+            <a:r>
+              <a:rPr lang="fr-FR" sz="1200" kern="1200" dirty="0" err="1" smtClean="0">
+                <a:solidFill>
+                  <a:schemeClr val="tx1"/>
+                </a:solidFill>
+                <a:latin typeface="+mn-lt"/>
+                <a:ea typeface="+mn-ea"/>
+                <a:cs typeface="+mn-cs"/>
+              </a:rPr>
+              <a:t>hidden</a:t>
+            </a:r>
+            <a:r>
+              <a:rPr lang="fr-FR" sz="1200" kern="1200" dirty="0" smtClean="0">
+                <a:solidFill>
+                  <a:schemeClr val="tx1"/>
+                </a:solidFill>
+                <a:latin typeface="+mn-lt"/>
+                <a:ea typeface="+mn-ea"/>
+                <a:cs typeface="+mn-cs"/>
+              </a:rPr>
+              <a:t> Markov model.</a:t>
+            </a:r>
+          </a:p>
+          <a:p>
+            <a:endParaRPr lang="fr-FR" dirty="0"/>
+          </a:p>
+        </p:txBody>
+      </p:sp>
+      <p:sp>
+        <p:nvSpPr>
+          <p:cNvPr id="4" name="Slide Number Placeholder 3"/>
+          <p:cNvSpPr>
+            <a:spLocks noGrp="1"/>
+          </p:cNvSpPr>
+          <p:nvPr>
+            <p:ph type="sldNum" sz="quarter" idx="10"/>
+          </p:nvPr>
+        </p:nvSpPr>
+        <p:spPr/>
+        <p:txBody>
+          <a:bodyPr/>
+          <a:lstStyle/>
+          <a:p>
+            <a:fld id="{69769F4E-9586-492C-B8A6-A22159A02A15}" type="slidenum">
+              <a:rPr lang="fr-FR" smtClean="0"/>
+              <a:pPr/>
+              <a:t>12</a:t>
+            </a:fld>
+            <a:endParaRPr lang="fr-FR"/>
+          </a:p>
+        </p:txBody>
+      </p:sp>
+    </p:spTree>
+  </p:cSld>
+  <p:clrMapOvr>
+    <a:masterClrMapping/>
+  </p:clrMapOvr>
+</p:notes>
+</file>
+
+<file path=ppt/notesSlides/notesSlide5.xml><?xml version="1.0" encoding="utf-8"?>
+<p:notes xmlns:a="http://schemas.openxmlformats.org/drawingml/2006/main" xmlns:r="http://schemas.openxmlformats.org/officeDocument/2006/relationships" xmlns:p="http://schemas.openxmlformats.org/presentationml/2006/main">
+  <p:cSld>
+    <p:spTree>
+      <p:nvGrpSpPr>
+        <p:cNvPr id="1" name=""/>
+        <p:cNvGrpSpPr/>
+        <p:nvPr/>
+      </p:nvGrpSpPr>
+      <p:grpSpPr>
+        <a:xfrm>
+          <a:off x="0" y="0"/>
+          <a:ext cx="0" cy="0"/>
+          <a:chOff x="0" y="0"/>
+          <a:chExt cx="0" cy="0"/>
+        </a:xfrm>
+      </p:grpSpPr>
+      <p:sp>
+        <p:nvSpPr>
+          <p:cNvPr id="2" name="Slide Image Placeholder 1"/>
+          <p:cNvSpPr>
+            <a:spLocks noGrp="1" noRot="1" noChangeAspect="1"/>
+          </p:cNvSpPr>
+          <p:nvPr>
+            <p:ph type="sldImg"/>
+          </p:nvPr>
+        </p:nvSpPr>
+        <p:spPr/>
+      </p:sp>
+      <p:sp>
+        <p:nvSpPr>
+          <p:cNvPr id="3" name="Notes Placeholder 2"/>
+          <p:cNvSpPr>
+            <a:spLocks noGrp="1"/>
+          </p:cNvSpPr>
+          <p:nvPr>
+            <p:ph type="body" idx="1"/>
+          </p:nvPr>
+        </p:nvSpPr>
+        <p:spPr/>
+        <p:txBody>
+          <a:bodyPr>
+            <a:normAutofit/>
+          </a:bodyPr>
+          <a:lstStyle/>
+          <a:p>
             <a:r>
               <a:rPr lang="en-US" sz="1200" kern="1200" dirty="0" smtClean="0">
                 <a:solidFill>
@@ -1799,6 +1962,178 @@
               <a:rPr lang="fr-FR" smtClean="0"/>
               <a:pPr/>
               <a:t>16</a:t>
+            </a:fld>
+            <a:endParaRPr lang="fr-FR"/>
+          </a:p>
+        </p:txBody>
+      </p:sp>
+    </p:spTree>
+  </p:cSld>
+  <p:clrMapOvr>
+    <a:masterClrMapping/>
+  </p:clrMapOvr>
+</p:notes>
+</file>
+
+<file path=ppt/notesSlides/notesSlide6.xml><?xml version="1.0" encoding="utf-8"?>
+<p:notes xmlns:a="http://schemas.openxmlformats.org/drawingml/2006/main" xmlns:r="http://schemas.openxmlformats.org/officeDocument/2006/relationships" xmlns:p="http://schemas.openxmlformats.org/presentationml/2006/main">
+  <p:cSld>
+    <p:spTree>
+      <p:nvGrpSpPr>
+        <p:cNvPr id="1" name=""/>
+        <p:cNvGrpSpPr/>
+        <p:nvPr/>
+      </p:nvGrpSpPr>
+      <p:grpSpPr>
+        <a:xfrm>
+          <a:off x="0" y="0"/>
+          <a:ext cx="0" cy="0"/>
+          <a:chOff x="0" y="0"/>
+          <a:chExt cx="0" cy="0"/>
+        </a:xfrm>
+      </p:grpSpPr>
+      <p:sp>
+        <p:nvSpPr>
+          <p:cNvPr id="2" name="Slide Image Placeholder 1"/>
+          <p:cNvSpPr>
+            <a:spLocks noGrp="1" noRot="1" noChangeAspect="1"/>
+          </p:cNvSpPr>
+          <p:nvPr>
+            <p:ph type="sldImg"/>
+          </p:nvPr>
+        </p:nvSpPr>
+        <p:spPr/>
+      </p:sp>
+      <p:sp>
+        <p:nvSpPr>
+          <p:cNvPr id="3" name="Notes Placeholder 2"/>
+          <p:cNvSpPr>
+            <a:spLocks noGrp="1"/>
+          </p:cNvSpPr>
+          <p:nvPr>
+            <p:ph type="body" idx="1"/>
+          </p:nvPr>
+        </p:nvSpPr>
+        <p:spPr/>
+        <p:txBody>
+          <a:bodyPr>
+            <a:normAutofit/>
+          </a:bodyPr>
+          <a:lstStyle/>
+          <a:p>
+            <a:r>
+              <a:rPr lang="fr-FR" smtClean="0"/>
+              <a:t>C++</a:t>
+            </a:r>
+            <a:endParaRPr lang="fr-FR" dirty="0"/>
+          </a:p>
+        </p:txBody>
+      </p:sp>
+      <p:sp>
+        <p:nvSpPr>
+          <p:cNvPr id="4" name="Slide Number Placeholder 3"/>
+          <p:cNvSpPr>
+            <a:spLocks noGrp="1"/>
+          </p:cNvSpPr>
+          <p:nvPr>
+            <p:ph type="sldNum" sz="quarter" idx="10"/>
+          </p:nvPr>
+        </p:nvSpPr>
+        <p:spPr/>
+        <p:txBody>
+          <a:bodyPr/>
+          <a:lstStyle/>
+          <a:p>
+            <a:fld id="{69769F4E-9586-492C-B8A6-A22159A02A15}" type="slidenum">
+              <a:rPr lang="fr-FR" smtClean="0"/>
+              <a:pPr/>
+              <a:t>19</a:t>
+            </a:fld>
+            <a:endParaRPr lang="fr-FR"/>
+          </a:p>
+        </p:txBody>
+      </p:sp>
+    </p:spTree>
+  </p:cSld>
+  <p:clrMapOvr>
+    <a:masterClrMapping/>
+  </p:clrMapOvr>
+</p:notes>
+</file>
+
+<file path=ppt/notesSlides/notesSlide7.xml><?xml version="1.0" encoding="utf-8"?>
+<p:notes xmlns:a="http://schemas.openxmlformats.org/drawingml/2006/main" xmlns:r="http://schemas.openxmlformats.org/officeDocument/2006/relationships" xmlns:p="http://schemas.openxmlformats.org/presentationml/2006/main">
+  <p:cSld>
+    <p:spTree>
+      <p:nvGrpSpPr>
+        <p:cNvPr id="1" name=""/>
+        <p:cNvGrpSpPr/>
+        <p:nvPr/>
+      </p:nvGrpSpPr>
+      <p:grpSpPr>
+        <a:xfrm>
+          <a:off x="0" y="0"/>
+          <a:ext cx="0" cy="0"/>
+          <a:chOff x="0" y="0"/>
+          <a:chExt cx="0" cy="0"/>
+        </a:xfrm>
+      </p:grpSpPr>
+      <p:sp>
+        <p:nvSpPr>
+          <p:cNvPr id="2" name="Slide Image Placeholder 1"/>
+          <p:cNvSpPr>
+            <a:spLocks noGrp="1" noRot="1" noChangeAspect="1"/>
+          </p:cNvSpPr>
+          <p:nvPr>
+            <p:ph type="sldImg"/>
+          </p:nvPr>
+        </p:nvSpPr>
+        <p:spPr/>
+      </p:sp>
+      <p:sp>
+        <p:nvSpPr>
+          <p:cNvPr id="3" name="Notes Placeholder 2"/>
+          <p:cNvSpPr>
+            <a:spLocks noGrp="1"/>
+          </p:cNvSpPr>
+          <p:nvPr>
+            <p:ph type="body" idx="1"/>
+          </p:nvPr>
+        </p:nvSpPr>
+        <p:spPr/>
+        <p:txBody>
+          <a:bodyPr>
+            <a:normAutofit/>
+          </a:bodyPr>
+          <a:lstStyle/>
+          <a:p>
+            <a:r>
+              <a:rPr lang="fr-FR" dirty="0" smtClean="0"/>
+              <a:t>Multi thread / synchronisation</a:t>
+            </a:r>
+            <a:endParaRPr lang="fr-FR" dirty="0"/>
+          </a:p>
+        </p:txBody>
+      </p:sp>
+      <p:sp>
+        <p:nvSpPr>
+          <p:cNvPr id="4" name="Slide Number Placeholder 3"/>
+          <p:cNvSpPr>
+            <a:spLocks noGrp="1"/>
+          </p:cNvSpPr>
+          <p:nvPr>
+            <p:ph type="sldNum" sz="quarter" idx="10"/>
+          </p:nvPr>
+        </p:nvSpPr>
+        <p:spPr/>
+        <p:txBody>
+          <a:bodyPr/>
+          <a:lstStyle/>
+          <a:p>
+            <a:fld id="{69769F4E-9586-492C-B8A6-A22159A02A15}" type="slidenum">
+              <a:rPr lang="fr-FR" smtClean="0"/>
+              <a:pPr/>
+              <a:t>22</a:t>
             </a:fld>
             <a:endParaRPr lang="fr-FR"/>
           </a:p>
@@ -1981,7 +2316,7 @@
             <a:fld id="{4BEE22D1-9E3B-4EEC-9E1E-AB0B34D40883}" type="datetime1">
               <a:rPr lang="fr-FR" smtClean="0"/>
               <a:pPr/>
-              <a:t>18/01/2013</a:t>
+              <a:t>21/01/2013</a:t>
             </a:fld>
             <a:endParaRPr lang="fr-FR"/>
           </a:p>
@@ -2152,7 +2487,7 @@
             <a:fld id="{0BC67C51-3D9A-48F3-B15E-73633CA06EB2}" type="datetime1">
               <a:rPr lang="fr-FR" smtClean="0"/>
               <a:pPr/>
-              <a:t>18/01/2013</a:t>
+              <a:t>21/01/2013</a:t>
             </a:fld>
             <a:endParaRPr lang="fr-FR"/>
           </a:p>
@@ -2333,7 +2668,7 @@
             <a:fld id="{90655434-AD1B-487B-BA7D-93325835C149}" type="datetime1">
               <a:rPr lang="fr-FR" smtClean="0"/>
               <a:pPr/>
-              <a:t>18/01/2013</a:t>
+              <a:t>21/01/2013</a:t>
             </a:fld>
             <a:endParaRPr lang="fr-FR"/>
           </a:p>
@@ -2504,7 +2839,7 @@
             <a:fld id="{9E1653A4-DF21-48A8-BD96-675A6C7A2DE4}" type="datetime1">
               <a:rPr lang="fr-FR" smtClean="0"/>
               <a:pPr/>
-              <a:t>18/01/2013</a:t>
+              <a:t>21/01/2013</a:t>
             </a:fld>
             <a:endParaRPr lang="fr-FR"/>
           </a:p>
@@ -2747,7 +3082,7 @@
             <a:fld id="{FD495858-B3DA-4EBD-AD7C-5368780FE0A3}" type="datetime1">
               <a:rPr lang="fr-FR" smtClean="0"/>
               <a:pPr/>
-              <a:t>18/01/2013</a:t>
+              <a:t>21/01/2013</a:t>
             </a:fld>
             <a:endParaRPr lang="fr-FR"/>
           </a:p>
@@ -3405,7 +3740,7 @@
             <a:fld id="{19BF99BF-E0DF-47C8-BE3B-4CEE879D88AB}" type="datetime1">
               <a:rPr lang="fr-FR" smtClean="0"/>
               <a:pPr/>
-              <a:t>18/01/2013</a:t>
+              <a:t>21/01/2013</a:t>
             </a:fld>
             <a:endParaRPr lang="fr-FR"/>
           </a:p>
@@ -3561,7 +3896,7 @@
             <a:fld id="{FD4C236D-F663-4935-B0AE-BA737B5531D3}" type="datetime1">
               <a:rPr lang="fr-FR" smtClean="0"/>
               <a:pPr/>
-              <a:t>18/01/2013</a:t>
+              <a:t>21/01/2013</a:t>
             </a:fld>
             <a:endParaRPr lang="fr-FR"/>
           </a:p>
@@ -3657,7 +3992,7 @@
             <a:fld id="{3B334D03-397E-468A-948A-EEA84CF3E107}" type="datetime1">
               <a:rPr lang="fr-FR" smtClean="0"/>
               <a:pPr/>
-              <a:t>18/01/2013</a:t>
+              <a:t>21/01/2013</a:t>
             </a:fld>
             <a:endParaRPr lang="fr-FR"/>
           </a:p>
@@ -3924,7 +4259,7 @@
             <a:fld id="{31DDC124-969E-453A-9CD4-243B0F968873}" type="datetime1">
               <a:rPr lang="fr-FR" smtClean="0"/>
               <a:pPr/>
-              <a:t>18/01/2013</a:t>
+              <a:t>21/01/2013</a:t>
             </a:fld>
             <a:endParaRPr lang="fr-FR"/>
           </a:p>
@@ -4218,7 +4553,7 @@
             <a:fld id="{AD69F38F-900F-4A84-B92B-56F430E125F5}" type="datetime1">
               <a:rPr lang="fr-FR" smtClean="0"/>
               <a:pPr/>
-              <a:t>18/01/2013</a:t>
+              <a:t>21/01/2013</a:t>
             </a:fld>
             <a:endParaRPr lang="fr-FR"/>
           </a:p>
@@ -4995,7 +5330,7 @@
             <a:fld id="{354388CE-C0E2-4112-9B20-DB6580EA0AA4}" type="datetime1">
               <a:rPr lang="fr-FR" smtClean="0"/>
               <a:pPr/>
-              <a:t>18/01/2013</a:t>
+              <a:t>21/01/2013</a:t>
             </a:fld>
             <a:endParaRPr lang="fr-FR"/>
           </a:p>
@@ -11112,11 +11447,7 @@
           <a:p>
             <a:r>
               <a:rPr lang="en-US" dirty="0" smtClean="0"/>
-              <a:t>DTW p</a:t>
-            </a:r>
-            <a:r>
-              <a:rPr lang="en-US" dirty="0" smtClean="0"/>
-              <a:t>arameters modifications</a:t>
+              <a:t>DTW parameters modifications</a:t>
             </a:r>
           </a:p>
           <a:p>
@@ -11124,7 +11455,6 @@
               <a:rPr lang="en-US" dirty="0" smtClean="0"/>
               <a:t>Word beginning detection</a:t>
             </a:r>
-            <a:endParaRPr lang="en-US" dirty="0" smtClean="0"/>
           </a:p>
         </p:txBody>
       </p:sp>
@@ -12373,7 +12703,6 @@
               <a:rPr lang="en-US" sz="5400" dirty="0" smtClean="0"/>
               <a:t>Human Machine Interface</a:t>
             </a:r>
-            <a:endParaRPr lang="en-US" sz="5400" dirty="0" smtClean="0"/>
           </a:p>
         </p:txBody>
       </p:sp>
@@ -12415,17 +12744,7 @@
                   </a:schemeClr>
                 </a:solidFill>
               </a:rPr>
-              <a:t>III</a:t>
-            </a:r>
-            <a:r>
-              <a:rPr lang="en-US" dirty="0" smtClean="0">
-                <a:solidFill>
-                  <a:schemeClr val="bg2">
-                    <a:lumMod val="50000"/>
-                  </a:schemeClr>
-                </a:solidFill>
-              </a:rPr>
-              <a:t>. Human Machine</a:t>
+              <a:t>III. Human Machine</a:t>
             </a:r>
           </a:p>
           <a:p>
@@ -12447,17 +12766,12 @@
               <a:rPr lang="en-US" dirty="0" smtClean="0"/>
               <a:t>a. Menu</a:t>
             </a:r>
-            <a:endParaRPr lang="en-US" dirty="0" smtClean="0"/>
           </a:p>
           <a:p>
             <a:pPr marL="937260" lvl="1" indent="-571500"/>
             <a:r>
               <a:rPr lang="en-US" dirty="0" smtClean="0"/>
-              <a:t>b. How </a:t>
-            </a:r>
-            <a:r>
-              <a:rPr lang="en-US" dirty="0" smtClean="0"/>
-              <a:t>to play</a:t>
+              <a:t>b. How to play</a:t>
             </a:r>
           </a:p>
           <a:p>
@@ -13001,7 +13315,7 @@
           <p:nvPr/>
         </p:nvPicPr>
         <p:blipFill>
-          <a:blip r:embed="rId2" cstate="print"/>
+          <a:blip r:embed="rId3" cstate="print"/>
           <a:srcRect l="4326" t="13601" r="5113"/>
           <a:stretch>
             <a:fillRect/>
@@ -13027,7 +13341,7 @@
           <p:nvPr/>
         </p:nvPicPr>
         <p:blipFill>
-          <a:blip r:embed="rId3" cstate="print"/>
+          <a:blip r:embed="rId4" cstate="print"/>
           <a:srcRect l="4117" t="13601" r="5901"/>
           <a:stretch>
             <a:fillRect/>
@@ -13296,10 +13610,9 @@
           <a:p>
             <a:pPr marL="571500" indent="-571500"/>
             <a:r>
-              <a:rPr lang="en-US" sz="5400" smtClean="0"/>
+              <a:rPr lang="en-US" sz="5400" dirty="0" smtClean="0"/>
               <a:t>Menu</a:t>
             </a:r>
-            <a:endParaRPr lang="en-US" sz="5400" dirty="0" smtClean="0"/>
           </a:p>
         </p:txBody>
       </p:sp>
@@ -13335,11 +13648,7 @@
             <a:pPr marL="571500" indent="-571500"/>
             <a:r>
               <a:rPr lang="en-US" dirty="0" smtClean="0"/>
-              <a:t>III</a:t>
-            </a:r>
-            <a:r>
-              <a:rPr lang="en-US" dirty="0" smtClean="0"/>
-              <a:t>. Human Machine</a:t>
+              <a:t>III. Human Machine</a:t>
             </a:r>
           </a:p>
           <a:p>
@@ -13361,23 +13670,12 @@
               </a:rPr>
               <a:t>a. Menu</a:t>
             </a:r>
-            <a:endParaRPr lang="en-US" dirty="0" smtClean="0">
-              <a:solidFill>
-                <a:schemeClr val="bg2">
-                  <a:lumMod val="50000"/>
-                </a:schemeClr>
-              </a:solidFill>
-            </a:endParaRPr>
           </a:p>
           <a:p>
             <a:pPr marL="937260" lvl="1" indent="-571500"/>
             <a:r>
               <a:rPr lang="en-US" dirty="0" smtClean="0"/>
-              <a:t>b. How </a:t>
-            </a:r>
-            <a:r>
-              <a:rPr lang="en-US" dirty="0" smtClean="0"/>
-              <a:t>to play</a:t>
+              <a:t>b. How to play</a:t>
             </a:r>
           </a:p>
           <a:p>
@@ -13404,7 +13702,13 @@
           <a:bodyPr/>
           <a:lstStyle/>
           <a:p>
-            <a:endParaRPr lang="en-US" dirty="0" smtClean="0"/>
+            <a:pPr>
+              <a:buNone/>
+            </a:pPr>
+            <a:r>
+              <a:rPr lang="en-US" dirty="0" smtClean="0"/>
+              <a:t> </a:t>
+            </a:r>
           </a:p>
         </p:txBody>
       </p:sp>
@@ -13912,6 +14216,32 @@
           </a:p>
         </p:txBody>
       </p:sp>
+      <p:pic>
+        <p:nvPicPr>
+          <p:cNvPr id="17" name="Picture 3" descr="G:\Capture du 2013-01-18 11_43_58.png"/>
+          <p:cNvPicPr>
+            <a:picLocks noChangeAspect="1" noChangeArrowheads="1"/>
+          </p:cNvPicPr>
+          <p:nvPr/>
+        </p:nvPicPr>
+        <p:blipFill>
+          <a:blip r:embed="rId2" cstate="print"/>
+          <a:srcRect l="4117" t="13601" r="5901"/>
+          <a:stretch>
+            <a:fillRect/>
+          </a:stretch>
+        </p:blipFill>
+        <p:spPr bwMode="auto">
+          <a:xfrm>
+            <a:off x="3059832" y="1412776"/>
+            <a:ext cx="4969242" cy="2683905"/>
+          </a:xfrm>
+          <a:prstGeom prst="rect">
+            <a:avLst/>
+          </a:prstGeom>
+          <a:noFill/>
+        </p:spPr>
+      </p:pic>
     </p:spTree>
   </p:cSld>
   <p:clrMapOvr>
@@ -13966,7 +14296,6 @@
               <a:rPr lang="en-US" sz="5400" dirty="0" smtClean="0"/>
               <a:t>Human Machine Interface</a:t>
             </a:r>
-            <a:endParaRPr lang="en-US" sz="5400" dirty="0" smtClean="0"/>
           </a:p>
         </p:txBody>
       </p:sp>
@@ -14002,11 +14331,7 @@
             <a:pPr marL="571500" indent="-571500"/>
             <a:r>
               <a:rPr lang="en-US" dirty="0" smtClean="0"/>
-              <a:t>III</a:t>
-            </a:r>
-            <a:r>
-              <a:rPr lang="en-US" dirty="0" smtClean="0"/>
-              <a:t>. Human Machine</a:t>
+              <a:t>III. Human Machine</a:t>
             </a:r>
           </a:p>
           <a:p>
@@ -14022,7 +14347,6 @@
               <a:rPr lang="en-US" dirty="0" smtClean="0"/>
               <a:t>a. Menu</a:t>
             </a:r>
-            <a:endParaRPr lang="en-US" dirty="0" smtClean="0"/>
           </a:p>
           <a:p>
             <a:pPr marL="937260" lvl="1" indent="-571500"/>
@@ -14034,17 +14358,7 @@
                   </a:schemeClr>
                 </a:solidFill>
               </a:rPr>
-              <a:t>b. How </a:t>
-            </a:r>
-            <a:r>
-              <a:rPr lang="en-US" dirty="0" smtClean="0">
-                <a:solidFill>
-                  <a:schemeClr val="bg2">
-                    <a:lumMod val="50000"/>
-                  </a:schemeClr>
-                </a:solidFill>
-              </a:rPr>
-              <a:t>to play</a:t>
+              <a:t>b. How to play</a:t>
             </a:r>
           </a:p>
           <a:p>
@@ -14071,7 +14385,13 @@
           <a:bodyPr/>
           <a:lstStyle/>
           <a:p>
-            <a:endParaRPr lang="en-US" dirty="0" smtClean="0"/>
+            <a:pPr>
+              <a:buNone/>
+            </a:pPr>
+            <a:r>
+              <a:rPr lang="en-US" dirty="0" smtClean="0"/>
+              <a:t> </a:t>
+            </a:r>
           </a:p>
         </p:txBody>
       </p:sp>
@@ -14613,7 +14933,7 @@
       </p:grpSpPr>
       <p:sp>
         <p:nvSpPr>
-          <p:cNvPr id="3" name="Title 2"/>
+          <p:cNvPr id="13" name="Title 12"/>
           <p:cNvSpPr>
             <a:spLocks noGrp="1"/>
           </p:cNvSpPr>
@@ -14623,38 +14943,112 @@
         </p:nvSpPr>
         <p:spPr/>
         <p:txBody>
+          <a:bodyPr>
+            <a:normAutofit/>
+          </a:bodyPr>
+          <a:lstStyle/>
+          <a:p>
+            <a:pPr marL="571500" indent="-571500"/>
+            <a:r>
+              <a:rPr lang="en-US" sz="5400" dirty="0" smtClean="0"/>
+              <a:t>Human Machine Interface</a:t>
+            </a:r>
+          </a:p>
+        </p:txBody>
+      </p:sp>
+      <p:sp>
+        <p:nvSpPr>
+          <p:cNvPr id="14" name="Content Placeholder 13"/>
+          <p:cNvSpPr>
+            <a:spLocks noGrp="1"/>
+          </p:cNvSpPr>
+          <p:nvPr>
+            <p:ph sz="half" idx="1"/>
+          </p:nvPr>
+        </p:nvSpPr>
+        <p:spPr/>
+        <p:txBody>
           <a:bodyPr/>
           <a:lstStyle/>
           <a:p>
-            <a:r>
-              <a:rPr lang="fr-FR" dirty="0" smtClean="0"/>
-              <a:t>Conclusion</a:t>
-            </a:r>
+            <a:pPr marL="571500" indent="-571500"/>
+            <a:r>
+              <a:rPr lang="en-US" dirty="0" smtClean="0"/>
+              <a:t>I. Sound treatment</a:t>
+            </a:r>
+          </a:p>
+          <a:p>
+            <a:pPr marL="571500" indent="-571500"/>
+            <a:r>
+              <a:rPr lang="en-US" dirty="0" smtClean="0"/>
+              <a:t>II. Comparison</a:t>
+            </a:r>
+          </a:p>
+          <a:p>
+            <a:pPr marL="571500" indent="-571500"/>
+            <a:r>
+              <a:rPr lang="en-US" dirty="0" smtClean="0"/>
+              <a:t>III. Human Machine</a:t>
+            </a:r>
+          </a:p>
+          <a:p>
+            <a:pPr marL="571500" indent="-571500"/>
+            <a:r>
+              <a:rPr lang="en-US" dirty="0" smtClean="0"/>
+              <a:t>Interface</a:t>
+            </a:r>
+          </a:p>
+          <a:p>
+            <a:pPr marL="937260" lvl="1" indent="-571500"/>
+            <a:r>
+              <a:rPr lang="en-US" dirty="0" smtClean="0"/>
+              <a:t>a. Menu</a:t>
+            </a:r>
+          </a:p>
+          <a:p>
+            <a:pPr marL="937260" lvl="1" indent="-571500"/>
+            <a:r>
+              <a:rPr lang="en-US" dirty="0" smtClean="0">
+                <a:solidFill>
+                  <a:schemeClr val="bg2">
+                    <a:lumMod val="50000"/>
+                  </a:schemeClr>
+                </a:solidFill>
+              </a:rPr>
+              <a:t>b. How to play</a:t>
+            </a:r>
+          </a:p>
+          <a:p>
+            <a:pPr marL="571500" indent="-571500"/>
+            <a:endParaRPr lang="en-US" dirty="0" smtClean="0"/>
+          </a:p>
+          <a:p>
             <a:endParaRPr lang="fr-FR" dirty="0"/>
           </a:p>
         </p:txBody>
       </p:sp>
       <p:sp>
         <p:nvSpPr>
-          <p:cNvPr id="2" name="Content Placeholder 1"/>
+          <p:cNvPr id="15" name="Content Placeholder 14"/>
           <p:cNvSpPr>
             <a:spLocks noGrp="1"/>
           </p:cNvSpPr>
           <p:nvPr>
-            <p:ph idx="1"/>
+            <p:ph sz="half" idx="2"/>
           </p:nvPr>
         </p:nvSpPr>
-        <p:spPr>
-          <a:xfrm>
-            <a:off x="457200" y="1935480"/>
-            <a:ext cx="8229600" cy="4013800"/>
-          </a:xfrm>
-        </p:spPr>
+        <p:spPr/>
         <p:txBody>
           <a:bodyPr/>
           <a:lstStyle/>
           <a:p>
-            <a:endParaRPr lang="fr-FR" dirty="0"/>
+            <a:pPr>
+              <a:buNone/>
+            </a:pPr>
+            <a:r>
+              <a:rPr lang="en-US" dirty="0" smtClean="0"/>
+              <a:t> </a:t>
+            </a:r>
           </a:p>
         </p:txBody>
       </p:sp>
@@ -14724,25 +15118,463 @@
           </a:p>
         </p:txBody>
       </p:sp>
+      <p:sp>
+        <p:nvSpPr>
+          <p:cNvPr id="30725" name="Rectangle 5"/>
+          <p:cNvSpPr>
+            <a:spLocks noChangeArrowheads="1"/>
+          </p:cNvSpPr>
+          <p:nvPr/>
+        </p:nvSpPr>
+        <p:spPr bwMode="auto">
+          <a:xfrm>
+            <a:off x="0" y="0"/>
+            <a:ext cx="9144000" cy="457200"/>
+          </a:xfrm>
+          <a:prstGeom prst="rect">
+            <a:avLst/>
+          </a:prstGeom>
+          <a:noFill/>
+          <a:ln w="9525">
+            <a:noFill/>
+            <a:miter lim="800000"/>
+            <a:headEnd/>
+            <a:tailEnd/>
+          </a:ln>
+          <a:effectLst/>
+        </p:spPr>
+        <p:txBody>
+          <a:bodyPr vert="horz" wrap="none" lIns="91440" tIns="45720" rIns="91440" bIns="45720" numCol="1" anchor="ctr" anchorCtr="0" compatLnSpc="1">
+            <a:prstTxWarp prst="textNoShape">
+              <a:avLst/>
+            </a:prstTxWarp>
+            <a:spAutoFit/>
+          </a:bodyPr>
+          <a:lstStyle/>
+          <a:p>
+            <a:endParaRPr lang="fr-FR" dirty="0"/>
+          </a:p>
+        </p:txBody>
+      </p:sp>
+      <p:sp>
+        <p:nvSpPr>
+          <p:cNvPr id="30726" name="Rectangle 6"/>
+          <p:cNvSpPr>
+            <a:spLocks noChangeArrowheads="1"/>
+          </p:cNvSpPr>
+          <p:nvPr/>
+        </p:nvSpPr>
+        <p:spPr bwMode="auto">
+          <a:xfrm>
+            <a:off x="0" y="942975"/>
+            <a:ext cx="9144000" cy="0"/>
+          </a:xfrm>
+          <a:prstGeom prst="rect">
+            <a:avLst/>
+          </a:prstGeom>
+          <a:noFill/>
+          <a:ln w="9525">
+            <a:noFill/>
+            <a:miter lim="800000"/>
+            <a:headEnd/>
+            <a:tailEnd/>
+          </a:ln>
+          <a:effectLst/>
+        </p:spPr>
+        <p:txBody>
+          <a:bodyPr vert="horz" wrap="none" lIns="91440" tIns="45720" rIns="91440" bIns="45720" numCol="1" anchor="ctr" anchorCtr="0" compatLnSpc="1">
+            <a:prstTxWarp prst="textNoShape">
+              <a:avLst/>
+            </a:prstTxWarp>
+            <a:spAutoFit/>
+          </a:bodyPr>
+          <a:lstStyle/>
+          <a:p>
+            <a:pPr marL="0" marR="0" lvl="0" indent="0" algn="l" defTabSz="914400" rtl="0" eaLnBrk="1" fontAlgn="base" latinLnBrk="0" hangingPunct="1">
+              <a:lnSpc>
+                <a:spcPct val="100000"/>
+              </a:lnSpc>
+              <a:spcBef>
+                <a:spcPct val="0"/>
+              </a:spcBef>
+              <a:spcAft>
+                <a:spcPct val="0"/>
+              </a:spcAft>
+              <a:buClrTx/>
+              <a:buSzTx/>
+              <a:buFontTx/>
+              <a:buNone/>
+              <a:tabLst/>
+            </a:pPr>
+            <a:endParaRPr kumimoji="0" lang="fr-FR" sz="1800" b="0" i="0" u="none" strike="noStrike" cap="none" normalizeH="0" baseline="0" dirty="0" smtClean="0">
+              <a:ln>
+                <a:noFill/>
+              </a:ln>
+              <a:solidFill>
+                <a:schemeClr val="tx1"/>
+              </a:solidFill>
+              <a:effectLst/>
+              <a:latin typeface="Arial" pitchFamily="34" charset="0"/>
+              <a:cs typeface="Arial" pitchFamily="34" charset="0"/>
+            </a:endParaRPr>
+          </a:p>
+        </p:txBody>
+      </p:sp>
+      <p:sp>
+        <p:nvSpPr>
+          <p:cNvPr id="47108" name="Rectangle 4"/>
+          <p:cNvSpPr>
+            <a:spLocks noChangeArrowheads="1"/>
+          </p:cNvSpPr>
+          <p:nvPr/>
+        </p:nvSpPr>
+        <p:spPr bwMode="auto">
+          <a:xfrm>
+            <a:off x="0" y="0"/>
+            <a:ext cx="9144000" cy="457200"/>
+          </a:xfrm>
+          <a:prstGeom prst="rect">
+            <a:avLst/>
+          </a:prstGeom>
+          <a:noFill/>
+          <a:ln w="9525">
+            <a:noFill/>
+            <a:miter lim="800000"/>
+            <a:headEnd/>
+            <a:tailEnd/>
+          </a:ln>
+          <a:effectLst/>
+        </p:spPr>
+        <p:txBody>
+          <a:bodyPr vert="horz" wrap="none" lIns="91440" tIns="45720" rIns="91440" bIns="45720" numCol="1" anchor="ctr" anchorCtr="0" compatLnSpc="1">
+            <a:prstTxWarp prst="textNoShape">
+              <a:avLst/>
+            </a:prstTxWarp>
+            <a:spAutoFit/>
+          </a:bodyPr>
+          <a:lstStyle/>
+          <a:p>
+            <a:endParaRPr lang="fr-FR" dirty="0"/>
+          </a:p>
+        </p:txBody>
+      </p:sp>
+      <p:sp>
+        <p:nvSpPr>
+          <p:cNvPr id="47109" name="Rectangle 5"/>
+          <p:cNvSpPr>
+            <a:spLocks noChangeArrowheads="1"/>
+          </p:cNvSpPr>
+          <p:nvPr/>
+        </p:nvSpPr>
+        <p:spPr bwMode="auto">
+          <a:xfrm>
+            <a:off x="0" y="723900"/>
+            <a:ext cx="9144000" cy="0"/>
+          </a:xfrm>
+          <a:prstGeom prst="rect">
+            <a:avLst/>
+          </a:prstGeom>
+          <a:noFill/>
+          <a:ln w="9525">
+            <a:noFill/>
+            <a:miter lim="800000"/>
+            <a:headEnd/>
+            <a:tailEnd/>
+          </a:ln>
+          <a:effectLst/>
+        </p:spPr>
+        <p:txBody>
+          <a:bodyPr vert="horz" wrap="none" lIns="91440" tIns="45720" rIns="91440" bIns="45720" numCol="1" anchor="ctr" anchorCtr="0" compatLnSpc="1">
+            <a:prstTxWarp prst="textNoShape">
+              <a:avLst/>
+            </a:prstTxWarp>
+            <a:spAutoFit/>
+          </a:bodyPr>
+          <a:lstStyle/>
+          <a:p>
+            <a:pPr marL="0" marR="0" lvl="0" indent="0" algn="l" defTabSz="914400" rtl="0" eaLnBrk="1" fontAlgn="base" latinLnBrk="0" hangingPunct="1">
+              <a:lnSpc>
+                <a:spcPct val="100000"/>
+              </a:lnSpc>
+              <a:spcBef>
+                <a:spcPct val="0"/>
+              </a:spcBef>
+              <a:spcAft>
+                <a:spcPct val="0"/>
+              </a:spcAft>
+              <a:buClrTx/>
+              <a:buSzTx/>
+              <a:buFontTx/>
+              <a:buNone/>
+              <a:tabLst/>
+            </a:pPr>
+            <a:endParaRPr kumimoji="0" lang="fr-FR" sz="1800" b="0" i="0" u="none" strike="noStrike" cap="none" normalizeH="0" baseline="0" dirty="0" smtClean="0">
+              <a:ln>
+                <a:noFill/>
+              </a:ln>
+              <a:solidFill>
+                <a:schemeClr val="tx1"/>
+              </a:solidFill>
+              <a:effectLst/>
+              <a:latin typeface="Arial" pitchFamily="34" charset="0"/>
+              <a:cs typeface="Arial" pitchFamily="34" charset="0"/>
+            </a:endParaRPr>
+          </a:p>
+        </p:txBody>
+      </p:sp>
+      <p:sp>
+        <p:nvSpPr>
+          <p:cNvPr id="47111" name="Rectangle 7"/>
+          <p:cNvSpPr>
+            <a:spLocks noChangeArrowheads="1"/>
+          </p:cNvSpPr>
+          <p:nvPr/>
+        </p:nvSpPr>
+        <p:spPr bwMode="auto">
+          <a:xfrm>
+            <a:off x="0" y="0"/>
+            <a:ext cx="9144000" cy="457200"/>
+          </a:xfrm>
+          <a:prstGeom prst="rect">
+            <a:avLst/>
+          </a:prstGeom>
+          <a:noFill/>
+          <a:ln w="9525">
+            <a:noFill/>
+            <a:miter lim="800000"/>
+            <a:headEnd/>
+            <a:tailEnd/>
+          </a:ln>
+          <a:effectLst/>
+        </p:spPr>
+        <p:txBody>
+          <a:bodyPr vert="horz" wrap="none" lIns="91440" tIns="45720" rIns="91440" bIns="45720" numCol="1" anchor="ctr" anchorCtr="0" compatLnSpc="1">
+            <a:prstTxWarp prst="textNoShape">
+              <a:avLst/>
+            </a:prstTxWarp>
+            <a:spAutoFit/>
+          </a:bodyPr>
+          <a:lstStyle/>
+          <a:p>
+            <a:endParaRPr lang="fr-FR" dirty="0"/>
+          </a:p>
+        </p:txBody>
+      </p:sp>
+      <p:sp>
+        <p:nvSpPr>
+          <p:cNvPr id="47112" name="Rectangle 8"/>
+          <p:cNvSpPr>
+            <a:spLocks noChangeArrowheads="1"/>
+          </p:cNvSpPr>
+          <p:nvPr/>
+        </p:nvSpPr>
+        <p:spPr bwMode="auto">
+          <a:xfrm>
+            <a:off x="0" y="723900"/>
+            <a:ext cx="9144000" cy="0"/>
+          </a:xfrm>
+          <a:prstGeom prst="rect">
+            <a:avLst/>
+          </a:prstGeom>
+          <a:noFill/>
+          <a:ln w="9525">
+            <a:noFill/>
+            <a:miter lim="800000"/>
+            <a:headEnd/>
+            <a:tailEnd/>
+          </a:ln>
+          <a:effectLst/>
+        </p:spPr>
+        <p:txBody>
+          <a:bodyPr vert="horz" wrap="none" lIns="91440" tIns="45720" rIns="91440" bIns="45720" numCol="1" anchor="ctr" anchorCtr="0" compatLnSpc="1">
+            <a:prstTxWarp prst="textNoShape">
+              <a:avLst/>
+            </a:prstTxWarp>
+            <a:spAutoFit/>
+          </a:bodyPr>
+          <a:lstStyle/>
+          <a:p>
+            <a:pPr marL="0" marR="0" lvl="0" indent="0" algn="l" defTabSz="914400" rtl="0" eaLnBrk="1" fontAlgn="base" latinLnBrk="0" hangingPunct="1">
+              <a:lnSpc>
+                <a:spcPct val="100000"/>
+              </a:lnSpc>
+              <a:spcBef>
+                <a:spcPct val="0"/>
+              </a:spcBef>
+              <a:spcAft>
+                <a:spcPct val="0"/>
+              </a:spcAft>
+              <a:buClrTx/>
+              <a:buSzTx/>
+              <a:buFontTx/>
+              <a:buNone/>
+              <a:tabLst/>
+            </a:pPr>
+            <a:endParaRPr kumimoji="0" lang="fr-FR" sz="1800" b="0" i="0" u="none" strike="noStrike" cap="none" normalizeH="0" baseline="0" dirty="0" smtClean="0">
+              <a:ln>
+                <a:noFill/>
+              </a:ln>
+              <a:solidFill>
+                <a:schemeClr val="tx1"/>
+              </a:solidFill>
+              <a:effectLst/>
+              <a:latin typeface="Arial" pitchFamily="34" charset="0"/>
+              <a:cs typeface="Arial" pitchFamily="34" charset="0"/>
+            </a:endParaRPr>
+          </a:p>
+        </p:txBody>
+      </p:sp>
+      <p:sp>
+        <p:nvSpPr>
+          <p:cNvPr id="48130" name="Rectangle 2"/>
+          <p:cNvSpPr>
+            <a:spLocks noChangeArrowheads="1"/>
+          </p:cNvSpPr>
+          <p:nvPr/>
+        </p:nvSpPr>
+        <p:spPr bwMode="auto">
+          <a:xfrm>
+            <a:off x="0" y="0"/>
+            <a:ext cx="9144000" cy="457200"/>
+          </a:xfrm>
+          <a:prstGeom prst="rect">
+            <a:avLst/>
+          </a:prstGeom>
+          <a:noFill/>
+          <a:ln w="9525">
+            <a:noFill/>
+            <a:miter lim="800000"/>
+            <a:headEnd/>
+            <a:tailEnd/>
+          </a:ln>
+          <a:effectLst/>
+        </p:spPr>
+        <p:txBody>
+          <a:bodyPr vert="horz" wrap="none" lIns="91440" tIns="45720" rIns="91440" bIns="45720" numCol="1" anchor="ctr" anchorCtr="0" compatLnSpc="1">
+            <a:prstTxWarp prst="textNoShape">
+              <a:avLst/>
+            </a:prstTxWarp>
+            <a:spAutoFit/>
+          </a:bodyPr>
+          <a:lstStyle/>
+          <a:p>
+            <a:endParaRPr lang="fr-FR" dirty="0"/>
+          </a:p>
+        </p:txBody>
+      </p:sp>
+      <p:sp>
+        <p:nvSpPr>
+          <p:cNvPr id="48131" name="Rectangle 3"/>
+          <p:cNvSpPr>
+            <a:spLocks noChangeArrowheads="1"/>
+          </p:cNvSpPr>
+          <p:nvPr/>
+        </p:nvSpPr>
+        <p:spPr bwMode="auto">
+          <a:xfrm>
+            <a:off x="0" y="828675"/>
+            <a:ext cx="9144000" cy="0"/>
+          </a:xfrm>
+          <a:prstGeom prst="rect">
+            <a:avLst/>
+          </a:prstGeom>
+          <a:noFill/>
+          <a:ln w="9525">
+            <a:noFill/>
+            <a:miter lim="800000"/>
+            <a:headEnd/>
+            <a:tailEnd/>
+          </a:ln>
+          <a:effectLst/>
+        </p:spPr>
+        <p:txBody>
+          <a:bodyPr vert="horz" wrap="none" lIns="91440" tIns="45720" rIns="91440" bIns="45720" numCol="1" anchor="ctr" anchorCtr="0" compatLnSpc="1">
+            <a:prstTxWarp prst="textNoShape">
+              <a:avLst/>
+            </a:prstTxWarp>
+            <a:spAutoFit/>
+          </a:bodyPr>
+          <a:lstStyle/>
+          <a:p>
+            <a:pPr marL="0" marR="0" lvl="0" indent="0" algn="l" defTabSz="914400" rtl="0" eaLnBrk="1" fontAlgn="base" latinLnBrk="0" hangingPunct="1">
+              <a:lnSpc>
+                <a:spcPct val="100000"/>
+              </a:lnSpc>
+              <a:spcBef>
+                <a:spcPct val="0"/>
+              </a:spcBef>
+              <a:spcAft>
+                <a:spcPct val="0"/>
+              </a:spcAft>
+              <a:buClrTx/>
+              <a:buSzTx/>
+              <a:buFontTx/>
+              <a:buNone/>
+              <a:tabLst/>
+            </a:pPr>
+            <a:endParaRPr kumimoji="0" lang="fr-FR" sz="1800" b="0" i="0" u="none" strike="noStrike" cap="none" normalizeH="0" baseline="0" dirty="0" smtClean="0">
+              <a:ln>
+                <a:noFill/>
+              </a:ln>
+              <a:solidFill>
+                <a:schemeClr val="tx1"/>
+              </a:solidFill>
+              <a:effectLst/>
+              <a:latin typeface="Arial" pitchFamily="34" charset="0"/>
+              <a:cs typeface="Arial" pitchFamily="34" charset="0"/>
+            </a:endParaRPr>
+          </a:p>
+        </p:txBody>
+      </p:sp>
+      <p:sp>
+        <p:nvSpPr>
+          <p:cNvPr id="16" name="TextBox 15"/>
+          <p:cNvSpPr txBox="1"/>
+          <p:nvPr/>
+        </p:nvSpPr>
+        <p:spPr>
+          <a:xfrm>
+            <a:off x="3707904" y="6309320"/>
+            <a:ext cx="1008112" cy="369332"/>
+          </a:xfrm>
+          <a:prstGeom prst="rect">
+            <a:avLst/>
+          </a:prstGeom>
+          <a:noFill/>
+        </p:spPr>
+        <p:txBody>
+          <a:bodyPr wrap="square" rtlCol="0">
+            <a:spAutoFit/>
+          </a:bodyPr>
+          <a:lstStyle/>
+          <a:p>
+            <a:r>
+              <a:rPr lang="fr-FR" dirty="0" smtClean="0"/>
+              <a:t>MAM4</a:t>
+            </a:r>
+            <a:endParaRPr lang="fr-FR" dirty="0"/>
+          </a:p>
+        </p:txBody>
+      </p:sp>
       <p:pic>
         <p:nvPicPr>
-          <p:cNvPr id="16386" name="Picture 2" descr="http://alumni.polytech.unice.fr/wp-content/uploads/2009/12/logoPolytechNice.png"/>
+          <p:cNvPr id="17" name="Picture 2" descr="G:\Capture du 2013-01-18 11_44_55.png"/>
           <p:cNvPicPr>
             <a:picLocks noChangeAspect="1" noChangeArrowheads="1"/>
           </p:cNvPicPr>
           <p:nvPr/>
         </p:nvPicPr>
         <p:blipFill>
-          <a:blip r:embed="rId2" cstate="print"/>
-          <a:srcRect/>
+          <a:blip r:embed="rId3" cstate="print"/>
+          <a:srcRect l="4326" t="13601" r="5113"/>
           <a:stretch>
             <a:fillRect/>
           </a:stretch>
         </p:blipFill>
         <p:spPr bwMode="auto">
           <a:xfrm>
-            <a:off x="5724128" y="6191249"/>
-            <a:ext cx="2114550" cy="666751"/>
+            <a:off x="2699792" y="2276872"/>
+            <a:ext cx="6306483" cy="3384376"/>
           </a:xfrm>
           <a:prstGeom prst="rect">
             <a:avLst/>
@@ -14750,36 +15582,6 @@
           <a:noFill/>
         </p:spPr>
       </p:pic>
-      <p:sp>
-        <p:nvSpPr>
-          <p:cNvPr id="7" name="TextBox 6"/>
-          <p:cNvSpPr txBox="1"/>
-          <p:nvPr/>
-        </p:nvSpPr>
-        <p:spPr>
-          <a:xfrm>
-            <a:off x="3707904" y="6309320"/>
-            <a:ext cx="1008112" cy="369332"/>
-          </a:xfrm>
-          <a:prstGeom prst="rect">
-            <a:avLst/>
-          </a:prstGeom>
-          <a:noFill/>
-        </p:spPr>
-        <p:txBody>
-          <a:bodyPr wrap="square" rtlCol="0">
-            <a:spAutoFit/>
-          </a:bodyPr>
-          <a:lstStyle/>
-          <a:p>
-            <a:r>
-              <a:rPr lang="fr-FR" dirty="0" smtClean="0"/>
-              <a:t>MAM4</a:t>
-            </a:r>
-            <a:endParaRPr lang="fr-FR" dirty="0"/>
-          </a:p>
-        </p:txBody>
-      </p:sp>
     </p:spTree>
   </p:cSld>
   <p:clrMapOvr>
@@ -14829,7 +15631,7 @@
           <a:p>
             <a:r>
               <a:rPr lang="fr-FR" dirty="0" smtClean="0"/>
-              <a:t>Sources</a:t>
+              <a:t>Conclusion</a:t>
             </a:r>
             <a:endParaRPr lang="fr-FR" dirty="0"/>
           </a:p>
@@ -14855,62 +15657,6 @@
           <a:bodyPr/>
           <a:lstStyle/>
           <a:p>
-            <a:r>
-              <a:rPr lang="fr-FR" dirty="0" smtClean="0"/>
-              <a:t>J</a:t>
-            </a:r>
-            <a:r>
-              <a:rPr lang="fr-FR" dirty="0" smtClean="0"/>
-              <a:t>. </a:t>
-            </a:r>
-            <a:r>
-              <a:rPr lang="fr-FR" dirty="0" smtClean="0"/>
-              <a:t>Leroux </a:t>
-            </a:r>
-            <a:r>
-              <a:rPr lang="fr-FR" sz="1800" dirty="0" smtClean="0"/>
-              <a:t>« </a:t>
-            </a:r>
-            <a:r>
-              <a:rPr lang="fr-FR" sz="1800" dirty="0" err="1" smtClean="0"/>
-              <a:t>Dynamic</a:t>
-            </a:r>
-            <a:r>
-              <a:rPr lang="fr-FR" sz="1800" dirty="0" smtClean="0"/>
-              <a:t> time </a:t>
-            </a:r>
-            <a:r>
-              <a:rPr lang="fr-FR" sz="1800" dirty="0" err="1" smtClean="0"/>
-              <a:t>warping</a:t>
-            </a:r>
-            <a:r>
-              <a:rPr lang="fr-FR" sz="1800" dirty="0" smtClean="0"/>
-              <a:t> », « HMI », TNS</a:t>
-            </a:r>
-            <a:endParaRPr lang="fr-FR" dirty="0" smtClean="0"/>
-          </a:p>
-          <a:p>
-            <a:r>
-              <a:rPr lang="fr-FR" dirty="0" err="1" smtClean="0"/>
-              <a:t>Wikipedia</a:t>
-            </a:r>
-            <a:endParaRPr lang="fr-FR" dirty="0" smtClean="0"/>
-          </a:p>
-          <a:p>
-            <a:r>
-              <a:rPr lang="fr-FR" dirty="0" smtClean="0"/>
-              <a:t>J. Mariani </a:t>
-            </a:r>
-            <a:r>
-              <a:rPr lang="fr-FR" sz="1800" dirty="0" smtClean="0"/>
-              <a:t>« Reconnaissance de la parole, progrès et tendances », 1990</a:t>
-            </a:r>
-          </a:p>
-          <a:p>
-            <a:r>
-              <a:rPr lang="fr-FR" dirty="0" smtClean="0"/>
-              <a:t>…</a:t>
-            </a:r>
             <a:endParaRPr lang="fr-FR" dirty="0"/>
           </a:p>
         </p:txBody>
@@ -14935,7 +15681,7 @@
               <a:pPr/>
               <a:t>23</a:t>
             </a:fld>
-            <a:endParaRPr lang="fr-FR"/>
+            <a:endParaRPr lang="fr-FR" dirty="0"/>
           </a:p>
         </p:txBody>
       </p:sp>
@@ -15071,7 +15817,7 @@
       </p:grpSpPr>
       <p:sp>
         <p:nvSpPr>
-          <p:cNvPr id="2" name="Title 1"/>
+          <p:cNvPr id="3" name="Title 2"/>
           <p:cNvSpPr>
             <a:spLocks noGrp="1"/>
           </p:cNvSpPr>
@@ -15084,18 +15830,17 @@
           <a:bodyPr/>
           <a:lstStyle/>
           <a:p>
-            <a:pPr algn="ctr"/>
-            <a:r>
-              <a:rPr lang="en-US" dirty="0" smtClean="0"/>
-              <a:t>Do you have any question?</a:t>
-            </a:r>
-            <a:endParaRPr lang="en-US" dirty="0"/>
-          </a:p>
-        </p:txBody>
-      </p:sp>
-      <p:sp>
-        <p:nvSpPr>
-          <p:cNvPr id="3" name="Content Placeholder 2"/>
+            <a:r>
+              <a:rPr lang="fr-FR" dirty="0" smtClean="0"/>
+              <a:t>Sources</a:t>
+            </a:r>
+            <a:endParaRPr lang="fr-FR" dirty="0"/>
+          </a:p>
+        </p:txBody>
+      </p:sp>
+      <p:sp>
+        <p:nvSpPr>
+          <p:cNvPr id="2" name="Content Placeholder 1"/>
           <p:cNvSpPr>
             <a:spLocks noGrp="1"/>
           </p:cNvSpPr>
@@ -15103,18 +15848,71 @@
             <p:ph idx="1"/>
           </p:nvPr>
         </p:nvSpPr>
-        <p:spPr/>
+        <p:spPr>
+          <a:xfrm>
+            <a:off x="457200" y="1935480"/>
+            <a:ext cx="8229600" cy="4013800"/>
+          </a:xfrm>
+        </p:spPr>
         <p:txBody>
           <a:bodyPr/>
           <a:lstStyle/>
           <a:p>
+            <a:r>
+              <a:rPr lang="fr-FR" dirty="0" smtClean="0"/>
+              <a:t>J. Leroux </a:t>
+            </a:r>
+            <a:r>
+              <a:rPr lang="fr-FR" sz="1800" dirty="0" smtClean="0"/>
+              <a:t>« </a:t>
+            </a:r>
+            <a:r>
+              <a:rPr lang="fr-FR" sz="1800" dirty="0" err="1" smtClean="0"/>
+              <a:t>Dynamic</a:t>
+            </a:r>
+            <a:r>
+              <a:rPr lang="fr-FR" sz="1800" dirty="0" smtClean="0"/>
+              <a:t> time </a:t>
+            </a:r>
+            <a:r>
+              <a:rPr lang="fr-FR" sz="1800" dirty="0" err="1" smtClean="0"/>
+              <a:t>warping</a:t>
+            </a:r>
+            <a:r>
+              <a:rPr lang="fr-FR" sz="1800" dirty="0" smtClean="0"/>
+              <a:t> », « HMI », TNS</a:t>
+            </a:r>
+            <a:endParaRPr lang="fr-FR" dirty="0" smtClean="0"/>
+          </a:p>
+          <a:p>
+            <a:r>
+              <a:rPr lang="fr-FR" dirty="0" err="1" smtClean="0"/>
+              <a:t>Wikipedia</a:t>
+            </a:r>
+            <a:endParaRPr lang="fr-FR" dirty="0" smtClean="0"/>
+          </a:p>
+          <a:p>
+            <a:r>
+              <a:rPr lang="fr-FR" dirty="0" smtClean="0"/>
+              <a:t>J. Mariani </a:t>
+            </a:r>
+            <a:r>
+              <a:rPr lang="fr-FR" sz="1800" dirty="0" smtClean="0"/>
+              <a:t>« Reconnaissance de la parole, progrès et tendances », 1990</a:t>
+            </a:r>
+          </a:p>
+          <a:p>
+            <a:r>
+              <a:rPr lang="fr-FR" dirty="0" smtClean="0"/>
+              <a:t>…</a:t>
+            </a:r>
             <a:endParaRPr lang="fr-FR" dirty="0"/>
           </a:p>
         </p:txBody>
       </p:sp>
       <p:sp>
         <p:nvSpPr>
-          <p:cNvPr id="4" name="Slide Number Placeholder 3"/>
+          <p:cNvPr id="5" name="Slide Number Placeholder 4"/>
           <p:cNvSpPr>
             <a:spLocks noGrp="1"/>
           </p:cNvSpPr>
@@ -15136,9 +15934,51 @@
           </a:p>
         </p:txBody>
       </p:sp>
+      <p:sp>
+        <p:nvSpPr>
+          <p:cNvPr id="6" name="TextBox 5"/>
+          <p:cNvSpPr txBox="1"/>
+          <p:nvPr/>
+        </p:nvSpPr>
+        <p:spPr>
+          <a:xfrm>
+            <a:off x="179512" y="5934670"/>
+            <a:ext cx="2736304" cy="923330"/>
+          </a:xfrm>
+          <a:prstGeom prst="rect">
+            <a:avLst/>
+          </a:prstGeom>
+          <a:noFill/>
+        </p:spPr>
+        <p:txBody>
+          <a:bodyPr wrap="square" rtlCol="0">
+            <a:spAutoFit/>
+          </a:bodyPr>
+          <a:lstStyle/>
+          <a:p>
+            <a:r>
+              <a:rPr lang="fr-FR" dirty="0" smtClean="0"/>
+              <a:t>Guénon Marie</a:t>
+            </a:r>
+          </a:p>
+          <a:p>
+            <a:r>
+              <a:rPr lang="fr-FR" dirty="0" smtClean="0"/>
+              <a:t>Achard Jean-Paul</a:t>
+            </a:r>
+          </a:p>
+          <a:p>
+            <a:r>
+              <a:rPr lang="fr-FR" dirty="0" smtClean="0"/>
+              <a:t>Favreau Jean-Dominique</a:t>
+            </a:r>
+            <a:endParaRPr lang="fr-FR" dirty="0"/>
+          </a:p>
+        </p:txBody>
+      </p:sp>
       <p:pic>
         <p:nvPicPr>
-          <p:cNvPr id="5" name="Picture 2" descr="http://jaiunproblemeavecmonpc.files.wordpress.com/2012/06/pc-question.jpg"/>
+          <p:cNvPr id="16386" name="Picture 2" descr="http://alumni.polytech.unice.fr/wp-content/uploads/2009/12/logoPolytechNice.png"/>
           <p:cNvPicPr>
             <a:picLocks noChangeAspect="1" noChangeArrowheads="1"/>
           </p:cNvPicPr>
@@ -15153,74 +15993,6 @@
         </p:blipFill>
         <p:spPr bwMode="auto">
           <a:xfrm>
-            <a:off x="2123728" y="1916832"/>
-            <a:ext cx="4941168" cy="4941168"/>
-          </a:xfrm>
-          <a:prstGeom prst="rect">
-            <a:avLst/>
-          </a:prstGeom>
-          <a:noFill/>
-        </p:spPr>
-      </p:pic>
-      <p:sp>
-        <p:nvSpPr>
-          <p:cNvPr id="7" name="TextBox 6"/>
-          <p:cNvSpPr txBox="1"/>
-          <p:nvPr/>
-        </p:nvSpPr>
-        <p:spPr>
-          <a:xfrm>
-            <a:off x="179512" y="5934670"/>
-            <a:ext cx="2736304" cy="923330"/>
-          </a:xfrm>
-          <a:prstGeom prst="rect">
-            <a:avLst/>
-          </a:prstGeom>
-          <a:noFill/>
-        </p:spPr>
-        <p:txBody>
-          <a:bodyPr wrap="square" rtlCol="0">
-            <a:spAutoFit/>
-          </a:bodyPr>
-          <a:lstStyle/>
-          <a:p>
-            <a:r>
-              <a:rPr lang="fr-FR" dirty="0" smtClean="0"/>
-              <a:t>Guénon Marie</a:t>
-            </a:r>
-          </a:p>
-          <a:p>
-            <a:r>
-              <a:rPr lang="fr-FR" dirty="0" smtClean="0"/>
-              <a:t>Achard Jean-Paul</a:t>
-            </a:r>
-          </a:p>
-          <a:p>
-            <a:r>
-              <a:rPr lang="fr-FR" dirty="0" smtClean="0"/>
-              <a:t>Favreau Jean-Dominique</a:t>
-            </a:r>
-            <a:endParaRPr lang="fr-FR" dirty="0"/>
-          </a:p>
-        </p:txBody>
-      </p:sp>
-      <p:pic>
-        <p:nvPicPr>
-          <p:cNvPr id="8" name="Picture 2" descr="http://alumni.polytech.unice.fr/wp-content/uploads/2009/12/logoPolytechNice.png"/>
-          <p:cNvPicPr>
-            <a:picLocks noChangeAspect="1" noChangeArrowheads="1"/>
-          </p:cNvPicPr>
-          <p:nvPr/>
-        </p:nvPicPr>
-        <p:blipFill>
-          <a:blip r:embed="rId3" cstate="print"/>
-          <a:srcRect/>
-          <a:stretch>
-            <a:fillRect/>
-          </a:stretch>
-        </p:blipFill>
-        <p:spPr bwMode="auto">
-          <a:xfrm>
             <a:off x="5724128" y="6191249"/>
             <a:ext cx="2114550" cy="666751"/>
           </a:xfrm>
@@ -15232,7 +16004,7 @@
       </p:pic>
       <p:sp>
         <p:nvSpPr>
-          <p:cNvPr id="9" name="TextBox 8"/>
+          <p:cNvPr id="7" name="TextBox 6"/>
           <p:cNvSpPr txBox="1"/>
           <p:nvPr/>
         </p:nvSpPr>
@@ -15390,6 +16162,229 @@
 </p:sld>
 </file>
 
+<file path=ppt/slides/slide26.xml><?xml version="1.0" encoding="utf-8"?>
+<p:sld xmlns:a="http://schemas.openxmlformats.org/drawingml/2006/main" xmlns:r="http://schemas.openxmlformats.org/officeDocument/2006/relationships" xmlns:p="http://schemas.openxmlformats.org/presentationml/2006/main">
+  <p:cSld>
+    <p:spTree>
+      <p:nvGrpSpPr>
+        <p:cNvPr id="1" name=""/>
+        <p:cNvGrpSpPr/>
+        <p:nvPr/>
+      </p:nvGrpSpPr>
+      <p:grpSpPr>
+        <a:xfrm>
+          <a:off x="0" y="0"/>
+          <a:ext cx="0" cy="0"/>
+          <a:chOff x="0" y="0"/>
+          <a:chExt cx="0" cy="0"/>
+        </a:xfrm>
+      </p:grpSpPr>
+      <p:sp>
+        <p:nvSpPr>
+          <p:cNvPr id="2" name="Title 1"/>
+          <p:cNvSpPr>
+            <a:spLocks noGrp="1"/>
+          </p:cNvSpPr>
+          <p:nvPr>
+            <p:ph type="title"/>
+          </p:nvPr>
+        </p:nvSpPr>
+        <p:spPr/>
+        <p:txBody>
+          <a:bodyPr/>
+          <a:lstStyle/>
+          <a:p>
+            <a:pPr algn="ctr"/>
+            <a:r>
+              <a:rPr lang="en-US" dirty="0" smtClean="0"/>
+              <a:t>Do you have any question?</a:t>
+            </a:r>
+            <a:endParaRPr lang="en-US" dirty="0"/>
+          </a:p>
+        </p:txBody>
+      </p:sp>
+      <p:sp>
+        <p:nvSpPr>
+          <p:cNvPr id="3" name="Content Placeholder 2"/>
+          <p:cNvSpPr>
+            <a:spLocks noGrp="1"/>
+          </p:cNvSpPr>
+          <p:nvPr>
+            <p:ph idx="1"/>
+          </p:nvPr>
+        </p:nvSpPr>
+        <p:spPr/>
+        <p:txBody>
+          <a:bodyPr/>
+          <a:lstStyle/>
+          <a:p>
+            <a:endParaRPr lang="fr-FR" dirty="0"/>
+          </a:p>
+        </p:txBody>
+      </p:sp>
+      <p:sp>
+        <p:nvSpPr>
+          <p:cNvPr id="4" name="Slide Number Placeholder 3"/>
+          <p:cNvSpPr>
+            <a:spLocks noGrp="1"/>
+          </p:cNvSpPr>
+          <p:nvPr>
+            <p:ph type="sldNum" sz="quarter" idx="12"/>
+          </p:nvPr>
+        </p:nvSpPr>
+        <p:spPr/>
+        <p:txBody>
+          <a:bodyPr/>
+          <a:lstStyle/>
+          <a:p>
+            <a:fld id="{2DF02132-0EFC-4140-B7E5-E20918FBBD76}" type="slidenum">
+              <a:rPr lang="fr-FR" smtClean="0"/>
+              <a:pPr/>
+              <a:t>26</a:t>
+            </a:fld>
+            <a:endParaRPr lang="fr-FR"/>
+          </a:p>
+        </p:txBody>
+      </p:sp>
+      <p:pic>
+        <p:nvPicPr>
+          <p:cNvPr id="5" name="Picture 2" descr="http://jaiunproblemeavecmonpc.files.wordpress.com/2012/06/pc-question.jpg"/>
+          <p:cNvPicPr>
+            <a:picLocks noChangeAspect="1" noChangeArrowheads="1"/>
+          </p:cNvPicPr>
+          <p:nvPr/>
+        </p:nvPicPr>
+        <p:blipFill>
+          <a:blip r:embed="rId2" cstate="print"/>
+          <a:srcRect/>
+          <a:stretch>
+            <a:fillRect/>
+          </a:stretch>
+        </p:blipFill>
+        <p:spPr bwMode="auto">
+          <a:xfrm>
+            <a:off x="2123728" y="1916832"/>
+            <a:ext cx="4941168" cy="4941168"/>
+          </a:xfrm>
+          <a:prstGeom prst="rect">
+            <a:avLst/>
+          </a:prstGeom>
+          <a:noFill/>
+        </p:spPr>
+      </p:pic>
+      <p:sp>
+        <p:nvSpPr>
+          <p:cNvPr id="7" name="TextBox 6"/>
+          <p:cNvSpPr txBox="1"/>
+          <p:nvPr/>
+        </p:nvSpPr>
+        <p:spPr>
+          <a:xfrm>
+            <a:off x="179512" y="5934670"/>
+            <a:ext cx="2736304" cy="923330"/>
+          </a:xfrm>
+          <a:prstGeom prst="rect">
+            <a:avLst/>
+          </a:prstGeom>
+          <a:noFill/>
+        </p:spPr>
+        <p:txBody>
+          <a:bodyPr wrap="square" rtlCol="0">
+            <a:spAutoFit/>
+          </a:bodyPr>
+          <a:lstStyle/>
+          <a:p>
+            <a:r>
+              <a:rPr lang="fr-FR" dirty="0" smtClean="0"/>
+              <a:t>Guénon Marie</a:t>
+            </a:r>
+          </a:p>
+          <a:p>
+            <a:r>
+              <a:rPr lang="fr-FR" dirty="0" smtClean="0"/>
+              <a:t>Achard Jean-Paul</a:t>
+            </a:r>
+          </a:p>
+          <a:p>
+            <a:r>
+              <a:rPr lang="fr-FR" dirty="0" smtClean="0"/>
+              <a:t>Favreau Jean-Dominique</a:t>
+            </a:r>
+            <a:endParaRPr lang="fr-FR" dirty="0"/>
+          </a:p>
+        </p:txBody>
+      </p:sp>
+      <p:pic>
+        <p:nvPicPr>
+          <p:cNvPr id="8" name="Picture 2" descr="http://alumni.polytech.unice.fr/wp-content/uploads/2009/12/logoPolytechNice.png"/>
+          <p:cNvPicPr>
+            <a:picLocks noChangeAspect="1" noChangeArrowheads="1"/>
+          </p:cNvPicPr>
+          <p:nvPr/>
+        </p:nvPicPr>
+        <p:blipFill>
+          <a:blip r:embed="rId3" cstate="print"/>
+          <a:srcRect/>
+          <a:stretch>
+            <a:fillRect/>
+          </a:stretch>
+        </p:blipFill>
+        <p:spPr bwMode="auto">
+          <a:xfrm>
+            <a:off x="5724128" y="6191249"/>
+            <a:ext cx="2114550" cy="666751"/>
+          </a:xfrm>
+          <a:prstGeom prst="rect">
+            <a:avLst/>
+          </a:prstGeom>
+          <a:noFill/>
+        </p:spPr>
+      </p:pic>
+      <p:sp>
+        <p:nvSpPr>
+          <p:cNvPr id="9" name="TextBox 8"/>
+          <p:cNvSpPr txBox="1"/>
+          <p:nvPr/>
+        </p:nvSpPr>
+        <p:spPr>
+          <a:xfrm>
+            <a:off x="3707904" y="6309320"/>
+            <a:ext cx="1008112" cy="369332"/>
+          </a:xfrm>
+          <a:prstGeom prst="rect">
+            <a:avLst/>
+          </a:prstGeom>
+          <a:noFill/>
+        </p:spPr>
+        <p:txBody>
+          <a:bodyPr wrap="square" rtlCol="0">
+            <a:spAutoFit/>
+          </a:bodyPr>
+          <a:lstStyle/>
+          <a:p>
+            <a:r>
+              <a:rPr lang="fr-FR" dirty="0" smtClean="0"/>
+              <a:t>MAM4</a:t>
+            </a:r>
+            <a:endParaRPr lang="fr-FR" dirty="0"/>
+          </a:p>
+        </p:txBody>
+      </p:sp>
+    </p:spTree>
+  </p:cSld>
+  <p:clrMapOvr>
+    <a:masterClrMapping/>
+  </p:clrMapOvr>
+  <p:timing>
+    <p:tnLst>
+      <p:par>
+        <p:cTn id="1" dur="indefinite" restart="never" nodeType="tmRoot"/>
+      </p:par>
+    </p:tnLst>
+  </p:timing>
+</p:sld>
+</file>
+
 <file path=ppt/slides/slide3.xml><?xml version="1.0" encoding="utf-8"?>
 <p:sld xmlns:a="http://schemas.openxmlformats.org/drawingml/2006/main" xmlns:r="http://schemas.openxmlformats.org/officeDocument/2006/relationships" xmlns:p="http://schemas.openxmlformats.org/presentationml/2006/main">
   <p:cSld>
@@ -15548,11 +16543,7 @@
             </a:pPr>
             <a:r>
               <a:rPr lang="en-US" dirty="0" smtClean="0"/>
-              <a:t>Human Machine </a:t>
-            </a:r>
-            <a:r>
-              <a:rPr lang="en-US" dirty="0" smtClean="0"/>
-              <a:t>Interface</a:t>
+              <a:t>Human Machine Interface</a:t>
             </a:r>
           </a:p>
           <a:p>
@@ -16758,7 +17749,7 @@
           <p:nvPr/>
         </p:nvPicPr>
         <p:blipFill>
-          <a:blip r:embed="rId2" cstate="print"/>
+          <a:blip r:embed="rId3" cstate="print"/>
           <a:srcRect/>
           <a:stretch>
             <a:fillRect/>
@@ -16829,7 +17820,7 @@
           <p:nvPr/>
         </p:nvPicPr>
         <p:blipFill>
-          <a:blip r:embed="rId3" cstate="print">
+          <a:blip r:embed="rId4" cstate="print">
             <a:clrChange>
               <a:clrFrom>
                 <a:srgbClr val="FFFFFF"/>
@@ -16968,7 +17959,7 @@
           <p:nvPr/>
         </p:nvPicPr>
         <p:blipFill>
-          <a:blip r:embed="rId4" cstate="print">
+          <a:blip r:embed="rId5" cstate="print">
             <a:clrChange>
               <a:clrFrom>
                 <a:srgbClr val="FFFFFF"/>

--- a/annexes/Word_recognition.pptx
+++ b/annexes/Word_recognition.pptx
@@ -5,7 +5,7 @@
     <p:sldMasterId id="2147483684" r:id="rId1"/>
   </p:sldMasterIdLst>
   <p:notesMasterIdLst>
-    <p:notesMasterId r:id="rId28"/>
+    <p:notesMasterId r:id="rId32"/>
   </p:notesMasterIdLst>
   <p:sldIdLst>
     <p:sldId id="256" r:id="rId2"/>
@@ -28,12 +28,16 @@
     <p:sldId id="272" r:id="rId19"/>
     <p:sldId id="278" r:id="rId20"/>
     <p:sldId id="279" r:id="rId21"/>
-    <p:sldId id="280" r:id="rId22"/>
-    <p:sldId id="281" r:id="rId23"/>
-    <p:sldId id="260" r:id="rId24"/>
-    <p:sldId id="277" r:id="rId25"/>
-    <p:sldId id="276" r:id="rId26"/>
-    <p:sldId id="274" r:id="rId27"/>
+    <p:sldId id="282" r:id="rId22"/>
+    <p:sldId id="283" r:id="rId23"/>
+    <p:sldId id="284" r:id="rId24"/>
+    <p:sldId id="281" r:id="rId25"/>
+    <p:sldId id="280" r:id="rId26"/>
+    <p:sldId id="285" r:id="rId27"/>
+    <p:sldId id="260" r:id="rId28"/>
+    <p:sldId id="277" r:id="rId29"/>
+    <p:sldId id="276" r:id="rId30"/>
+    <p:sldId id="274" r:id="rId31"/>
   </p:sldIdLst>
   <p:sldSz cx="9144000" cy="6858000" type="screen4x3"/>
   <p:notesSz cx="6858000" cy="9144000"/>
@@ -183,13 +187,13 @@
                 <c:formatCode>General</c:formatCode>
                 <c:ptCount val="19"/>
                 <c:pt idx="0">
-                  <c:v>275.63444261342931</c:v>
+                  <c:v>275.63444261342937</c:v>
                 </c:pt>
                 <c:pt idx="1">
                   <c:v>506.95998871988297</c:v>
                 </c:pt>
                 <c:pt idx="2">
-                  <c:v>706.2687969432917</c:v>
+                  <c:v>706.26879694329182</c:v>
                 </c:pt>
                 <c:pt idx="3">
                   <c:v>881.35550350138089</c:v>
@@ -198,10 +202,10 @@
                   <c:v>1037.474705418663</c:v>
                 </c:pt>
                 <c:pt idx="5">
-                  <c:v>1178.3372412585081</c:v>
+                  <c:v>1178.3372412585077</c:v>
                 </c:pt>
                 <c:pt idx="6">
-                  <c:v>1306.6613382340436</c:v>
+                  <c:v>1306.6613382340431</c:v>
                 </c:pt>
                 <c:pt idx="7">
                   <c:v>1424.4978285279099</c:v>
@@ -213,7 +217,7 @@
                   <c:v>1634.7155359182561</c:v>
                 </c:pt>
                 <c:pt idx="10">
-                  <c:v>1729.3524100563232</c:v>
+                  <c:v>1729.3524100563227</c:v>
                 </c:pt>
                 <c:pt idx="11">
                   <c:v>1818.1616770141868</c:v>
@@ -225,10 +229,10 @@
                   <c:v>1980.8911770522955</c:v>
                 </c:pt>
                 <c:pt idx="14">
-                  <c:v>2055.8532347335308</c:v>
+                  <c:v>2055.8532347335317</c:v>
                 </c:pt>
                 <c:pt idx="15">
-                  <c:v>2127.1119179033531</c:v>
+                  <c:v>2127.111917903354</c:v>
                 </c:pt>
                 <c:pt idx="16">
                   <c:v>2195.0159824051429</c:v>
@@ -255,7 +259,7 @@
                   <c:v>421.05263157894734</c:v>
                 </c:pt>
                 <c:pt idx="2">
-                  <c:v>631.57894736842343</c:v>
+                  <c:v>631.57894736842354</c:v>
                 </c:pt>
                 <c:pt idx="3">
                   <c:v>842.10526315789468</c:v>
@@ -267,7 +271,7 @@
                   <c:v>1263.1578947368398</c:v>
                 </c:pt>
                 <c:pt idx="6">
-                  <c:v>1473.6842105263074</c:v>
+                  <c:v>1473.684210526307</c:v>
                 </c:pt>
                 <c:pt idx="7">
                   <c:v>1684.21052631579</c:v>
@@ -288,13 +292,13 @@
                   <c:v>2736.8421052631579</c:v>
                 </c:pt>
                 <c:pt idx="13">
-                  <c:v>2947.3684210526226</c:v>
+                  <c:v>2947.3684210526217</c:v>
                 </c:pt>
                 <c:pt idx="14">
-                  <c:v>3157.8947368421204</c:v>
+                  <c:v>3157.8947368421213</c:v>
                 </c:pt>
                 <c:pt idx="15">
-                  <c:v>3368.421052631596</c:v>
+                  <c:v>3368.4210526315969</c:v>
                 </c:pt>
                 <c:pt idx="16">
                   <c:v>3578.9473684210507</c:v>
@@ -338,13 +342,13 @@
                 <c:formatCode>General</c:formatCode>
                 <c:ptCount val="4"/>
                 <c:pt idx="0">
-                  <c:v>275.63444261342931</c:v>
+                  <c:v>275.63444261342937</c:v>
                 </c:pt>
                 <c:pt idx="1">
                   <c:v>506.95998871988297</c:v>
                 </c:pt>
                 <c:pt idx="2">
-                  <c:v>706.2687969432917</c:v>
+                  <c:v>706.26879694329182</c:v>
                 </c:pt>
                 <c:pt idx="3">
                   <c:v>881.35550350138089</c:v>
@@ -365,7 +369,7 @@
                   <c:v>421.05263157894734</c:v>
                 </c:pt>
                 <c:pt idx="2">
-                  <c:v>631.57894736842343</c:v>
+                  <c:v>631.57894736842354</c:v>
                 </c:pt>
                 <c:pt idx="3">
                   <c:v>842.10526315789468</c:v>
@@ -377,7 +381,7 @@
                   <c:v>1263.1578947368398</c:v>
                 </c:pt>
                 <c:pt idx="6">
-                  <c:v>1473.6842105263074</c:v>
+                  <c:v>1473.684210526307</c:v>
                 </c:pt>
                 <c:pt idx="7">
                   <c:v>1684.21052631579</c:v>
@@ -398,13 +402,13 @@
                   <c:v>2736.8421052631579</c:v>
                 </c:pt>
                 <c:pt idx="13">
-                  <c:v>2947.3684210526226</c:v>
+                  <c:v>2947.3684210526217</c:v>
                 </c:pt>
                 <c:pt idx="14">
-                  <c:v>3157.8947368421204</c:v>
+                  <c:v>3157.8947368421213</c:v>
                 </c:pt>
                 <c:pt idx="15">
-                  <c:v>3368.421052631596</c:v>
+                  <c:v>3368.4210526315969</c:v>
                 </c:pt>
                 <c:pt idx="16">
                   <c:v>3578.9473684210507</c:v>
@@ -420,11 +424,11 @@
           </c:yVal>
           <c:smooth val="1"/>
         </c:ser>
-        <c:axId val="79885824"/>
-        <c:axId val="79887744"/>
+        <c:axId val="73860608"/>
+        <c:axId val="73862528"/>
       </c:scatterChart>
       <c:valAx>
-        <c:axId val="79885824"/>
+        <c:axId val="73860608"/>
         <c:scaling>
           <c:orientation val="minMax"/>
         </c:scaling>
@@ -466,12 +470,12 @@
         </c:title>
         <c:numFmt formatCode="General" sourceLinked="1"/>
         <c:tickLblPos val="nextTo"/>
-        <c:crossAx val="79887744"/>
+        <c:crossAx val="73862528"/>
         <c:crosses val="autoZero"/>
         <c:crossBetween val="midCat"/>
       </c:valAx>
       <c:valAx>
-        <c:axId val="79887744"/>
+        <c:axId val="73862528"/>
         <c:scaling>
           <c:orientation val="minMax"/>
         </c:scaling>
@@ -497,7 +501,7 @@
         </c:title>
         <c:numFmt formatCode="General" sourceLinked="1"/>
         <c:tickLblPos val="nextTo"/>
-        <c:crossAx val="79885824"/>
+        <c:crossAx val="73860608"/>
         <c:crosses val="autoZero"/>
         <c:crossBetween val="midCat"/>
       </c:valAx>
@@ -591,7 +595,7 @@
             <a:fld id="{0858D340-178C-4486-9D28-94A06075759D}" type="datetimeFigureOut">
               <a:rPr lang="fr-FR" smtClean="0"/>
               <a:pPr/>
-              <a:t>21/01/2013</a:t>
+              <a:t>22/01/2013</a:t>
             </a:fld>
             <a:endParaRPr lang="fr-FR"/>
           </a:p>
@@ -1162,18 +1166,7 @@
                 <a:ea typeface="+mn-ea"/>
                 <a:cs typeface="+mn-cs"/>
               </a:rPr>
-              <a:t>In </a:t>
-            </a:r>
-            <a:r>
-              <a:rPr lang="en-US" sz="1200" kern="1200" dirty="0" smtClean="0">
-                <a:solidFill>
-                  <a:schemeClr val="tx1"/>
-                </a:solidFill>
-                <a:latin typeface="+mn-lt"/>
-                <a:ea typeface="+mn-ea"/>
-                <a:cs typeface="+mn-cs"/>
-              </a:rPr>
-              <a:t>our case, we have a small vocabulary (about twenty words) based on a single-speaker (considering that during a phase of recording a single person has to speak). That’s why it is not necessary here to use a neural network that is heavier to implement (on a computational point) and it suffices to change the comparison database for each new user.</a:t>
+              <a:t>In our case, we have a small vocabulary (about twenty words) based on a single-speaker (considering that during a phase of recording a single person has to speak). That’s why it is not necessary here to use a neural network that is heavier to implement (on a computational point) and it suffices to change the comparison database for each new user.</a:t>
             </a:r>
             <a:endParaRPr lang="fr-FR" sz="1200" kern="1200" dirty="0" smtClean="0">
               <a:solidFill>
@@ -2133,7 +2126,7 @@
             <a:fld id="{69769F4E-9586-492C-B8A6-A22159A02A15}" type="slidenum">
               <a:rPr lang="fr-FR" smtClean="0"/>
               <a:pPr/>
-              <a:t>22</a:t>
+              <a:t>24</a:t>
             </a:fld>
             <a:endParaRPr lang="fr-FR"/>
           </a:p>
@@ -2316,7 +2309,7 @@
             <a:fld id="{4BEE22D1-9E3B-4EEC-9E1E-AB0B34D40883}" type="datetime1">
               <a:rPr lang="fr-FR" smtClean="0"/>
               <a:pPr/>
-              <a:t>21/01/2013</a:t>
+              <a:t>22/01/2013</a:t>
             </a:fld>
             <a:endParaRPr lang="fr-FR"/>
           </a:p>
@@ -2487,7 +2480,7 @@
             <a:fld id="{0BC67C51-3D9A-48F3-B15E-73633CA06EB2}" type="datetime1">
               <a:rPr lang="fr-FR" smtClean="0"/>
               <a:pPr/>
-              <a:t>21/01/2013</a:t>
+              <a:t>22/01/2013</a:t>
             </a:fld>
             <a:endParaRPr lang="fr-FR"/>
           </a:p>
@@ -2668,7 +2661,7 @@
             <a:fld id="{90655434-AD1B-487B-BA7D-93325835C149}" type="datetime1">
               <a:rPr lang="fr-FR" smtClean="0"/>
               <a:pPr/>
-              <a:t>21/01/2013</a:t>
+              <a:t>22/01/2013</a:t>
             </a:fld>
             <a:endParaRPr lang="fr-FR"/>
           </a:p>
@@ -2839,7 +2832,7 @@
             <a:fld id="{9E1653A4-DF21-48A8-BD96-675A6C7A2DE4}" type="datetime1">
               <a:rPr lang="fr-FR" smtClean="0"/>
               <a:pPr/>
-              <a:t>21/01/2013</a:t>
+              <a:t>22/01/2013</a:t>
             </a:fld>
             <a:endParaRPr lang="fr-FR"/>
           </a:p>
@@ -3082,7 +3075,7 @@
             <a:fld id="{FD495858-B3DA-4EBD-AD7C-5368780FE0A3}" type="datetime1">
               <a:rPr lang="fr-FR" smtClean="0"/>
               <a:pPr/>
-              <a:t>21/01/2013</a:t>
+              <a:t>22/01/2013</a:t>
             </a:fld>
             <a:endParaRPr lang="fr-FR"/>
           </a:p>
@@ -3740,7 +3733,7 @@
             <a:fld id="{19BF99BF-E0DF-47C8-BE3B-4CEE879D88AB}" type="datetime1">
               <a:rPr lang="fr-FR" smtClean="0"/>
               <a:pPr/>
-              <a:t>21/01/2013</a:t>
+              <a:t>22/01/2013</a:t>
             </a:fld>
             <a:endParaRPr lang="fr-FR"/>
           </a:p>
@@ -3896,7 +3889,7 @@
             <a:fld id="{FD4C236D-F663-4935-B0AE-BA737B5531D3}" type="datetime1">
               <a:rPr lang="fr-FR" smtClean="0"/>
               <a:pPr/>
-              <a:t>21/01/2013</a:t>
+              <a:t>22/01/2013</a:t>
             </a:fld>
             <a:endParaRPr lang="fr-FR"/>
           </a:p>
@@ -3992,7 +3985,7 @@
             <a:fld id="{3B334D03-397E-468A-948A-EEA84CF3E107}" type="datetime1">
               <a:rPr lang="fr-FR" smtClean="0"/>
               <a:pPr/>
-              <a:t>21/01/2013</a:t>
+              <a:t>22/01/2013</a:t>
             </a:fld>
             <a:endParaRPr lang="fr-FR"/>
           </a:p>
@@ -4259,7 +4252,7 @@
             <a:fld id="{31DDC124-969E-453A-9CD4-243B0F968873}" type="datetime1">
               <a:rPr lang="fr-FR" smtClean="0"/>
               <a:pPr/>
-              <a:t>21/01/2013</a:t>
+              <a:t>22/01/2013</a:t>
             </a:fld>
             <a:endParaRPr lang="fr-FR"/>
           </a:p>
@@ -4553,7 +4546,7 @@
             <a:fld id="{AD69F38F-900F-4A84-B92B-56F430E125F5}" type="datetime1">
               <a:rPr lang="fr-FR" smtClean="0"/>
               <a:pPr/>
-              <a:t>21/01/2013</a:t>
+              <a:t>22/01/2013</a:t>
             </a:fld>
             <a:endParaRPr lang="fr-FR"/>
           </a:p>
@@ -5330,7 +5323,7 @@
             <a:fld id="{354388CE-C0E2-4112-9B20-DB6580EA0AA4}" type="datetime1">
               <a:rPr lang="fr-FR" smtClean="0"/>
               <a:pPr/>
-              <a:t>21/01/2013</a:t>
+              <a:t>22/01/2013</a:t>
             </a:fld>
             <a:endParaRPr lang="fr-FR"/>
           </a:p>
@@ -12681,6 +12674,32 @@
           <a:chExt cx="0" cy="0"/>
         </a:xfrm>
       </p:grpSpPr>
+      <p:pic>
+        <p:nvPicPr>
+          <p:cNvPr id="1028" name="Picture 4" descr="G:\ihm\Capture2.PNG"/>
+          <p:cNvPicPr>
+            <a:picLocks noChangeAspect="1" noChangeArrowheads="1"/>
+          </p:cNvPicPr>
+          <p:nvPr/>
+        </p:nvPicPr>
+        <p:blipFill>
+          <a:blip r:embed="rId3" cstate="print"/>
+          <a:srcRect/>
+          <a:stretch>
+            <a:fillRect/>
+          </a:stretch>
+        </p:blipFill>
+        <p:spPr bwMode="auto">
+          <a:xfrm>
+            <a:off x="2915816" y="1772816"/>
+            <a:ext cx="4176464" cy="2476310"/>
+          </a:xfrm>
+          <a:prstGeom prst="rect">
+            <a:avLst/>
+          </a:prstGeom>
+          <a:noFill/>
+        </p:spPr>
+      </p:pic>
       <p:sp>
         <p:nvSpPr>
           <p:cNvPr id="13" name="Title 12"/>
@@ -12798,6 +12817,15 @@
           <a:bodyPr/>
           <a:lstStyle/>
           <a:p>
+            <a:pPr>
+              <a:buNone/>
+            </a:pPr>
+            <a:endParaRPr lang="en-US" dirty="0" smtClean="0"/>
+          </a:p>
+          <a:p>
+            <a:pPr>
+              <a:buNone/>
+            </a:pPr>
             <a:endParaRPr lang="en-US" dirty="0" smtClean="0"/>
           </a:p>
         </p:txBody>
@@ -13308,49 +13336,23 @@
       </p:sp>
       <p:pic>
         <p:nvPicPr>
-          <p:cNvPr id="3074" name="Picture 2" descr="G:\Capture du 2013-01-18 11_44_55.png"/>
+          <p:cNvPr id="1026" name="Picture 2" descr="G:\ihm\4.png"/>
           <p:cNvPicPr>
             <a:picLocks noChangeAspect="1" noChangeArrowheads="1"/>
           </p:cNvPicPr>
           <p:nvPr/>
         </p:nvPicPr>
         <p:blipFill>
-          <a:blip r:embed="rId3" cstate="print"/>
-          <a:srcRect l="4326" t="13601" r="5113"/>
+          <a:blip r:embed="rId4" cstate="print"/>
+          <a:srcRect l="28409" t="27019" r="24341" b="25942"/>
           <a:stretch>
             <a:fillRect/>
           </a:stretch>
         </p:blipFill>
         <p:spPr bwMode="auto">
           <a:xfrm>
-            <a:off x="2699792" y="1916832"/>
-            <a:ext cx="4320480" cy="2318587"/>
-          </a:xfrm>
-          <a:prstGeom prst="rect">
-            <a:avLst/>
-          </a:prstGeom>
-          <a:noFill/>
-        </p:spPr>
-      </p:pic>
-      <p:pic>
-        <p:nvPicPr>
-          <p:cNvPr id="3075" name="Picture 3" descr="G:\Capture du 2013-01-18 11_43_58.png"/>
-          <p:cNvPicPr>
-            <a:picLocks noChangeAspect="1" noChangeArrowheads="1"/>
-          </p:cNvPicPr>
-          <p:nvPr/>
-        </p:nvPicPr>
-        <p:blipFill>
-          <a:blip r:embed="rId4" cstate="print"/>
-          <a:srcRect l="4117" t="13601" r="5901"/>
-          <a:stretch>
-            <a:fillRect/>
-          </a:stretch>
-        </p:blipFill>
-        <p:spPr bwMode="auto">
-          <a:xfrm>
-            <a:off x="4856496" y="3933056"/>
-            <a:ext cx="4035984" cy="2179849"/>
+            <a:off x="4499992" y="3670946"/>
+            <a:ext cx="4320480" cy="2419469"/>
           </a:xfrm>
           <a:prstGeom prst="rect">
             <a:avLst/>
@@ -14218,7 +14220,7 @@
       </p:sp>
       <p:pic>
         <p:nvPicPr>
-          <p:cNvPr id="17" name="Picture 3" descr="G:\Capture du 2013-01-18 11_43_58.png"/>
+          <p:cNvPr id="18" name="Picture 2" descr="G:\ihm\4.png"/>
           <p:cNvPicPr>
             <a:picLocks noChangeAspect="1" noChangeArrowheads="1"/>
           </p:cNvPicPr>
@@ -14226,15 +14228,15 @@
         </p:nvPicPr>
         <p:blipFill>
           <a:blip r:embed="rId2" cstate="print"/>
-          <a:srcRect l="4117" t="13601" r="5901"/>
+          <a:srcRect l="28409" t="27019" r="24341" b="25942"/>
           <a:stretch>
             <a:fillRect/>
           </a:stretch>
         </p:blipFill>
         <p:spPr bwMode="auto">
           <a:xfrm>
-            <a:off x="3059832" y="1412776"/>
-            <a:ext cx="4969242" cy="2683905"/>
+            <a:off x="2987824" y="2204864"/>
+            <a:ext cx="5786357" cy="3240360"/>
           </a:xfrm>
           <a:prstGeom prst="rect">
             <a:avLst/>
@@ -14294,7 +14296,7 @@
             <a:pPr marL="571500" indent="-571500"/>
             <a:r>
               <a:rPr lang="en-US" sz="5400" dirty="0" smtClean="0"/>
-              <a:t>Human Machine Interface</a:t>
+              <a:t>Menu</a:t>
             </a:r>
           </a:p>
         </p:txBody>
@@ -14339,13 +14341,6 @@
             <a:r>
               <a:rPr lang="en-US" dirty="0" smtClean="0"/>
               <a:t>Interface</a:t>
-            </a:r>
-          </a:p>
-          <a:p>
-            <a:pPr marL="937260" lvl="1" indent="-571500"/>
-            <a:r>
-              <a:rPr lang="en-US" dirty="0" smtClean="0"/>
-              <a:t>a. Menu</a:t>
             </a:r>
           </a:p>
           <a:p>
@@ -14358,6 +14353,13 @@
                   </a:schemeClr>
                 </a:solidFill>
               </a:rPr>
+              <a:t>a. Menu</a:t>
+            </a:r>
+          </a:p>
+          <a:p>
+            <a:pPr marL="937260" lvl="1" indent="-571500"/>
+            <a:r>
+              <a:rPr lang="en-US" dirty="0" smtClean="0"/>
               <a:t>b. How to play</a:t>
             </a:r>
           </a:p>
@@ -14899,6 +14901,32 @@
           </a:p>
         </p:txBody>
       </p:sp>
+      <p:pic>
+        <p:nvPicPr>
+          <p:cNvPr id="2050" name="Picture 2" descr="G:\ihm\Capture3.PNG"/>
+          <p:cNvPicPr>
+            <a:picLocks noChangeAspect="1" noChangeArrowheads="1"/>
+          </p:cNvPicPr>
+          <p:nvPr/>
+        </p:nvPicPr>
+        <p:blipFill>
+          <a:blip r:embed="rId2" cstate="print"/>
+          <a:srcRect/>
+          <a:stretch>
+            <a:fillRect/>
+          </a:stretch>
+        </p:blipFill>
+        <p:spPr bwMode="auto">
+          <a:xfrm>
+            <a:off x="3131840" y="1844824"/>
+            <a:ext cx="5645127" cy="3240360"/>
+          </a:xfrm>
+          <a:prstGeom prst="rect">
+            <a:avLst/>
+          </a:prstGeom>
+          <a:noFill/>
+        </p:spPr>
+      </p:pic>
     </p:spTree>
   </p:cSld>
   <p:clrMapOvr>
@@ -14951,7 +14979,7 @@
             <a:pPr marL="571500" indent="-571500"/>
             <a:r>
               <a:rPr lang="en-US" sz="5400" dirty="0" smtClean="0"/>
-              <a:t>Human Machine Interface</a:t>
+              <a:t>Menu</a:t>
             </a:r>
           </a:p>
         </p:txBody>
@@ -14996,13 +15024,6 @@
             <a:r>
               <a:rPr lang="en-US" dirty="0" smtClean="0"/>
               <a:t>Interface</a:t>
-            </a:r>
-          </a:p>
-          <a:p>
-            <a:pPr marL="937260" lvl="1" indent="-571500"/>
-            <a:r>
-              <a:rPr lang="en-US" dirty="0" smtClean="0"/>
-              <a:t>a. Menu</a:t>
             </a:r>
           </a:p>
           <a:p>
@@ -15015,6 +15036,13 @@
                   </a:schemeClr>
                 </a:solidFill>
               </a:rPr>
+              <a:t>a. Menu</a:t>
+            </a:r>
+          </a:p>
+          <a:p>
+            <a:pPr marL="937260" lvl="1" indent="-571500"/>
+            <a:r>
+              <a:rPr lang="en-US" dirty="0" smtClean="0"/>
               <a:t>b. How to play</a:t>
             </a:r>
           </a:p>
@@ -15558,23 +15586,23 @@
       </p:sp>
       <p:pic>
         <p:nvPicPr>
-          <p:cNvPr id="17" name="Picture 2" descr="G:\Capture du 2013-01-18 11_44_55.png"/>
+          <p:cNvPr id="2051" name="Picture 3" descr="G:\ihm\Capture5.PNG"/>
           <p:cNvPicPr>
             <a:picLocks noChangeAspect="1" noChangeArrowheads="1"/>
           </p:cNvPicPr>
           <p:nvPr/>
         </p:nvPicPr>
         <p:blipFill>
-          <a:blip r:embed="rId3" cstate="print"/>
-          <a:srcRect l="4326" t="13601" r="5113"/>
+          <a:blip r:embed="rId2" cstate="print"/>
+          <a:srcRect/>
           <a:stretch>
             <a:fillRect/>
           </a:stretch>
         </p:blipFill>
         <p:spPr bwMode="auto">
           <a:xfrm>
-            <a:off x="2699792" y="2276872"/>
-            <a:ext cx="6306483" cy="3384376"/>
+            <a:off x="3203848" y="1412776"/>
+            <a:ext cx="5300999" cy="4176464"/>
           </a:xfrm>
           <a:prstGeom prst="rect">
             <a:avLst/>
@@ -15616,7 +15644,7 @@
       </p:grpSpPr>
       <p:sp>
         <p:nvSpPr>
-          <p:cNvPr id="3" name="Title 2"/>
+          <p:cNvPr id="13" name="Title 12"/>
           <p:cNvSpPr>
             <a:spLocks noGrp="1"/>
           </p:cNvSpPr>
@@ -15626,38 +15654,112 @@
         </p:nvSpPr>
         <p:spPr/>
         <p:txBody>
+          <a:bodyPr>
+            <a:normAutofit/>
+          </a:bodyPr>
+          <a:lstStyle/>
+          <a:p>
+            <a:pPr marL="571500" indent="-571500"/>
+            <a:r>
+              <a:rPr lang="en-US" sz="5400" dirty="0" smtClean="0"/>
+              <a:t>Menu</a:t>
+            </a:r>
+          </a:p>
+        </p:txBody>
+      </p:sp>
+      <p:sp>
+        <p:nvSpPr>
+          <p:cNvPr id="14" name="Content Placeholder 13"/>
+          <p:cNvSpPr>
+            <a:spLocks noGrp="1"/>
+          </p:cNvSpPr>
+          <p:nvPr>
+            <p:ph sz="half" idx="1"/>
+          </p:nvPr>
+        </p:nvSpPr>
+        <p:spPr/>
+        <p:txBody>
           <a:bodyPr/>
           <a:lstStyle/>
           <a:p>
-            <a:r>
-              <a:rPr lang="fr-FR" dirty="0" smtClean="0"/>
-              <a:t>Conclusion</a:t>
-            </a:r>
+            <a:pPr marL="571500" indent="-571500"/>
+            <a:r>
+              <a:rPr lang="en-US" dirty="0" smtClean="0"/>
+              <a:t>I. Sound treatment</a:t>
+            </a:r>
+          </a:p>
+          <a:p>
+            <a:pPr marL="571500" indent="-571500"/>
+            <a:r>
+              <a:rPr lang="en-US" dirty="0" smtClean="0"/>
+              <a:t>II. Comparison</a:t>
+            </a:r>
+          </a:p>
+          <a:p>
+            <a:pPr marL="571500" indent="-571500"/>
+            <a:r>
+              <a:rPr lang="en-US" dirty="0" smtClean="0"/>
+              <a:t>III. Human Machine</a:t>
+            </a:r>
+          </a:p>
+          <a:p>
+            <a:pPr marL="571500" indent="-571500"/>
+            <a:r>
+              <a:rPr lang="en-US" dirty="0" smtClean="0"/>
+              <a:t>Interface</a:t>
+            </a:r>
+          </a:p>
+          <a:p>
+            <a:pPr marL="937260" lvl="1" indent="-571500"/>
+            <a:r>
+              <a:rPr lang="en-US" dirty="0" smtClean="0">
+                <a:solidFill>
+                  <a:schemeClr val="bg2">
+                    <a:lumMod val="50000"/>
+                  </a:schemeClr>
+                </a:solidFill>
+              </a:rPr>
+              <a:t>a. Menu</a:t>
+            </a:r>
+          </a:p>
+          <a:p>
+            <a:pPr marL="937260" lvl="1" indent="-571500"/>
+            <a:r>
+              <a:rPr lang="en-US" dirty="0" smtClean="0"/>
+              <a:t>b. How to play</a:t>
+            </a:r>
+          </a:p>
+          <a:p>
+            <a:pPr marL="571500" indent="-571500"/>
+            <a:endParaRPr lang="en-US" dirty="0" smtClean="0"/>
+          </a:p>
+          <a:p>
             <a:endParaRPr lang="fr-FR" dirty="0"/>
           </a:p>
         </p:txBody>
       </p:sp>
       <p:sp>
         <p:nvSpPr>
-          <p:cNvPr id="2" name="Content Placeholder 1"/>
+          <p:cNvPr id="15" name="Content Placeholder 14"/>
           <p:cNvSpPr>
             <a:spLocks noGrp="1"/>
           </p:cNvSpPr>
           <p:nvPr>
-            <p:ph idx="1"/>
+            <p:ph sz="half" idx="2"/>
           </p:nvPr>
         </p:nvSpPr>
-        <p:spPr>
-          <a:xfrm>
-            <a:off x="457200" y="1935480"/>
-            <a:ext cx="8229600" cy="4013800"/>
-          </a:xfrm>
-        </p:spPr>
+        <p:spPr/>
         <p:txBody>
           <a:bodyPr/>
           <a:lstStyle/>
           <a:p>
-            <a:endParaRPr lang="fr-FR" dirty="0"/>
+            <a:pPr>
+              <a:buNone/>
+            </a:pPr>
+            <a:r>
+              <a:rPr lang="en-US" dirty="0" smtClean="0"/>
+              <a:t> </a:t>
+            </a:r>
           </a:p>
         </p:txBody>
       </p:sp>
@@ -15727,35 +15829,417 @@
           </a:p>
         </p:txBody>
       </p:sp>
-      <p:pic>
-        <p:nvPicPr>
-          <p:cNvPr id="16386" name="Picture 2" descr="http://alumni.polytech.unice.fr/wp-content/uploads/2009/12/logoPolytechNice.png"/>
-          <p:cNvPicPr>
-            <a:picLocks noChangeAspect="1" noChangeArrowheads="1"/>
-          </p:cNvPicPr>
-          <p:nvPr/>
-        </p:nvPicPr>
-        <p:blipFill>
-          <a:blip r:embed="rId2" cstate="print"/>
-          <a:srcRect/>
-          <a:stretch>
-            <a:fillRect/>
-          </a:stretch>
-        </p:blipFill>
+      <p:sp>
+        <p:nvSpPr>
+          <p:cNvPr id="30725" name="Rectangle 5"/>
+          <p:cNvSpPr>
+            <a:spLocks noChangeArrowheads="1"/>
+          </p:cNvSpPr>
+          <p:nvPr/>
+        </p:nvSpPr>
         <p:spPr bwMode="auto">
           <a:xfrm>
-            <a:off x="5724128" y="6191249"/>
-            <a:ext cx="2114550" cy="666751"/>
-          </a:xfrm>
-          <a:prstGeom prst="rect">
-            <a:avLst/>
-          </a:prstGeom>
-          <a:noFill/>
-        </p:spPr>
-      </p:pic>
-      <p:sp>
-        <p:nvSpPr>
-          <p:cNvPr id="7" name="TextBox 6"/>
+            <a:off x="0" y="0"/>
+            <a:ext cx="9144000" cy="457200"/>
+          </a:xfrm>
+          <a:prstGeom prst="rect">
+            <a:avLst/>
+          </a:prstGeom>
+          <a:noFill/>
+          <a:ln w="9525">
+            <a:noFill/>
+            <a:miter lim="800000"/>
+            <a:headEnd/>
+            <a:tailEnd/>
+          </a:ln>
+          <a:effectLst/>
+        </p:spPr>
+        <p:txBody>
+          <a:bodyPr vert="horz" wrap="none" lIns="91440" tIns="45720" rIns="91440" bIns="45720" numCol="1" anchor="ctr" anchorCtr="0" compatLnSpc="1">
+            <a:prstTxWarp prst="textNoShape">
+              <a:avLst/>
+            </a:prstTxWarp>
+            <a:spAutoFit/>
+          </a:bodyPr>
+          <a:lstStyle/>
+          <a:p>
+            <a:endParaRPr lang="fr-FR" dirty="0"/>
+          </a:p>
+        </p:txBody>
+      </p:sp>
+      <p:sp>
+        <p:nvSpPr>
+          <p:cNvPr id="30726" name="Rectangle 6"/>
+          <p:cNvSpPr>
+            <a:spLocks noChangeArrowheads="1"/>
+          </p:cNvSpPr>
+          <p:nvPr/>
+        </p:nvSpPr>
+        <p:spPr bwMode="auto">
+          <a:xfrm>
+            <a:off x="0" y="942975"/>
+            <a:ext cx="9144000" cy="0"/>
+          </a:xfrm>
+          <a:prstGeom prst="rect">
+            <a:avLst/>
+          </a:prstGeom>
+          <a:noFill/>
+          <a:ln w="9525">
+            <a:noFill/>
+            <a:miter lim="800000"/>
+            <a:headEnd/>
+            <a:tailEnd/>
+          </a:ln>
+          <a:effectLst/>
+        </p:spPr>
+        <p:txBody>
+          <a:bodyPr vert="horz" wrap="none" lIns="91440" tIns="45720" rIns="91440" bIns="45720" numCol="1" anchor="ctr" anchorCtr="0" compatLnSpc="1">
+            <a:prstTxWarp prst="textNoShape">
+              <a:avLst/>
+            </a:prstTxWarp>
+            <a:spAutoFit/>
+          </a:bodyPr>
+          <a:lstStyle/>
+          <a:p>
+            <a:pPr marL="0" marR="0" lvl="0" indent="0" algn="l" defTabSz="914400" rtl="0" eaLnBrk="1" fontAlgn="base" latinLnBrk="0" hangingPunct="1">
+              <a:lnSpc>
+                <a:spcPct val="100000"/>
+              </a:lnSpc>
+              <a:spcBef>
+                <a:spcPct val="0"/>
+              </a:spcBef>
+              <a:spcAft>
+                <a:spcPct val="0"/>
+              </a:spcAft>
+              <a:buClrTx/>
+              <a:buSzTx/>
+              <a:buFontTx/>
+              <a:buNone/>
+              <a:tabLst/>
+            </a:pPr>
+            <a:endParaRPr kumimoji="0" lang="fr-FR" sz="1800" b="0" i="0" u="none" strike="noStrike" cap="none" normalizeH="0" baseline="0" dirty="0" smtClean="0">
+              <a:ln>
+                <a:noFill/>
+              </a:ln>
+              <a:solidFill>
+                <a:schemeClr val="tx1"/>
+              </a:solidFill>
+              <a:effectLst/>
+              <a:latin typeface="Arial" pitchFamily="34" charset="0"/>
+              <a:cs typeface="Arial" pitchFamily="34" charset="0"/>
+            </a:endParaRPr>
+          </a:p>
+        </p:txBody>
+      </p:sp>
+      <p:sp>
+        <p:nvSpPr>
+          <p:cNvPr id="47108" name="Rectangle 4"/>
+          <p:cNvSpPr>
+            <a:spLocks noChangeArrowheads="1"/>
+          </p:cNvSpPr>
+          <p:nvPr/>
+        </p:nvSpPr>
+        <p:spPr bwMode="auto">
+          <a:xfrm>
+            <a:off x="0" y="0"/>
+            <a:ext cx="9144000" cy="457200"/>
+          </a:xfrm>
+          <a:prstGeom prst="rect">
+            <a:avLst/>
+          </a:prstGeom>
+          <a:noFill/>
+          <a:ln w="9525">
+            <a:noFill/>
+            <a:miter lim="800000"/>
+            <a:headEnd/>
+            <a:tailEnd/>
+          </a:ln>
+          <a:effectLst/>
+        </p:spPr>
+        <p:txBody>
+          <a:bodyPr vert="horz" wrap="none" lIns="91440" tIns="45720" rIns="91440" bIns="45720" numCol="1" anchor="ctr" anchorCtr="0" compatLnSpc="1">
+            <a:prstTxWarp prst="textNoShape">
+              <a:avLst/>
+            </a:prstTxWarp>
+            <a:spAutoFit/>
+          </a:bodyPr>
+          <a:lstStyle/>
+          <a:p>
+            <a:endParaRPr lang="fr-FR" dirty="0"/>
+          </a:p>
+        </p:txBody>
+      </p:sp>
+      <p:sp>
+        <p:nvSpPr>
+          <p:cNvPr id="47109" name="Rectangle 5"/>
+          <p:cNvSpPr>
+            <a:spLocks noChangeArrowheads="1"/>
+          </p:cNvSpPr>
+          <p:nvPr/>
+        </p:nvSpPr>
+        <p:spPr bwMode="auto">
+          <a:xfrm>
+            <a:off x="0" y="723900"/>
+            <a:ext cx="9144000" cy="0"/>
+          </a:xfrm>
+          <a:prstGeom prst="rect">
+            <a:avLst/>
+          </a:prstGeom>
+          <a:noFill/>
+          <a:ln w="9525">
+            <a:noFill/>
+            <a:miter lim="800000"/>
+            <a:headEnd/>
+            <a:tailEnd/>
+          </a:ln>
+          <a:effectLst/>
+        </p:spPr>
+        <p:txBody>
+          <a:bodyPr vert="horz" wrap="none" lIns="91440" tIns="45720" rIns="91440" bIns="45720" numCol="1" anchor="ctr" anchorCtr="0" compatLnSpc="1">
+            <a:prstTxWarp prst="textNoShape">
+              <a:avLst/>
+            </a:prstTxWarp>
+            <a:spAutoFit/>
+          </a:bodyPr>
+          <a:lstStyle/>
+          <a:p>
+            <a:pPr marL="0" marR="0" lvl="0" indent="0" algn="l" defTabSz="914400" rtl="0" eaLnBrk="1" fontAlgn="base" latinLnBrk="0" hangingPunct="1">
+              <a:lnSpc>
+                <a:spcPct val="100000"/>
+              </a:lnSpc>
+              <a:spcBef>
+                <a:spcPct val="0"/>
+              </a:spcBef>
+              <a:spcAft>
+                <a:spcPct val="0"/>
+              </a:spcAft>
+              <a:buClrTx/>
+              <a:buSzTx/>
+              <a:buFontTx/>
+              <a:buNone/>
+              <a:tabLst/>
+            </a:pPr>
+            <a:endParaRPr kumimoji="0" lang="fr-FR" sz="1800" b="0" i="0" u="none" strike="noStrike" cap="none" normalizeH="0" baseline="0" dirty="0" smtClean="0">
+              <a:ln>
+                <a:noFill/>
+              </a:ln>
+              <a:solidFill>
+                <a:schemeClr val="tx1"/>
+              </a:solidFill>
+              <a:effectLst/>
+              <a:latin typeface="Arial" pitchFamily="34" charset="0"/>
+              <a:cs typeface="Arial" pitchFamily="34" charset="0"/>
+            </a:endParaRPr>
+          </a:p>
+        </p:txBody>
+      </p:sp>
+      <p:sp>
+        <p:nvSpPr>
+          <p:cNvPr id="47111" name="Rectangle 7"/>
+          <p:cNvSpPr>
+            <a:spLocks noChangeArrowheads="1"/>
+          </p:cNvSpPr>
+          <p:nvPr/>
+        </p:nvSpPr>
+        <p:spPr bwMode="auto">
+          <a:xfrm>
+            <a:off x="0" y="0"/>
+            <a:ext cx="9144000" cy="457200"/>
+          </a:xfrm>
+          <a:prstGeom prst="rect">
+            <a:avLst/>
+          </a:prstGeom>
+          <a:noFill/>
+          <a:ln w="9525">
+            <a:noFill/>
+            <a:miter lim="800000"/>
+            <a:headEnd/>
+            <a:tailEnd/>
+          </a:ln>
+          <a:effectLst/>
+        </p:spPr>
+        <p:txBody>
+          <a:bodyPr vert="horz" wrap="none" lIns="91440" tIns="45720" rIns="91440" bIns="45720" numCol="1" anchor="ctr" anchorCtr="0" compatLnSpc="1">
+            <a:prstTxWarp prst="textNoShape">
+              <a:avLst/>
+            </a:prstTxWarp>
+            <a:spAutoFit/>
+          </a:bodyPr>
+          <a:lstStyle/>
+          <a:p>
+            <a:endParaRPr lang="fr-FR" dirty="0"/>
+          </a:p>
+        </p:txBody>
+      </p:sp>
+      <p:sp>
+        <p:nvSpPr>
+          <p:cNvPr id="47112" name="Rectangle 8"/>
+          <p:cNvSpPr>
+            <a:spLocks noChangeArrowheads="1"/>
+          </p:cNvSpPr>
+          <p:nvPr/>
+        </p:nvSpPr>
+        <p:spPr bwMode="auto">
+          <a:xfrm>
+            <a:off x="0" y="723900"/>
+            <a:ext cx="9144000" cy="0"/>
+          </a:xfrm>
+          <a:prstGeom prst="rect">
+            <a:avLst/>
+          </a:prstGeom>
+          <a:noFill/>
+          <a:ln w="9525">
+            <a:noFill/>
+            <a:miter lim="800000"/>
+            <a:headEnd/>
+            <a:tailEnd/>
+          </a:ln>
+          <a:effectLst/>
+        </p:spPr>
+        <p:txBody>
+          <a:bodyPr vert="horz" wrap="none" lIns="91440" tIns="45720" rIns="91440" bIns="45720" numCol="1" anchor="ctr" anchorCtr="0" compatLnSpc="1">
+            <a:prstTxWarp prst="textNoShape">
+              <a:avLst/>
+            </a:prstTxWarp>
+            <a:spAutoFit/>
+          </a:bodyPr>
+          <a:lstStyle/>
+          <a:p>
+            <a:pPr marL="0" marR="0" lvl="0" indent="0" algn="l" defTabSz="914400" rtl="0" eaLnBrk="1" fontAlgn="base" latinLnBrk="0" hangingPunct="1">
+              <a:lnSpc>
+                <a:spcPct val="100000"/>
+              </a:lnSpc>
+              <a:spcBef>
+                <a:spcPct val="0"/>
+              </a:spcBef>
+              <a:spcAft>
+                <a:spcPct val="0"/>
+              </a:spcAft>
+              <a:buClrTx/>
+              <a:buSzTx/>
+              <a:buFontTx/>
+              <a:buNone/>
+              <a:tabLst/>
+            </a:pPr>
+            <a:endParaRPr kumimoji="0" lang="fr-FR" sz="1800" b="0" i="0" u="none" strike="noStrike" cap="none" normalizeH="0" baseline="0" dirty="0" smtClean="0">
+              <a:ln>
+                <a:noFill/>
+              </a:ln>
+              <a:solidFill>
+                <a:schemeClr val="tx1"/>
+              </a:solidFill>
+              <a:effectLst/>
+              <a:latin typeface="Arial" pitchFamily="34" charset="0"/>
+              <a:cs typeface="Arial" pitchFamily="34" charset="0"/>
+            </a:endParaRPr>
+          </a:p>
+        </p:txBody>
+      </p:sp>
+      <p:sp>
+        <p:nvSpPr>
+          <p:cNvPr id="48130" name="Rectangle 2"/>
+          <p:cNvSpPr>
+            <a:spLocks noChangeArrowheads="1"/>
+          </p:cNvSpPr>
+          <p:nvPr/>
+        </p:nvSpPr>
+        <p:spPr bwMode="auto">
+          <a:xfrm>
+            <a:off x="0" y="0"/>
+            <a:ext cx="9144000" cy="457200"/>
+          </a:xfrm>
+          <a:prstGeom prst="rect">
+            <a:avLst/>
+          </a:prstGeom>
+          <a:noFill/>
+          <a:ln w="9525">
+            <a:noFill/>
+            <a:miter lim="800000"/>
+            <a:headEnd/>
+            <a:tailEnd/>
+          </a:ln>
+          <a:effectLst/>
+        </p:spPr>
+        <p:txBody>
+          <a:bodyPr vert="horz" wrap="none" lIns="91440" tIns="45720" rIns="91440" bIns="45720" numCol="1" anchor="ctr" anchorCtr="0" compatLnSpc="1">
+            <a:prstTxWarp prst="textNoShape">
+              <a:avLst/>
+            </a:prstTxWarp>
+            <a:spAutoFit/>
+          </a:bodyPr>
+          <a:lstStyle/>
+          <a:p>
+            <a:endParaRPr lang="fr-FR" dirty="0"/>
+          </a:p>
+        </p:txBody>
+      </p:sp>
+      <p:sp>
+        <p:nvSpPr>
+          <p:cNvPr id="48131" name="Rectangle 3"/>
+          <p:cNvSpPr>
+            <a:spLocks noChangeArrowheads="1"/>
+          </p:cNvSpPr>
+          <p:nvPr/>
+        </p:nvSpPr>
+        <p:spPr bwMode="auto">
+          <a:xfrm>
+            <a:off x="0" y="828675"/>
+            <a:ext cx="9144000" cy="0"/>
+          </a:xfrm>
+          <a:prstGeom prst="rect">
+            <a:avLst/>
+          </a:prstGeom>
+          <a:noFill/>
+          <a:ln w="9525">
+            <a:noFill/>
+            <a:miter lim="800000"/>
+            <a:headEnd/>
+            <a:tailEnd/>
+          </a:ln>
+          <a:effectLst/>
+        </p:spPr>
+        <p:txBody>
+          <a:bodyPr vert="horz" wrap="none" lIns="91440" tIns="45720" rIns="91440" bIns="45720" numCol="1" anchor="ctr" anchorCtr="0" compatLnSpc="1">
+            <a:prstTxWarp prst="textNoShape">
+              <a:avLst/>
+            </a:prstTxWarp>
+            <a:spAutoFit/>
+          </a:bodyPr>
+          <a:lstStyle/>
+          <a:p>
+            <a:pPr marL="0" marR="0" lvl="0" indent="0" algn="l" defTabSz="914400" rtl="0" eaLnBrk="1" fontAlgn="base" latinLnBrk="0" hangingPunct="1">
+              <a:lnSpc>
+                <a:spcPct val="100000"/>
+              </a:lnSpc>
+              <a:spcBef>
+                <a:spcPct val="0"/>
+              </a:spcBef>
+              <a:spcAft>
+                <a:spcPct val="0"/>
+              </a:spcAft>
+              <a:buClrTx/>
+              <a:buSzTx/>
+              <a:buFontTx/>
+              <a:buNone/>
+              <a:tabLst/>
+            </a:pPr>
+            <a:endParaRPr kumimoji="0" lang="fr-FR" sz="1800" b="0" i="0" u="none" strike="noStrike" cap="none" normalizeH="0" baseline="0" dirty="0" smtClean="0">
+              <a:ln>
+                <a:noFill/>
+              </a:ln>
+              <a:solidFill>
+                <a:schemeClr val="tx1"/>
+              </a:solidFill>
+              <a:effectLst/>
+              <a:latin typeface="Arial" pitchFamily="34" charset="0"/>
+              <a:cs typeface="Arial" pitchFamily="34" charset="0"/>
+            </a:endParaRPr>
+          </a:p>
+        </p:txBody>
+      </p:sp>
+      <p:sp>
+        <p:nvSpPr>
+          <p:cNvPr id="16" name="TextBox 15"/>
           <p:cNvSpPr txBox="1"/>
           <p:nvPr/>
         </p:nvSpPr>
@@ -15817,7 +16301,7 @@
       </p:grpSpPr>
       <p:sp>
         <p:nvSpPr>
-          <p:cNvPr id="3" name="Title 2"/>
+          <p:cNvPr id="13" name="Title 12"/>
           <p:cNvSpPr>
             <a:spLocks noGrp="1"/>
           </p:cNvSpPr>
@@ -15827,86 +16311,112 @@
         </p:nvSpPr>
         <p:spPr/>
         <p:txBody>
+          <a:bodyPr>
+            <a:normAutofit/>
+          </a:bodyPr>
+          <a:lstStyle/>
+          <a:p>
+            <a:pPr marL="571500" indent="-571500"/>
+            <a:r>
+              <a:rPr lang="en-US" sz="5400" dirty="0" smtClean="0"/>
+              <a:t>Human Machine Interface</a:t>
+            </a:r>
+          </a:p>
+        </p:txBody>
+      </p:sp>
+      <p:sp>
+        <p:nvSpPr>
+          <p:cNvPr id="14" name="Content Placeholder 13"/>
+          <p:cNvSpPr>
+            <a:spLocks noGrp="1"/>
+          </p:cNvSpPr>
+          <p:nvPr>
+            <p:ph sz="half" idx="1"/>
+          </p:nvPr>
+        </p:nvSpPr>
+        <p:spPr/>
+        <p:txBody>
           <a:bodyPr/>
           <a:lstStyle/>
           <a:p>
-            <a:r>
-              <a:rPr lang="fr-FR" dirty="0" smtClean="0"/>
-              <a:t>Sources</a:t>
-            </a:r>
+            <a:pPr marL="571500" indent="-571500"/>
+            <a:r>
+              <a:rPr lang="en-US" dirty="0" smtClean="0"/>
+              <a:t>I. Sound treatment</a:t>
+            </a:r>
+          </a:p>
+          <a:p>
+            <a:pPr marL="571500" indent="-571500"/>
+            <a:r>
+              <a:rPr lang="en-US" dirty="0" smtClean="0"/>
+              <a:t>II. Comparison</a:t>
+            </a:r>
+          </a:p>
+          <a:p>
+            <a:pPr marL="571500" indent="-571500"/>
+            <a:r>
+              <a:rPr lang="en-US" dirty="0" smtClean="0"/>
+              <a:t>III. Human Machine</a:t>
+            </a:r>
+          </a:p>
+          <a:p>
+            <a:pPr marL="571500" indent="-571500"/>
+            <a:r>
+              <a:rPr lang="en-US" dirty="0" smtClean="0"/>
+              <a:t>Interface</a:t>
+            </a:r>
+          </a:p>
+          <a:p>
+            <a:pPr marL="937260" lvl="1" indent="-571500"/>
+            <a:r>
+              <a:rPr lang="en-US" dirty="0" smtClean="0"/>
+              <a:t>a. Menu</a:t>
+            </a:r>
+          </a:p>
+          <a:p>
+            <a:pPr marL="937260" lvl="1" indent="-571500"/>
+            <a:r>
+              <a:rPr lang="en-US" dirty="0" smtClean="0">
+                <a:solidFill>
+                  <a:schemeClr val="bg2">
+                    <a:lumMod val="50000"/>
+                  </a:schemeClr>
+                </a:solidFill>
+              </a:rPr>
+              <a:t>b. How to play</a:t>
+            </a:r>
+          </a:p>
+          <a:p>
+            <a:pPr marL="571500" indent="-571500"/>
+            <a:endParaRPr lang="en-US" dirty="0" smtClean="0"/>
+          </a:p>
+          <a:p>
             <a:endParaRPr lang="fr-FR" dirty="0"/>
           </a:p>
         </p:txBody>
       </p:sp>
       <p:sp>
         <p:nvSpPr>
-          <p:cNvPr id="2" name="Content Placeholder 1"/>
+          <p:cNvPr id="15" name="Content Placeholder 14"/>
           <p:cNvSpPr>
             <a:spLocks noGrp="1"/>
           </p:cNvSpPr>
           <p:nvPr>
-            <p:ph idx="1"/>
+            <p:ph sz="half" idx="2"/>
           </p:nvPr>
         </p:nvSpPr>
-        <p:spPr>
-          <a:xfrm>
-            <a:off x="457200" y="1935480"/>
-            <a:ext cx="8229600" cy="4013800"/>
-          </a:xfrm>
-        </p:spPr>
+        <p:spPr/>
         <p:txBody>
           <a:bodyPr/>
           <a:lstStyle/>
           <a:p>
-            <a:r>
-              <a:rPr lang="fr-FR" dirty="0" smtClean="0"/>
-              <a:t>J. Leroux </a:t>
-            </a:r>
-            <a:r>
-              <a:rPr lang="fr-FR" sz="1800" dirty="0" smtClean="0"/>
-              <a:t>« </a:t>
-            </a:r>
-            <a:r>
-              <a:rPr lang="fr-FR" sz="1800" dirty="0" err="1" smtClean="0"/>
-              <a:t>Dynamic</a:t>
-            </a:r>
-            <a:r>
-              <a:rPr lang="fr-FR" sz="1800" dirty="0" smtClean="0"/>
-              <a:t> time </a:t>
-            </a:r>
-            <a:r>
-              <a:rPr lang="fr-FR" sz="1800" dirty="0" err="1" smtClean="0"/>
-              <a:t>warping</a:t>
-            </a:r>
-            <a:r>
-              <a:rPr lang="fr-FR" sz="1800" dirty="0" smtClean="0"/>
-              <a:t> », « HMI », TNS</a:t>
-            </a:r>
-            <a:endParaRPr lang="fr-FR" dirty="0" smtClean="0"/>
-          </a:p>
-          <a:p>
-            <a:r>
-              <a:rPr lang="fr-FR" dirty="0" err="1" smtClean="0"/>
-              <a:t>Wikipedia</a:t>
-            </a:r>
-            <a:endParaRPr lang="fr-FR" dirty="0" smtClean="0"/>
-          </a:p>
-          <a:p>
-            <a:r>
-              <a:rPr lang="fr-FR" dirty="0" smtClean="0"/>
-              <a:t>J. Mariani </a:t>
-            </a:r>
-            <a:r>
-              <a:rPr lang="fr-FR" sz="1800" dirty="0" smtClean="0"/>
-              <a:t>« Reconnaissance de la parole, progrès et tendances », 1990</a:t>
-            </a:r>
-          </a:p>
-          <a:p>
-            <a:r>
-              <a:rPr lang="fr-FR" dirty="0" smtClean="0"/>
-              <a:t>…</a:t>
-            </a:r>
-            <a:endParaRPr lang="fr-FR" dirty="0"/>
+            <a:pPr>
+              <a:buNone/>
+            </a:pPr>
+            <a:r>
+              <a:rPr lang="en-US" dirty="0" smtClean="0"/>
+              <a:t> </a:t>
+            </a:r>
           </a:p>
         </p:txBody>
       </p:sp>
@@ -15930,7 +16440,7 @@
               <a:pPr/>
               <a:t>24</a:t>
             </a:fld>
-            <a:endParaRPr lang="fr-FR"/>
+            <a:endParaRPr lang="fr-FR" dirty="0"/>
           </a:p>
         </p:txBody>
       </p:sp>
@@ -15976,25 +16486,463 @@
           </a:p>
         </p:txBody>
       </p:sp>
+      <p:sp>
+        <p:nvSpPr>
+          <p:cNvPr id="30725" name="Rectangle 5"/>
+          <p:cNvSpPr>
+            <a:spLocks noChangeArrowheads="1"/>
+          </p:cNvSpPr>
+          <p:nvPr/>
+        </p:nvSpPr>
+        <p:spPr bwMode="auto">
+          <a:xfrm>
+            <a:off x="0" y="0"/>
+            <a:ext cx="9144000" cy="457200"/>
+          </a:xfrm>
+          <a:prstGeom prst="rect">
+            <a:avLst/>
+          </a:prstGeom>
+          <a:noFill/>
+          <a:ln w="9525">
+            <a:noFill/>
+            <a:miter lim="800000"/>
+            <a:headEnd/>
+            <a:tailEnd/>
+          </a:ln>
+          <a:effectLst/>
+        </p:spPr>
+        <p:txBody>
+          <a:bodyPr vert="horz" wrap="none" lIns="91440" tIns="45720" rIns="91440" bIns="45720" numCol="1" anchor="ctr" anchorCtr="0" compatLnSpc="1">
+            <a:prstTxWarp prst="textNoShape">
+              <a:avLst/>
+            </a:prstTxWarp>
+            <a:spAutoFit/>
+          </a:bodyPr>
+          <a:lstStyle/>
+          <a:p>
+            <a:endParaRPr lang="fr-FR" dirty="0"/>
+          </a:p>
+        </p:txBody>
+      </p:sp>
+      <p:sp>
+        <p:nvSpPr>
+          <p:cNvPr id="30726" name="Rectangle 6"/>
+          <p:cNvSpPr>
+            <a:spLocks noChangeArrowheads="1"/>
+          </p:cNvSpPr>
+          <p:nvPr/>
+        </p:nvSpPr>
+        <p:spPr bwMode="auto">
+          <a:xfrm>
+            <a:off x="0" y="942975"/>
+            <a:ext cx="9144000" cy="0"/>
+          </a:xfrm>
+          <a:prstGeom prst="rect">
+            <a:avLst/>
+          </a:prstGeom>
+          <a:noFill/>
+          <a:ln w="9525">
+            <a:noFill/>
+            <a:miter lim="800000"/>
+            <a:headEnd/>
+            <a:tailEnd/>
+          </a:ln>
+          <a:effectLst/>
+        </p:spPr>
+        <p:txBody>
+          <a:bodyPr vert="horz" wrap="none" lIns="91440" tIns="45720" rIns="91440" bIns="45720" numCol="1" anchor="ctr" anchorCtr="0" compatLnSpc="1">
+            <a:prstTxWarp prst="textNoShape">
+              <a:avLst/>
+            </a:prstTxWarp>
+            <a:spAutoFit/>
+          </a:bodyPr>
+          <a:lstStyle/>
+          <a:p>
+            <a:pPr marL="0" marR="0" lvl="0" indent="0" algn="l" defTabSz="914400" rtl="0" eaLnBrk="1" fontAlgn="base" latinLnBrk="0" hangingPunct="1">
+              <a:lnSpc>
+                <a:spcPct val="100000"/>
+              </a:lnSpc>
+              <a:spcBef>
+                <a:spcPct val="0"/>
+              </a:spcBef>
+              <a:spcAft>
+                <a:spcPct val="0"/>
+              </a:spcAft>
+              <a:buClrTx/>
+              <a:buSzTx/>
+              <a:buFontTx/>
+              <a:buNone/>
+              <a:tabLst/>
+            </a:pPr>
+            <a:endParaRPr kumimoji="0" lang="fr-FR" sz="1800" b="0" i="0" u="none" strike="noStrike" cap="none" normalizeH="0" baseline="0" dirty="0" smtClean="0">
+              <a:ln>
+                <a:noFill/>
+              </a:ln>
+              <a:solidFill>
+                <a:schemeClr val="tx1"/>
+              </a:solidFill>
+              <a:effectLst/>
+              <a:latin typeface="Arial" pitchFamily="34" charset="0"/>
+              <a:cs typeface="Arial" pitchFamily="34" charset="0"/>
+            </a:endParaRPr>
+          </a:p>
+        </p:txBody>
+      </p:sp>
+      <p:sp>
+        <p:nvSpPr>
+          <p:cNvPr id="47108" name="Rectangle 4"/>
+          <p:cNvSpPr>
+            <a:spLocks noChangeArrowheads="1"/>
+          </p:cNvSpPr>
+          <p:nvPr/>
+        </p:nvSpPr>
+        <p:spPr bwMode="auto">
+          <a:xfrm>
+            <a:off x="0" y="0"/>
+            <a:ext cx="9144000" cy="457200"/>
+          </a:xfrm>
+          <a:prstGeom prst="rect">
+            <a:avLst/>
+          </a:prstGeom>
+          <a:noFill/>
+          <a:ln w="9525">
+            <a:noFill/>
+            <a:miter lim="800000"/>
+            <a:headEnd/>
+            <a:tailEnd/>
+          </a:ln>
+          <a:effectLst/>
+        </p:spPr>
+        <p:txBody>
+          <a:bodyPr vert="horz" wrap="none" lIns="91440" tIns="45720" rIns="91440" bIns="45720" numCol="1" anchor="ctr" anchorCtr="0" compatLnSpc="1">
+            <a:prstTxWarp prst="textNoShape">
+              <a:avLst/>
+            </a:prstTxWarp>
+            <a:spAutoFit/>
+          </a:bodyPr>
+          <a:lstStyle/>
+          <a:p>
+            <a:endParaRPr lang="fr-FR" dirty="0"/>
+          </a:p>
+        </p:txBody>
+      </p:sp>
+      <p:sp>
+        <p:nvSpPr>
+          <p:cNvPr id="47109" name="Rectangle 5"/>
+          <p:cNvSpPr>
+            <a:spLocks noChangeArrowheads="1"/>
+          </p:cNvSpPr>
+          <p:nvPr/>
+        </p:nvSpPr>
+        <p:spPr bwMode="auto">
+          <a:xfrm>
+            <a:off x="0" y="723900"/>
+            <a:ext cx="9144000" cy="0"/>
+          </a:xfrm>
+          <a:prstGeom prst="rect">
+            <a:avLst/>
+          </a:prstGeom>
+          <a:noFill/>
+          <a:ln w="9525">
+            <a:noFill/>
+            <a:miter lim="800000"/>
+            <a:headEnd/>
+            <a:tailEnd/>
+          </a:ln>
+          <a:effectLst/>
+        </p:spPr>
+        <p:txBody>
+          <a:bodyPr vert="horz" wrap="none" lIns="91440" tIns="45720" rIns="91440" bIns="45720" numCol="1" anchor="ctr" anchorCtr="0" compatLnSpc="1">
+            <a:prstTxWarp prst="textNoShape">
+              <a:avLst/>
+            </a:prstTxWarp>
+            <a:spAutoFit/>
+          </a:bodyPr>
+          <a:lstStyle/>
+          <a:p>
+            <a:pPr marL="0" marR="0" lvl="0" indent="0" algn="l" defTabSz="914400" rtl="0" eaLnBrk="1" fontAlgn="base" latinLnBrk="0" hangingPunct="1">
+              <a:lnSpc>
+                <a:spcPct val="100000"/>
+              </a:lnSpc>
+              <a:spcBef>
+                <a:spcPct val="0"/>
+              </a:spcBef>
+              <a:spcAft>
+                <a:spcPct val="0"/>
+              </a:spcAft>
+              <a:buClrTx/>
+              <a:buSzTx/>
+              <a:buFontTx/>
+              <a:buNone/>
+              <a:tabLst/>
+            </a:pPr>
+            <a:endParaRPr kumimoji="0" lang="fr-FR" sz="1800" b="0" i="0" u="none" strike="noStrike" cap="none" normalizeH="0" baseline="0" dirty="0" smtClean="0">
+              <a:ln>
+                <a:noFill/>
+              </a:ln>
+              <a:solidFill>
+                <a:schemeClr val="tx1"/>
+              </a:solidFill>
+              <a:effectLst/>
+              <a:latin typeface="Arial" pitchFamily="34" charset="0"/>
+              <a:cs typeface="Arial" pitchFamily="34" charset="0"/>
+            </a:endParaRPr>
+          </a:p>
+        </p:txBody>
+      </p:sp>
+      <p:sp>
+        <p:nvSpPr>
+          <p:cNvPr id="47111" name="Rectangle 7"/>
+          <p:cNvSpPr>
+            <a:spLocks noChangeArrowheads="1"/>
+          </p:cNvSpPr>
+          <p:nvPr/>
+        </p:nvSpPr>
+        <p:spPr bwMode="auto">
+          <a:xfrm>
+            <a:off x="0" y="0"/>
+            <a:ext cx="9144000" cy="457200"/>
+          </a:xfrm>
+          <a:prstGeom prst="rect">
+            <a:avLst/>
+          </a:prstGeom>
+          <a:noFill/>
+          <a:ln w="9525">
+            <a:noFill/>
+            <a:miter lim="800000"/>
+            <a:headEnd/>
+            <a:tailEnd/>
+          </a:ln>
+          <a:effectLst/>
+        </p:spPr>
+        <p:txBody>
+          <a:bodyPr vert="horz" wrap="none" lIns="91440" tIns="45720" rIns="91440" bIns="45720" numCol="1" anchor="ctr" anchorCtr="0" compatLnSpc="1">
+            <a:prstTxWarp prst="textNoShape">
+              <a:avLst/>
+            </a:prstTxWarp>
+            <a:spAutoFit/>
+          </a:bodyPr>
+          <a:lstStyle/>
+          <a:p>
+            <a:endParaRPr lang="fr-FR" dirty="0"/>
+          </a:p>
+        </p:txBody>
+      </p:sp>
+      <p:sp>
+        <p:nvSpPr>
+          <p:cNvPr id="47112" name="Rectangle 8"/>
+          <p:cNvSpPr>
+            <a:spLocks noChangeArrowheads="1"/>
+          </p:cNvSpPr>
+          <p:nvPr/>
+        </p:nvSpPr>
+        <p:spPr bwMode="auto">
+          <a:xfrm>
+            <a:off x="0" y="723900"/>
+            <a:ext cx="9144000" cy="0"/>
+          </a:xfrm>
+          <a:prstGeom prst="rect">
+            <a:avLst/>
+          </a:prstGeom>
+          <a:noFill/>
+          <a:ln w="9525">
+            <a:noFill/>
+            <a:miter lim="800000"/>
+            <a:headEnd/>
+            <a:tailEnd/>
+          </a:ln>
+          <a:effectLst/>
+        </p:spPr>
+        <p:txBody>
+          <a:bodyPr vert="horz" wrap="none" lIns="91440" tIns="45720" rIns="91440" bIns="45720" numCol="1" anchor="ctr" anchorCtr="0" compatLnSpc="1">
+            <a:prstTxWarp prst="textNoShape">
+              <a:avLst/>
+            </a:prstTxWarp>
+            <a:spAutoFit/>
+          </a:bodyPr>
+          <a:lstStyle/>
+          <a:p>
+            <a:pPr marL="0" marR="0" lvl="0" indent="0" algn="l" defTabSz="914400" rtl="0" eaLnBrk="1" fontAlgn="base" latinLnBrk="0" hangingPunct="1">
+              <a:lnSpc>
+                <a:spcPct val="100000"/>
+              </a:lnSpc>
+              <a:spcBef>
+                <a:spcPct val="0"/>
+              </a:spcBef>
+              <a:spcAft>
+                <a:spcPct val="0"/>
+              </a:spcAft>
+              <a:buClrTx/>
+              <a:buSzTx/>
+              <a:buFontTx/>
+              <a:buNone/>
+              <a:tabLst/>
+            </a:pPr>
+            <a:endParaRPr kumimoji="0" lang="fr-FR" sz="1800" b="0" i="0" u="none" strike="noStrike" cap="none" normalizeH="0" baseline="0" dirty="0" smtClean="0">
+              <a:ln>
+                <a:noFill/>
+              </a:ln>
+              <a:solidFill>
+                <a:schemeClr val="tx1"/>
+              </a:solidFill>
+              <a:effectLst/>
+              <a:latin typeface="Arial" pitchFamily="34" charset="0"/>
+              <a:cs typeface="Arial" pitchFamily="34" charset="0"/>
+            </a:endParaRPr>
+          </a:p>
+        </p:txBody>
+      </p:sp>
+      <p:sp>
+        <p:nvSpPr>
+          <p:cNvPr id="48130" name="Rectangle 2"/>
+          <p:cNvSpPr>
+            <a:spLocks noChangeArrowheads="1"/>
+          </p:cNvSpPr>
+          <p:nvPr/>
+        </p:nvSpPr>
+        <p:spPr bwMode="auto">
+          <a:xfrm>
+            <a:off x="0" y="0"/>
+            <a:ext cx="9144000" cy="457200"/>
+          </a:xfrm>
+          <a:prstGeom prst="rect">
+            <a:avLst/>
+          </a:prstGeom>
+          <a:noFill/>
+          <a:ln w="9525">
+            <a:noFill/>
+            <a:miter lim="800000"/>
+            <a:headEnd/>
+            <a:tailEnd/>
+          </a:ln>
+          <a:effectLst/>
+        </p:spPr>
+        <p:txBody>
+          <a:bodyPr vert="horz" wrap="none" lIns="91440" tIns="45720" rIns="91440" bIns="45720" numCol="1" anchor="ctr" anchorCtr="0" compatLnSpc="1">
+            <a:prstTxWarp prst="textNoShape">
+              <a:avLst/>
+            </a:prstTxWarp>
+            <a:spAutoFit/>
+          </a:bodyPr>
+          <a:lstStyle/>
+          <a:p>
+            <a:endParaRPr lang="fr-FR" dirty="0"/>
+          </a:p>
+        </p:txBody>
+      </p:sp>
+      <p:sp>
+        <p:nvSpPr>
+          <p:cNvPr id="48131" name="Rectangle 3"/>
+          <p:cNvSpPr>
+            <a:spLocks noChangeArrowheads="1"/>
+          </p:cNvSpPr>
+          <p:nvPr/>
+        </p:nvSpPr>
+        <p:spPr bwMode="auto">
+          <a:xfrm>
+            <a:off x="0" y="828675"/>
+            <a:ext cx="9144000" cy="0"/>
+          </a:xfrm>
+          <a:prstGeom prst="rect">
+            <a:avLst/>
+          </a:prstGeom>
+          <a:noFill/>
+          <a:ln w="9525">
+            <a:noFill/>
+            <a:miter lim="800000"/>
+            <a:headEnd/>
+            <a:tailEnd/>
+          </a:ln>
+          <a:effectLst/>
+        </p:spPr>
+        <p:txBody>
+          <a:bodyPr vert="horz" wrap="none" lIns="91440" tIns="45720" rIns="91440" bIns="45720" numCol="1" anchor="ctr" anchorCtr="0" compatLnSpc="1">
+            <a:prstTxWarp prst="textNoShape">
+              <a:avLst/>
+            </a:prstTxWarp>
+            <a:spAutoFit/>
+          </a:bodyPr>
+          <a:lstStyle/>
+          <a:p>
+            <a:pPr marL="0" marR="0" lvl="0" indent="0" algn="l" defTabSz="914400" rtl="0" eaLnBrk="1" fontAlgn="base" latinLnBrk="0" hangingPunct="1">
+              <a:lnSpc>
+                <a:spcPct val="100000"/>
+              </a:lnSpc>
+              <a:spcBef>
+                <a:spcPct val="0"/>
+              </a:spcBef>
+              <a:spcAft>
+                <a:spcPct val="0"/>
+              </a:spcAft>
+              <a:buClrTx/>
+              <a:buSzTx/>
+              <a:buFontTx/>
+              <a:buNone/>
+              <a:tabLst/>
+            </a:pPr>
+            <a:endParaRPr kumimoji="0" lang="fr-FR" sz="1800" b="0" i="0" u="none" strike="noStrike" cap="none" normalizeH="0" baseline="0" dirty="0" smtClean="0">
+              <a:ln>
+                <a:noFill/>
+              </a:ln>
+              <a:solidFill>
+                <a:schemeClr val="tx1"/>
+              </a:solidFill>
+              <a:effectLst/>
+              <a:latin typeface="Arial" pitchFamily="34" charset="0"/>
+              <a:cs typeface="Arial" pitchFamily="34" charset="0"/>
+            </a:endParaRPr>
+          </a:p>
+        </p:txBody>
+      </p:sp>
+      <p:sp>
+        <p:nvSpPr>
+          <p:cNvPr id="16" name="TextBox 15"/>
+          <p:cNvSpPr txBox="1"/>
+          <p:nvPr/>
+        </p:nvSpPr>
+        <p:spPr>
+          <a:xfrm>
+            <a:off x="3707904" y="6309320"/>
+            <a:ext cx="1008112" cy="369332"/>
+          </a:xfrm>
+          <a:prstGeom prst="rect">
+            <a:avLst/>
+          </a:prstGeom>
+          <a:noFill/>
+        </p:spPr>
+        <p:txBody>
+          <a:bodyPr wrap="square" rtlCol="0">
+            <a:spAutoFit/>
+          </a:bodyPr>
+          <a:lstStyle/>
+          <a:p>
+            <a:r>
+              <a:rPr lang="fr-FR" dirty="0" smtClean="0"/>
+              <a:t>MAM4</a:t>
+            </a:r>
+            <a:endParaRPr lang="fr-FR" dirty="0"/>
+          </a:p>
+        </p:txBody>
+      </p:sp>
       <p:pic>
         <p:nvPicPr>
-          <p:cNvPr id="16386" name="Picture 2" descr="http://alumni.polytech.unice.fr/wp-content/uploads/2009/12/logoPolytechNice.png"/>
+          <p:cNvPr id="17" name="Picture 2" descr="G:\Capture du 2013-01-18 11_44_55.png"/>
           <p:cNvPicPr>
             <a:picLocks noChangeAspect="1" noChangeArrowheads="1"/>
           </p:cNvPicPr>
           <p:nvPr/>
         </p:nvPicPr>
         <p:blipFill>
-          <a:blip r:embed="rId2" cstate="print"/>
-          <a:srcRect/>
+          <a:blip r:embed="rId3" cstate="print"/>
+          <a:srcRect l="4326" t="13601" r="5113"/>
           <a:stretch>
             <a:fillRect/>
           </a:stretch>
         </p:blipFill>
         <p:spPr bwMode="auto">
           <a:xfrm>
-            <a:off x="5724128" y="6191249"/>
-            <a:ext cx="2114550" cy="666751"/>
+            <a:off x="2699792" y="2276872"/>
+            <a:ext cx="6306483" cy="3384376"/>
           </a:xfrm>
           <a:prstGeom prst="rect">
             <a:avLst/>
@@ -16002,36 +16950,6 @@
           <a:noFill/>
         </p:spPr>
       </p:pic>
-      <p:sp>
-        <p:nvSpPr>
-          <p:cNvPr id="7" name="TextBox 6"/>
-          <p:cNvSpPr txBox="1"/>
-          <p:nvPr/>
-        </p:nvSpPr>
-        <p:spPr>
-          <a:xfrm>
-            <a:off x="3707904" y="6309320"/>
-            <a:ext cx="1008112" cy="369332"/>
-          </a:xfrm>
-          <a:prstGeom prst="rect">
-            <a:avLst/>
-          </a:prstGeom>
-          <a:noFill/>
-        </p:spPr>
-        <p:txBody>
-          <a:bodyPr wrap="square" rtlCol="0">
-            <a:spAutoFit/>
-          </a:bodyPr>
-          <a:lstStyle/>
-          <a:p>
-            <a:r>
-              <a:rPr lang="fr-FR" dirty="0" smtClean="0"/>
-              <a:t>MAM4</a:t>
-            </a:r>
-            <a:endParaRPr lang="fr-FR" dirty="0"/>
-          </a:p>
-        </p:txBody>
-      </p:sp>
     </p:spTree>
   </p:cSld>
   <p:clrMapOvr>
@@ -16066,7 +16984,7 @@
       </p:grpSpPr>
       <p:sp>
         <p:nvSpPr>
-          <p:cNvPr id="2" name="Title 1"/>
+          <p:cNvPr id="13" name="Title 12"/>
           <p:cNvSpPr>
             <a:spLocks noGrp="1"/>
           </p:cNvSpPr>
@@ -16076,21 +16994,145 @@
         </p:nvSpPr>
         <p:spPr/>
         <p:txBody>
+          <a:bodyPr>
+            <a:normAutofit/>
+          </a:bodyPr>
+          <a:lstStyle/>
+          <a:p>
+            <a:pPr marL="571500" indent="-571500"/>
+            <a:r>
+              <a:rPr lang="en-US" sz="5400" dirty="0" smtClean="0"/>
+              <a:t>Human Machine Interface</a:t>
+            </a:r>
+          </a:p>
+        </p:txBody>
+      </p:sp>
+      <p:sp>
+        <p:nvSpPr>
+          <p:cNvPr id="14" name="Content Placeholder 13"/>
+          <p:cNvSpPr>
+            <a:spLocks noGrp="1"/>
+          </p:cNvSpPr>
+          <p:nvPr>
+            <p:ph sz="half" idx="1"/>
+          </p:nvPr>
+        </p:nvSpPr>
+        <p:spPr/>
+        <p:txBody>
           <a:bodyPr/>
           <a:lstStyle/>
           <a:p>
-            <a:pPr algn="ctr"/>
+            <a:pPr marL="571500" indent="-571500"/>
             <a:r>
               <a:rPr lang="en-US" dirty="0" smtClean="0"/>
-              <a:t>Practice !</a:t>
-            </a:r>
-            <a:endParaRPr lang="en-US" dirty="0"/>
-          </a:p>
-        </p:txBody>
-      </p:sp>
-      <p:sp>
-        <p:nvSpPr>
-          <p:cNvPr id="4" name="Slide Number Placeholder 3"/>
+              <a:t>I. Sound treatment</a:t>
+            </a:r>
+          </a:p>
+          <a:p>
+            <a:pPr marL="571500" indent="-571500"/>
+            <a:r>
+              <a:rPr lang="en-US" dirty="0" smtClean="0"/>
+              <a:t>II. Comparison</a:t>
+            </a:r>
+          </a:p>
+          <a:p>
+            <a:pPr marL="571500" indent="-571500"/>
+            <a:r>
+              <a:rPr lang="en-US" dirty="0" smtClean="0"/>
+              <a:t>III. Human Machine</a:t>
+            </a:r>
+          </a:p>
+          <a:p>
+            <a:pPr marL="571500" indent="-571500"/>
+            <a:r>
+              <a:rPr lang="en-US" dirty="0" smtClean="0"/>
+              <a:t>Interface</a:t>
+            </a:r>
+          </a:p>
+          <a:p>
+            <a:pPr marL="937260" lvl="1" indent="-571500"/>
+            <a:r>
+              <a:rPr lang="en-US" dirty="0" smtClean="0"/>
+              <a:t>a. Menu</a:t>
+            </a:r>
+          </a:p>
+          <a:p>
+            <a:pPr marL="937260" lvl="1" indent="-571500"/>
+            <a:r>
+              <a:rPr lang="en-US" dirty="0" smtClean="0">
+                <a:solidFill>
+                  <a:schemeClr val="bg2">
+                    <a:lumMod val="50000"/>
+                  </a:schemeClr>
+                </a:solidFill>
+              </a:rPr>
+              <a:t>b. How to play</a:t>
+            </a:r>
+          </a:p>
+          <a:p>
+            <a:pPr marL="571500" indent="-571500"/>
+            <a:endParaRPr lang="en-US" dirty="0" smtClean="0"/>
+          </a:p>
+          <a:p>
+            <a:endParaRPr lang="fr-FR" dirty="0"/>
+          </a:p>
+        </p:txBody>
+      </p:sp>
+      <p:sp>
+        <p:nvSpPr>
+          <p:cNvPr id="15" name="Content Placeholder 14"/>
+          <p:cNvSpPr>
+            <a:spLocks noGrp="1"/>
+          </p:cNvSpPr>
+          <p:nvPr>
+            <p:ph sz="half" idx="2"/>
+          </p:nvPr>
+        </p:nvSpPr>
+        <p:spPr>
+          <a:xfrm>
+            <a:off x="3265512" y="1920085"/>
+            <a:ext cx="5410944" cy="4245219"/>
+          </a:xfrm>
+        </p:spPr>
+        <p:txBody>
+          <a:bodyPr/>
+          <a:lstStyle/>
+          <a:p>
+            <a:pPr>
+              <a:buNone/>
+            </a:pPr>
+            <a:r>
+              <a:rPr lang="en-US" dirty="0" smtClean="0"/>
+              <a:t>Beginning:</a:t>
+            </a:r>
+          </a:p>
+          <a:p>
+            <a:pPr>
+              <a:buNone/>
+            </a:pPr>
+            <a:endParaRPr lang="en-US" dirty="0" smtClean="0"/>
+          </a:p>
+          <a:p>
+            <a:pPr>
+              <a:buNone/>
+            </a:pPr>
+            <a:endParaRPr lang="en-US" dirty="0" smtClean="0"/>
+          </a:p>
+          <a:p>
+            <a:pPr>
+              <a:buNone/>
+            </a:pPr>
+            <a:r>
+              <a:rPr lang="en-US" dirty="0" smtClean="0"/>
+              <a:t>End:</a:t>
+            </a:r>
+            <a:endParaRPr lang="en-US" dirty="0" smtClean="0"/>
+          </a:p>
+        </p:txBody>
+      </p:sp>
+      <p:sp>
+        <p:nvSpPr>
+          <p:cNvPr id="5" name="Slide Number Placeholder 4"/>
           <p:cNvSpPr>
             <a:spLocks noGrp="1"/>
           </p:cNvSpPr>
@@ -16108,19 +17150,497 @@
               <a:pPr/>
               <a:t>25</a:t>
             </a:fld>
-            <a:endParaRPr lang="fr-FR"/>
+            <a:endParaRPr lang="fr-FR" dirty="0"/>
+          </a:p>
+        </p:txBody>
+      </p:sp>
+      <p:sp>
+        <p:nvSpPr>
+          <p:cNvPr id="6" name="TextBox 5"/>
+          <p:cNvSpPr txBox="1"/>
+          <p:nvPr/>
+        </p:nvSpPr>
+        <p:spPr>
+          <a:xfrm>
+            <a:off x="179512" y="5934670"/>
+            <a:ext cx="2736304" cy="923330"/>
+          </a:xfrm>
+          <a:prstGeom prst="rect">
+            <a:avLst/>
+          </a:prstGeom>
+          <a:noFill/>
+        </p:spPr>
+        <p:txBody>
+          <a:bodyPr wrap="square" rtlCol="0">
+            <a:spAutoFit/>
+          </a:bodyPr>
+          <a:lstStyle/>
+          <a:p>
+            <a:r>
+              <a:rPr lang="fr-FR" dirty="0" smtClean="0"/>
+              <a:t>Guénon Marie</a:t>
+            </a:r>
+          </a:p>
+          <a:p>
+            <a:r>
+              <a:rPr lang="fr-FR" dirty="0" smtClean="0"/>
+              <a:t>Achard Jean-Paul</a:t>
+            </a:r>
+          </a:p>
+          <a:p>
+            <a:r>
+              <a:rPr lang="fr-FR" dirty="0" smtClean="0"/>
+              <a:t>Favreau Jean-Dominique</a:t>
+            </a:r>
+            <a:endParaRPr lang="fr-FR" dirty="0"/>
+          </a:p>
+        </p:txBody>
+      </p:sp>
+      <p:sp>
+        <p:nvSpPr>
+          <p:cNvPr id="30725" name="Rectangle 5"/>
+          <p:cNvSpPr>
+            <a:spLocks noChangeArrowheads="1"/>
+          </p:cNvSpPr>
+          <p:nvPr/>
+        </p:nvSpPr>
+        <p:spPr bwMode="auto">
+          <a:xfrm>
+            <a:off x="0" y="0"/>
+            <a:ext cx="9144000" cy="457200"/>
+          </a:xfrm>
+          <a:prstGeom prst="rect">
+            <a:avLst/>
+          </a:prstGeom>
+          <a:noFill/>
+          <a:ln w="9525">
+            <a:noFill/>
+            <a:miter lim="800000"/>
+            <a:headEnd/>
+            <a:tailEnd/>
+          </a:ln>
+          <a:effectLst/>
+        </p:spPr>
+        <p:txBody>
+          <a:bodyPr vert="horz" wrap="none" lIns="91440" tIns="45720" rIns="91440" bIns="45720" numCol="1" anchor="ctr" anchorCtr="0" compatLnSpc="1">
+            <a:prstTxWarp prst="textNoShape">
+              <a:avLst/>
+            </a:prstTxWarp>
+            <a:spAutoFit/>
+          </a:bodyPr>
+          <a:lstStyle/>
+          <a:p>
+            <a:endParaRPr lang="fr-FR" dirty="0"/>
+          </a:p>
+        </p:txBody>
+      </p:sp>
+      <p:sp>
+        <p:nvSpPr>
+          <p:cNvPr id="30726" name="Rectangle 6"/>
+          <p:cNvSpPr>
+            <a:spLocks noChangeArrowheads="1"/>
+          </p:cNvSpPr>
+          <p:nvPr/>
+        </p:nvSpPr>
+        <p:spPr bwMode="auto">
+          <a:xfrm>
+            <a:off x="0" y="942975"/>
+            <a:ext cx="9144000" cy="0"/>
+          </a:xfrm>
+          <a:prstGeom prst="rect">
+            <a:avLst/>
+          </a:prstGeom>
+          <a:noFill/>
+          <a:ln w="9525">
+            <a:noFill/>
+            <a:miter lim="800000"/>
+            <a:headEnd/>
+            <a:tailEnd/>
+          </a:ln>
+          <a:effectLst/>
+        </p:spPr>
+        <p:txBody>
+          <a:bodyPr vert="horz" wrap="none" lIns="91440" tIns="45720" rIns="91440" bIns="45720" numCol="1" anchor="ctr" anchorCtr="0" compatLnSpc="1">
+            <a:prstTxWarp prst="textNoShape">
+              <a:avLst/>
+            </a:prstTxWarp>
+            <a:spAutoFit/>
+          </a:bodyPr>
+          <a:lstStyle/>
+          <a:p>
+            <a:pPr marL="0" marR="0" lvl="0" indent="0" algn="l" defTabSz="914400" rtl="0" eaLnBrk="1" fontAlgn="base" latinLnBrk="0" hangingPunct="1">
+              <a:lnSpc>
+                <a:spcPct val="100000"/>
+              </a:lnSpc>
+              <a:spcBef>
+                <a:spcPct val="0"/>
+              </a:spcBef>
+              <a:spcAft>
+                <a:spcPct val="0"/>
+              </a:spcAft>
+              <a:buClrTx/>
+              <a:buSzTx/>
+              <a:buFontTx/>
+              <a:buNone/>
+              <a:tabLst/>
+            </a:pPr>
+            <a:endParaRPr kumimoji="0" lang="fr-FR" sz="1800" b="0" i="0" u="none" strike="noStrike" cap="none" normalizeH="0" baseline="0" dirty="0" smtClean="0">
+              <a:ln>
+                <a:noFill/>
+              </a:ln>
+              <a:solidFill>
+                <a:schemeClr val="tx1"/>
+              </a:solidFill>
+              <a:effectLst/>
+              <a:latin typeface="Arial" pitchFamily="34" charset="0"/>
+              <a:cs typeface="Arial" pitchFamily="34" charset="0"/>
+            </a:endParaRPr>
+          </a:p>
+        </p:txBody>
+      </p:sp>
+      <p:sp>
+        <p:nvSpPr>
+          <p:cNvPr id="47108" name="Rectangle 4"/>
+          <p:cNvSpPr>
+            <a:spLocks noChangeArrowheads="1"/>
+          </p:cNvSpPr>
+          <p:nvPr/>
+        </p:nvSpPr>
+        <p:spPr bwMode="auto">
+          <a:xfrm>
+            <a:off x="0" y="0"/>
+            <a:ext cx="9144000" cy="457200"/>
+          </a:xfrm>
+          <a:prstGeom prst="rect">
+            <a:avLst/>
+          </a:prstGeom>
+          <a:noFill/>
+          <a:ln w="9525">
+            <a:noFill/>
+            <a:miter lim="800000"/>
+            <a:headEnd/>
+            <a:tailEnd/>
+          </a:ln>
+          <a:effectLst/>
+        </p:spPr>
+        <p:txBody>
+          <a:bodyPr vert="horz" wrap="none" lIns="91440" tIns="45720" rIns="91440" bIns="45720" numCol="1" anchor="ctr" anchorCtr="0" compatLnSpc="1">
+            <a:prstTxWarp prst="textNoShape">
+              <a:avLst/>
+            </a:prstTxWarp>
+            <a:spAutoFit/>
+          </a:bodyPr>
+          <a:lstStyle/>
+          <a:p>
+            <a:endParaRPr lang="fr-FR" dirty="0"/>
+          </a:p>
+        </p:txBody>
+      </p:sp>
+      <p:sp>
+        <p:nvSpPr>
+          <p:cNvPr id="47109" name="Rectangle 5"/>
+          <p:cNvSpPr>
+            <a:spLocks noChangeArrowheads="1"/>
+          </p:cNvSpPr>
+          <p:nvPr/>
+        </p:nvSpPr>
+        <p:spPr bwMode="auto">
+          <a:xfrm>
+            <a:off x="0" y="723900"/>
+            <a:ext cx="9144000" cy="0"/>
+          </a:xfrm>
+          <a:prstGeom prst="rect">
+            <a:avLst/>
+          </a:prstGeom>
+          <a:noFill/>
+          <a:ln w="9525">
+            <a:noFill/>
+            <a:miter lim="800000"/>
+            <a:headEnd/>
+            <a:tailEnd/>
+          </a:ln>
+          <a:effectLst/>
+        </p:spPr>
+        <p:txBody>
+          <a:bodyPr vert="horz" wrap="none" lIns="91440" tIns="45720" rIns="91440" bIns="45720" numCol="1" anchor="ctr" anchorCtr="0" compatLnSpc="1">
+            <a:prstTxWarp prst="textNoShape">
+              <a:avLst/>
+            </a:prstTxWarp>
+            <a:spAutoFit/>
+          </a:bodyPr>
+          <a:lstStyle/>
+          <a:p>
+            <a:pPr marL="0" marR="0" lvl="0" indent="0" algn="l" defTabSz="914400" rtl="0" eaLnBrk="1" fontAlgn="base" latinLnBrk="0" hangingPunct="1">
+              <a:lnSpc>
+                <a:spcPct val="100000"/>
+              </a:lnSpc>
+              <a:spcBef>
+                <a:spcPct val="0"/>
+              </a:spcBef>
+              <a:spcAft>
+                <a:spcPct val="0"/>
+              </a:spcAft>
+              <a:buClrTx/>
+              <a:buSzTx/>
+              <a:buFontTx/>
+              <a:buNone/>
+              <a:tabLst/>
+            </a:pPr>
+            <a:endParaRPr kumimoji="0" lang="fr-FR" sz="1800" b="0" i="0" u="none" strike="noStrike" cap="none" normalizeH="0" baseline="0" dirty="0" smtClean="0">
+              <a:ln>
+                <a:noFill/>
+              </a:ln>
+              <a:solidFill>
+                <a:schemeClr val="tx1"/>
+              </a:solidFill>
+              <a:effectLst/>
+              <a:latin typeface="Arial" pitchFamily="34" charset="0"/>
+              <a:cs typeface="Arial" pitchFamily="34" charset="0"/>
+            </a:endParaRPr>
+          </a:p>
+        </p:txBody>
+      </p:sp>
+      <p:sp>
+        <p:nvSpPr>
+          <p:cNvPr id="47111" name="Rectangle 7"/>
+          <p:cNvSpPr>
+            <a:spLocks noChangeArrowheads="1"/>
+          </p:cNvSpPr>
+          <p:nvPr/>
+        </p:nvSpPr>
+        <p:spPr bwMode="auto">
+          <a:xfrm>
+            <a:off x="0" y="0"/>
+            <a:ext cx="9144000" cy="457200"/>
+          </a:xfrm>
+          <a:prstGeom prst="rect">
+            <a:avLst/>
+          </a:prstGeom>
+          <a:noFill/>
+          <a:ln w="9525">
+            <a:noFill/>
+            <a:miter lim="800000"/>
+            <a:headEnd/>
+            <a:tailEnd/>
+          </a:ln>
+          <a:effectLst/>
+        </p:spPr>
+        <p:txBody>
+          <a:bodyPr vert="horz" wrap="none" lIns="91440" tIns="45720" rIns="91440" bIns="45720" numCol="1" anchor="ctr" anchorCtr="0" compatLnSpc="1">
+            <a:prstTxWarp prst="textNoShape">
+              <a:avLst/>
+            </a:prstTxWarp>
+            <a:spAutoFit/>
+          </a:bodyPr>
+          <a:lstStyle/>
+          <a:p>
+            <a:endParaRPr lang="fr-FR" dirty="0"/>
+          </a:p>
+        </p:txBody>
+      </p:sp>
+      <p:sp>
+        <p:nvSpPr>
+          <p:cNvPr id="47112" name="Rectangle 8"/>
+          <p:cNvSpPr>
+            <a:spLocks noChangeArrowheads="1"/>
+          </p:cNvSpPr>
+          <p:nvPr/>
+        </p:nvSpPr>
+        <p:spPr bwMode="auto">
+          <a:xfrm>
+            <a:off x="0" y="723900"/>
+            <a:ext cx="9144000" cy="0"/>
+          </a:xfrm>
+          <a:prstGeom prst="rect">
+            <a:avLst/>
+          </a:prstGeom>
+          <a:noFill/>
+          <a:ln w="9525">
+            <a:noFill/>
+            <a:miter lim="800000"/>
+            <a:headEnd/>
+            <a:tailEnd/>
+          </a:ln>
+          <a:effectLst/>
+        </p:spPr>
+        <p:txBody>
+          <a:bodyPr vert="horz" wrap="none" lIns="91440" tIns="45720" rIns="91440" bIns="45720" numCol="1" anchor="ctr" anchorCtr="0" compatLnSpc="1">
+            <a:prstTxWarp prst="textNoShape">
+              <a:avLst/>
+            </a:prstTxWarp>
+            <a:spAutoFit/>
+          </a:bodyPr>
+          <a:lstStyle/>
+          <a:p>
+            <a:pPr marL="0" marR="0" lvl="0" indent="0" algn="l" defTabSz="914400" rtl="0" eaLnBrk="1" fontAlgn="base" latinLnBrk="0" hangingPunct="1">
+              <a:lnSpc>
+                <a:spcPct val="100000"/>
+              </a:lnSpc>
+              <a:spcBef>
+                <a:spcPct val="0"/>
+              </a:spcBef>
+              <a:spcAft>
+                <a:spcPct val="0"/>
+              </a:spcAft>
+              <a:buClrTx/>
+              <a:buSzTx/>
+              <a:buFontTx/>
+              <a:buNone/>
+              <a:tabLst/>
+            </a:pPr>
+            <a:endParaRPr kumimoji="0" lang="fr-FR" sz="1800" b="0" i="0" u="none" strike="noStrike" cap="none" normalizeH="0" baseline="0" dirty="0" smtClean="0">
+              <a:ln>
+                <a:noFill/>
+              </a:ln>
+              <a:solidFill>
+                <a:schemeClr val="tx1"/>
+              </a:solidFill>
+              <a:effectLst/>
+              <a:latin typeface="Arial" pitchFamily="34" charset="0"/>
+              <a:cs typeface="Arial" pitchFamily="34" charset="0"/>
+            </a:endParaRPr>
+          </a:p>
+        </p:txBody>
+      </p:sp>
+      <p:sp>
+        <p:nvSpPr>
+          <p:cNvPr id="48130" name="Rectangle 2"/>
+          <p:cNvSpPr>
+            <a:spLocks noChangeArrowheads="1"/>
+          </p:cNvSpPr>
+          <p:nvPr/>
+        </p:nvSpPr>
+        <p:spPr bwMode="auto">
+          <a:xfrm>
+            <a:off x="0" y="0"/>
+            <a:ext cx="9144000" cy="457200"/>
+          </a:xfrm>
+          <a:prstGeom prst="rect">
+            <a:avLst/>
+          </a:prstGeom>
+          <a:noFill/>
+          <a:ln w="9525">
+            <a:noFill/>
+            <a:miter lim="800000"/>
+            <a:headEnd/>
+            <a:tailEnd/>
+          </a:ln>
+          <a:effectLst/>
+        </p:spPr>
+        <p:txBody>
+          <a:bodyPr vert="horz" wrap="none" lIns="91440" tIns="45720" rIns="91440" bIns="45720" numCol="1" anchor="ctr" anchorCtr="0" compatLnSpc="1">
+            <a:prstTxWarp prst="textNoShape">
+              <a:avLst/>
+            </a:prstTxWarp>
+            <a:spAutoFit/>
+          </a:bodyPr>
+          <a:lstStyle/>
+          <a:p>
+            <a:endParaRPr lang="fr-FR" dirty="0"/>
+          </a:p>
+        </p:txBody>
+      </p:sp>
+      <p:sp>
+        <p:nvSpPr>
+          <p:cNvPr id="48131" name="Rectangle 3"/>
+          <p:cNvSpPr>
+            <a:spLocks noChangeArrowheads="1"/>
+          </p:cNvSpPr>
+          <p:nvPr/>
+        </p:nvSpPr>
+        <p:spPr bwMode="auto">
+          <a:xfrm>
+            <a:off x="0" y="828675"/>
+            <a:ext cx="9144000" cy="0"/>
+          </a:xfrm>
+          <a:prstGeom prst="rect">
+            <a:avLst/>
+          </a:prstGeom>
+          <a:noFill/>
+          <a:ln w="9525">
+            <a:noFill/>
+            <a:miter lim="800000"/>
+            <a:headEnd/>
+            <a:tailEnd/>
+          </a:ln>
+          <a:effectLst/>
+        </p:spPr>
+        <p:txBody>
+          <a:bodyPr vert="horz" wrap="none" lIns="91440" tIns="45720" rIns="91440" bIns="45720" numCol="1" anchor="ctr" anchorCtr="0" compatLnSpc="1">
+            <a:prstTxWarp prst="textNoShape">
+              <a:avLst/>
+            </a:prstTxWarp>
+            <a:spAutoFit/>
+          </a:bodyPr>
+          <a:lstStyle/>
+          <a:p>
+            <a:pPr marL="0" marR="0" lvl="0" indent="0" algn="l" defTabSz="914400" rtl="0" eaLnBrk="1" fontAlgn="base" latinLnBrk="0" hangingPunct="1">
+              <a:lnSpc>
+                <a:spcPct val="100000"/>
+              </a:lnSpc>
+              <a:spcBef>
+                <a:spcPct val="0"/>
+              </a:spcBef>
+              <a:spcAft>
+                <a:spcPct val="0"/>
+              </a:spcAft>
+              <a:buClrTx/>
+              <a:buSzTx/>
+              <a:buFontTx/>
+              <a:buNone/>
+              <a:tabLst/>
+            </a:pPr>
+            <a:endParaRPr kumimoji="0" lang="fr-FR" sz="1800" b="0" i="0" u="none" strike="noStrike" cap="none" normalizeH="0" baseline="0" dirty="0" smtClean="0">
+              <a:ln>
+                <a:noFill/>
+              </a:ln>
+              <a:solidFill>
+                <a:schemeClr val="tx1"/>
+              </a:solidFill>
+              <a:effectLst/>
+              <a:latin typeface="Arial" pitchFamily="34" charset="0"/>
+              <a:cs typeface="Arial" pitchFamily="34" charset="0"/>
+            </a:endParaRPr>
+          </a:p>
+        </p:txBody>
+      </p:sp>
+      <p:sp>
+        <p:nvSpPr>
+          <p:cNvPr id="16" name="TextBox 15"/>
+          <p:cNvSpPr txBox="1"/>
+          <p:nvPr/>
+        </p:nvSpPr>
+        <p:spPr>
+          <a:xfrm>
+            <a:off x="3707904" y="6309320"/>
+            <a:ext cx="1008112" cy="369332"/>
+          </a:xfrm>
+          <a:prstGeom prst="rect">
+            <a:avLst/>
+          </a:prstGeom>
+          <a:noFill/>
+        </p:spPr>
+        <p:txBody>
+          <a:bodyPr wrap="square" rtlCol="0">
+            <a:spAutoFit/>
+          </a:bodyPr>
+          <a:lstStyle/>
+          <a:p>
+            <a:r>
+              <a:rPr lang="fr-FR" dirty="0" smtClean="0"/>
+              <a:t>MAM4</a:t>
+            </a:r>
+            <a:endParaRPr lang="fr-FR" dirty="0"/>
           </a:p>
         </p:txBody>
       </p:sp>
       <p:pic>
         <p:nvPicPr>
-          <p:cNvPr id="1029" name="Picture 5"/>
+          <p:cNvPr id="3074" name="Picture 2" descr="G:\ihm\begin.png"/>
           <p:cNvPicPr>
-            <a:picLocks noGrp="1" noChangeAspect="1" noChangeArrowheads="1"/>
+            <a:picLocks noChangeAspect="1" noChangeArrowheads="1"/>
           </p:cNvPicPr>
-          <p:nvPr>
-            <p:ph idx="1"/>
-          </p:nvPr>
+          <p:nvPr/>
         </p:nvPicPr>
         <p:blipFill>
           <a:blip r:embed="rId2" cstate="print"/>
@@ -16131,20 +17651,39 @@
         </p:blipFill>
         <p:spPr bwMode="auto">
           <a:xfrm>
-            <a:off x="395536" y="3284984"/>
-            <a:ext cx="8483326" cy="1249710"/>
-          </a:xfrm>
-          <a:prstGeom prst="rect">
-            <a:avLst/>
-          </a:prstGeom>
-          <a:noFill/>
-          <a:ln w="9525">
-            <a:noFill/>
-            <a:miter lim="800000"/>
-            <a:headEnd/>
-            <a:tailEnd/>
-          </a:ln>
-          <a:effectLst/>
+            <a:off x="5508104" y="2132856"/>
+            <a:ext cx="1080120" cy="1080120"/>
+          </a:xfrm>
+          <a:prstGeom prst="rect">
+            <a:avLst/>
+          </a:prstGeom>
+          <a:noFill/>
+        </p:spPr>
+      </p:pic>
+      <p:pic>
+        <p:nvPicPr>
+          <p:cNvPr id="3075" name="Picture 3" descr="G:\ihm\end.png"/>
+          <p:cNvPicPr>
+            <a:picLocks noChangeAspect="1" noChangeArrowheads="1"/>
+          </p:cNvPicPr>
+          <p:nvPr/>
+        </p:nvPicPr>
+        <p:blipFill>
+          <a:blip r:embed="rId3" cstate="print"/>
+          <a:srcRect/>
+          <a:stretch>
+            <a:fillRect/>
+          </a:stretch>
+        </p:blipFill>
+        <p:spPr bwMode="auto">
+          <a:xfrm>
+            <a:off x="4427984" y="3429000"/>
+            <a:ext cx="864096" cy="864096"/>
+          </a:xfrm>
+          <a:prstGeom prst="rect">
+            <a:avLst/>
+          </a:prstGeom>
+          <a:noFill/>
         </p:spPr>
       </p:pic>
     </p:spTree>
@@ -16181,7 +17720,7 @@
       </p:grpSpPr>
       <p:sp>
         <p:nvSpPr>
-          <p:cNvPr id="2" name="Title 1"/>
+          <p:cNvPr id="13" name="Title 12"/>
           <p:cNvSpPr>
             <a:spLocks noGrp="1"/>
           </p:cNvSpPr>
@@ -16191,40 +17730,172 @@
         </p:nvSpPr>
         <p:spPr/>
         <p:txBody>
+          <a:bodyPr>
+            <a:normAutofit/>
+          </a:bodyPr>
+          <a:lstStyle/>
+          <a:p>
+            <a:pPr marL="571500" indent="-571500"/>
+            <a:r>
+              <a:rPr lang="en-US" sz="5400" dirty="0" smtClean="0"/>
+              <a:t>Human Machine Interface</a:t>
+            </a:r>
+          </a:p>
+        </p:txBody>
+      </p:sp>
+      <p:sp>
+        <p:nvSpPr>
+          <p:cNvPr id="14" name="Content Placeholder 13"/>
+          <p:cNvSpPr>
+            <a:spLocks noGrp="1"/>
+          </p:cNvSpPr>
+          <p:nvPr>
+            <p:ph sz="half" idx="1"/>
+          </p:nvPr>
+        </p:nvSpPr>
+        <p:spPr/>
+        <p:txBody>
           <a:bodyPr/>
           <a:lstStyle/>
           <a:p>
-            <a:pPr algn="ctr"/>
+            <a:pPr marL="571500" indent="-571500"/>
             <a:r>
               <a:rPr lang="en-US" dirty="0" smtClean="0"/>
-              <a:t>Do you have any question?</a:t>
-            </a:r>
-            <a:endParaRPr lang="en-US" dirty="0"/>
-          </a:p>
-        </p:txBody>
-      </p:sp>
-      <p:sp>
-        <p:nvSpPr>
-          <p:cNvPr id="3" name="Content Placeholder 2"/>
+              <a:t>I. Sound treatment</a:t>
+            </a:r>
+          </a:p>
+          <a:p>
+            <a:pPr marL="571500" indent="-571500"/>
+            <a:r>
+              <a:rPr lang="en-US" dirty="0" smtClean="0"/>
+              <a:t>II. Comparison</a:t>
+            </a:r>
+          </a:p>
+          <a:p>
+            <a:pPr marL="571500" indent="-571500"/>
+            <a:r>
+              <a:rPr lang="en-US" dirty="0" smtClean="0"/>
+              <a:t>III. Human Machine</a:t>
+            </a:r>
+          </a:p>
+          <a:p>
+            <a:pPr marL="571500" indent="-571500"/>
+            <a:r>
+              <a:rPr lang="en-US" dirty="0" smtClean="0"/>
+              <a:t>Interface</a:t>
+            </a:r>
+          </a:p>
+          <a:p>
+            <a:pPr marL="937260" lvl="1" indent="-571500"/>
+            <a:r>
+              <a:rPr lang="en-US" dirty="0" smtClean="0"/>
+              <a:t>a. Menu</a:t>
+            </a:r>
+          </a:p>
+          <a:p>
+            <a:pPr marL="937260" lvl="1" indent="-571500"/>
+            <a:r>
+              <a:rPr lang="en-US" dirty="0" smtClean="0">
+                <a:solidFill>
+                  <a:schemeClr val="bg2">
+                    <a:lumMod val="50000"/>
+                  </a:schemeClr>
+                </a:solidFill>
+              </a:rPr>
+              <a:t>b. How to play</a:t>
+            </a:r>
+          </a:p>
+          <a:p>
+            <a:pPr marL="571500" indent="-571500"/>
+            <a:endParaRPr lang="en-US" dirty="0" smtClean="0"/>
+          </a:p>
+          <a:p>
+            <a:endParaRPr lang="fr-FR" dirty="0"/>
+          </a:p>
+        </p:txBody>
+      </p:sp>
+      <p:sp>
+        <p:nvSpPr>
+          <p:cNvPr id="15" name="Content Placeholder 14"/>
           <p:cNvSpPr>
             <a:spLocks noGrp="1"/>
           </p:cNvSpPr>
           <p:nvPr>
-            <p:ph idx="1"/>
+            <p:ph sz="half" idx="2"/>
           </p:nvPr>
         </p:nvSpPr>
-        <p:spPr/>
+        <p:spPr>
+          <a:xfrm>
+            <a:off x="3265512" y="1920085"/>
+            <a:ext cx="5410944" cy="4245219"/>
+          </a:xfrm>
+        </p:spPr>
         <p:txBody>
           <a:bodyPr/>
           <a:lstStyle/>
           <a:p>
-            <a:endParaRPr lang="fr-FR" dirty="0"/>
-          </a:p>
-        </p:txBody>
-      </p:sp>
-      <p:sp>
-        <p:nvSpPr>
-          <p:cNvPr id="4" name="Slide Number Placeholder 3"/>
+            <a:pPr>
+              <a:buNone/>
+            </a:pPr>
+            <a:r>
+              <a:rPr lang="en-US" dirty="0" smtClean="0"/>
+              <a:t>Moving:</a:t>
+            </a:r>
+          </a:p>
+          <a:p>
+            <a:pPr>
+              <a:buNone/>
+            </a:pPr>
+            <a:endParaRPr lang="en-US" dirty="0" smtClean="0"/>
+          </a:p>
+          <a:p>
+            <a:pPr>
+              <a:buNone/>
+            </a:pPr>
+            <a:endParaRPr lang="en-US" dirty="0" smtClean="0"/>
+          </a:p>
+          <a:p>
+            <a:pPr>
+              <a:buNone/>
+            </a:pPr>
+            <a:r>
+              <a:rPr lang="en-US" dirty="0" smtClean="0"/>
+              <a:t>Waiting:</a:t>
+            </a:r>
+          </a:p>
+          <a:p>
+            <a:pPr>
+              <a:buNone/>
+            </a:pPr>
+            <a:endParaRPr lang="en-US" dirty="0" smtClean="0"/>
+          </a:p>
+          <a:p>
+            <a:pPr>
+              <a:buNone/>
+            </a:pPr>
+            <a:endParaRPr lang="en-US" dirty="0" smtClean="0"/>
+          </a:p>
+          <a:p>
+            <a:pPr>
+              <a:buNone/>
+            </a:pPr>
+            <a:endParaRPr lang="en-US" dirty="0" smtClean="0"/>
+          </a:p>
+          <a:p>
+            <a:pPr>
+              <a:buNone/>
+            </a:pPr>
+            <a:r>
+              <a:rPr lang="en-US" dirty="0" smtClean="0"/>
+              <a:t>Wall:</a:t>
+            </a:r>
+            <a:endParaRPr lang="en-US" dirty="0" smtClean="0"/>
+          </a:p>
+        </p:txBody>
+      </p:sp>
+      <p:sp>
+        <p:nvSpPr>
+          <p:cNvPr id="5" name="Slide Number Placeholder 4"/>
           <p:cNvSpPr>
             <a:spLocks noGrp="1"/>
           </p:cNvSpPr>
@@ -16242,13 +17913,716 @@
               <a:pPr/>
               <a:t>26</a:t>
             </a:fld>
-            <a:endParaRPr lang="fr-FR"/>
+            <a:endParaRPr lang="fr-FR" dirty="0"/>
+          </a:p>
+        </p:txBody>
+      </p:sp>
+      <p:sp>
+        <p:nvSpPr>
+          <p:cNvPr id="6" name="TextBox 5"/>
+          <p:cNvSpPr txBox="1"/>
+          <p:nvPr/>
+        </p:nvSpPr>
+        <p:spPr>
+          <a:xfrm>
+            <a:off x="179512" y="5934670"/>
+            <a:ext cx="2736304" cy="923330"/>
+          </a:xfrm>
+          <a:prstGeom prst="rect">
+            <a:avLst/>
+          </a:prstGeom>
+          <a:noFill/>
+        </p:spPr>
+        <p:txBody>
+          <a:bodyPr wrap="square" rtlCol="0">
+            <a:spAutoFit/>
+          </a:bodyPr>
+          <a:lstStyle/>
+          <a:p>
+            <a:r>
+              <a:rPr lang="fr-FR" dirty="0" smtClean="0"/>
+              <a:t>Guénon Marie</a:t>
+            </a:r>
+          </a:p>
+          <a:p>
+            <a:r>
+              <a:rPr lang="fr-FR" dirty="0" smtClean="0"/>
+              <a:t>Achard Jean-Paul</a:t>
+            </a:r>
+          </a:p>
+          <a:p>
+            <a:r>
+              <a:rPr lang="fr-FR" dirty="0" smtClean="0"/>
+              <a:t>Favreau Jean-Dominique</a:t>
+            </a:r>
+            <a:endParaRPr lang="fr-FR" dirty="0"/>
+          </a:p>
+        </p:txBody>
+      </p:sp>
+      <p:sp>
+        <p:nvSpPr>
+          <p:cNvPr id="30725" name="Rectangle 5"/>
+          <p:cNvSpPr>
+            <a:spLocks noChangeArrowheads="1"/>
+          </p:cNvSpPr>
+          <p:nvPr/>
+        </p:nvSpPr>
+        <p:spPr bwMode="auto">
+          <a:xfrm>
+            <a:off x="0" y="0"/>
+            <a:ext cx="9144000" cy="457200"/>
+          </a:xfrm>
+          <a:prstGeom prst="rect">
+            <a:avLst/>
+          </a:prstGeom>
+          <a:noFill/>
+          <a:ln w="9525">
+            <a:noFill/>
+            <a:miter lim="800000"/>
+            <a:headEnd/>
+            <a:tailEnd/>
+          </a:ln>
+          <a:effectLst/>
+        </p:spPr>
+        <p:txBody>
+          <a:bodyPr vert="horz" wrap="none" lIns="91440" tIns="45720" rIns="91440" bIns="45720" numCol="1" anchor="ctr" anchorCtr="0" compatLnSpc="1">
+            <a:prstTxWarp prst="textNoShape">
+              <a:avLst/>
+            </a:prstTxWarp>
+            <a:spAutoFit/>
+          </a:bodyPr>
+          <a:lstStyle/>
+          <a:p>
+            <a:endParaRPr lang="fr-FR" dirty="0"/>
+          </a:p>
+        </p:txBody>
+      </p:sp>
+      <p:sp>
+        <p:nvSpPr>
+          <p:cNvPr id="30726" name="Rectangle 6"/>
+          <p:cNvSpPr>
+            <a:spLocks noChangeArrowheads="1"/>
+          </p:cNvSpPr>
+          <p:nvPr/>
+        </p:nvSpPr>
+        <p:spPr bwMode="auto">
+          <a:xfrm>
+            <a:off x="0" y="942975"/>
+            <a:ext cx="9144000" cy="0"/>
+          </a:xfrm>
+          <a:prstGeom prst="rect">
+            <a:avLst/>
+          </a:prstGeom>
+          <a:noFill/>
+          <a:ln w="9525">
+            <a:noFill/>
+            <a:miter lim="800000"/>
+            <a:headEnd/>
+            <a:tailEnd/>
+          </a:ln>
+          <a:effectLst/>
+        </p:spPr>
+        <p:txBody>
+          <a:bodyPr vert="horz" wrap="none" lIns="91440" tIns="45720" rIns="91440" bIns="45720" numCol="1" anchor="ctr" anchorCtr="0" compatLnSpc="1">
+            <a:prstTxWarp prst="textNoShape">
+              <a:avLst/>
+            </a:prstTxWarp>
+            <a:spAutoFit/>
+          </a:bodyPr>
+          <a:lstStyle/>
+          <a:p>
+            <a:pPr marL="0" marR="0" lvl="0" indent="0" algn="l" defTabSz="914400" rtl="0" eaLnBrk="1" fontAlgn="base" latinLnBrk="0" hangingPunct="1">
+              <a:lnSpc>
+                <a:spcPct val="100000"/>
+              </a:lnSpc>
+              <a:spcBef>
+                <a:spcPct val="0"/>
+              </a:spcBef>
+              <a:spcAft>
+                <a:spcPct val="0"/>
+              </a:spcAft>
+              <a:buClrTx/>
+              <a:buSzTx/>
+              <a:buFontTx/>
+              <a:buNone/>
+              <a:tabLst/>
+            </a:pPr>
+            <a:endParaRPr kumimoji="0" lang="fr-FR" sz="1800" b="0" i="0" u="none" strike="noStrike" cap="none" normalizeH="0" baseline="0" dirty="0" smtClean="0">
+              <a:ln>
+                <a:noFill/>
+              </a:ln>
+              <a:solidFill>
+                <a:schemeClr val="tx1"/>
+              </a:solidFill>
+              <a:effectLst/>
+              <a:latin typeface="Arial" pitchFamily="34" charset="0"/>
+              <a:cs typeface="Arial" pitchFamily="34" charset="0"/>
+            </a:endParaRPr>
+          </a:p>
+        </p:txBody>
+      </p:sp>
+      <p:sp>
+        <p:nvSpPr>
+          <p:cNvPr id="47108" name="Rectangle 4"/>
+          <p:cNvSpPr>
+            <a:spLocks noChangeArrowheads="1"/>
+          </p:cNvSpPr>
+          <p:nvPr/>
+        </p:nvSpPr>
+        <p:spPr bwMode="auto">
+          <a:xfrm>
+            <a:off x="0" y="0"/>
+            <a:ext cx="9144000" cy="457200"/>
+          </a:xfrm>
+          <a:prstGeom prst="rect">
+            <a:avLst/>
+          </a:prstGeom>
+          <a:noFill/>
+          <a:ln w="9525">
+            <a:noFill/>
+            <a:miter lim="800000"/>
+            <a:headEnd/>
+            <a:tailEnd/>
+          </a:ln>
+          <a:effectLst/>
+        </p:spPr>
+        <p:txBody>
+          <a:bodyPr vert="horz" wrap="none" lIns="91440" tIns="45720" rIns="91440" bIns="45720" numCol="1" anchor="ctr" anchorCtr="0" compatLnSpc="1">
+            <a:prstTxWarp prst="textNoShape">
+              <a:avLst/>
+            </a:prstTxWarp>
+            <a:spAutoFit/>
+          </a:bodyPr>
+          <a:lstStyle/>
+          <a:p>
+            <a:endParaRPr lang="fr-FR" dirty="0"/>
+          </a:p>
+        </p:txBody>
+      </p:sp>
+      <p:sp>
+        <p:nvSpPr>
+          <p:cNvPr id="47109" name="Rectangle 5"/>
+          <p:cNvSpPr>
+            <a:spLocks noChangeArrowheads="1"/>
+          </p:cNvSpPr>
+          <p:nvPr/>
+        </p:nvSpPr>
+        <p:spPr bwMode="auto">
+          <a:xfrm>
+            <a:off x="0" y="723900"/>
+            <a:ext cx="9144000" cy="0"/>
+          </a:xfrm>
+          <a:prstGeom prst="rect">
+            <a:avLst/>
+          </a:prstGeom>
+          <a:noFill/>
+          <a:ln w="9525">
+            <a:noFill/>
+            <a:miter lim="800000"/>
+            <a:headEnd/>
+            <a:tailEnd/>
+          </a:ln>
+          <a:effectLst/>
+        </p:spPr>
+        <p:txBody>
+          <a:bodyPr vert="horz" wrap="none" lIns="91440" tIns="45720" rIns="91440" bIns="45720" numCol="1" anchor="ctr" anchorCtr="0" compatLnSpc="1">
+            <a:prstTxWarp prst="textNoShape">
+              <a:avLst/>
+            </a:prstTxWarp>
+            <a:spAutoFit/>
+          </a:bodyPr>
+          <a:lstStyle/>
+          <a:p>
+            <a:pPr marL="0" marR="0" lvl="0" indent="0" algn="l" defTabSz="914400" rtl="0" eaLnBrk="1" fontAlgn="base" latinLnBrk="0" hangingPunct="1">
+              <a:lnSpc>
+                <a:spcPct val="100000"/>
+              </a:lnSpc>
+              <a:spcBef>
+                <a:spcPct val="0"/>
+              </a:spcBef>
+              <a:spcAft>
+                <a:spcPct val="0"/>
+              </a:spcAft>
+              <a:buClrTx/>
+              <a:buSzTx/>
+              <a:buFontTx/>
+              <a:buNone/>
+              <a:tabLst/>
+            </a:pPr>
+            <a:endParaRPr kumimoji="0" lang="fr-FR" sz="1800" b="0" i="0" u="none" strike="noStrike" cap="none" normalizeH="0" baseline="0" dirty="0" smtClean="0">
+              <a:ln>
+                <a:noFill/>
+              </a:ln>
+              <a:solidFill>
+                <a:schemeClr val="tx1"/>
+              </a:solidFill>
+              <a:effectLst/>
+              <a:latin typeface="Arial" pitchFamily="34" charset="0"/>
+              <a:cs typeface="Arial" pitchFamily="34" charset="0"/>
+            </a:endParaRPr>
+          </a:p>
+        </p:txBody>
+      </p:sp>
+      <p:sp>
+        <p:nvSpPr>
+          <p:cNvPr id="47111" name="Rectangle 7"/>
+          <p:cNvSpPr>
+            <a:spLocks noChangeArrowheads="1"/>
+          </p:cNvSpPr>
+          <p:nvPr/>
+        </p:nvSpPr>
+        <p:spPr bwMode="auto">
+          <a:xfrm>
+            <a:off x="0" y="0"/>
+            <a:ext cx="9144000" cy="457200"/>
+          </a:xfrm>
+          <a:prstGeom prst="rect">
+            <a:avLst/>
+          </a:prstGeom>
+          <a:noFill/>
+          <a:ln w="9525">
+            <a:noFill/>
+            <a:miter lim="800000"/>
+            <a:headEnd/>
+            <a:tailEnd/>
+          </a:ln>
+          <a:effectLst/>
+        </p:spPr>
+        <p:txBody>
+          <a:bodyPr vert="horz" wrap="none" lIns="91440" tIns="45720" rIns="91440" bIns="45720" numCol="1" anchor="ctr" anchorCtr="0" compatLnSpc="1">
+            <a:prstTxWarp prst="textNoShape">
+              <a:avLst/>
+            </a:prstTxWarp>
+            <a:spAutoFit/>
+          </a:bodyPr>
+          <a:lstStyle/>
+          <a:p>
+            <a:endParaRPr lang="fr-FR" dirty="0"/>
+          </a:p>
+        </p:txBody>
+      </p:sp>
+      <p:sp>
+        <p:nvSpPr>
+          <p:cNvPr id="47112" name="Rectangle 8"/>
+          <p:cNvSpPr>
+            <a:spLocks noChangeArrowheads="1"/>
+          </p:cNvSpPr>
+          <p:nvPr/>
+        </p:nvSpPr>
+        <p:spPr bwMode="auto">
+          <a:xfrm>
+            <a:off x="0" y="723900"/>
+            <a:ext cx="9144000" cy="0"/>
+          </a:xfrm>
+          <a:prstGeom prst="rect">
+            <a:avLst/>
+          </a:prstGeom>
+          <a:noFill/>
+          <a:ln w="9525">
+            <a:noFill/>
+            <a:miter lim="800000"/>
+            <a:headEnd/>
+            <a:tailEnd/>
+          </a:ln>
+          <a:effectLst/>
+        </p:spPr>
+        <p:txBody>
+          <a:bodyPr vert="horz" wrap="none" lIns="91440" tIns="45720" rIns="91440" bIns="45720" numCol="1" anchor="ctr" anchorCtr="0" compatLnSpc="1">
+            <a:prstTxWarp prst="textNoShape">
+              <a:avLst/>
+            </a:prstTxWarp>
+            <a:spAutoFit/>
+          </a:bodyPr>
+          <a:lstStyle/>
+          <a:p>
+            <a:pPr marL="0" marR="0" lvl="0" indent="0" algn="l" defTabSz="914400" rtl="0" eaLnBrk="1" fontAlgn="base" latinLnBrk="0" hangingPunct="1">
+              <a:lnSpc>
+                <a:spcPct val="100000"/>
+              </a:lnSpc>
+              <a:spcBef>
+                <a:spcPct val="0"/>
+              </a:spcBef>
+              <a:spcAft>
+                <a:spcPct val="0"/>
+              </a:spcAft>
+              <a:buClrTx/>
+              <a:buSzTx/>
+              <a:buFontTx/>
+              <a:buNone/>
+              <a:tabLst/>
+            </a:pPr>
+            <a:endParaRPr kumimoji="0" lang="fr-FR" sz="1800" b="0" i="0" u="none" strike="noStrike" cap="none" normalizeH="0" baseline="0" dirty="0" smtClean="0">
+              <a:ln>
+                <a:noFill/>
+              </a:ln>
+              <a:solidFill>
+                <a:schemeClr val="tx1"/>
+              </a:solidFill>
+              <a:effectLst/>
+              <a:latin typeface="Arial" pitchFamily="34" charset="0"/>
+              <a:cs typeface="Arial" pitchFamily="34" charset="0"/>
+            </a:endParaRPr>
+          </a:p>
+        </p:txBody>
+      </p:sp>
+      <p:sp>
+        <p:nvSpPr>
+          <p:cNvPr id="48130" name="Rectangle 2"/>
+          <p:cNvSpPr>
+            <a:spLocks noChangeArrowheads="1"/>
+          </p:cNvSpPr>
+          <p:nvPr/>
+        </p:nvSpPr>
+        <p:spPr bwMode="auto">
+          <a:xfrm>
+            <a:off x="0" y="0"/>
+            <a:ext cx="9144000" cy="457200"/>
+          </a:xfrm>
+          <a:prstGeom prst="rect">
+            <a:avLst/>
+          </a:prstGeom>
+          <a:noFill/>
+          <a:ln w="9525">
+            <a:noFill/>
+            <a:miter lim="800000"/>
+            <a:headEnd/>
+            <a:tailEnd/>
+          </a:ln>
+          <a:effectLst/>
+        </p:spPr>
+        <p:txBody>
+          <a:bodyPr vert="horz" wrap="none" lIns="91440" tIns="45720" rIns="91440" bIns="45720" numCol="1" anchor="ctr" anchorCtr="0" compatLnSpc="1">
+            <a:prstTxWarp prst="textNoShape">
+              <a:avLst/>
+            </a:prstTxWarp>
+            <a:spAutoFit/>
+          </a:bodyPr>
+          <a:lstStyle/>
+          <a:p>
+            <a:endParaRPr lang="fr-FR" dirty="0"/>
+          </a:p>
+        </p:txBody>
+      </p:sp>
+      <p:sp>
+        <p:nvSpPr>
+          <p:cNvPr id="48131" name="Rectangle 3"/>
+          <p:cNvSpPr>
+            <a:spLocks noChangeArrowheads="1"/>
+          </p:cNvSpPr>
+          <p:nvPr/>
+        </p:nvSpPr>
+        <p:spPr bwMode="auto">
+          <a:xfrm>
+            <a:off x="0" y="828675"/>
+            <a:ext cx="9144000" cy="0"/>
+          </a:xfrm>
+          <a:prstGeom prst="rect">
+            <a:avLst/>
+          </a:prstGeom>
+          <a:noFill/>
+          <a:ln w="9525">
+            <a:noFill/>
+            <a:miter lim="800000"/>
+            <a:headEnd/>
+            <a:tailEnd/>
+          </a:ln>
+          <a:effectLst/>
+        </p:spPr>
+        <p:txBody>
+          <a:bodyPr vert="horz" wrap="none" lIns="91440" tIns="45720" rIns="91440" bIns="45720" numCol="1" anchor="ctr" anchorCtr="0" compatLnSpc="1">
+            <a:prstTxWarp prst="textNoShape">
+              <a:avLst/>
+            </a:prstTxWarp>
+            <a:spAutoFit/>
+          </a:bodyPr>
+          <a:lstStyle/>
+          <a:p>
+            <a:pPr marL="0" marR="0" lvl="0" indent="0" algn="l" defTabSz="914400" rtl="0" eaLnBrk="1" fontAlgn="base" latinLnBrk="0" hangingPunct="1">
+              <a:lnSpc>
+                <a:spcPct val="100000"/>
+              </a:lnSpc>
+              <a:spcBef>
+                <a:spcPct val="0"/>
+              </a:spcBef>
+              <a:spcAft>
+                <a:spcPct val="0"/>
+              </a:spcAft>
+              <a:buClrTx/>
+              <a:buSzTx/>
+              <a:buFontTx/>
+              <a:buNone/>
+              <a:tabLst/>
+            </a:pPr>
+            <a:endParaRPr kumimoji="0" lang="fr-FR" sz="1800" b="0" i="0" u="none" strike="noStrike" cap="none" normalizeH="0" baseline="0" dirty="0" smtClean="0">
+              <a:ln>
+                <a:noFill/>
+              </a:ln>
+              <a:solidFill>
+                <a:schemeClr val="tx1"/>
+              </a:solidFill>
+              <a:effectLst/>
+              <a:latin typeface="Arial" pitchFamily="34" charset="0"/>
+              <a:cs typeface="Arial" pitchFamily="34" charset="0"/>
+            </a:endParaRPr>
+          </a:p>
+        </p:txBody>
+      </p:sp>
+      <p:sp>
+        <p:nvSpPr>
+          <p:cNvPr id="16" name="TextBox 15"/>
+          <p:cNvSpPr txBox="1"/>
+          <p:nvPr/>
+        </p:nvSpPr>
+        <p:spPr>
+          <a:xfrm>
+            <a:off x="3707904" y="6309320"/>
+            <a:ext cx="1008112" cy="369332"/>
+          </a:xfrm>
+          <a:prstGeom prst="rect">
+            <a:avLst/>
+          </a:prstGeom>
+          <a:noFill/>
+        </p:spPr>
+        <p:txBody>
+          <a:bodyPr wrap="square" rtlCol="0">
+            <a:spAutoFit/>
+          </a:bodyPr>
+          <a:lstStyle/>
+          <a:p>
+            <a:r>
+              <a:rPr lang="fr-FR" dirty="0" smtClean="0"/>
+              <a:t>MAM4</a:t>
+            </a:r>
+            <a:endParaRPr lang="fr-FR" dirty="0"/>
           </a:p>
         </p:txBody>
       </p:sp>
       <p:pic>
         <p:nvPicPr>
-          <p:cNvPr id="5" name="Picture 2" descr="http://jaiunproblemeavecmonpc.files.wordpress.com/2012/06/pc-question.jpg"/>
+          <p:cNvPr id="4098" name="Picture 2" descr="G:\ihm\Capture2.PNG"/>
+          <p:cNvPicPr>
+            <a:picLocks noChangeAspect="1" noChangeArrowheads="1"/>
+          </p:cNvPicPr>
+          <p:nvPr/>
+        </p:nvPicPr>
+        <p:blipFill>
+          <a:blip r:embed="rId2" cstate="print"/>
+          <a:srcRect l="31635" t="35059" r="43181" b="22467"/>
+          <a:stretch>
+            <a:fillRect/>
+          </a:stretch>
+        </p:blipFill>
+        <p:spPr bwMode="auto">
+          <a:xfrm>
+            <a:off x="5004048" y="3212976"/>
+            <a:ext cx="1224136" cy="1224136"/>
+          </a:xfrm>
+          <a:prstGeom prst="rect">
+            <a:avLst/>
+          </a:prstGeom>
+          <a:noFill/>
+        </p:spPr>
+      </p:pic>
+      <p:pic>
+        <p:nvPicPr>
+          <p:cNvPr id="4099" name="Picture 3" descr="G:\ihm\Capture.PNG"/>
+          <p:cNvPicPr>
+            <a:picLocks noChangeAspect="1" noChangeArrowheads="1"/>
+          </p:cNvPicPr>
+          <p:nvPr/>
+        </p:nvPicPr>
+        <p:blipFill>
+          <a:blip r:embed="rId3" cstate="print"/>
+          <a:srcRect l="36084" t="22915" r="41290" b="33820"/>
+          <a:stretch>
+            <a:fillRect/>
+          </a:stretch>
+        </p:blipFill>
+        <p:spPr bwMode="auto">
+          <a:xfrm>
+            <a:off x="5004048" y="4653136"/>
+            <a:ext cx="1224136" cy="1368152"/>
+          </a:xfrm>
+          <a:prstGeom prst="rect">
+            <a:avLst/>
+          </a:prstGeom>
+          <a:noFill/>
+        </p:spPr>
+      </p:pic>
+      <p:pic>
+        <p:nvPicPr>
+          <p:cNvPr id="20" name="Picture 2" descr="G:\Capture du 2013-01-18 11_44_55.png"/>
+          <p:cNvPicPr>
+            <a:picLocks noChangeAspect="1" noChangeArrowheads="1"/>
+          </p:cNvPicPr>
+          <p:nvPr/>
+        </p:nvPicPr>
+        <p:blipFill>
+          <a:blip r:embed="rId4" cstate="print"/>
+          <a:srcRect l="38263" t="53289" r="57229" b="38227"/>
+          <a:stretch>
+            <a:fillRect/>
+          </a:stretch>
+        </p:blipFill>
+        <p:spPr bwMode="auto">
+          <a:xfrm>
+            <a:off x="5004048" y="1844824"/>
+            <a:ext cx="1224136" cy="1296144"/>
+          </a:xfrm>
+          <a:prstGeom prst="rect">
+            <a:avLst/>
+          </a:prstGeom>
+          <a:noFill/>
+        </p:spPr>
+      </p:pic>
+    </p:spTree>
+  </p:cSld>
+  <p:clrMapOvr>
+    <a:masterClrMapping/>
+  </p:clrMapOvr>
+  <p:timing>
+    <p:tnLst>
+      <p:par>
+        <p:cTn id="1" dur="indefinite" restart="never" nodeType="tmRoot"/>
+      </p:par>
+    </p:tnLst>
+  </p:timing>
+</p:sld>
+</file>
+
+<file path=ppt/slides/slide27.xml><?xml version="1.0" encoding="utf-8"?>
+<p:sld xmlns:a="http://schemas.openxmlformats.org/drawingml/2006/main" xmlns:r="http://schemas.openxmlformats.org/officeDocument/2006/relationships" xmlns:p="http://schemas.openxmlformats.org/presentationml/2006/main">
+  <p:cSld>
+    <p:spTree>
+      <p:nvGrpSpPr>
+        <p:cNvPr id="1" name=""/>
+        <p:cNvGrpSpPr/>
+        <p:nvPr/>
+      </p:nvGrpSpPr>
+      <p:grpSpPr>
+        <a:xfrm>
+          <a:off x="0" y="0"/>
+          <a:ext cx="0" cy="0"/>
+          <a:chOff x="0" y="0"/>
+          <a:chExt cx="0" cy="0"/>
+        </a:xfrm>
+      </p:grpSpPr>
+      <p:sp>
+        <p:nvSpPr>
+          <p:cNvPr id="3" name="Title 2"/>
+          <p:cNvSpPr>
+            <a:spLocks noGrp="1"/>
+          </p:cNvSpPr>
+          <p:nvPr>
+            <p:ph type="title"/>
+          </p:nvPr>
+        </p:nvSpPr>
+        <p:spPr/>
+        <p:txBody>
+          <a:bodyPr/>
+          <a:lstStyle/>
+          <a:p>
+            <a:r>
+              <a:rPr lang="fr-FR" dirty="0" smtClean="0"/>
+              <a:t>Conclusion</a:t>
+            </a:r>
+            <a:endParaRPr lang="fr-FR" dirty="0"/>
+          </a:p>
+        </p:txBody>
+      </p:sp>
+      <p:sp>
+        <p:nvSpPr>
+          <p:cNvPr id="2" name="Content Placeholder 1"/>
+          <p:cNvSpPr>
+            <a:spLocks noGrp="1"/>
+          </p:cNvSpPr>
+          <p:nvPr>
+            <p:ph idx="1"/>
+          </p:nvPr>
+        </p:nvSpPr>
+        <p:spPr>
+          <a:xfrm>
+            <a:off x="457200" y="1935480"/>
+            <a:ext cx="8229600" cy="4013800"/>
+          </a:xfrm>
+        </p:spPr>
+        <p:txBody>
+          <a:bodyPr/>
+          <a:lstStyle/>
+          <a:p>
+            <a:endParaRPr lang="fr-FR" dirty="0"/>
+          </a:p>
+        </p:txBody>
+      </p:sp>
+      <p:sp>
+        <p:nvSpPr>
+          <p:cNvPr id="5" name="Slide Number Placeholder 4"/>
+          <p:cNvSpPr>
+            <a:spLocks noGrp="1"/>
+          </p:cNvSpPr>
+          <p:nvPr>
+            <p:ph type="sldNum" sz="quarter" idx="12"/>
+          </p:nvPr>
+        </p:nvSpPr>
+        <p:spPr/>
+        <p:txBody>
+          <a:bodyPr/>
+          <a:lstStyle/>
+          <a:p>
+            <a:fld id="{2DF02132-0EFC-4140-B7E5-E20918FBBD76}" type="slidenum">
+              <a:rPr lang="fr-FR" smtClean="0"/>
+              <a:pPr/>
+              <a:t>27</a:t>
+            </a:fld>
+            <a:endParaRPr lang="fr-FR" dirty="0"/>
+          </a:p>
+        </p:txBody>
+      </p:sp>
+      <p:sp>
+        <p:nvSpPr>
+          <p:cNvPr id="6" name="TextBox 5"/>
+          <p:cNvSpPr txBox="1"/>
+          <p:nvPr/>
+        </p:nvSpPr>
+        <p:spPr>
+          <a:xfrm>
+            <a:off x="179512" y="5934670"/>
+            <a:ext cx="2736304" cy="923330"/>
+          </a:xfrm>
+          <a:prstGeom prst="rect">
+            <a:avLst/>
+          </a:prstGeom>
+          <a:noFill/>
+        </p:spPr>
+        <p:txBody>
+          <a:bodyPr wrap="square" rtlCol="0">
+            <a:spAutoFit/>
+          </a:bodyPr>
+          <a:lstStyle/>
+          <a:p>
+            <a:r>
+              <a:rPr lang="fr-FR" dirty="0" smtClean="0"/>
+              <a:t>Guénon Marie</a:t>
+            </a:r>
+          </a:p>
+          <a:p>
+            <a:r>
+              <a:rPr lang="fr-FR" dirty="0" smtClean="0"/>
+              <a:t>Achard Jean-Paul</a:t>
+            </a:r>
+          </a:p>
+          <a:p>
+            <a:r>
+              <a:rPr lang="fr-FR" dirty="0" smtClean="0"/>
+              <a:t>Favreau Jean-Dominique</a:t>
+            </a:r>
+            <a:endParaRPr lang="fr-FR" dirty="0"/>
+          </a:p>
+        </p:txBody>
+      </p:sp>
+      <p:pic>
+        <p:nvPicPr>
+          <p:cNvPr id="16386" name="Picture 2" descr="http://alumni.polytech.unice.fr/wp-content/uploads/2009/12/logoPolytechNice.png"/>
           <p:cNvPicPr>
             <a:picLocks noChangeAspect="1" noChangeArrowheads="1"/>
           </p:cNvPicPr>
@@ -16263,8 +18637,8 @@
         </p:blipFill>
         <p:spPr bwMode="auto">
           <a:xfrm>
-            <a:off x="2123728" y="1916832"/>
-            <a:ext cx="4941168" cy="4941168"/>
+            <a:off x="5724128" y="6191249"/>
+            <a:ext cx="2114550" cy="666751"/>
           </a:xfrm>
           <a:prstGeom prst="rect">
             <a:avLst/>
@@ -16280,6 +18654,187 @@
         </p:nvSpPr>
         <p:spPr>
           <a:xfrm>
+            <a:off x="3707904" y="6309320"/>
+            <a:ext cx="1008112" cy="369332"/>
+          </a:xfrm>
+          <a:prstGeom prst="rect">
+            <a:avLst/>
+          </a:prstGeom>
+          <a:noFill/>
+        </p:spPr>
+        <p:txBody>
+          <a:bodyPr wrap="square" rtlCol="0">
+            <a:spAutoFit/>
+          </a:bodyPr>
+          <a:lstStyle/>
+          <a:p>
+            <a:r>
+              <a:rPr lang="fr-FR" dirty="0" smtClean="0"/>
+              <a:t>MAM4</a:t>
+            </a:r>
+            <a:endParaRPr lang="fr-FR" dirty="0"/>
+          </a:p>
+        </p:txBody>
+      </p:sp>
+    </p:spTree>
+  </p:cSld>
+  <p:clrMapOvr>
+    <a:masterClrMapping/>
+  </p:clrMapOvr>
+  <p:timing>
+    <p:tnLst>
+      <p:par>
+        <p:cTn id="1" dur="indefinite" restart="never" nodeType="tmRoot"/>
+      </p:par>
+    </p:tnLst>
+  </p:timing>
+</p:sld>
+</file>
+
+<file path=ppt/slides/slide28.xml><?xml version="1.0" encoding="utf-8"?>
+<p:sld xmlns:a="http://schemas.openxmlformats.org/drawingml/2006/main" xmlns:r="http://schemas.openxmlformats.org/officeDocument/2006/relationships" xmlns:p="http://schemas.openxmlformats.org/presentationml/2006/main">
+  <p:cSld>
+    <p:spTree>
+      <p:nvGrpSpPr>
+        <p:cNvPr id="1" name=""/>
+        <p:cNvGrpSpPr/>
+        <p:nvPr/>
+      </p:nvGrpSpPr>
+      <p:grpSpPr>
+        <a:xfrm>
+          <a:off x="0" y="0"/>
+          <a:ext cx="0" cy="0"/>
+          <a:chOff x="0" y="0"/>
+          <a:chExt cx="0" cy="0"/>
+        </a:xfrm>
+      </p:grpSpPr>
+      <p:sp>
+        <p:nvSpPr>
+          <p:cNvPr id="3" name="Title 2"/>
+          <p:cNvSpPr>
+            <a:spLocks noGrp="1"/>
+          </p:cNvSpPr>
+          <p:nvPr>
+            <p:ph type="title"/>
+          </p:nvPr>
+        </p:nvSpPr>
+        <p:spPr/>
+        <p:txBody>
+          <a:bodyPr/>
+          <a:lstStyle/>
+          <a:p>
+            <a:r>
+              <a:rPr lang="fr-FR" dirty="0" smtClean="0"/>
+              <a:t>Sources</a:t>
+            </a:r>
+            <a:endParaRPr lang="fr-FR" dirty="0"/>
+          </a:p>
+        </p:txBody>
+      </p:sp>
+      <p:sp>
+        <p:nvSpPr>
+          <p:cNvPr id="2" name="Content Placeholder 1"/>
+          <p:cNvSpPr>
+            <a:spLocks noGrp="1"/>
+          </p:cNvSpPr>
+          <p:nvPr>
+            <p:ph idx="1"/>
+          </p:nvPr>
+        </p:nvSpPr>
+        <p:spPr>
+          <a:xfrm>
+            <a:off x="457200" y="1935480"/>
+            <a:ext cx="8229600" cy="4013800"/>
+          </a:xfrm>
+        </p:spPr>
+        <p:txBody>
+          <a:bodyPr/>
+          <a:lstStyle/>
+          <a:p>
+            <a:r>
+              <a:rPr lang="fr-FR" dirty="0" smtClean="0"/>
+              <a:t>J. Leroux </a:t>
+            </a:r>
+            <a:r>
+              <a:rPr lang="fr-FR" sz="1800" dirty="0" smtClean="0"/>
+              <a:t>« </a:t>
+            </a:r>
+            <a:r>
+              <a:rPr lang="fr-FR" sz="1800" dirty="0" err="1" smtClean="0"/>
+              <a:t>Dynamic</a:t>
+            </a:r>
+            <a:r>
+              <a:rPr lang="fr-FR" sz="1800" dirty="0" smtClean="0"/>
+              <a:t> time </a:t>
+            </a:r>
+            <a:r>
+              <a:rPr lang="fr-FR" sz="1800" dirty="0" err="1" smtClean="0"/>
+              <a:t>warping</a:t>
+            </a:r>
+            <a:r>
+              <a:rPr lang="fr-FR" sz="1800" dirty="0" smtClean="0"/>
+              <a:t> », « HMI », TNS</a:t>
+            </a:r>
+            <a:endParaRPr lang="fr-FR" dirty="0" smtClean="0"/>
+          </a:p>
+          <a:p>
+            <a:r>
+              <a:rPr lang="fr-FR" dirty="0" err="1" smtClean="0"/>
+              <a:t>Wikipedia</a:t>
+            </a:r>
+            <a:endParaRPr lang="fr-FR" dirty="0" smtClean="0"/>
+          </a:p>
+          <a:p>
+            <a:r>
+              <a:rPr lang="fr-FR" dirty="0" smtClean="0"/>
+              <a:t>J. Mariani </a:t>
+            </a:r>
+            <a:r>
+              <a:rPr lang="fr-FR" sz="1800" dirty="0" smtClean="0"/>
+              <a:t>« Reconnaissance de la parole, progrès et tendances », 1990</a:t>
+            </a:r>
+          </a:p>
+          <a:p>
+            <a:r>
+              <a:rPr lang="fr-FR" dirty="0" smtClean="0"/>
+              <a:t>…</a:t>
+            </a:r>
+            <a:endParaRPr lang="fr-FR" dirty="0"/>
+          </a:p>
+        </p:txBody>
+      </p:sp>
+      <p:sp>
+        <p:nvSpPr>
+          <p:cNvPr id="5" name="Slide Number Placeholder 4"/>
+          <p:cNvSpPr>
+            <a:spLocks noGrp="1"/>
+          </p:cNvSpPr>
+          <p:nvPr>
+            <p:ph type="sldNum" sz="quarter" idx="12"/>
+          </p:nvPr>
+        </p:nvSpPr>
+        <p:spPr/>
+        <p:txBody>
+          <a:bodyPr/>
+          <a:lstStyle/>
+          <a:p>
+            <a:fld id="{2DF02132-0EFC-4140-B7E5-E20918FBBD76}" type="slidenum">
+              <a:rPr lang="fr-FR" smtClean="0"/>
+              <a:pPr/>
+              <a:t>28</a:t>
+            </a:fld>
+            <a:endParaRPr lang="fr-FR"/>
+          </a:p>
+        </p:txBody>
+      </p:sp>
+      <p:sp>
+        <p:nvSpPr>
+          <p:cNvPr id="6" name="TextBox 5"/>
+          <p:cNvSpPr txBox="1"/>
+          <p:nvPr/>
+        </p:nvSpPr>
+        <p:spPr>
+          <a:xfrm>
             <a:off x="179512" y="5934670"/>
             <a:ext cx="2736304" cy="923330"/>
           </a:xfrm>
@@ -16316,14 +18871,14 @@
       </p:sp>
       <p:pic>
         <p:nvPicPr>
-          <p:cNvPr id="8" name="Picture 2" descr="http://alumni.polytech.unice.fr/wp-content/uploads/2009/12/logoPolytechNice.png"/>
+          <p:cNvPr id="16386" name="Picture 2" descr="http://alumni.polytech.unice.fr/wp-content/uploads/2009/12/logoPolytechNice.png"/>
           <p:cNvPicPr>
             <a:picLocks noChangeAspect="1" noChangeArrowheads="1"/>
           </p:cNvPicPr>
           <p:nvPr/>
         </p:nvPicPr>
         <p:blipFill>
-          <a:blip r:embed="rId3" cstate="print"/>
+          <a:blip r:embed="rId2" cstate="print"/>
           <a:srcRect/>
           <a:stretch>
             <a:fillRect/>
@@ -16342,7 +18897,7 @@
       </p:pic>
       <p:sp>
         <p:nvSpPr>
-          <p:cNvPr id="9" name="TextBox 8"/>
+          <p:cNvPr id="7" name="TextBox 6"/>
           <p:cNvSpPr txBox="1"/>
           <p:nvPr/>
         </p:nvSpPr>
@@ -16370,6 +18925,121 @@
           </a:p>
         </p:txBody>
       </p:sp>
+    </p:spTree>
+  </p:cSld>
+  <p:clrMapOvr>
+    <a:masterClrMapping/>
+  </p:clrMapOvr>
+  <p:timing>
+    <p:tnLst>
+      <p:par>
+        <p:cTn id="1" dur="indefinite" restart="never" nodeType="tmRoot"/>
+      </p:par>
+    </p:tnLst>
+  </p:timing>
+</p:sld>
+</file>
+
+<file path=ppt/slides/slide29.xml><?xml version="1.0" encoding="utf-8"?>
+<p:sld xmlns:a="http://schemas.openxmlformats.org/drawingml/2006/main" xmlns:r="http://schemas.openxmlformats.org/officeDocument/2006/relationships" xmlns:p="http://schemas.openxmlformats.org/presentationml/2006/main">
+  <p:cSld>
+    <p:spTree>
+      <p:nvGrpSpPr>
+        <p:cNvPr id="1" name=""/>
+        <p:cNvGrpSpPr/>
+        <p:nvPr/>
+      </p:nvGrpSpPr>
+      <p:grpSpPr>
+        <a:xfrm>
+          <a:off x="0" y="0"/>
+          <a:ext cx="0" cy="0"/>
+          <a:chOff x="0" y="0"/>
+          <a:chExt cx="0" cy="0"/>
+        </a:xfrm>
+      </p:grpSpPr>
+      <p:sp>
+        <p:nvSpPr>
+          <p:cNvPr id="2" name="Title 1"/>
+          <p:cNvSpPr>
+            <a:spLocks noGrp="1"/>
+          </p:cNvSpPr>
+          <p:nvPr>
+            <p:ph type="title"/>
+          </p:nvPr>
+        </p:nvSpPr>
+        <p:spPr/>
+        <p:txBody>
+          <a:bodyPr/>
+          <a:lstStyle/>
+          <a:p>
+            <a:pPr algn="ctr"/>
+            <a:r>
+              <a:rPr lang="en-US" dirty="0" smtClean="0"/>
+              <a:t>Practice !</a:t>
+            </a:r>
+            <a:endParaRPr lang="en-US" dirty="0"/>
+          </a:p>
+        </p:txBody>
+      </p:sp>
+      <p:sp>
+        <p:nvSpPr>
+          <p:cNvPr id="4" name="Slide Number Placeholder 3"/>
+          <p:cNvSpPr>
+            <a:spLocks noGrp="1"/>
+          </p:cNvSpPr>
+          <p:nvPr>
+            <p:ph type="sldNum" sz="quarter" idx="12"/>
+          </p:nvPr>
+        </p:nvSpPr>
+        <p:spPr/>
+        <p:txBody>
+          <a:bodyPr/>
+          <a:lstStyle/>
+          <a:p>
+            <a:fld id="{2DF02132-0EFC-4140-B7E5-E20918FBBD76}" type="slidenum">
+              <a:rPr lang="fr-FR" smtClean="0"/>
+              <a:pPr/>
+              <a:t>29</a:t>
+            </a:fld>
+            <a:endParaRPr lang="fr-FR"/>
+          </a:p>
+        </p:txBody>
+      </p:sp>
+      <p:pic>
+        <p:nvPicPr>
+          <p:cNvPr id="1029" name="Picture 5"/>
+          <p:cNvPicPr>
+            <a:picLocks noGrp="1" noChangeAspect="1" noChangeArrowheads="1"/>
+          </p:cNvPicPr>
+          <p:nvPr>
+            <p:ph idx="1"/>
+          </p:nvPr>
+        </p:nvPicPr>
+        <p:blipFill>
+          <a:blip r:embed="rId2" cstate="print"/>
+          <a:srcRect/>
+          <a:stretch>
+            <a:fillRect/>
+          </a:stretch>
+        </p:blipFill>
+        <p:spPr bwMode="auto">
+          <a:xfrm>
+            <a:off x="395536" y="3284984"/>
+            <a:ext cx="8483326" cy="1249710"/>
+          </a:xfrm>
+          <a:prstGeom prst="rect">
+            <a:avLst/>
+          </a:prstGeom>
+          <a:noFill/>
+          <a:ln w="9525">
+            <a:noFill/>
+            <a:miter lim="800000"/>
+            <a:headEnd/>
+            <a:tailEnd/>
+          </a:ln>
+          <a:effectLst/>
+        </p:spPr>
+      </p:pic>
     </p:spTree>
   </p:cSld>
   <p:clrMapOvr>
@@ -16664,6 +19334,229 @@
       <p:sp>
         <p:nvSpPr>
           <p:cNvPr id="7" name="TextBox 6"/>
+          <p:cNvSpPr txBox="1"/>
+          <p:nvPr/>
+        </p:nvSpPr>
+        <p:spPr>
+          <a:xfrm>
+            <a:off x="3707904" y="6309320"/>
+            <a:ext cx="1008112" cy="369332"/>
+          </a:xfrm>
+          <a:prstGeom prst="rect">
+            <a:avLst/>
+          </a:prstGeom>
+          <a:noFill/>
+        </p:spPr>
+        <p:txBody>
+          <a:bodyPr wrap="square" rtlCol="0">
+            <a:spAutoFit/>
+          </a:bodyPr>
+          <a:lstStyle/>
+          <a:p>
+            <a:r>
+              <a:rPr lang="fr-FR" dirty="0" smtClean="0"/>
+              <a:t>MAM4</a:t>
+            </a:r>
+            <a:endParaRPr lang="fr-FR" dirty="0"/>
+          </a:p>
+        </p:txBody>
+      </p:sp>
+    </p:spTree>
+  </p:cSld>
+  <p:clrMapOvr>
+    <a:masterClrMapping/>
+  </p:clrMapOvr>
+  <p:timing>
+    <p:tnLst>
+      <p:par>
+        <p:cTn id="1" dur="indefinite" restart="never" nodeType="tmRoot"/>
+      </p:par>
+    </p:tnLst>
+  </p:timing>
+</p:sld>
+</file>
+
+<file path=ppt/slides/slide30.xml><?xml version="1.0" encoding="utf-8"?>
+<p:sld xmlns:a="http://schemas.openxmlformats.org/drawingml/2006/main" xmlns:r="http://schemas.openxmlformats.org/officeDocument/2006/relationships" xmlns:p="http://schemas.openxmlformats.org/presentationml/2006/main">
+  <p:cSld>
+    <p:spTree>
+      <p:nvGrpSpPr>
+        <p:cNvPr id="1" name=""/>
+        <p:cNvGrpSpPr/>
+        <p:nvPr/>
+      </p:nvGrpSpPr>
+      <p:grpSpPr>
+        <a:xfrm>
+          <a:off x="0" y="0"/>
+          <a:ext cx="0" cy="0"/>
+          <a:chOff x="0" y="0"/>
+          <a:chExt cx="0" cy="0"/>
+        </a:xfrm>
+      </p:grpSpPr>
+      <p:sp>
+        <p:nvSpPr>
+          <p:cNvPr id="2" name="Title 1"/>
+          <p:cNvSpPr>
+            <a:spLocks noGrp="1"/>
+          </p:cNvSpPr>
+          <p:nvPr>
+            <p:ph type="title"/>
+          </p:nvPr>
+        </p:nvSpPr>
+        <p:spPr/>
+        <p:txBody>
+          <a:bodyPr/>
+          <a:lstStyle/>
+          <a:p>
+            <a:pPr algn="ctr"/>
+            <a:r>
+              <a:rPr lang="en-US" dirty="0" smtClean="0"/>
+              <a:t>Do you have any question?</a:t>
+            </a:r>
+            <a:endParaRPr lang="en-US" dirty="0"/>
+          </a:p>
+        </p:txBody>
+      </p:sp>
+      <p:sp>
+        <p:nvSpPr>
+          <p:cNvPr id="3" name="Content Placeholder 2"/>
+          <p:cNvSpPr>
+            <a:spLocks noGrp="1"/>
+          </p:cNvSpPr>
+          <p:nvPr>
+            <p:ph idx="1"/>
+          </p:nvPr>
+        </p:nvSpPr>
+        <p:spPr/>
+        <p:txBody>
+          <a:bodyPr/>
+          <a:lstStyle/>
+          <a:p>
+            <a:endParaRPr lang="fr-FR" dirty="0"/>
+          </a:p>
+        </p:txBody>
+      </p:sp>
+      <p:sp>
+        <p:nvSpPr>
+          <p:cNvPr id="4" name="Slide Number Placeholder 3"/>
+          <p:cNvSpPr>
+            <a:spLocks noGrp="1"/>
+          </p:cNvSpPr>
+          <p:nvPr>
+            <p:ph type="sldNum" sz="quarter" idx="12"/>
+          </p:nvPr>
+        </p:nvSpPr>
+        <p:spPr/>
+        <p:txBody>
+          <a:bodyPr/>
+          <a:lstStyle/>
+          <a:p>
+            <a:fld id="{2DF02132-0EFC-4140-B7E5-E20918FBBD76}" type="slidenum">
+              <a:rPr lang="fr-FR" smtClean="0"/>
+              <a:pPr/>
+              <a:t>30</a:t>
+            </a:fld>
+            <a:endParaRPr lang="fr-FR"/>
+          </a:p>
+        </p:txBody>
+      </p:sp>
+      <p:pic>
+        <p:nvPicPr>
+          <p:cNvPr id="5" name="Picture 2" descr="http://jaiunproblemeavecmonpc.files.wordpress.com/2012/06/pc-question.jpg"/>
+          <p:cNvPicPr>
+            <a:picLocks noChangeAspect="1" noChangeArrowheads="1"/>
+          </p:cNvPicPr>
+          <p:nvPr/>
+        </p:nvPicPr>
+        <p:blipFill>
+          <a:blip r:embed="rId2" cstate="print"/>
+          <a:srcRect/>
+          <a:stretch>
+            <a:fillRect/>
+          </a:stretch>
+        </p:blipFill>
+        <p:spPr bwMode="auto">
+          <a:xfrm>
+            <a:off x="2123728" y="1916832"/>
+            <a:ext cx="4941168" cy="4941168"/>
+          </a:xfrm>
+          <a:prstGeom prst="rect">
+            <a:avLst/>
+          </a:prstGeom>
+          <a:noFill/>
+        </p:spPr>
+      </p:pic>
+      <p:sp>
+        <p:nvSpPr>
+          <p:cNvPr id="7" name="TextBox 6"/>
+          <p:cNvSpPr txBox="1"/>
+          <p:nvPr/>
+        </p:nvSpPr>
+        <p:spPr>
+          <a:xfrm>
+            <a:off x="179512" y="5934670"/>
+            <a:ext cx="2736304" cy="923330"/>
+          </a:xfrm>
+          <a:prstGeom prst="rect">
+            <a:avLst/>
+          </a:prstGeom>
+          <a:noFill/>
+        </p:spPr>
+        <p:txBody>
+          <a:bodyPr wrap="square" rtlCol="0">
+            <a:spAutoFit/>
+          </a:bodyPr>
+          <a:lstStyle/>
+          <a:p>
+            <a:r>
+              <a:rPr lang="fr-FR" dirty="0" smtClean="0"/>
+              <a:t>Guénon Marie</a:t>
+            </a:r>
+          </a:p>
+          <a:p>
+            <a:r>
+              <a:rPr lang="fr-FR" dirty="0" smtClean="0"/>
+              <a:t>Achard Jean-Paul</a:t>
+            </a:r>
+          </a:p>
+          <a:p>
+            <a:r>
+              <a:rPr lang="fr-FR" dirty="0" smtClean="0"/>
+              <a:t>Favreau Jean-Dominique</a:t>
+            </a:r>
+            <a:endParaRPr lang="fr-FR" dirty="0"/>
+          </a:p>
+        </p:txBody>
+      </p:sp>
+      <p:pic>
+        <p:nvPicPr>
+          <p:cNvPr id="8" name="Picture 2" descr="http://alumni.polytech.unice.fr/wp-content/uploads/2009/12/logoPolytechNice.png"/>
+          <p:cNvPicPr>
+            <a:picLocks noChangeAspect="1" noChangeArrowheads="1"/>
+          </p:cNvPicPr>
+          <p:nvPr/>
+        </p:nvPicPr>
+        <p:blipFill>
+          <a:blip r:embed="rId3" cstate="print"/>
+          <a:srcRect/>
+          <a:stretch>
+            <a:fillRect/>
+          </a:stretch>
+        </p:blipFill>
+        <p:spPr bwMode="auto">
+          <a:xfrm>
+            <a:off x="5724128" y="6191249"/>
+            <a:ext cx="2114550" cy="666751"/>
+          </a:xfrm>
+          <a:prstGeom prst="rect">
+            <a:avLst/>
+          </a:prstGeom>
+          <a:noFill/>
+        </p:spPr>
+      </p:pic>
+      <p:sp>
+        <p:nvSpPr>
+          <p:cNvPr id="9" name="TextBox 8"/>
           <p:cNvSpPr txBox="1"/>
           <p:nvPr/>
         </p:nvSpPr>

--- a/annexes/Word_recognition.pptx
+++ b/annexes/Word_recognition.pptx
@@ -187,13 +187,13 @@
                 <c:formatCode>General</c:formatCode>
                 <c:ptCount val="19"/>
                 <c:pt idx="0">
-                  <c:v>275.63444261342937</c:v>
+                  <c:v>275.63444261342954</c:v>
                 </c:pt>
                 <c:pt idx="1">
                   <c:v>506.95998871988297</c:v>
                 </c:pt>
                 <c:pt idx="2">
-                  <c:v>706.26879694329182</c:v>
+                  <c:v>706.26879694329205</c:v>
                 </c:pt>
                 <c:pt idx="3">
                   <c:v>881.35550350138089</c:v>
@@ -202,10 +202,10 @@
                   <c:v>1037.474705418663</c:v>
                 </c:pt>
                 <c:pt idx="5">
-                  <c:v>1178.3372412585077</c:v>
+                  <c:v>1178.3372412585072</c:v>
                 </c:pt>
                 <c:pt idx="6">
-                  <c:v>1306.6613382340431</c:v>
+                  <c:v>1306.661338234042</c:v>
                 </c:pt>
                 <c:pt idx="7">
                   <c:v>1424.4978285279099</c:v>
@@ -217,7 +217,7 @@
                   <c:v>1634.7155359182561</c:v>
                 </c:pt>
                 <c:pt idx="10">
-                  <c:v>1729.3524100563227</c:v>
+                  <c:v>1729.3524100563218</c:v>
                 </c:pt>
                 <c:pt idx="11">
                   <c:v>1818.1616770141868</c:v>
@@ -229,10 +229,10 @@
                   <c:v>1980.8911770522955</c:v>
                 </c:pt>
                 <c:pt idx="14">
-                  <c:v>2055.8532347335317</c:v>
+                  <c:v>2055.8532347335331</c:v>
                 </c:pt>
                 <c:pt idx="15">
-                  <c:v>2127.111917903354</c:v>
+                  <c:v>2127.1119179033558</c:v>
                 </c:pt>
                 <c:pt idx="16">
                   <c:v>2195.0159824051429</c:v>
@@ -271,7 +271,7 @@
                   <c:v>1263.1578947368398</c:v>
                 </c:pt>
                 <c:pt idx="6">
-                  <c:v>1473.684210526307</c:v>
+                  <c:v>1473.6842105263058</c:v>
                 </c:pt>
                 <c:pt idx="7">
                   <c:v>1684.21052631579</c:v>
@@ -292,13 +292,13 @@
                   <c:v>2736.8421052631579</c:v>
                 </c:pt>
                 <c:pt idx="13">
-                  <c:v>2947.3684210526217</c:v>
+                  <c:v>2947.3684210526203</c:v>
                 </c:pt>
                 <c:pt idx="14">
-                  <c:v>3157.8947368421213</c:v>
+                  <c:v>3157.8947368421232</c:v>
                 </c:pt>
                 <c:pt idx="15">
-                  <c:v>3368.4210526315969</c:v>
+                  <c:v>3368.4210526315987</c:v>
                 </c:pt>
                 <c:pt idx="16">
                   <c:v>3578.9473684210507</c:v>
@@ -342,13 +342,13 @@
                 <c:formatCode>General</c:formatCode>
                 <c:ptCount val="4"/>
                 <c:pt idx="0">
-                  <c:v>275.63444261342937</c:v>
+                  <c:v>275.63444261342954</c:v>
                 </c:pt>
                 <c:pt idx="1">
                   <c:v>506.95998871988297</c:v>
                 </c:pt>
                 <c:pt idx="2">
-                  <c:v>706.26879694329182</c:v>
+                  <c:v>706.26879694329205</c:v>
                 </c:pt>
                 <c:pt idx="3">
                   <c:v>881.35550350138089</c:v>
@@ -381,7 +381,7 @@
                   <c:v>1263.1578947368398</c:v>
                 </c:pt>
                 <c:pt idx="6">
-                  <c:v>1473.684210526307</c:v>
+                  <c:v>1473.6842105263058</c:v>
                 </c:pt>
                 <c:pt idx="7">
                   <c:v>1684.21052631579</c:v>
@@ -402,13 +402,13 @@
                   <c:v>2736.8421052631579</c:v>
                 </c:pt>
                 <c:pt idx="13">
-                  <c:v>2947.3684210526217</c:v>
+                  <c:v>2947.3684210526203</c:v>
                 </c:pt>
                 <c:pt idx="14">
-                  <c:v>3157.8947368421213</c:v>
+                  <c:v>3157.8947368421232</c:v>
                 </c:pt>
                 <c:pt idx="15">
-                  <c:v>3368.4210526315969</c:v>
+                  <c:v>3368.4210526315987</c:v>
                 </c:pt>
                 <c:pt idx="16">
                   <c:v>3578.9473684210507</c:v>
@@ -424,11 +424,11 @@
           </c:yVal>
           <c:smooth val="1"/>
         </c:ser>
-        <c:axId val="73860608"/>
-        <c:axId val="73862528"/>
+        <c:axId val="81012224"/>
+        <c:axId val="81014144"/>
       </c:scatterChart>
       <c:valAx>
-        <c:axId val="73860608"/>
+        <c:axId val="81012224"/>
         <c:scaling>
           <c:orientation val="minMax"/>
         </c:scaling>
@@ -470,12 +470,12 @@
         </c:title>
         <c:numFmt formatCode="General" sourceLinked="1"/>
         <c:tickLblPos val="nextTo"/>
-        <c:crossAx val="73862528"/>
+        <c:crossAx val="81014144"/>
         <c:crosses val="autoZero"/>
         <c:crossBetween val="midCat"/>
       </c:valAx>
       <c:valAx>
-        <c:axId val="73862528"/>
+        <c:axId val="81014144"/>
         <c:scaling>
           <c:orientation val="minMax"/>
         </c:scaling>
@@ -501,7 +501,7 @@
         </c:title>
         <c:numFmt formatCode="General" sourceLinked="1"/>
         <c:tickLblPos val="nextTo"/>
-        <c:crossAx val="73860608"/>
+        <c:crossAx val="81012224"/>
         <c:crosses val="autoZero"/>
         <c:crossBetween val="midCat"/>
       </c:valAx>
@@ -595,7 +595,7 @@
             <a:fld id="{0858D340-178C-4486-9D28-94A06075759D}" type="datetimeFigureOut">
               <a:rPr lang="fr-FR" smtClean="0"/>
               <a:pPr/>
-              <a:t>22/01/2013</a:t>
+              <a:t>23/01/2013</a:t>
             </a:fld>
             <a:endParaRPr lang="fr-FR"/>
           </a:p>
@@ -907,6 +907,10 @@
           </a:bodyPr>
           <a:lstStyle/>
           <a:p>
+            <a:r>
+              <a:rPr lang="fr-FR" dirty="0" smtClean="0"/>
+              <a:t>JP</a:t>
+            </a:r>
             <a:endParaRPr lang="fr-FR" dirty="0"/>
           </a:p>
         </p:txBody>
@@ -932,6 +936,1641 @@
               <a:t>1</a:t>
             </a:fld>
             <a:endParaRPr lang="fr-FR" dirty="0"/>
+          </a:p>
+        </p:txBody>
+      </p:sp>
+    </p:spTree>
+  </p:cSld>
+  <p:clrMapOvr>
+    <a:masterClrMapping/>
+  </p:clrMapOvr>
+</p:notes>
+</file>
+
+<file path=ppt/notesSlides/notesSlide10.xml><?xml version="1.0" encoding="utf-8"?>
+<p:notes xmlns:a="http://schemas.openxmlformats.org/drawingml/2006/main" xmlns:r="http://schemas.openxmlformats.org/officeDocument/2006/relationships" xmlns:p="http://schemas.openxmlformats.org/presentationml/2006/main">
+  <p:cSld>
+    <p:spTree>
+      <p:nvGrpSpPr>
+        <p:cNvPr id="1" name=""/>
+        <p:cNvGrpSpPr/>
+        <p:nvPr/>
+      </p:nvGrpSpPr>
+      <p:grpSpPr>
+        <a:xfrm>
+          <a:off x="0" y="0"/>
+          <a:ext cx="0" cy="0"/>
+          <a:chOff x="0" y="0"/>
+          <a:chExt cx="0" cy="0"/>
+        </a:xfrm>
+      </p:grpSpPr>
+      <p:sp>
+        <p:nvSpPr>
+          <p:cNvPr id="2" name="Slide Image Placeholder 1"/>
+          <p:cNvSpPr>
+            <a:spLocks noGrp="1" noRot="1" noChangeAspect="1"/>
+          </p:cNvSpPr>
+          <p:nvPr>
+            <p:ph type="sldImg"/>
+          </p:nvPr>
+        </p:nvSpPr>
+        <p:spPr/>
+      </p:sp>
+      <p:sp>
+        <p:nvSpPr>
+          <p:cNvPr id="3" name="Notes Placeholder 2"/>
+          <p:cNvSpPr>
+            <a:spLocks noGrp="1"/>
+          </p:cNvSpPr>
+          <p:nvPr>
+            <p:ph type="body" idx="1"/>
+          </p:nvPr>
+        </p:nvSpPr>
+        <p:spPr/>
+        <p:txBody>
+          <a:bodyPr>
+            <a:normAutofit/>
+          </a:bodyPr>
+          <a:lstStyle/>
+          <a:p>
+            <a:r>
+              <a:rPr lang="fr-FR" dirty="0" smtClean="0"/>
+              <a:t>JP</a:t>
+            </a:r>
+            <a:endParaRPr lang="fr-FR" dirty="0"/>
+          </a:p>
+        </p:txBody>
+      </p:sp>
+      <p:sp>
+        <p:nvSpPr>
+          <p:cNvPr id="4" name="Slide Number Placeholder 3"/>
+          <p:cNvSpPr>
+            <a:spLocks noGrp="1"/>
+          </p:cNvSpPr>
+          <p:nvPr>
+            <p:ph type="sldNum" sz="quarter" idx="10"/>
+          </p:nvPr>
+        </p:nvSpPr>
+        <p:spPr/>
+        <p:txBody>
+          <a:bodyPr/>
+          <a:lstStyle/>
+          <a:p>
+            <a:fld id="{69769F4E-9586-492C-B8A6-A22159A02A15}" type="slidenum">
+              <a:rPr lang="fr-FR" smtClean="0"/>
+              <a:pPr/>
+              <a:t>10</a:t>
+            </a:fld>
+            <a:endParaRPr lang="fr-FR"/>
+          </a:p>
+        </p:txBody>
+      </p:sp>
+    </p:spTree>
+  </p:cSld>
+  <p:clrMapOvr>
+    <a:masterClrMapping/>
+  </p:clrMapOvr>
+</p:notes>
+</file>
+
+<file path=ppt/notesSlides/notesSlide11.xml><?xml version="1.0" encoding="utf-8"?>
+<p:notes xmlns:a="http://schemas.openxmlformats.org/drawingml/2006/main" xmlns:r="http://schemas.openxmlformats.org/officeDocument/2006/relationships" xmlns:p="http://schemas.openxmlformats.org/presentationml/2006/main">
+  <p:cSld>
+    <p:spTree>
+      <p:nvGrpSpPr>
+        <p:cNvPr id="1" name=""/>
+        <p:cNvGrpSpPr/>
+        <p:nvPr/>
+      </p:nvGrpSpPr>
+      <p:grpSpPr>
+        <a:xfrm>
+          <a:off x="0" y="0"/>
+          <a:ext cx="0" cy="0"/>
+          <a:chOff x="0" y="0"/>
+          <a:chExt cx="0" cy="0"/>
+        </a:xfrm>
+      </p:grpSpPr>
+      <p:sp>
+        <p:nvSpPr>
+          <p:cNvPr id="2" name="Slide Image Placeholder 1"/>
+          <p:cNvSpPr>
+            <a:spLocks noGrp="1" noRot="1" noChangeAspect="1"/>
+          </p:cNvSpPr>
+          <p:nvPr>
+            <p:ph type="sldImg"/>
+          </p:nvPr>
+        </p:nvSpPr>
+        <p:spPr/>
+      </p:sp>
+      <p:sp>
+        <p:nvSpPr>
+          <p:cNvPr id="3" name="Notes Placeholder 2"/>
+          <p:cNvSpPr>
+            <a:spLocks noGrp="1"/>
+          </p:cNvSpPr>
+          <p:nvPr>
+            <p:ph type="body" idx="1"/>
+          </p:nvPr>
+        </p:nvSpPr>
+        <p:spPr/>
+        <p:txBody>
+          <a:bodyPr>
+            <a:normAutofit/>
+          </a:bodyPr>
+          <a:lstStyle/>
+          <a:p>
+            <a:pPr marL="0" marR="0" indent="0" algn="l" defTabSz="914400" rtl="0" eaLnBrk="1" fontAlgn="auto" latinLnBrk="0" hangingPunct="1">
+              <a:lnSpc>
+                <a:spcPct val="100000"/>
+              </a:lnSpc>
+              <a:spcBef>
+                <a:spcPts val="0"/>
+              </a:spcBef>
+              <a:spcAft>
+                <a:spcPts val="0"/>
+              </a:spcAft>
+              <a:buClrTx/>
+              <a:buSzTx/>
+              <a:buFontTx/>
+              <a:buNone/>
+              <a:tabLst/>
+              <a:defRPr/>
+            </a:pPr>
+            <a:r>
+              <a:rPr lang="en-US" sz="1200" kern="1200" dirty="0" smtClean="0">
+                <a:solidFill>
+                  <a:schemeClr val="tx1"/>
+                </a:solidFill>
+                <a:latin typeface="+mn-lt"/>
+                <a:ea typeface="+mn-ea"/>
+                <a:cs typeface="+mn-cs"/>
+              </a:rPr>
+              <a:t>JP</a:t>
+            </a:r>
+          </a:p>
+          <a:p>
+            <a:pPr marL="0" marR="0" indent="0" algn="l" defTabSz="914400" rtl="0" eaLnBrk="1" fontAlgn="auto" latinLnBrk="0" hangingPunct="1">
+              <a:lnSpc>
+                <a:spcPct val="100000"/>
+              </a:lnSpc>
+              <a:spcBef>
+                <a:spcPts val="0"/>
+              </a:spcBef>
+              <a:spcAft>
+                <a:spcPts val="0"/>
+              </a:spcAft>
+              <a:buClrTx/>
+              <a:buSzTx/>
+              <a:buFontTx/>
+              <a:buNone/>
+              <a:tabLst/>
+              <a:defRPr/>
+            </a:pPr>
+            <a:r>
+              <a:rPr lang="en-US" sz="1200" kern="1200" dirty="0" err="1" smtClean="0">
+                <a:solidFill>
+                  <a:schemeClr val="tx1"/>
+                </a:solidFill>
+                <a:latin typeface="+mn-lt"/>
+                <a:ea typeface="+mn-ea"/>
+                <a:cs typeface="+mn-cs"/>
+              </a:rPr>
+              <a:t>Infographie</a:t>
+            </a:r>
+            <a:endParaRPr lang="en-US" sz="1200" kern="1200" dirty="0" smtClean="0">
+              <a:solidFill>
+                <a:schemeClr val="tx1"/>
+              </a:solidFill>
+              <a:latin typeface="+mn-lt"/>
+              <a:ea typeface="+mn-ea"/>
+              <a:cs typeface="+mn-cs"/>
+            </a:endParaRPr>
+          </a:p>
+          <a:p>
+            <a:pPr marL="0" marR="0" indent="0" algn="l" defTabSz="914400" rtl="0" eaLnBrk="1" fontAlgn="auto" latinLnBrk="0" hangingPunct="1">
+              <a:lnSpc>
+                <a:spcPct val="100000"/>
+              </a:lnSpc>
+              <a:spcBef>
+                <a:spcPts val="0"/>
+              </a:spcBef>
+              <a:spcAft>
+                <a:spcPts val="0"/>
+              </a:spcAft>
+              <a:buClrTx/>
+              <a:buSzTx/>
+              <a:buFontTx/>
+              <a:buNone/>
+              <a:tabLst/>
+              <a:defRPr/>
+            </a:pPr>
+            <a:endParaRPr lang="en-US" sz="1200" kern="1200" dirty="0" smtClean="0">
+              <a:solidFill>
+                <a:schemeClr val="tx1"/>
+              </a:solidFill>
+              <a:latin typeface="+mn-lt"/>
+              <a:ea typeface="+mn-ea"/>
+              <a:cs typeface="+mn-cs"/>
+            </a:endParaRPr>
+          </a:p>
+          <a:p>
+            <a:pPr marL="0" marR="0" indent="0" algn="l" defTabSz="914400" rtl="0" eaLnBrk="1" fontAlgn="auto" latinLnBrk="0" hangingPunct="1">
+              <a:lnSpc>
+                <a:spcPct val="100000"/>
+              </a:lnSpc>
+              <a:spcBef>
+                <a:spcPts val="0"/>
+              </a:spcBef>
+              <a:spcAft>
+                <a:spcPts val="0"/>
+              </a:spcAft>
+              <a:buClrTx/>
+              <a:buSzTx/>
+              <a:buFontTx/>
+              <a:buNone/>
+              <a:tabLst/>
+              <a:defRPr/>
+            </a:pPr>
+            <a:r>
+              <a:rPr lang="en-US" sz="1200" kern="1200" dirty="0" smtClean="0">
+                <a:solidFill>
+                  <a:schemeClr val="tx1"/>
+                </a:solidFill>
+                <a:latin typeface="+mn-lt"/>
+                <a:ea typeface="+mn-ea"/>
+                <a:cs typeface="+mn-cs"/>
+              </a:rPr>
+              <a:t>In our case, we have a small vocabulary (about twenty words) based on a single-speaker (considering that during a phase of recording a single person has to speak). That’s why it is not necessary here to use a neural network that is heavier to implement (on a computational point) and it suffices to change the comparison database for each new user.</a:t>
+            </a:r>
+            <a:endParaRPr lang="fr-FR" sz="1200" kern="1200" dirty="0" smtClean="0">
+              <a:solidFill>
+                <a:schemeClr val="tx1"/>
+              </a:solidFill>
+              <a:latin typeface="+mn-lt"/>
+              <a:ea typeface="+mn-ea"/>
+              <a:cs typeface="+mn-cs"/>
+            </a:endParaRPr>
+          </a:p>
+          <a:p>
+            <a:endParaRPr lang="fr-FR" dirty="0"/>
+          </a:p>
+        </p:txBody>
+      </p:sp>
+      <p:sp>
+        <p:nvSpPr>
+          <p:cNvPr id="4" name="Slide Number Placeholder 3"/>
+          <p:cNvSpPr>
+            <a:spLocks noGrp="1"/>
+          </p:cNvSpPr>
+          <p:nvPr>
+            <p:ph type="sldNum" sz="quarter" idx="10"/>
+          </p:nvPr>
+        </p:nvSpPr>
+        <p:spPr/>
+        <p:txBody>
+          <a:bodyPr/>
+          <a:lstStyle/>
+          <a:p>
+            <a:fld id="{69769F4E-9586-492C-B8A6-A22159A02A15}" type="slidenum">
+              <a:rPr lang="fr-FR" smtClean="0"/>
+              <a:pPr/>
+              <a:t>11</a:t>
+            </a:fld>
+            <a:endParaRPr lang="fr-FR"/>
+          </a:p>
+        </p:txBody>
+      </p:sp>
+    </p:spTree>
+  </p:cSld>
+  <p:clrMapOvr>
+    <a:masterClrMapping/>
+  </p:clrMapOvr>
+</p:notes>
+</file>
+
+<file path=ppt/notesSlides/notesSlide12.xml><?xml version="1.0" encoding="utf-8"?>
+<p:notes xmlns:a="http://schemas.openxmlformats.org/drawingml/2006/main" xmlns:r="http://schemas.openxmlformats.org/officeDocument/2006/relationships" xmlns:p="http://schemas.openxmlformats.org/presentationml/2006/main">
+  <p:cSld>
+    <p:spTree>
+      <p:nvGrpSpPr>
+        <p:cNvPr id="1" name=""/>
+        <p:cNvGrpSpPr/>
+        <p:nvPr/>
+      </p:nvGrpSpPr>
+      <p:grpSpPr>
+        <a:xfrm>
+          <a:off x="0" y="0"/>
+          <a:ext cx="0" cy="0"/>
+          <a:chOff x="0" y="0"/>
+          <a:chExt cx="0" cy="0"/>
+        </a:xfrm>
+      </p:grpSpPr>
+      <p:sp>
+        <p:nvSpPr>
+          <p:cNvPr id="2" name="Slide Image Placeholder 1"/>
+          <p:cNvSpPr>
+            <a:spLocks noGrp="1" noRot="1" noChangeAspect="1"/>
+          </p:cNvSpPr>
+          <p:nvPr>
+            <p:ph type="sldImg"/>
+          </p:nvPr>
+        </p:nvSpPr>
+        <p:spPr/>
+      </p:sp>
+      <p:sp>
+        <p:nvSpPr>
+          <p:cNvPr id="3" name="Notes Placeholder 2"/>
+          <p:cNvSpPr>
+            <a:spLocks noGrp="1"/>
+          </p:cNvSpPr>
+          <p:nvPr>
+            <p:ph type="body" idx="1"/>
+          </p:nvPr>
+        </p:nvSpPr>
+        <p:spPr/>
+        <p:txBody>
+          <a:bodyPr>
+            <a:normAutofit/>
+          </a:bodyPr>
+          <a:lstStyle/>
+          <a:p>
+            <a:pPr marL="0" marR="0" indent="0" algn="l" defTabSz="914400" rtl="0" eaLnBrk="1" fontAlgn="auto" latinLnBrk="0" hangingPunct="1">
+              <a:lnSpc>
+                <a:spcPct val="100000"/>
+              </a:lnSpc>
+              <a:spcBef>
+                <a:spcPts val="0"/>
+              </a:spcBef>
+              <a:spcAft>
+                <a:spcPts val="0"/>
+              </a:spcAft>
+              <a:buClrTx/>
+              <a:buSzTx/>
+              <a:buFontTx/>
+              <a:buNone/>
+              <a:tabLst/>
+              <a:defRPr/>
+            </a:pPr>
+            <a:r>
+              <a:rPr lang="fr-FR" sz="1200" kern="1200" dirty="0" smtClean="0">
+                <a:solidFill>
+                  <a:schemeClr val="tx1"/>
+                </a:solidFill>
+                <a:latin typeface="+mn-lt"/>
+                <a:ea typeface="+mn-ea"/>
+                <a:cs typeface="+mn-cs"/>
+              </a:rPr>
+              <a:t>JP</a:t>
+            </a:r>
+          </a:p>
+          <a:p>
+            <a:pPr marL="0" marR="0" indent="0" algn="l" defTabSz="914400" rtl="0" eaLnBrk="1" fontAlgn="auto" latinLnBrk="0" hangingPunct="1">
+              <a:lnSpc>
+                <a:spcPct val="100000"/>
+              </a:lnSpc>
+              <a:spcBef>
+                <a:spcPts val="0"/>
+              </a:spcBef>
+              <a:spcAft>
+                <a:spcPts val="0"/>
+              </a:spcAft>
+              <a:buClrTx/>
+              <a:buSzTx/>
+              <a:buFontTx/>
+              <a:buNone/>
+              <a:tabLst/>
+              <a:defRPr/>
+            </a:pPr>
+            <a:r>
+              <a:rPr lang="fr-FR" sz="1200" kern="1200" dirty="0" err="1" smtClean="0">
+                <a:solidFill>
+                  <a:schemeClr val="tx1"/>
+                </a:solidFill>
+                <a:latin typeface="+mn-lt"/>
+                <a:ea typeface="+mn-ea"/>
+                <a:cs typeface="+mn-cs"/>
+              </a:rPr>
+              <a:t>However</a:t>
+            </a:r>
+            <a:r>
+              <a:rPr lang="fr-FR" sz="1200" kern="1200" dirty="0" smtClean="0">
+                <a:solidFill>
+                  <a:schemeClr val="tx1"/>
+                </a:solidFill>
+                <a:latin typeface="+mn-lt"/>
+                <a:ea typeface="+mn-ea"/>
+                <a:cs typeface="+mn-cs"/>
+              </a:rPr>
+              <a:t>, </a:t>
+            </a:r>
+            <a:r>
+              <a:rPr lang="fr-FR" sz="1200" kern="1200" dirty="0" err="1" smtClean="0">
+                <a:solidFill>
+                  <a:schemeClr val="tx1"/>
+                </a:solidFill>
+                <a:latin typeface="+mn-lt"/>
+                <a:ea typeface="+mn-ea"/>
+                <a:cs typeface="+mn-cs"/>
+              </a:rPr>
+              <a:t>it</a:t>
+            </a:r>
+            <a:r>
+              <a:rPr lang="fr-FR" sz="1200" kern="1200" dirty="0" smtClean="0">
+                <a:solidFill>
+                  <a:schemeClr val="tx1"/>
+                </a:solidFill>
+                <a:latin typeface="+mn-lt"/>
+                <a:ea typeface="+mn-ea"/>
+                <a:cs typeface="+mn-cs"/>
+              </a:rPr>
+              <a:t> </a:t>
+            </a:r>
+            <a:r>
+              <a:rPr lang="fr-FR" sz="1200" kern="1200" dirty="0" err="1" smtClean="0">
+                <a:solidFill>
+                  <a:schemeClr val="tx1"/>
+                </a:solidFill>
+                <a:latin typeface="+mn-lt"/>
+                <a:ea typeface="+mn-ea"/>
+                <a:cs typeface="+mn-cs"/>
+              </a:rPr>
+              <a:t>is</a:t>
+            </a:r>
+            <a:r>
+              <a:rPr lang="fr-FR" sz="1200" kern="1200" dirty="0" smtClean="0">
+                <a:solidFill>
+                  <a:schemeClr val="tx1"/>
+                </a:solidFill>
+                <a:latin typeface="+mn-lt"/>
+                <a:ea typeface="+mn-ea"/>
+                <a:cs typeface="+mn-cs"/>
+              </a:rPr>
+              <a:t> not </a:t>
+            </a:r>
+            <a:r>
+              <a:rPr lang="fr-FR" sz="1200" kern="1200" dirty="0" err="1" smtClean="0">
+                <a:solidFill>
+                  <a:schemeClr val="tx1"/>
+                </a:solidFill>
+                <a:latin typeface="+mn-lt"/>
+                <a:ea typeface="+mn-ea"/>
+                <a:cs typeface="+mn-cs"/>
+              </a:rPr>
+              <a:t>interesting</a:t>
+            </a:r>
+            <a:r>
+              <a:rPr lang="fr-FR" sz="1200" kern="1200" dirty="0" smtClean="0">
+                <a:solidFill>
+                  <a:schemeClr val="tx1"/>
+                </a:solidFill>
+                <a:latin typeface="+mn-lt"/>
+                <a:ea typeface="+mn-ea"/>
+                <a:cs typeface="+mn-cs"/>
+              </a:rPr>
+              <a:t> in </a:t>
+            </a:r>
+            <a:r>
+              <a:rPr lang="fr-FR" sz="1200" kern="1200" dirty="0" err="1" smtClean="0">
+                <a:solidFill>
+                  <a:schemeClr val="tx1"/>
+                </a:solidFill>
+                <a:latin typeface="+mn-lt"/>
+                <a:ea typeface="+mn-ea"/>
+                <a:cs typeface="+mn-cs"/>
+              </a:rPr>
+              <a:t>this</a:t>
+            </a:r>
+            <a:r>
+              <a:rPr lang="fr-FR" sz="1200" kern="1200" dirty="0" smtClean="0">
+                <a:solidFill>
+                  <a:schemeClr val="tx1"/>
+                </a:solidFill>
+                <a:latin typeface="+mn-lt"/>
+                <a:ea typeface="+mn-ea"/>
+                <a:cs typeface="+mn-cs"/>
+              </a:rPr>
+              <a:t> case to use the </a:t>
+            </a:r>
+            <a:r>
+              <a:rPr lang="fr-FR" sz="1200" kern="1200" dirty="0" err="1" smtClean="0">
+                <a:solidFill>
+                  <a:schemeClr val="tx1"/>
+                </a:solidFill>
+                <a:latin typeface="+mn-lt"/>
+                <a:ea typeface="+mn-ea"/>
+                <a:cs typeface="+mn-cs"/>
+              </a:rPr>
+              <a:t>hidden</a:t>
+            </a:r>
+            <a:r>
+              <a:rPr lang="fr-FR" sz="1200" kern="1200" dirty="0" smtClean="0">
+                <a:solidFill>
+                  <a:schemeClr val="tx1"/>
+                </a:solidFill>
+                <a:latin typeface="+mn-lt"/>
+                <a:ea typeface="+mn-ea"/>
+                <a:cs typeface="+mn-cs"/>
+              </a:rPr>
+              <a:t> Markov model, </a:t>
+            </a:r>
+            <a:r>
+              <a:rPr lang="fr-FR" sz="1200" kern="1200" dirty="0" err="1" smtClean="0">
+                <a:solidFill>
+                  <a:schemeClr val="tx1"/>
+                </a:solidFill>
+                <a:latin typeface="+mn-lt"/>
+                <a:ea typeface="+mn-ea"/>
+                <a:cs typeface="+mn-cs"/>
+              </a:rPr>
+              <a:t>because</a:t>
+            </a:r>
+            <a:r>
+              <a:rPr lang="fr-FR" sz="1200" kern="1200" dirty="0" smtClean="0">
+                <a:solidFill>
+                  <a:schemeClr val="tx1"/>
+                </a:solidFill>
+                <a:latin typeface="+mn-lt"/>
+                <a:ea typeface="+mn-ea"/>
+                <a:cs typeface="+mn-cs"/>
+              </a:rPr>
+              <a:t> </a:t>
+            </a:r>
+            <a:r>
+              <a:rPr lang="fr-FR" sz="1200" kern="1200" dirty="0" err="1" smtClean="0">
+                <a:solidFill>
+                  <a:schemeClr val="tx1"/>
+                </a:solidFill>
+                <a:latin typeface="+mn-lt"/>
+                <a:ea typeface="+mn-ea"/>
+                <a:cs typeface="+mn-cs"/>
+              </a:rPr>
+              <a:t>it</a:t>
+            </a:r>
+            <a:r>
+              <a:rPr lang="fr-FR" sz="1200" kern="1200" dirty="0" smtClean="0">
+                <a:solidFill>
+                  <a:schemeClr val="tx1"/>
+                </a:solidFill>
+                <a:latin typeface="+mn-lt"/>
+                <a:ea typeface="+mn-ea"/>
+                <a:cs typeface="+mn-cs"/>
+              </a:rPr>
+              <a:t> </a:t>
+            </a:r>
+            <a:r>
+              <a:rPr lang="fr-FR" sz="1200" kern="1200" dirty="0" err="1" smtClean="0">
+                <a:solidFill>
+                  <a:schemeClr val="tx1"/>
+                </a:solidFill>
+                <a:latin typeface="+mn-lt"/>
+                <a:ea typeface="+mn-ea"/>
+                <a:cs typeface="+mn-cs"/>
+              </a:rPr>
+              <a:t>is</a:t>
+            </a:r>
+            <a:r>
+              <a:rPr lang="fr-FR" sz="1200" kern="1200" dirty="0" smtClean="0">
+                <a:solidFill>
+                  <a:schemeClr val="tx1"/>
+                </a:solidFill>
+                <a:latin typeface="+mn-lt"/>
+                <a:ea typeface="+mn-ea"/>
+                <a:cs typeface="+mn-cs"/>
+              </a:rPr>
+              <a:t> </a:t>
+            </a:r>
+            <a:r>
+              <a:rPr lang="fr-FR" sz="1200" kern="1200" dirty="0" err="1" smtClean="0">
+                <a:solidFill>
+                  <a:schemeClr val="tx1"/>
+                </a:solidFill>
+                <a:latin typeface="+mn-lt"/>
+                <a:ea typeface="+mn-ea"/>
+                <a:cs typeface="+mn-cs"/>
+              </a:rPr>
+              <a:t>too</a:t>
+            </a:r>
+            <a:r>
+              <a:rPr lang="fr-FR" sz="1200" kern="1200" dirty="0" smtClean="0">
+                <a:solidFill>
+                  <a:schemeClr val="tx1"/>
+                </a:solidFill>
+                <a:latin typeface="+mn-lt"/>
+                <a:ea typeface="+mn-ea"/>
+                <a:cs typeface="+mn-cs"/>
+              </a:rPr>
+              <a:t> </a:t>
+            </a:r>
+            <a:r>
+              <a:rPr lang="fr-FR" sz="1200" kern="1200" dirty="0" err="1" smtClean="0">
+                <a:solidFill>
+                  <a:schemeClr val="tx1"/>
+                </a:solidFill>
+                <a:latin typeface="+mn-lt"/>
+                <a:ea typeface="+mn-ea"/>
+                <a:cs typeface="+mn-cs"/>
+              </a:rPr>
+              <a:t>complex</a:t>
+            </a:r>
+            <a:r>
+              <a:rPr lang="fr-FR" sz="1200" kern="1200" dirty="0" smtClean="0">
+                <a:solidFill>
+                  <a:schemeClr val="tx1"/>
+                </a:solidFill>
+                <a:latin typeface="+mn-lt"/>
+                <a:ea typeface="+mn-ea"/>
+                <a:cs typeface="+mn-cs"/>
+              </a:rPr>
+              <a:t> for the </a:t>
+            </a:r>
+            <a:r>
+              <a:rPr lang="fr-FR" sz="1200" kern="1200" dirty="0" err="1" smtClean="0">
+                <a:solidFill>
+                  <a:schemeClr val="tx1"/>
+                </a:solidFill>
+                <a:latin typeface="+mn-lt"/>
+                <a:ea typeface="+mn-ea"/>
+                <a:cs typeface="+mn-cs"/>
+              </a:rPr>
+              <a:t>small</a:t>
+            </a:r>
+            <a:r>
+              <a:rPr lang="fr-FR" sz="1200" kern="1200" dirty="0" smtClean="0">
+                <a:solidFill>
+                  <a:schemeClr val="tx1"/>
+                </a:solidFill>
+                <a:latin typeface="+mn-lt"/>
+                <a:ea typeface="+mn-ea"/>
+                <a:cs typeface="+mn-cs"/>
+              </a:rPr>
+              <a:t> </a:t>
+            </a:r>
+            <a:r>
+              <a:rPr lang="fr-FR" sz="1200" kern="1200" dirty="0" err="1" smtClean="0">
+                <a:solidFill>
+                  <a:schemeClr val="tx1"/>
+                </a:solidFill>
+                <a:latin typeface="+mn-lt"/>
+                <a:ea typeface="+mn-ea"/>
+                <a:cs typeface="+mn-cs"/>
+              </a:rPr>
+              <a:t>vocabulary</a:t>
+            </a:r>
+            <a:r>
+              <a:rPr lang="fr-FR" sz="1200" kern="1200" dirty="0" smtClean="0">
+                <a:solidFill>
+                  <a:schemeClr val="tx1"/>
+                </a:solidFill>
+                <a:latin typeface="+mn-lt"/>
+                <a:ea typeface="+mn-ea"/>
+                <a:cs typeface="+mn-cs"/>
+              </a:rPr>
+              <a:t> </a:t>
+            </a:r>
+            <a:r>
+              <a:rPr lang="fr-FR" sz="1200" kern="1200" dirty="0" err="1" smtClean="0">
+                <a:solidFill>
+                  <a:schemeClr val="tx1"/>
+                </a:solidFill>
+                <a:latin typeface="+mn-lt"/>
+                <a:ea typeface="+mn-ea"/>
+                <a:cs typeface="+mn-cs"/>
+              </a:rPr>
+              <a:t>we</a:t>
+            </a:r>
+            <a:r>
+              <a:rPr lang="fr-FR" sz="1200" kern="1200" dirty="0" smtClean="0">
+                <a:solidFill>
+                  <a:schemeClr val="tx1"/>
+                </a:solidFill>
+                <a:latin typeface="+mn-lt"/>
+                <a:ea typeface="+mn-ea"/>
+                <a:cs typeface="+mn-cs"/>
+              </a:rPr>
+              <a:t> are </a:t>
+            </a:r>
+            <a:r>
+              <a:rPr lang="fr-FR" sz="1200" kern="1200" dirty="0" err="1" smtClean="0">
+                <a:solidFill>
+                  <a:schemeClr val="tx1"/>
+                </a:solidFill>
+                <a:latin typeface="+mn-lt"/>
+                <a:ea typeface="+mn-ea"/>
+                <a:cs typeface="+mn-cs"/>
+              </a:rPr>
+              <a:t>using</a:t>
+            </a:r>
+            <a:r>
+              <a:rPr lang="fr-FR" sz="1200" kern="1200" dirty="0" smtClean="0">
+                <a:solidFill>
+                  <a:schemeClr val="tx1"/>
+                </a:solidFill>
+                <a:latin typeface="+mn-lt"/>
+                <a:ea typeface="+mn-ea"/>
+                <a:cs typeface="+mn-cs"/>
+              </a:rPr>
+              <a:t>. So </a:t>
+            </a:r>
+            <a:r>
+              <a:rPr lang="fr-FR" sz="1200" kern="1200" dirty="0" err="1" smtClean="0">
+                <a:solidFill>
+                  <a:schemeClr val="tx1"/>
+                </a:solidFill>
+                <a:latin typeface="+mn-lt"/>
+                <a:ea typeface="+mn-ea"/>
+                <a:cs typeface="+mn-cs"/>
+              </a:rPr>
+              <a:t>it</a:t>
+            </a:r>
+            <a:r>
+              <a:rPr lang="fr-FR" sz="1200" kern="1200" dirty="0" smtClean="0">
+                <a:solidFill>
+                  <a:schemeClr val="tx1"/>
+                </a:solidFill>
+                <a:latin typeface="+mn-lt"/>
+                <a:ea typeface="+mn-ea"/>
+                <a:cs typeface="+mn-cs"/>
+              </a:rPr>
+              <a:t> </a:t>
+            </a:r>
+            <a:r>
+              <a:rPr lang="fr-FR" sz="1200" kern="1200" dirty="0" err="1" smtClean="0">
+                <a:solidFill>
+                  <a:schemeClr val="tx1"/>
+                </a:solidFill>
+                <a:latin typeface="+mn-lt"/>
+                <a:ea typeface="+mn-ea"/>
+                <a:cs typeface="+mn-cs"/>
+              </a:rPr>
+              <a:t>is</a:t>
+            </a:r>
+            <a:r>
+              <a:rPr lang="fr-FR" sz="1200" kern="1200" dirty="0" smtClean="0">
+                <a:solidFill>
+                  <a:schemeClr val="tx1"/>
+                </a:solidFill>
+                <a:latin typeface="+mn-lt"/>
+                <a:ea typeface="+mn-ea"/>
+                <a:cs typeface="+mn-cs"/>
+              </a:rPr>
+              <a:t> </a:t>
+            </a:r>
+            <a:r>
+              <a:rPr lang="fr-FR" sz="1200" kern="1200" dirty="0" err="1" smtClean="0">
+                <a:solidFill>
+                  <a:schemeClr val="tx1"/>
+                </a:solidFill>
+                <a:latin typeface="+mn-lt"/>
+                <a:ea typeface="+mn-ea"/>
+                <a:cs typeface="+mn-cs"/>
+              </a:rPr>
+              <a:t>sufficient</a:t>
+            </a:r>
+            <a:r>
+              <a:rPr lang="fr-FR" sz="1200" kern="1200" dirty="0" smtClean="0">
+                <a:solidFill>
+                  <a:schemeClr val="tx1"/>
+                </a:solidFill>
+                <a:latin typeface="+mn-lt"/>
+                <a:ea typeface="+mn-ea"/>
+                <a:cs typeface="+mn-cs"/>
+              </a:rPr>
+              <a:t> for us to use the </a:t>
+            </a:r>
+            <a:r>
+              <a:rPr lang="fr-FR" sz="1200" kern="1200" dirty="0" err="1" smtClean="0">
+                <a:solidFill>
+                  <a:schemeClr val="tx1"/>
+                </a:solidFill>
+                <a:latin typeface="+mn-lt"/>
+                <a:ea typeface="+mn-ea"/>
+                <a:cs typeface="+mn-cs"/>
+              </a:rPr>
+              <a:t>Dynamic</a:t>
+            </a:r>
+            <a:r>
+              <a:rPr lang="fr-FR" sz="1200" kern="1200" dirty="0" smtClean="0">
+                <a:solidFill>
+                  <a:schemeClr val="tx1"/>
+                </a:solidFill>
+                <a:latin typeface="+mn-lt"/>
+                <a:ea typeface="+mn-ea"/>
+                <a:cs typeface="+mn-cs"/>
+              </a:rPr>
+              <a:t> Time </a:t>
+            </a:r>
+            <a:r>
+              <a:rPr lang="fr-FR" sz="1200" kern="1200" dirty="0" err="1" smtClean="0">
+                <a:solidFill>
+                  <a:schemeClr val="tx1"/>
+                </a:solidFill>
+                <a:latin typeface="+mn-lt"/>
+                <a:ea typeface="+mn-ea"/>
+                <a:cs typeface="+mn-cs"/>
+              </a:rPr>
+              <a:t>Warping</a:t>
+            </a:r>
+            <a:r>
+              <a:rPr lang="fr-FR" sz="1200" kern="1200" dirty="0" smtClean="0">
+                <a:solidFill>
+                  <a:schemeClr val="tx1"/>
+                </a:solidFill>
+                <a:latin typeface="+mn-lt"/>
+                <a:ea typeface="+mn-ea"/>
+                <a:cs typeface="+mn-cs"/>
+              </a:rPr>
+              <a:t> </a:t>
+            </a:r>
+            <a:r>
+              <a:rPr lang="fr-FR" sz="1200" kern="1200" dirty="0" err="1" smtClean="0">
+                <a:solidFill>
+                  <a:schemeClr val="tx1"/>
+                </a:solidFill>
+                <a:latin typeface="+mn-lt"/>
+                <a:ea typeface="+mn-ea"/>
+                <a:cs typeface="+mn-cs"/>
+              </a:rPr>
+              <a:t>which</a:t>
+            </a:r>
+            <a:r>
+              <a:rPr lang="fr-FR" sz="1200" kern="1200" dirty="0" smtClean="0">
+                <a:solidFill>
+                  <a:schemeClr val="tx1"/>
+                </a:solidFill>
+                <a:latin typeface="+mn-lt"/>
+                <a:ea typeface="+mn-ea"/>
+                <a:cs typeface="+mn-cs"/>
+              </a:rPr>
+              <a:t> </a:t>
+            </a:r>
+            <a:r>
+              <a:rPr lang="fr-FR" sz="1200" kern="1200" dirty="0" err="1" smtClean="0">
+                <a:solidFill>
+                  <a:schemeClr val="tx1"/>
+                </a:solidFill>
+                <a:latin typeface="+mn-lt"/>
+                <a:ea typeface="+mn-ea"/>
+                <a:cs typeface="+mn-cs"/>
+              </a:rPr>
+              <a:t>is</a:t>
+            </a:r>
+            <a:r>
+              <a:rPr lang="fr-FR" sz="1200" kern="1200" dirty="0" smtClean="0">
+                <a:solidFill>
+                  <a:schemeClr val="tx1"/>
+                </a:solidFill>
+                <a:latin typeface="+mn-lt"/>
+                <a:ea typeface="+mn-ea"/>
+                <a:cs typeface="+mn-cs"/>
+              </a:rPr>
+              <a:t> a simplification of the </a:t>
+            </a:r>
+            <a:r>
+              <a:rPr lang="fr-FR" sz="1200" kern="1200" dirty="0" err="1" smtClean="0">
+                <a:solidFill>
+                  <a:schemeClr val="tx1"/>
+                </a:solidFill>
+                <a:latin typeface="+mn-lt"/>
+                <a:ea typeface="+mn-ea"/>
+                <a:cs typeface="+mn-cs"/>
+              </a:rPr>
+              <a:t>hidden</a:t>
+            </a:r>
+            <a:r>
+              <a:rPr lang="fr-FR" sz="1200" kern="1200" dirty="0" smtClean="0">
+                <a:solidFill>
+                  <a:schemeClr val="tx1"/>
+                </a:solidFill>
+                <a:latin typeface="+mn-lt"/>
+                <a:ea typeface="+mn-ea"/>
+                <a:cs typeface="+mn-cs"/>
+              </a:rPr>
+              <a:t> Markov model.</a:t>
+            </a:r>
+          </a:p>
+          <a:p>
+            <a:endParaRPr lang="fr-FR" dirty="0"/>
+          </a:p>
+        </p:txBody>
+      </p:sp>
+      <p:sp>
+        <p:nvSpPr>
+          <p:cNvPr id="4" name="Slide Number Placeholder 3"/>
+          <p:cNvSpPr>
+            <a:spLocks noGrp="1"/>
+          </p:cNvSpPr>
+          <p:nvPr>
+            <p:ph type="sldNum" sz="quarter" idx="10"/>
+          </p:nvPr>
+        </p:nvSpPr>
+        <p:spPr/>
+        <p:txBody>
+          <a:bodyPr/>
+          <a:lstStyle/>
+          <a:p>
+            <a:fld id="{69769F4E-9586-492C-B8A6-A22159A02A15}" type="slidenum">
+              <a:rPr lang="fr-FR" smtClean="0"/>
+              <a:pPr/>
+              <a:t>12</a:t>
+            </a:fld>
+            <a:endParaRPr lang="fr-FR"/>
+          </a:p>
+        </p:txBody>
+      </p:sp>
+    </p:spTree>
+  </p:cSld>
+  <p:clrMapOvr>
+    <a:masterClrMapping/>
+  </p:clrMapOvr>
+</p:notes>
+</file>
+
+<file path=ppt/notesSlides/notesSlide13.xml><?xml version="1.0" encoding="utf-8"?>
+<p:notes xmlns:a="http://schemas.openxmlformats.org/drawingml/2006/main" xmlns:r="http://schemas.openxmlformats.org/officeDocument/2006/relationships" xmlns:p="http://schemas.openxmlformats.org/presentationml/2006/main">
+  <p:cSld>
+    <p:spTree>
+      <p:nvGrpSpPr>
+        <p:cNvPr id="1" name=""/>
+        <p:cNvGrpSpPr/>
+        <p:nvPr/>
+      </p:nvGrpSpPr>
+      <p:grpSpPr>
+        <a:xfrm>
+          <a:off x="0" y="0"/>
+          <a:ext cx="0" cy="0"/>
+          <a:chOff x="0" y="0"/>
+          <a:chExt cx="0" cy="0"/>
+        </a:xfrm>
+      </p:grpSpPr>
+      <p:sp>
+        <p:nvSpPr>
+          <p:cNvPr id="2" name="Slide Image Placeholder 1"/>
+          <p:cNvSpPr>
+            <a:spLocks noGrp="1" noRot="1" noChangeAspect="1"/>
+          </p:cNvSpPr>
+          <p:nvPr>
+            <p:ph type="sldImg"/>
+          </p:nvPr>
+        </p:nvSpPr>
+        <p:spPr/>
+      </p:sp>
+      <p:sp>
+        <p:nvSpPr>
+          <p:cNvPr id="3" name="Notes Placeholder 2"/>
+          <p:cNvSpPr>
+            <a:spLocks noGrp="1"/>
+          </p:cNvSpPr>
+          <p:nvPr>
+            <p:ph type="body" idx="1"/>
+          </p:nvPr>
+        </p:nvSpPr>
+        <p:spPr/>
+        <p:txBody>
+          <a:bodyPr>
+            <a:normAutofit/>
+          </a:bodyPr>
+          <a:lstStyle/>
+          <a:p>
+            <a:r>
+              <a:rPr lang="fr-FR" dirty="0" smtClean="0"/>
+              <a:t>JD</a:t>
+            </a:r>
+            <a:endParaRPr lang="fr-FR" dirty="0"/>
+          </a:p>
+        </p:txBody>
+      </p:sp>
+      <p:sp>
+        <p:nvSpPr>
+          <p:cNvPr id="4" name="Slide Number Placeholder 3"/>
+          <p:cNvSpPr>
+            <a:spLocks noGrp="1"/>
+          </p:cNvSpPr>
+          <p:nvPr>
+            <p:ph type="sldNum" sz="quarter" idx="10"/>
+          </p:nvPr>
+        </p:nvSpPr>
+        <p:spPr/>
+        <p:txBody>
+          <a:bodyPr/>
+          <a:lstStyle/>
+          <a:p>
+            <a:fld id="{69769F4E-9586-492C-B8A6-A22159A02A15}" type="slidenum">
+              <a:rPr lang="fr-FR" smtClean="0"/>
+              <a:pPr/>
+              <a:t>13</a:t>
+            </a:fld>
+            <a:endParaRPr lang="fr-FR"/>
+          </a:p>
+        </p:txBody>
+      </p:sp>
+    </p:spTree>
+  </p:cSld>
+  <p:clrMapOvr>
+    <a:masterClrMapping/>
+  </p:clrMapOvr>
+</p:notes>
+</file>
+
+<file path=ppt/notesSlides/notesSlide14.xml><?xml version="1.0" encoding="utf-8"?>
+<p:notes xmlns:a="http://schemas.openxmlformats.org/drawingml/2006/main" xmlns:r="http://schemas.openxmlformats.org/officeDocument/2006/relationships" xmlns:p="http://schemas.openxmlformats.org/presentationml/2006/main">
+  <p:cSld>
+    <p:spTree>
+      <p:nvGrpSpPr>
+        <p:cNvPr id="1" name=""/>
+        <p:cNvGrpSpPr/>
+        <p:nvPr/>
+      </p:nvGrpSpPr>
+      <p:grpSpPr>
+        <a:xfrm>
+          <a:off x="0" y="0"/>
+          <a:ext cx="0" cy="0"/>
+          <a:chOff x="0" y="0"/>
+          <a:chExt cx="0" cy="0"/>
+        </a:xfrm>
+      </p:grpSpPr>
+      <p:sp>
+        <p:nvSpPr>
+          <p:cNvPr id="2" name="Slide Image Placeholder 1"/>
+          <p:cNvSpPr>
+            <a:spLocks noGrp="1" noRot="1" noChangeAspect="1"/>
+          </p:cNvSpPr>
+          <p:nvPr>
+            <p:ph type="sldImg"/>
+          </p:nvPr>
+        </p:nvSpPr>
+        <p:spPr/>
+      </p:sp>
+      <p:sp>
+        <p:nvSpPr>
+          <p:cNvPr id="3" name="Notes Placeholder 2"/>
+          <p:cNvSpPr>
+            <a:spLocks noGrp="1"/>
+          </p:cNvSpPr>
+          <p:nvPr>
+            <p:ph type="body" idx="1"/>
+          </p:nvPr>
+        </p:nvSpPr>
+        <p:spPr/>
+        <p:txBody>
+          <a:bodyPr>
+            <a:normAutofit/>
+          </a:bodyPr>
+          <a:lstStyle/>
+          <a:p>
+            <a:r>
+              <a:rPr lang="fr-FR" dirty="0" smtClean="0"/>
+              <a:t>JD</a:t>
+            </a:r>
+            <a:endParaRPr lang="fr-FR" dirty="0"/>
+          </a:p>
+        </p:txBody>
+      </p:sp>
+      <p:sp>
+        <p:nvSpPr>
+          <p:cNvPr id="4" name="Slide Number Placeholder 3"/>
+          <p:cNvSpPr>
+            <a:spLocks noGrp="1"/>
+          </p:cNvSpPr>
+          <p:nvPr>
+            <p:ph type="sldNum" sz="quarter" idx="10"/>
+          </p:nvPr>
+        </p:nvSpPr>
+        <p:spPr/>
+        <p:txBody>
+          <a:bodyPr/>
+          <a:lstStyle/>
+          <a:p>
+            <a:fld id="{69769F4E-9586-492C-B8A6-A22159A02A15}" type="slidenum">
+              <a:rPr lang="fr-FR" smtClean="0"/>
+              <a:pPr/>
+              <a:t>14</a:t>
+            </a:fld>
+            <a:endParaRPr lang="fr-FR"/>
+          </a:p>
+        </p:txBody>
+      </p:sp>
+    </p:spTree>
+  </p:cSld>
+  <p:clrMapOvr>
+    <a:masterClrMapping/>
+  </p:clrMapOvr>
+</p:notes>
+</file>
+
+<file path=ppt/notesSlides/notesSlide15.xml><?xml version="1.0" encoding="utf-8"?>
+<p:notes xmlns:a="http://schemas.openxmlformats.org/drawingml/2006/main" xmlns:r="http://schemas.openxmlformats.org/officeDocument/2006/relationships" xmlns:p="http://schemas.openxmlformats.org/presentationml/2006/main">
+  <p:cSld>
+    <p:spTree>
+      <p:nvGrpSpPr>
+        <p:cNvPr id="1" name=""/>
+        <p:cNvGrpSpPr/>
+        <p:nvPr/>
+      </p:nvGrpSpPr>
+      <p:grpSpPr>
+        <a:xfrm>
+          <a:off x="0" y="0"/>
+          <a:ext cx="0" cy="0"/>
+          <a:chOff x="0" y="0"/>
+          <a:chExt cx="0" cy="0"/>
+        </a:xfrm>
+      </p:grpSpPr>
+      <p:sp>
+        <p:nvSpPr>
+          <p:cNvPr id="2" name="Slide Image Placeholder 1"/>
+          <p:cNvSpPr>
+            <a:spLocks noGrp="1" noRot="1" noChangeAspect="1"/>
+          </p:cNvSpPr>
+          <p:nvPr>
+            <p:ph type="sldImg"/>
+          </p:nvPr>
+        </p:nvSpPr>
+        <p:spPr/>
+      </p:sp>
+      <p:sp>
+        <p:nvSpPr>
+          <p:cNvPr id="3" name="Notes Placeholder 2"/>
+          <p:cNvSpPr>
+            <a:spLocks noGrp="1"/>
+          </p:cNvSpPr>
+          <p:nvPr>
+            <p:ph type="body" idx="1"/>
+          </p:nvPr>
+        </p:nvSpPr>
+        <p:spPr/>
+        <p:txBody>
+          <a:bodyPr>
+            <a:normAutofit/>
+          </a:bodyPr>
+          <a:lstStyle/>
+          <a:p>
+            <a:r>
+              <a:rPr lang="fr-FR" dirty="0" smtClean="0"/>
+              <a:t>JD</a:t>
+            </a:r>
+            <a:endParaRPr lang="fr-FR" dirty="0"/>
+          </a:p>
+        </p:txBody>
+      </p:sp>
+      <p:sp>
+        <p:nvSpPr>
+          <p:cNvPr id="4" name="Slide Number Placeholder 3"/>
+          <p:cNvSpPr>
+            <a:spLocks noGrp="1"/>
+          </p:cNvSpPr>
+          <p:nvPr>
+            <p:ph type="sldNum" sz="quarter" idx="10"/>
+          </p:nvPr>
+        </p:nvSpPr>
+        <p:spPr/>
+        <p:txBody>
+          <a:bodyPr/>
+          <a:lstStyle/>
+          <a:p>
+            <a:fld id="{69769F4E-9586-492C-B8A6-A22159A02A15}" type="slidenum">
+              <a:rPr lang="fr-FR" smtClean="0"/>
+              <a:pPr/>
+              <a:t>15</a:t>
+            </a:fld>
+            <a:endParaRPr lang="fr-FR"/>
+          </a:p>
+        </p:txBody>
+      </p:sp>
+    </p:spTree>
+  </p:cSld>
+  <p:clrMapOvr>
+    <a:masterClrMapping/>
+  </p:clrMapOvr>
+</p:notes>
+</file>
+
+<file path=ppt/notesSlides/notesSlide16.xml><?xml version="1.0" encoding="utf-8"?>
+<p:notes xmlns:a="http://schemas.openxmlformats.org/drawingml/2006/main" xmlns:r="http://schemas.openxmlformats.org/officeDocument/2006/relationships" xmlns:p="http://schemas.openxmlformats.org/presentationml/2006/main">
+  <p:cSld>
+    <p:spTree>
+      <p:nvGrpSpPr>
+        <p:cNvPr id="1" name=""/>
+        <p:cNvGrpSpPr/>
+        <p:nvPr/>
+      </p:nvGrpSpPr>
+      <p:grpSpPr>
+        <a:xfrm>
+          <a:off x="0" y="0"/>
+          <a:ext cx="0" cy="0"/>
+          <a:chOff x="0" y="0"/>
+          <a:chExt cx="0" cy="0"/>
+        </a:xfrm>
+      </p:grpSpPr>
+      <p:sp>
+        <p:nvSpPr>
+          <p:cNvPr id="2" name="Slide Image Placeholder 1"/>
+          <p:cNvSpPr>
+            <a:spLocks noGrp="1" noRot="1" noChangeAspect="1"/>
+          </p:cNvSpPr>
+          <p:nvPr>
+            <p:ph type="sldImg"/>
+          </p:nvPr>
+        </p:nvSpPr>
+        <p:spPr/>
+      </p:sp>
+      <p:sp>
+        <p:nvSpPr>
+          <p:cNvPr id="3" name="Notes Placeholder 2"/>
+          <p:cNvSpPr>
+            <a:spLocks noGrp="1"/>
+          </p:cNvSpPr>
+          <p:nvPr>
+            <p:ph type="body" idx="1"/>
+          </p:nvPr>
+        </p:nvSpPr>
+        <p:spPr/>
+        <p:txBody>
+          <a:bodyPr>
+            <a:normAutofit/>
+          </a:bodyPr>
+          <a:lstStyle/>
+          <a:p>
+            <a:r>
+              <a:rPr lang="en-US" sz="1200" kern="1200" dirty="0" smtClean="0">
+                <a:solidFill>
+                  <a:schemeClr val="tx1"/>
+                </a:solidFill>
+                <a:latin typeface="+mn-lt"/>
+                <a:ea typeface="+mn-ea"/>
+                <a:cs typeface="+mn-cs"/>
+              </a:rPr>
+              <a:t>JD</a:t>
+            </a:r>
+          </a:p>
+          <a:p>
+            <a:r>
+              <a:rPr lang="en-US" sz="1200" kern="1200" dirty="0" smtClean="0">
+                <a:solidFill>
+                  <a:schemeClr val="tx1"/>
+                </a:solidFill>
+                <a:latin typeface="+mn-lt"/>
+                <a:ea typeface="+mn-ea"/>
+                <a:cs typeface="+mn-cs"/>
+              </a:rPr>
+              <a:t>The </a:t>
+            </a:r>
+            <a:r>
+              <a:rPr lang="en-US" sz="1200" kern="1200" dirty="0" smtClean="0">
+                <a:solidFill>
+                  <a:schemeClr val="tx1"/>
+                </a:solidFill>
+                <a:latin typeface="+mn-lt"/>
+                <a:ea typeface="+mn-ea"/>
+                <a:cs typeface="+mn-cs"/>
+              </a:rPr>
+              <a:t>difference between /a/ and /</a:t>
+            </a:r>
+            <a:r>
+              <a:rPr lang="en-US" sz="1200" kern="1200" dirty="0" err="1" smtClean="0">
+                <a:solidFill>
+                  <a:schemeClr val="tx1"/>
+                </a:solidFill>
+                <a:latin typeface="+mn-lt"/>
+                <a:ea typeface="+mn-ea"/>
+                <a:cs typeface="+mn-cs"/>
+              </a:rPr>
+              <a:t>wa</a:t>
+            </a:r>
+            <a:r>
+              <a:rPr lang="en-US" sz="1200" kern="1200" dirty="0" smtClean="0">
+                <a:solidFill>
+                  <a:schemeClr val="tx1"/>
+                </a:solidFill>
+                <a:latin typeface="+mn-lt"/>
+                <a:ea typeface="+mn-ea"/>
+                <a:cs typeface="+mn-cs"/>
+              </a:rPr>
+              <a:t>/ from “bas” and “</a:t>
+            </a:r>
+            <a:r>
+              <a:rPr lang="en-US" sz="1200" kern="1200" dirty="0" err="1" smtClean="0">
+                <a:solidFill>
+                  <a:schemeClr val="tx1"/>
+                </a:solidFill>
+                <a:latin typeface="+mn-lt"/>
+                <a:ea typeface="+mn-ea"/>
+                <a:cs typeface="+mn-cs"/>
+              </a:rPr>
+              <a:t>droite</a:t>
+            </a:r>
+            <a:r>
+              <a:rPr lang="en-US" sz="1200" kern="1200" dirty="0" smtClean="0">
+                <a:solidFill>
+                  <a:schemeClr val="tx1"/>
+                </a:solidFill>
+                <a:latin typeface="+mn-lt"/>
+                <a:ea typeface="+mn-ea"/>
+                <a:cs typeface="+mn-cs"/>
+              </a:rPr>
+              <a:t>” </a:t>
+            </a:r>
+          </a:p>
+          <a:p>
+            <a:r>
+              <a:rPr lang="fr-FR" dirty="0" err="1" smtClean="0"/>
+              <a:t>Mahalanobis</a:t>
+            </a:r>
+            <a:r>
+              <a:rPr lang="fr-FR" baseline="0" dirty="0" smtClean="0"/>
+              <a:t> distance</a:t>
+            </a:r>
+            <a:endParaRPr lang="fr-FR" dirty="0"/>
+          </a:p>
+        </p:txBody>
+      </p:sp>
+      <p:sp>
+        <p:nvSpPr>
+          <p:cNvPr id="4" name="Slide Number Placeholder 3"/>
+          <p:cNvSpPr>
+            <a:spLocks noGrp="1"/>
+          </p:cNvSpPr>
+          <p:nvPr>
+            <p:ph type="sldNum" sz="quarter" idx="10"/>
+          </p:nvPr>
+        </p:nvSpPr>
+        <p:spPr/>
+        <p:txBody>
+          <a:bodyPr/>
+          <a:lstStyle/>
+          <a:p>
+            <a:fld id="{69769F4E-9586-492C-B8A6-A22159A02A15}" type="slidenum">
+              <a:rPr lang="fr-FR" smtClean="0"/>
+              <a:pPr/>
+              <a:t>16</a:t>
+            </a:fld>
+            <a:endParaRPr lang="fr-FR"/>
+          </a:p>
+        </p:txBody>
+      </p:sp>
+    </p:spTree>
+  </p:cSld>
+  <p:clrMapOvr>
+    <a:masterClrMapping/>
+  </p:clrMapOvr>
+</p:notes>
+</file>
+
+<file path=ppt/notesSlides/notesSlide17.xml><?xml version="1.0" encoding="utf-8"?>
+<p:notes xmlns:a="http://schemas.openxmlformats.org/drawingml/2006/main" xmlns:r="http://schemas.openxmlformats.org/officeDocument/2006/relationships" xmlns:p="http://schemas.openxmlformats.org/presentationml/2006/main">
+  <p:cSld>
+    <p:spTree>
+      <p:nvGrpSpPr>
+        <p:cNvPr id="1" name=""/>
+        <p:cNvGrpSpPr/>
+        <p:nvPr/>
+      </p:nvGrpSpPr>
+      <p:grpSpPr>
+        <a:xfrm>
+          <a:off x="0" y="0"/>
+          <a:ext cx="0" cy="0"/>
+          <a:chOff x="0" y="0"/>
+          <a:chExt cx="0" cy="0"/>
+        </a:xfrm>
+      </p:grpSpPr>
+      <p:sp>
+        <p:nvSpPr>
+          <p:cNvPr id="2" name="Slide Image Placeholder 1"/>
+          <p:cNvSpPr>
+            <a:spLocks noGrp="1" noRot="1" noChangeAspect="1"/>
+          </p:cNvSpPr>
+          <p:nvPr>
+            <p:ph type="sldImg"/>
+          </p:nvPr>
+        </p:nvSpPr>
+        <p:spPr/>
+      </p:sp>
+      <p:sp>
+        <p:nvSpPr>
+          <p:cNvPr id="3" name="Notes Placeholder 2"/>
+          <p:cNvSpPr>
+            <a:spLocks noGrp="1"/>
+          </p:cNvSpPr>
+          <p:nvPr>
+            <p:ph type="body" idx="1"/>
+          </p:nvPr>
+        </p:nvSpPr>
+        <p:spPr/>
+        <p:txBody>
+          <a:bodyPr>
+            <a:normAutofit/>
+          </a:bodyPr>
+          <a:lstStyle/>
+          <a:p>
+            <a:r>
+              <a:rPr lang="fr-FR" dirty="0" smtClean="0"/>
+              <a:t>M</a:t>
+            </a:r>
+            <a:endParaRPr lang="fr-FR" dirty="0"/>
+          </a:p>
+        </p:txBody>
+      </p:sp>
+      <p:sp>
+        <p:nvSpPr>
+          <p:cNvPr id="4" name="Slide Number Placeholder 3"/>
+          <p:cNvSpPr>
+            <a:spLocks noGrp="1"/>
+          </p:cNvSpPr>
+          <p:nvPr>
+            <p:ph type="sldNum" sz="quarter" idx="10"/>
+          </p:nvPr>
+        </p:nvSpPr>
+        <p:spPr/>
+        <p:txBody>
+          <a:bodyPr/>
+          <a:lstStyle/>
+          <a:p>
+            <a:fld id="{69769F4E-9586-492C-B8A6-A22159A02A15}" type="slidenum">
+              <a:rPr lang="fr-FR" smtClean="0"/>
+              <a:pPr/>
+              <a:t>17</a:t>
+            </a:fld>
+            <a:endParaRPr lang="fr-FR"/>
+          </a:p>
+        </p:txBody>
+      </p:sp>
+    </p:spTree>
+  </p:cSld>
+  <p:clrMapOvr>
+    <a:masterClrMapping/>
+  </p:clrMapOvr>
+</p:notes>
+</file>
+
+<file path=ppt/notesSlides/notesSlide18.xml><?xml version="1.0" encoding="utf-8"?>
+<p:notes xmlns:a="http://schemas.openxmlformats.org/drawingml/2006/main" xmlns:r="http://schemas.openxmlformats.org/officeDocument/2006/relationships" xmlns:p="http://schemas.openxmlformats.org/presentationml/2006/main">
+  <p:cSld>
+    <p:spTree>
+      <p:nvGrpSpPr>
+        <p:cNvPr id="1" name=""/>
+        <p:cNvGrpSpPr/>
+        <p:nvPr/>
+      </p:nvGrpSpPr>
+      <p:grpSpPr>
+        <a:xfrm>
+          <a:off x="0" y="0"/>
+          <a:ext cx="0" cy="0"/>
+          <a:chOff x="0" y="0"/>
+          <a:chExt cx="0" cy="0"/>
+        </a:xfrm>
+      </p:grpSpPr>
+      <p:sp>
+        <p:nvSpPr>
+          <p:cNvPr id="2" name="Slide Image Placeholder 1"/>
+          <p:cNvSpPr>
+            <a:spLocks noGrp="1" noRot="1" noChangeAspect="1"/>
+          </p:cNvSpPr>
+          <p:nvPr>
+            <p:ph type="sldImg"/>
+          </p:nvPr>
+        </p:nvSpPr>
+        <p:spPr/>
+      </p:sp>
+      <p:sp>
+        <p:nvSpPr>
+          <p:cNvPr id="3" name="Notes Placeholder 2"/>
+          <p:cNvSpPr>
+            <a:spLocks noGrp="1"/>
+          </p:cNvSpPr>
+          <p:nvPr>
+            <p:ph type="body" idx="1"/>
+          </p:nvPr>
+        </p:nvSpPr>
+        <p:spPr/>
+        <p:txBody>
+          <a:bodyPr>
+            <a:normAutofit/>
+          </a:bodyPr>
+          <a:lstStyle/>
+          <a:p>
+            <a:r>
+              <a:rPr lang="fr-FR" dirty="0" smtClean="0"/>
+              <a:t>M</a:t>
+            </a:r>
+            <a:endParaRPr lang="fr-FR" dirty="0"/>
+          </a:p>
+        </p:txBody>
+      </p:sp>
+      <p:sp>
+        <p:nvSpPr>
+          <p:cNvPr id="4" name="Slide Number Placeholder 3"/>
+          <p:cNvSpPr>
+            <a:spLocks noGrp="1"/>
+          </p:cNvSpPr>
+          <p:nvPr>
+            <p:ph type="sldNum" sz="quarter" idx="10"/>
+          </p:nvPr>
+        </p:nvSpPr>
+        <p:spPr/>
+        <p:txBody>
+          <a:bodyPr/>
+          <a:lstStyle/>
+          <a:p>
+            <a:fld id="{69769F4E-9586-492C-B8A6-A22159A02A15}" type="slidenum">
+              <a:rPr lang="fr-FR" smtClean="0"/>
+              <a:pPr/>
+              <a:t>18</a:t>
+            </a:fld>
+            <a:endParaRPr lang="fr-FR"/>
+          </a:p>
+        </p:txBody>
+      </p:sp>
+    </p:spTree>
+  </p:cSld>
+  <p:clrMapOvr>
+    <a:masterClrMapping/>
+  </p:clrMapOvr>
+</p:notes>
+</file>
+
+<file path=ppt/notesSlides/notesSlide19.xml><?xml version="1.0" encoding="utf-8"?>
+<p:notes xmlns:a="http://schemas.openxmlformats.org/drawingml/2006/main" xmlns:r="http://schemas.openxmlformats.org/officeDocument/2006/relationships" xmlns:p="http://schemas.openxmlformats.org/presentationml/2006/main">
+  <p:cSld>
+    <p:spTree>
+      <p:nvGrpSpPr>
+        <p:cNvPr id="1" name=""/>
+        <p:cNvGrpSpPr/>
+        <p:nvPr/>
+      </p:nvGrpSpPr>
+      <p:grpSpPr>
+        <a:xfrm>
+          <a:off x="0" y="0"/>
+          <a:ext cx="0" cy="0"/>
+          <a:chOff x="0" y="0"/>
+          <a:chExt cx="0" cy="0"/>
+        </a:xfrm>
+      </p:grpSpPr>
+      <p:sp>
+        <p:nvSpPr>
+          <p:cNvPr id="2" name="Slide Image Placeholder 1"/>
+          <p:cNvSpPr>
+            <a:spLocks noGrp="1" noRot="1" noChangeAspect="1"/>
+          </p:cNvSpPr>
+          <p:nvPr>
+            <p:ph type="sldImg"/>
+          </p:nvPr>
+        </p:nvSpPr>
+        <p:spPr/>
+      </p:sp>
+      <p:sp>
+        <p:nvSpPr>
+          <p:cNvPr id="3" name="Notes Placeholder 2"/>
+          <p:cNvSpPr>
+            <a:spLocks noGrp="1"/>
+          </p:cNvSpPr>
+          <p:nvPr>
+            <p:ph type="body" idx="1"/>
+          </p:nvPr>
+        </p:nvSpPr>
+        <p:spPr/>
+        <p:txBody>
+          <a:bodyPr>
+            <a:normAutofit/>
+          </a:bodyPr>
+          <a:lstStyle/>
+          <a:p>
+            <a:r>
+              <a:rPr lang="fr-FR" dirty="0" smtClean="0"/>
+              <a:t>JD</a:t>
+            </a:r>
+          </a:p>
+          <a:p>
+            <a:r>
+              <a:rPr lang="fr-FR" dirty="0" smtClean="0"/>
+              <a:t>C</a:t>
+            </a:r>
+            <a:r>
+              <a:rPr lang="fr-FR" dirty="0" smtClean="0"/>
+              <a:t>++</a:t>
+            </a:r>
+            <a:endParaRPr lang="fr-FR" dirty="0"/>
+          </a:p>
+        </p:txBody>
+      </p:sp>
+      <p:sp>
+        <p:nvSpPr>
+          <p:cNvPr id="4" name="Slide Number Placeholder 3"/>
+          <p:cNvSpPr>
+            <a:spLocks noGrp="1"/>
+          </p:cNvSpPr>
+          <p:nvPr>
+            <p:ph type="sldNum" sz="quarter" idx="10"/>
+          </p:nvPr>
+        </p:nvSpPr>
+        <p:spPr/>
+        <p:txBody>
+          <a:bodyPr/>
+          <a:lstStyle/>
+          <a:p>
+            <a:fld id="{69769F4E-9586-492C-B8A6-A22159A02A15}" type="slidenum">
+              <a:rPr lang="fr-FR" smtClean="0"/>
+              <a:pPr/>
+              <a:t>19</a:t>
+            </a:fld>
+            <a:endParaRPr lang="fr-FR"/>
           </a:p>
         </p:txBody>
       </p:sp>
@@ -991,7 +2630,7 @@
           <a:p>
             <a:r>
               <a:rPr lang="fr-FR" dirty="0" smtClean="0"/>
-              <a:t>TNS</a:t>
+              <a:t>JP</a:t>
             </a:r>
             <a:endParaRPr lang="fr-FR" dirty="0"/>
           </a:p>
@@ -1015,7 +2654,813 @@
             <a:fld id="{69769F4E-9586-492C-B8A6-A22159A02A15}" type="slidenum">
               <a:rPr lang="fr-FR" smtClean="0"/>
               <a:pPr/>
-              <a:t>6</a:t>
+              <a:t>2</a:t>
+            </a:fld>
+            <a:endParaRPr lang="fr-FR"/>
+          </a:p>
+        </p:txBody>
+      </p:sp>
+    </p:spTree>
+  </p:cSld>
+  <p:clrMapOvr>
+    <a:masterClrMapping/>
+  </p:clrMapOvr>
+</p:notes>
+</file>
+
+<file path=ppt/notesSlides/notesSlide20.xml><?xml version="1.0" encoding="utf-8"?>
+<p:notes xmlns:a="http://schemas.openxmlformats.org/drawingml/2006/main" xmlns:r="http://schemas.openxmlformats.org/officeDocument/2006/relationships" xmlns:p="http://schemas.openxmlformats.org/presentationml/2006/main">
+  <p:cSld>
+    <p:spTree>
+      <p:nvGrpSpPr>
+        <p:cNvPr id="1" name=""/>
+        <p:cNvGrpSpPr/>
+        <p:nvPr/>
+      </p:nvGrpSpPr>
+      <p:grpSpPr>
+        <a:xfrm>
+          <a:off x="0" y="0"/>
+          <a:ext cx="0" cy="0"/>
+          <a:chOff x="0" y="0"/>
+          <a:chExt cx="0" cy="0"/>
+        </a:xfrm>
+      </p:grpSpPr>
+      <p:sp>
+        <p:nvSpPr>
+          <p:cNvPr id="2" name="Slide Image Placeholder 1"/>
+          <p:cNvSpPr>
+            <a:spLocks noGrp="1" noRot="1" noChangeAspect="1"/>
+          </p:cNvSpPr>
+          <p:nvPr>
+            <p:ph type="sldImg"/>
+          </p:nvPr>
+        </p:nvSpPr>
+        <p:spPr/>
+      </p:sp>
+      <p:sp>
+        <p:nvSpPr>
+          <p:cNvPr id="3" name="Notes Placeholder 2"/>
+          <p:cNvSpPr>
+            <a:spLocks noGrp="1"/>
+          </p:cNvSpPr>
+          <p:nvPr>
+            <p:ph type="body" idx="1"/>
+          </p:nvPr>
+        </p:nvSpPr>
+        <p:spPr/>
+        <p:txBody>
+          <a:bodyPr>
+            <a:normAutofit/>
+          </a:bodyPr>
+          <a:lstStyle/>
+          <a:p>
+            <a:r>
+              <a:rPr lang="fr-FR" dirty="0" smtClean="0"/>
+              <a:t>JD</a:t>
+            </a:r>
+            <a:endParaRPr lang="fr-FR" dirty="0"/>
+          </a:p>
+        </p:txBody>
+      </p:sp>
+      <p:sp>
+        <p:nvSpPr>
+          <p:cNvPr id="4" name="Slide Number Placeholder 3"/>
+          <p:cNvSpPr>
+            <a:spLocks noGrp="1"/>
+          </p:cNvSpPr>
+          <p:nvPr>
+            <p:ph type="sldNum" sz="quarter" idx="10"/>
+          </p:nvPr>
+        </p:nvSpPr>
+        <p:spPr/>
+        <p:txBody>
+          <a:bodyPr/>
+          <a:lstStyle/>
+          <a:p>
+            <a:fld id="{69769F4E-9586-492C-B8A6-A22159A02A15}" type="slidenum">
+              <a:rPr lang="fr-FR" smtClean="0"/>
+              <a:pPr/>
+              <a:t>20</a:t>
+            </a:fld>
+            <a:endParaRPr lang="fr-FR"/>
+          </a:p>
+        </p:txBody>
+      </p:sp>
+    </p:spTree>
+  </p:cSld>
+  <p:clrMapOvr>
+    <a:masterClrMapping/>
+  </p:clrMapOvr>
+</p:notes>
+</file>
+
+<file path=ppt/notesSlides/notesSlide21.xml><?xml version="1.0" encoding="utf-8"?>
+<p:notes xmlns:a="http://schemas.openxmlformats.org/drawingml/2006/main" xmlns:r="http://schemas.openxmlformats.org/officeDocument/2006/relationships" xmlns:p="http://schemas.openxmlformats.org/presentationml/2006/main">
+  <p:cSld>
+    <p:spTree>
+      <p:nvGrpSpPr>
+        <p:cNvPr id="1" name=""/>
+        <p:cNvGrpSpPr/>
+        <p:nvPr/>
+      </p:nvGrpSpPr>
+      <p:grpSpPr>
+        <a:xfrm>
+          <a:off x="0" y="0"/>
+          <a:ext cx="0" cy="0"/>
+          <a:chOff x="0" y="0"/>
+          <a:chExt cx="0" cy="0"/>
+        </a:xfrm>
+      </p:grpSpPr>
+      <p:sp>
+        <p:nvSpPr>
+          <p:cNvPr id="2" name="Slide Image Placeholder 1"/>
+          <p:cNvSpPr>
+            <a:spLocks noGrp="1" noRot="1" noChangeAspect="1"/>
+          </p:cNvSpPr>
+          <p:nvPr>
+            <p:ph type="sldImg"/>
+          </p:nvPr>
+        </p:nvSpPr>
+        <p:spPr/>
+      </p:sp>
+      <p:sp>
+        <p:nvSpPr>
+          <p:cNvPr id="3" name="Notes Placeholder 2"/>
+          <p:cNvSpPr>
+            <a:spLocks noGrp="1"/>
+          </p:cNvSpPr>
+          <p:nvPr>
+            <p:ph type="body" idx="1"/>
+          </p:nvPr>
+        </p:nvSpPr>
+        <p:spPr/>
+        <p:txBody>
+          <a:bodyPr>
+            <a:normAutofit/>
+          </a:bodyPr>
+          <a:lstStyle/>
+          <a:p>
+            <a:r>
+              <a:rPr lang="fr-FR" dirty="0" smtClean="0"/>
+              <a:t>JD</a:t>
+            </a:r>
+            <a:endParaRPr lang="fr-FR" dirty="0"/>
+          </a:p>
+        </p:txBody>
+      </p:sp>
+      <p:sp>
+        <p:nvSpPr>
+          <p:cNvPr id="4" name="Slide Number Placeholder 3"/>
+          <p:cNvSpPr>
+            <a:spLocks noGrp="1"/>
+          </p:cNvSpPr>
+          <p:nvPr>
+            <p:ph type="sldNum" sz="quarter" idx="10"/>
+          </p:nvPr>
+        </p:nvSpPr>
+        <p:spPr/>
+        <p:txBody>
+          <a:bodyPr/>
+          <a:lstStyle/>
+          <a:p>
+            <a:fld id="{69769F4E-9586-492C-B8A6-A22159A02A15}" type="slidenum">
+              <a:rPr lang="fr-FR" smtClean="0"/>
+              <a:pPr/>
+              <a:t>21</a:t>
+            </a:fld>
+            <a:endParaRPr lang="fr-FR"/>
+          </a:p>
+        </p:txBody>
+      </p:sp>
+    </p:spTree>
+  </p:cSld>
+  <p:clrMapOvr>
+    <a:masterClrMapping/>
+  </p:clrMapOvr>
+</p:notes>
+</file>
+
+<file path=ppt/notesSlides/notesSlide22.xml><?xml version="1.0" encoding="utf-8"?>
+<p:notes xmlns:a="http://schemas.openxmlformats.org/drawingml/2006/main" xmlns:r="http://schemas.openxmlformats.org/officeDocument/2006/relationships" xmlns:p="http://schemas.openxmlformats.org/presentationml/2006/main">
+  <p:cSld>
+    <p:spTree>
+      <p:nvGrpSpPr>
+        <p:cNvPr id="1" name=""/>
+        <p:cNvGrpSpPr/>
+        <p:nvPr/>
+      </p:nvGrpSpPr>
+      <p:grpSpPr>
+        <a:xfrm>
+          <a:off x="0" y="0"/>
+          <a:ext cx="0" cy="0"/>
+          <a:chOff x="0" y="0"/>
+          <a:chExt cx="0" cy="0"/>
+        </a:xfrm>
+      </p:grpSpPr>
+      <p:sp>
+        <p:nvSpPr>
+          <p:cNvPr id="2" name="Slide Image Placeholder 1"/>
+          <p:cNvSpPr>
+            <a:spLocks noGrp="1" noRot="1" noChangeAspect="1"/>
+          </p:cNvSpPr>
+          <p:nvPr>
+            <p:ph type="sldImg"/>
+          </p:nvPr>
+        </p:nvSpPr>
+        <p:spPr/>
+      </p:sp>
+      <p:sp>
+        <p:nvSpPr>
+          <p:cNvPr id="3" name="Notes Placeholder 2"/>
+          <p:cNvSpPr>
+            <a:spLocks noGrp="1"/>
+          </p:cNvSpPr>
+          <p:nvPr>
+            <p:ph type="body" idx="1"/>
+          </p:nvPr>
+        </p:nvSpPr>
+        <p:spPr/>
+        <p:txBody>
+          <a:bodyPr>
+            <a:normAutofit/>
+          </a:bodyPr>
+          <a:lstStyle/>
+          <a:p>
+            <a:r>
+              <a:rPr lang="fr-FR" dirty="0" smtClean="0"/>
+              <a:t>JP</a:t>
+            </a:r>
+            <a:endParaRPr lang="fr-FR" dirty="0"/>
+          </a:p>
+        </p:txBody>
+      </p:sp>
+      <p:sp>
+        <p:nvSpPr>
+          <p:cNvPr id="4" name="Slide Number Placeholder 3"/>
+          <p:cNvSpPr>
+            <a:spLocks noGrp="1"/>
+          </p:cNvSpPr>
+          <p:nvPr>
+            <p:ph type="sldNum" sz="quarter" idx="10"/>
+          </p:nvPr>
+        </p:nvSpPr>
+        <p:spPr/>
+        <p:txBody>
+          <a:bodyPr/>
+          <a:lstStyle/>
+          <a:p>
+            <a:fld id="{69769F4E-9586-492C-B8A6-A22159A02A15}" type="slidenum">
+              <a:rPr lang="fr-FR" smtClean="0"/>
+              <a:pPr/>
+              <a:t>22</a:t>
+            </a:fld>
+            <a:endParaRPr lang="fr-FR"/>
+          </a:p>
+        </p:txBody>
+      </p:sp>
+    </p:spTree>
+  </p:cSld>
+  <p:clrMapOvr>
+    <a:masterClrMapping/>
+  </p:clrMapOvr>
+</p:notes>
+</file>
+
+<file path=ppt/notesSlides/notesSlide23.xml><?xml version="1.0" encoding="utf-8"?>
+<p:notes xmlns:a="http://schemas.openxmlformats.org/drawingml/2006/main" xmlns:r="http://schemas.openxmlformats.org/officeDocument/2006/relationships" xmlns:p="http://schemas.openxmlformats.org/presentationml/2006/main">
+  <p:cSld>
+    <p:spTree>
+      <p:nvGrpSpPr>
+        <p:cNvPr id="1" name=""/>
+        <p:cNvGrpSpPr/>
+        <p:nvPr/>
+      </p:nvGrpSpPr>
+      <p:grpSpPr>
+        <a:xfrm>
+          <a:off x="0" y="0"/>
+          <a:ext cx="0" cy="0"/>
+          <a:chOff x="0" y="0"/>
+          <a:chExt cx="0" cy="0"/>
+        </a:xfrm>
+      </p:grpSpPr>
+      <p:sp>
+        <p:nvSpPr>
+          <p:cNvPr id="2" name="Slide Image Placeholder 1"/>
+          <p:cNvSpPr>
+            <a:spLocks noGrp="1" noRot="1" noChangeAspect="1"/>
+          </p:cNvSpPr>
+          <p:nvPr>
+            <p:ph type="sldImg"/>
+          </p:nvPr>
+        </p:nvSpPr>
+        <p:spPr/>
+      </p:sp>
+      <p:sp>
+        <p:nvSpPr>
+          <p:cNvPr id="3" name="Notes Placeholder 2"/>
+          <p:cNvSpPr>
+            <a:spLocks noGrp="1"/>
+          </p:cNvSpPr>
+          <p:nvPr>
+            <p:ph type="body" idx="1"/>
+          </p:nvPr>
+        </p:nvSpPr>
+        <p:spPr/>
+        <p:txBody>
+          <a:bodyPr>
+            <a:normAutofit/>
+          </a:bodyPr>
+          <a:lstStyle/>
+          <a:p>
+            <a:r>
+              <a:rPr lang="fr-FR" dirty="0" smtClean="0"/>
+              <a:t>JP</a:t>
+            </a:r>
+            <a:endParaRPr lang="fr-FR" dirty="0"/>
+          </a:p>
+        </p:txBody>
+      </p:sp>
+      <p:sp>
+        <p:nvSpPr>
+          <p:cNvPr id="4" name="Slide Number Placeholder 3"/>
+          <p:cNvSpPr>
+            <a:spLocks noGrp="1"/>
+          </p:cNvSpPr>
+          <p:nvPr>
+            <p:ph type="sldNum" sz="quarter" idx="10"/>
+          </p:nvPr>
+        </p:nvSpPr>
+        <p:spPr/>
+        <p:txBody>
+          <a:bodyPr/>
+          <a:lstStyle/>
+          <a:p>
+            <a:fld id="{69769F4E-9586-492C-B8A6-A22159A02A15}" type="slidenum">
+              <a:rPr lang="fr-FR" smtClean="0"/>
+              <a:pPr/>
+              <a:t>23</a:t>
+            </a:fld>
+            <a:endParaRPr lang="fr-FR"/>
+          </a:p>
+        </p:txBody>
+      </p:sp>
+    </p:spTree>
+  </p:cSld>
+  <p:clrMapOvr>
+    <a:masterClrMapping/>
+  </p:clrMapOvr>
+</p:notes>
+</file>
+
+<file path=ppt/notesSlides/notesSlide24.xml><?xml version="1.0" encoding="utf-8"?>
+<p:notes xmlns:a="http://schemas.openxmlformats.org/drawingml/2006/main" xmlns:r="http://schemas.openxmlformats.org/officeDocument/2006/relationships" xmlns:p="http://schemas.openxmlformats.org/presentationml/2006/main">
+  <p:cSld>
+    <p:spTree>
+      <p:nvGrpSpPr>
+        <p:cNvPr id="1" name=""/>
+        <p:cNvGrpSpPr/>
+        <p:nvPr/>
+      </p:nvGrpSpPr>
+      <p:grpSpPr>
+        <a:xfrm>
+          <a:off x="0" y="0"/>
+          <a:ext cx="0" cy="0"/>
+          <a:chOff x="0" y="0"/>
+          <a:chExt cx="0" cy="0"/>
+        </a:xfrm>
+      </p:grpSpPr>
+      <p:sp>
+        <p:nvSpPr>
+          <p:cNvPr id="2" name="Slide Image Placeholder 1"/>
+          <p:cNvSpPr>
+            <a:spLocks noGrp="1" noRot="1" noChangeAspect="1"/>
+          </p:cNvSpPr>
+          <p:nvPr>
+            <p:ph type="sldImg"/>
+          </p:nvPr>
+        </p:nvSpPr>
+        <p:spPr/>
+      </p:sp>
+      <p:sp>
+        <p:nvSpPr>
+          <p:cNvPr id="3" name="Notes Placeholder 2"/>
+          <p:cNvSpPr>
+            <a:spLocks noGrp="1"/>
+          </p:cNvSpPr>
+          <p:nvPr>
+            <p:ph type="body" idx="1"/>
+          </p:nvPr>
+        </p:nvSpPr>
+        <p:spPr/>
+        <p:txBody>
+          <a:bodyPr>
+            <a:normAutofit/>
+          </a:bodyPr>
+          <a:lstStyle/>
+          <a:p>
+            <a:r>
+              <a:rPr lang="fr-FR" dirty="0" smtClean="0"/>
+              <a:t>M</a:t>
+            </a:r>
+          </a:p>
+          <a:p>
+            <a:r>
+              <a:rPr lang="fr-FR" dirty="0" smtClean="0"/>
+              <a:t>Multi </a:t>
+            </a:r>
+            <a:r>
+              <a:rPr lang="fr-FR" dirty="0" smtClean="0"/>
+              <a:t>thread / synchronisation</a:t>
+            </a:r>
+            <a:endParaRPr lang="fr-FR" dirty="0"/>
+          </a:p>
+        </p:txBody>
+      </p:sp>
+      <p:sp>
+        <p:nvSpPr>
+          <p:cNvPr id="4" name="Slide Number Placeholder 3"/>
+          <p:cNvSpPr>
+            <a:spLocks noGrp="1"/>
+          </p:cNvSpPr>
+          <p:nvPr>
+            <p:ph type="sldNum" sz="quarter" idx="10"/>
+          </p:nvPr>
+        </p:nvSpPr>
+        <p:spPr/>
+        <p:txBody>
+          <a:bodyPr/>
+          <a:lstStyle/>
+          <a:p>
+            <a:fld id="{69769F4E-9586-492C-B8A6-A22159A02A15}" type="slidenum">
+              <a:rPr lang="fr-FR" smtClean="0"/>
+              <a:pPr/>
+              <a:t>24</a:t>
+            </a:fld>
+            <a:endParaRPr lang="fr-FR"/>
+          </a:p>
+        </p:txBody>
+      </p:sp>
+    </p:spTree>
+  </p:cSld>
+  <p:clrMapOvr>
+    <a:masterClrMapping/>
+  </p:clrMapOvr>
+</p:notes>
+</file>
+
+<file path=ppt/notesSlides/notesSlide25.xml><?xml version="1.0" encoding="utf-8"?>
+<p:notes xmlns:a="http://schemas.openxmlformats.org/drawingml/2006/main" xmlns:r="http://schemas.openxmlformats.org/officeDocument/2006/relationships" xmlns:p="http://schemas.openxmlformats.org/presentationml/2006/main">
+  <p:cSld>
+    <p:spTree>
+      <p:nvGrpSpPr>
+        <p:cNvPr id="1" name=""/>
+        <p:cNvGrpSpPr/>
+        <p:nvPr/>
+      </p:nvGrpSpPr>
+      <p:grpSpPr>
+        <a:xfrm>
+          <a:off x="0" y="0"/>
+          <a:ext cx="0" cy="0"/>
+          <a:chOff x="0" y="0"/>
+          <a:chExt cx="0" cy="0"/>
+        </a:xfrm>
+      </p:grpSpPr>
+      <p:sp>
+        <p:nvSpPr>
+          <p:cNvPr id="2" name="Slide Image Placeholder 1"/>
+          <p:cNvSpPr>
+            <a:spLocks noGrp="1" noRot="1" noChangeAspect="1"/>
+          </p:cNvSpPr>
+          <p:nvPr>
+            <p:ph type="sldImg"/>
+          </p:nvPr>
+        </p:nvSpPr>
+        <p:spPr/>
+      </p:sp>
+      <p:sp>
+        <p:nvSpPr>
+          <p:cNvPr id="3" name="Notes Placeholder 2"/>
+          <p:cNvSpPr>
+            <a:spLocks noGrp="1"/>
+          </p:cNvSpPr>
+          <p:nvPr>
+            <p:ph type="body" idx="1"/>
+          </p:nvPr>
+        </p:nvSpPr>
+        <p:spPr/>
+        <p:txBody>
+          <a:bodyPr>
+            <a:normAutofit/>
+          </a:bodyPr>
+          <a:lstStyle/>
+          <a:p>
+            <a:r>
+              <a:rPr lang="fr-FR" dirty="0" smtClean="0"/>
+              <a:t>M</a:t>
+            </a:r>
+            <a:endParaRPr lang="fr-FR" dirty="0"/>
+          </a:p>
+        </p:txBody>
+      </p:sp>
+      <p:sp>
+        <p:nvSpPr>
+          <p:cNvPr id="4" name="Slide Number Placeholder 3"/>
+          <p:cNvSpPr>
+            <a:spLocks noGrp="1"/>
+          </p:cNvSpPr>
+          <p:nvPr>
+            <p:ph type="sldNum" sz="quarter" idx="10"/>
+          </p:nvPr>
+        </p:nvSpPr>
+        <p:spPr/>
+        <p:txBody>
+          <a:bodyPr/>
+          <a:lstStyle/>
+          <a:p>
+            <a:fld id="{69769F4E-9586-492C-B8A6-A22159A02A15}" type="slidenum">
+              <a:rPr lang="fr-FR" smtClean="0"/>
+              <a:pPr/>
+              <a:t>25</a:t>
+            </a:fld>
+            <a:endParaRPr lang="fr-FR"/>
+          </a:p>
+        </p:txBody>
+      </p:sp>
+    </p:spTree>
+  </p:cSld>
+  <p:clrMapOvr>
+    <a:masterClrMapping/>
+  </p:clrMapOvr>
+</p:notes>
+</file>
+
+<file path=ppt/notesSlides/notesSlide26.xml><?xml version="1.0" encoding="utf-8"?>
+<p:notes xmlns:a="http://schemas.openxmlformats.org/drawingml/2006/main" xmlns:r="http://schemas.openxmlformats.org/officeDocument/2006/relationships" xmlns:p="http://schemas.openxmlformats.org/presentationml/2006/main">
+  <p:cSld>
+    <p:spTree>
+      <p:nvGrpSpPr>
+        <p:cNvPr id="1" name=""/>
+        <p:cNvGrpSpPr/>
+        <p:nvPr/>
+      </p:nvGrpSpPr>
+      <p:grpSpPr>
+        <a:xfrm>
+          <a:off x="0" y="0"/>
+          <a:ext cx="0" cy="0"/>
+          <a:chOff x="0" y="0"/>
+          <a:chExt cx="0" cy="0"/>
+        </a:xfrm>
+      </p:grpSpPr>
+      <p:sp>
+        <p:nvSpPr>
+          <p:cNvPr id="2" name="Slide Image Placeholder 1"/>
+          <p:cNvSpPr>
+            <a:spLocks noGrp="1" noRot="1" noChangeAspect="1"/>
+          </p:cNvSpPr>
+          <p:nvPr>
+            <p:ph type="sldImg"/>
+          </p:nvPr>
+        </p:nvSpPr>
+        <p:spPr/>
+      </p:sp>
+      <p:sp>
+        <p:nvSpPr>
+          <p:cNvPr id="3" name="Notes Placeholder 2"/>
+          <p:cNvSpPr>
+            <a:spLocks noGrp="1"/>
+          </p:cNvSpPr>
+          <p:nvPr>
+            <p:ph type="body" idx="1"/>
+          </p:nvPr>
+        </p:nvSpPr>
+        <p:spPr/>
+        <p:txBody>
+          <a:bodyPr>
+            <a:normAutofit/>
+          </a:bodyPr>
+          <a:lstStyle/>
+          <a:p>
+            <a:r>
+              <a:rPr lang="fr-FR" dirty="0" smtClean="0"/>
+              <a:t>M</a:t>
+            </a:r>
+            <a:endParaRPr lang="fr-FR" dirty="0"/>
+          </a:p>
+        </p:txBody>
+      </p:sp>
+      <p:sp>
+        <p:nvSpPr>
+          <p:cNvPr id="4" name="Slide Number Placeholder 3"/>
+          <p:cNvSpPr>
+            <a:spLocks noGrp="1"/>
+          </p:cNvSpPr>
+          <p:nvPr>
+            <p:ph type="sldNum" sz="quarter" idx="10"/>
+          </p:nvPr>
+        </p:nvSpPr>
+        <p:spPr/>
+        <p:txBody>
+          <a:bodyPr/>
+          <a:lstStyle/>
+          <a:p>
+            <a:fld id="{69769F4E-9586-492C-B8A6-A22159A02A15}" type="slidenum">
+              <a:rPr lang="fr-FR" smtClean="0"/>
+              <a:pPr/>
+              <a:t>26</a:t>
+            </a:fld>
+            <a:endParaRPr lang="fr-FR"/>
+          </a:p>
+        </p:txBody>
+      </p:sp>
+    </p:spTree>
+  </p:cSld>
+  <p:clrMapOvr>
+    <a:masterClrMapping/>
+  </p:clrMapOvr>
+</p:notes>
+</file>
+
+<file path=ppt/notesSlides/notesSlide27.xml><?xml version="1.0" encoding="utf-8"?>
+<p:notes xmlns:a="http://schemas.openxmlformats.org/drawingml/2006/main" xmlns:r="http://schemas.openxmlformats.org/officeDocument/2006/relationships" xmlns:p="http://schemas.openxmlformats.org/presentationml/2006/main">
+  <p:cSld>
+    <p:spTree>
+      <p:nvGrpSpPr>
+        <p:cNvPr id="1" name=""/>
+        <p:cNvGrpSpPr/>
+        <p:nvPr/>
+      </p:nvGrpSpPr>
+      <p:grpSpPr>
+        <a:xfrm>
+          <a:off x="0" y="0"/>
+          <a:ext cx="0" cy="0"/>
+          <a:chOff x="0" y="0"/>
+          <a:chExt cx="0" cy="0"/>
+        </a:xfrm>
+      </p:grpSpPr>
+      <p:sp>
+        <p:nvSpPr>
+          <p:cNvPr id="2" name="Slide Image Placeholder 1"/>
+          <p:cNvSpPr>
+            <a:spLocks noGrp="1" noRot="1" noChangeAspect="1"/>
+          </p:cNvSpPr>
+          <p:nvPr>
+            <p:ph type="sldImg"/>
+          </p:nvPr>
+        </p:nvSpPr>
+        <p:spPr/>
+      </p:sp>
+      <p:sp>
+        <p:nvSpPr>
+          <p:cNvPr id="3" name="Notes Placeholder 2"/>
+          <p:cNvSpPr>
+            <a:spLocks noGrp="1"/>
+          </p:cNvSpPr>
+          <p:nvPr>
+            <p:ph type="body" idx="1"/>
+          </p:nvPr>
+        </p:nvSpPr>
+        <p:spPr/>
+        <p:txBody>
+          <a:bodyPr>
+            <a:normAutofit/>
+          </a:bodyPr>
+          <a:lstStyle/>
+          <a:p>
+            <a:r>
+              <a:rPr lang="fr-FR" dirty="0" smtClean="0"/>
+              <a:t>M</a:t>
+            </a:r>
+          </a:p>
+          <a:p>
+            <a:r>
+              <a:rPr lang="fr-FR" dirty="0" smtClean="0"/>
+              <a:t>Use of </a:t>
+            </a:r>
+            <a:r>
+              <a:rPr lang="fr-FR" dirty="0" err="1" smtClean="0"/>
+              <a:t>GitHub</a:t>
+            </a:r>
+            <a:r>
+              <a:rPr lang="fr-FR" dirty="0" smtClean="0"/>
+              <a:t> (</a:t>
+            </a:r>
+            <a:r>
+              <a:rPr lang="fr-FR" dirty="0" err="1" smtClean="0"/>
+              <a:t>revision</a:t>
+            </a:r>
+            <a:r>
+              <a:rPr lang="fr-FR" baseline="0" dirty="0" smtClean="0"/>
+              <a:t> control)</a:t>
+            </a:r>
+            <a:endParaRPr lang="fr-FR" dirty="0"/>
+          </a:p>
+        </p:txBody>
+      </p:sp>
+      <p:sp>
+        <p:nvSpPr>
+          <p:cNvPr id="4" name="Slide Number Placeholder 3"/>
+          <p:cNvSpPr>
+            <a:spLocks noGrp="1"/>
+          </p:cNvSpPr>
+          <p:nvPr>
+            <p:ph type="sldNum" sz="quarter" idx="10"/>
+          </p:nvPr>
+        </p:nvSpPr>
+        <p:spPr/>
+        <p:txBody>
+          <a:bodyPr/>
+          <a:lstStyle/>
+          <a:p>
+            <a:fld id="{69769F4E-9586-492C-B8A6-A22159A02A15}" type="slidenum">
+              <a:rPr lang="fr-FR" smtClean="0"/>
+              <a:pPr/>
+              <a:t>27</a:t>
+            </a:fld>
+            <a:endParaRPr lang="fr-FR"/>
+          </a:p>
+        </p:txBody>
+      </p:sp>
+    </p:spTree>
+  </p:cSld>
+  <p:clrMapOvr>
+    <a:masterClrMapping/>
+  </p:clrMapOvr>
+</p:notes>
+</file>
+
+<file path=ppt/notesSlides/notesSlide28.xml><?xml version="1.0" encoding="utf-8"?>
+<p:notes xmlns:a="http://schemas.openxmlformats.org/drawingml/2006/main" xmlns:r="http://schemas.openxmlformats.org/officeDocument/2006/relationships" xmlns:p="http://schemas.openxmlformats.org/presentationml/2006/main">
+  <p:cSld>
+    <p:spTree>
+      <p:nvGrpSpPr>
+        <p:cNvPr id="1" name=""/>
+        <p:cNvGrpSpPr/>
+        <p:nvPr/>
+      </p:nvGrpSpPr>
+      <p:grpSpPr>
+        <a:xfrm>
+          <a:off x="0" y="0"/>
+          <a:ext cx="0" cy="0"/>
+          <a:chOff x="0" y="0"/>
+          <a:chExt cx="0" cy="0"/>
+        </a:xfrm>
+      </p:grpSpPr>
+      <p:sp>
+        <p:nvSpPr>
+          <p:cNvPr id="2" name="Slide Image Placeholder 1"/>
+          <p:cNvSpPr>
+            <a:spLocks noGrp="1" noRot="1" noChangeAspect="1"/>
+          </p:cNvSpPr>
+          <p:nvPr>
+            <p:ph type="sldImg"/>
+          </p:nvPr>
+        </p:nvSpPr>
+        <p:spPr/>
+      </p:sp>
+      <p:sp>
+        <p:nvSpPr>
+          <p:cNvPr id="3" name="Notes Placeholder 2"/>
+          <p:cNvSpPr>
+            <a:spLocks noGrp="1"/>
+          </p:cNvSpPr>
+          <p:nvPr>
+            <p:ph type="body" idx="1"/>
+          </p:nvPr>
+        </p:nvSpPr>
+        <p:spPr/>
+        <p:txBody>
+          <a:bodyPr>
+            <a:normAutofit/>
+          </a:bodyPr>
+          <a:lstStyle/>
+          <a:p>
+            <a:r>
+              <a:rPr lang="fr-FR" dirty="0" smtClean="0"/>
+              <a:t>M</a:t>
+            </a:r>
+            <a:endParaRPr lang="fr-FR" dirty="0"/>
+          </a:p>
+        </p:txBody>
+      </p:sp>
+      <p:sp>
+        <p:nvSpPr>
+          <p:cNvPr id="4" name="Slide Number Placeholder 3"/>
+          <p:cNvSpPr>
+            <a:spLocks noGrp="1"/>
+          </p:cNvSpPr>
+          <p:nvPr>
+            <p:ph type="sldNum" sz="quarter" idx="10"/>
+          </p:nvPr>
+        </p:nvSpPr>
+        <p:spPr/>
+        <p:txBody>
+          <a:bodyPr/>
+          <a:lstStyle/>
+          <a:p>
+            <a:fld id="{69769F4E-9586-492C-B8A6-A22159A02A15}" type="slidenum">
+              <a:rPr lang="fr-FR" smtClean="0"/>
+              <a:pPr/>
+              <a:t>28</a:t>
             </a:fld>
             <a:endParaRPr lang="fr-FR"/>
           </a:p>
@@ -1075,109 +3520,10 @@
           </a:bodyPr>
           <a:lstStyle/>
           <a:p>
-            <a:pPr marL="0" marR="0" indent="0" algn="l" defTabSz="914400" rtl="0" eaLnBrk="1" fontAlgn="auto" latinLnBrk="0" hangingPunct="1">
-              <a:lnSpc>
-                <a:spcPct val="100000"/>
-              </a:lnSpc>
-              <a:spcBef>
-                <a:spcPts val="0"/>
-              </a:spcBef>
-              <a:spcAft>
-                <a:spcPts val="0"/>
-              </a:spcAft>
-              <a:buClrTx/>
-              <a:buSzTx/>
-              <a:buFontTx/>
-              <a:buNone/>
-              <a:tabLst/>
-              <a:defRPr/>
-            </a:pPr>
-            <a:r>
-              <a:rPr lang="en-US" sz="1200" kern="1200" dirty="0" err="1" smtClean="0">
-                <a:solidFill>
-                  <a:schemeClr val="tx1"/>
-                </a:solidFill>
-                <a:latin typeface="+mn-lt"/>
-                <a:ea typeface="+mn-ea"/>
-                <a:cs typeface="+mn-cs"/>
-              </a:rPr>
-              <a:t>Infographie</a:t>
-            </a:r>
-            <a:endParaRPr lang="en-US" sz="1200" kern="1200" dirty="0" smtClean="0">
-              <a:solidFill>
-                <a:schemeClr val="tx1"/>
-              </a:solidFill>
-              <a:latin typeface="+mn-lt"/>
-              <a:ea typeface="+mn-ea"/>
-              <a:cs typeface="+mn-cs"/>
-            </a:endParaRPr>
-          </a:p>
-          <a:p>
-            <a:pPr marL="0" marR="0" indent="0" algn="l" defTabSz="914400" rtl="0" eaLnBrk="1" fontAlgn="auto" latinLnBrk="0" hangingPunct="1">
-              <a:lnSpc>
-                <a:spcPct val="100000"/>
-              </a:lnSpc>
-              <a:spcBef>
-                <a:spcPts val="0"/>
-              </a:spcBef>
-              <a:spcAft>
-                <a:spcPts val="0"/>
-              </a:spcAft>
-              <a:buClrTx/>
-              <a:buSzTx/>
-              <a:buFontTx/>
-              <a:buNone/>
-              <a:tabLst/>
-              <a:defRPr/>
-            </a:pPr>
-            <a:endParaRPr lang="en-US" sz="1200" kern="1200" dirty="0" smtClean="0">
-              <a:solidFill>
-                <a:schemeClr val="tx1"/>
-              </a:solidFill>
-              <a:latin typeface="+mn-lt"/>
-              <a:ea typeface="+mn-ea"/>
-              <a:cs typeface="+mn-cs"/>
-            </a:endParaRPr>
-          </a:p>
-          <a:p>
-            <a:pPr marL="0" marR="0" indent="0" algn="l" defTabSz="914400" rtl="0" eaLnBrk="1" fontAlgn="auto" latinLnBrk="0" hangingPunct="1">
-              <a:lnSpc>
-                <a:spcPct val="100000"/>
-              </a:lnSpc>
-              <a:spcBef>
-                <a:spcPts val="0"/>
-              </a:spcBef>
-              <a:spcAft>
-                <a:spcPts val="0"/>
-              </a:spcAft>
-              <a:buClrTx/>
-              <a:buSzTx/>
-              <a:buFontTx/>
-              <a:buNone/>
-              <a:tabLst/>
-              <a:defRPr/>
-            </a:pPr>
-            <a:r>
-              <a:rPr lang="en-US" sz="1200" kern="1200" dirty="0" smtClean="0">
-                <a:solidFill>
-                  <a:schemeClr val="tx1"/>
-                </a:solidFill>
-                <a:latin typeface="+mn-lt"/>
-                <a:ea typeface="+mn-ea"/>
-                <a:cs typeface="+mn-cs"/>
-              </a:rPr>
-              <a:t>In our case, we have a small vocabulary (about twenty words) based on a single-speaker (considering that during a phase of recording a single person has to speak). That’s why it is not necessary here to use a neural network that is heavier to implement (on a computational point) and it suffices to change the comparison database for each new user.</a:t>
-            </a:r>
-            <a:endParaRPr lang="fr-FR" sz="1200" kern="1200" dirty="0" smtClean="0">
-              <a:solidFill>
-                <a:schemeClr val="tx1"/>
-              </a:solidFill>
-              <a:latin typeface="+mn-lt"/>
-              <a:ea typeface="+mn-ea"/>
-              <a:cs typeface="+mn-cs"/>
-            </a:endParaRPr>
-          </a:p>
-          <a:p>
+            <a:r>
+              <a:rPr lang="fr-FR" dirty="0" smtClean="0"/>
+              <a:t>JD</a:t>
+            </a:r>
             <a:endParaRPr lang="fr-FR" dirty="0"/>
           </a:p>
         </p:txBody>
@@ -1200,7 +3546,7 @@
             <a:fld id="{69769F4E-9586-492C-B8A6-A22159A02A15}" type="slidenum">
               <a:rPr lang="fr-FR" smtClean="0"/>
               <a:pPr/>
-              <a:t>11</a:t>
+              <a:t>3</a:t>
             </a:fld>
             <a:endParaRPr lang="fr-FR"/>
           </a:p>
@@ -1260,531 +3606,10 @@
           </a:bodyPr>
           <a:lstStyle/>
           <a:p>
-            <a:pPr marL="0" marR="0" indent="0" algn="l" defTabSz="914400" rtl="0" eaLnBrk="1" fontAlgn="auto" latinLnBrk="0" hangingPunct="1">
-              <a:lnSpc>
-                <a:spcPct val="100000"/>
-              </a:lnSpc>
-              <a:spcBef>
-                <a:spcPts val="0"/>
-              </a:spcBef>
-              <a:spcAft>
-                <a:spcPts val="0"/>
-              </a:spcAft>
-              <a:buClrTx/>
-              <a:buSzTx/>
-              <a:buFontTx/>
-              <a:buNone/>
-              <a:tabLst/>
-              <a:defRPr/>
-            </a:pPr>
-            <a:r>
-              <a:rPr lang="fr-FR" sz="1200" kern="1200" dirty="0" err="1" smtClean="0">
-                <a:solidFill>
-                  <a:schemeClr val="tx1"/>
-                </a:solidFill>
-                <a:latin typeface="+mn-lt"/>
-                <a:ea typeface="+mn-ea"/>
-                <a:cs typeface="+mn-cs"/>
-              </a:rPr>
-              <a:t>However</a:t>
-            </a:r>
-            <a:r>
-              <a:rPr lang="fr-FR" sz="1200" kern="1200" dirty="0" smtClean="0">
-                <a:solidFill>
-                  <a:schemeClr val="tx1"/>
-                </a:solidFill>
-                <a:latin typeface="+mn-lt"/>
-                <a:ea typeface="+mn-ea"/>
-                <a:cs typeface="+mn-cs"/>
-              </a:rPr>
-              <a:t>, </a:t>
-            </a:r>
-            <a:r>
-              <a:rPr lang="fr-FR" sz="1200" kern="1200" dirty="0" err="1" smtClean="0">
-                <a:solidFill>
-                  <a:schemeClr val="tx1"/>
-                </a:solidFill>
-                <a:latin typeface="+mn-lt"/>
-                <a:ea typeface="+mn-ea"/>
-                <a:cs typeface="+mn-cs"/>
-              </a:rPr>
-              <a:t>it</a:t>
-            </a:r>
-            <a:r>
-              <a:rPr lang="fr-FR" sz="1200" kern="1200" dirty="0" smtClean="0">
-                <a:solidFill>
-                  <a:schemeClr val="tx1"/>
-                </a:solidFill>
-                <a:latin typeface="+mn-lt"/>
-                <a:ea typeface="+mn-ea"/>
-                <a:cs typeface="+mn-cs"/>
-              </a:rPr>
-              <a:t> </a:t>
-            </a:r>
-            <a:r>
-              <a:rPr lang="fr-FR" sz="1200" kern="1200" dirty="0" err="1" smtClean="0">
-                <a:solidFill>
-                  <a:schemeClr val="tx1"/>
-                </a:solidFill>
-                <a:latin typeface="+mn-lt"/>
-                <a:ea typeface="+mn-ea"/>
-                <a:cs typeface="+mn-cs"/>
-              </a:rPr>
-              <a:t>is</a:t>
-            </a:r>
-            <a:r>
-              <a:rPr lang="fr-FR" sz="1200" kern="1200" dirty="0" smtClean="0">
-                <a:solidFill>
-                  <a:schemeClr val="tx1"/>
-                </a:solidFill>
-                <a:latin typeface="+mn-lt"/>
-                <a:ea typeface="+mn-ea"/>
-                <a:cs typeface="+mn-cs"/>
-              </a:rPr>
-              <a:t> not </a:t>
-            </a:r>
-            <a:r>
-              <a:rPr lang="fr-FR" sz="1200" kern="1200" dirty="0" err="1" smtClean="0">
-                <a:solidFill>
-                  <a:schemeClr val="tx1"/>
-                </a:solidFill>
-                <a:latin typeface="+mn-lt"/>
-                <a:ea typeface="+mn-ea"/>
-                <a:cs typeface="+mn-cs"/>
-              </a:rPr>
-              <a:t>interesting</a:t>
-            </a:r>
-            <a:r>
-              <a:rPr lang="fr-FR" sz="1200" kern="1200" dirty="0" smtClean="0">
-                <a:solidFill>
-                  <a:schemeClr val="tx1"/>
-                </a:solidFill>
-                <a:latin typeface="+mn-lt"/>
-                <a:ea typeface="+mn-ea"/>
-                <a:cs typeface="+mn-cs"/>
-              </a:rPr>
-              <a:t> in </a:t>
-            </a:r>
-            <a:r>
-              <a:rPr lang="fr-FR" sz="1200" kern="1200" dirty="0" err="1" smtClean="0">
-                <a:solidFill>
-                  <a:schemeClr val="tx1"/>
-                </a:solidFill>
-                <a:latin typeface="+mn-lt"/>
-                <a:ea typeface="+mn-ea"/>
-                <a:cs typeface="+mn-cs"/>
-              </a:rPr>
-              <a:t>this</a:t>
-            </a:r>
-            <a:r>
-              <a:rPr lang="fr-FR" sz="1200" kern="1200" dirty="0" smtClean="0">
-                <a:solidFill>
-                  <a:schemeClr val="tx1"/>
-                </a:solidFill>
-                <a:latin typeface="+mn-lt"/>
-                <a:ea typeface="+mn-ea"/>
-                <a:cs typeface="+mn-cs"/>
-              </a:rPr>
-              <a:t> case to use the </a:t>
-            </a:r>
-            <a:r>
-              <a:rPr lang="fr-FR" sz="1200" kern="1200" dirty="0" err="1" smtClean="0">
-                <a:solidFill>
-                  <a:schemeClr val="tx1"/>
-                </a:solidFill>
-                <a:latin typeface="+mn-lt"/>
-                <a:ea typeface="+mn-ea"/>
-                <a:cs typeface="+mn-cs"/>
-              </a:rPr>
-              <a:t>hidden</a:t>
-            </a:r>
-            <a:r>
-              <a:rPr lang="fr-FR" sz="1200" kern="1200" dirty="0" smtClean="0">
-                <a:solidFill>
-                  <a:schemeClr val="tx1"/>
-                </a:solidFill>
-                <a:latin typeface="+mn-lt"/>
-                <a:ea typeface="+mn-ea"/>
-                <a:cs typeface="+mn-cs"/>
-              </a:rPr>
-              <a:t> Markov model, </a:t>
-            </a:r>
-            <a:r>
-              <a:rPr lang="fr-FR" sz="1200" kern="1200" dirty="0" err="1" smtClean="0">
-                <a:solidFill>
-                  <a:schemeClr val="tx1"/>
-                </a:solidFill>
-                <a:latin typeface="+mn-lt"/>
-                <a:ea typeface="+mn-ea"/>
-                <a:cs typeface="+mn-cs"/>
-              </a:rPr>
-              <a:t>because</a:t>
-            </a:r>
-            <a:r>
-              <a:rPr lang="fr-FR" sz="1200" kern="1200" dirty="0" smtClean="0">
-                <a:solidFill>
-                  <a:schemeClr val="tx1"/>
-                </a:solidFill>
-                <a:latin typeface="+mn-lt"/>
-                <a:ea typeface="+mn-ea"/>
-                <a:cs typeface="+mn-cs"/>
-              </a:rPr>
-              <a:t> </a:t>
-            </a:r>
-            <a:r>
-              <a:rPr lang="fr-FR" sz="1200" kern="1200" dirty="0" err="1" smtClean="0">
-                <a:solidFill>
-                  <a:schemeClr val="tx1"/>
-                </a:solidFill>
-                <a:latin typeface="+mn-lt"/>
-                <a:ea typeface="+mn-ea"/>
-                <a:cs typeface="+mn-cs"/>
-              </a:rPr>
-              <a:t>it</a:t>
-            </a:r>
-            <a:r>
-              <a:rPr lang="fr-FR" sz="1200" kern="1200" dirty="0" smtClean="0">
-                <a:solidFill>
-                  <a:schemeClr val="tx1"/>
-                </a:solidFill>
-                <a:latin typeface="+mn-lt"/>
-                <a:ea typeface="+mn-ea"/>
-                <a:cs typeface="+mn-cs"/>
-              </a:rPr>
-              <a:t> </a:t>
-            </a:r>
-            <a:r>
-              <a:rPr lang="fr-FR" sz="1200" kern="1200" dirty="0" err="1" smtClean="0">
-                <a:solidFill>
-                  <a:schemeClr val="tx1"/>
-                </a:solidFill>
-                <a:latin typeface="+mn-lt"/>
-                <a:ea typeface="+mn-ea"/>
-                <a:cs typeface="+mn-cs"/>
-              </a:rPr>
-              <a:t>is</a:t>
-            </a:r>
-            <a:r>
-              <a:rPr lang="fr-FR" sz="1200" kern="1200" dirty="0" smtClean="0">
-                <a:solidFill>
-                  <a:schemeClr val="tx1"/>
-                </a:solidFill>
-                <a:latin typeface="+mn-lt"/>
-                <a:ea typeface="+mn-ea"/>
-                <a:cs typeface="+mn-cs"/>
-              </a:rPr>
-              <a:t> </a:t>
-            </a:r>
-            <a:r>
-              <a:rPr lang="fr-FR" sz="1200" kern="1200" dirty="0" err="1" smtClean="0">
-                <a:solidFill>
-                  <a:schemeClr val="tx1"/>
-                </a:solidFill>
-                <a:latin typeface="+mn-lt"/>
-                <a:ea typeface="+mn-ea"/>
-                <a:cs typeface="+mn-cs"/>
-              </a:rPr>
-              <a:t>too</a:t>
-            </a:r>
-            <a:r>
-              <a:rPr lang="fr-FR" sz="1200" kern="1200" dirty="0" smtClean="0">
-                <a:solidFill>
-                  <a:schemeClr val="tx1"/>
-                </a:solidFill>
-                <a:latin typeface="+mn-lt"/>
-                <a:ea typeface="+mn-ea"/>
-                <a:cs typeface="+mn-cs"/>
-              </a:rPr>
-              <a:t> </a:t>
-            </a:r>
-            <a:r>
-              <a:rPr lang="fr-FR" sz="1200" kern="1200" dirty="0" err="1" smtClean="0">
-                <a:solidFill>
-                  <a:schemeClr val="tx1"/>
-                </a:solidFill>
-                <a:latin typeface="+mn-lt"/>
-                <a:ea typeface="+mn-ea"/>
-                <a:cs typeface="+mn-cs"/>
-              </a:rPr>
-              <a:t>complex</a:t>
-            </a:r>
-            <a:r>
-              <a:rPr lang="fr-FR" sz="1200" kern="1200" dirty="0" smtClean="0">
-                <a:solidFill>
-                  <a:schemeClr val="tx1"/>
-                </a:solidFill>
-                <a:latin typeface="+mn-lt"/>
-                <a:ea typeface="+mn-ea"/>
-                <a:cs typeface="+mn-cs"/>
-              </a:rPr>
-              <a:t> for the </a:t>
-            </a:r>
-            <a:r>
-              <a:rPr lang="fr-FR" sz="1200" kern="1200" dirty="0" err="1" smtClean="0">
-                <a:solidFill>
-                  <a:schemeClr val="tx1"/>
-                </a:solidFill>
-                <a:latin typeface="+mn-lt"/>
-                <a:ea typeface="+mn-ea"/>
-                <a:cs typeface="+mn-cs"/>
-              </a:rPr>
-              <a:t>small</a:t>
-            </a:r>
-            <a:r>
-              <a:rPr lang="fr-FR" sz="1200" kern="1200" dirty="0" smtClean="0">
-                <a:solidFill>
-                  <a:schemeClr val="tx1"/>
-                </a:solidFill>
-                <a:latin typeface="+mn-lt"/>
-                <a:ea typeface="+mn-ea"/>
-                <a:cs typeface="+mn-cs"/>
-              </a:rPr>
-              <a:t> </a:t>
-            </a:r>
-            <a:r>
-              <a:rPr lang="fr-FR" sz="1200" kern="1200" dirty="0" err="1" smtClean="0">
-                <a:solidFill>
-                  <a:schemeClr val="tx1"/>
-                </a:solidFill>
-                <a:latin typeface="+mn-lt"/>
-                <a:ea typeface="+mn-ea"/>
-                <a:cs typeface="+mn-cs"/>
-              </a:rPr>
-              <a:t>vocabulary</a:t>
-            </a:r>
-            <a:r>
-              <a:rPr lang="fr-FR" sz="1200" kern="1200" dirty="0" smtClean="0">
-                <a:solidFill>
-                  <a:schemeClr val="tx1"/>
-                </a:solidFill>
-                <a:latin typeface="+mn-lt"/>
-                <a:ea typeface="+mn-ea"/>
-                <a:cs typeface="+mn-cs"/>
-              </a:rPr>
-              <a:t> </a:t>
-            </a:r>
-            <a:r>
-              <a:rPr lang="fr-FR" sz="1200" kern="1200" dirty="0" err="1" smtClean="0">
-                <a:solidFill>
-                  <a:schemeClr val="tx1"/>
-                </a:solidFill>
-                <a:latin typeface="+mn-lt"/>
-                <a:ea typeface="+mn-ea"/>
-                <a:cs typeface="+mn-cs"/>
-              </a:rPr>
-              <a:t>we</a:t>
-            </a:r>
-            <a:r>
-              <a:rPr lang="fr-FR" sz="1200" kern="1200" dirty="0" smtClean="0">
-                <a:solidFill>
-                  <a:schemeClr val="tx1"/>
-                </a:solidFill>
-                <a:latin typeface="+mn-lt"/>
-                <a:ea typeface="+mn-ea"/>
-                <a:cs typeface="+mn-cs"/>
-              </a:rPr>
-              <a:t> are </a:t>
-            </a:r>
-            <a:r>
-              <a:rPr lang="fr-FR" sz="1200" kern="1200" dirty="0" err="1" smtClean="0">
-                <a:solidFill>
-                  <a:schemeClr val="tx1"/>
-                </a:solidFill>
-                <a:latin typeface="+mn-lt"/>
-                <a:ea typeface="+mn-ea"/>
-                <a:cs typeface="+mn-cs"/>
-              </a:rPr>
-              <a:t>using</a:t>
-            </a:r>
-            <a:r>
-              <a:rPr lang="fr-FR" sz="1200" kern="1200" dirty="0" smtClean="0">
-                <a:solidFill>
-                  <a:schemeClr val="tx1"/>
-                </a:solidFill>
-                <a:latin typeface="+mn-lt"/>
-                <a:ea typeface="+mn-ea"/>
-                <a:cs typeface="+mn-cs"/>
-              </a:rPr>
-              <a:t>. So </a:t>
-            </a:r>
-            <a:r>
-              <a:rPr lang="fr-FR" sz="1200" kern="1200" dirty="0" err="1" smtClean="0">
-                <a:solidFill>
-                  <a:schemeClr val="tx1"/>
-                </a:solidFill>
-                <a:latin typeface="+mn-lt"/>
-                <a:ea typeface="+mn-ea"/>
-                <a:cs typeface="+mn-cs"/>
-              </a:rPr>
-              <a:t>it</a:t>
-            </a:r>
-            <a:r>
-              <a:rPr lang="fr-FR" sz="1200" kern="1200" dirty="0" smtClean="0">
-                <a:solidFill>
-                  <a:schemeClr val="tx1"/>
-                </a:solidFill>
-                <a:latin typeface="+mn-lt"/>
-                <a:ea typeface="+mn-ea"/>
-                <a:cs typeface="+mn-cs"/>
-              </a:rPr>
-              <a:t> </a:t>
-            </a:r>
-            <a:r>
-              <a:rPr lang="fr-FR" sz="1200" kern="1200" dirty="0" err="1" smtClean="0">
-                <a:solidFill>
-                  <a:schemeClr val="tx1"/>
-                </a:solidFill>
-                <a:latin typeface="+mn-lt"/>
-                <a:ea typeface="+mn-ea"/>
-                <a:cs typeface="+mn-cs"/>
-              </a:rPr>
-              <a:t>is</a:t>
-            </a:r>
-            <a:r>
-              <a:rPr lang="fr-FR" sz="1200" kern="1200" dirty="0" smtClean="0">
-                <a:solidFill>
-                  <a:schemeClr val="tx1"/>
-                </a:solidFill>
-                <a:latin typeface="+mn-lt"/>
-                <a:ea typeface="+mn-ea"/>
-                <a:cs typeface="+mn-cs"/>
-              </a:rPr>
-              <a:t> </a:t>
-            </a:r>
-            <a:r>
-              <a:rPr lang="fr-FR" sz="1200" kern="1200" dirty="0" err="1" smtClean="0">
-                <a:solidFill>
-                  <a:schemeClr val="tx1"/>
-                </a:solidFill>
-                <a:latin typeface="+mn-lt"/>
-                <a:ea typeface="+mn-ea"/>
-                <a:cs typeface="+mn-cs"/>
-              </a:rPr>
-              <a:t>sufficient</a:t>
-            </a:r>
-            <a:r>
-              <a:rPr lang="fr-FR" sz="1200" kern="1200" dirty="0" smtClean="0">
-                <a:solidFill>
-                  <a:schemeClr val="tx1"/>
-                </a:solidFill>
-                <a:latin typeface="+mn-lt"/>
-                <a:ea typeface="+mn-ea"/>
-                <a:cs typeface="+mn-cs"/>
-              </a:rPr>
-              <a:t> for us to use the </a:t>
-            </a:r>
-            <a:r>
-              <a:rPr lang="fr-FR" sz="1200" kern="1200" dirty="0" err="1" smtClean="0">
-                <a:solidFill>
-                  <a:schemeClr val="tx1"/>
-                </a:solidFill>
-                <a:latin typeface="+mn-lt"/>
-                <a:ea typeface="+mn-ea"/>
-                <a:cs typeface="+mn-cs"/>
-              </a:rPr>
-              <a:t>Dynamic</a:t>
-            </a:r>
-            <a:r>
-              <a:rPr lang="fr-FR" sz="1200" kern="1200" dirty="0" smtClean="0">
-                <a:solidFill>
-                  <a:schemeClr val="tx1"/>
-                </a:solidFill>
-                <a:latin typeface="+mn-lt"/>
-                <a:ea typeface="+mn-ea"/>
-                <a:cs typeface="+mn-cs"/>
-              </a:rPr>
-              <a:t> Time </a:t>
-            </a:r>
-            <a:r>
-              <a:rPr lang="fr-FR" sz="1200" kern="1200" dirty="0" err="1" smtClean="0">
-                <a:solidFill>
-                  <a:schemeClr val="tx1"/>
-                </a:solidFill>
-                <a:latin typeface="+mn-lt"/>
-                <a:ea typeface="+mn-ea"/>
-                <a:cs typeface="+mn-cs"/>
-              </a:rPr>
-              <a:t>Warping</a:t>
-            </a:r>
-            <a:r>
-              <a:rPr lang="fr-FR" sz="1200" kern="1200" dirty="0" smtClean="0">
-                <a:solidFill>
-                  <a:schemeClr val="tx1"/>
-                </a:solidFill>
-                <a:latin typeface="+mn-lt"/>
-                <a:ea typeface="+mn-ea"/>
-                <a:cs typeface="+mn-cs"/>
-              </a:rPr>
-              <a:t> </a:t>
-            </a:r>
-            <a:r>
-              <a:rPr lang="fr-FR" sz="1200" kern="1200" dirty="0" err="1" smtClean="0">
-                <a:solidFill>
-                  <a:schemeClr val="tx1"/>
-                </a:solidFill>
-                <a:latin typeface="+mn-lt"/>
-                <a:ea typeface="+mn-ea"/>
-                <a:cs typeface="+mn-cs"/>
-              </a:rPr>
-              <a:t>which</a:t>
-            </a:r>
-            <a:r>
-              <a:rPr lang="fr-FR" sz="1200" kern="1200" dirty="0" smtClean="0">
-                <a:solidFill>
-                  <a:schemeClr val="tx1"/>
-                </a:solidFill>
-                <a:latin typeface="+mn-lt"/>
-                <a:ea typeface="+mn-ea"/>
-                <a:cs typeface="+mn-cs"/>
-              </a:rPr>
-              <a:t> </a:t>
-            </a:r>
-            <a:r>
-              <a:rPr lang="fr-FR" sz="1200" kern="1200" dirty="0" err="1" smtClean="0">
-                <a:solidFill>
-                  <a:schemeClr val="tx1"/>
-                </a:solidFill>
-                <a:latin typeface="+mn-lt"/>
-                <a:ea typeface="+mn-ea"/>
-                <a:cs typeface="+mn-cs"/>
-              </a:rPr>
-              <a:t>is</a:t>
-            </a:r>
-            <a:r>
-              <a:rPr lang="fr-FR" sz="1200" kern="1200" dirty="0" smtClean="0">
-                <a:solidFill>
-                  <a:schemeClr val="tx1"/>
-                </a:solidFill>
-                <a:latin typeface="+mn-lt"/>
-                <a:ea typeface="+mn-ea"/>
-                <a:cs typeface="+mn-cs"/>
-              </a:rPr>
-              <a:t> a simplification of the </a:t>
-            </a:r>
-            <a:r>
-              <a:rPr lang="fr-FR" sz="1200" kern="1200" dirty="0" err="1" smtClean="0">
-                <a:solidFill>
-                  <a:schemeClr val="tx1"/>
-                </a:solidFill>
-                <a:latin typeface="+mn-lt"/>
-                <a:ea typeface="+mn-ea"/>
-                <a:cs typeface="+mn-cs"/>
-              </a:rPr>
-              <a:t>hidden</a:t>
-            </a:r>
-            <a:r>
-              <a:rPr lang="fr-FR" sz="1200" kern="1200" dirty="0" smtClean="0">
-                <a:solidFill>
-                  <a:schemeClr val="tx1"/>
-                </a:solidFill>
-                <a:latin typeface="+mn-lt"/>
-                <a:ea typeface="+mn-ea"/>
-                <a:cs typeface="+mn-cs"/>
-              </a:rPr>
-              <a:t> Markov model.</a:t>
-            </a:r>
-          </a:p>
-          <a:p>
+            <a:r>
+              <a:rPr lang="fr-FR" dirty="0" smtClean="0"/>
+              <a:t>JP</a:t>
+            </a:r>
             <a:endParaRPr lang="fr-FR" dirty="0"/>
           </a:p>
         </p:txBody>
@@ -1807,7 +3632,7 @@
             <a:fld id="{69769F4E-9586-492C-B8A6-A22159A02A15}" type="slidenum">
               <a:rPr lang="fr-FR" smtClean="0"/>
               <a:pPr/>
-              <a:t>12</a:t>
+              <a:t>4</a:t>
             </a:fld>
             <a:endParaRPr lang="fr-FR"/>
           </a:p>
@@ -1868,69 +3693,8 @@
           <a:lstStyle/>
           <a:p>
             <a:r>
-              <a:rPr lang="en-US" sz="1200" kern="1200" dirty="0" smtClean="0">
-                <a:solidFill>
-                  <a:schemeClr val="tx1"/>
-                </a:solidFill>
-                <a:latin typeface="+mn-lt"/>
-                <a:ea typeface="+mn-ea"/>
-                <a:cs typeface="+mn-cs"/>
-              </a:rPr>
-              <a:t>The difference between /a/ and /</a:t>
-            </a:r>
-            <a:r>
-              <a:rPr lang="en-US" sz="1200" kern="1200" dirty="0" err="1" smtClean="0">
-                <a:solidFill>
-                  <a:schemeClr val="tx1"/>
-                </a:solidFill>
-                <a:latin typeface="+mn-lt"/>
-                <a:ea typeface="+mn-ea"/>
-                <a:cs typeface="+mn-cs"/>
-              </a:rPr>
-              <a:t>wa</a:t>
-            </a:r>
-            <a:r>
-              <a:rPr lang="en-US" sz="1200" kern="1200" dirty="0" smtClean="0">
-                <a:solidFill>
-                  <a:schemeClr val="tx1"/>
-                </a:solidFill>
-                <a:latin typeface="+mn-lt"/>
-                <a:ea typeface="+mn-ea"/>
-                <a:cs typeface="+mn-cs"/>
-              </a:rPr>
-              <a:t>/ from “bas” and “</a:t>
-            </a:r>
-            <a:r>
-              <a:rPr lang="en-US" sz="1200" kern="1200" dirty="0" err="1" smtClean="0">
-                <a:solidFill>
-                  <a:schemeClr val="tx1"/>
-                </a:solidFill>
-                <a:latin typeface="+mn-lt"/>
-                <a:ea typeface="+mn-ea"/>
-                <a:cs typeface="+mn-cs"/>
-              </a:rPr>
-              <a:t>droite</a:t>
-            </a:r>
-            <a:r>
-              <a:rPr lang="en-US" sz="1200" kern="1200" dirty="0" smtClean="0">
-                <a:solidFill>
-                  <a:schemeClr val="tx1"/>
-                </a:solidFill>
-                <a:latin typeface="+mn-lt"/>
-                <a:ea typeface="+mn-ea"/>
-                <a:cs typeface="+mn-cs"/>
-              </a:rPr>
-              <a:t>” </a:t>
-            </a:r>
-          </a:p>
-          <a:p>
-            <a:r>
-              <a:rPr lang="fr-FR" dirty="0" err="1" smtClean="0"/>
-              <a:t>Mahalanobis</a:t>
-            </a:r>
-            <a:r>
-              <a:rPr lang="fr-FR" baseline="0" dirty="0" smtClean="0"/>
-              <a:t> distance</a:t>
+              <a:rPr lang="fr-FR" dirty="0" smtClean="0"/>
+              <a:t>JD</a:t>
             </a:r>
             <a:endParaRPr lang="fr-FR" dirty="0"/>
           </a:p>
@@ -1954,7 +3718,7 @@
             <a:fld id="{69769F4E-9586-492C-B8A6-A22159A02A15}" type="slidenum">
               <a:rPr lang="fr-FR" smtClean="0"/>
               <a:pPr/>
-              <a:t>16</a:t>
+              <a:t>5</a:t>
             </a:fld>
             <a:endParaRPr lang="fr-FR"/>
           </a:p>
@@ -2015,8 +3779,14 @@
           <a:lstStyle/>
           <a:p>
             <a:r>
-              <a:rPr lang="fr-FR" smtClean="0"/>
-              <a:t>C++</a:t>
+              <a:rPr lang="fr-FR" dirty="0" smtClean="0"/>
+              <a:t>JP</a:t>
+            </a:r>
+          </a:p>
+          <a:p>
+            <a:r>
+              <a:rPr lang="fr-FR" dirty="0" smtClean="0"/>
+              <a:t>TNS</a:t>
             </a:r>
             <a:endParaRPr lang="fr-FR" dirty="0"/>
           </a:p>
@@ -2040,7 +3810,7 @@
             <a:fld id="{69769F4E-9586-492C-B8A6-A22159A02A15}" type="slidenum">
               <a:rPr lang="fr-FR" smtClean="0"/>
               <a:pPr/>
-              <a:t>19</a:t>
+              <a:t>6</a:t>
             </a:fld>
             <a:endParaRPr lang="fr-FR"/>
           </a:p>
@@ -2102,7 +3872,7 @@
           <a:p>
             <a:r>
               <a:rPr lang="fr-FR" dirty="0" smtClean="0"/>
-              <a:t>Multi thread / synchronisation</a:t>
+              <a:t>M</a:t>
             </a:r>
             <a:endParaRPr lang="fr-FR" dirty="0"/>
           </a:p>
@@ -2126,7 +3896,179 @@
             <a:fld id="{69769F4E-9586-492C-B8A6-A22159A02A15}" type="slidenum">
               <a:rPr lang="fr-FR" smtClean="0"/>
               <a:pPr/>
-              <a:t>24</a:t>
+              <a:t>7</a:t>
+            </a:fld>
+            <a:endParaRPr lang="fr-FR"/>
+          </a:p>
+        </p:txBody>
+      </p:sp>
+    </p:spTree>
+  </p:cSld>
+  <p:clrMapOvr>
+    <a:masterClrMapping/>
+  </p:clrMapOvr>
+</p:notes>
+</file>
+
+<file path=ppt/notesSlides/notesSlide8.xml><?xml version="1.0" encoding="utf-8"?>
+<p:notes xmlns:a="http://schemas.openxmlformats.org/drawingml/2006/main" xmlns:r="http://schemas.openxmlformats.org/officeDocument/2006/relationships" xmlns:p="http://schemas.openxmlformats.org/presentationml/2006/main">
+  <p:cSld>
+    <p:spTree>
+      <p:nvGrpSpPr>
+        <p:cNvPr id="1" name=""/>
+        <p:cNvGrpSpPr/>
+        <p:nvPr/>
+      </p:nvGrpSpPr>
+      <p:grpSpPr>
+        <a:xfrm>
+          <a:off x="0" y="0"/>
+          <a:ext cx="0" cy="0"/>
+          <a:chOff x="0" y="0"/>
+          <a:chExt cx="0" cy="0"/>
+        </a:xfrm>
+      </p:grpSpPr>
+      <p:sp>
+        <p:nvSpPr>
+          <p:cNvPr id="2" name="Slide Image Placeholder 1"/>
+          <p:cNvSpPr>
+            <a:spLocks noGrp="1" noRot="1" noChangeAspect="1"/>
+          </p:cNvSpPr>
+          <p:nvPr>
+            <p:ph type="sldImg"/>
+          </p:nvPr>
+        </p:nvSpPr>
+        <p:spPr/>
+      </p:sp>
+      <p:sp>
+        <p:nvSpPr>
+          <p:cNvPr id="3" name="Notes Placeholder 2"/>
+          <p:cNvSpPr>
+            <a:spLocks noGrp="1"/>
+          </p:cNvSpPr>
+          <p:nvPr>
+            <p:ph type="body" idx="1"/>
+          </p:nvPr>
+        </p:nvSpPr>
+        <p:spPr/>
+        <p:txBody>
+          <a:bodyPr>
+            <a:normAutofit/>
+          </a:bodyPr>
+          <a:lstStyle/>
+          <a:p>
+            <a:r>
+              <a:rPr lang="fr-FR" dirty="0" smtClean="0"/>
+              <a:t>M</a:t>
+            </a:r>
+            <a:endParaRPr lang="fr-FR" dirty="0"/>
+          </a:p>
+        </p:txBody>
+      </p:sp>
+      <p:sp>
+        <p:nvSpPr>
+          <p:cNvPr id="4" name="Slide Number Placeholder 3"/>
+          <p:cNvSpPr>
+            <a:spLocks noGrp="1"/>
+          </p:cNvSpPr>
+          <p:nvPr>
+            <p:ph type="sldNum" sz="quarter" idx="10"/>
+          </p:nvPr>
+        </p:nvSpPr>
+        <p:spPr/>
+        <p:txBody>
+          <a:bodyPr/>
+          <a:lstStyle/>
+          <a:p>
+            <a:fld id="{69769F4E-9586-492C-B8A6-A22159A02A15}" type="slidenum">
+              <a:rPr lang="fr-FR" smtClean="0"/>
+              <a:pPr/>
+              <a:t>8</a:t>
+            </a:fld>
+            <a:endParaRPr lang="fr-FR"/>
+          </a:p>
+        </p:txBody>
+      </p:sp>
+    </p:spTree>
+  </p:cSld>
+  <p:clrMapOvr>
+    <a:masterClrMapping/>
+  </p:clrMapOvr>
+</p:notes>
+</file>
+
+<file path=ppt/notesSlides/notesSlide9.xml><?xml version="1.0" encoding="utf-8"?>
+<p:notes xmlns:a="http://schemas.openxmlformats.org/drawingml/2006/main" xmlns:r="http://schemas.openxmlformats.org/officeDocument/2006/relationships" xmlns:p="http://schemas.openxmlformats.org/presentationml/2006/main">
+  <p:cSld>
+    <p:spTree>
+      <p:nvGrpSpPr>
+        <p:cNvPr id="1" name=""/>
+        <p:cNvGrpSpPr/>
+        <p:nvPr/>
+      </p:nvGrpSpPr>
+      <p:grpSpPr>
+        <a:xfrm>
+          <a:off x="0" y="0"/>
+          <a:ext cx="0" cy="0"/>
+          <a:chOff x="0" y="0"/>
+          <a:chExt cx="0" cy="0"/>
+        </a:xfrm>
+      </p:grpSpPr>
+      <p:sp>
+        <p:nvSpPr>
+          <p:cNvPr id="2" name="Slide Image Placeholder 1"/>
+          <p:cNvSpPr>
+            <a:spLocks noGrp="1" noRot="1" noChangeAspect="1"/>
+          </p:cNvSpPr>
+          <p:nvPr>
+            <p:ph type="sldImg"/>
+          </p:nvPr>
+        </p:nvSpPr>
+        <p:spPr/>
+      </p:sp>
+      <p:sp>
+        <p:nvSpPr>
+          <p:cNvPr id="3" name="Notes Placeholder 2"/>
+          <p:cNvSpPr>
+            <a:spLocks noGrp="1"/>
+          </p:cNvSpPr>
+          <p:nvPr>
+            <p:ph type="body" idx="1"/>
+          </p:nvPr>
+        </p:nvSpPr>
+        <p:spPr/>
+        <p:txBody>
+          <a:bodyPr>
+            <a:normAutofit/>
+          </a:bodyPr>
+          <a:lstStyle/>
+          <a:p>
+            <a:r>
+              <a:rPr lang="fr-FR" dirty="0" smtClean="0"/>
+              <a:t>M</a:t>
+            </a:r>
+            <a:endParaRPr lang="fr-FR" dirty="0"/>
+          </a:p>
+        </p:txBody>
+      </p:sp>
+      <p:sp>
+        <p:nvSpPr>
+          <p:cNvPr id="4" name="Slide Number Placeholder 3"/>
+          <p:cNvSpPr>
+            <a:spLocks noGrp="1"/>
+          </p:cNvSpPr>
+          <p:nvPr>
+            <p:ph type="sldNum" sz="quarter" idx="10"/>
+          </p:nvPr>
+        </p:nvSpPr>
+        <p:spPr/>
+        <p:txBody>
+          <a:bodyPr/>
+          <a:lstStyle/>
+          <a:p>
+            <a:fld id="{69769F4E-9586-492C-B8A6-A22159A02A15}" type="slidenum">
+              <a:rPr lang="fr-FR" smtClean="0"/>
+              <a:pPr/>
+              <a:t>9</a:t>
             </a:fld>
             <a:endParaRPr lang="fr-FR"/>
           </a:p>
@@ -2309,7 +4251,7 @@
             <a:fld id="{4BEE22D1-9E3B-4EEC-9E1E-AB0B34D40883}" type="datetime1">
               <a:rPr lang="fr-FR" smtClean="0"/>
               <a:pPr/>
-              <a:t>22/01/2013</a:t>
+              <a:t>23/01/2013</a:t>
             </a:fld>
             <a:endParaRPr lang="fr-FR"/>
           </a:p>
@@ -2480,7 +4422,7 @@
             <a:fld id="{0BC67C51-3D9A-48F3-B15E-73633CA06EB2}" type="datetime1">
               <a:rPr lang="fr-FR" smtClean="0"/>
               <a:pPr/>
-              <a:t>22/01/2013</a:t>
+              <a:t>23/01/2013</a:t>
             </a:fld>
             <a:endParaRPr lang="fr-FR"/>
           </a:p>
@@ -2661,7 +4603,7 @@
             <a:fld id="{90655434-AD1B-487B-BA7D-93325835C149}" type="datetime1">
               <a:rPr lang="fr-FR" smtClean="0"/>
               <a:pPr/>
-              <a:t>22/01/2013</a:t>
+              <a:t>23/01/2013</a:t>
             </a:fld>
             <a:endParaRPr lang="fr-FR"/>
           </a:p>
@@ -2832,7 +4774,7 @@
             <a:fld id="{9E1653A4-DF21-48A8-BD96-675A6C7A2DE4}" type="datetime1">
               <a:rPr lang="fr-FR" smtClean="0"/>
               <a:pPr/>
-              <a:t>22/01/2013</a:t>
+              <a:t>23/01/2013</a:t>
             </a:fld>
             <a:endParaRPr lang="fr-FR"/>
           </a:p>
@@ -3075,7 +5017,7 @@
             <a:fld id="{FD495858-B3DA-4EBD-AD7C-5368780FE0A3}" type="datetime1">
               <a:rPr lang="fr-FR" smtClean="0"/>
               <a:pPr/>
-              <a:t>22/01/2013</a:t>
+              <a:t>23/01/2013</a:t>
             </a:fld>
             <a:endParaRPr lang="fr-FR"/>
           </a:p>
@@ -3733,7 +5675,7 @@
             <a:fld id="{19BF99BF-E0DF-47C8-BE3B-4CEE879D88AB}" type="datetime1">
               <a:rPr lang="fr-FR" smtClean="0"/>
               <a:pPr/>
-              <a:t>22/01/2013</a:t>
+              <a:t>23/01/2013</a:t>
             </a:fld>
             <a:endParaRPr lang="fr-FR"/>
           </a:p>
@@ -3889,7 +5831,7 @@
             <a:fld id="{FD4C236D-F663-4935-B0AE-BA737B5531D3}" type="datetime1">
               <a:rPr lang="fr-FR" smtClean="0"/>
               <a:pPr/>
-              <a:t>22/01/2013</a:t>
+              <a:t>23/01/2013</a:t>
             </a:fld>
             <a:endParaRPr lang="fr-FR"/>
           </a:p>
@@ -3985,7 +5927,7 @@
             <a:fld id="{3B334D03-397E-468A-948A-EEA84CF3E107}" type="datetime1">
               <a:rPr lang="fr-FR" smtClean="0"/>
               <a:pPr/>
-              <a:t>22/01/2013</a:t>
+              <a:t>23/01/2013</a:t>
             </a:fld>
             <a:endParaRPr lang="fr-FR"/>
           </a:p>
@@ -4252,7 +6194,7 @@
             <a:fld id="{31DDC124-969E-453A-9CD4-243B0F968873}" type="datetime1">
               <a:rPr lang="fr-FR" smtClean="0"/>
               <a:pPr/>
-              <a:t>22/01/2013</a:t>
+              <a:t>23/01/2013</a:t>
             </a:fld>
             <a:endParaRPr lang="fr-FR"/>
           </a:p>
@@ -4546,7 +6488,7 @@
             <a:fld id="{AD69F38F-900F-4A84-B92B-56F430E125F5}" type="datetime1">
               <a:rPr lang="fr-FR" smtClean="0"/>
               <a:pPr/>
-              <a:t>22/01/2013</a:t>
+              <a:t>23/01/2013</a:t>
             </a:fld>
             <a:endParaRPr lang="fr-FR"/>
           </a:p>
@@ -5323,7 +7265,7 @@
             <a:fld id="{354388CE-C0E2-4112-9B20-DB6580EA0AA4}" type="datetime1">
               <a:rPr lang="fr-FR" smtClean="0"/>
               <a:pPr/>
-              <a:t>22/01/2013</a:t>
+              <a:t>23/01/2013</a:t>
             </a:fld>
             <a:endParaRPr lang="fr-FR"/>
           </a:p>
@@ -6808,7 +8750,7 @@
           <p:nvPr/>
         </p:nvPicPr>
         <p:blipFill>
-          <a:blip r:embed="rId2" cstate="print"/>
+          <a:blip r:embed="rId3" cstate="print"/>
           <a:srcRect/>
           <a:stretch>
             <a:fillRect/>
@@ -6835,39 +8777,6 @@
       <p:pic>
         <p:nvPicPr>
           <p:cNvPr id="10244" name="Picture 4"/>
-          <p:cNvPicPr>
-            <a:picLocks noChangeAspect="1" noChangeArrowheads="1"/>
-          </p:cNvPicPr>
-          <p:nvPr/>
-        </p:nvPicPr>
-        <p:blipFill>
-          <a:blip r:embed="rId3" cstate="print"/>
-          <a:srcRect/>
-          <a:stretch>
-            <a:fillRect/>
-          </a:stretch>
-        </p:blipFill>
-        <p:spPr bwMode="auto">
-          <a:xfrm>
-            <a:off x="6948264" y="1916832"/>
-            <a:ext cx="1562574" cy="504056"/>
-          </a:xfrm>
-          <a:prstGeom prst="rect">
-            <a:avLst/>
-          </a:prstGeom>
-          <a:noFill/>
-          <a:ln w="9525">
-            <a:noFill/>
-            <a:miter lim="800000"/>
-            <a:headEnd/>
-            <a:tailEnd/>
-          </a:ln>
-          <a:effectLst/>
-        </p:spPr>
-      </p:pic>
-      <p:pic>
-        <p:nvPicPr>
-          <p:cNvPr id="10246" name="Picture 6"/>
           <p:cNvPicPr>
             <a:picLocks noChangeAspect="1" noChangeArrowheads="1"/>
           </p:cNvPicPr>
@@ -6882,8 +8791,8 @@
         </p:blipFill>
         <p:spPr bwMode="auto">
           <a:xfrm>
-            <a:off x="5292079" y="2852936"/>
-            <a:ext cx="1562573" cy="504056"/>
+            <a:off x="6948264" y="1916832"/>
+            <a:ext cx="1562574" cy="504056"/>
           </a:xfrm>
           <a:prstGeom prst="rect">
             <a:avLst/>
@@ -6900,7 +8809,7 @@
       </p:pic>
       <p:pic>
         <p:nvPicPr>
-          <p:cNvPr id="10247" name="Picture 7"/>
+          <p:cNvPr id="10246" name="Picture 6"/>
           <p:cNvPicPr>
             <a:picLocks noChangeAspect="1" noChangeArrowheads="1"/>
           </p:cNvPicPr>
@@ -6915,8 +8824,8 @@
         </p:blipFill>
         <p:spPr bwMode="auto">
           <a:xfrm>
-            <a:off x="6948264" y="2852936"/>
-            <a:ext cx="1512168" cy="504056"/>
+            <a:off x="5292079" y="2852936"/>
+            <a:ext cx="1562573" cy="504056"/>
           </a:xfrm>
           <a:prstGeom prst="rect">
             <a:avLst/>
@@ -6933,7 +8842,7 @@
       </p:pic>
       <p:pic>
         <p:nvPicPr>
-          <p:cNvPr id="10248" name="Picture 8"/>
+          <p:cNvPr id="10247" name="Picture 7"/>
           <p:cNvPicPr>
             <a:picLocks noChangeAspect="1" noChangeArrowheads="1"/>
           </p:cNvPicPr>
@@ -6948,8 +8857,8 @@
         </p:blipFill>
         <p:spPr bwMode="auto">
           <a:xfrm>
-            <a:off x="5292080" y="3789040"/>
-            <a:ext cx="1512168" cy="487796"/>
+            <a:off x="6948264" y="2852936"/>
+            <a:ext cx="1512168" cy="504056"/>
           </a:xfrm>
           <a:prstGeom prst="rect">
             <a:avLst/>
@@ -6966,7 +8875,7 @@
       </p:pic>
       <p:pic>
         <p:nvPicPr>
-          <p:cNvPr id="10249" name="Picture 9"/>
+          <p:cNvPr id="10248" name="Picture 8"/>
           <p:cNvPicPr>
             <a:picLocks noChangeAspect="1" noChangeArrowheads="1"/>
           </p:cNvPicPr>
@@ -6981,8 +8890,8 @@
         </p:blipFill>
         <p:spPr bwMode="auto">
           <a:xfrm>
-            <a:off x="6948264" y="3789040"/>
-            <a:ext cx="1584176" cy="511024"/>
+            <a:off x="5292080" y="3789040"/>
+            <a:ext cx="1512168" cy="487796"/>
           </a:xfrm>
           <a:prstGeom prst="rect">
             <a:avLst/>
@@ -6999,7 +8908,7 @@
       </p:pic>
       <p:pic>
         <p:nvPicPr>
-          <p:cNvPr id="10250" name="Picture 10"/>
+          <p:cNvPr id="10249" name="Picture 9"/>
           <p:cNvPicPr>
             <a:picLocks noChangeAspect="1" noChangeArrowheads="1"/>
           </p:cNvPicPr>
@@ -7014,8 +8923,8 @@
         </p:blipFill>
         <p:spPr bwMode="auto">
           <a:xfrm>
-            <a:off x="5292080" y="4653136"/>
-            <a:ext cx="1512168" cy="487796"/>
+            <a:off x="6948264" y="3789040"/>
+            <a:ext cx="1584176" cy="511024"/>
           </a:xfrm>
           <a:prstGeom prst="rect">
             <a:avLst/>
@@ -7032,6 +8941,39 @@
       </p:pic>
       <p:pic>
         <p:nvPicPr>
+          <p:cNvPr id="10250" name="Picture 10"/>
+          <p:cNvPicPr>
+            <a:picLocks noChangeAspect="1" noChangeArrowheads="1"/>
+          </p:cNvPicPr>
+          <p:nvPr/>
+        </p:nvPicPr>
+        <p:blipFill>
+          <a:blip r:embed="rId9" cstate="print"/>
+          <a:srcRect/>
+          <a:stretch>
+            <a:fillRect/>
+          </a:stretch>
+        </p:blipFill>
+        <p:spPr bwMode="auto">
+          <a:xfrm>
+            <a:off x="5292080" y="4653136"/>
+            <a:ext cx="1512168" cy="487796"/>
+          </a:xfrm>
+          <a:prstGeom prst="rect">
+            <a:avLst/>
+          </a:prstGeom>
+          <a:noFill/>
+          <a:ln w="9525">
+            <a:noFill/>
+            <a:miter lim="800000"/>
+            <a:headEnd/>
+            <a:tailEnd/>
+          </a:ln>
+          <a:effectLst/>
+        </p:spPr>
+      </p:pic>
+      <p:pic>
+        <p:nvPicPr>
           <p:cNvPr id="10251" name="Picture 11"/>
           <p:cNvPicPr>
             <a:picLocks noChangeAspect="1" noChangeArrowheads="1"/>
@@ -7039,7 +8981,7 @@
           <p:nvPr/>
         </p:nvPicPr>
         <p:blipFill>
-          <a:blip r:embed="rId9" cstate="print"/>
+          <a:blip r:embed="rId10" cstate="print"/>
           <a:srcRect/>
           <a:stretch>
             <a:fillRect/>
@@ -9128,7 +11070,7 @@
           <p:nvPr/>
         </p:nvPicPr>
         <p:blipFill>
-          <a:blip r:embed="rId2" cstate="print"/>
+          <a:blip r:embed="rId3" cstate="print"/>
           <a:srcRect/>
           <a:stretch>
             <a:fillRect/>
@@ -9822,7 +11764,7 @@
           <p:nvPr/>
         </p:nvPicPr>
         <p:blipFill>
-          <a:blip r:embed="rId2" cstate="print"/>
+          <a:blip r:embed="rId3" cstate="print"/>
           <a:srcRect/>
           <a:stretch>
             <a:fillRect/>
@@ -10528,7 +12470,7 @@
           <p:nvPr/>
         </p:nvPicPr>
         <p:blipFill>
-          <a:blip r:embed="rId2" cstate="print"/>
+          <a:blip r:embed="rId3" cstate="print"/>
           <a:srcRect l="4958" t="13120" r="51534" b="32477"/>
           <a:stretch>
             <a:fillRect/>
@@ -11347,7 +13289,9 @@
         </p:nvSpPr>
         <p:spPr/>
         <p:txBody>
-          <a:bodyPr/>
+          <a:bodyPr>
+            <a:normAutofit lnSpcReduction="10000"/>
+          </a:bodyPr>
           <a:lstStyle/>
           <a:p>
             <a:pPr marL="571500" indent="-571500"/>
@@ -11435,7 +13379,9 @@
         </p:nvSpPr>
         <p:spPr/>
         <p:txBody>
-          <a:bodyPr/>
+          <a:bodyPr>
+            <a:normAutofit lnSpcReduction="10000"/>
+          </a:bodyPr>
           <a:lstStyle/>
           <a:p>
             <a:r>
@@ -11446,8 +13392,37 @@
           <a:p>
             <a:r>
               <a:rPr lang="en-US" dirty="0" smtClean="0"/>
-              <a:t>Word beginning detection</a:t>
-            </a:r>
+              <a:t>Word beginning </a:t>
+            </a:r>
+            <a:r>
+              <a:rPr lang="en-US" dirty="0" smtClean="0"/>
+              <a:t>detection</a:t>
+            </a:r>
+          </a:p>
+          <a:p>
+            <a:endParaRPr lang="en-US" dirty="0" smtClean="0"/>
+          </a:p>
+          <a:p>
+            <a:endParaRPr lang="en-US" dirty="0" smtClean="0"/>
+          </a:p>
+          <a:p>
+            <a:endParaRPr lang="en-US" dirty="0" smtClean="0"/>
+          </a:p>
+          <a:p>
+            <a:endParaRPr lang="en-US" dirty="0" smtClean="0"/>
+          </a:p>
+          <a:p>
+            <a:endParaRPr lang="en-US" dirty="0" smtClean="0"/>
+          </a:p>
+          <a:p>
+            <a:endParaRPr lang="en-US" dirty="0" smtClean="0"/>
+          </a:p>
+          <a:p>
+            <a:r>
+              <a:rPr lang="en-US" dirty="0" smtClean="0"/>
+              <a:t>Global approach on DTW</a:t>
+            </a:r>
+            <a:endParaRPr lang="en-US" dirty="0" smtClean="0"/>
           </a:p>
         </p:txBody>
       </p:sp>
@@ -11964,7 +13939,7 @@
           <p:nvPr/>
         </p:nvPicPr>
         <p:blipFill>
-          <a:blip r:embed="rId2" cstate="print"/>
+          <a:blip r:embed="rId3" cstate="print"/>
           <a:srcRect/>
           <a:stretch>
             <a:fillRect/>
@@ -11973,7 +13948,7 @@
         <p:spPr bwMode="auto">
           <a:xfrm>
             <a:off x="4139952" y="2924944"/>
-            <a:ext cx="2952328" cy="2857091"/>
+            <a:ext cx="2448272" cy="2369295"/>
           </a:xfrm>
           <a:prstGeom prst="rect">
             <a:avLst/>
@@ -12119,25 +14094,1785 @@
           </a:p>
         </p:txBody>
       </p:sp>
-      <p:sp>
-        <p:nvSpPr>
-          <p:cNvPr id="15" name="Content Placeholder 14"/>
-          <p:cNvSpPr>
-            <a:spLocks noGrp="1"/>
-          </p:cNvSpPr>
+      <p:graphicFrame>
+        <p:nvGraphicFramePr>
+          <p:cNvPr id="17" name="Content Placeholder 16"/>
+          <p:cNvGraphicFramePr>
+            <a:graphicFrameLocks noGrp="1"/>
+          </p:cNvGraphicFramePr>
           <p:nvPr>
             <p:ph sz="half" idx="2"/>
           </p:nvPr>
-        </p:nvSpPr>
-        <p:spPr/>
-        <p:txBody>
-          <a:bodyPr/>
-          <a:lstStyle/>
-          <a:p>
-            <a:endParaRPr lang="en-US" dirty="0" smtClean="0"/>
-          </a:p>
-        </p:txBody>
-      </p:sp>
+        </p:nvGraphicFramePr>
+        <p:xfrm>
+          <a:off x="3131840" y="2276871"/>
+          <a:ext cx="5376207" cy="3115993"/>
+        </p:xfrm>
+        <a:graphic>
+          <a:graphicData uri="http://schemas.openxmlformats.org/drawingml/2006/table">
+            <a:tbl>
+              <a:tblPr/>
+              <a:tblGrid>
+                <a:gridCol w="1191860"/>
+                <a:gridCol w="1093214"/>
+                <a:gridCol w="1128348"/>
+                <a:gridCol w="1081052"/>
+                <a:gridCol w="881733"/>
+              </a:tblGrid>
+              <a:tr h="890283">
+                <a:tc>
+                  <a:txBody>
+                    <a:bodyPr/>
+                    <a:lstStyle/>
+                    <a:p>
+                      <a:pPr algn="ctr">
+                        <a:lnSpc>
+                          <a:spcPct val="115000"/>
+                        </a:lnSpc>
+                        <a:spcAft>
+                          <a:spcPts val="0"/>
+                        </a:spcAft>
+                      </a:pPr>
+                      <a:r>
+                        <a:rPr lang="en-US" sz="1100" kern="1400" dirty="0">
+                          <a:latin typeface="Calibri"/>
+                          <a:ea typeface="Calibri"/>
+                          <a:cs typeface="Times New Roman"/>
+                        </a:rPr>
+                        <a:t>        </a:t>
+                      </a:r>
+                      <a:r>
+                        <a:rPr lang="en-US" sz="1100" kern="1400" dirty="0" smtClean="0">
+                          <a:latin typeface="Calibri"/>
+                          <a:ea typeface="Calibri"/>
+                          <a:cs typeface="Times New Roman"/>
+                        </a:rPr>
+                        <a:t>Words</a:t>
+                      </a:r>
+                    </a:p>
+                    <a:p>
+                      <a:pPr algn="ctr">
+                        <a:lnSpc>
+                          <a:spcPct val="115000"/>
+                        </a:lnSpc>
+                        <a:spcAft>
+                          <a:spcPts val="0"/>
+                        </a:spcAft>
+                      </a:pPr>
+                      <a:endParaRPr lang="en-US" sz="1100" kern="1400" dirty="0" smtClean="0">
+                        <a:latin typeface="Calibri"/>
+                        <a:ea typeface="Calibri"/>
+                        <a:cs typeface="Times New Roman"/>
+                      </a:endParaRPr>
+                    </a:p>
+                    <a:p>
+                      <a:pPr algn="ctr">
+                        <a:lnSpc>
+                          <a:spcPct val="115000"/>
+                        </a:lnSpc>
+                        <a:spcAft>
+                          <a:spcPts val="0"/>
+                        </a:spcAft>
+                      </a:pPr>
+                      <a:endParaRPr lang="fr-FR" sz="1100" dirty="0">
+                        <a:latin typeface="Calibri"/>
+                        <a:ea typeface="Calibri"/>
+                        <a:cs typeface="Times New Roman"/>
+                      </a:endParaRPr>
+                    </a:p>
+                    <a:p>
+                      <a:pPr algn="ctr">
+                        <a:lnSpc>
+                          <a:spcPct val="115000"/>
+                        </a:lnSpc>
+                        <a:spcAft>
+                          <a:spcPts val="0"/>
+                        </a:spcAft>
+                      </a:pPr>
+                      <a:r>
+                        <a:rPr lang="en-US" sz="1100" kern="1400" dirty="0">
+                          <a:latin typeface="Calibri"/>
+                          <a:ea typeface="Calibri"/>
+                          <a:cs typeface="Times New Roman"/>
+                        </a:rPr>
+                        <a:t>Method            ….</a:t>
+                      </a:r>
+                      <a:endParaRPr lang="fr-FR" sz="1100" dirty="0">
+                        <a:latin typeface="Calibri"/>
+                        <a:ea typeface="Calibri"/>
+                        <a:cs typeface="Times New Roman"/>
+                      </a:endParaRPr>
+                    </a:p>
+                  </a:txBody>
+                  <a:tcPr marL="68580" marR="68580" marT="0" marB="0">
+                    <a:lnL w="12700" cap="flat" cmpd="sng" algn="ctr">
+                      <a:solidFill>
+                        <a:srgbClr val="000000"/>
+                      </a:solidFill>
+                      <a:prstDash val="solid"/>
+                      <a:round/>
+                      <a:headEnd type="none" w="med" len="med"/>
+                      <a:tailEnd type="none" w="med" len="med"/>
+                    </a:lnL>
+                    <a:lnR w="12700" cap="flat" cmpd="sng" algn="ctr">
+                      <a:solidFill>
+                        <a:srgbClr val="000000"/>
+                      </a:solidFill>
+                      <a:prstDash val="solid"/>
+                      <a:round/>
+                      <a:headEnd type="none" w="med" len="med"/>
+                      <a:tailEnd type="none" w="med" len="med"/>
+                    </a:lnR>
+                    <a:lnT w="12700" cap="flat" cmpd="sng" algn="ctr">
+                      <a:solidFill>
+                        <a:srgbClr val="000000"/>
+                      </a:solidFill>
+                      <a:prstDash val="solid"/>
+                      <a:round/>
+                      <a:headEnd type="none" w="med" len="med"/>
+                      <a:tailEnd type="none" w="med" len="med"/>
+                    </a:lnT>
+                    <a:lnB w="12700" cap="flat" cmpd="sng" algn="ctr">
+                      <a:solidFill>
+                        <a:srgbClr val="000000"/>
+                      </a:solidFill>
+                      <a:prstDash val="solid"/>
+                      <a:round/>
+                      <a:headEnd type="none" w="med" len="med"/>
+                      <a:tailEnd type="none" w="med" len="med"/>
+                    </a:lnB>
+                    <a:lnTlToBr w="6350" cap="flat" cmpd="sng" algn="ctr">
+                      <a:solidFill>
+                        <a:srgbClr val="000000"/>
+                      </a:solidFill>
+                      <a:prstDash val="solid"/>
+                      <a:round/>
+                      <a:headEnd type="none" w="med" len="med"/>
+                      <a:tailEnd type="none" w="med" len="med"/>
+                    </a:lnTlToBr>
+                  </a:tcPr>
+                </a:tc>
+                <a:tc>
+                  <a:txBody>
+                    <a:bodyPr/>
+                    <a:lstStyle/>
+                    <a:p>
+                      <a:pPr>
+                        <a:lnSpc>
+                          <a:spcPct val="115000"/>
+                        </a:lnSpc>
+                        <a:spcAft>
+                          <a:spcPts val="0"/>
+                        </a:spcAft>
+                      </a:pPr>
+                      <a:r>
+                        <a:rPr lang="en-US" sz="1100">
+                          <a:latin typeface="Calibri"/>
+                          <a:ea typeface="Calibri"/>
+                          <a:cs typeface="Times New Roman"/>
+                        </a:rPr>
+                        <a:t>“gauche”, “droite”, “haut”, “bas”</a:t>
+                      </a:r>
+                      <a:endParaRPr lang="fr-FR" sz="1100">
+                        <a:latin typeface="Calibri"/>
+                        <a:ea typeface="Calibri"/>
+                        <a:cs typeface="Times New Roman"/>
+                      </a:endParaRPr>
+                    </a:p>
+                  </a:txBody>
+                  <a:tcPr marL="68580" marR="68580" marT="0" marB="0">
+                    <a:lnL w="12700" cap="flat" cmpd="sng" algn="ctr">
+                      <a:solidFill>
+                        <a:srgbClr val="000000"/>
+                      </a:solidFill>
+                      <a:prstDash val="solid"/>
+                      <a:round/>
+                      <a:headEnd type="none" w="med" len="med"/>
+                      <a:tailEnd type="none" w="med" len="med"/>
+                    </a:lnL>
+                    <a:lnR w="12700" cap="flat" cmpd="sng" algn="ctr">
+                      <a:solidFill>
+                        <a:srgbClr val="000000"/>
+                      </a:solidFill>
+                      <a:prstDash val="solid"/>
+                      <a:round/>
+                      <a:headEnd type="none" w="med" len="med"/>
+                      <a:tailEnd type="none" w="med" len="med"/>
+                    </a:lnR>
+                    <a:lnT w="12700" cap="flat" cmpd="sng" algn="ctr">
+                      <a:solidFill>
+                        <a:srgbClr val="000000"/>
+                      </a:solidFill>
+                      <a:prstDash val="solid"/>
+                      <a:round/>
+                      <a:headEnd type="none" w="med" len="med"/>
+                      <a:tailEnd type="none" w="med" len="med"/>
+                    </a:lnT>
+                    <a:lnB w="12700" cap="flat" cmpd="sng" algn="ctr">
+                      <a:solidFill>
+                        <a:srgbClr val="000000"/>
+                      </a:solidFill>
+                      <a:prstDash val="solid"/>
+                      <a:round/>
+                      <a:headEnd type="none" w="med" len="med"/>
+                      <a:tailEnd type="none" w="med" len="med"/>
+                    </a:lnB>
+                  </a:tcPr>
+                </a:tc>
+                <a:tc>
+                  <a:txBody>
+                    <a:bodyPr/>
+                    <a:lstStyle/>
+                    <a:p>
+                      <a:pPr>
+                        <a:lnSpc>
+                          <a:spcPct val="115000"/>
+                        </a:lnSpc>
+                        <a:spcAft>
+                          <a:spcPts val="0"/>
+                        </a:spcAft>
+                      </a:pPr>
+                      <a:r>
+                        <a:rPr lang="en-US" sz="1100" kern="1400">
+                          <a:latin typeface="Calibri"/>
+                          <a:ea typeface="Calibri"/>
+                          <a:cs typeface="Times New Roman"/>
+                        </a:rPr>
+                        <a:t>“Bonjour”, “Hello”, “Maison”, ”Placard”</a:t>
+                      </a:r>
+                      <a:endParaRPr lang="fr-FR" sz="1100">
+                        <a:latin typeface="Calibri"/>
+                        <a:ea typeface="Calibri"/>
+                        <a:cs typeface="Times New Roman"/>
+                      </a:endParaRPr>
+                    </a:p>
+                  </a:txBody>
+                  <a:tcPr marL="68580" marR="68580" marT="0" marB="0">
+                    <a:lnL w="12700" cap="flat" cmpd="sng" algn="ctr">
+                      <a:solidFill>
+                        <a:srgbClr val="000000"/>
+                      </a:solidFill>
+                      <a:prstDash val="solid"/>
+                      <a:round/>
+                      <a:headEnd type="none" w="med" len="med"/>
+                      <a:tailEnd type="none" w="med" len="med"/>
+                    </a:lnL>
+                    <a:lnR w="12700" cap="flat" cmpd="sng" algn="ctr">
+                      <a:solidFill>
+                        <a:srgbClr val="000000"/>
+                      </a:solidFill>
+                      <a:prstDash val="solid"/>
+                      <a:round/>
+                      <a:headEnd type="none" w="med" len="med"/>
+                      <a:tailEnd type="none" w="med" len="med"/>
+                    </a:lnR>
+                    <a:lnT w="12700" cap="flat" cmpd="sng" algn="ctr">
+                      <a:solidFill>
+                        <a:srgbClr val="000000"/>
+                      </a:solidFill>
+                      <a:prstDash val="solid"/>
+                      <a:round/>
+                      <a:headEnd type="none" w="med" len="med"/>
+                      <a:tailEnd type="none" w="med" len="med"/>
+                    </a:lnT>
+                    <a:lnB w="12700" cap="flat" cmpd="sng" algn="ctr">
+                      <a:solidFill>
+                        <a:srgbClr val="000000"/>
+                      </a:solidFill>
+                      <a:prstDash val="solid"/>
+                      <a:round/>
+                      <a:headEnd type="none" w="med" len="med"/>
+                      <a:tailEnd type="none" w="med" len="med"/>
+                    </a:lnB>
+                  </a:tcPr>
+                </a:tc>
+                <a:tc>
+                  <a:txBody>
+                    <a:bodyPr/>
+                    <a:lstStyle/>
+                    <a:p>
+                      <a:pPr>
+                        <a:lnSpc>
+                          <a:spcPct val="115000"/>
+                        </a:lnSpc>
+                        <a:spcAft>
+                          <a:spcPts val="0"/>
+                        </a:spcAft>
+                      </a:pPr>
+                      <a:r>
+                        <a:rPr lang="en-US" sz="1100" kern="1400">
+                          <a:latin typeface="Calibri"/>
+                          <a:ea typeface="Calibri"/>
+                          <a:cs typeface="Times New Roman"/>
+                        </a:rPr>
+                        <a:t>“vacherin”, “tiramisu”, “moelleux”, “bûche”</a:t>
+                      </a:r>
+                      <a:endParaRPr lang="fr-FR" sz="1100">
+                        <a:latin typeface="Calibri"/>
+                        <a:ea typeface="Calibri"/>
+                        <a:cs typeface="Times New Roman"/>
+                      </a:endParaRPr>
+                    </a:p>
+                  </a:txBody>
+                  <a:tcPr marL="68580" marR="68580" marT="0" marB="0">
+                    <a:lnL w="12700" cap="flat" cmpd="sng" algn="ctr">
+                      <a:solidFill>
+                        <a:srgbClr val="000000"/>
+                      </a:solidFill>
+                      <a:prstDash val="solid"/>
+                      <a:round/>
+                      <a:headEnd type="none" w="med" len="med"/>
+                      <a:tailEnd type="none" w="med" len="med"/>
+                    </a:lnL>
+                    <a:lnR w="12700" cap="flat" cmpd="sng" algn="ctr">
+                      <a:solidFill>
+                        <a:srgbClr val="000000"/>
+                      </a:solidFill>
+                      <a:prstDash val="solid"/>
+                      <a:round/>
+                      <a:headEnd type="none" w="med" len="med"/>
+                      <a:tailEnd type="none" w="med" len="med"/>
+                    </a:lnR>
+                    <a:lnT w="12700" cap="flat" cmpd="sng" algn="ctr">
+                      <a:solidFill>
+                        <a:srgbClr val="000000"/>
+                      </a:solidFill>
+                      <a:prstDash val="solid"/>
+                      <a:round/>
+                      <a:headEnd type="none" w="med" len="med"/>
+                      <a:tailEnd type="none" w="med" len="med"/>
+                    </a:lnT>
+                    <a:lnB w="12700" cap="flat" cmpd="sng" algn="ctr">
+                      <a:solidFill>
+                        <a:srgbClr val="000000"/>
+                      </a:solidFill>
+                      <a:prstDash val="solid"/>
+                      <a:round/>
+                      <a:headEnd type="none" w="med" len="med"/>
+                      <a:tailEnd type="none" w="med" len="med"/>
+                    </a:lnB>
+                  </a:tcPr>
+                </a:tc>
+                <a:tc>
+                  <a:txBody>
+                    <a:bodyPr/>
+                    <a:lstStyle/>
+                    <a:p>
+                      <a:pPr>
+                        <a:lnSpc>
+                          <a:spcPct val="115000"/>
+                        </a:lnSpc>
+                        <a:spcAft>
+                          <a:spcPts val="0"/>
+                        </a:spcAft>
+                      </a:pPr>
+                      <a:r>
+                        <a:rPr lang="en-US" sz="1100" kern="1400">
+                          <a:latin typeface="Calibri"/>
+                          <a:ea typeface="Calibri"/>
+                          <a:cs typeface="Times New Roman"/>
+                        </a:rPr>
+                        <a:t>“Riri”, “Fifi”, “Loulou”, “toto”</a:t>
+                      </a:r>
+                      <a:endParaRPr lang="fr-FR" sz="1100">
+                        <a:latin typeface="Calibri"/>
+                        <a:ea typeface="Calibri"/>
+                        <a:cs typeface="Times New Roman"/>
+                      </a:endParaRPr>
+                    </a:p>
+                  </a:txBody>
+                  <a:tcPr marL="68580" marR="68580" marT="0" marB="0">
+                    <a:lnL w="12700" cap="flat" cmpd="sng" algn="ctr">
+                      <a:solidFill>
+                        <a:srgbClr val="000000"/>
+                      </a:solidFill>
+                      <a:prstDash val="solid"/>
+                      <a:round/>
+                      <a:headEnd type="none" w="med" len="med"/>
+                      <a:tailEnd type="none" w="med" len="med"/>
+                    </a:lnL>
+                    <a:lnR w="12700" cap="flat" cmpd="sng" algn="ctr">
+                      <a:solidFill>
+                        <a:srgbClr val="000000"/>
+                      </a:solidFill>
+                      <a:prstDash val="solid"/>
+                      <a:round/>
+                      <a:headEnd type="none" w="med" len="med"/>
+                      <a:tailEnd type="none" w="med" len="med"/>
+                    </a:lnR>
+                    <a:lnT w="12700" cap="flat" cmpd="sng" algn="ctr">
+                      <a:solidFill>
+                        <a:srgbClr val="000000"/>
+                      </a:solidFill>
+                      <a:prstDash val="solid"/>
+                      <a:round/>
+                      <a:headEnd type="none" w="med" len="med"/>
+                      <a:tailEnd type="none" w="med" len="med"/>
+                    </a:lnT>
+                    <a:lnB w="12700" cap="flat" cmpd="sng" algn="ctr">
+                      <a:solidFill>
+                        <a:srgbClr val="000000"/>
+                      </a:solidFill>
+                      <a:prstDash val="solid"/>
+                      <a:round/>
+                      <a:headEnd type="none" w="med" len="med"/>
+                      <a:tailEnd type="none" w="med" len="med"/>
+                    </a:lnB>
+                  </a:tcPr>
+                </a:tc>
+              </a:tr>
+              <a:tr h="222571">
+                <a:tc>
+                  <a:txBody>
+                    <a:bodyPr/>
+                    <a:lstStyle/>
+                    <a:p>
+                      <a:pPr>
+                        <a:lnSpc>
+                          <a:spcPct val="115000"/>
+                        </a:lnSpc>
+                        <a:spcAft>
+                          <a:spcPts val="0"/>
+                        </a:spcAft>
+                      </a:pPr>
+                      <a:r>
+                        <a:rPr lang="en-US" sz="1100" kern="1400">
+                          <a:latin typeface="Calibri"/>
+                          <a:ea typeface="Calibri"/>
+                          <a:cs typeface="Times New Roman"/>
+                        </a:rPr>
+                        <a:t>DTW local</a:t>
+                      </a:r>
+                      <a:endParaRPr lang="fr-FR" sz="1100">
+                        <a:latin typeface="Calibri"/>
+                        <a:ea typeface="Calibri"/>
+                        <a:cs typeface="Times New Roman"/>
+                      </a:endParaRPr>
+                    </a:p>
+                  </a:txBody>
+                  <a:tcPr marL="68580" marR="68580" marT="0" marB="0">
+                    <a:lnL w="12700" cap="flat" cmpd="sng" algn="ctr">
+                      <a:solidFill>
+                        <a:srgbClr val="000000"/>
+                      </a:solidFill>
+                      <a:prstDash val="solid"/>
+                      <a:round/>
+                      <a:headEnd type="none" w="med" len="med"/>
+                      <a:tailEnd type="none" w="med" len="med"/>
+                    </a:lnL>
+                    <a:lnR w="12700" cap="flat" cmpd="sng" algn="ctr">
+                      <a:solidFill>
+                        <a:srgbClr val="000000"/>
+                      </a:solidFill>
+                      <a:prstDash val="solid"/>
+                      <a:round/>
+                      <a:headEnd type="none" w="med" len="med"/>
+                      <a:tailEnd type="none" w="med" len="med"/>
+                    </a:lnR>
+                    <a:lnT w="12700" cap="flat" cmpd="sng" algn="ctr">
+                      <a:solidFill>
+                        <a:srgbClr val="000000"/>
+                      </a:solidFill>
+                      <a:prstDash val="solid"/>
+                      <a:round/>
+                      <a:headEnd type="none" w="med" len="med"/>
+                      <a:tailEnd type="none" w="med" len="med"/>
+                    </a:lnT>
+                    <a:lnB w="12700" cap="flat" cmpd="sng" algn="ctr">
+                      <a:solidFill>
+                        <a:srgbClr val="000000"/>
+                      </a:solidFill>
+                      <a:prstDash val="solid"/>
+                      <a:round/>
+                      <a:headEnd type="none" w="med" len="med"/>
+                      <a:tailEnd type="none" w="med" len="med"/>
+                    </a:lnB>
+                  </a:tcPr>
+                </a:tc>
+                <a:tc>
+                  <a:txBody>
+                    <a:bodyPr/>
+                    <a:lstStyle/>
+                    <a:p>
+                      <a:pPr algn="ctr">
+                        <a:lnSpc>
+                          <a:spcPct val="115000"/>
+                        </a:lnSpc>
+                        <a:spcAft>
+                          <a:spcPts val="0"/>
+                        </a:spcAft>
+                      </a:pPr>
+                      <a:r>
+                        <a:rPr lang="en-US" sz="1100" kern="1400">
+                          <a:latin typeface="Calibri"/>
+                          <a:ea typeface="Calibri"/>
+                          <a:cs typeface="Times New Roman"/>
+                        </a:rPr>
+                        <a:t>62,5%</a:t>
+                      </a:r>
+                      <a:endParaRPr lang="fr-FR" sz="1100">
+                        <a:latin typeface="Calibri"/>
+                        <a:ea typeface="Calibri"/>
+                        <a:cs typeface="Times New Roman"/>
+                      </a:endParaRPr>
+                    </a:p>
+                  </a:txBody>
+                  <a:tcPr marL="68580" marR="68580" marT="0" marB="0" anchor="ctr">
+                    <a:lnL w="12700" cap="flat" cmpd="sng" algn="ctr">
+                      <a:solidFill>
+                        <a:srgbClr val="000000"/>
+                      </a:solidFill>
+                      <a:prstDash val="solid"/>
+                      <a:round/>
+                      <a:headEnd type="none" w="med" len="med"/>
+                      <a:tailEnd type="none" w="med" len="med"/>
+                    </a:lnL>
+                    <a:lnR w="12700" cap="flat" cmpd="sng" algn="ctr">
+                      <a:solidFill>
+                        <a:srgbClr val="000000"/>
+                      </a:solidFill>
+                      <a:prstDash val="solid"/>
+                      <a:round/>
+                      <a:headEnd type="none" w="med" len="med"/>
+                      <a:tailEnd type="none" w="med" len="med"/>
+                    </a:lnR>
+                    <a:lnT w="12700" cap="flat" cmpd="sng" algn="ctr">
+                      <a:solidFill>
+                        <a:srgbClr val="000000"/>
+                      </a:solidFill>
+                      <a:prstDash val="solid"/>
+                      <a:round/>
+                      <a:headEnd type="none" w="med" len="med"/>
+                      <a:tailEnd type="none" w="med" len="med"/>
+                    </a:lnT>
+                    <a:lnB w="12700" cap="flat" cmpd="sng" algn="ctr">
+                      <a:solidFill>
+                        <a:srgbClr val="000000"/>
+                      </a:solidFill>
+                      <a:prstDash val="solid"/>
+                      <a:round/>
+                      <a:headEnd type="none" w="med" len="med"/>
+                      <a:tailEnd type="none" w="med" len="med"/>
+                    </a:lnB>
+                  </a:tcPr>
+                </a:tc>
+                <a:tc>
+                  <a:txBody>
+                    <a:bodyPr/>
+                    <a:lstStyle/>
+                    <a:p>
+                      <a:pPr algn="ctr">
+                        <a:lnSpc>
+                          <a:spcPct val="115000"/>
+                        </a:lnSpc>
+                        <a:spcAft>
+                          <a:spcPts val="0"/>
+                        </a:spcAft>
+                      </a:pPr>
+                      <a:r>
+                        <a:rPr lang="en-US" sz="1100" kern="1400">
+                          <a:latin typeface="Calibri"/>
+                          <a:ea typeface="Calibri"/>
+                          <a:cs typeface="Times New Roman"/>
+                        </a:rPr>
+                        <a:t>80%</a:t>
+                      </a:r>
+                      <a:endParaRPr lang="fr-FR" sz="1100">
+                        <a:latin typeface="Calibri"/>
+                        <a:ea typeface="Calibri"/>
+                        <a:cs typeface="Times New Roman"/>
+                      </a:endParaRPr>
+                    </a:p>
+                  </a:txBody>
+                  <a:tcPr marL="68580" marR="68580" marT="0" marB="0" anchor="ctr">
+                    <a:lnL w="12700" cap="flat" cmpd="sng" algn="ctr">
+                      <a:solidFill>
+                        <a:srgbClr val="000000"/>
+                      </a:solidFill>
+                      <a:prstDash val="solid"/>
+                      <a:round/>
+                      <a:headEnd type="none" w="med" len="med"/>
+                      <a:tailEnd type="none" w="med" len="med"/>
+                    </a:lnL>
+                    <a:lnR w="12700" cap="flat" cmpd="sng" algn="ctr">
+                      <a:solidFill>
+                        <a:srgbClr val="000000"/>
+                      </a:solidFill>
+                      <a:prstDash val="solid"/>
+                      <a:round/>
+                      <a:headEnd type="none" w="med" len="med"/>
+                      <a:tailEnd type="none" w="med" len="med"/>
+                    </a:lnR>
+                    <a:lnT w="12700" cap="flat" cmpd="sng" algn="ctr">
+                      <a:solidFill>
+                        <a:srgbClr val="000000"/>
+                      </a:solidFill>
+                      <a:prstDash val="solid"/>
+                      <a:round/>
+                      <a:headEnd type="none" w="med" len="med"/>
+                      <a:tailEnd type="none" w="med" len="med"/>
+                    </a:lnT>
+                    <a:lnB w="12700" cap="flat" cmpd="sng" algn="ctr">
+                      <a:solidFill>
+                        <a:srgbClr val="000000"/>
+                      </a:solidFill>
+                      <a:prstDash val="solid"/>
+                      <a:round/>
+                      <a:headEnd type="none" w="med" len="med"/>
+                      <a:tailEnd type="none" w="med" len="med"/>
+                    </a:lnB>
+                  </a:tcPr>
+                </a:tc>
+                <a:tc>
+                  <a:txBody>
+                    <a:bodyPr/>
+                    <a:lstStyle/>
+                    <a:p>
+                      <a:pPr algn="ctr">
+                        <a:lnSpc>
+                          <a:spcPct val="115000"/>
+                        </a:lnSpc>
+                        <a:spcAft>
+                          <a:spcPts val="0"/>
+                        </a:spcAft>
+                      </a:pPr>
+                      <a:r>
+                        <a:rPr lang="en-US" sz="1100" kern="1400">
+                          <a:latin typeface="Calibri"/>
+                          <a:ea typeface="Calibri"/>
+                          <a:cs typeface="Times New Roman"/>
+                        </a:rPr>
+                        <a:t>70%</a:t>
+                      </a:r>
+                      <a:endParaRPr lang="fr-FR" sz="1100">
+                        <a:latin typeface="Calibri"/>
+                        <a:ea typeface="Calibri"/>
+                        <a:cs typeface="Times New Roman"/>
+                      </a:endParaRPr>
+                    </a:p>
+                  </a:txBody>
+                  <a:tcPr marL="68580" marR="68580" marT="0" marB="0" anchor="ctr">
+                    <a:lnL w="12700" cap="flat" cmpd="sng" algn="ctr">
+                      <a:solidFill>
+                        <a:srgbClr val="000000"/>
+                      </a:solidFill>
+                      <a:prstDash val="solid"/>
+                      <a:round/>
+                      <a:headEnd type="none" w="med" len="med"/>
+                      <a:tailEnd type="none" w="med" len="med"/>
+                    </a:lnL>
+                    <a:lnR w="12700" cap="flat" cmpd="sng" algn="ctr">
+                      <a:solidFill>
+                        <a:srgbClr val="000000"/>
+                      </a:solidFill>
+                      <a:prstDash val="solid"/>
+                      <a:round/>
+                      <a:headEnd type="none" w="med" len="med"/>
+                      <a:tailEnd type="none" w="med" len="med"/>
+                    </a:lnR>
+                    <a:lnT w="12700" cap="flat" cmpd="sng" algn="ctr">
+                      <a:solidFill>
+                        <a:srgbClr val="000000"/>
+                      </a:solidFill>
+                      <a:prstDash val="solid"/>
+                      <a:round/>
+                      <a:headEnd type="none" w="med" len="med"/>
+                      <a:tailEnd type="none" w="med" len="med"/>
+                    </a:lnT>
+                    <a:lnB w="12700" cap="flat" cmpd="sng" algn="ctr">
+                      <a:solidFill>
+                        <a:srgbClr val="000000"/>
+                      </a:solidFill>
+                      <a:prstDash val="solid"/>
+                      <a:round/>
+                      <a:headEnd type="none" w="med" len="med"/>
+                      <a:tailEnd type="none" w="med" len="med"/>
+                    </a:lnB>
+                  </a:tcPr>
+                </a:tc>
+                <a:tc>
+                  <a:txBody>
+                    <a:bodyPr/>
+                    <a:lstStyle/>
+                    <a:p>
+                      <a:pPr algn="ctr">
+                        <a:lnSpc>
+                          <a:spcPct val="115000"/>
+                        </a:lnSpc>
+                        <a:spcAft>
+                          <a:spcPts val="0"/>
+                        </a:spcAft>
+                      </a:pPr>
+                      <a:r>
+                        <a:rPr lang="en-US" sz="1100" kern="1400">
+                          <a:latin typeface="Calibri"/>
+                          <a:ea typeface="Calibri"/>
+                          <a:cs typeface="Times New Roman"/>
+                        </a:rPr>
+                        <a:t>70%</a:t>
+                      </a:r>
+                      <a:endParaRPr lang="fr-FR" sz="1100">
+                        <a:latin typeface="Calibri"/>
+                        <a:ea typeface="Calibri"/>
+                        <a:cs typeface="Times New Roman"/>
+                      </a:endParaRPr>
+                    </a:p>
+                  </a:txBody>
+                  <a:tcPr marL="68580" marR="68580" marT="0" marB="0" anchor="ctr">
+                    <a:lnL w="12700" cap="flat" cmpd="sng" algn="ctr">
+                      <a:solidFill>
+                        <a:srgbClr val="000000"/>
+                      </a:solidFill>
+                      <a:prstDash val="solid"/>
+                      <a:round/>
+                      <a:headEnd type="none" w="med" len="med"/>
+                      <a:tailEnd type="none" w="med" len="med"/>
+                    </a:lnL>
+                    <a:lnR w="12700" cap="flat" cmpd="sng" algn="ctr">
+                      <a:solidFill>
+                        <a:srgbClr val="000000"/>
+                      </a:solidFill>
+                      <a:prstDash val="solid"/>
+                      <a:round/>
+                      <a:headEnd type="none" w="med" len="med"/>
+                      <a:tailEnd type="none" w="med" len="med"/>
+                    </a:lnR>
+                    <a:lnT w="12700" cap="flat" cmpd="sng" algn="ctr">
+                      <a:solidFill>
+                        <a:srgbClr val="000000"/>
+                      </a:solidFill>
+                      <a:prstDash val="solid"/>
+                      <a:round/>
+                      <a:headEnd type="none" w="med" len="med"/>
+                      <a:tailEnd type="none" w="med" len="med"/>
+                    </a:lnT>
+                    <a:lnB w="12700" cap="flat" cmpd="sng" algn="ctr">
+                      <a:solidFill>
+                        <a:srgbClr val="000000"/>
+                      </a:solidFill>
+                      <a:prstDash val="solid"/>
+                      <a:round/>
+                      <a:headEnd type="none" w="med" len="med"/>
+                      <a:tailEnd type="none" w="med" len="med"/>
+                    </a:lnB>
+                  </a:tcPr>
+                </a:tc>
+              </a:tr>
+              <a:tr h="667713">
+                <a:tc>
+                  <a:txBody>
+                    <a:bodyPr/>
+                    <a:lstStyle/>
+                    <a:p>
+                      <a:pPr>
+                        <a:lnSpc>
+                          <a:spcPct val="115000"/>
+                        </a:lnSpc>
+                        <a:spcAft>
+                          <a:spcPts val="0"/>
+                        </a:spcAft>
+                      </a:pPr>
+                      <a:r>
+                        <a:rPr lang="en-US" sz="1100">
+                          <a:latin typeface="Calibri"/>
+                          <a:ea typeface="Calibri"/>
+                          <a:cs typeface="Times New Roman"/>
+                        </a:rPr>
+                        <a:t>DTW local and beginning detection</a:t>
+                      </a:r>
+                      <a:endParaRPr lang="fr-FR" sz="1100">
+                        <a:latin typeface="Calibri"/>
+                        <a:ea typeface="Calibri"/>
+                        <a:cs typeface="Times New Roman"/>
+                      </a:endParaRPr>
+                    </a:p>
+                  </a:txBody>
+                  <a:tcPr marL="68580" marR="68580" marT="0" marB="0">
+                    <a:lnL w="12700" cap="flat" cmpd="sng" algn="ctr">
+                      <a:solidFill>
+                        <a:srgbClr val="000000"/>
+                      </a:solidFill>
+                      <a:prstDash val="solid"/>
+                      <a:round/>
+                      <a:headEnd type="none" w="med" len="med"/>
+                      <a:tailEnd type="none" w="med" len="med"/>
+                    </a:lnL>
+                    <a:lnR w="12700" cap="flat" cmpd="sng" algn="ctr">
+                      <a:solidFill>
+                        <a:srgbClr val="000000"/>
+                      </a:solidFill>
+                      <a:prstDash val="solid"/>
+                      <a:round/>
+                      <a:headEnd type="none" w="med" len="med"/>
+                      <a:tailEnd type="none" w="med" len="med"/>
+                    </a:lnR>
+                    <a:lnT w="12700" cap="flat" cmpd="sng" algn="ctr">
+                      <a:solidFill>
+                        <a:srgbClr val="000000"/>
+                      </a:solidFill>
+                      <a:prstDash val="solid"/>
+                      <a:round/>
+                      <a:headEnd type="none" w="med" len="med"/>
+                      <a:tailEnd type="none" w="med" len="med"/>
+                    </a:lnT>
+                    <a:lnB w="12700" cap="flat" cmpd="sng" algn="ctr">
+                      <a:solidFill>
+                        <a:srgbClr val="000000"/>
+                      </a:solidFill>
+                      <a:prstDash val="solid"/>
+                      <a:round/>
+                      <a:headEnd type="none" w="med" len="med"/>
+                      <a:tailEnd type="none" w="med" len="med"/>
+                    </a:lnB>
+                  </a:tcPr>
+                </a:tc>
+                <a:tc>
+                  <a:txBody>
+                    <a:bodyPr/>
+                    <a:lstStyle/>
+                    <a:p>
+                      <a:pPr algn="ctr">
+                        <a:lnSpc>
+                          <a:spcPct val="115000"/>
+                        </a:lnSpc>
+                        <a:spcAft>
+                          <a:spcPts val="0"/>
+                        </a:spcAft>
+                      </a:pPr>
+                      <a:r>
+                        <a:rPr lang="en-US" sz="1100" kern="1400">
+                          <a:latin typeface="Calibri"/>
+                          <a:ea typeface="Calibri"/>
+                          <a:cs typeface="Times New Roman"/>
+                        </a:rPr>
+                        <a:t>62,5%</a:t>
+                      </a:r>
+                      <a:endParaRPr lang="fr-FR" sz="1100">
+                        <a:latin typeface="Calibri"/>
+                        <a:ea typeface="Calibri"/>
+                        <a:cs typeface="Times New Roman"/>
+                      </a:endParaRPr>
+                    </a:p>
+                  </a:txBody>
+                  <a:tcPr marL="68580" marR="68580" marT="0" marB="0" anchor="ctr">
+                    <a:lnL w="12700" cap="flat" cmpd="sng" algn="ctr">
+                      <a:solidFill>
+                        <a:srgbClr val="000000"/>
+                      </a:solidFill>
+                      <a:prstDash val="solid"/>
+                      <a:round/>
+                      <a:headEnd type="none" w="med" len="med"/>
+                      <a:tailEnd type="none" w="med" len="med"/>
+                    </a:lnL>
+                    <a:lnR w="12700" cap="flat" cmpd="sng" algn="ctr">
+                      <a:solidFill>
+                        <a:srgbClr val="000000"/>
+                      </a:solidFill>
+                      <a:prstDash val="solid"/>
+                      <a:round/>
+                      <a:headEnd type="none" w="med" len="med"/>
+                      <a:tailEnd type="none" w="med" len="med"/>
+                    </a:lnR>
+                    <a:lnT w="12700" cap="flat" cmpd="sng" algn="ctr">
+                      <a:solidFill>
+                        <a:srgbClr val="000000"/>
+                      </a:solidFill>
+                      <a:prstDash val="solid"/>
+                      <a:round/>
+                      <a:headEnd type="none" w="med" len="med"/>
+                      <a:tailEnd type="none" w="med" len="med"/>
+                    </a:lnT>
+                    <a:lnB w="12700" cap="flat" cmpd="sng" algn="ctr">
+                      <a:solidFill>
+                        <a:srgbClr val="000000"/>
+                      </a:solidFill>
+                      <a:prstDash val="solid"/>
+                      <a:round/>
+                      <a:headEnd type="none" w="med" len="med"/>
+                      <a:tailEnd type="none" w="med" len="med"/>
+                    </a:lnB>
+                  </a:tcPr>
+                </a:tc>
+                <a:tc>
+                  <a:txBody>
+                    <a:bodyPr/>
+                    <a:lstStyle/>
+                    <a:p>
+                      <a:pPr algn="ctr">
+                        <a:lnSpc>
+                          <a:spcPct val="115000"/>
+                        </a:lnSpc>
+                        <a:spcAft>
+                          <a:spcPts val="0"/>
+                        </a:spcAft>
+                      </a:pPr>
+                      <a:r>
+                        <a:rPr lang="en-US" sz="1100" kern="1400">
+                          <a:latin typeface="Calibri"/>
+                          <a:ea typeface="Calibri"/>
+                          <a:cs typeface="Times New Roman"/>
+                        </a:rPr>
+                        <a:t>80%</a:t>
+                      </a:r>
+                      <a:endParaRPr lang="fr-FR" sz="1100">
+                        <a:latin typeface="Calibri"/>
+                        <a:ea typeface="Calibri"/>
+                        <a:cs typeface="Times New Roman"/>
+                      </a:endParaRPr>
+                    </a:p>
+                  </a:txBody>
+                  <a:tcPr marL="68580" marR="68580" marT="0" marB="0" anchor="ctr">
+                    <a:lnL w="12700" cap="flat" cmpd="sng" algn="ctr">
+                      <a:solidFill>
+                        <a:srgbClr val="000000"/>
+                      </a:solidFill>
+                      <a:prstDash val="solid"/>
+                      <a:round/>
+                      <a:headEnd type="none" w="med" len="med"/>
+                      <a:tailEnd type="none" w="med" len="med"/>
+                    </a:lnL>
+                    <a:lnR w="12700" cap="flat" cmpd="sng" algn="ctr">
+                      <a:solidFill>
+                        <a:srgbClr val="000000"/>
+                      </a:solidFill>
+                      <a:prstDash val="solid"/>
+                      <a:round/>
+                      <a:headEnd type="none" w="med" len="med"/>
+                      <a:tailEnd type="none" w="med" len="med"/>
+                    </a:lnR>
+                    <a:lnT w="12700" cap="flat" cmpd="sng" algn="ctr">
+                      <a:solidFill>
+                        <a:srgbClr val="000000"/>
+                      </a:solidFill>
+                      <a:prstDash val="solid"/>
+                      <a:round/>
+                      <a:headEnd type="none" w="med" len="med"/>
+                      <a:tailEnd type="none" w="med" len="med"/>
+                    </a:lnT>
+                    <a:lnB w="12700" cap="flat" cmpd="sng" algn="ctr">
+                      <a:solidFill>
+                        <a:srgbClr val="000000"/>
+                      </a:solidFill>
+                      <a:prstDash val="solid"/>
+                      <a:round/>
+                      <a:headEnd type="none" w="med" len="med"/>
+                      <a:tailEnd type="none" w="med" len="med"/>
+                    </a:lnB>
+                  </a:tcPr>
+                </a:tc>
+                <a:tc>
+                  <a:txBody>
+                    <a:bodyPr/>
+                    <a:lstStyle/>
+                    <a:p>
+                      <a:pPr algn="ctr">
+                        <a:lnSpc>
+                          <a:spcPct val="115000"/>
+                        </a:lnSpc>
+                        <a:spcAft>
+                          <a:spcPts val="0"/>
+                        </a:spcAft>
+                      </a:pPr>
+                      <a:r>
+                        <a:rPr lang="en-US" sz="1100" kern="1400">
+                          <a:latin typeface="Calibri"/>
+                          <a:ea typeface="Calibri"/>
+                          <a:cs typeface="Times New Roman"/>
+                        </a:rPr>
+                        <a:t>70%</a:t>
+                      </a:r>
+                      <a:endParaRPr lang="fr-FR" sz="1100">
+                        <a:latin typeface="Calibri"/>
+                        <a:ea typeface="Calibri"/>
+                        <a:cs typeface="Times New Roman"/>
+                      </a:endParaRPr>
+                    </a:p>
+                  </a:txBody>
+                  <a:tcPr marL="68580" marR="68580" marT="0" marB="0" anchor="ctr">
+                    <a:lnL w="12700" cap="flat" cmpd="sng" algn="ctr">
+                      <a:solidFill>
+                        <a:srgbClr val="000000"/>
+                      </a:solidFill>
+                      <a:prstDash val="solid"/>
+                      <a:round/>
+                      <a:headEnd type="none" w="med" len="med"/>
+                      <a:tailEnd type="none" w="med" len="med"/>
+                    </a:lnL>
+                    <a:lnR w="12700" cap="flat" cmpd="sng" algn="ctr">
+                      <a:solidFill>
+                        <a:srgbClr val="000000"/>
+                      </a:solidFill>
+                      <a:prstDash val="solid"/>
+                      <a:round/>
+                      <a:headEnd type="none" w="med" len="med"/>
+                      <a:tailEnd type="none" w="med" len="med"/>
+                    </a:lnR>
+                    <a:lnT w="12700" cap="flat" cmpd="sng" algn="ctr">
+                      <a:solidFill>
+                        <a:srgbClr val="000000"/>
+                      </a:solidFill>
+                      <a:prstDash val="solid"/>
+                      <a:round/>
+                      <a:headEnd type="none" w="med" len="med"/>
+                      <a:tailEnd type="none" w="med" len="med"/>
+                    </a:lnT>
+                    <a:lnB w="12700" cap="flat" cmpd="sng" algn="ctr">
+                      <a:solidFill>
+                        <a:srgbClr val="000000"/>
+                      </a:solidFill>
+                      <a:prstDash val="solid"/>
+                      <a:round/>
+                      <a:headEnd type="none" w="med" len="med"/>
+                      <a:tailEnd type="none" w="med" len="med"/>
+                    </a:lnB>
+                  </a:tcPr>
+                </a:tc>
+                <a:tc>
+                  <a:txBody>
+                    <a:bodyPr/>
+                    <a:lstStyle/>
+                    <a:p>
+                      <a:pPr algn="ctr">
+                        <a:lnSpc>
+                          <a:spcPct val="115000"/>
+                        </a:lnSpc>
+                        <a:spcAft>
+                          <a:spcPts val="0"/>
+                        </a:spcAft>
+                      </a:pPr>
+                      <a:r>
+                        <a:rPr lang="en-US" sz="1100" kern="1400">
+                          <a:latin typeface="Calibri"/>
+                          <a:ea typeface="Calibri"/>
+                          <a:cs typeface="Times New Roman"/>
+                        </a:rPr>
+                        <a:t>70%</a:t>
+                      </a:r>
+                      <a:endParaRPr lang="fr-FR" sz="1100">
+                        <a:latin typeface="Calibri"/>
+                        <a:ea typeface="Calibri"/>
+                        <a:cs typeface="Times New Roman"/>
+                      </a:endParaRPr>
+                    </a:p>
+                  </a:txBody>
+                  <a:tcPr marL="68580" marR="68580" marT="0" marB="0" anchor="ctr">
+                    <a:lnL w="12700" cap="flat" cmpd="sng" algn="ctr">
+                      <a:solidFill>
+                        <a:srgbClr val="000000"/>
+                      </a:solidFill>
+                      <a:prstDash val="solid"/>
+                      <a:round/>
+                      <a:headEnd type="none" w="med" len="med"/>
+                      <a:tailEnd type="none" w="med" len="med"/>
+                    </a:lnL>
+                    <a:lnR w="12700" cap="flat" cmpd="sng" algn="ctr">
+                      <a:solidFill>
+                        <a:srgbClr val="000000"/>
+                      </a:solidFill>
+                      <a:prstDash val="solid"/>
+                      <a:round/>
+                      <a:headEnd type="none" w="med" len="med"/>
+                      <a:tailEnd type="none" w="med" len="med"/>
+                    </a:lnR>
+                    <a:lnT w="12700" cap="flat" cmpd="sng" algn="ctr">
+                      <a:solidFill>
+                        <a:srgbClr val="000000"/>
+                      </a:solidFill>
+                      <a:prstDash val="solid"/>
+                      <a:round/>
+                      <a:headEnd type="none" w="med" len="med"/>
+                      <a:tailEnd type="none" w="med" len="med"/>
+                    </a:lnT>
+                    <a:lnB w="12700" cap="flat" cmpd="sng" algn="ctr">
+                      <a:solidFill>
+                        <a:srgbClr val="000000"/>
+                      </a:solidFill>
+                      <a:prstDash val="solid"/>
+                      <a:round/>
+                      <a:headEnd type="none" w="med" len="med"/>
+                      <a:tailEnd type="none" w="med" len="med"/>
+                    </a:lnB>
+                  </a:tcPr>
+                </a:tc>
+              </a:tr>
+              <a:tr h="667713">
+                <a:tc>
+                  <a:txBody>
+                    <a:bodyPr/>
+                    <a:lstStyle/>
+                    <a:p>
+                      <a:pPr>
+                        <a:lnSpc>
+                          <a:spcPct val="115000"/>
+                        </a:lnSpc>
+                        <a:spcAft>
+                          <a:spcPts val="0"/>
+                        </a:spcAft>
+                      </a:pPr>
+                      <a:r>
+                        <a:rPr lang="en-US" sz="1100">
+                          <a:latin typeface="Calibri"/>
+                          <a:ea typeface="Calibri"/>
+                          <a:cs typeface="Times New Roman"/>
+                        </a:rPr>
+                        <a:t>DTW median and beginning detection</a:t>
+                      </a:r>
+                      <a:endParaRPr lang="fr-FR" sz="1100">
+                        <a:latin typeface="Calibri"/>
+                        <a:ea typeface="Calibri"/>
+                        <a:cs typeface="Times New Roman"/>
+                      </a:endParaRPr>
+                    </a:p>
+                  </a:txBody>
+                  <a:tcPr marL="68580" marR="68580" marT="0" marB="0">
+                    <a:lnL w="12700" cap="flat" cmpd="sng" algn="ctr">
+                      <a:solidFill>
+                        <a:srgbClr val="000000"/>
+                      </a:solidFill>
+                      <a:prstDash val="solid"/>
+                      <a:round/>
+                      <a:headEnd type="none" w="med" len="med"/>
+                      <a:tailEnd type="none" w="med" len="med"/>
+                    </a:lnL>
+                    <a:lnR w="12700" cap="flat" cmpd="sng" algn="ctr">
+                      <a:solidFill>
+                        <a:srgbClr val="000000"/>
+                      </a:solidFill>
+                      <a:prstDash val="solid"/>
+                      <a:round/>
+                      <a:headEnd type="none" w="med" len="med"/>
+                      <a:tailEnd type="none" w="med" len="med"/>
+                    </a:lnR>
+                    <a:lnT w="12700" cap="flat" cmpd="sng" algn="ctr">
+                      <a:solidFill>
+                        <a:srgbClr val="000000"/>
+                      </a:solidFill>
+                      <a:prstDash val="solid"/>
+                      <a:round/>
+                      <a:headEnd type="none" w="med" len="med"/>
+                      <a:tailEnd type="none" w="med" len="med"/>
+                    </a:lnT>
+                    <a:lnB w="12700" cap="flat" cmpd="sng" algn="ctr">
+                      <a:solidFill>
+                        <a:srgbClr val="000000"/>
+                      </a:solidFill>
+                      <a:prstDash val="solid"/>
+                      <a:round/>
+                      <a:headEnd type="none" w="med" len="med"/>
+                      <a:tailEnd type="none" w="med" len="med"/>
+                    </a:lnB>
+                  </a:tcPr>
+                </a:tc>
+                <a:tc>
+                  <a:txBody>
+                    <a:bodyPr/>
+                    <a:lstStyle/>
+                    <a:p>
+                      <a:pPr algn="ctr">
+                        <a:lnSpc>
+                          <a:spcPct val="115000"/>
+                        </a:lnSpc>
+                        <a:spcAft>
+                          <a:spcPts val="0"/>
+                        </a:spcAft>
+                      </a:pPr>
+                      <a:r>
+                        <a:rPr lang="en-US" sz="1100" kern="1400">
+                          <a:latin typeface="Calibri"/>
+                          <a:ea typeface="Calibri"/>
+                          <a:cs typeface="Times New Roman"/>
+                        </a:rPr>
+                        <a:t>85%</a:t>
+                      </a:r>
+                      <a:endParaRPr lang="fr-FR" sz="1100">
+                        <a:latin typeface="Calibri"/>
+                        <a:ea typeface="Calibri"/>
+                        <a:cs typeface="Times New Roman"/>
+                      </a:endParaRPr>
+                    </a:p>
+                  </a:txBody>
+                  <a:tcPr marL="68580" marR="68580" marT="0" marB="0" anchor="ctr">
+                    <a:lnL w="12700" cap="flat" cmpd="sng" algn="ctr">
+                      <a:solidFill>
+                        <a:srgbClr val="000000"/>
+                      </a:solidFill>
+                      <a:prstDash val="solid"/>
+                      <a:round/>
+                      <a:headEnd type="none" w="med" len="med"/>
+                      <a:tailEnd type="none" w="med" len="med"/>
+                    </a:lnL>
+                    <a:lnR w="12700" cap="flat" cmpd="sng" algn="ctr">
+                      <a:solidFill>
+                        <a:srgbClr val="000000"/>
+                      </a:solidFill>
+                      <a:prstDash val="solid"/>
+                      <a:round/>
+                      <a:headEnd type="none" w="med" len="med"/>
+                      <a:tailEnd type="none" w="med" len="med"/>
+                    </a:lnR>
+                    <a:lnT w="12700" cap="flat" cmpd="sng" algn="ctr">
+                      <a:solidFill>
+                        <a:srgbClr val="000000"/>
+                      </a:solidFill>
+                      <a:prstDash val="solid"/>
+                      <a:round/>
+                      <a:headEnd type="none" w="med" len="med"/>
+                      <a:tailEnd type="none" w="med" len="med"/>
+                    </a:lnT>
+                    <a:lnB w="12700" cap="flat" cmpd="sng" algn="ctr">
+                      <a:solidFill>
+                        <a:srgbClr val="000000"/>
+                      </a:solidFill>
+                      <a:prstDash val="solid"/>
+                      <a:round/>
+                      <a:headEnd type="none" w="med" len="med"/>
+                      <a:tailEnd type="none" w="med" len="med"/>
+                    </a:lnB>
+                  </a:tcPr>
+                </a:tc>
+                <a:tc>
+                  <a:txBody>
+                    <a:bodyPr/>
+                    <a:lstStyle/>
+                    <a:p>
+                      <a:pPr algn="ctr">
+                        <a:lnSpc>
+                          <a:spcPct val="115000"/>
+                        </a:lnSpc>
+                        <a:spcAft>
+                          <a:spcPts val="0"/>
+                        </a:spcAft>
+                      </a:pPr>
+                      <a:r>
+                        <a:rPr lang="en-US" sz="1100" kern="1400">
+                          <a:latin typeface="Calibri"/>
+                          <a:ea typeface="Calibri"/>
+                          <a:cs typeface="Times New Roman"/>
+                        </a:rPr>
+                        <a:t>85%</a:t>
+                      </a:r>
+                      <a:endParaRPr lang="fr-FR" sz="1100">
+                        <a:latin typeface="Calibri"/>
+                        <a:ea typeface="Calibri"/>
+                        <a:cs typeface="Times New Roman"/>
+                      </a:endParaRPr>
+                    </a:p>
+                  </a:txBody>
+                  <a:tcPr marL="68580" marR="68580" marT="0" marB="0" anchor="ctr">
+                    <a:lnL w="12700" cap="flat" cmpd="sng" algn="ctr">
+                      <a:solidFill>
+                        <a:srgbClr val="000000"/>
+                      </a:solidFill>
+                      <a:prstDash val="solid"/>
+                      <a:round/>
+                      <a:headEnd type="none" w="med" len="med"/>
+                      <a:tailEnd type="none" w="med" len="med"/>
+                    </a:lnL>
+                    <a:lnR w="12700" cap="flat" cmpd="sng" algn="ctr">
+                      <a:solidFill>
+                        <a:srgbClr val="000000"/>
+                      </a:solidFill>
+                      <a:prstDash val="solid"/>
+                      <a:round/>
+                      <a:headEnd type="none" w="med" len="med"/>
+                      <a:tailEnd type="none" w="med" len="med"/>
+                    </a:lnR>
+                    <a:lnT w="12700" cap="flat" cmpd="sng" algn="ctr">
+                      <a:solidFill>
+                        <a:srgbClr val="000000"/>
+                      </a:solidFill>
+                      <a:prstDash val="solid"/>
+                      <a:round/>
+                      <a:headEnd type="none" w="med" len="med"/>
+                      <a:tailEnd type="none" w="med" len="med"/>
+                    </a:lnT>
+                    <a:lnB w="12700" cap="flat" cmpd="sng" algn="ctr">
+                      <a:solidFill>
+                        <a:srgbClr val="000000"/>
+                      </a:solidFill>
+                      <a:prstDash val="solid"/>
+                      <a:round/>
+                      <a:headEnd type="none" w="med" len="med"/>
+                      <a:tailEnd type="none" w="med" len="med"/>
+                    </a:lnB>
+                  </a:tcPr>
+                </a:tc>
+                <a:tc>
+                  <a:txBody>
+                    <a:bodyPr/>
+                    <a:lstStyle/>
+                    <a:p>
+                      <a:pPr algn="ctr">
+                        <a:lnSpc>
+                          <a:spcPct val="115000"/>
+                        </a:lnSpc>
+                        <a:spcAft>
+                          <a:spcPts val="0"/>
+                        </a:spcAft>
+                      </a:pPr>
+                      <a:r>
+                        <a:rPr lang="en-US" sz="1100" kern="1400">
+                          <a:latin typeface="Calibri"/>
+                          <a:ea typeface="Calibri"/>
+                          <a:cs typeface="Times New Roman"/>
+                        </a:rPr>
+                        <a:t>98%</a:t>
+                      </a:r>
+                      <a:endParaRPr lang="fr-FR" sz="1100">
+                        <a:latin typeface="Calibri"/>
+                        <a:ea typeface="Calibri"/>
+                        <a:cs typeface="Times New Roman"/>
+                      </a:endParaRPr>
+                    </a:p>
+                  </a:txBody>
+                  <a:tcPr marL="68580" marR="68580" marT="0" marB="0" anchor="ctr">
+                    <a:lnL w="12700" cap="flat" cmpd="sng" algn="ctr">
+                      <a:solidFill>
+                        <a:srgbClr val="000000"/>
+                      </a:solidFill>
+                      <a:prstDash val="solid"/>
+                      <a:round/>
+                      <a:headEnd type="none" w="med" len="med"/>
+                      <a:tailEnd type="none" w="med" len="med"/>
+                    </a:lnL>
+                    <a:lnR w="12700" cap="flat" cmpd="sng" algn="ctr">
+                      <a:solidFill>
+                        <a:srgbClr val="000000"/>
+                      </a:solidFill>
+                      <a:prstDash val="solid"/>
+                      <a:round/>
+                      <a:headEnd type="none" w="med" len="med"/>
+                      <a:tailEnd type="none" w="med" len="med"/>
+                    </a:lnR>
+                    <a:lnT w="12700" cap="flat" cmpd="sng" algn="ctr">
+                      <a:solidFill>
+                        <a:srgbClr val="000000"/>
+                      </a:solidFill>
+                      <a:prstDash val="solid"/>
+                      <a:round/>
+                      <a:headEnd type="none" w="med" len="med"/>
+                      <a:tailEnd type="none" w="med" len="med"/>
+                    </a:lnT>
+                    <a:lnB w="12700" cap="flat" cmpd="sng" algn="ctr">
+                      <a:solidFill>
+                        <a:srgbClr val="000000"/>
+                      </a:solidFill>
+                      <a:prstDash val="solid"/>
+                      <a:round/>
+                      <a:headEnd type="none" w="med" len="med"/>
+                      <a:tailEnd type="none" w="med" len="med"/>
+                    </a:lnB>
+                  </a:tcPr>
+                </a:tc>
+                <a:tc>
+                  <a:txBody>
+                    <a:bodyPr/>
+                    <a:lstStyle/>
+                    <a:p>
+                      <a:pPr algn="ctr">
+                        <a:lnSpc>
+                          <a:spcPct val="115000"/>
+                        </a:lnSpc>
+                        <a:spcAft>
+                          <a:spcPts val="0"/>
+                        </a:spcAft>
+                      </a:pPr>
+                      <a:r>
+                        <a:rPr lang="en-US" sz="1100" kern="1400">
+                          <a:latin typeface="Calibri"/>
+                          <a:ea typeface="Calibri"/>
+                          <a:cs typeface="Times New Roman"/>
+                        </a:rPr>
+                        <a:t>65%</a:t>
+                      </a:r>
+                      <a:endParaRPr lang="fr-FR" sz="1100">
+                        <a:latin typeface="Calibri"/>
+                        <a:ea typeface="Calibri"/>
+                        <a:cs typeface="Times New Roman"/>
+                      </a:endParaRPr>
+                    </a:p>
+                  </a:txBody>
+                  <a:tcPr marL="68580" marR="68580" marT="0" marB="0" anchor="ctr">
+                    <a:lnL w="12700" cap="flat" cmpd="sng" algn="ctr">
+                      <a:solidFill>
+                        <a:srgbClr val="000000"/>
+                      </a:solidFill>
+                      <a:prstDash val="solid"/>
+                      <a:round/>
+                      <a:headEnd type="none" w="med" len="med"/>
+                      <a:tailEnd type="none" w="med" len="med"/>
+                    </a:lnL>
+                    <a:lnR w="12700" cap="flat" cmpd="sng" algn="ctr">
+                      <a:solidFill>
+                        <a:srgbClr val="000000"/>
+                      </a:solidFill>
+                      <a:prstDash val="solid"/>
+                      <a:round/>
+                      <a:headEnd type="none" w="med" len="med"/>
+                      <a:tailEnd type="none" w="med" len="med"/>
+                    </a:lnR>
+                    <a:lnT w="12700" cap="flat" cmpd="sng" algn="ctr">
+                      <a:solidFill>
+                        <a:srgbClr val="000000"/>
+                      </a:solidFill>
+                      <a:prstDash val="solid"/>
+                      <a:round/>
+                      <a:headEnd type="none" w="med" len="med"/>
+                      <a:tailEnd type="none" w="med" len="med"/>
+                    </a:lnT>
+                    <a:lnB w="12700" cap="flat" cmpd="sng" algn="ctr">
+                      <a:solidFill>
+                        <a:srgbClr val="000000"/>
+                      </a:solidFill>
+                      <a:prstDash val="solid"/>
+                      <a:round/>
+                      <a:headEnd type="none" w="med" len="med"/>
+                      <a:tailEnd type="none" w="med" len="med"/>
+                    </a:lnB>
+                  </a:tcPr>
+                </a:tc>
+              </a:tr>
+              <a:tr h="667713">
+                <a:tc>
+                  <a:txBody>
+                    <a:bodyPr/>
+                    <a:lstStyle/>
+                    <a:p>
+                      <a:pPr>
+                        <a:lnSpc>
+                          <a:spcPct val="115000"/>
+                        </a:lnSpc>
+                        <a:spcAft>
+                          <a:spcPts val="0"/>
+                        </a:spcAft>
+                      </a:pPr>
+                      <a:r>
+                        <a:rPr lang="en-US" sz="1100" kern="1400">
+                          <a:latin typeface="Calibri"/>
+                          <a:ea typeface="Calibri"/>
+                          <a:cs typeface="Times New Roman"/>
+                        </a:rPr>
+                        <a:t>DTW  global and beginning detection</a:t>
+                      </a:r>
+                      <a:endParaRPr lang="fr-FR" sz="1100">
+                        <a:latin typeface="Calibri"/>
+                        <a:ea typeface="Calibri"/>
+                        <a:cs typeface="Times New Roman"/>
+                      </a:endParaRPr>
+                    </a:p>
+                  </a:txBody>
+                  <a:tcPr marL="68580" marR="68580" marT="0" marB="0">
+                    <a:lnL w="12700" cap="flat" cmpd="sng" algn="ctr">
+                      <a:solidFill>
+                        <a:srgbClr val="000000"/>
+                      </a:solidFill>
+                      <a:prstDash val="solid"/>
+                      <a:round/>
+                      <a:headEnd type="none" w="med" len="med"/>
+                      <a:tailEnd type="none" w="med" len="med"/>
+                    </a:lnL>
+                    <a:lnR w="12700" cap="flat" cmpd="sng" algn="ctr">
+                      <a:solidFill>
+                        <a:srgbClr val="000000"/>
+                      </a:solidFill>
+                      <a:prstDash val="solid"/>
+                      <a:round/>
+                      <a:headEnd type="none" w="med" len="med"/>
+                      <a:tailEnd type="none" w="med" len="med"/>
+                    </a:lnR>
+                    <a:lnT w="12700" cap="flat" cmpd="sng" algn="ctr">
+                      <a:solidFill>
+                        <a:srgbClr val="000000"/>
+                      </a:solidFill>
+                      <a:prstDash val="solid"/>
+                      <a:round/>
+                      <a:headEnd type="none" w="med" len="med"/>
+                      <a:tailEnd type="none" w="med" len="med"/>
+                    </a:lnT>
+                    <a:lnB w="12700" cap="flat" cmpd="sng" algn="ctr">
+                      <a:solidFill>
+                        <a:srgbClr val="000000"/>
+                      </a:solidFill>
+                      <a:prstDash val="solid"/>
+                      <a:round/>
+                      <a:headEnd type="none" w="med" len="med"/>
+                      <a:tailEnd type="none" w="med" len="med"/>
+                    </a:lnB>
+                  </a:tcPr>
+                </a:tc>
+                <a:tc>
+                  <a:txBody>
+                    <a:bodyPr/>
+                    <a:lstStyle/>
+                    <a:p>
+                      <a:pPr algn="ctr">
+                        <a:lnSpc>
+                          <a:spcPct val="115000"/>
+                        </a:lnSpc>
+                        <a:spcAft>
+                          <a:spcPts val="0"/>
+                        </a:spcAft>
+                      </a:pPr>
+                      <a:r>
+                        <a:rPr lang="en-US" sz="1100" kern="1400">
+                          <a:latin typeface="Calibri"/>
+                          <a:ea typeface="Calibri"/>
+                          <a:cs typeface="Times New Roman"/>
+                        </a:rPr>
+                        <a:t>95%</a:t>
+                      </a:r>
+                      <a:endParaRPr lang="fr-FR" sz="1100">
+                        <a:latin typeface="Calibri"/>
+                        <a:ea typeface="Calibri"/>
+                        <a:cs typeface="Times New Roman"/>
+                      </a:endParaRPr>
+                    </a:p>
+                  </a:txBody>
+                  <a:tcPr marL="68580" marR="68580" marT="0" marB="0" anchor="ctr">
+                    <a:lnL w="12700" cap="flat" cmpd="sng" algn="ctr">
+                      <a:solidFill>
+                        <a:srgbClr val="000000"/>
+                      </a:solidFill>
+                      <a:prstDash val="solid"/>
+                      <a:round/>
+                      <a:headEnd type="none" w="med" len="med"/>
+                      <a:tailEnd type="none" w="med" len="med"/>
+                    </a:lnL>
+                    <a:lnR w="12700" cap="flat" cmpd="sng" algn="ctr">
+                      <a:solidFill>
+                        <a:srgbClr val="000000"/>
+                      </a:solidFill>
+                      <a:prstDash val="solid"/>
+                      <a:round/>
+                      <a:headEnd type="none" w="med" len="med"/>
+                      <a:tailEnd type="none" w="med" len="med"/>
+                    </a:lnR>
+                    <a:lnT w="12700" cap="flat" cmpd="sng" algn="ctr">
+                      <a:solidFill>
+                        <a:srgbClr val="000000"/>
+                      </a:solidFill>
+                      <a:prstDash val="solid"/>
+                      <a:round/>
+                      <a:headEnd type="none" w="med" len="med"/>
+                      <a:tailEnd type="none" w="med" len="med"/>
+                    </a:lnT>
+                    <a:lnB w="12700" cap="flat" cmpd="sng" algn="ctr">
+                      <a:solidFill>
+                        <a:srgbClr val="000000"/>
+                      </a:solidFill>
+                      <a:prstDash val="solid"/>
+                      <a:round/>
+                      <a:headEnd type="none" w="med" len="med"/>
+                      <a:tailEnd type="none" w="med" len="med"/>
+                    </a:lnB>
+                  </a:tcPr>
+                </a:tc>
+                <a:tc>
+                  <a:txBody>
+                    <a:bodyPr/>
+                    <a:lstStyle/>
+                    <a:p>
+                      <a:pPr algn="ctr">
+                        <a:lnSpc>
+                          <a:spcPct val="115000"/>
+                        </a:lnSpc>
+                        <a:spcAft>
+                          <a:spcPts val="0"/>
+                        </a:spcAft>
+                      </a:pPr>
+                      <a:r>
+                        <a:rPr lang="en-US" sz="1100" kern="1400">
+                          <a:latin typeface="Calibri"/>
+                          <a:ea typeface="Calibri"/>
+                          <a:cs typeface="Times New Roman"/>
+                        </a:rPr>
+                        <a:t>90%</a:t>
+                      </a:r>
+                      <a:endParaRPr lang="fr-FR" sz="1100">
+                        <a:latin typeface="Calibri"/>
+                        <a:ea typeface="Calibri"/>
+                        <a:cs typeface="Times New Roman"/>
+                      </a:endParaRPr>
+                    </a:p>
+                  </a:txBody>
+                  <a:tcPr marL="68580" marR="68580" marT="0" marB="0" anchor="ctr">
+                    <a:lnL w="12700" cap="flat" cmpd="sng" algn="ctr">
+                      <a:solidFill>
+                        <a:srgbClr val="000000"/>
+                      </a:solidFill>
+                      <a:prstDash val="solid"/>
+                      <a:round/>
+                      <a:headEnd type="none" w="med" len="med"/>
+                      <a:tailEnd type="none" w="med" len="med"/>
+                    </a:lnL>
+                    <a:lnR w="12700" cap="flat" cmpd="sng" algn="ctr">
+                      <a:solidFill>
+                        <a:srgbClr val="000000"/>
+                      </a:solidFill>
+                      <a:prstDash val="solid"/>
+                      <a:round/>
+                      <a:headEnd type="none" w="med" len="med"/>
+                      <a:tailEnd type="none" w="med" len="med"/>
+                    </a:lnR>
+                    <a:lnT w="12700" cap="flat" cmpd="sng" algn="ctr">
+                      <a:solidFill>
+                        <a:srgbClr val="000000"/>
+                      </a:solidFill>
+                      <a:prstDash val="solid"/>
+                      <a:round/>
+                      <a:headEnd type="none" w="med" len="med"/>
+                      <a:tailEnd type="none" w="med" len="med"/>
+                    </a:lnT>
+                    <a:lnB w="12700" cap="flat" cmpd="sng" algn="ctr">
+                      <a:solidFill>
+                        <a:srgbClr val="000000"/>
+                      </a:solidFill>
+                      <a:prstDash val="solid"/>
+                      <a:round/>
+                      <a:headEnd type="none" w="med" len="med"/>
+                      <a:tailEnd type="none" w="med" len="med"/>
+                    </a:lnB>
+                  </a:tcPr>
+                </a:tc>
+                <a:tc>
+                  <a:txBody>
+                    <a:bodyPr/>
+                    <a:lstStyle/>
+                    <a:p>
+                      <a:pPr algn="ctr">
+                        <a:lnSpc>
+                          <a:spcPct val="115000"/>
+                        </a:lnSpc>
+                        <a:spcAft>
+                          <a:spcPts val="0"/>
+                        </a:spcAft>
+                      </a:pPr>
+                      <a:r>
+                        <a:rPr lang="en-US" sz="1100" kern="1400">
+                          <a:latin typeface="Calibri"/>
+                          <a:ea typeface="Calibri"/>
+                          <a:cs typeface="Times New Roman"/>
+                        </a:rPr>
+                        <a:t>98%</a:t>
+                      </a:r>
+                      <a:endParaRPr lang="fr-FR" sz="1100">
+                        <a:latin typeface="Calibri"/>
+                        <a:ea typeface="Calibri"/>
+                        <a:cs typeface="Times New Roman"/>
+                      </a:endParaRPr>
+                    </a:p>
+                  </a:txBody>
+                  <a:tcPr marL="68580" marR="68580" marT="0" marB="0" anchor="ctr">
+                    <a:lnL w="12700" cap="flat" cmpd="sng" algn="ctr">
+                      <a:solidFill>
+                        <a:srgbClr val="000000"/>
+                      </a:solidFill>
+                      <a:prstDash val="solid"/>
+                      <a:round/>
+                      <a:headEnd type="none" w="med" len="med"/>
+                      <a:tailEnd type="none" w="med" len="med"/>
+                    </a:lnL>
+                    <a:lnR w="12700" cap="flat" cmpd="sng" algn="ctr">
+                      <a:solidFill>
+                        <a:srgbClr val="000000"/>
+                      </a:solidFill>
+                      <a:prstDash val="solid"/>
+                      <a:round/>
+                      <a:headEnd type="none" w="med" len="med"/>
+                      <a:tailEnd type="none" w="med" len="med"/>
+                    </a:lnR>
+                    <a:lnT w="12700" cap="flat" cmpd="sng" algn="ctr">
+                      <a:solidFill>
+                        <a:srgbClr val="000000"/>
+                      </a:solidFill>
+                      <a:prstDash val="solid"/>
+                      <a:round/>
+                      <a:headEnd type="none" w="med" len="med"/>
+                      <a:tailEnd type="none" w="med" len="med"/>
+                    </a:lnT>
+                    <a:lnB w="12700" cap="flat" cmpd="sng" algn="ctr">
+                      <a:solidFill>
+                        <a:srgbClr val="000000"/>
+                      </a:solidFill>
+                      <a:prstDash val="solid"/>
+                      <a:round/>
+                      <a:headEnd type="none" w="med" len="med"/>
+                      <a:tailEnd type="none" w="med" len="med"/>
+                    </a:lnB>
+                  </a:tcPr>
+                </a:tc>
+                <a:tc>
+                  <a:txBody>
+                    <a:bodyPr/>
+                    <a:lstStyle/>
+                    <a:p>
+                      <a:pPr algn="ctr">
+                        <a:lnSpc>
+                          <a:spcPct val="115000"/>
+                        </a:lnSpc>
+                        <a:spcAft>
+                          <a:spcPts val="0"/>
+                        </a:spcAft>
+                      </a:pPr>
+                      <a:r>
+                        <a:rPr lang="en-US" sz="1100" kern="1400" dirty="0">
+                          <a:latin typeface="Calibri"/>
+                          <a:ea typeface="Calibri"/>
+                          <a:cs typeface="Times New Roman"/>
+                        </a:rPr>
+                        <a:t>85%</a:t>
+                      </a:r>
+                      <a:endParaRPr lang="fr-FR" sz="1100" dirty="0">
+                        <a:latin typeface="Calibri"/>
+                        <a:ea typeface="Calibri"/>
+                        <a:cs typeface="Times New Roman"/>
+                      </a:endParaRPr>
+                    </a:p>
+                  </a:txBody>
+                  <a:tcPr marL="68580" marR="68580" marT="0" marB="0" anchor="ctr">
+                    <a:lnL w="12700" cap="flat" cmpd="sng" algn="ctr">
+                      <a:solidFill>
+                        <a:srgbClr val="000000"/>
+                      </a:solidFill>
+                      <a:prstDash val="solid"/>
+                      <a:round/>
+                      <a:headEnd type="none" w="med" len="med"/>
+                      <a:tailEnd type="none" w="med" len="med"/>
+                    </a:lnL>
+                    <a:lnR w="12700" cap="flat" cmpd="sng" algn="ctr">
+                      <a:solidFill>
+                        <a:srgbClr val="000000"/>
+                      </a:solidFill>
+                      <a:prstDash val="solid"/>
+                      <a:round/>
+                      <a:headEnd type="none" w="med" len="med"/>
+                      <a:tailEnd type="none" w="med" len="med"/>
+                    </a:lnR>
+                    <a:lnT w="12700" cap="flat" cmpd="sng" algn="ctr">
+                      <a:solidFill>
+                        <a:srgbClr val="000000"/>
+                      </a:solidFill>
+                      <a:prstDash val="solid"/>
+                      <a:round/>
+                      <a:headEnd type="none" w="med" len="med"/>
+                      <a:tailEnd type="none" w="med" len="med"/>
+                    </a:lnT>
+                    <a:lnB w="12700" cap="flat" cmpd="sng" algn="ctr">
+                      <a:solidFill>
+                        <a:srgbClr val="000000"/>
+                      </a:solidFill>
+                      <a:prstDash val="solid"/>
+                      <a:round/>
+                      <a:headEnd type="none" w="med" len="med"/>
+                      <a:tailEnd type="none" w="med" len="med"/>
+                    </a:lnB>
+                  </a:tcPr>
+                </a:tc>
+              </a:tr>
+            </a:tbl>
+          </a:graphicData>
+        </a:graphic>
+      </p:graphicFrame>
       <p:sp>
         <p:nvSpPr>
           <p:cNvPr id="5" name="Slide Number Placeholder 4"/>
@@ -13432,9 +17167,44 @@
           </a:xfrm>
         </p:spPr>
         <p:txBody>
-          <a:bodyPr/>
-          <a:lstStyle/>
-          <a:p>
+          <a:bodyPr>
+            <a:normAutofit/>
+          </a:bodyPr>
+          <a:lstStyle/>
+          <a:p>
+            <a:endParaRPr lang="en-US" dirty="0" smtClean="0"/>
+          </a:p>
+          <a:p>
+            <a:r>
+              <a:rPr lang="en-US" dirty="0" smtClean="0"/>
+              <a:t>Home </a:t>
+            </a:r>
+            <a:r>
+              <a:rPr lang="en-US" dirty="0" smtClean="0"/>
+              <a:t>automation </a:t>
+            </a:r>
+            <a:r>
+              <a:rPr lang="en-US" dirty="0" smtClean="0"/>
+              <a:t>system</a:t>
+            </a:r>
+          </a:p>
+          <a:p>
+            <a:endParaRPr lang="en-US" dirty="0" smtClean="0"/>
+          </a:p>
+          <a:p>
+            <a:r>
+              <a:rPr lang="en-US" dirty="0" smtClean="0"/>
+              <a:t>Disable persons</a:t>
+            </a:r>
+          </a:p>
+          <a:p>
+            <a:endParaRPr lang="en-US" dirty="0" smtClean="0"/>
+          </a:p>
+          <a:p>
+            <a:r>
+              <a:rPr lang="en-US" dirty="0" smtClean="0"/>
+              <a:t>Games</a:t>
+            </a:r>
             <a:endParaRPr lang="fr-FR" dirty="0"/>
           </a:p>
         </p:txBody>
@@ -13514,7 +17284,7 @@
           <p:nvPr/>
         </p:nvPicPr>
         <p:blipFill>
-          <a:blip r:embed="rId2" cstate="print"/>
+          <a:blip r:embed="rId3" cstate="print"/>
           <a:srcRect/>
           <a:stretch>
             <a:fillRect/>
@@ -14227,7 +17997,7 @@
           <p:nvPr/>
         </p:nvPicPr>
         <p:blipFill>
-          <a:blip r:embed="rId2" cstate="print"/>
+          <a:blip r:embed="rId3" cstate="print"/>
           <a:srcRect l="28409" t="27019" r="24341" b="25942"/>
           <a:stretch>
             <a:fillRect/>
@@ -14910,7 +18680,7 @@
           <p:nvPr/>
         </p:nvPicPr>
         <p:blipFill>
-          <a:blip r:embed="rId2" cstate="print"/>
+          <a:blip r:embed="rId3" cstate="print"/>
           <a:srcRect/>
           <a:stretch>
             <a:fillRect/>
@@ -15593,7 +19363,7 @@
           <p:nvPr/>
         </p:nvPicPr>
         <p:blipFill>
-          <a:blip r:embed="rId2" cstate="print"/>
+          <a:blip r:embed="rId3" cstate="print"/>
           <a:srcRect/>
           <a:stretch>
             <a:fillRect/>
@@ -16267,6 +20037,32 @@
           </a:p>
         </p:txBody>
       </p:sp>
+      <p:pic>
+        <p:nvPicPr>
+          <p:cNvPr id="10242" name="Picture 2" descr="https://github.com/jeando/projetS7/blob/master/annexes/ihm/Capture%20du%202013-01-22%2011:23:13.png?raw=true"/>
+          <p:cNvPicPr>
+            <a:picLocks noChangeAspect="1" noChangeArrowheads="1"/>
+          </p:cNvPicPr>
+          <p:nvPr/>
+        </p:nvPicPr>
+        <p:blipFill>
+          <a:blip r:embed="rId3" cstate="print"/>
+          <a:srcRect l="11340" t="16800" r="32905" b="13481"/>
+          <a:stretch>
+            <a:fillRect/>
+          </a:stretch>
+        </p:blipFill>
+        <p:spPr bwMode="auto">
+          <a:xfrm>
+            <a:off x="2771800" y="1340768"/>
+            <a:ext cx="6039996" cy="4248472"/>
+          </a:xfrm>
+          <a:prstGeom prst="rect">
+            <a:avLst/>
+          </a:prstGeom>
+          <a:noFill/>
+        </p:spPr>
+      </p:pic>
     </p:spTree>
   </p:cSld>
   <p:clrMapOvr>
@@ -16926,7 +20722,7 @@
       </p:sp>
       <p:pic>
         <p:nvPicPr>
-          <p:cNvPr id="17" name="Picture 2" descr="G:\Capture du 2013-01-18 11_44_55.png"/>
+          <p:cNvPr id="8194" name="Picture 2" descr="https://github.com/jeando/projetS7/blob/master/annexes/ihm/arbre.png?raw=true"/>
           <p:cNvPicPr>
             <a:picLocks noChangeAspect="1" noChangeArrowheads="1"/>
           </p:cNvPicPr>
@@ -16934,15 +20730,15 @@
         </p:nvPicPr>
         <p:blipFill>
           <a:blip r:embed="rId3" cstate="print"/>
-          <a:srcRect l="4326" t="13601" r="5113"/>
+          <a:srcRect l="3937" t="13440" r="5344"/>
           <a:stretch>
             <a:fillRect/>
           </a:stretch>
         </p:blipFill>
         <p:spPr bwMode="auto">
           <a:xfrm>
-            <a:off x="2699792" y="2276872"/>
-            <a:ext cx="6306483" cy="3384376"/>
+            <a:off x="2987824" y="2132856"/>
+            <a:ext cx="5904656" cy="3169117"/>
           </a:xfrm>
           <a:prstGeom prst="rect">
             <a:avLst/>
@@ -17126,7 +20922,6 @@
               <a:rPr lang="en-US" dirty="0" smtClean="0"/>
               <a:t>End:</a:t>
             </a:r>
-            <a:endParaRPr lang="en-US" dirty="0" smtClean="0"/>
           </a:p>
         </p:txBody>
       </p:sp>
@@ -17643,7 +21438,7 @@
           <p:nvPr/>
         </p:nvPicPr>
         <p:blipFill>
-          <a:blip r:embed="rId2" cstate="print"/>
+          <a:blip r:embed="rId3" cstate="print"/>
           <a:srcRect/>
           <a:stretch>
             <a:fillRect/>
@@ -17669,7 +21464,7 @@
           <p:nvPr/>
         </p:nvPicPr>
         <p:blipFill>
-          <a:blip r:embed="rId3" cstate="print"/>
+          <a:blip r:embed="rId4" cstate="print"/>
           <a:srcRect/>
           <a:stretch>
             <a:fillRect/>
@@ -17755,7 +21550,9 @@
         </p:nvSpPr>
         <p:spPr/>
         <p:txBody>
-          <a:bodyPr/>
+          <a:bodyPr>
+            <a:normAutofit/>
+          </a:bodyPr>
           <a:lstStyle/>
           <a:p>
             <a:pPr marL="571500" indent="-571500"/>
@@ -17831,7 +21628,9 @@
           </a:xfrm>
         </p:spPr>
         <p:txBody>
-          <a:bodyPr/>
+          <a:bodyPr>
+            <a:normAutofit/>
+          </a:bodyPr>
           <a:lstStyle/>
           <a:p>
             <a:pPr>
@@ -17852,12 +21651,6 @@
             <a:pPr>
               <a:buNone/>
             </a:pPr>
-            <a:endParaRPr lang="en-US" dirty="0" smtClean="0"/>
-          </a:p>
-          <a:p>
-            <a:pPr>
-              <a:buNone/>
-            </a:pPr>
             <a:r>
               <a:rPr lang="en-US" dirty="0" smtClean="0"/>
               <a:t>Waiting:</a:t>
@@ -17873,12 +21666,22 @@
             <a:pPr>
               <a:buNone/>
             </a:pPr>
-            <a:endParaRPr lang="en-US" dirty="0" smtClean="0"/>
+            <a:r>
+              <a:rPr lang="en-US" dirty="0" smtClean="0"/>
+              <a:t>Wall:</a:t>
+            </a:r>
           </a:p>
           <a:p>
             <a:pPr>
               <a:buNone/>
             </a:pPr>
+            <a:r>
+              <a:rPr lang="en-US" dirty="0" smtClean="0"/>
+              <a:t/>
+            </a:r>
+            <a:br>
+              <a:rPr lang="en-US" dirty="0" smtClean="0"/>
+            </a:br>
             <a:endParaRPr lang="en-US" dirty="0" smtClean="0"/>
           </a:p>
           <a:p>
@@ -17887,9 +21690,8 @@
             </a:pPr>
             <a:r>
               <a:rPr lang="en-US" dirty="0" smtClean="0"/>
-              <a:t>Wall:</a:t>
-            </a:r>
-            <a:endParaRPr lang="en-US" dirty="0" smtClean="0"/>
+              <a:t>Fire:</a:t>
+            </a:r>
           </a:p>
         </p:txBody>
       </p:sp>
@@ -18406,16 +22208,16 @@
           <p:nvPr/>
         </p:nvPicPr>
         <p:blipFill>
-          <a:blip r:embed="rId2" cstate="print"/>
-          <a:srcRect l="31635" t="35059" r="43181" b="22467"/>
+          <a:blip r:embed="rId3" cstate="print"/>
+          <a:srcRect l="36079" t="40055" r="46144" b="27463"/>
           <a:stretch>
             <a:fillRect/>
           </a:stretch>
         </p:blipFill>
         <p:spPr bwMode="auto">
           <a:xfrm>
-            <a:off x="5004048" y="3212976"/>
-            <a:ext cx="1224136" cy="1224136"/>
+            <a:off x="5220072" y="2852936"/>
+            <a:ext cx="864096" cy="936104"/>
           </a:xfrm>
           <a:prstGeom prst="rect">
             <a:avLst/>
@@ -18432,16 +22234,16 @@
           <p:nvPr/>
         </p:nvPicPr>
         <p:blipFill>
-          <a:blip r:embed="rId3" cstate="print"/>
-          <a:srcRect l="36084" t="22915" r="41290" b="33820"/>
+          <a:blip r:embed="rId4" cstate="print"/>
+          <a:srcRect l="40077" t="34301" r="43952" b="33820"/>
           <a:stretch>
             <a:fillRect/>
           </a:stretch>
         </p:blipFill>
         <p:spPr bwMode="auto">
           <a:xfrm>
-            <a:off x="5004048" y="4653136"/>
-            <a:ext cx="1224136" cy="1368152"/>
+            <a:off x="4644008" y="3861048"/>
+            <a:ext cx="864096" cy="1008112"/>
           </a:xfrm>
           <a:prstGeom prst="rect">
             <a:avLst/>
@@ -18458,16 +22260,42 @@
           <p:nvPr/>
         </p:nvPicPr>
         <p:blipFill>
-          <a:blip r:embed="rId4" cstate="print"/>
-          <a:srcRect l="38263" t="53289" r="57229" b="38227"/>
+          <a:blip r:embed="rId5" cstate="print"/>
+          <a:srcRect l="39058" t="55174" r="58025" b="39170"/>
           <a:stretch>
             <a:fillRect/>
           </a:stretch>
         </p:blipFill>
         <p:spPr bwMode="auto">
           <a:xfrm>
-            <a:off x="5004048" y="1844824"/>
-            <a:ext cx="1224136" cy="1296144"/>
+            <a:off x="5220072" y="1844824"/>
+            <a:ext cx="792088" cy="864096"/>
+          </a:xfrm>
+          <a:prstGeom prst="rect">
+            <a:avLst/>
+          </a:prstGeom>
+          <a:noFill/>
+        </p:spPr>
+      </p:pic>
+      <p:pic>
+        <p:nvPicPr>
+          <p:cNvPr id="5122" name="Picture 2" descr="https://github.com/jeando/projetS7/blob/master/annexes/ihm/arbre.png?raw=true"/>
+          <p:cNvPicPr>
+            <a:picLocks noChangeAspect="1" noChangeArrowheads="1"/>
+          </p:cNvPicPr>
+          <p:nvPr/>
+        </p:nvPicPr>
+        <p:blipFill>
+          <a:blip r:embed="rId6" cstate="print"/>
+          <a:srcRect l="24163" t="68572" r="70929" b="25738"/>
+          <a:stretch>
+            <a:fillRect/>
+          </a:stretch>
+        </p:blipFill>
+        <p:spPr bwMode="auto">
+          <a:xfrm>
+            <a:off x="4499992" y="5013176"/>
+            <a:ext cx="1656184" cy="1080120"/>
           </a:xfrm>
           <a:prstGeom prst="rect">
             <a:avLst/>
@@ -18550,7 +22378,53 @@
           <a:bodyPr/>
           <a:lstStyle/>
           <a:p>
-            <a:endParaRPr lang="fr-FR" dirty="0"/>
+            <a:endParaRPr lang="en-US" dirty="0" smtClean="0"/>
+          </a:p>
+          <a:p>
+            <a:r>
+              <a:rPr lang="en-US" dirty="0" smtClean="0"/>
+              <a:t>Interesting </a:t>
+            </a:r>
+            <a:r>
+              <a:rPr lang="en-US" dirty="0" smtClean="0"/>
+              <a:t>project</a:t>
+            </a:r>
+          </a:p>
+          <a:p>
+            <a:endParaRPr lang="en-US" dirty="0" smtClean="0"/>
+          </a:p>
+          <a:p>
+            <a:r>
+              <a:rPr lang="en-US" dirty="0" smtClean="0"/>
+              <a:t>Apply our courses(TNS, </a:t>
+            </a:r>
+            <a:r>
+              <a:rPr lang="en-US" dirty="0" err="1" smtClean="0"/>
+              <a:t>Infographie</a:t>
+            </a:r>
+            <a:r>
+              <a:rPr lang="en-US" dirty="0" smtClean="0"/>
+              <a:t>, C++)</a:t>
+            </a:r>
+          </a:p>
+          <a:p>
+            <a:endParaRPr lang="en-US" dirty="0" smtClean="0"/>
+          </a:p>
+          <a:p>
+            <a:r>
+              <a:rPr lang="en-US" dirty="0" smtClean="0"/>
+              <a:t>Deepen our knowledge</a:t>
+            </a:r>
+          </a:p>
+          <a:p>
+            <a:endParaRPr lang="en-US" dirty="0" smtClean="0"/>
+          </a:p>
+          <a:p>
+            <a:r>
+              <a:rPr lang="en-US" dirty="0" smtClean="0"/>
+              <a:t>Others ameliorations ?</a:t>
+            </a:r>
+            <a:endParaRPr lang="en-US" dirty="0" smtClean="0"/>
           </a:p>
         </p:txBody>
       </p:sp>
@@ -18629,7 +22503,7 @@
           <p:nvPr/>
         </p:nvPicPr>
         <p:blipFill>
-          <a:blip r:embed="rId2" cstate="print"/>
+          <a:blip r:embed="rId3" cstate="print"/>
           <a:srcRect/>
           <a:stretch>
             <a:fillRect/>
@@ -18878,7 +22752,7 @@
           <p:nvPr/>
         </p:nvPicPr>
         <p:blipFill>
-          <a:blip r:embed="rId2" cstate="print"/>
+          <a:blip r:embed="rId3" cstate="print"/>
           <a:srcRect/>
           <a:stretch>
             <a:fillRect/>
@@ -19314,7 +23188,7 @@
           <p:nvPr/>
         </p:nvPicPr>
         <p:blipFill>
-          <a:blip r:embed="rId2" cstate="print"/>
+          <a:blip r:embed="rId3" cstate="print"/>
           <a:srcRect/>
           <a:stretch>
             <a:fillRect/>
@@ -19432,6 +23306,13 @@
           <a:bodyPr/>
           <a:lstStyle/>
           <a:p>
+            <a:pPr>
+              <a:buNone/>
+            </a:pPr>
+            <a:r>
+              <a:rPr lang="fr-FR" dirty="0" smtClean="0"/>
+              <a:t> </a:t>
+            </a:r>
             <a:endParaRPr lang="fr-FR" dirty="0"/>
           </a:p>
         </p:txBody>
@@ -20088,7 +23969,7 @@
           <p:nvPr/>
         </p:nvPicPr>
         <p:blipFill>
-          <a:blip r:embed="rId2" cstate="print"/>
+          <a:blip r:embed="rId3" cstate="print"/>
           <a:srcRect/>
           <a:stretch>
             <a:fillRect/>
@@ -20152,7 +24033,7 @@
           <p:nvPr/>
         </p:nvPicPr>
         <p:blipFill>
-          <a:blip r:embed="rId3" cstate="print">
+          <a:blip r:embed="rId4" cstate="print">
             <a:clrChange>
               <a:clrFrom>
                 <a:srgbClr val="FFFFFF"/>
@@ -20253,7 +24134,7 @@
           <p:nvPr/>
         </p:nvPicPr>
         <p:blipFill>
-          <a:blip r:embed="rId4" cstate="print"/>
+          <a:blip r:embed="rId5" cstate="print"/>
           <a:srcRect/>
           <a:stretch>
             <a:fillRect/>
@@ -21560,7 +25441,7 @@
           <p:nvPr/>
         </p:nvPicPr>
         <p:blipFill>
-          <a:blip r:embed="rId2" cstate="print">
+          <a:blip r:embed="rId3" cstate="print">
             <a:clrChange>
               <a:clrFrom>
                 <a:srgbClr val="FFFFFF"/>
@@ -21664,7 +25545,7 @@
         </p:xfrm>
         <a:graphic>
           <a:graphicData uri="http://schemas.openxmlformats.org/drawingml/2006/chart">
-            <c:chart xmlns:c="http://schemas.openxmlformats.org/drawingml/2006/chart" xmlns:r="http://schemas.openxmlformats.org/officeDocument/2006/relationships" r:id="rId3"/>
+            <c:chart xmlns:c="http://schemas.openxmlformats.org/drawingml/2006/chart" xmlns:r="http://schemas.openxmlformats.org/officeDocument/2006/relationships" r:id="rId4"/>
           </a:graphicData>
         </a:graphic>
       </p:graphicFrame>
@@ -22350,7 +26231,7 @@
           <p:nvPr/>
         </p:nvPicPr>
         <p:blipFill>
-          <a:blip r:embed="rId2" cstate="print"/>
+          <a:blip r:embed="rId3" cstate="print"/>
           <a:srcRect/>
           <a:stretch>
             <a:fillRect/>
@@ -23030,7 +26911,7 @@
           <p:nvPr/>
         </p:nvPicPr>
         <p:blipFill>
-          <a:blip r:embed="rId2" cstate="print"/>
+          <a:blip r:embed="rId3" cstate="print"/>
           <a:srcRect/>
           <a:stretch>
             <a:fillRect/>
@@ -23062,7 +26943,7 @@
           <p:nvPr/>
         </p:nvPicPr>
         <p:blipFill>
-          <a:blip r:embed="rId3" cstate="print"/>
+          <a:blip r:embed="rId4" cstate="print"/>
           <a:srcRect/>
           <a:stretch>
             <a:fillRect/>

--- a/annexes/Word_recognition.pptx
+++ b/annexes/Word_recognition.pptx
@@ -5,7 +5,7 @@
     <p:sldMasterId id="2147483684" r:id="rId1"/>
   </p:sldMasterIdLst>
   <p:notesMasterIdLst>
-    <p:notesMasterId r:id="rId32"/>
+    <p:notesMasterId r:id="rId33"/>
   </p:notesMasterIdLst>
   <p:sldIdLst>
     <p:sldId id="256" r:id="rId2"/>
@@ -34,10 +34,11 @@
     <p:sldId id="281" r:id="rId25"/>
     <p:sldId id="280" r:id="rId26"/>
     <p:sldId id="285" r:id="rId27"/>
-    <p:sldId id="260" r:id="rId28"/>
-    <p:sldId id="277" r:id="rId29"/>
-    <p:sldId id="276" r:id="rId30"/>
-    <p:sldId id="274" r:id="rId31"/>
+    <p:sldId id="286" r:id="rId28"/>
+    <p:sldId id="260" r:id="rId29"/>
+    <p:sldId id="277" r:id="rId30"/>
+    <p:sldId id="276" r:id="rId31"/>
+    <p:sldId id="274" r:id="rId32"/>
   </p:sldIdLst>
   <p:sldSz cx="9144000" cy="6858000" type="screen4x3"/>
   <p:notesSz cx="6858000" cy="9144000"/>
@@ -2364,6 +2365,28 @@
               <a:rPr lang="fr-FR" dirty="0" smtClean="0"/>
               <a:t>M</a:t>
             </a:r>
+          </a:p>
+          <a:p>
+            <a:r>
+              <a:rPr lang="fr-FR" dirty="0" err="1" smtClean="0"/>
+              <a:t>Begining</a:t>
+            </a:r>
+            <a:r>
+              <a:rPr lang="fr-FR" dirty="0" smtClean="0"/>
+              <a:t>: </a:t>
+            </a:r>
+            <a:r>
+              <a:rPr lang="fr-FR" dirty="0" err="1" smtClean="0"/>
+              <a:t>difference</a:t>
+            </a:r>
+            <a:r>
+              <a:rPr lang="fr-FR" dirty="0" smtClean="0"/>
+              <a:t> of </a:t>
+            </a:r>
+            <a:r>
+              <a:rPr lang="fr-FR" dirty="0" err="1" smtClean="0"/>
+              <a:t>energy</a:t>
+            </a:r>
             <a:endParaRPr lang="fr-FR" dirty="0"/>
           </a:p>
         </p:txBody>
@@ -3334,23 +3357,11 @@
           <a:p>
             <a:r>
               <a:rPr lang="fr-FR" dirty="0" smtClean="0"/>
-              <a:t>Use of </a:t>
-            </a:r>
-            <a:r>
-              <a:rPr lang="fr-FR" dirty="0" err="1" smtClean="0"/>
-              <a:t>GitHub</a:t>
+              <a:t>Multi </a:t>
             </a:r>
             <a:r>
               <a:rPr lang="fr-FR" dirty="0" smtClean="0"/>
-              <a:t> (</a:t>
-            </a:r>
-            <a:r>
-              <a:rPr lang="fr-FR" dirty="0" err="1" smtClean="0"/>
-              <a:t>revision</a:t>
-            </a:r>
-            <a:r>
-              <a:rPr lang="fr-FR" baseline="0" dirty="0" smtClean="0"/>
-              <a:t> control)</a:t>
+              <a:t>thread / synchronisation</a:t>
             </a:r>
             <a:endParaRPr lang="fr-FR" dirty="0"/>
           </a:p>
@@ -3438,6 +3449,45 @@
               <a:rPr lang="fr-FR" dirty="0" smtClean="0"/>
               <a:t>M</a:t>
             </a:r>
+          </a:p>
+          <a:p>
+            <a:r>
+              <a:rPr lang="fr-FR" dirty="0" smtClean="0"/>
+              <a:t>Use of </a:t>
+            </a:r>
+            <a:r>
+              <a:rPr lang="fr-FR" dirty="0" err="1" smtClean="0"/>
+              <a:t>GitHub</a:t>
+            </a:r>
+            <a:r>
+              <a:rPr lang="fr-FR" dirty="0" smtClean="0"/>
+              <a:t> (</a:t>
+            </a:r>
+            <a:r>
+              <a:rPr lang="fr-FR" dirty="0" err="1" smtClean="0"/>
+              <a:t>revision</a:t>
+            </a:r>
+            <a:r>
+              <a:rPr lang="fr-FR" baseline="0" dirty="0" smtClean="0"/>
+              <a:t> control)</a:t>
+            </a:r>
+          </a:p>
+          <a:p>
+            <a:endParaRPr lang="fr-FR" baseline="0" dirty="0" smtClean="0"/>
+          </a:p>
+          <a:p>
+            <a:r>
+              <a:rPr lang="fr-FR" baseline="0" dirty="0" err="1" smtClean="0"/>
+              <a:t>Random</a:t>
+            </a:r>
+            <a:r>
+              <a:rPr lang="fr-FR" baseline="0" dirty="0" smtClean="0"/>
+              <a:t> </a:t>
+            </a:r>
+            <a:r>
+              <a:rPr lang="fr-FR" baseline="0" dirty="0" err="1" smtClean="0"/>
+              <a:t>tree</a:t>
+            </a:r>
             <a:endParaRPr lang="fr-FR" dirty="0"/>
           </a:p>
         </p:txBody>
@@ -3461,6 +3511,92 @@
               <a:rPr lang="fr-FR" smtClean="0"/>
               <a:pPr/>
               <a:t>28</a:t>
+            </a:fld>
+            <a:endParaRPr lang="fr-FR"/>
+          </a:p>
+        </p:txBody>
+      </p:sp>
+    </p:spTree>
+  </p:cSld>
+  <p:clrMapOvr>
+    <a:masterClrMapping/>
+  </p:clrMapOvr>
+</p:notes>
+</file>
+
+<file path=ppt/notesSlides/notesSlide29.xml><?xml version="1.0" encoding="utf-8"?>
+<p:notes xmlns:a="http://schemas.openxmlformats.org/drawingml/2006/main" xmlns:r="http://schemas.openxmlformats.org/officeDocument/2006/relationships" xmlns:p="http://schemas.openxmlformats.org/presentationml/2006/main">
+  <p:cSld>
+    <p:spTree>
+      <p:nvGrpSpPr>
+        <p:cNvPr id="1" name=""/>
+        <p:cNvGrpSpPr/>
+        <p:nvPr/>
+      </p:nvGrpSpPr>
+      <p:grpSpPr>
+        <a:xfrm>
+          <a:off x="0" y="0"/>
+          <a:ext cx="0" cy="0"/>
+          <a:chOff x="0" y="0"/>
+          <a:chExt cx="0" cy="0"/>
+        </a:xfrm>
+      </p:grpSpPr>
+      <p:sp>
+        <p:nvSpPr>
+          <p:cNvPr id="2" name="Slide Image Placeholder 1"/>
+          <p:cNvSpPr>
+            <a:spLocks noGrp="1" noRot="1" noChangeAspect="1"/>
+          </p:cNvSpPr>
+          <p:nvPr>
+            <p:ph type="sldImg"/>
+          </p:nvPr>
+        </p:nvSpPr>
+        <p:spPr/>
+      </p:sp>
+      <p:sp>
+        <p:nvSpPr>
+          <p:cNvPr id="3" name="Notes Placeholder 2"/>
+          <p:cNvSpPr>
+            <a:spLocks noGrp="1"/>
+          </p:cNvSpPr>
+          <p:nvPr>
+            <p:ph type="body" idx="1"/>
+          </p:nvPr>
+        </p:nvSpPr>
+        <p:spPr/>
+        <p:txBody>
+          <a:bodyPr>
+            <a:normAutofit/>
+          </a:bodyPr>
+          <a:lstStyle/>
+          <a:p>
+            <a:r>
+              <a:rPr lang="fr-FR" dirty="0" smtClean="0"/>
+              <a:t>M</a:t>
+            </a:r>
+            <a:endParaRPr lang="fr-FR" dirty="0"/>
+          </a:p>
+        </p:txBody>
+      </p:sp>
+      <p:sp>
+        <p:nvSpPr>
+          <p:cNvPr id="4" name="Slide Number Placeholder 3"/>
+          <p:cNvSpPr>
+            <a:spLocks noGrp="1"/>
+          </p:cNvSpPr>
+          <p:nvPr>
+            <p:ph type="sldNum" sz="quarter" idx="10"/>
+          </p:nvPr>
+        </p:nvSpPr>
+        <p:spPr/>
+        <p:txBody>
+          <a:bodyPr/>
+          <a:lstStyle/>
+          <a:p>
+            <a:fld id="{69769F4E-9586-492C-B8A6-A22159A02A15}" type="slidenum">
+              <a:rPr lang="fr-FR" smtClean="0"/>
+              <a:pPr/>
+              <a:t>29</a:t>
             </a:fld>
             <a:endParaRPr lang="fr-FR"/>
           </a:p>
@@ -11277,6 +11413,13 @@
           <a:bodyPr/>
           <a:lstStyle/>
           <a:p>
+            <a:pPr>
+              <a:buNone/>
+            </a:pPr>
+            <a:r>
+              <a:rPr lang="en-US" dirty="0" smtClean="0"/>
+              <a:t>Example of minimal path</a:t>
+            </a:r>
             <a:endParaRPr lang="en-US" dirty="0" smtClean="0"/>
           </a:p>
         </p:txBody>
@@ -11755,11 +11898,41 @@
           </a:p>
         </p:txBody>
       </p:sp>
+      <p:sp>
+        <p:nvSpPr>
+          <p:cNvPr id="16" name="TextBox 15"/>
+          <p:cNvSpPr txBox="1"/>
+          <p:nvPr/>
+        </p:nvSpPr>
+        <p:spPr>
+          <a:xfrm>
+            <a:off x="3707904" y="6309320"/>
+            <a:ext cx="1008112" cy="369332"/>
+          </a:xfrm>
+          <a:prstGeom prst="rect">
+            <a:avLst/>
+          </a:prstGeom>
+          <a:noFill/>
+        </p:spPr>
+        <p:txBody>
+          <a:bodyPr wrap="square" rtlCol="0">
+            <a:spAutoFit/>
+          </a:bodyPr>
+          <a:lstStyle/>
+          <a:p>
+            <a:r>
+              <a:rPr lang="fr-FR" dirty="0" smtClean="0"/>
+              <a:t>MAM4</a:t>
+            </a:r>
+            <a:endParaRPr lang="fr-FR" dirty="0"/>
+          </a:p>
+        </p:txBody>
+      </p:sp>
       <p:pic>
         <p:nvPicPr>
-          <p:cNvPr id="17" name="Picture 16"/>
+          <p:cNvPr id="21505" name="Picture 1"/>
           <p:cNvPicPr>
-            <a:picLocks noChangeAspect="1"/>
+            <a:picLocks noChangeAspect="1" noChangeArrowheads="1"/>
           </p:cNvPicPr>
           <p:nvPr/>
         </p:nvPicPr>
@@ -11772,45 +11945,22 @@
         </p:blipFill>
         <p:spPr bwMode="auto">
           <a:xfrm>
-            <a:off x="3275856" y="2564904"/>
-            <a:ext cx="4749281" cy="3240360"/>
-          </a:xfrm>
-          <a:prstGeom prst="rect">
-            <a:avLst/>
-          </a:prstGeom>
-          <a:noFill/>
+            <a:off x="3275856" y="2420888"/>
+            <a:ext cx="5286375" cy="3581400"/>
+          </a:xfrm>
+          <a:prstGeom prst="rect">
+            <a:avLst/>
+          </a:prstGeom>
+          <a:noFill/>
+          <a:ln w="9525">
+            <a:noFill/>
+            <a:miter lim="800000"/>
+            <a:headEnd/>
+            <a:tailEnd/>
+          </a:ln>
+          <a:effectLst/>
         </p:spPr>
       </p:pic>
-      <p:sp>
-        <p:nvSpPr>
-          <p:cNvPr id="16" name="TextBox 15"/>
-          <p:cNvSpPr txBox="1"/>
-          <p:nvPr/>
-        </p:nvSpPr>
-        <p:spPr>
-          <a:xfrm>
-            <a:off x="3707904" y="6309320"/>
-            <a:ext cx="1008112" cy="369332"/>
-          </a:xfrm>
-          <a:prstGeom prst="rect">
-            <a:avLst/>
-          </a:prstGeom>
-          <a:noFill/>
-        </p:spPr>
-        <p:txBody>
-          <a:bodyPr wrap="square" rtlCol="0">
-            <a:spAutoFit/>
-          </a:bodyPr>
-          <a:lstStyle/>
-          <a:p>
-            <a:r>
-              <a:rPr lang="fr-FR" dirty="0" smtClean="0"/>
-              <a:t>MAM4</a:t>
-            </a:r>
-            <a:endParaRPr lang="fr-FR" dirty="0"/>
-          </a:p>
-        </p:txBody>
-      </p:sp>
     </p:spTree>
   </p:cSld>
   <p:clrMapOvr>
@@ -22337,7 +22487,7 @@
       </p:grpSpPr>
       <p:sp>
         <p:nvSpPr>
-          <p:cNvPr id="3" name="Title 2"/>
+          <p:cNvPr id="13" name="Title 12"/>
           <p:cNvSpPr>
             <a:spLocks noGrp="1"/>
           </p:cNvSpPr>
@@ -22347,84 +22497,112 @@
         </p:nvSpPr>
         <p:spPr/>
         <p:txBody>
+          <a:bodyPr>
+            <a:normAutofit/>
+          </a:bodyPr>
+          <a:lstStyle/>
+          <a:p>
+            <a:pPr marL="571500" indent="-571500"/>
+            <a:r>
+              <a:rPr lang="en-US" sz="5400" dirty="0" smtClean="0"/>
+              <a:t>Human Machine Interface</a:t>
+            </a:r>
+          </a:p>
+        </p:txBody>
+      </p:sp>
+      <p:sp>
+        <p:nvSpPr>
+          <p:cNvPr id="14" name="Content Placeholder 13"/>
+          <p:cNvSpPr>
+            <a:spLocks noGrp="1"/>
+          </p:cNvSpPr>
+          <p:nvPr>
+            <p:ph sz="half" idx="1"/>
+          </p:nvPr>
+        </p:nvSpPr>
+        <p:spPr/>
+        <p:txBody>
           <a:bodyPr/>
           <a:lstStyle/>
           <a:p>
-            <a:r>
-              <a:rPr lang="fr-FR" dirty="0" smtClean="0"/>
-              <a:t>Conclusion</a:t>
-            </a:r>
+            <a:pPr marL="571500" indent="-571500"/>
+            <a:r>
+              <a:rPr lang="en-US" dirty="0" smtClean="0"/>
+              <a:t>I. Sound treatment</a:t>
+            </a:r>
+          </a:p>
+          <a:p>
+            <a:pPr marL="571500" indent="-571500"/>
+            <a:r>
+              <a:rPr lang="en-US" dirty="0" smtClean="0"/>
+              <a:t>II. Comparison</a:t>
+            </a:r>
+          </a:p>
+          <a:p>
+            <a:pPr marL="571500" indent="-571500"/>
+            <a:r>
+              <a:rPr lang="en-US" dirty="0" smtClean="0"/>
+              <a:t>III. Human Machine</a:t>
+            </a:r>
+          </a:p>
+          <a:p>
+            <a:pPr marL="571500" indent="-571500"/>
+            <a:r>
+              <a:rPr lang="en-US" dirty="0" smtClean="0"/>
+              <a:t>Interface</a:t>
+            </a:r>
+          </a:p>
+          <a:p>
+            <a:pPr marL="937260" lvl="1" indent="-571500"/>
+            <a:r>
+              <a:rPr lang="en-US" dirty="0" smtClean="0"/>
+              <a:t>a. Menu</a:t>
+            </a:r>
+          </a:p>
+          <a:p>
+            <a:pPr marL="937260" lvl="1" indent="-571500"/>
+            <a:r>
+              <a:rPr lang="en-US" dirty="0" smtClean="0">
+                <a:solidFill>
+                  <a:schemeClr val="bg2">
+                    <a:lumMod val="50000"/>
+                  </a:schemeClr>
+                </a:solidFill>
+              </a:rPr>
+              <a:t>b. How to play</a:t>
+            </a:r>
+          </a:p>
+          <a:p>
+            <a:pPr marL="571500" indent="-571500"/>
+            <a:endParaRPr lang="en-US" dirty="0" smtClean="0"/>
+          </a:p>
+          <a:p>
             <a:endParaRPr lang="fr-FR" dirty="0"/>
           </a:p>
         </p:txBody>
       </p:sp>
       <p:sp>
         <p:nvSpPr>
-          <p:cNvPr id="2" name="Content Placeholder 1"/>
+          <p:cNvPr id="15" name="Content Placeholder 14"/>
           <p:cNvSpPr>
             <a:spLocks noGrp="1"/>
           </p:cNvSpPr>
           <p:nvPr>
-            <p:ph idx="1"/>
+            <p:ph sz="half" idx="2"/>
           </p:nvPr>
         </p:nvSpPr>
-        <p:spPr>
-          <a:xfrm>
-            <a:off x="457200" y="1935480"/>
-            <a:ext cx="8229600" cy="4013800"/>
-          </a:xfrm>
-        </p:spPr>
+        <p:spPr/>
         <p:txBody>
           <a:bodyPr/>
           <a:lstStyle/>
           <a:p>
-            <a:endParaRPr lang="en-US" dirty="0" smtClean="0"/>
-          </a:p>
-          <a:p>
+            <a:pPr>
+              <a:buNone/>
+            </a:pPr>
             <a:r>
               <a:rPr lang="en-US" dirty="0" smtClean="0"/>
-              <a:t>Interesting </a:t>
-            </a:r>
-            <a:r>
-              <a:rPr lang="en-US" dirty="0" smtClean="0"/>
-              <a:t>project</a:t>
-            </a:r>
-          </a:p>
-          <a:p>
-            <a:endParaRPr lang="en-US" dirty="0" smtClean="0"/>
-          </a:p>
-          <a:p>
-            <a:r>
-              <a:rPr lang="en-US" dirty="0" smtClean="0"/>
-              <a:t>Apply our courses(TNS, </a:t>
-            </a:r>
-            <a:r>
-              <a:rPr lang="en-US" dirty="0" err="1" smtClean="0"/>
-              <a:t>Infographie</a:t>
-            </a:r>
-            <a:r>
-              <a:rPr lang="en-US" dirty="0" smtClean="0"/>
-              <a:t>, C++)</a:t>
-            </a:r>
-          </a:p>
-          <a:p>
-            <a:endParaRPr lang="en-US" dirty="0" smtClean="0"/>
-          </a:p>
-          <a:p>
-            <a:r>
-              <a:rPr lang="en-US" dirty="0" smtClean="0"/>
-              <a:t>Deepen our knowledge</a:t>
-            </a:r>
-          </a:p>
-          <a:p>
-            <a:endParaRPr lang="en-US" dirty="0" smtClean="0"/>
-          </a:p>
-          <a:p>
-            <a:r>
-              <a:rPr lang="en-US" dirty="0" smtClean="0"/>
-              <a:t>Others ameliorations ?</a:t>
-            </a:r>
-            <a:endParaRPr lang="en-US" dirty="0" smtClean="0"/>
+              <a:t> </a:t>
+            </a:r>
           </a:p>
         </p:txBody>
       </p:sp>
@@ -22494,9 +22672,447 @@
           </a:p>
         </p:txBody>
       </p:sp>
+      <p:sp>
+        <p:nvSpPr>
+          <p:cNvPr id="30725" name="Rectangle 5"/>
+          <p:cNvSpPr>
+            <a:spLocks noChangeArrowheads="1"/>
+          </p:cNvSpPr>
+          <p:nvPr/>
+        </p:nvSpPr>
+        <p:spPr bwMode="auto">
+          <a:xfrm>
+            <a:off x="0" y="0"/>
+            <a:ext cx="9144000" cy="457200"/>
+          </a:xfrm>
+          <a:prstGeom prst="rect">
+            <a:avLst/>
+          </a:prstGeom>
+          <a:noFill/>
+          <a:ln w="9525">
+            <a:noFill/>
+            <a:miter lim="800000"/>
+            <a:headEnd/>
+            <a:tailEnd/>
+          </a:ln>
+          <a:effectLst/>
+        </p:spPr>
+        <p:txBody>
+          <a:bodyPr vert="horz" wrap="none" lIns="91440" tIns="45720" rIns="91440" bIns="45720" numCol="1" anchor="ctr" anchorCtr="0" compatLnSpc="1">
+            <a:prstTxWarp prst="textNoShape">
+              <a:avLst/>
+            </a:prstTxWarp>
+            <a:spAutoFit/>
+          </a:bodyPr>
+          <a:lstStyle/>
+          <a:p>
+            <a:endParaRPr lang="fr-FR" dirty="0"/>
+          </a:p>
+        </p:txBody>
+      </p:sp>
+      <p:sp>
+        <p:nvSpPr>
+          <p:cNvPr id="30726" name="Rectangle 6"/>
+          <p:cNvSpPr>
+            <a:spLocks noChangeArrowheads="1"/>
+          </p:cNvSpPr>
+          <p:nvPr/>
+        </p:nvSpPr>
+        <p:spPr bwMode="auto">
+          <a:xfrm>
+            <a:off x="0" y="942975"/>
+            <a:ext cx="9144000" cy="0"/>
+          </a:xfrm>
+          <a:prstGeom prst="rect">
+            <a:avLst/>
+          </a:prstGeom>
+          <a:noFill/>
+          <a:ln w="9525">
+            <a:noFill/>
+            <a:miter lim="800000"/>
+            <a:headEnd/>
+            <a:tailEnd/>
+          </a:ln>
+          <a:effectLst/>
+        </p:spPr>
+        <p:txBody>
+          <a:bodyPr vert="horz" wrap="none" lIns="91440" tIns="45720" rIns="91440" bIns="45720" numCol="1" anchor="ctr" anchorCtr="0" compatLnSpc="1">
+            <a:prstTxWarp prst="textNoShape">
+              <a:avLst/>
+            </a:prstTxWarp>
+            <a:spAutoFit/>
+          </a:bodyPr>
+          <a:lstStyle/>
+          <a:p>
+            <a:pPr marL="0" marR="0" lvl="0" indent="0" algn="l" defTabSz="914400" rtl="0" eaLnBrk="1" fontAlgn="base" latinLnBrk="0" hangingPunct="1">
+              <a:lnSpc>
+                <a:spcPct val="100000"/>
+              </a:lnSpc>
+              <a:spcBef>
+                <a:spcPct val="0"/>
+              </a:spcBef>
+              <a:spcAft>
+                <a:spcPct val="0"/>
+              </a:spcAft>
+              <a:buClrTx/>
+              <a:buSzTx/>
+              <a:buFontTx/>
+              <a:buNone/>
+              <a:tabLst/>
+            </a:pPr>
+            <a:endParaRPr kumimoji="0" lang="fr-FR" sz="1800" b="0" i="0" u="none" strike="noStrike" cap="none" normalizeH="0" baseline="0" dirty="0" smtClean="0">
+              <a:ln>
+                <a:noFill/>
+              </a:ln>
+              <a:solidFill>
+                <a:schemeClr val="tx1"/>
+              </a:solidFill>
+              <a:effectLst/>
+              <a:latin typeface="Arial" pitchFamily="34" charset="0"/>
+              <a:cs typeface="Arial" pitchFamily="34" charset="0"/>
+            </a:endParaRPr>
+          </a:p>
+        </p:txBody>
+      </p:sp>
+      <p:sp>
+        <p:nvSpPr>
+          <p:cNvPr id="47108" name="Rectangle 4"/>
+          <p:cNvSpPr>
+            <a:spLocks noChangeArrowheads="1"/>
+          </p:cNvSpPr>
+          <p:nvPr/>
+        </p:nvSpPr>
+        <p:spPr bwMode="auto">
+          <a:xfrm>
+            <a:off x="0" y="0"/>
+            <a:ext cx="9144000" cy="457200"/>
+          </a:xfrm>
+          <a:prstGeom prst="rect">
+            <a:avLst/>
+          </a:prstGeom>
+          <a:noFill/>
+          <a:ln w="9525">
+            <a:noFill/>
+            <a:miter lim="800000"/>
+            <a:headEnd/>
+            <a:tailEnd/>
+          </a:ln>
+          <a:effectLst/>
+        </p:spPr>
+        <p:txBody>
+          <a:bodyPr vert="horz" wrap="none" lIns="91440" tIns="45720" rIns="91440" bIns="45720" numCol="1" anchor="ctr" anchorCtr="0" compatLnSpc="1">
+            <a:prstTxWarp prst="textNoShape">
+              <a:avLst/>
+            </a:prstTxWarp>
+            <a:spAutoFit/>
+          </a:bodyPr>
+          <a:lstStyle/>
+          <a:p>
+            <a:endParaRPr lang="fr-FR" dirty="0"/>
+          </a:p>
+        </p:txBody>
+      </p:sp>
+      <p:sp>
+        <p:nvSpPr>
+          <p:cNvPr id="47109" name="Rectangle 5"/>
+          <p:cNvSpPr>
+            <a:spLocks noChangeArrowheads="1"/>
+          </p:cNvSpPr>
+          <p:nvPr/>
+        </p:nvSpPr>
+        <p:spPr bwMode="auto">
+          <a:xfrm>
+            <a:off x="0" y="723900"/>
+            <a:ext cx="9144000" cy="0"/>
+          </a:xfrm>
+          <a:prstGeom prst="rect">
+            <a:avLst/>
+          </a:prstGeom>
+          <a:noFill/>
+          <a:ln w="9525">
+            <a:noFill/>
+            <a:miter lim="800000"/>
+            <a:headEnd/>
+            <a:tailEnd/>
+          </a:ln>
+          <a:effectLst/>
+        </p:spPr>
+        <p:txBody>
+          <a:bodyPr vert="horz" wrap="none" lIns="91440" tIns="45720" rIns="91440" bIns="45720" numCol="1" anchor="ctr" anchorCtr="0" compatLnSpc="1">
+            <a:prstTxWarp prst="textNoShape">
+              <a:avLst/>
+            </a:prstTxWarp>
+            <a:spAutoFit/>
+          </a:bodyPr>
+          <a:lstStyle/>
+          <a:p>
+            <a:pPr marL="0" marR="0" lvl="0" indent="0" algn="l" defTabSz="914400" rtl="0" eaLnBrk="1" fontAlgn="base" latinLnBrk="0" hangingPunct="1">
+              <a:lnSpc>
+                <a:spcPct val="100000"/>
+              </a:lnSpc>
+              <a:spcBef>
+                <a:spcPct val="0"/>
+              </a:spcBef>
+              <a:spcAft>
+                <a:spcPct val="0"/>
+              </a:spcAft>
+              <a:buClrTx/>
+              <a:buSzTx/>
+              <a:buFontTx/>
+              <a:buNone/>
+              <a:tabLst/>
+            </a:pPr>
+            <a:endParaRPr kumimoji="0" lang="fr-FR" sz="1800" b="0" i="0" u="none" strike="noStrike" cap="none" normalizeH="0" baseline="0" dirty="0" smtClean="0">
+              <a:ln>
+                <a:noFill/>
+              </a:ln>
+              <a:solidFill>
+                <a:schemeClr val="tx1"/>
+              </a:solidFill>
+              <a:effectLst/>
+              <a:latin typeface="Arial" pitchFamily="34" charset="0"/>
+              <a:cs typeface="Arial" pitchFamily="34" charset="0"/>
+            </a:endParaRPr>
+          </a:p>
+        </p:txBody>
+      </p:sp>
+      <p:sp>
+        <p:nvSpPr>
+          <p:cNvPr id="47111" name="Rectangle 7"/>
+          <p:cNvSpPr>
+            <a:spLocks noChangeArrowheads="1"/>
+          </p:cNvSpPr>
+          <p:nvPr/>
+        </p:nvSpPr>
+        <p:spPr bwMode="auto">
+          <a:xfrm>
+            <a:off x="0" y="0"/>
+            <a:ext cx="9144000" cy="457200"/>
+          </a:xfrm>
+          <a:prstGeom prst="rect">
+            <a:avLst/>
+          </a:prstGeom>
+          <a:noFill/>
+          <a:ln w="9525">
+            <a:noFill/>
+            <a:miter lim="800000"/>
+            <a:headEnd/>
+            <a:tailEnd/>
+          </a:ln>
+          <a:effectLst/>
+        </p:spPr>
+        <p:txBody>
+          <a:bodyPr vert="horz" wrap="none" lIns="91440" tIns="45720" rIns="91440" bIns="45720" numCol="1" anchor="ctr" anchorCtr="0" compatLnSpc="1">
+            <a:prstTxWarp prst="textNoShape">
+              <a:avLst/>
+            </a:prstTxWarp>
+            <a:spAutoFit/>
+          </a:bodyPr>
+          <a:lstStyle/>
+          <a:p>
+            <a:endParaRPr lang="fr-FR" dirty="0"/>
+          </a:p>
+        </p:txBody>
+      </p:sp>
+      <p:sp>
+        <p:nvSpPr>
+          <p:cNvPr id="47112" name="Rectangle 8"/>
+          <p:cNvSpPr>
+            <a:spLocks noChangeArrowheads="1"/>
+          </p:cNvSpPr>
+          <p:nvPr/>
+        </p:nvSpPr>
+        <p:spPr bwMode="auto">
+          <a:xfrm>
+            <a:off x="0" y="723900"/>
+            <a:ext cx="9144000" cy="0"/>
+          </a:xfrm>
+          <a:prstGeom prst="rect">
+            <a:avLst/>
+          </a:prstGeom>
+          <a:noFill/>
+          <a:ln w="9525">
+            <a:noFill/>
+            <a:miter lim="800000"/>
+            <a:headEnd/>
+            <a:tailEnd/>
+          </a:ln>
+          <a:effectLst/>
+        </p:spPr>
+        <p:txBody>
+          <a:bodyPr vert="horz" wrap="none" lIns="91440" tIns="45720" rIns="91440" bIns="45720" numCol="1" anchor="ctr" anchorCtr="0" compatLnSpc="1">
+            <a:prstTxWarp prst="textNoShape">
+              <a:avLst/>
+            </a:prstTxWarp>
+            <a:spAutoFit/>
+          </a:bodyPr>
+          <a:lstStyle/>
+          <a:p>
+            <a:pPr marL="0" marR="0" lvl="0" indent="0" algn="l" defTabSz="914400" rtl="0" eaLnBrk="1" fontAlgn="base" latinLnBrk="0" hangingPunct="1">
+              <a:lnSpc>
+                <a:spcPct val="100000"/>
+              </a:lnSpc>
+              <a:spcBef>
+                <a:spcPct val="0"/>
+              </a:spcBef>
+              <a:spcAft>
+                <a:spcPct val="0"/>
+              </a:spcAft>
+              <a:buClrTx/>
+              <a:buSzTx/>
+              <a:buFontTx/>
+              <a:buNone/>
+              <a:tabLst/>
+            </a:pPr>
+            <a:endParaRPr kumimoji="0" lang="fr-FR" sz="1800" b="0" i="0" u="none" strike="noStrike" cap="none" normalizeH="0" baseline="0" dirty="0" smtClean="0">
+              <a:ln>
+                <a:noFill/>
+              </a:ln>
+              <a:solidFill>
+                <a:schemeClr val="tx1"/>
+              </a:solidFill>
+              <a:effectLst/>
+              <a:latin typeface="Arial" pitchFamily="34" charset="0"/>
+              <a:cs typeface="Arial" pitchFamily="34" charset="0"/>
+            </a:endParaRPr>
+          </a:p>
+        </p:txBody>
+      </p:sp>
+      <p:sp>
+        <p:nvSpPr>
+          <p:cNvPr id="48130" name="Rectangle 2"/>
+          <p:cNvSpPr>
+            <a:spLocks noChangeArrowheads="1"/>
+          </p:cNvSpPr>
+          <p:nvPr/>
+        </p:nvSpPr>
+        <p:spPr bwMode="auto">
+          <a:xfrm>
+            <a:off x="0" y="0"/>
+            <a:ext cx="9144000" cy="457200"/>
+          </a:xfrm>
+          <a:prstGeom prst="rect">
+            <a:avLst/>
+          </a:prstGeom>
+          <a:noFill/>
+          <a:ln w="9525">
+            <a:noFill/>
+            <a:miter lim="800000"/>
+            <a:headEnd/>
+            <a:tailEnd/>
+          </a:ln>
+          <a:effectLst/>
+        </p:spPr>
+        <p:txBody>
+          <a:bodyPr vert="horz" wrap="none" lIns="91440" tIns="45720" rIns="91440" bIns="45720" numCol="1" anchor="ctr" anchorCtr="0" compatLnSpc="1">
+            <a:prstTxWarp prst="textNoShape">
+              <a:avLst/>
+            </a:prstTxWarp>
+            <a:spAutoFit/>
+          </a:bodyPr>
+          <a:lstStyle/>
+          <a:p>
+            <a:endParaRPr lang="fr-FR" dirty="0"/>
+          </a:p>
+        </p:txBody>
+      </p:sp>
+      <p:sp>
+        <p:nvSpPr>
+          <p:cNvPr id="48131" name="Rectangle 3"/>
+          <p:cNvSpPr>
+            <a:spLocks noChangeArrowheads="1"/>
+          </p:cNvSpPr>
+          <p:nvPr/>
+        </p:nvSpPr>
+        <p:spPr bwMode="auto">
+          <a:xfrm>
+            <a:off x="0" y="828675"/>
+            <a:ext cx="9144000" cy="0"/>
+          </a:xfrm>
+          <a:prstGeom prst="rect">
+            <a:avLst/>
+          </a:prstGeom>
+          <a:noFill/>
+          <a:ln w="9525">
+            <a:noFill/>
+            <a:miter lim="800000"/>
+            <a:headEnd/>
+            <a:tailEnd/>
+          </a:ln>
+          <a:effectLst/>
+        </p:spPr>
+        <p:txBody>
+          <a:bodyPr vert="horz" wrap="none" lIns="91440" tIns="45720" rIns="91440" bIns="45720" numCol="1" anchor="ctr" anchorCtr="0" compatLnSpc="1">
+            <a:prstTxWarp prst="textNoShape">
+              <a:avLst/>
+            </a:prstTxWarp>
+            <a:spAutoFit/>
+          </a:bodyPr>
+          <a:lstStyle/>
+          <a:p>
+            <a:pPr marL="0" marR="0" lvl="0" indent="0" algn="l" defTabSz="914400" rtl="0" eaLnBrk="1" fontAlgn="base" latinLnBrk="0" hangingPunct="1">
+              <a:lnSpc>
+                <a:spcPct val="100000"/>
+              </a:lnSpc>
+              <a:spcBef>
+                <a:spcPct val="0"/>
+              </a:spcBef>
+              <a:spcAft>
+                <a:spcPct val="0"/>
+              </a:spcAft>
+              <a:buClrTx/>
+              <a:buSzTx/>
+              <a:buFontTx/>
+              <a:buNone/>
+              <a:tabLst/>
+            </a:pPr>
+            <a:endParaRPr kumimoji="0" lang="fr-FR" sz="1800" b="0" i="0" u="none" strike="noStrike" cap="none" normalizeH="0" baseline="0" dirty="0" smtClean="0">
+              <a:ln>
+                <a:noFill/>
+              </a:ln>
+              <a:solidFill>
+                <a:schemeClr val="tx1"/>
+              </a:solidFill>
+              <a:effectLst/>
+              <a:latin typeface="Arial" pitchFamily="34" charset="0"/>
+              <a:cs typeface="Arial" pitchFamily="34" charset="0"/>
+            </a:endParaRPr>
+          </a:p>
+        </p:txBody>
+      </p:sp>
+      <p:sp>
+        <p:nvSpPr>
+          <p:cNvPr id="16" name="TextBox 15"/>
+          <p:cNvSpPr txBox="1"/>
+          <p:nvPr/>
+        </p:nvSpPr>
+        <p:spPr>
+          <a:xfrm>
+            <a:off x="3707904" y="6309320"/>
+            <a:ext cx="1008112" cy="369332"/>
+          </a:xfrm>
+          <a:prstGeom prst="rect">
+            <a:avLst/>
+          </a:prstGeom>
+          <a:noFill/>
+        </p:spPr>
+        <p:txBody>
+          <a:bodyPr wrap="square" rtlCol="0">
+            <a:spAutoFit/>
+          </a:bodyPr>
+          <a:lstStyle/>
+          <a:p>
+            <a:r>
+              <a:rPr lang="fr-FR" dirty="0" smtClean="0"/>
+              <a:t>MAM4</a:t>
+            </a:r>
+            <a:endParaRPr lang="fr-FR" dirty="0"/>
+          </a:p>
+        </p:txBody>
+      </p:sp>
       <p:pic>
         <p:nvPicPr>
-          <p:cNvPr id="16386" name="Picture 2" descr="http://alumni.polytech.unice.fr/wp-content/uploads/2009/12/logoPolytechNice.png"/>
+          <p:cNvPr id="8194" name="Picture 2" descr="https://github.com/jeando/projetS7/blob/master/annexes/ihm/arbre.png?raw=true"/>
           <p:cNvPicPr>
             <a:picLocks noChangeAspect="1" noChangeArrowheads="1"/>
           </p:cNvPicPr>
@@ -22504,15 +23120,15 @@
         </p:nvPicPr>
         <p:blipFill>
           <a:blip r:embed="rId3" cstate="print"/>
-          <a:srcRect/>
+          <a:srcRect l="3937" t="13440" r="5344"/>
           <a:stretch>
             <a:fillRect/>
           </a:stretch>
         </p:blipFill>
         <p:spPr bwMode="auto">
           <a:xfrm>
-            <a:off x="5724128" y="6191249"/>
-            <a:ext cx="2114550" cy="666751"/>
+            <a:off x="2987824" y="2132856"/>
+            <a:ext cx="5904656" cy="3169117"/>
           </a:xfrm>
           <a:prstGeom prst="rect">
             <a:avLst/>
@@ -22520,36 +23136,6 @@
           <a:noFill/>
         </p:spPr>
       </p:pic>
-      <p:sp>
-        <p:nvSpPr>
-          <p:cNvPr id="7" name="TextBox 6"/>
-          <p:cNvSpPr txBox="1"/>
-          <p:nvPr/>
-        </p:nvSpPr>
-        <p:spPr>
-          <a:xfrm>
-            <a:off x="3707904" y="6309320"/>
-            <a:ext cx="1008112" cy="369332"/>
-          </a:xfrm>
-          <a:prstGeom prst="rect">
-            <a:avLst/>
-          </a:prstGeom>
-          <a:noFill/>
-        </p:spPr>
-        <p:txBody>
-          <a:bodyPr wrap="square" rtlCol="0">
-            <a:spAutoFit/>
-          </a:bodyPr>
-          <a:lstStyle/>
-          <a:p>
-            <a:r>
-              <a:rPr lang="fr-FR" dirty="0" smtClean="0"/>
-              <a:t>MAM4</a:t>
-            </a:r>
-            <a:endParaRPr lang="fr-FR" dirty="0"/>
-          </a:p>
-        </p:txBody>
-      </p:sp>
     </p:spTree>
   </p:cSld>
   <p:clrMapOvr>
@@ -22599,7 +23185,7 @@
           <a:p>
             <a:r>
               <a:rPr lang="fr-FR" dirty="0" smtClean="0"/>
-              <a:t>Sources</a:t>
+              <a:t>Conclusion</a:t>
             </a:r>
             <a:endParaRPr lang="fr-FR" dirty="0"/>
           </a:p>
@@ -22625,55 +23211,53 @@
           <a:bodyPr/>
           <a:lstStyle/>
           <a:p>
-            <a:r>
-              <a:rPr lang="fr-FR" dirty="0" smtClean="0"/>
-              <a:t>J. Leroux </a:t>
-            </a:r>
-            <a:r>
-              <a:rPr lang="fr-FR" sz="1800" dirty="0" smtClean="0"/>
-              <a:t>« </a:t>
-            </a:r>
-            <a:r>
-              <a:rPr lang="fr-FR" sz="1800" dirty="0" err="1" smtClean="0"/>
-              <a:t>Dynamic</a:t>
-            </a:r>
-            <a:r>
-              <a:rPr lang="fr-FR" sz="1800" dirty="0" smtClean="0"/>
-              <a:t> time </a:t>
-            </a:r>
-            <a:r>
-              <a:rPr lang="fr-FR" sz="1800" dirty="0" err="1" smtClean="0"/>
-              <a:t>warping</a:t>
-            </a:r>
-            <a:r>
-              <a:rPr lang="fr-FR" sz="1800" dirty="0" smtClean="0"/>
-              <a:t> », « HMI », TNS</a:t>
-            </a:r>
-            <a:endParaRPr lang="fr-FR" dirty="0" smtClean="0"/>
-          </a:p>
-          <a:p>
-            <a:r>
-              <a:rPr lang="fr-FR" dirty="0" err="1" smtClean="0"/>
-              <a:t>Wikipedia</a:t>
-            </a:r>
-            <a:endParaRPr lang="fr-FR" dirty="0" smtClean="0"/>
-          </a:p>
-          <a:p>
-            <a:r>
-              <a:rPr lang="fr-FR" dirty="0" smtClean="0"/>
-              <a:t>J. Mariani </a:t>
-            </a:r>
-            <a:r>
-              <a:rPr lang="fr-FR" sz="1800" dirty="0" smtClean="0"/>
-              <a:t>« Reconnaissance de la parole, progrès et tendances », 1990</a:t>
-            </a:r>
-          </a:p>
-          <a:p>
-            <a:r>
-              <a:rPr lang="fr-FR" dirty="0" smtClean="0"/>
-              <a:t>…</a:t>
-            </a:r>
-            <a:endParaRPr lang="fr-FR" dirty="0"/>
+            <a:endParaRPr lang="en-US" dirty="0" smtClean="0"/>
+          </a:p>
+          <a:p>
+            <a:r>
+              <a:rPr lang="en-US" dirty="0" smtClean="0"/>
+              <a:t>Interesting </a:t>
+            </a:r>
+            <a:r>
+              <a:rPr lang="en-US" dirty="0" smtClean="0"/>
+              <a:t>project</a:t>
+            </a:r>
+          </a:p>
+          <a:p>
+            <a:endParaRPr lang="en-US" dirty="0" smtClean="0"/>
+          </a:p>
+          <a:p>
+            <a:r>
+              <a:rPr lang="en-US" dirty="0" smtClean="0"/>
+              <a:t>Apply our courses(TNS, </a:t>
+            </a:r>
+            <a:r>
+              <a:rPr lang="en-US" dirty="0" err="1" smtClean="0"/>
+              <a:t>Infographie</a:t>
+            </a:r>
+            <a:r>
+              <a:rPr lang="en-US" dirty="0" smtClean="0"/>
+              <a:t>, C++)</a:t>
+            </a:r>
+          </a:p>
+          <a:p>
+            <a:endParaRPr lang="en-US" dirty="0" smtClean="0"/>
+          </a:p>
+          <a:p>
+            <a:r>
+              <a:rPr lang="en-US" dirty="0" smtClean="0"/>
+              <a:t>Deepen our knowledge</a:t>
+            </a:r>
+          </a:p>
+          <a:p>
+            <a:endParaRPr lang="en-US" dirty="0" smtClean="0"/>
+          </a:p>
+          <a:p>
+            <a:r>
+              <a:rPr lang="en-US" dirty="0" smtClean="0"/>
+              <a:t>Others ameliorations ?</a:t>
+            </a:r>
+            <a:endParaRPr lang="en-US" dirty="0" smtClean="0"/>
           </a:p>
         </p:txBody>
       </p:sp>
@@ -22697,7 +23281,7 @@
               <a:pPr/>
               <a:t>28</a:t>
             </a:fld>
-            <a:endParaRPr lang="fr-FR"/>
+            <a:endParaRPr lang="fr-FR" dirty="0"/>
           </a:p>
         </p:txBody>
       </p:sp>
@@ -22833,7 +23417,7 @@
       </p:grpSpPr>
       <p:sp>
         <p:nvSpPr>
-          <p:cNvPr id="2" name="Title 1"/>
+          <p:cNvPr id="3" name="Title 2"/>
           <p:cNvSpPr>
             <a:spLocks noGrp="1"/>
           </p:cNvSpPr>
@@ -22846,18 +23430,89 @@
           <a:bodyPr/>
           <a:lstStyle/>
           <a:p>
-            <a:pPr algn="ctr"/>
-            <a:r>
-              <a:rPr lang="en-US" dirty="0" smtClean="0"/>
-              <a:t>Practice !</a:t>
-            </a:r>
-            <a:endParaRPr lang="en-US" dirty="0"/>
-          </a:p>
-        </p:txBody>
-      </p:sp>
-      <p:sp>
-        <p:nvSpPr>
-          <p:cNvPr id="4" name="Slide Number Placeholder 3"/>
+            <a:r>
+              <a:rPr lang="fr-FR" dirty="0" smtClean="0"/>
+              <a:t>Sources</a:t>
+            </a:r>
+            <a:endParaRPr lang="fr-FR" dirty="0"/>
+          </a:p>
+        </p:txBody>
+      </p:sp>
+      <p:sp>
+        <p:nvSpPr>
+          <p:cNvPr id="2" name="Content Placeholder 1"/>
+          <p:cNvSpPr>
+            <a:spLocks noGrp="1"/>
+          </p:cNvSpPr>
+          <p:nvPr>
+            <p:ph idx="1"/>
+          </p:nvPr>
+        </p:nvSpPr>
+        <p:spPr>
+          <a:xfrm>
+            <a:off x="457200" y="1935480"/>
+            <a:ext cx="8229600" cy="4013800"/>
+          </a:xfrm>
+        </p:spPr>
+        <p:txBody>
+          <a:bodyPr/>
+          <a:lstStyle/>
+          <a:p>
+            <a:r>
+              <a:rPr lang="fr-FR" dirty="0" smtClean="0"/>
+              <a:t>J. Leroux </a:t>
+            </a:r>
+            <a:r>
+              <a:rPr lang="fr-FR" sz="1800" dirty="0" smtClean="0"/>
+              <a:t>« </a:t>
+            </a:r>
+            <a:r>
+              <a:rPr lang="fr-FR" sz="1800" dirty="0" err="1" smtClean="0"/>
+              <a:t>Dynamic</a:t>
+            </a:r>
+            <a:r>
+              <a:rPr lang="fr-FR" sz="1800" dirty="0" smtClean="0"/>
+              <a:t> time </a:t>
+            </a:r>
+            <a:r>
+              <a:rPr lang="fr-FR" sz="1800" dirty="0" err="1" smtClean="0"/>
+              <a:t>warping</a:t>
+            </a:r>
+            <a:r>
+              <a:rPr lang="fr-FR" sz="1800" dirty="0" smtClean="0"/>
+              <a:t> », « HMI », TNS</a:t>
+            </a:r>
+            <a:endParaRPr lang="fr-FR" dirty="0" smtClean="0"/>
+          </a:p>
+          <a:p>
+            <a:r>
+              <a:rPr lang="fr-FR" dirty="0" err="1" smtClean="0"/>
+              <a:t>Wikipedia</a:t>
+            </a:r>
+            <a:endParaRPr lang="fr-FR" dirty="0" smtClean="0"/>
+          </a:p>
+          <a:p>
+            <a:r>
+              <a:rPr lang="fr-FR" dirty="0" smtClean="0"/>
+              <a:t>J. Mariani </a:t>
+            </a:r>
+            <a:r>
+              <a:rPr lang="fr-FR" sz="1800" dirty="0" smtClean="0"/>
+              <a:t>« Reconnaissance de la parole, progrès et tendances », 1990</a:t>
+            </a:r>
+          </a:p>
+          <a:p>
+            <a:r>
+              <a:rPr lang="fr-FR" dirty="0" smtClean="0"/>
+              <a:t>…</a:t>
+            </a:r>
+            <a:endParaRPr lang="fr-FR" dirty="0"/>
+          </a:p>
+        </p:txBody>
+      </p:sp>
+      <p:sp>
+        <p:nvSpPr>
+          <p:cNvPr id="5" name="Slide Number Placeholder 4"/>
           <p:cNvSpPr>
             <a:spLocks noGrp="1"/>
           </p:cNvSpPr>
@@ -22879,18 +23534,58 @@
           </a:p>
         </p:txBody>
       </p:sp>
+      <p:sp>
+        <p:nvSpPr>
+          <p:cNvPr id="6" name="TextBox 5"/>
+          <p:cNvSpPr txBox="1"/>
+          <p:nvPr/>
+        </p:nvSpPr>
+        <p:spPr>
+          <a:xfrm>
+            <a:off x="179512" y="5934670"/>
+            <a:ext cx="2736304" cy="923330"/>
+          </a:xfrm>
+          <a:prstGeom prst="rect">
+            <a:avLst/>
+          </a:prstGeom>
+          <a:noFill/>
+        </p:spPr>
+        <p:txBody>
+          <a:bodyPr wrap="square" rtlCol="0">
+            <a:spAutoFit/>
+          </a:bodyPr>
+          <a:lstStyle/>
+          <a:p>
+            <a:r>
+              <a:rPr lang="fr-FR" dirty="0" smtClean="0"/>
+              <a:t>Guénon Marie</a:t>
+            </a:r>
+          </a:p>
+          <a:p>
+            <a:r>
+              <a:rPr lang="fr-FR" dirty="0" smtClean="0"/>
+              <a:t>Achard Jean-Paul</a:t>
+            </a:r>
+          </a:p>
+          <a:p>
+            <a:r>
+              <a:rPr lang="fr-FR" dirty="0" smtClean="0"/>
+              <a:t>Favreau Jean-Dominique</a:t>
+            </a:r>
+            <a:endParaRPr lang="fr-FR" dirty="0"/>
+          </a:p>
+        </p:txBody>
+      </p:sp>
       <p:pic>
         <p:nvPicPr>
-          <p:cNvPr id="1029" name="Picture 5"/>
+          <p:cNvPr id="16386" name="Picture 2" descr="http://alumni.polytech.unice.fr/wp-content/uploads/2009/12/logoPolytechNice.png"/>
           <p:cNvPicPr>
-            <a:picLocks noGrp="1" noChangeAspect="1" noChangeArrowheads="1"/>
+            <a:picLocks noChangeAspect="1" noChangeArrowheads="1"/>
           </p:cNvPicPr>
-          <p:nvPr>
-            <p:ph idx="1"/>
-          </p:nvPr>
+          <p:nvPr/>
         </p:nvPicPr>
         <p:blipFill>
-          <a:blip r:embed="rId2" cstate="print"/>
+          <a:blip r:embed="rId3" cstate="print"/>
           <a:srcRect/>
           <a:stretch>
             <a:fillRect/>
@@ -22898,22 +23593,45 @@
         </p:blipFill>
         <p:spPr bwMode="auto">
           <a:xfrm>
-            <a:off x="395536" y="3284984"/>
-            <a:ext cx="8483326" cy="1249710"/>
-          </a:xfrm>
-          <a:prstGeom prst="rect">
-            <a:avLst/>
-          </a:prstGeom>
-          <a:noFill/>
-          <a:ln w="9525">
-            <a:noFill/>
-            <a:miter lim="800000"/>
-            <a:headEnd/>
-            <a:tailEnd/>
-          </a:ln>
-          <a:effectLst/>
+            <a:off x="5724128" y="6191249"/>
+            <a:ext cx="2114550" cy="666751"/>
+          </a:xfrm>
+          <a:prstGeom prst="rect">
+            <a:avLst/>
+          </a:prstGeom>
+          <a:noFill/>
         </p:spPr>
       </p:pic>
+      <p:sp>
+        <p:nvSpPr>
+          <p:cNvPr id="7" name="TextBox 6"/>
+          <p:cNvSpPr txBox="1"/>
+          <p:nvPr/>
+        </p:nvSpPr>
+        <p:spPr>
+          <a:xfrm>
+            <a:off x="3707904" y="6309320"/>
+            <a:ext cx="1008112" cy="369332"/>
+          </a:xfrm>
+          <a:prstGeom prst="rect">
+            <a:avLst/>
+          </a:prstGeom>
+          <a:noFill/>
+        </p:spPr>
+        <p:txBody>
+          <a:bodyPr wrap="square" rtlCol="0">
+            <a:spAutoFit/>
+          </a:bodyPr>
+          <a:lstStyle/>
+          <a:p>
+            <a:r>
+              <a:rPr lang="fr-FR" dirty="0" smtClean="0"/>
+              <a:t>MAM4</a:t>
+            </a:r>
+            <a:endParaRPr lang="fr-FR" dirty="0"/>
+          </a:p>
+        </p:txBody>
+      </p:sp>
     </p:spTree>
   </p:cSld>
   <p:clrMapOvr>
@@ -23285,35 +24003,9 @@
             <a:pPr algn="ctr"/>
             <a:r>
               <a:rPr lang="en-US" dirty="0" smtClean="0"/>
-              <a:t>Do you have any question?</a:t>
+              <a:t>Practice !</a:t>
             </a:r>
             <a:endParaRPr lang="en-US" dirty="0"/>
-          </a:p>
-        </p:txBody>
-      </p:sp>
-      <p:sp>
-        <p:nvSpPr>
-          <p:cNvPr id="3" name="Content Placeholder 2"/>
-          <p:cNvSpPr>
-            <a:spLocks noGrp="1"/>
-          </p:cNvSpPr>
-          <p:nvPr>
-            <p:ph idx="1"/>
-          </p:nvPr>
-        </p:nvSpPr>
-        <p:spPr/>
-        <p:txBody>
-          <a:bodyPr/>
-          <a:lstStyle/>
-          <a:p>
-            <a:pPr>
-              <a:buNone/>
-            </a:pPr>
-            <a:r>
-              <a:rPr lang="fr-FR" dirty="0" smtClean="0"/>
-              <a:t> </a:t>
-            </a:r>
-            <a:endParaRPr lang="fr-FR" dirty="0"/>
           </a:p>
         </p:txBody>
       </p:sp>
@@ -23336,6 +24028,147 @@
               <a:rPr lang="fr-FR" smtClean="0"/>
               <a:pPr/>
               <a:t>30</a:t>
+            </a:fld>
+            <a:endParaRPr lang="fr-FR"/>
+          </a:p>
+        </p:txBody>
+      </p:sp>
+      <p:pic>
+        <p:nvPicPr>
+          <p:cNvPr id="1029" name="Picture 5"/>
+          <p:cNvPicPr>
+            <a:picLocks noGrp="1" noChangeAspect="1" noChangeArrowheads="1"/>
+          </p:cNvPicPr>
+          <p:nvPr>
+            <p:ph idx="1"/>
+          </p:nvPr>
+        </p:nvPicPr>
+        <p:blipFill>
+          <a:blip r:embed="rId2" cstate="print"/>
+          <a:srcRect/>
+          <a:stretch>
+            <a:fillRect/>
+          </a:stretch>
+        </p:blipFill>
+        <p:spPr bwMode="auto">
+          <a:xfrm>
+            <a:off x="395536" y="3284984"/>
+            <a:ext cx="8483326" cy="1249710"/>
+          </a:xfrm>
+          <a:prstGeom prst="rect">
+            <a:avLst/>
+          </a:prstGeom>
+          <a:noFill/>
+          <a:ln w="9525">
+            <a:noFill/>
+            <a:miter lim="800000"/>
+            <a:headEnd/>
+            <a:tailEnd/>
+          </a:ln>
+          <a:effectLst/>
+        </p:spPr>
+      </p:pic>
+    </p:spTree>
+  </p:cSld>
+  <p:clrMapOvr>
+    <a:masterClrMapping/>
+  </p:clrMapOvr>
+  <p:timing>
+    <p:tnLst>
+      <p:par>
+        <p:cTn id="1" dur="indefinite" restart="never" nodeType="tmRoot"/>
+      </p:par>
+    </p:tnLst>
+  </p:timing>
+</p:sld>
+</file>
+
+<file path=ppt/slides/slide31.xml><?xml version="1.0" encoding="utf-8"?>
+<p:sld xmlns:a="http://schemas.openxmlformats.org/drawingml/2006/main" xmlns:r="http://schemas.openxmlformats.org/officeDocument/2006/relationships" xmlns:p="http://schemas.openxmlformats.org/presentationml/2006/main">
+  <p:cSld>
+    <p:spTree>
+      <p:nvGrpSpPr>
+        <p:cNvPr id="1" name=""/>
+        <p:cNvGrpSpPr/>
+        <p:nvPr/>
+      </p:nvGrpSpPr>
+      <p:grpSpPr>
+        <a:xfrm>
+          <a:off x="0" y="0"/>
+          <a:ext cx="0" cy="0"/>
+          <a:chOff x="0" y="0"/>
+          <a:chExt cx="0" cy="0"/>
+        </a:xfrm>
+      </p:grpSpPr>
+      <p:sp>
+        <p:nvSpPr>
+          <p:cNvPr id="2" name="Title 1"/>
+          <p:cNvSpPr>
+            <a:spLocks noGrp="1"/>
+          </p:cNvSpPr>
+          <p:nvPr>
+            <p:ph type="title"/>
+          </p:nvPr>
+        </p:nvSpPr>
+        <p:spPr/>
+        <p:txBody>
+          <a:bodyPr/>
+          <a:lstStyle/>
+          <a:p>
+            <a:pPr algn="ctr"/>
+            <a:r>
+              <a:rPr lang="en-US" dirty="0" smtClean="0"/>
+              <a:t>Do you have any question?</a:t>
+            </a:r>
+            <a:endParaRPr lang="en-US" dirty="0"/>
+          </a:p>
+        </p:txBody>
+      </p:sp>
+      <p:sp>
+        <p:nvSpPr>
+          <p:cNvPr id="3" name="Content Placeholder 2"/>
+          <p:cNvSpPr>
+            <a:spLocks noGrp="1"/>
+          </p:cNvSpPr>
+          <p:nvPr>
+            <p:ph idx="1"/>
+          </p:nvPr>
+        </p:nvSpPr>
+        <p:spPr/>
+        <p:txBody>
+          <a:bodyPr/>
+          <a:lstStyle/>
+          <a:p>
+            <a:pPr>
+              <a:buNone/>
+            </a:pPr>
+            <a:r>
+              <a:rPr lang="fr-FR" dirty="0" smtClean="0"/>
+              <a:t> </a:t>
+            </a:r>
+            <a:endParaRPr lang="fr-FR" dirty="0"/>
+          </a:p>
+        </p:txBody>
+      </p:sp>
+      <p:sp>
+        <p:nvSpPr>
+          <p:cNvPr id="4" name="Slide Number Placeholder 3"/>
+          <p:cNvSpPr>
+            <a:spLocks noGrp="1"/>
+          </p:cNvSpPr>
+          <p:nvPr>
+            <p:ph type="sldNum" sz="quarter" idx="12"/>
+          </p:nvPr>
+        </p:nvSpPr>
+        <p:spPr/>
+        <p:txBody>
+          <a:bodyPr/>
+          <a:lstStyle/>
+          <a:p>
+            <a:fld id="{2DF02132-0EFC-4140-B7E5-E20918FBBD76}" type="slidenum">
+              <a:rPr lang="fr-FR" smtClean="0"/>
+              <a:pPr/>
+              <a:t>31</a:t>
             </a:fld>
             <a:endParaRPr lang="fr-FR"/>
           </a:p>

--- a/annexes/Word_recognition.pptx
+++ b/annexes/Word_recognition.pptx
@@ -155,14 +155,10 @@
               <a:defRPr/>
             </a:pPr>
             <a:r>
-              <a:rPr lang="fr-FR" dirty="0"/>
-              <a:t>Mel </a:t>
-            </a:r>
-            <a:r>
-              <a:rPr lang="fr-FR" dirty="0" err="1"/>
-              <a:t>scale</a:t>
-            </a:r>
-            <a:endParaRPr lang="fr-FR"/>
+              <a:rPr lang="en-US" noProof="0" dirty="0" smtClean="0"/>
+              <a:t>Mel’s scale</a:t>
+            </a:r>
+            <a:endParaRPr lang="en-US" noProof="0" dirty="0"/>
           </a:p>
         </c:rich>
       </c:tx>
@@ -188,13 +184,13 @@
                 <c:formatCode>General</c:formatCode>
                 <c:ptCount val="19"/>
                 <c:pt idx="0">
-                  <c:v>275.63444261342954</c:v>
+                  <c:v>275.63444261342983</c:v>
                 </c:pt>
                 <c:pt idx="1">
                   <c:v>506.95998871988297</c:v>
                 </c:pt>
                 <c:pt idx="2">
-                  <c:v>706.26879694329205</c:v>
+                  <c:v>706.26879694329261</c:v>
                 </c:pt>
                 <c:pt idx="3">
                   <c:v>881.35550350138089</c:v>
@@ -203,10 +199,10 @@
                   <c:v>1037.474705418663</c:v>
                 </c:pt>
                 <c:pt idx="5">
-                  <c:v>1178.3372412585072</c:v>
+                  <c:v>1178.3372412585065</c:v>
                 </c:pt>
                 <c:pt idx="6">
-                  <c:v>1306.661338234042</c:v>
+                  <c:v>1306.6613382340404</c:v>
                 </c:pt>
                 <c:pt idx="7">
                   <c:v>1424.4978285279099</c:v>
@@ -218,7 +214,7 @@
                   <c:v>1634.7155359182561</c:v>
                 </c:pt>
                 <c:pt idx="10">
-                  <c:v>1729.3524100563218</c:v>
+                  <c:v>1729.3524100563202</c:v>
                 </c:pt>
                 <c:pt idx="11">
                   <c:v>1818.1616770141868</c:v>
@@ -230,10 +226,10 @@
                   <c:v>1980.8911770522955</c:v>
                 </c:pt>
                 <c:pt idx="14">
-                  <c:v>2055.8532347335331</c:v>
+                  <c:v>2055.8532347335358</c:v>
                 </c:pt>
                 <c:pt idx="15">
-                  <c:v>2127.1119179033558</c:v>
+                  <c:v>2127.1119179033581</c:v>
                 </c:pt>
                 <c:pt idx="16">
                   <c:v>2195.0159824051429</c:v>
@@ -272,7 +268,7 @@
                   <c:v>1263.1578947368398</c:v>
                 </c:pt>
                 <c:pt idx="6">
-                  <c:v>1473.6842105263058</c:v>
+                  <c:v>1473.6842105263045</c:v>
                 </c:pt>
                 <c:pt idx="7">
                   <c:v>1684.21052631579</c:v>
@@ -293,13 +289,13 @@
                   <c:v>2736.8421052631579</c:v>
                 </c:pt>
                 <c:pt idx="13">
-                  <c:v>2947.3684210526203</c:v>
+                  <c:v>2947.3684210526189</c:v>
                 </c:pt>
                 <c:pt idx="14">
-                  <c:v>3157.8947368421232</c:v>
+                  <c:v>3157.8947368421259</c:v>
                 </c:pt>
                 <c:pt idx="15">
-                  <c:v>3368.4210526315987</c:v>
+                  <c:v>3368.421052631601</c:v>
                 </c:pt>
                 <c:pt idx="16">
                   <c:v>3578.9473684210507</c:v>
@@ -343,13 +339,13 @@
                 <c:formatCode>General</c:formatCode>
                 <c:ptCount val="4"/>
                 <c:pt idx="0">
-                  <c:v>275.63444261342954</c:v>
+                  <c:v>275.63444261342983</c:v>
                 </c:pt>
                 <c:pt idx="1">
                   <c:v>506.95998871988297</c:v>
                 </c:pt>
                 <c:pt idx="2">
-                  <c:v>706.26879694329205</c:v>
+                  <c:v>706.26879694329261</c:v>
                 </c:pt>
                 <c:pt idx="3">
                   <c:v>881.35550350138089</c:v>
@@ -382,7 +378,7 @@
                   <c:v>1263.1578947368398</c:v>
                 </c:pt>
                 <c:pt idx="6">
-                  <c:v>1473.6842105263058</c:v>
+                  <c:v>1473.6842105263045</c:v>
                 </c:pt>
                 <c:pt idx="7">
                   <c:v>1684.21052631579</c:v>
@@ -403,13 +399,13 @@
                   <c:v>2736.8421052631579</c:v>
                 </c:pt>
                 <c:pt idx="13">
-                  <c:v>2947.3684210526203</c:v>
+                  <c:v>2947.3684210526189</c:v>
                 </c:pt>
                 <c:pt idx="14">
-                  <c:v>3157.8947368421232</c:v>
+                  <c:v>3157.8947368421259</c:v>
                 </c:pt>
                 <c:pt idx="15">
-                  <c:v>3368.4210526315987</c:v>
+                  <c:v>3368.421052631601</c:v>
                 </c:pt>
                 <c:pt idx="16">
                   <c:v>3578.9473684210507</c:v>
@@ -425,11 +421,11 @@
           </c:yVal>
           <c:smooth val="1"/>
         </c:ser>
-        <c:axId val="81012224"/>
-        <c:axId val="81014144"/>
+        <c:axId val="46876160"/>
+        <c:axId val="46878080"/>
       </c:scatterChart>
       <c:valAx>
-        <c:axId val="81012224"/>
+        <c:axId val="46876160"/>
         <c:scaling>
           <c:orientation val="minMax"/>
         </c:scaling>
@@ -471,12 +467,12 @@
         </c:title>
         <c:numFmt formatCode="General" sourceLinked="1"/>
         <c:tickLblPos val="nextTo"/>
-        <c:crossAx val="81014144"/>
+        <c:crossAx val="46878080"/>
         <c:crosses val="autoZero"/>
         <c:crossBetween val="midCat"/>
       </c:valAx>
       <c:valAx>
-        <c:axId val="81014144"/>
+        <c:axId val="46878080"/>
         <c:scaling>
           <c:orientation val="minMax"/>
         </c:scaling>
@@ -502,7 +498,7 @@
         </c:title>
         <c:numFmt formatCode="General" sourceLinked="1"/>
         <c:tickLblPos val="nextTo"/>
-        <c:crossAx val="81012224"/>
+        <c:crossAx val="46876160"/>
         <c:crosses val="autoZero"/>
         <c:crossBetween val="midCat"/>
       </c:valAx>
@@ -596,7 +592,7 @@
             <a:fld id="{0858D340-178C-4486-9D28-94A06075759D}" type="datetimeFigureOut">
               <a:rPr lang="fr-FR" smtClean="0"/>
               <a:pPr/>
-              <a:t>23/01/2013</a:t>
+              <a:t>24/01/2013</a:t>
             </a:fld>
             <a:endParaRPr lang="fr-FR"/>
           </a:p>
@@ -2212,18 +2208,7 @@
                 <a:ea typeface="+mn-ea"/>
                 <a:cs typeface="+mn-cs"/>
               </a:rPr>
-              <a:t>The </a:t>
-            </a:r>
-            <a:r>
-              <a:rPr lang="en-US" sz="1200" kern="1200" dirty="0" smtClean="0">
-                <a:solidFill>
-                  <a:schemeClr val="tx1"/>
-                </a:solidFill>
-                <a:latin typeface="+mn-lt"/>
-                <a:ea typeface="+mn-ea"/>
-                <a:cs typeface="+mn-cs"/>
-              </a:rPr>
-              <a:t>difference between /a/ and /</a:t>
+              <a:t>The difference between /a/ and /</a:t>
             </a:r>
             <a:r>
               <a:rPr lang="en-US" sz="1200" kern="1200" dirty="0" err="1" smtClean="0">
@@ -2563,11 +2548,7 @@
           <a:p>
             <a:r>
               <a:rPr lang="fr-FR" dirty="0" smtClean="0"/>
-              <a:t>C</a:t>
-            </a:r>
-            <a:r>
-              <a:rPr lang="fr-FR" dirty="0" smtClean="0"/>
-              <a:t>++</a:t>
+              <a:t>C++</a:t>
             </a:r>
             <a:endParaRPr lang="fr-FR" dirty="0"/>
           </a:p>
@@ -3089,11 +3070,7 @@
           <a:p>
             <a:r>
               <a:rPr lang="fr-FR" dirty="0" smtClean="0"/>
-              <a:t>Multi </a:t>
-            </a:r>
-            <a:r>
-              <a:rPr lang="fr-FR" dirty="0" smtClean="0"/>
-              <a:t>thread / synchronisation</a:t>
+              <a:t>Multi thread / synchronisation</a:t>
             </a:r>
             <a:endParaRPr lang="fr-FR" dirty="0"/>
           </a:p>
@@ -3357,11 +3334,7 @@
           <a:p>
             <a:r>
               <a:rPr lang="fr-FR" dirty="0" smtClean="0"/>
-              <a:t>Multi </a:t>
-            </a:r>
-            <a:r>
-              <a:rPr lang="fr-FR" dirty="0" smtClean="0"/>
-              <a:t>thread / synchronisation</a:t>
+              <a:t>Multi thread / synchronisation</a:t>
             </a:r>
             <a:endParaRPr lang="fr-FR" dirty="0"/>
           </a:p>
@@ -4010,7 +3983,35 @@
               <a:rPr lang="fr-FR" dirty="0" smtClean="0"/>
               <a:t>M</a:t>
             </a:r>
-            <a:endParaRPr lang="fr-FR" dirty="0"/>
+          </a:p>
+          <a:p>
+            <a:r>
+              <a:rPr lang="en-US" sz="1200" kern="1200" dirty="0" smtClean="0">
+                <a:solidFill>
+                  <a:schemeClr val="tx1"/>
+                </a:solidFill>
+                <a:latin typeface="+mn-lt"/>
+                <a:ea typeface="+mn-ea"/>
+                <a:cs typeface="+mn-cs"/>
+              </a:rPr>
+              <a:t> </a:t>
+            </a:r>
+            <a:r>
+              <a:rPr lang="en-US" sz="1200" kern="1200" dirty="0" smtClean="0">
+                <a:solidFill>
+                  <a:srgbClr val="FF0000"/>
+                </a:solidFill>
+                <a:latin typeface="+mn-lt"/>
+                <a:ea typeface="+mn-ea"/>
+                <a:cs typeface="+mn-cs"/>
+              </a:rPr>
+              <a:t>the perception intensity of a stimulus does not linearly increase as a function of its power, but exponentially.</a:t>
+            </a:r>
+            <a:endParaRPr lang="fr-FR" dirty="0">
+              <a:solidFill>
+                <a:srgbClr val="FF0000"/>
+              </a:solidFill>
+            </a:endParaRPr>
           </a:p>
         </p:txBody>
       </p:sp>
@@ -4387,7 +4388,7 @@
             <a:fld id="{4BEE22D1-9E3B-4EEC-9E1E-AB0B34D40883}" type="datetime1">
               <a:rPr lang="fr-FR" smtClean="0"/>
               <a:pPr/>
-              <a:t>23/01/2013</a:t>
+              <a:t>24/01/2013</a:t>
             </a:fld>
             <a:endParaRPr lang="fr-FR"/>
           </a:p>
@@ -4558,7 +4559,7 @@
             <a:fld id="{0BC67C51-3D9A-48F3-B15E-73633CA06EB2}" type="datetime1">
               <a:rPr lang="fr-FR" smtClean="0"/>
               <a:pPr/>
-              <a:t>23/01/2013</a:t>
+              <a:t>24/01/2013</a:t>
             </a:fld>
             <a:endParaRPr lang="fr-FR"/>
           </a:p>
@@ -4739,7 +4740,7 @@
             <a:fld id="{90655434-AD1B-487B-BA7D-93325835C149}" type="datetime1">
               <a:rPr lang="fr-FR" smtClean="0"/>
               <a:pPr/>
-              <a:t>23/01/2013</a:t>
+              <a:t>24/01/2013</a:t>
             </a:fld>
             <a:endParaRPr lang="fr-FR"/>
           </a:p>
@@ -4910,7 +4911,7 @@
             <a:fld id="{9E1653A4-DF21-48A8-BD96-675A6C7A2DE4}" type="datetime1">
               <a:rPr lang="fr-FR" smtClean="0"/>
               <a:pPr/>
-              <a:t>23/01/2013</a:t>
+              <a:t>24/01/2013</a:t>
             </a:fld>
             <a:endParaRPr lang="fr-FR"/>
           </a:p>
@@ -5153,7 +5154,7 @@
             <a:fld id="{FD495858-B3DA-4EBD-AD7C-5368780FE0A3}" type="datetime1">
               <a:rPr lang="fr-FR" smtClean="0"/>
               <a:pPr/>
-              <a:t>23/01/2013</a:t>
+              <a:t>24/01/2013</a:t>
             </a:fld>
             <a:endParaRPr lang="fr-FR"/>
           </a:p>
@@ -5811,7 +5812,7 @@
             <a:fld id="{19BF99BF-E0DF-47C8-BE3B-4CEE879D88AB}" type="datetime1">
               <a:rPr lang="fr-FR" smtClean="0"/>
               <a:pPr/>
-              <a:t>23/01/2013</a:t>
+              <a:t>24/01/2013</a:t>
             </a:fld>
             <a:endParaRPr lang="fr-FR"/>
           </a:p>
@@ -5967,7 +5968,7 @@
             <a:fld id="{FD4C236D-F663-4935-B0AE-BA737B5531D3}" type="datetime1">
               <a:rPr lang="fr-FR" smtClean="0"/>
               <a:pPr/>
-              <a:t>23/01/2013</a:t>
+              <a:t>24/01/2013</a:t>
             </a:fld>
             <a:endParaRPr lang="fr-FR"/>
           </a:p>
@@ -6063,7 +6064,7 @@
             <a:fld id="{3B334D03-397E-468A-948A-EEA84CF3E107}" type="datetime1">
               <a:rPr lang="fr-FR" smtClean="0"/>
               <a:pPr/>
-              <a:t>23/01/2013</a:t>
+              <a:t>24/01/2013</a:t>
             </a:fld>
             <a:endParaRPr lang="fr-FR"/>
           </a:p>
@@ -6330,7 +6331,7 @@
             <a:fld id="{31DDC124-969E-453A-9CD4-243B0F968873}" type="datetime1">
               <a:rPr lang="fr-FR" smtClean="0"/>
               <a:pPr/>
-              <a:t>23/01/2013</a:t>
+              <a:t>24/01/2013</a:t>
             </a:fld>
             <a:endParaRPr lang="fr-FR"/>
           </a:p>
@@ -6624,7 +6625,7 @@
             <a:fld id="{AD69F38F-900F-4A84-B92B-56F430E125F5}" type="datetime1">
               <a:rPr lang="fr-FR" smtClean="0"/>
               <a:pPr/>
-              <a:t>23/01/2013</a:t>
+              <a:t>24/01/2013</a:t>
             </a:fld>
             <a:endParaRPr lang="fr-FR"/>
           </a:p>
@@ -7401,7 +7402,7 @@
             <a:fld id="{354388CE-C0E2-4112-9B20-DB6580EA0AA4}" type="datetime1">
               <a:rPr lang="fr-FR" smtClean="0"/>
               <a:pPr/>
-              <a:t>23/01/2013</a:t>
+              <a:t>24/01/2013</a:t>
             </a:fld>
             <a:endParaRPr lang="fr-FR"/>
           </a:p>
@@ -8303,7 +8304,7 @@
             <a:pPr marL="937260" lvl="1" indent="-571500"/>
             <a:r>
               <a:rPr lang="en-US" dirty="0" smtClean="0"/>
-              <a:t>a. Existent methods</a:t>
+              <a:t>a. Existing methods</a:t>
             </a:r>
           </a:p>
           <a:p>
@@ -9222,7 +9223,7 @@
           <a:p>
             <a:r>
               <a:rPr lang="en-US" sz="5400" dirty="0" smtClean="0"/>
-              <a:t>Existent methods</a:t>
+              <a:t>Existing methods</a:t>
             </a:r>
             <a:endParaRPr lang="en-US" dirty="0" smtClean="0"/>
           </a:p>
@@ -9266,7 +9267,7 @@
                   </a:schemeClr>
                 </a:solidFill>
               </a:rPr>
-              <a:t>a. Existent methods</a:t>
+              <a:t>a. Existing methods</a:t>
             </a:r>
           </a:p>
           <a:p>
@@ -9916,7 +9917,7 @@
           <a:p>
             <a:r>
               <a:rPr lang="en-US" sz="5400" dirty="0" smtClean="0"/>
-              <a:t>Existent methods</a:t>
+              <a:t>Existing methods</a:t>
             </a:r>
             <a:endParaRPr lang="en-US" dirty="0" smtClean="0"/>
           </a:p>
@@ -9960,7 +9961,7 @@
                   </a:schemeClr>
                 </a:solidFill>
               </a:rPr>
-              <a:t>a. Existent methods</a:t>
+              <a:t>a. Existing methods</a:t>
             </a:r>
           </a:p>
           <a:p>
@@ -10647,7 +10648,7 @@
             <a:pPr marL="937260" lvl="1" indent="-571500"/>
             <a:r>
               <a:rPr lang="en-US" dirty="0" smtClean="0"/>
-              <a:t>a. Existent methods</a:t>
+              <a:t>a. Existing methods</a:t>
             </a:r>
           </a:p>
           <a:p>
@@ -11348,7 +11349,7 @@
             <a:pPr marL="937260" lvl="1" indent="-571500"/>
             <a:r>
               <a:rPr lang="en-US" dirty="0" smtClean="0"/>
-              <a:t>a. Existent methods</a:t>
+              <a:t>a. Existing methods</a:t>
             </a:r>
           </a:p>
           <a:p>
@@ -11420,7 +11421,6 @@
               <a:rPr lang="en-US" dirty="0" smtClean="0"/>
               <a:t>Example of minimal path</a:t>
             </a:r>
-            <a:endParaRPr lang="en-US" dirty="0" smtClean="0"/>
           </a:p>
         </p:txBody>
       </p:sp>
@@ -12050,7 +12050,7 @@
             <a:pPr marL="937260" lvl="1" indent="-571500"/>
             <a:r>
               <a:rPr lang="en-US" dirty="0" smtClean="0"/>
-              <a:t>a. Existent methods</a:t>
+              <a:t>a. Existing methods</a:t>
             </a:r>
           </a:p>
           <a:p>
@@ -12762,7 +12762,7 @@
             <a:pPr marL="937260" lvl="1" indent="-571500"/>
             <a:r>
               <a:rPr lang="en-US" dirty="0" smtClean="0"/>
-              <a:t>a. Existent methods</a:t>
+              <a:t>a. Existing methods</a:t>
             </a:r>
           </a:p>
           <a:p>
@@ -13461,7 +13461,7 @@
             <a:pPr marL="937260" lvl="1" indent="-571500"/>
             <a:r>
               <a:rPr lang="en-US" dirty="0" smtClean="0"/>
-              <a:t>a. Existent methods</a:t>
+              <a:t>a. Existing methods</a:t>
             </a:r>
           </a:p>
           <a:p>
@@ -13542,11 +13542,7 @@
           <a:p>
             <a:r>
               <a:rPr lang="en-US" dirty="0" smtClean="0"/>
-              <a:t>Word beginning </a:t>
-            </a:r>
-            <a:r>
-              <a:rPr lang="en-US" dirty="0" smtClean="0"/>
-              <a:t>detection</a:t>
+              <a:t>Word beginning detection</a:t>
             </a:r>
           </a:p>
           <a:p>
@@ -13572,7 +13568,6 @@
               <a:rPr lang="en-US" dirty="0" smtClean="0"/>
               <a:t>Global approach on DTW</a:t>
             </a:r>
-            <a:endParaRPr lang="en-US" dirty="0" smtClean="0"/>
           </a:p>
         </p:txBody>
       </p:sp>
@@ -14195,7 +14190,7 @@
             <a:pPr marL="937260" lvl="1" indent="-571500"/>
             <a:r>
               <a:rPr lang="en-US" dirty="0" smtClean="0"/>
-              <a:t>a. Existent methods</a:t>
+              <a:t>a. Existing methods</a:t>
             </a:r>
           </a:p>
           <a:p>
@@ -17327,15 +17322,7 @@
           <a:p>
             <a:r>
               <a:rPr lang="en-US" dirty="0" smtClean="0"/>
-              <a:t>Home </a:t>
-            </a:r>
-            <a:r>
-              <a:rPr lang="en-US" dirty="0" smtClean="0"/>
-              <a:t>automation </a:t>
-            </a:r>
-            <a:r>
-              <a:rPr lang="en-US" dirty="0" smtClean="0"/>
-              <a:t>system</a:t>
+              <a:t>Home automation system</a:t>
             </a:r>
           </a:p>
           <a:p>
@@ -19506,28 +19493,34 @@
       </p:sp>
       <p:pic>
         <p:nvPicPr>
-          <p:cNvPr id="2051" name="Picture 3" descr="G:\ihm\Capture5.PNG"/>
+          <p:cNvPr id="17" name="Picture 16" descr="https://github.com/jeando/projetS7/blob/master/images/enreg.png?raw=true"/>
           <p:cNvPicPr>
-            <a:picLocks noChangeAspect="1" noChangeArrowheads="1"/>
+            <a:picLocks noChangeAspect="1"/>
           </p:cNvPicPr>
           <p:nvPr/>
         </p:nvPicPr>
         <p:blipFill>
           <a:blip r:embed="rId3" cstate="print"/>
-          <a:srcRect/>
+          <a:srcRect l="22591" t="11698" r="27784" b="18313"/>
           <a:stretch>
             <a:fillRect/>
           </a:stretch>
         </p:blipFill>
         <p:spPr bwMode="auto">
           <a:xfrm>
-            <a:off x="3203848" y="1412776"/>
-            <a:ext cx="5300999" cy="4176464"/>
-          </a:xfrm>
-          <a:prstGeom prst="rect">
-            <a:avLst/>
-          </a:prstGeom>
-          <a:noFill/>
+            <a:off x="3347864" y="1628800"/>
+            <a:ext cx="5004376" cy="3967123"/>
+          </a:xfrm>
+          <a:prstGeom prst="rect">
+            <a:avLst/>
+          </a:prstGeom>
+          <a:noFill/>
+          <a:ln w="9525">
+            <a:noFill/>
+            <a:miter lim="800000"/>
+            <a:headEnd/>
+            <a:tailEnd/>
+          </a:ln>
         </p:spPr>
       </p:pic>
     </p:spTree>
@@ -23216,11 +23209,7 @@
           <a:p>
             <a:r>
               <a:rPr lang="en-US" dirty="0" smtClean="0"/>
-              <a:t>Interesting </a:t>
-            </a:r>
-            <a:r>
-              <a:rPr lang="en-US" dirty="0" smtClean="0"/>
-              <a:t>project</a:t>
+              <a:t>Interesting project</a:t>
             </a:r>
           </a:p>
           <a:p>
@@ -23257,7 +23246,6 @@
               <a:rPr lang="en-US" dirty="0" smtClean="0"/>
               <a:t>Others ameliorations ?</a:t>
             </a:r>
-            <a:endParaRPr lang="en-US" dirty="0" smtClean="0"/>
           </a:p>
         </p:txBody>
       </p:sp>
@@ -23745,7 +23733,11 @@
             </a:pPr>
             <a:r>
               <a:rPr lang="en-US" dirty="0" smtClean="0"/>
-              <a:t>Mel scale and filter bank</a:t>
+              <a:t>Mel’s </a:t>
+            </a:r>
+            <a:r>
+              <a:rPr lang="en-US" dirty="0" smtClean="0"/>
+              <a:t>scale and filter bank</a:t>
             </a:r>
           </a:p>
           <a:p>
@@ -23765,7 +23757,7 @@
             </a:pPr>
             <a:r>
               <a:rPr lang="en-US" dirty="0" smtClean="0"/>
-              <a:t>Existent methods</a:t>
+              <a:t>Existing methods</a:t>
             </a:r>
           </a:p>
           <a:p>
@@ -24398,7 +24390,15 @@
             <a:pPr marL="937260" lvl="1" indent="-571500"/>
             <a:r>
               <a:rPr lang="en-US" sz="1200" dirty="0" smtClean="0"/>
-              <a:t>c. Mel scale and filter bank</a:t>
+              <a:t>c. </a:t>
+            </a:r>
+            <a:r>
+              <a:rPr lang="en-US" sz="1200" dirty="0" smtClean="0"/>
+              <a:t>Mel’s </a:t>
+            </a:r>
+            <a:r>
+              <a:rPr lang="en-US" sz="1200" dirty="0" smtClean="0"/>
+              <a:t>scale and filter bank</a:t>
             </a:r>
           </a:p>
           <a:p>
@@ -24569,6 +24569,36 @@
           </a:p>
         </p:txBody>
       </p:sp>
+      <p:pic>
+        <p:nvPicPr>
+          <p:cNvPr id="8" name="Picture 7"/>
+          <p:cNvPicPr/>
+          <p:nvPr/>
+        </p:nvPicPr>
+        <p:blipFill>
+          <a:blip r:embed="rId3" cstate="print"/>
+          <a:srcRect/>
+          <a:stretch>
+            <a:fillRect/>
+          </a:stretch>
+        </p:blipFill>
+        <p:spPr bwMode="auto">
+          <a:xfrm>
+            <a:off x="6228184" y="2780928"/>
+            <a:ext cx="2664296" cy="1535111"/>
+          </a:xfrm>
+          <a:prstGeom prst="rect">
+            <a:avLst/>
+          </a:prstGeom>
+          <a:noFill/>
+          <a:ln w="9525">
+            <a:noFill/>
+            <a:miter lim="800000"/>
+            <a:headEnd/>
+            <a:tailEnd/>
+          </a:ln>
+        </p:spPr>
+      </p:pic>
     </p:spTree>
   </p:cSld>
   <p:clrMapOvr>
@@ -24669,7 +24699,15 @@
             <a:pPr marL="937260" lvl="1" indent="-571500"/>
             <a:r>
               <a:rPr lang="en-US" sz="1200" dirty="0" smtClean="0"/>
-              <a:t>c. Mel scale and filter bank</a:t>
+              <a:t>c. </a:t>
+            </a:r>
+            <a:r>
+              <a:rPr lang="en-US" sz="1200" dirty="0" smtClean="0"/>
+              <a:t>Mel’s </a:t>
+            </a:r>
+            <a:r>
+              <a:rPr lang="en-US" sz="1200" dirty="0" smtClean="0"/>
+              <a:t>scale and filter bank</a:t>
             </a:r>
           </a:p>
           <a:p>
@@ -25122,7 +25160,15 @@
             <a:pPr marL="937260" lvl="1" indent="-571500"/>
             <a:r>
               <a:rPr lang="en-US" sz="1200" dirty="0" smtClean="0"/>
-              <a:t>c. Mel scale and filter bank</a:t>
+              <a:t>c. </a:t>
+            </a:r>
+            <a:r>
+              <a:rPr lang="en-US" sz="1200" dirty="0" smtClean="0"/>
+              <a:t>Mel’s </a:t>
+            </a:r>
+            <a:r>
+              <a:rPr lang="en-US" sz="1200" dirty="0" smtClean="0"/>
+              <a:t>scale and filter bank</a:t>
             </a:r>
           </a:p>
           <a:p>
@@ -25739,7 +25785,11 @@
           <a:p>
             <a:r>
               <a:rPr lang="en-US" sz="5400" dirty="0" smtClean="0"/>
-              <a:t>Mel scale and filter bank</a:t>
+              <a:t>Mel’s </a:t>
+            </a:r>
+            <a:r>
+              <a:rPr lang="en-US" sz="5400" dirty="0" smtClean="0"/>
+              <a:t>scale and filter bank</a:t>
             </a:r>
             <a:endParaRPr lang="en-US" dirty="0" smtClean="0"/>
           </a:p>
@@ -25790,7 +25840,27 @@
                   </a:schemeClr>
                 </a:solidFill>
               </a:rPr>
-              <a:t>c. Mel scale and filter bank</a:t>
+              <a:t>c. </a:t>
+            </a:r>
+            <a:r>
+              <a:rPr lang="en-US" sz="1200" dirty="0" smtClean="0">
+                <a:solidFill>
+                  <a:schemeClr val="bg2">
+                    <a:lumMod val="50000"/>
+                  </a:schemeClr>
+                </a:solidFill>
+              </a:rPr>
+              <a:t>Mel’s </a:t>
+            </a:r>
+            <a:r>
+              <a:rPr lang="en-US" sz="1200" dirty="0" smtClean="0">
+                <a:solidFill>
+                  <a:schemeClr val="bg2">
+                    <a:lumMod val="50000"/>
+                  </a:schemeClr>
+                </a:solidFill>
+              </a:rPr>
+              <a:t>scale and filter bank</a:t>
             </a:r>
           </a:p>
           <a:p>
@@ -25836,7 +25906,11 @@
           <a:p>
             <a:r>
               <a:rPr lang="en-US" dirty="0" smtClean="0"/>
-              <a:t>Mel scale:</a:t>
+              <a:t>Mel’s </a:t>
+            </a:r>
+            <a:r>
+              <a:rPr lang="en-US" dirty="0" smtClean="0"/>
+              <a:t>scale:</a:t>
             </a:r>
           </a:p>
           <a:p>
@@ -26463,7 +26537,11 @@
           <a:p>
             <a:r>
               <a:rPr lang="en-US" sz="5400" dirty="0" smtClean="0"/>
-              <a:t>Mel scale and filter bank</a:t>
+              <a:t>Mel’s </a:t>
+            </a:r>
+            <a:r>
+              <a:rPr lang="en-US" sz="5400" dirty="0" smtClean="0"/>
+              <a:t>scale and filter bank</a:t>
             </a:r>
             <a:endParaRPr lang="en-US" dirty="0" smtClean="0"/>
           </a:p>
@@ -26514,7 +26592,27 @@
                   </a:schemeClr>
                 </a:solidFill>
               </a:rPr>
-              <a:t>c. Mel scale and filter bank</a:t>
+              <a:t>c. </a:t>
+            </a:r>
+            <a:r>
+              <a:rPr lang="en-US" sz="1200" dirty="0" smtClean="0">
+                <a:solidFill>
+                  <a:schemeClr val="bg2">
+                    <a:lumMod val="50000"/>
+                  </a:schemeClr>
+                </a:solidFill>
+              </a:rPr>
+              <a:t>Mel’s </a:t>
+            </a:r>
+            <a:r>
+              <a:rPr lang="en-US" sz="1200" dirty="0" smtClean="0">
+                <a:solidFill>
+                  <a:schemeClr val="bg2">
+                    <a:lumMod val="50000"/>
+                  </a:schemeClr>
+                </a:solidFill>
+              </a:rPr>
+              <a:t>scale and filter bank</a:t>
             </a:r>
           </a:p>
           <a:p>
@@ -26574,7 +26672,15 @@
             <a:pPr lvl="1"/>
             <a:r>
               <a:rPr lang="en-US" dirty="0" smtClean="0"/>
-              <a:t>Uniform on the Mel scale, non uniformly on the frequency scale</a:t>
+              <a:t>Uniform on the </a:t>
+            </a:r>
+            <a:r>
+              <a:rPr lang="en-US" dirty="0" smtClean="0"/>
+              <a:t>Mel’s </a:t>
+            </a:r>
+            <a:r>
+              <a:rPr lang="en-US" dirty="0" smtClean="0"/>
+              <a:t>scale, non uniformly on the frequency scale</a:t>
             </a:r>
             <a:br>
               <a:rPr lang="en-US" dirty="0" smtClean="0"/>
@@ -27162,7 +27268,11 @@
           <a:p>
             <a:r>
               <a:rPr lang="en-US" sz="5400" dirty="0" smtClean="0"/>
-              <a:t>Mel scale and filter bank</a:t>
+              <a:t>Mel’s </a:t>
+            </a:r>
+            <a:r>
+              <a:rPr lang="en-US" sz="5400" dirty="0" smtClean="0"/>
+              <a:t>scale and filter bank</a:t>
             </a:r>
             <a:endParaRPr lang="en-US" dirty="0" smtClean="0"/>
           </a:p>
@@ -27213,7 +27323,27 @@
                   </a:schemeClr>
                 </a:solidFill>
               </a:rPr>
-              <a:t>c. Mel scale and filter bank</a:t>
+              <a:t>c. </a:t>
+            </a:r>
+            <a:r>
+              <a:rPr lang="en-US" sz="1200" dirty="0" smtClean="0">
+                <a:solidFill>
+                  <a:schemeClr val="bg2">
+                    <a:lumMod val="50000"/>
+                  </a:schemeClr>
+                </a:solidFill>
+              </a:rPr>
+              <a:t>Mel’s </a:t>
+            </a:r>
+            <a:r>
+              <a:rPr lang="en-US" sz="1200" dirty="0" smtClean="0">
+                <a:solidFill>
+                  <a:schemeClr val="bg2">
+                    <a:lumMod val="50000"/>
+                  </a:schemeClr>
+                </a:solidFill>
+              </a:rPr>
+              <a:t>scale and filter bank</a:t>
             </a:r>
           </a:p>
           <a:p>
